--- a/ModelTalk.pptx
+++ b/ModelTalk.pptx
@@ -5,22 +5,26 @@
     <p:sldMasterId id="2147483648" r:id="rId1"/>
   </p:sldMasterIdLst>
   <p:notesMasterIdLst>
-    <p:notesMasterId r:id="rId12"/>
+    <p:notesMasterId r:id="rId13"/>
   </p:notesMasterIdLst>
+  <p:handoutMasterIdLst>
+    <p:handoutMasterId r:id="rId14"/>
+  </p:handoutMasterIdLst>
   <p:sldIdLst>
     <p:sldId id="256" r:id="rId2"/>
     <p:sldId id="257" r:id="rId3"/>
     <p:sldId id="258" r:id="rId4"/>
-    <p:sldId id="264" r:id="rId5"/>
-    <p:sldId id="265" r:id="rId6"/>
-    <p:sldId id="263" r:id="rId7"/>
-    <p:sldId id="262" r:id="rId8"/>
-    <p:sldId id="261" r:id="rId9"/>
-    <p:sldId id="260" r:id="rId10"/>
-    <p:sldId id="259" r:id="rId11"/>
+    <p:sldId id="266" r:id="rId5"/>
+    <p:sldId id="264" r:id="rId6"/>
+    <p:sldId id="265" r:id="rId7"/>
+    <p:sldId id="263" r:id="rId8"/>
+    <p:sldId id="262" r:id="rId9"/>
+    <p:sldId id="261" r:id="rId10"/>
+    <p:sldId id="260" r:id="rId11"/>
+    <p:sldId id="259" r:id="rId12"/>
   </p:sldIdLst>
   <p:sldSz cx="9144000" cy="6858000" type="screen4x3"/>
-  <p:notesSz cx="6858000" cy="9144000"/>
+  <p:notesSz cx="7315200" cy="9601200"/>
   <p:defaultTextStyle>
     <a:defPPr>
       <a:defRPr lang="en-US"/>
@@ -119,6 +123,171 @@
 </p:presentation>
 </file>
 
+<file path=ppt/handoutMasters/handoutMaster1.xml><?xml version="1.0" encoding="utf-8"?>
+<p:handoutMaster xmlns:a="http://schemas.openxmlformats.org/drawingml/2006/main" xmlns:r="http://schemas.openxmlformats.org/officeDocument/2006/relationships" xmlns:p="http://schemas.openxmlformats.org/presentationml/2006/main">
+  <p:cSld>
+    <p:bg>
+      <p:bgRef idx="1001">
+        <a:schemeClr val="bg1"/>
+      </p:bgRef>
+    </p:bg>
+    <p:spTree>
+      <p:nvGrpSpPr>
+        <p:cNvPr id="1" name=""/>
+        <p:cNvGrpSpPr/>
+        <p:nvPr/>
+      </p:nvGrpSpPr>
+      <p:grpSpPr>
+        <a:xfrm>
+          <a:off x="0" y="0"/>
+          <a:ext cx="0" cy="0"/>
+          <a:chOff x="0" y="0"/>
+          <a:chExt cx="0" cy="0"/>
+        </a:xfrm>
+      </p:grpSpPr>
+      <p:sp>
+        <p:nvSpPr>
+          <p:cNvPr id="2" name="Header Placeholder 1"/>
+          <p:cNvSpPr>
+            <a:spLocks noGrp="1"/>
+          </p:cNvSpPr>
+          <p:nvPr>
+            <p:ph type="hdr" sz="quarter"/>
+          </p:nvPr>
+        </p:nvSpPr>
+        <p:spPr>
+          <a:xfrm>
+            <a:off x="0" y="0"/>
+            <a:ext cx="3170238" cy="479425"/>
+          </a:xfrm>
+          <a:prstGeom prst="rect">
+            <a:avLst/>
+          </a:prstGeom>
+        </p:spPr>
+        <p:txBody>
+          <a:bodyPr vert="horz" lIns="91440" tIns="45720" rIns="91440" bIns="45720" rtlCol="0"/>
+          <a:lstStyle>
+            <a:lvl1pPr algn="l">
+              <a:defRPr sz="1200"/>
+            </a:lvl1pPr>
+          </a:lstStyle>
+          <a:p>
+            <a:endParaRPr lang="en-US"/>
+          </a:p>
+        </p:txBody>
+      </p:sp>
+      <p:sp>
+        <p:nvSpPr>
+          <p:cNvPr id="3" name="Date Placeholder 2"/>
+          <p:cNvSpPr>
+            <a:spLocks noGrp="1"/>
+          </p:cNvSpPr>
+          <p:nvPr>
+            <p:ph type="dt" sz="quarter" idx="1"/>
+          </p:nvPr>
+        </p:nvSpPr>
+        <p:spPr>
+          <a:xfrm>
+            <a:off x="4143375" y="0"/>
+            <a:ext cx="3170238" cy="479425"/>
+          </a:xfrm>
+          <a:prstGeom prst="rect">
+            <a:avLst/>
+          </a:prstGeom>
+        </p:spPr>
+        <p:txBody>
+          <a:bodyPr vert="horz" lIns="91440" tIns="45720" rIns="91440" bIns="45720" rtlCol="0"/>
+          <a:lstStyle>
+            <a:lvl1pPr algn="r">
+              <a:defRPr sz="1200"/>
+            </a:lvl1pPr>
+          </a:lstStyle>
+          <a:p>
+            <a:fld id="{9FC7A91B-FA18-4D2F-A2DC-C0564A1AEA35}" type="datetimeFigureOut">
+              <a:rPr lang="en-US" smtClean="0"/>
+              <a:t>4/10/2013</a:t>
+            </a:fld>
+            <a:endParaRPr lang="en-US"/>
+          </a:p>
+        </p:txBody>
+      </p:sp>
+      <p:sp>
+        <p:nvSpPr>
+          <p:cNvPr id="4" name="Footer Placeholder 3"/>
+          <p:cNvSpPr>
+            <a:spLocks noGrp="1"/>
+          </p:cNvSpPr>
+          <p:nvPr>
+            <p:ph type="ftr" sz="quarter" idx="2"/>
+          </p:nvPr>
+        </p:nvSpPr>
+        <p:spPr>
+          <a:xfrm>
+            <a:off x="0" y="9120188"/>
+            <a:ext cx="3170238" cy="479425"/>
+          </a:xfrm>
+          <a:prstGeom prst="rect">
+            <a:avLst/>
+          </a:prstGeom>
+        </p:spPr>
+        <p:txBody>
+          <a:bodyPr vert="horz" lIns="91440" tIns="45720" rIns="91440" bIns="45720" rtlCol="0" anchor="b"/>
+          <a:lstStyle>
+            <a:lvl1pPr algn="l">
+              <a:defRPr sz="1200"/>
+            </a:lvl1pPr>
+          </a:lstStyle>
+          <a:p>
+            <a:endParaRPr lang="en-US"/>
+          </a:p>
+        </p:txBody>
+      </p:sp>
+      <p:sp>
+        <p:nvSpPr>
+          <p:cNvPr id="5" name="Slide Number Placeholder 4"/>
+          <p:cNvSpPr>
+            <a:spLocks noGrp="1"/>
+          </p:cNvSpPr>
+          <p:nvPr>
+            <p:ph type="sldNum" sz="quarter" idx="3"/>
+          </p:nvPr>
+        </p:nvSpPr>
+        <p:spPr>
+          <a:xfrm>
+            <a:off x="4143375" y="9120188"/>
+            <a:ext cx="3170238" cy="479425"/>
+          </a:xfrm>
+          <a:prstGeom prst="rect">
+            <a:avLst/>
+          </a:prstGeom>
+        </p:spPr>
+        <p:txBody>
+          <a:bodyPr vert="horz" lIns="91440" tIns="45720" rIns="91440" bIns="45720" rtlCol="0" anchor="b"/>
+          <a:lstStyle>
+            <a:lvl1pPr algn="r">
+              <a:defRPr sz="1200"/>
+            </a:lvl1pPr>
+          </a:lstStyle>
+          <a:p>
+            <a:fld id="{536A500F-6F5A-4094-95C3-884AAF8CCC38}" type="slidenum">
+              <a:rPr lang="en-US" smtClean="0"/>
+              <a:t>‹#›</a:t>
+            </a:fld>
+            <a:endParaRPr lang="en-US"/>
+          </a:p>
+        </p:txBody>
+      </p:sp>
+    </p:spTree>
+    <p:extLst>
+      <p:ext uri="{BB962C8B-B14F-4D97-AF65-F5344CB8AC3E}">
+        <p14:creationId xmlns:p14="http://schemas.microsoft.com/office/powerpoint/2010/main" val="3818301138"/>
+      </p:ext>
+    </p:extLst>
+  </p:cSld>
+  <p:clrMap bg1="lt1" tx1="dk1" bg2="lt2" tx2="dk2" accent1="accent1" accent2="accent2" accent3="accent3" accent4="accent4" accent5="accent5" accent6="accent6" hlink="hlink" folHlink="folHlink"/>
+</p:handoutMaster>
+</file>
+
 <file path=ppt/notesMasters/notesMaster1.xml><?xml version="1.0" encoding="utf-8"?>
 <p:notesMaster xmlns:a="http://schemas.openxmlformats.org/drawingml/2006/main" xmlns:r="http://schemas.openxmlformats.org/officeDocument/2006/relationships" xmlns:p="http://schemas.openxmlformats.org/presentationml/2006/main">
   <p:cSld>
@@ -154,17 +323,17 @@
         <p:spPr>
           <a:xfrm>
             <a:off x="0" y="0"/>
-            <a:ext cx="2971800" cy="457200"/>
+            <a:ext cx="3169920" cy="480060"/>
           </a:xfrm>
           <a:prstGeom prst="rect">
             <a:avLst/>
           </a:prstGeom>
         </p:spPr>
         <p:txBody>
-          <a:bodyPr vert="horz" lIns="91440" tIns="45720" rIns="91440" bIns="45720" rtlCol="0"/>
+          <a:bodyPr vert="horz" lIns="96661" tIns="48331" rIns="96661" bIns="48331" rtlCol="0"/>
           <a:lstStyle>
             <a:lvl1pPr algn="l">
-              <a:defRPr sz="1200"/>
+              <a:defRPr sz="1300"/>
             </a:lvl1pPr>
           </a:lstStyle>
           <a:p>
@@ -184,24 +353,24 @@
         </p:nvSpPr>
         <p:spPr>
           <a:xfrm>
-            <a:off x="3884613" y="0"/>
-            <a:ext cx="2971800" cy="457200"/>
+            <a:off x="4143587" y="0"/>
+            <a:ext cx="3169920" cy="480060"/>
           </a:xfrm>
           <a:prstGeom prst="rect">
             <a:avLst/>
           </a:prstGeom>
         </p:spPr>
         <p:txBody>
-          <a:bodyPr vert="horz" lIns="91440" tIns="45720" rIns="91440" bIns="45720" rtlCol="0"/>
+          <a:bodyPr vert="horz" lIns="96661" tIns="48331" rIns="96661" bIns="48331" rtlCol="0"/>
           <a:lstStyle>
             <a:lvl1pPr algn="r">
-              <a:defRPr sz="1200"/>
+              <a:defRPr sz="1300"/>
             </a:lvl1pPr>
           </a:lstStyle>
           <a:p>
             <a:fld id="{E4FC77D9-5DDF-4A7B-B2B8-B112B85F14F8}" type="datetimeFigureOut">
               <a:rPr lang="en-US" smtClean="0"/>
-              <a:t>3/28/2013</a:t>
+              <a:t>4/10/2013</a:t>
             </a:fld>
             <a:endParaRPr lang="en-US"/>
           </a:p>
@@ -219,8 +388,8 @@
         </p:nvSpPr>
         <p:spPr>
           <a:xfrm>
-            <a:off x="1143000" y="685800"/>
-            <a:ext cx="4572000" cy="3429000"/>
+            <a:off x="1257300" y="720725"/>
+            <a:ext cx="4800600" cy="3600450"/>
           </a:xfrm>
           <a:prstGeom prst="rect">
             <a:avLst/>
@@ -233,7 +402,7 @@
           </a:ln>
         </p:spPr>
         <p:txBody>
-          <a:bodyPr vert="horz" lIns="91440" tIns="45720" rIns="91440" bIns="45720" rtlCol="0" anchor="ctr"/>
+          <a:bodyPr vert="horz" lIns="96661" tIns="48331" rIns="96661" bIns="48331" rtlCol="0" anchor="ctr"/>
           <a:lstStyle/>
           <a:p>
             <a:endParaRPr lang="en-US"/>
@@ -252,15 +421,15 @@
         </p:nvSpPr>
         <p:spPr>
           <a:xfrm>
-            <a:off x="685800" y="4343400"/>
-            <a:ext cx="5486400" cy="4114800"/>
+            <a:off x="731520" y="4560570"/>
+            <a:ext cx="5852160" cy="4320540"/>
           </a:xfrm>
           <a:prstGeom prst="rect">
             <a:avLst/>
           </a:prstGeom>
         </p:spPr>
         <p:txBody>
-          <a:bodyPr vert="horz" lIns="91440" tIns="45720" rIns="91440" bIns="45720" rtlCol="0"/>
+          <a:bodyPr vert="horz" lIns="96661" tIns="48331" rIns="96661" bIns="48331" rtlCol="0"/>
           <a:lstStyle/>
           <a:p>
             <a:pPr lvl="0"/>
@@ -312,18 +481,18 @@
         </p:nvSpPr>
         <p:spPr>
           <a:xfrm>
-            <a:off x="0" y="8685213"/>
-            <a:ext cx="2971800" cy="457200"/>
+            <a:off x="0" y="9119474"/>
+            <a:ext cx="3169920" cy="480060"/>
           </a:xfrm>
           <a:prstGeom prst="rect">
             <a:avLst/>
           </a:prstGeom>
         </p:spPr>
         <p:txBody>
-          <a:bodyPr vert="horz" lIns="91440" tIns="45720" rIns="91440" bIns="45720" rtlCol="0" anchor="b"/>
+          <a:bodyPr vert="horz" lIns="96661" tIns="48331" rIns="96661" bIns="48331" rtlCol="0" anchor="b"/>
           <a:lstStyle>
             <a:lvl1pPr algn="l">
-              <a:defRPr sz="1200"/>
+              <a:defRPr sz="1300"/>
             </a:lvl1pPr>
           </a:lstStyle>
           <a:p>
@@ -343,18 +512,18 @@
         </p:nvSpPr>
         <p:spPr>
           <a:xfrm>
-            <a:off x="3884613" y="8685213"/>
-            <a:ext cx="2971800" cy="457200"/>
+            <a:off x="4143587" y="9119474"/>
+            <a:ext cx="3169920" cy="480060"/>
           </a:xfrm>
           <a:prstGeom prst="rect">
             <a:avLst/>
           </a:prstGeom>
         </p:spPr>
         <p:txBody>
-          <a:bodyPr vert="horz" lIns="91440" tIns="45720" rIns="91440" bIns="45720" rtlCol="0" anchor="b"/>
+          <a:bodyPr vert="horz" lIns="96661" tIns="48331" rIns="96661" bIns="48331" rtlCol="0" anchor="b"/>
           <a:lstStyle>
             <a:lvl1pPr algn="r">
-              <a:defRPr sz="1200"/>
+              <a:defRPr sz="1300"/>
             </a:lvl1pPr>
           </a:lstStyle>
           <a:p>
@@ -517,6 +686,16 @@
               <a:rPr lang="en-US" dirty="0" smtClean="0"/>
               <a:t>On Human Pursuit</a:t>
             </a:r>
+          </a:p>
+          <a:p>
+            <a:r>
+              <a:rPr lang="en-US" dirty="0" smtClean="0"/>
+              <a:t>We’ve all played around with biological models, or financial models, or</a:t>
+            </a:r>
+            <a:r>
+              <a:rPr lang="en-US" baseline="0" dirty="0" smtClean="0"/>
+              <a:t> cooking models – so it’s clear that we use models in our work.  Well, by the end of this presentation, you will see that we don’t just use models in our work – they are our work, and furthermore, they are our lives.  We are models.</a:t>
+            </a:r>
             <a:endParaRPr lang="en-US" dirty="0"/>
           </a:p>
         </p:txBody>
@@ -548,6 +727,174 @@
     <p:extLst>
       <p:ext uri="{BB962C8B-B14F-4D97-AF65-F5344CB8AC3E}">
         <p14:creationId xmlns:p14="http://schemas.microsoft.com/office/powerpoint/2010/main" val="969658951"/>
+      </p:ext>
+    </p:extLst>
+  </p:cSld>
+  <p:clrMapOvr>
+    <a:masterClrMapping/>
+  </p:clrMapOvr>
+</p:notes>
+</file>
+
+<file path=ppt/notesSlides/notesSlide10.xml><?xml version="1.0" encoding="utf-8"?>
+<p:notes xmlns:a="http://schemas.openxmlformats.org/drawingml/2006/main" xmlns:r="http://schemas.openxmlformats.org/officeDocument/2006/relationships" xmlns:p="http://schemas.openxmlformats.org/presentationml/2006/main">
+  <p:cSld>
+    <p:spTree>
+      <p:nvGrpSpPr>
+        <p:cNvPr id="1" name=""/>
+        <p:cNvGrpSpPr/>
+        <p:nvPr/>
+      </p:nvGrpSpPr>
+      <p:grpSpPr>
+        <a:xfrm>
+          <a:off x="0" y="0"/>
+          <a:ext cx="0" cy="0"/>
+          <a:chOff x="0" y="0"/>
+          <a:chExt cx="0" cy="0"/>
+        </a:xfrm>
+      </p:grpSpPr>
+      <p:sp>
+        <p:nvSpPr>
+          <p:cNvPr id="2" name="Slide Image Placeholder 1"/>
+          <p:cNvSpPr>
+            <a:spLocks noGrp="1" noRot="1" noChangeAspect="1"/>
+          </p:cNvSpPr>
+          <p:nvPr>
+            <p:ph type="sldImg"/>
+          </p:nvPr>
+        </p:nvSpPr>
+        <p:spPr/>
+      </p:sp>
+      <p:sp>
+        <p:nvSpPr>
+          <p:cNvPr id="3" name="Notes Placeholder 2"/>
+          <p:cNvSpPr>
+            <a:spLocks noGrp="1"/>
+          </p:cNvSpPr>
+          <p:nvPr>
+            <p:ph type="body" idx="1"/>
+          </p:nvPr>
+        </p:nvSpPr>
+        <p:spPr/>
+        <p:txBody>
+          <a:bodyPr/>
+          <a:lstStyle/>
+          <a:p>
+            <a:endParaRPr lang="en-US"/>
+          </a:p>
+        </p:txBody>
+      </p:sp>
+      <p:sp>
+        <p:nvSpPr>
+          <p:cNvPr id="4" name="Slide Number Placeholder 3"/>
+          <p:cNvSpPr>
+            <a:spLocks noGrp="1"/>
+          </p:cNvSpPr>
+          <p:nvPr>
+            <p:ph type="sldNum" sz="quarter" idx="10"/>
+          </p:nvPr>
+        </p:nvSpPr>
+        <p:spPr/>
+        <p:txBody>
+          <a:bodyPr/>
+          <a:lstStyle/>
+          <a:p>
+            <a:fld id="{C180C10F-8680-4BB3-ADF1-25C4DFA511CD}" type="slidenum">
+              <a:rPr lang="en-US" smtClean="0"/>
+              <a:t>10</a:t>
+            </a:fld>
+            <a:endParaRPr lang="en-US"/>
+          </a:p>
+        </p:txBody>
+      </p:sp>
+    </p:spTree>
+    <p:extLst>
+      <p:ext uri="{BB962C8B-B14F-4D97-AF65-F5344CB8AC3E}">
+        <p14:creationId xmlns:p14="http://schemas.microsoft.com/office/powerpoint/2010/main" val="3736377133"/>
+      </p:ext>
+    </p:extLst>
+  </p:cSld>
+  <p:clrMapOvr>
+    <a:masterClrMapping/>
+  </p:clrMapOvr>
+</p:notes>
+</file>
+
+<file path=ppt/notesSlides/notesSlide11.xml><?xml version="1.0" encoding="utf-8"?>
+<p:notes xmlns:a="http://schemas.openxmlformats.org/drawingml/2006/main" xmlns:r="http://schemas.openxmlformats.org/officeDocument/2006/relationships" xmlns:p="http://schemas.openxmlformats.org/presentationml/2006/main">
+  <p:cSld>
+    <p:spTree>
+      <p:nvGrpSpPr>
+        <p:cNvPr id="1" name=""/>
+        <p:cNvGrpSpPr/>
+        <p:nvPr/>
+      </p:nvGrpSpPr>
+      <p:grpSpPr>
+        <a:xfrm>
+          <a:off x="0" y="0"/>
+          <a:ext cx="0" cy="0"/>
+          <a:chOff x="0" y="0"/>
+          <a:chExt cx="0" cy="0"/>
+        </a:xfrm>
+      </p:grpSpPr>
+      <p:sp>
+        <p:nvSpPr>
+          <p:cNvPr id="2" name="Slide Image Placeholder 1"/>
+          <p:cNvSpPr>
+            <a:spLocks noGrp="1" noRot="1" noChangeAspect="1"/>
+          </p:cNvSpPr>
+          <p:nvPr>
+            <p:ph type="sldImg"/>
+          </p:nvPr>
+        </p:nvSpPr>
+        <p:spPr/>
+      </p:sp>
+      <p:sp>
+        <p:nvSpPr>
+          <p:cNvPr id="3" name="Notes Placeholder 2"/>
+          <p:cNvSpPr>
+            <a:spLocks noGrp="1"/>
+          </p:cNvSpPr>
+          <p:nvPr>
+            <p:ph type="body" idx="1"/>
+          </p:nvPr>
+        </p:nvSpPr>
+        <p:spPr/>
+        <p:txBody>
+          <a:bodyPr/>
+          <a:lstStyle/>
+          <a:p>
+            <a:endParaRPr lang="en-US"/>
+          </a:p>
+        </p:txBody>
+      </p:sp>
+      <p:sp>
+        <p:nvSpPr>
+          <p:cNvPr id="4" name="Slide Number Placeholder 3"/>
+          <p:cNvSpPr>
+            <a:spLocks noGrp="1"/>
+          </p:cNvSpPr>
+          <p:nvPr>
+            <p:ph type="sldNum" sz="quarter" idx="10"/>
+          </p:nvPr>
+        </p:nvSpPr>
+        <p:spPr/>
+        <p:txBody>
+          <a:bodyPr/>
+          <a:lstStyle/>
+          <a:p>
+            <a:fld id="{C180C10F-8680-4BB3-ADF1-25C4DFA511CD}" type="slidenum">
+              <a:rPr lang="en-US" smtClean="0"/>
+              <a:t>11</a:t>
+            </a:fld>
+            <a:endParaRPr lang="en-US"/>
+          </a:p>
+        </p:txBody>
+      </p:sp>
+    </p:spTree>
+    <p:extLst>
+      <p:ext uri="{BB962C8B-B14F-4D97-AF65-F5344CB8AC3E}">
+        <p14:creationId xmlns:p14="http://schemas.microsoft.com/office/powerpoint/2010/main" val="884669373"/>
       </p:ext>
     </p:extLst>
   </p:cSld>
@@ -716,7 +1063,7 @@
           <a:p>
             <a:r>
               <a:rPr lang="en-US" baseline="0" dirty="0" smtClean="0"/>
-              <a:t>But, even if we can figure these conditions out, it would be nice to be able to DO something to increase the chance that the deer moves under the trap.  So we can ask… #3</a:t>
+              <a:t>But, even if we can figure these conditions out, it would be nice to be able to DO something to increase the chance that deer move under the trap.  So we can ask… #3</a:t>
             </a:r>
           </a:p>
           <a:p>
@@ -742,15 +1089,19 @@
           <a:p>
             <a:r>
               <a:rPr lang="en-US" baseline="0" dirty="0" smtClean="0"/>
-              <a:t>The first is a question of prediction.  The hunter-</a:t>
-            </a:r>
-            <a:r>
-              <a:rPr lang="en-US" baseline="0" dirty="0" err="1" smtClean="0"/>
-              <a:t>gatheres</a:t>
-            </a:r>
+              <a:t>The first is a question of prediction.  The hunter-gatherers want to know the likelihood of a future state, given the state of the world right now and in the past.  </a:t>
+            </a:r>
+          </a:p>
+          <a:p>
             <a:r>
               <a:rPr lang="en-US" baseline="0" dirty="0" smtClean="0"/>
-              <a:t> ask about a ……………………</a:t>
+              <a:t>The second is a question of explanation.  What are the most likely states that explain the occurrence of a given state?</a:t>
+            </a:r>
+          </a:p>
+          <a:p>
+            <a:r>
+              <a:rPr lang="en-US" baseline="0" dirty="0" smtClean="0"/>
+              <a:t>The third is a question of intervention.  If we do some action, forcing part of the current world state to some value, will we achieve a desired effect?</a:t>
             </a:r>
           </a:p>
           <a:p>
@@ -759,8 +1110,10 @@
           <a:p>
             <a:r>
               <a:rPr lang="en-US" baseline="0" dirty="0" smtClean="0"/>
-              <a:t>Now, just as the hunter-gatherers made these 3 types of queries 1000s of years ago, we make the same queries today in pursuit of our own goals.  But there’s a big question: what when our models fail?  We can’t predict the position of the deer perfectly, we can’t explain what will cause the deer to move under the trap easily, and our interventions, making the noise, don’t always accomplish our intended goals, trapping the deer.</a:t>
-            </a:r>
+              <a:t>Now, just as the hunter-gatherers made these 3 types of queries 1000s of years ago, we make the same queries today in pursuit of our own goals.  But there’s a big question: what when our models fail?  We can’t predict the position of the deer perfectly, we can’t explain what will cause the deer to move under the trap easily, and our interventions, making the noise, don’t always accomplish our intended goals, trapping the deer.  So what are we to do</a:t>
+            </a:r>
+          </a:p>
+          <a:p>
             <a:endParaRPr lang="en-US" dirty="0"/>
           </a:p>
         </p:txBody>
@@ -845,20 +1198,416 @@
           <a:bodyPr/>
           <a:lstStyle/>
           <a:p>
+            <a:pPr marL="0" lvl="1" defTabSz="966612">
+              <a:defRPr/>
+            </a:pPr>
+            <a:r>
+              <a:rPr lang="en-US" sz="2100" dirty="0"/>
+              <a:t>circumstances led to the Big Bang?</a:t>
+            </a:r>
+          </a:p>
+          <a:p>
+            <a:endParaRPr lang="en-US" dirty="0"/>
+          </a:p>
+        </p:txBody>
+      </p:sp>
+      <p:sp>
+        <p:nvSpPr>
+          <p:cNvPr id="4" name="Slide Number Placeholder 3"/>
+          <p:cNvSpPr>
+            <a:spLocks noGrp="1"/>
+          </p:cNvSpPr>
+          <p:nvPr>
+            <p:ph type="sldNum" sz="quarter" idx="10"/>
+          </p:nvPr>
+        </p:nvSpPr>
+        <p:spPr/>
+        <p:txBody>
+          <a:bodyPr/>
+          <a:lstStyle/>
+          <a:p>
+            <a:fld id="{C180C10F-8680-4BB3-ADF1-25C4DFA511CD}" type="slidenum">
+              <a:rPr lang="en-US" smtClean="0"/>
+              <a:t>4</a:t>
+            </a:fld>
+            <a:endParaRPr lang="en-US"/>
+          </a:p>
+        </p:txBody>
+      </p:sp>
+    </p:spTree>
+    <p:extLst>
+      <p:ext uri="{BB962C8B-B14F-4D97-AF65-F5344CB8AC3E}">
+        <p14:creationId xmlns:p14="http://schemas.microsoft.com/office/powerpoint/2010/main" val="3681521282"/>
+      </p:ext>
+    </p:extLst>
+  </p:cSld>
+  <p:clrMapOvr>
+    <a:masterClrMapping/>
+  </p:clrMapOvr>
+</p:notes>
+</file>
+
+<file path=ppt/notesSlides/notesSlide5.xml><?xml version="1.0" encoding="utf-8"?>
+<p:notes xmlns:a="http://schemas.openxmlformats.org/drawingml/2006/main" xmlns:r="http://schemas.openxmlformats.org/officeDocument/2006/relationships" xmlns:p="http://schemas.openxmlformats.org/presentationml/2006/main">
+  <p:cSld>
+    <p:spTree>
+      <p:nvGrpSpPr>
+        <p:cNvPr id="1" name=""/>
+        <p:cNvGrpSpPr/>
+        <p:nvPr/>
+      </p:nvGrpSpPr>
+      <p:grpSpPr>
+        <a:xfrm>
+          <a:off x="0" y="0"/>
+          <a:ext cx="0" cy="0"/>
+          <a:chOff x="0" y="0"/>
+          <a:chExt cx="0" cy="0"/>
+        </a:xfrm>
+      </p:grpSpPr>
+      <p:sp>
+        <p:nvSpPr>
+          <p:cNvPr id="2" name="Slide Image Placeholder 1"/>
+          <p:cNvSpPr>
+            <a:spLocks noGrp="1" noRot="1" noChangeAspect="1"/>
+          </p:cNvSpPr>
+          <p:nvPr>
+            <p:ph type="sldImg"/>
+          </p:nvPr>
+        </p:nvSpPr>
+        <p:spPr/>
+      </p:sp>
+      <p:sp>
+        <p:nvSpPr>
+          <p:cNvPr id="3" name="Notes Placeholder 2"/>
+          <p:cNvSpPr>
+            <a:spLocks noGrp="1"/>
+          </p:cNvSpPr>
+          <p:nvPr>
+            <p:ph type="body" idx="1"/>
+          </p:nvPr>
+        </p:nvSpPr>
+        <p:spPr/>
+        <p:txBody>
+          <a:bodyPr/>
+          <a:lstStyle/>
+          <a:p>
             <a:r>
               <a:rPr lang="en-US" dirty="0" smtClean="0"/>
-              <a:t>Moving a bit</a:t>
+              <a:t>Predictions</a:t>
             </a:r>
             <a:r>
               <a:rPr lang="en-US" baseline="0" dirty="0" smtClean="0"/>
-              <a:t> further in time, many of the ancient humans asked the same questions: what do we do when our models—the results of all our work and thinking—fail?</a:t>
-            </a:r>
-          </a:p>
-          <a:p>
+              <a:t> provide a check on our imaginations</a:t>
+            </a:r>
+            <a:endParaRPr lang="en-US" dirty="0"/>
+          </a:p>
+        </p:txBody>
+      </p:sp>
+      <p:sp>
+        <p:nvSpPr>
+          <p:cNvPr id="4" name="Slide Number Placeholder 3"/>
+          <p:cNvSpPr>
+            <a:spLocks noGrp="1"/>
+          </p:cNvSpPr>
+          <p:nvPr>
+            <p:ph type="sldNum" sz="quarter" idx="10"/>
+          </p:nvPr>
+        </p:nvSpPr>
+        <p:spPr/>
+        <p:txBody>
+          <a:bodyPr/>
+          <a:lstStyle/>
+          <a:p>
+            <a:fld id="{C180C10F-8680-4BB3-ADF1-25C4DFA511CD}" type="slidenum">
+              <a:rPr lang="en-US" smtClean="0"/>
+              <a:t>5</a:t>
+            </a:fld>
+            <a:endParaRPr lang="en-US"/>
+          </a:p>
+        </p:txBody>
+      </p:sp>
+    </p:spTree>
+    <p:extLst>
+      <p:ext uri="{BB962C8B-B14F-4D97-AF65-F5344CB8AC3E}">
+        <p14:creationId xmlns:p14="http://schemas.microsoft.com/office/powerpoint/2010/main" val="2909639429"/>
+      </p:ext>
+    </p:extLst>
+  </p:cSld>
+  <p:clrMapOvr>
+    <a:masterClrMapping/>
+  </p:clrMapOvr>
+</p:notes>
+</file>
+
+<file path=ppt/notesSlides/notesSlide6.xml><?xml version="1.0" encoding="utf-8"?>
+<p:notes xmlns:a="http://schemas.openxmlformats.org/drawingml/2006/main" xmlns:r="http://schemas.openxmlformats.org/officeDocument/2006/relationships" xmlns:p="http://schemas.openxmlformats.org/presentationml/2006/main">
+  <p:cSld>
+    <p:spTree>
+      <p:nvGrpSpPr>
+        <p:cNvPr id="1" name=""/>
+        <p:cNvGrpSpPr/>
+        <p:nvPr/>
+      </p:nvGrpSpPr>
+      <p:grpSpPr>
+        <a:xfrm>
+          <a:off x="0" y="0"/>
+          <a:ext cx="0" cy="0"/>
+          <a:chOff x="0" y="0"/>
+          <a:chExt cx="0" cy="0"/>
+        </a:xfrm>
+      </p:grpSpPr>
+      <p:sp>
+        <p:nvSpPr>
+          <p:cNvPr id="2" name="Slide Image Placeholder 1"/>
+          <p:cNvSpPr>
+            <a:spLocks noGrp="1" noRot="1" noChangeAspect="1"/>
+          </p:cNvSpPr>
+          <p:nvPr>
+            <p:ph type="sldImg"/>
+          </p:nvPr>
+        </p:nvSpPr>
+        <p:spPr/>
+      </p:sp>
+      <p:sp>
+        <p:nvSpPr>
+          <p:cNvPr id="3" name="Notes Placeholder 2"/>
+          <p:cNvSpPr>
+            <a:spLocks noGrp="1"/>
+          </p:cNvSpPr>
+          <p:nvPr>
+            <p:ph type="body" idx="1"/>
+          </p:nvPr>
+        </p:nvSpPr>
+        <p:spPr/>
+        <p:txBody>
+          <a:bodyPr/>
+          <a:lstStyle/>
+          <a:p>
+            <a:r>
+              <a:rPr lang="en-US" dirty="0" smtClean="0"/>
+              <a:t>Clothes shopping – can only afford $30</a:t>
+            </a:r>
             <a:r>
               <a:rPr lang="en-US" baseline="0" dirty="0" smtClean="0"/>
-              <a:t>The first answer </a:t>
-            </a:r>
+              <a:t> on new pants.  Filter out everything above – like a low pass filter -&gt; DSP</a:t>
+            </a:r>
+          </a:p>
+          <a:p>
+            <a:r>
+              <a:rPr lang="en-US" dirty="0" smtClean="0"/>
+              <a:t>Use others’ results without expending their lifetime of effort</a:t>
+            </a:r>
+          </a:p>
+          <a:p>
+            <a:endParaRPr lang="en-US" dirty="0"/>
+          </a:p>
+        </p:txBody>
+      </p:sp>
+      <p:sp>
+        <p:nvSpPr>
+          <p:cNvPr id="4" name="Slide Number Placeholder 3"/>
+          <p:cNvSpPr>
+            <a:spLocks noGrp="1"/>
+          </p:cNvSpPr>
+          <p:nvPr>
+            <p:ph type="sldNum" sz="quarter" idx="10"/>
+          </p:nvPr>
+        </p:nvSpPr>
+        <p:spPr/>
+        <p:txBody>
+          <a:bodyPr/>
+          <a:lstStyle/>
+          <a:p>
+            <a:fld id="{C180C10F-8680-4BB3-ADF1-25C4DFA511CD}" type="slidenum">
+              <a:rPr lang="en-US" smtClean="0"/>
+              <a:t>6</a:t>
+            </a:fld>
+            <a:endParaRPr lang="en-US"/>
+          </a:p>
+        </p:txBody>
+      </p:sp>
+    </p:spTree>
+    <p:extLst>
+      <p:ext uri="{BB962C8B-B14F-4D97-AF65-F5344CB8AC3E}">
+        <p14:creationId xmlns:p14="http://schemas.microsoft.com/office/powerpoint/2010/main" val="1861604735"/>
+      </p:ext>
+    </p:extLst>
+  </p:cSld>
+  <p:clrMapOvr>
+    <a:masterClrMapping/>
+  </p:clrMapOvr>
+</p:notes>
+</file>
+
+<file path=ppt/notesSlides/notesSlide7.xml><?xml version="1.0" encoding="utf-8"?>
+<p:notes xmlns:a="http://schemas.openxmlformats.org/drawingml/2006/main" xmlns:r="http://schemas.openxmlformats.org/officeDocument/2006/relationships" xmlns:p="http://schemas.openxmlformats.org/presentationml/2006/main">
+  <p:cSld>
+    <p:spTree>
+      <p:nvGrpSpPr>
+        <p:cNvPr id="1" name=""/>
+        <p:cNvGrpSpPr/>
+        <p:nvPr/>
+      </p:nvGrpSpPr>
+      <p:grpSpPr>
+        <a:xfrm>
+          <a:off x="0" y="0"/>
+          <a:ext cx="0" cy="0"/>
+          <a:chOff x="0" y="0"/>
+          <a:chExt cx="0" cy="0"/>
+        </a:xfrm>
+      </p:grpSpPr>
+      <p:sp>
+        <p:nvSpPr>
+          <p:cNvPr id="2" name="Slide Image Placeholder 1"/>
+          <p:cNvSpPr>
+            <a:spLocks noGrp="1" noRot="1" noChangeAspect="1"/>
+          </p:cNvSpPr>
+          <p:nvPr>
+            <p:ph type="sldImg"/>
+          </p:nvPr>
+        </p:nvSpPr>
+        <p:spPr/>
+      </p:sp>
+      <p:sp>
+        <p:nvSpPr>
+          <p:cNvPr id="3" name="Notes Placeholder 2"/>
+          <p:cNvSpPr>
+            <a:spLocks noGrp="1"/>
+          </p:cNvSpPr>
+          <p:nvPr>
+            <p:ph type="body" idx="1"/>
+          </p:nvPr>
+        </p:nvSpPr>
+        <p:spPr/>
+        <p:txBody>
+          <a:bodyPr/>
+          <a:lstStyle/>
+          <a:p>
+            <a:r>
+              <a:rPr lang="en-US" dirty="0" smtClean="0"/>
+              <a:t>Yes, we cannot perfectly predict,</a:t>
+            </a:r>
+            <a:r>
+              <a:rPr lang="en-US" baseline="0" dirty="0" smtClean="0"/>
+              <a:t> explain &amp; intervene given the limits of our models, but with the capabilities we do have, we can deliver the most likely explanations, predictions&amp; interventions.</a:t>
+            </a:r>
+            <a:endParaRPr lang="en-US" dirty="0"/>
+          </a:p>
+        </p:txBody>
+      </p:sp>
+      <p:sp>
+        <p:nvSpPr>
+          <p:cNvPr id="4" name="Slide Number Placeholder 3"/>
+          <p:cNvSpPr>
+            <a:spLocks noGrp="1"/>
+          </p:cNvSpPr>
+          <p:nvPr>
+            <p:ph type="sldNum" sz="quarter" idx="10"/>
+          </p:nvPr>
+        </p:nvSpPr>
+        <p:spPr/>
+        <p:txBody>
+          <a:bodyPr/>
+          <a:lstStyle/>
+          <a:p>
+            <a:fld id="{C180C10F-8680-4BB3-ADF1-25C4DFA511CD}" type="slidenum">
+              <a:rPr lang="en-US" smtClean="0"/>
+              <a:t>7</a:t>
+            </a:fld>
+            <a:endParaRPr lang="en-US"/>
+          </a:p>
+        </p:txBody>
+      </p:sp>
+    </p:spTree>
+    <p:extLst>
+      <p:ext uri="{BB962C8B-B14F-4D97-AF65-F5344CB8AC3E}">
+        <p14:creationId xmlns:p14="http://schemas.microsoft.com/office/powerpoint/2010/main" val="1092184647"/>
+      </p:ext>
+    </p:extLst>
+  </p:cSld>
+  <p:clrMapOvr>
+    <a:masterClrMapping/>
+  </p:clrMapOvr>
+</p:notes>
+</file>
+
+<file path=ppt/notesSlides/notesSlide8.xml><?xml version="1.0" encoding="utf-8"?>
+<p:notes xmlns:a="http://schemas.openxmlformats.org/drawingml/2006/main" xmlns:r="http://schemas.openxmlformats.org/officeDocument/2006/relationships" xmlns:p="http://schemas.openxmlformats.org/presentationml/2006/main">
+  <p:cSld>
+    <p:spTree>
+      <p:nvGrpSpPr>
+        <p:cNvPr id="1" name=""/>
+        <p:cNvGrpSpPr/>
+        <p:nvPr/>
+      </p:nvGrpSpPr>
+      <p:grpSpPr>
+        <a:xfrm>
+          <a:off x="0" y="0"/>
+          <a:ext cx="0" cy="0"/>
+          <a:chOff x="0" y="0"/>
+          <a:chExt cx="0" cy="0"/>
+        </a:xfrm>
+      </p:grpSpPr>
+      <p:sp>
+        <p:nvSpPr>
+          <p:cNvPr id="2" name="Slide Image Placeholder 1"/>
+          <p:cNvSpPr>
+            <a:spLocks noGrp="1" noRot="1" noChangeAspect="1"/>
+          </p:cNvSpPr>
+          <p:nvPr>
+            <p:ph type="sldImg"/>
+          </p:nvPr>
+        </p:nvSpPr>
+        <p:spPr/>
+      </p:sp>
+      <p:sp>
+        <p:nvSpPr>
+          <p:cNvPr id="3" name="Notes Placeholder 2"/>
+          <p:cNvSpPr>
+            <a:spLocks noGrp="1"/>
+          </p:cNvSpPr>
+          <p:nvPr>
+            <p:ph type="body" idx="1"/>
+          </p:nvPr>
+        </p:nvSpPr>
+        <p:spPr/>
+        <p:txBody>
+          <a:bodyPr/>
+          <a:lstStyle/>
+          <a:p>
+            <a:pPr marL="0" marR="0" lvl="1" indent="0" algn="l" defTabSz="914400" rtl="0" eaLnBrk="1" fontAlgn="auto" latinLnBrk="0" hangingPunct="1">
+              <a:lnSpc>
+                <a:spcPct val="100000"/>
+              </a:lnSpc>
+              <a:spcBef>
+                <a:spcPts val="0"/>
+              </a:spcBef>
+              <a:spcAft>
+                <a:spcPts val="0"/>
+              </a:spcAft>
+              <a:buClrTx/>
+              <a:buSzTx/>
+              <a:buFontTx/>
+              <a:buNone/>
+              <a:tabLst/>
+              <a:defRPr/>
+            </a:pPr>
+            <a:r>
+              <a:rPr lang="en-US" dirty="0" smtClean="0">
+                <a:solidFill>
+                  <a:prstClr val="black"/>
+                </a:solidFill>
+                <a:sym typeface="Wingdings" pitchFamily="2" charset="2"/>
+              </a:rPr>
+              <a:t>Always learn more &amp; pass on the knowledge</a:t>
+            </a:r>
+            <a:endParaRPr lang="en-US" dirty="0" smtClean="0">
+              <a:solidFill>
+                <a:prstClr val="black"/>
+              </a:solidFill>
+            </a:endParaRPr>
+          </a:p>
+          <a:p>
             <a:endParaRPr lang="en-US" dirty="0"/>
           </a:p>
         </p:txBody>
@@ -881,6 +1630,104 @@
             <a:fld id="{C180C10F-8680-4BB3-ADF1-25C4DFA511CD}" type="slidenum">
               <a:rPr lang="en-US" smtClean="0"/>
               <a:t>8</a:t>
+            </a:fld>
+            <a:endParaRPr lang="en-US"/>
+          </a:p>
+        </p:txBody>
+      </p:sp>
+    </p:spTree>
+    <p:extLst>
+      <p:ext uri="{BB962C8B-B14F-4D97-AF65-F5344CB8AC3E}">
+        <p14:creationId xmlns:p14="http://schemas.microsoft.com/office/powerpoint/2010/main" val="3787348792"/>
+      </p:ext>
+    </p:extLst>
+  </p:cSld>
+  <p:clrMapOvr>
+    <a:masterClrMapping/>
+  </p:clrMapOvr>
+</p:notes>
+</file>
+
+<file path=ppt/notesSlides/notesSlide9.xml><?xml version="1.0" encoding="utf-8"?>
+<p:notes xmlns:a="http://schemas.openxmlformats.org/drawingml/2006/main" xmlns:r="http://schemas.openxmlformats.org/officeDocument/2006/relationships" xmlns:p="http://schemas.openxmlformats.org/presentationml/2006/main">
+  <p:cSld>
+    <p:spTree>
+      <p:nvGrpSpPr>
+        <p:cNvPr id="1" name=""/>
+        <p:cNvGrpSpPr/>
+        <p:nvPr/>
+      </p:nvGrpSpPr>
+      <p:grpSpPr>
+        <a:xfrm>
+          <a:off x="0" y="0"/>
+          <a:ext cx="0" cy="0"/>
+          <a:chOff x="0" y="0"/>
+          <a:chExt cx="0" cy="0"/>
+        </a:xfrm>
+      </p:grpSpPr>
+      <p:sp>
+        <p:nvSpPr>
+          <p:cNvPr id="2" name="Slide Image Placeholder 1"/>
+          <p:cNvSpPr>
+            <a:spLocks noGrp="1" noRot="1" noChangeAspect="1"/>
+          </p:cNvSpPr>
+          <p:nvPr>
+            <p:ph type="sldImg"/>
+          </p:nvPr>
+        </p:nvSpPr>
+        <p:spPr/>
+      </p:sp>
+      <p:sp>
+        <p:nvSpPr>
+          <p:cNvPr id="3" name="Notes Placeholder 2"/>
+          <p:cNvSpPr>
+            <a:spLocks noGrp="1"/>
+          </p:cNvSpPr>
+          <p:nvPr>
+            <p:ph type="body" idx="1"/>
+          </p:nvPr>
+        </p:nvSpPr>
+        <p:spPr/>
+        <p:txBody>
+          <a:bodyPr/>
+          <a:lstStyle/>
+          <a:p>
+            <a:r>
+              <a:rPr lang="en-US" dirty="0" smtClean="0"/>
+              <a:t>Moving a bit</a:t>
+            </a:r>
+            <a:r>
+              <a:rPr lang="en-US" baseline="0" dirty="0" smtClean="0"/>
+              <a:t> further in time, many of the ancient humans asked the same questions: what do we do when our models—the results of all our work and thinking—fail?</a:t>
+            </a:r>
+          </a:p>
+          <a:p>
+            <a:r>
+              <a:rPr lang="en-US" baseline="0" dirty="0" smtClean="0"/>
+              <a:t>The first answer </a:t>
+            </a:r>
+            <a:endParaRPr lang="en-US" dirty="0"/>
+          </a:p>
+        </p:txBody>
+      </p:sp>
+      <p:sp>
+        <p:nvSpPr>
+          <p:cNvPr id="4" name="Slide Number Placeholder 3"/>
+          <p:cNvSpPr>
+            <a:spLocks noGrp="1"/>
+          </p:cNvSpPr>
+          <p:nvPr>
+            <p:ph type="sldNum" sz="quarter" idx="10"/>
+          </p:nvPr>
+        </p:nvSpPr>
+        <p:spPr/>
+        <p:txBody>
+          <a:bodyPr/>
+          <a:lstStyle/>
+          <a:p>
+            <a:fld id="{C180C10F-8680-4BB3-ADF1-25C4DFA511CD}" type="slidenum">
+              <a:rPr lang="en-US" smtClean="0"/>
+              <a:t>9</a:t>
             </a:fld>
             <a:endParaRPr lang="en-US"/>
           </a:p>
@@ -1080,7 +1927,7 @@
           <a:p>
             <a:fld id="{028801C9-EEE0-44A4-83C8-307F972F4A7F}" type="datetimeFigureOut">
               <a:rPr lang="en-US" smtClean="0"/>
-              <a:t>3/28/2013</a:t>
+              <a:t>4/10/2013</a:t>
             </a:fld>
             <a:endParaRPr lang="en-US"/>
           </a:p>
@@ -1250,7 +2097,7 @@
           <a:p>
             <a:fld id="{028801C9-EEE0-44A4-83C8-307F972F4A7F}" type="datetimeFigureOut">
               <a:rPr lang="en-US" smtClean="0"/>
-              <a:t>3/28/2013</a:t>
+              <a:t>4/10/2013</a:t>
             </a:fld>
             <a:endParaRPr lang="en-US"/>
           </a:p>
@@ -1430,7 +2277,7 @@
           <a:p>
             <a:fld id="{028801C9-EEE0-44A4-83C8-307F972F4A7F}" type="datetimeFigureOut">
               <a:rPr lang="en-US" smtClean="0"/>
-              <a:t>3/28/2013</a:t>
+              <a:t>4/10/2013</a:t>
             </a:fld>
             <a:endParaRPr lang="en-US"/>
           </a:p>
@@ -1600,7 +2447,7 @@
           <a:p>
             <a:fld id="{028801C9-EEE0-44A4-83C8-307F972F4A7F}" type="datetimeFigureOut">
               <a:rPr lang="en-US" smtClean="0"/>
-              <a:t>3/28/2013</a:t>
+              <a:t>4/10/2013</a:t>
             </a:fld>
             <a:endParaRPr lang="en-US"/>
           </a:p>
@@ -1846,7 +2693,7 @@
           <a:p>
             <a:fld id="{028801C9-EEE0-44A4-83C8-307F972F4A7F}" type="datetimeFigureOut">
               <a:rPr lang="en-US" smtClean="0"/>
-              <a:t>3/28/2013</a:t>
+              <a:t>4/10/2013</a:t>
             </a:fld>
             <a:endParaRPr lang="en-US"/>
           </a:p>
@@ -2134,7 +2981,7 @@
           <a:p>
             <a:fld id="{028801C9-EEE0-44A4-83C8-307F972F4A7F}" type="datetimeFigureOut">
               <a:rPr lang="en-US" smtClean="0"/>
-              <a:t>3/28/2013</a:t>
+              <a:t>4/10/2013</a:t>
             </a:fld>
             <a:endParaRPr lang="en-US"/>
           </a:p>
@@ -2556,7 +3403,7 @@
           <a:p>
             <a:fld id="{028801C9-EEE0-44A4-83C8-307F972F4A7F}" type="datetimeFigureOut">
               <a:rPr lang="en-US" smtClean="0"/>
-              <a:t>3/28/2013</a:t>
+              <a:t>4/10/2013</a:t>
             </a:fld>
             <a:endParaRPr lang="en-US"/>
           </a:p>
@@ -2674,7 +3521,7 @@
           <a:p>
             <a:fld id="{028801C9-EEE0-44A4-83C8-307F972F4A7F}" type="datetimeFigureOut">
               <a:rPr lang="en-US" smtClean="0"/>
-              <a:t>3/28/2013</a:t>
+              <a:t>4/10/2013</a:t>
             </a:fld>
             <a:endParaRPr lang="en-US"/>
           </a:p>
@@ -2769,7 +3616,7 @@
           <a:p>
             <a:fld id="{028801C9-EEE0-44A4-83C8-307F972F4A7F}" type="datetimeFigureOut">
               <a:rPr lang="en-US" smtClean="0"/>
-              <a:t>3/28/2013</a:t>
+              <a:t>4/10/2013</a:t>
             </a:fld>
             <a:endParaRPr lang="en-US"/>
           </a:p>
@@ -3046,7 +3893,7 @@
           <a:p>
             <a:fld id="{028801C9-EEE0-44A4-83C8-307F972F4A7F}" type="datetimeFigureOut">
               <a:rPr lang="en-US" smtClean="0"/>
-              <a:t>3/28/2013</a:t>
+              <a:t>4/10/2013</a:t>
             </a:fld>
             <a:endParaRPr lang="en-US"/>
           </a:p>
@@ -3299,7 +4146,7 @@
           <a:p>
             <a:fld id="{028801C9-EEE0-44A4-83C8-307F972F4A7F}" type="datetimeFigureOut">
               <a:rPr lang="en-US" smtClean="0"/>
-              <a:t>3/28/2013</a:t>
+              <a:t>4/10/2013</a:t>
             </a:fld>
             <a:endParaRPr lang="en-US"/>
           </a:p>
@@ -3512,7 +4359,7 @@
           <a:p>
             <a:fld id="{028801C9-EEE0-44A4-83C8-307F972F4A7F}" type="datetimeFigureOut">
               <a:rPr lang="en-US" smtClean="0"/>
-              <a:t>3/28/2013</a:t>
+              <a:t>4/10/2013</a:t>
             </a:fld>
             <a:endParaRPr lang="en-US"/>
           </a:p>
@@ -3900,20 +4747,13 @@
         <p:spPr/>
         <p:txBody>
           <a:bodyPr>
-            <a:normAutofit fontScale="90000"/>
+            <a:normAutofit/>
           </a:bodyPr>
           <a:lstStyle/>
           <a:p>
             <a:r>
               <a:rPr lang="en-US" dirty="0" smtClean="0"/>
-              <a:t>Models:</a:t>
-            </a:r>
-            <a:br>
-              <a:rPr lang="en-US" dirty="0" smtClean="0"/>
-            </a:br>
-            <a:r>
-              <a:rPr lang="en-US" dirty="0" smtClean="0"/>
-              <a:t>Prediction, Explanation, Intervention</a:t>
+              <a:t>We Are Models</a:t>
             </a:r>
             <a:endParaRPr lang="en-US" dirty="0"/>
           </a:p>
@@ -3990,12 +4830,658 @@
           <a:bodyPr/>
           <a:lstStyle/>
           <a:p>
+            <a:r>
+              <a:rPr lang="en-US" dirty="0" smtClean="0"/>
+              <a:t>Failure…</a:t>
+            </a:r>
+            <a:endParaRPr lang="en-US" dirty="0"/>
+          </a:p>
+        </p:txBody>
+      </p:sp>
+      <p:pic>
+        <p:nvPicPr>
+          <p:cNvPr id="2054" name="Picture 6" descr="1440x900 Clouds over plain"/>
+          <p:cNvPicPr>
+            <a:picLocks noChangeAspect="1" noChangeArrowheads="1"/>
+          </p:cNvPicPr>
+          <p:nvPr/>
+        </p:nvPicPr>
+        <p:blipFill>
+          <a:blip r:embed="rId3" cstate="print">
+            <a:extLst>
+              <a:ext uri="{28A0092B-C50C-407E-A947-70E740481C1C}">
+                <a14:useLocalDpi xmlns:a14="http://schemas.microsoft.com/office/drawing/2010/main" val="0"/>
+              </a:ext>
+            </a:extLst>
+          </a:blip>
+          <a:srcRect/>
+          <a:stretch>
+            <a:fillRect/>
+          </a:stretch>
+        </p:blipFill>
+        <p:spPr bwMode="auto">
+          <a:xfrm>
+            <a:off x="3657600" y="3350654"/>
+            <a:ext cx="5245994" cy="3278746"/>
+          </a:xfrm>
+          <a:prstGeom prst="rect">
+            <a:avLst/>
+          </a:prstGeom>
+          <a:noFill/>
+          <a:extLst>
+            <a:ext uri="{909E8E84-426E-40DD-AFC4-6F175D3DCCD1}">
+              <a14:hiddenFill xmlns:a14="http://schemas.microsoft.com/office/drawing/2010/main">
+                <a:solidFill>
+                  <a:srgbClr val="FFFFFF"/>
+                </a:solidFill>
+              </a14:hiddenFill>
+            </a:ext>
+          </a:extLst>
+        </p:spPr>
+      </p:pic>
+      <p:pic>
+        <p:nvPicPr>
+          <p:cNvPr id="2055" name="Picture 7" descr="C:\Users\Class2014\AppData\Local\Microsoft\Windows\Temporary Internet Files\Content.IE5\G6RLGSL0\MC900356157[1].wmf"/>
+          <p:cNvPicPr>
+            <a:picLocks noChangeAspect="1" noChangeArrowheads="1"/>
+          </p:cNvPicPr>
+          <p:nvPr/>
+        </p:nvPicPr>
+        <p:blipFill>
+          <a:blip r:embed="rId4" cstate="print">
+            <a:extLst>
+              <a:ext uri="{28A0092B-C50C-407E-A947-70E740481C1C}">
+                <a14:useLocalDpi xmlns:a14="http://schemas.microsoft.com/office/drawing/2010/main" val="0"/>
+              </a:ext>
+            </a:extLst>
+          </a:blip>
+          <a:srcRect/>
+          <a:stretch>
+            <a:fillRect/>
+          </a:stretch>
+        </p:blipFill>
+        <p:spPr bwMode="auto">
+          <a:xfrm>
+            <a:off x="5715000" y="4536713"/>
+            <a:ext cx="829818" cy="906628"/>
+          </a:xfrm>
+          <a:prstGeom prst="rect">
+            <a:avLst/>
+          </a:prstGeom>
+          <a:noFill/>
+          <a:extLst>
+            <a:ext uri="{909E8E84-426E-40DD-AFC4-6F175D3DCCD1}">
+              <a14:hiddenFill xmlns:a14="http://schemas.microsoft.com/office/drawing/2010/main">
+                <a:solidFill>
+                  <a:srgbClr val="FFFFFF"/>
+                </a:solidFill>
+              </a14:hiddenFill>
+            </a:ext>
+          </a:extLst>
+        </p:spPr>
+      </p:pic>
+      <p:pic>
+        <p:nvPicPr>
+          <p:cNvPr id="2050" name="Picture 2" descr="http://upload.wikimedia.org/wikipedia/commons/9/9c/Negritos.png"/>
+          <p:cNvPicPr>
+            <a:picLocks noChangeAspect="1" noChangeArrowheads="1"/>
+          </p:cNvPicPr>
+          <p:nvPr/>
+        </p:nvPicPr>
+        <p:blipFill rotWithShape="1">
+          <a:blip r:embed="rId5" cstate="print">
+            <a:extLst>
+              <a:ext uri="{28A0092B-C50C-407E-A947-70E740481C1C}">
+                <a14:useLocalDpi xmlns:a14="http://schemas.microsoft.com/office/drawing/2010/main" val="0"/>
+              </a:ext>
+            </a:extLst>
+          </a:blip>
+          <a:srcRect l="2267" t="7524" r="2665" b="7680"/>
+          <a:stretch/>
+        </p:blipFill>
+        <p:spPr bwMode="auto">
+          <a:xfrm>
+            <a:off x="3886200" y="5010229"/>
+            <a:ext cx="1156301" cy="1430256"/>
+          </a:xfrm>
+          <a:prstGeom prst="rect">
+            <a:avLst/>
+          </a:prstGeom>
+          <a:noFill/>
+          <a:extLst>
+            <a:ext uri="{909E8E84-426E-40DD-AFC4-6F175D3DCCD1}">
+              <a14:hiddenFill xmlns:a14="http://schemas.microsoft.com/office/drawing/2010/main">
+                <a:solidFill>
+                  <a:srgbClr val="FFFFFF"/>
+                </a:solidFill>
+              </a14:hiddenFill>
+            </a:ext>
+          </a:extLst>
+        </p:spPr>
+      </p:pic>
+      <p:pic>
+        <p:nvPicPr>
+          <p:cNvPr id="2056" name="Picture 8" descr="C:\Program Files (x86)\Microsoft Office\MEDIA\CAGCAT10\j0293828.wmf"/>
+          <p:cNvPicPr>
+            <a:picLocks noGrp="1" noChangeAspect="1" noChangeArrowheads="1"/>
+          </p:cNvPicPr>
+          <p:nvPr>
+            <p:ph idx="1"/>
+          </p:nvPr>
+        </p:nvPicPr>
+        <p:blipFill>
+          <a:blip r:embed="rId6" cstate="print">
+            <a:extLst>
+              <a:ext uri="{28A0092B-C50C-407E-A947-70E740481C1C}">
+                <a14:useLocalDpi xmlns:a14="http://schemas.microsoft.com/office/drawing/2010/main" val="0"/>
+              </a:ext>
+            </a:extLst>
+          </a:blip>
+          <a:srcRect/>
+          <a:stretch>
+            <a:fillRect/>
+          </a:stretch>
+        </p:blipFill>
+        <p:spPr bwMode="auto">
+          <a:xfrm>
+            <a:off x="3919573" y="2777324"/>
+            <a:ext cx="1371600" cy="1443486"/>
+          </a:xfrm>
+          <a:prstGeom prst="rect">
+            <a:avLst/>
+          </a:prstGeom>
+          <a:noFill/>
+          <a:extLst>
+            <a:ext uri="{909E8E84-426E-40DD-AFC4-6F175D3DCCD1}">
+              <a14:hiddenFill xmlns:a14="http://schemas.microsoft.com/office/drawing/2010/main">
+                <a:solidFill>
+                  <a:srgbClr val="FFFFFF"/>
+                </a:solidFill>
+              </a14:hiddenFill>
+            </a:ext>
+          </a:extLst>
+        </p:spPr>
+      </p:pic>
+      <p:pic>
+        <p:nvPicPr>
+          <p:cNvPr id="9" name="Picture 8" descr="C:\Program Files (x86)\Microsoft Office\MEDIA\CAGCAT10\j0293828.wmf"/>
+          <p:cNvPicPr>
+            <a:picLocks noChangeAspect="1" noChangeArrowheads="1"/>
+          </p:cNvPicPr>
+          <p:nvPr/>
+        </p:nvPicPr>
+        <p:blipFill>
+          <a:blip r:embed="rId6" cstate="print">
+            <a:extLst>
+              <a:ext uri="{28A0092B-C50C-407E-A947-70E740481C1C}">
+                <a14:useLocalDpi xmlns:a14="http://schemas.microsoft.com/office/drawing/2010/main" val="0"/>
+              </a:ext>
+            </a:extLst>
+          </a:blip>
+          <a:srcRect/>
+          <a:stretch>
+            <a:fillRect/>
+          </a:stretch>
+        </p:blipFill>
+        <p:spPr bwMode="auto">
+          <a:xfrm>
+            <a:off x="5343443" y="2777324"/>
+            <a:ext cx="1371600" cy="1443486"/>
+          </a:xfrm>
+          <a:prstGeom prst="rect">
+            <a:avLst/>
+          </a:prstGeom>
+          <a:noFill/>
+          <a:extLst>
+            <a:ext uri="{909E8E84-426E-40DD-AFC4-6F175D3DCCD1}">
+              <a14:hiddenFill xmlns:a14="http://schemas.microsoft.com/office/drawing/2010/main">
+                <a:solidFill>
+                  <a:srgbClr val="FFFFFF"/>
+                </a:solidFill>
+              </a14:hiddenFill>
+            </a:ext>
+          </a:extLst>
+        </p:spPr>
+      </p:pic>
+      <p:pic>
+        <p:nvPicPr>
+          <p:cNvPr id="10" name="Picture 9" descr="C:\Program Files (x86)\Microsoft Office\MEDIA\CAGCAT10\j0293828.wmf"/>
+          <p:cNvPicPr>
+            <a:picLocks noChangeAspect="1" noChangeArrowheads="1"/>
+          </p:cNvPicPr>
+          <p:nvPr/>
+        </p:nvPicPr>
+        <p:blipFill>
+          <a:blip r:embed="rId6" cstate="print">
+            <a:extLst>
+              <a:ext uri="{28A0092B-C50C-407E-A947-70E740481C1C}">
+                <a14:useLocalDpi xmlns:a14="http://schemas.microsoft.com/office/drawing/2010/main" val="0"/>
+              </a:ext>
+            </a:extLst>
+          </a:blip>
+          <a:srcRect/>
+          <a:stretch>
+            <a:fillRect/>
+          </a:stretch>
+        </p:blipFill>
+        <p:spPr bwMode="auto">
+          <a:xfrm>
+            <a:off x="6781800" y="2777324"/>
+            <a:ext cx="1371600" cy="1443486"/>
+          </a:xfrm>
+          <a:prstGeom prst="rect">
+            <a:avLst/>
+          </a:prstGeom>
+          <a:noFill/>
+          <a:extLst>
+            <a:ext uri="{909E8E84-426E-40DD-AFC4-6F175D3DCCD1}">
+              <a14:hiddenFill xmlns:a14="http://schemas.microsoft.com/office/drawing/2010/main">
+                <a:solidFill>
+                  <a:srgbClr val="FFFFFF"/>
+                </a:solidFill>
+              </a14:hiddenFill>
+            </a:ext>
+          </a:extLst>
+        </p:spPr>
+      </p:pic>
+      <p:sp>
+        <p:nvSpPr>
+          <p:cNvPr id="7" name="TextBox 6"/>
+          <p:cNvSpPr txBox="1"/>
+          <p:nvPr/>
+        </p:nvSpPr>
+        <p:spPr>
+          <a:xfrm>
+            <a:off x="55519" y="780410"/>
+            <a:ext cx="2560957" cy="2031325"/>
+          </a:xfrm>
+          <a:prstGeom prst="rect">
+            <a:avLst/>
+          </a:prstGeom>
+          <a:noFill/>
+        </p:spPr>
+        <p:txBody>
+          <a:bodyPr wrap="none" rtlCol="0">
+            <a:spAutoFit/>
+          </a:bodyPr>
+          <a:lstStyle/>
+          <a:p>
+            <a:pPr marL="285750" indent="-285750">
+              <a:buFont typeface="Arial" pitchFamily="34" charset="0"/>
+              <a:buChar char="•"/>
+            </a:pPr>
+            <a:r>
+              <a:rPr lang="en-US" dirty="0" smtClean="0"/>
+              <a:t>Goal: </a:t>
+            </a:r>
+            <a:r>
+              <a:rPr lang="en-US" cap="small" dirty="0" smtClean="0"/>
+              <a:t>Food</a:t>
+            </a:r>
+            <a:r>
+              <a:rPr lang="en-US" dirty="0" smtClean="0"/>
+              <a:t>!</a:t>
+            </a:r>
+          </a:p>
+          <a:p>
+            <a:pPr marL="285750" indent="-285750">
+              <a:buFont typeface="Arial" pitchFamily="34" charset="0"/>
+              <a:buChar char="•"/>
+            </a:pPr>
+            <a:r>
+              <a:rPr lang="en-US" dirty="0" smtClean="0"/>
+              <a:t>When will it rain?</a:t>
+            </a:r>
+          </a:p>
+          <a:p>
+            <a:pPr marL="285750" indent="-285750">
+              <a:buFont typeface="Arial" pitchFamily="34" charset="0"/>
+              <a:buChar char="•"/>
+            </a:pPr>
+            <a:r>
+              <a:rPr lang="en-US" dirty="0" smtClean="0"/>
+              <a:t>Where are the deer</a:t>
+            </a:r>
+            <a:br>
+              <a:rPr lang="en-US" dirty="0" smtClean="0"/>
+            </a:br>
+            <a:r>
+              <a:rPr lang="en-US" dirty="0" smtClean="0"/>
+              <a:t>given it’s raining?</a:t>
+            </a:r>
+            <a:endParaRPr lang="en-US" dirty="0"/>
+          </a:p>
+          <a:p>
+            <a:pPr marL="285750" indent="-285750">
+              <a:buFont typeface="Arial" pitchFamily="34" charset="0"/>
+              <a:buChar char="•"/>
+            </a:pPr>
+            <a:r>
+              <a:rPr lang="en-US" dirty="0" smtClean="0"/>
+              <a:t>Make the herds move</a:t>
+            </a:r>
+            <a:br>
+              <a:rPr lang="en-US" dirty="0" smtClean="0"/>
+            </a:br>
+            <a:r>
+              <a:rPr lang="en-US" dirty="0" smtClean="0"/>
+              <a:t>somewhere via noise?</a:t>
+            </a:r>
+          </a:p>
+          <a:p>
+            <a:pPr marL="107950" indent="-285750">
+              <a:buFont typeface="Arial" pitchFamily="34" charset="0"/>
+              <a:buChar char="•"/>
+            </a:pPr>
+            <a:endParaRPr lang="en-US" dirty="0"/>
+          </a:p>
+        </p:txBody>
+      </p:sp>
+      <p:pic>
+        <p:nvPicPr>
+          <p:cNvPr id="2057" name="Picture 9" descr="C:\Program Files (x86)\Microsoft Office\MEDIA\CAGCAT10\j0149627.wmf"/>
+          <p:cNvPicPr>
+            <a:picLocks noChangeAspect="1" noChangeArrowheads="1"/>
+          </p:cNvPicPr>
+          <p:nvPr/>
+        </p:nvPicPr>
+        <p:blipFill>
+          <a:blip r:embed="rId7" cstate="print">
+            <a:extLst>
+              <a:ext uri="{28A0092B-C50C-407E-A947-70E740481C1C}">
+                <a14:useLocalDpi xmlns:a14="http://schemas.microsoft.com/office/drawing/2010/main" val="0"/>
+              </a:ext>
+            </a:extLst>
+          </a:blip>
+          <a:srcRect/>
+          <a:stretch>
+            <a:fillRect/>
+          </a:stretch>
+        </p:blipFill>
+        <p:spPr bwMode="auto">
+          <a:xfrm>
+            <a:off x="1981200" y="4191000"/>
+            <a:ext cx="1308929" cy="930049"/>
+          </a:xfrm>
+          <a:prstGeom prst="rect">
+            <a:avLst/>
+          </a:prstGeom>
+          <a:noFill/>
+          <a:extLst>
+            <a:ext uri="{909E8E84-426E-40DD-AFC4-6F175D3DCCD1}">
+              <a14:hiddenFill xmlns:a14="http://schemas.microsoft.com/office/drawing/2010/main">
+                <a:solidFill>
+                  <a:srgbClr val="FFFFFF"/>
+                </a:solidFill>
+              </a14:hiddenFill>
+            </a:ext>
+          </a:extLst>
+        </p:spPr>
+      </p:pic>
+      <p:pic>
+        <p:nvPicPr>
+          <p:cNvPr id="2058" name="Picture 10" descr="C:\Users\Class2014\AppData\Local\Microsoft\Windows\Temporary Internet Files\Content.IE5\O9L5FNKL\MC900436334[1].png"/>
+          <p:cNvPicPr>
+            <a:picLocks noChangeAspect="1" noChangeArrowheads="1"/>
+          </p:cNvPicPr>
+          <p:nvPr/>
+        </p:nvPicPr>
+        <p:blipFill>
+          <a:blip r:embed="rId8">
+            <a:extLst>
+              <a:ext uri="{28A0092B-C50C-407E-A947-70E740481C1C}">
+                <a14:useLocalDpi xmlns:a14="http://schemas.microsoft.com/office/drawing/2010/main" val="0"/>
+              </a:ext>
+            </a:extLst>
+          </a:blip>
+          <a:srcRect/>
+          <a:stretch>
+            <a:fillRect/>
+          </a:stretch>
+        </p:blipFill>
+        <p:spPr bwMode="auto">
+          <a:xfrm>
+            <a:off x="1066800" y="5049728"/>
+            <a:ext cx="1714500" cy="1714500"/>
+          </a:xfrm>
+          <a:prstGeom prst="rect">
+            <a:avLst/>
+          </a:prstGeom>
+          <a:noFill/>
+          <a:extLst>
+            <a:ext uri="{909E8E84-426E-40DD-AFC4-6F175D3DCCD1}">
+              <a14:hiddenFill xmlns:a14="http://schemas.microsoft.com/office/drawing/2010/main">
+                <a:solidFill>
+                  <a:srgbClr val="FFFFFF"/>
+                </a:solidFill>
+              </a14:hiddenFill>
+            </a:ext>
+          </a:extLst>
+        </p:spPr>
+      </p:pic>
+      <p:pic>
+        <p:nvPicPr>
+          <p:cNvPr id="2059" name="Picture 11" descr="C:\Users\Class2014\AppData\Local\Microsoft\Windows\Temporary Internet Files\Content.IE5\1GYX6QKB\MC900391486[1].wmf"/>
+          <p:cNvPicPr>
+            <a:picLocks noChangeAspect="1" noChangeArrowheads="1"/>
+          </p:cNvPicPr>
+          <p:nvPr/>
+        </p:nvPicPr>
+        <p:blipFill>
+          <a:blip r:embed="rId9" cstate="print">
+            <a:extLst>
+              <a:ext uri="{28A0092B-C50C-407E-A947-70E740481C1C}">
+                <a14:useLocalDpi xmlns:a14="http://schemas.microsoft.com/office/drawing/2010/main" val="0"/>
+              </a:ext>
+            </a:extLst>
+          </a:blip>
+          <a:srcRect/>
+          <a:stretch>
+            <a:fillRect/>
+          </a:stretch>
+        </p:blipFill>
+        <p:spPr bwMode="auto">
+          <a:xfrm>
+            <a:off x="348996" y="4650257"/>
+            <a:ext cx="1632204" cy="1816913"/>
+          </a:xfrm>
+          <a:prstGeom prst="rect">
+            <a:avLst/>
+          </a:prstGeom>
+          <a:noFill/>
+          <a:extLst>
+            <a:ext uri="{909E8E84-426E-40DD-AFC4-6F175D3DCCD1}">
+              <a14:hiddenFill xmlns:a14="http://schemas.microsoft.com/office/drawing/2010/main">
+                <a:solidFill>
+                  <a:srgbClr val="FFFFFF"/>
+                </a:solidFill>
+              </a14:hiddenFill>
+            </a:ext>
+          </a:extLst>
+        </p:spPr>
+      </p:pic>
+      <p:sp>
+        <p:nvSpPr>
+          <p:cNvPr id="8" name="TextBox 7"/>
+          <p:cNvSpPr txBox="1"/>
+          <p:nvPr/>
+        </p:nvSpPr>
+        <p:spPr>
+          <a:xfrm>
+            <a:off x="4147351" y="1368641"/>
+            <a:ext cx="1344792" cy="923330"/>
+          </a:xfrm>
+          <a:prstGeom prst="rect">
+            <a:avLst/>
+          </a:prstGeom>
+          <a:noFill/>
+        </p:spPr>
+        <p:txBody>
+          <a:bodyPr wrap="none" rtlCol="0">
+            <a:spAutoFit/>
+          </a:bodyPr>
+          <a:lstStyle/>
+          <a:p>
+            <a:r>
+              <a:rPr lang="en-US" dirty="0" smtClean="0"/>
+              <a:t>Explanation</a:t>
+            </a:r>
+          </a:p>
+          <a:p>
+            <a:r>
+              <a:rPr lang="en-US" dirty="0" smtClean="0"/>
+              <a:t>Prediction</a:t>
+            </a:r>
+          </a:p>
+          <a:p>
+            <a:r>
+              <a:rPr lang="en-US" dirty="0" smtClean="0"/>
+              <a:t>Intervention</a:t>
+            </a:r>
+          </a:p>
+        </p:txBody>
+      </p:sp>
+      <p:sp>
+        <p:nvSpPr>
+          <p:cNvPr id="11" name="TextBox 10"/>
+          <p:cNvSpPr txBox="1"/>
+          <p:nvPr/>
+        </p:nvSpPr>
+        <p:spPr>
+          <a:xfrm>
+            <a:off x="7399782" y="914400"/>
+            <a:ext cx="1181734" cy="369332"/>
+          </a:xfrm>
+          <a:prstGeom prst="rect">
+            <a:avLst/>
+          </a:prstGeom>
+          <a:noFill/>
+        </p:spPr>
+        <p:txBody>
+          <a:bodyPr wrap="none" rtlCol="0">
+            <a:spAutoFit/>
+          </a:bodyPr>
+          <a:lstStyle/>
+          <a:p>
+            <a:r>
+              <a:rPr lang="en-US" dirty="0" smtClean="0"/>
+              <a:t>~7000 BCE</a:t>
+            </a:r>
+            <a:endParaRPr lang="en-US" dirty="0"/>
+          </a:p>
+        </p:txBody>
+      </p:sp>
+      <p:sp>
+        <p:nvSpPr>
+          <p:cNvPr id="12" name="Rounded Rectangular Callout 11"/>
+          <p:cNvSpPr/>
+          <p:nvPr/>
+        </p:nvSpPr>
+        <p:spPr>
+          <a:xfrm>
+            <a:off x="2209800" y="2819400"/>
+            <a:ext cx="571500" cy="609600"/>
+          </a:xfrm>
+          <a:prstGeom prst="wedgeRoundRectCallout">
+            <a:avLst>
+              <a:gd name="adj1" fmla="val -39765"/>
+              <a:gd name="adj2" fmla="val 66981"/>
+              <a:gd name="adj3" fmla="val 16667"/>
+            </a:avLst>
+          </a:prstGeom>
+          <a:solidFill>
+            <a:schemeClr val="accent6">
+              <a:lumMod val="75000"/>
+            </a:schemeClr>
+          </a:solidFill>
+        </p:spPr>
+        <p:style>
+          <a:lnRef idx="2">
+            <a:schemeClr val="accent1">
+              <a:shade val="50000"/>
+            </a:schemeClr>
+          </a:lnRef>
+          <a:fillRef idx="1">
+            <a:schemeClr val="accent1"/>
+          </a:fillRef>
+          <a:effectRef idx="0">
+            <a:schemeClr val="accent1"/>
+          </a:effectRef>
+          <a:fontRef idx="minor">
+            <a:schemeClr val="lt1"/>
+          </a:fontRef>
+        </p:style>
+        <p:txBody>
+          <a:bodyPr rtlCol="0" anchor="ctr"/>
+          <a:lstStyle/>
+          <a:p>
+            <a:pPr algn="ctr"/>
+            <a:r>
+              <a:rPr lang="en-US" sz="2800" b="1" dirty="0" smtClean="0"/>
+              <a:t>!!</a:t>
+            </a:r>
+            <a:endParaRPr lang="en-US" sz="2800" b="1" dirty="0"/>
+          </a:p>
+        </p:txBody>
+      </p:sp>
+    </p:spTree>
+    <p:extLst>
+      <p:ext uri="{BB962C8B-B14F-4D97-AF65-F5344CB8AC3E}">
+        <p14:creationId xmlns:p14="http://schemas.microsoft.com/office/powerpoint/2010/main" val="2771656018"/>
+      </p:ext>
+    </p:extLst>
+  </p:cSld>
+  <p:clrMapOvr>
+    <a:masterClrMapping/>
+  </p:clrMapOvr>
+  <p:timing>
+    <p:tnLst>
+      <p:par>
+        <p:cTn id="1" dur="indefinite" restart="never" nodeType="tmRoot"/>
+      </p:par>
+    </p:tnLst>
+  </p:timing>
+</p:sld>
+</file>
+
+<file path=ppt/slides/slide11.xml><?xml version="1.0" encoding="utf-8"?>
+<p:sld xmlns:a="http://schemas.openxmlformats.org/drawingml/2006/main" xmlns:r="http://schemas.openxmlformats.org/officeDocument/2006/relationships" xmlns:p="http://schemas.openxmlformats.org/presentationml/2006/main">
+  <p:cSld>
+    <p:spTree>
+      <p:nvGrpSpPr>
+        <p:cNvPr id="1" name=""/>
+        <p:cNvGrpSpPr/>
+        <p:nvPr/>
+      </p:nvGrpSpPr>
+      <p:grpSpPr>
+        <a:xfrm>
+          <a:off x="0" y="0"/>
+          <a:ext cx="0" cy="0"/>
+          <a:chOff x="0" y="0"/>
+          <a:chExt cx="0" cy="0"/>
+        </a:xfrm>
+      </p:grpSpPr>
+      <p:sp>
+        <p:nvSpPr>
+          <p:cNvPr id="2" name="Title 1"/>
+          <p:cNvSpPr>
+            <a:spLocks noGrp="1"/>
+          </p:cNvSpPr>
+          <p:nvPr>
+            <p:ph type="title"/>
+          </p:nvPr>
+        </p:nvSpPr>
+        <p:spPr/>
+        <p:txBody>
+          <a:bodyPr/>
+          <a:lstStyle/>
+          <a:p>
             <a:endParaRPr lang="en-US"/>
           </a:p>
         </p:txBody>
       </p:sp>
-      <mc:AlternateContent xmlns:mc="http://schemas.openxmlformats.org/markup-compatibility/2006">
-        <mc:Choice xmlns:a14="http://schemas.microsoft.com/office/drawing/2010/main" Requires="a14">
+      <mc:AlternateContent xmlns:mc="http://schemas.openxmlformats.org/markup-compatibility/2006" xmlns:a14="http://schemas.microsoft.com/office/drawing/2010/main">
+        <mc:Choice Requires="a14">
           <p:sp>
             <p:nvSpPr>
               <p:cNvPr id="3" name="Content Placeholder 2"/>
@@ -4103,7 +5589,7 @@
             </p:txBody>
           </p:sp>
         </mc:Choice>
-        <mc:Fallback>
+        <mc:Fallback xmlns="">
           <p:sp>
             <p:nvSpPr>
               <p:cNvPr id="3" name="Content Placeholder 2"/>
@@ -4116,7 +5602,7 @@
             </p:nvSpPr>
             <p:spPr>
               <a:blipFill rotWithShape="1">
-                <a:blip r:embed="rId2"/>
+                <a:blip r:embed="rId3"/>
                 <a:stretch>
                   <a:fillRect l="-1630" t="-1752"/>
                 </a:stretch>
@@ -4286,6 +5772,38 @@
           </p:txBody>
         </p:sp>
       </p:grpSp>
+      <p:sp>
+        <p:nvSpPr>
+          <p:cNvPr id="8" name="TextBox 7"/>
+          <p:cNvSpPr txBox="1"/>
+          <p:nvPr/>
+        </p:nvSpPr>
+        <p:spPr>
+          <a:xfrm>
+            <a:off x="304800" y="4572000"/>
+            <a:ext cx="4809650" cy="461665"/>
+          </a:xfrm>
+          <a:prstGeom prst="rect">
+            <a:avLst/>
+          </a:prstGeom>
+          <a:noFill/>
+        </p:spPr>
+        <p:txBody>
+          <a:bodyPr wrap="none" rtlCol="0">
+            <a:spAutoFit/>
+          </a:bodyPr>
+          <a:lstStyle/>
+          <a:p>
+            <a:r>
+              <a:rPr lang="en-US" sz="2400" b="1" dirty="0" smtClean="0">
+                <a:sym typeface="Wingdings" pitchFamily="2" charset="2"/>
+              </a:rPr>
+              <a:t>Combine with Feedback  Learning</a:t>
+            </a:r>
+            <a:endParaRPr lang="en-US" sz="2400" b="1" dirty="0"/>
+          </a:p>
+        </p:txBody>
+      </p:sp>
     </p:spTree>
     <p:extLst>
       <p:ext uri="{BB962C8B-B14F-4D97-AF65-F5344CB8AC3E}">
@@ -4359,13 +5877,14 @@
           <a:p>
             <a:r>
               <a:rPr lang="en-US" dirty="0" smtClean="0"/>
-              <a:t>Success</a:t>
-            </a:r>
-          </a:p>
-          <a:p>
+              <a:t>The First Modelers</a:t>
+            </a:r>
+          </a:p>
+          <a:p>
+            <a:pPr lvl="1"/>
             <a:r>
               <a:rPr lang="en-US" dirty="0" smtClean="0"/>
-              <a:t>Failure</a:t>
+              <a:t>Modern Models</a:t>
             </a:r>
           </a:p>
           <a:p>
@@ -4377,7 +5896,13 @@
           <a:p>
             <a:r>
               <a:rPr lang="en-US" dirty="0" smtClean="0"/>
-              <a:t>Our Best Shot</a:t>
+              <a:t>Push the Limits</a:t>
+            </a:r>
+          </a:p>
+          <a:p>
+            <a:r>
+              <a:rPr lang="en-US" dirty="0" smtClean="0"/>
+              <a:t>Models &amp; Life</a:t>
             </a:r>
             <a:endParaRPr lang="en-US" dirty="0"/>
           </a:p>
@@ -4391,7 +5916,7 @@
         </p:nvSpPr>
         <p:spPr>
           <a:xfrm>
-            <a:off x="4876800" y="4876800"/>
+            <a:off x="5943600" y="4289605"/>
             <a:ext cx="2028632" cy="1200329"/>
           </a:xfrm>
           <a:prstGeom prst="rect">
@@ -4614,7 +6139,7 @@
         <p:spPr>
           <a:xfrm>
             <a:off x="34804" y="1099066"/>
-            <a:ext cx="6992876" cy="1938992"/>
+            <a:ext cx="6505563" cy="1938992"/>
           </a:xfrm>
           <a:prstGeom prst="rect">
             <a:avLst/>
@@ -4647,7 +6172,7 @@
             </a:pPr>
             <a:r>
               <a:rPr lang="en-US" sz="2400" dirty="0" smtClean="0"/>
-              <a:t>Where will the deer be given current conditions?</a:t>
+              <a:t>Where will deer be given current conditions?</a:t>
             </a:r>
           </a:p>
           <a:p>
@@ -4657,7 +6182,7 @@
             </a:pPr>
             <a:r>
               <a:rPr lang="en-US" sz="2400" dirty="0" smtClean="0"/>
-              <a:t>What conditions will make the deer </a:t>
+              <a:t>What conditions will make deer </a:t>
             </a:r>
             <a:br>
               <a:rPr lang="en-US" sz="2400" dirty="0" smtClean="0"/>
@@ -4675,7 +6200,7 @@
             </a:pPr>
             <a:r>
               <a:rPr lang="en-US" sz="2400" dirty="0" smtClean="0"/>
-              <a:t>If I make a noise, will the deer move under the trap?</a:t>
+              <a:t>If I make a noise, will deer move under the trap?</a:t>
             </a:r>
           </a:p>
         </p:txBody>
@@ -4688,7 +6213,7 @@
         </p:nvSpPr>
         <p:spPr>
           <a:xfrm>
-            <a:off x="6705600" y="1539151"/>
+            <a:off x="6553200" y="1514767"/>
             <a:ext cx="2323072" cy="1585049"/>
           </a:xfrm>
           <a:prstGeom prst="rect">
@@ -4710,7 +6235,6 @@
               <a:rPr lang="en-US" sz="2800" b="1" dirty="0" smtClean="0"/>
               <a:t>Prediction</a:t>
             </a:r>
-            <a:endParaRPr lang="en-US" sz="2800" b="1" dirty="0" smtClean="0"/>
           </a:p>
           <a:p>
             <a:pPr marL="230188" indent="-230188">
@@ -5939,33 +7463,15 @@
                                   </p:childTnLst>
                                 </p:cTn>
                               </p:par>
-                            </p:childTnLst>
-                          </p:cTn>
-                        </p:par>
-                      </p:childTnLst>
-                    </p:cTn>
-                  </p:par>
-                  <p:par>
-                    <p:cTn id="54" fill="hold">
-                      <p:stCondLst>
-                        <p:cond delay="indefinite"/>
-                      </p:stCondLst>
-                      <p:childTnLst>
-                        <p:par>
-                          <p:cTn id="55" fill="hold">
-                            <p:stCondLst>
-                              <p:cond delay="0"/>
-                            </p:stCondLst>
-                            <p:childTnLst>
                               <p:par>
-                                <p:cTn id="56" presetID="1" presetClass="entr" presetSubtype="0" fill="hold" nodeType="clickEffect">
+                                <p:cTn id="54" presetID="1" presetClass="entr" presetSubtype="0" fill="hold" nodeType="withEffect">
                                   <p:stCondLst>
                                     <p:cond delay="0"/>
                                   </p:stCondLst>
                                   <p:childTnLst>
                                     <p:set>
                                       <p:cBhvr>
-                                        <p:cTn id="57" dur="1" fill="hold">
+                                        <p:cTn id="55" dur="1" fill="hold">
                                           <p:stCondLst>
                                             <p:cond delay="0"/>
                                           </p:stCondLst>
@@ -5991,19 +7497,50 @@
                     </p:cTn>
                   </p:par>
                   <p:par>
-                    <p:cTn id="58" fill="hold">
+                    <p:cTn id="56" fill="hold">
                       <p:stCondLst>
                         <p:cond delay="indefinite"/>
                       </p:stCondLst>
                       <p:childTnLst>
                         <p:par>
-                          <p:cTn id="59" fill="hold">
+                          <p:cTn id="57" fill="hold">
                             <p:stCondLst>
                               <p:cond delay="0"/>
                             </p:stCondLst>
                             <p:childTnLst>
                               <p:par>
-                                <p:cTn id="60" presetID="1" presetClass="entr" presetSubtype="0" fill="hold" grpId="0" nodeType="clickEffect">
+                                <p:cTn id="58" presetID="1" presetClass="entr" presetSubtype="0" fill="hold" grpId="0" nodeType="clickEffect">
+                                  <p:stCondLst>
+                                    <p:cond delay="0"/>
+                                  </p:stCondLst>
+                                  <p:childTnLst>
+                                    <p:set>
+                                      <p:cBhvr>
+                                        <p:cTn id="59" dur="1" fill="hold">
+                                          <p:stCondLst>
+                                            <p:cond delay="0"/>
+                                          </p:stCondLst>
+                                        </p:cTn>
+                                        <p:tgtEl>
+                                          <p:spTgt spid="8">
+                                            <p:txEl>
+                                              <p:pRg st="2" end="2"/>
+                                            </p:txEl>
+                                          </p:spTgt>
+                                        </p:tgtEl>
+                                        <p:attrNameLst>
+                                          <p:attrName>style.visibility</p:attrName>
+                                        </p:attrNameLst>
+                                      </p:cBhvr>
+                                      <p:to>
+                                        <p:strVal val="visible"/>
+                                      </p:to>
+                                    </p:set>
+                                  </p:childTnLst>
+                                </p:cTn>
+                              </p:par>
+                              <p:par>
+                                <p:cTn id="60" presetID="1" presetClass="entr" presetSubtype="0" fill="hold" nodeType="withEffect">
                                   <p:stCondLst>
                                     <p:cond delay="0"/>
                                   </p:stCondLst>
@@ -6016,11 +7553,7 @@
                                           </p:stCondLst>
                                         </p:cTn>
                                         <p:tgtEl>
-                                          <p:spTgt spid="8">
-                                            <p:txEl>
-                                              <p:pRg st="2" end="2"/>
-                                            </p:txEl>
-                                          </p:spTgt>
+                                          <p:spTgt spid="2067"/>
                                         </p:tgtEl>
                                         <p:attrNameLst>
                                           <p:attrName>style.visibility</p:attrName>
@@ -6052,7 +7585,7 @@
                             </p:stCondLst>
                             <p:childTnLst>
                               <p:par>
-                                <p:cTn id="64" presetID="1" presetClass="entr" presetSubtype="0" fill="hold" nodeType="clickEffect">
+                                <p:cTn id="64" presetID="1" presetClass="entr" presetSubtype="0" fill="hold" grpId="0" nodeType="clickEffect">
                                   <p:stCondLst>
                                     <p:cond delay="0"/>
                                   </p:stCondLst>
@@ -6060,51 +7593,6 @@
                                     <p:set>
                                       <p:cBhvr>
                                         <p:cTn id="65" dur="1" fill="hold">
-                                          <p:stCondLst>
-                                            <p:cond delay="0"/>
-                                          </p:stCondLst>
-                                        </p:cTn>
-                                        <p:tgtEl>
-                                          <p:spTgt spid="2067"/>
-                                        </p:tgtEl>
-                                        <p:attrNameLst>
-                                          <p:attrName>style.visibility</p:attrName>
-                                        </p:attrNameLst>
-                                      </p:cBhvr>
-                                      <p:to>
-                                        <p:strVal val="visible"/>
-                                      </p:to>
-                                    </p:set>
-                                  </p:childTnLst>
-                                </p:cTn>
-                              </p:par>
-                            </p:childTnLst>
-                          </p:cTn>
-                        </p:par>
-                      </p:childTnLst>
-                    </p:cTn>
-                  </p:par>
-                  <p:par>
-                    <p:cTn id="66" fill="hold">
-                      <p:stCondLst>
-                        <p:cond delay="indefinite"/>
-                      </p:stCondLst>
-                      <p:childTnLst>
-                        <p:par>
-                          <p:cTn id="67" fill="hold">
-                            <p:stCondLst>
-                              <p:cond delay="0"/>
-                            </p:stCondLst>
-                            <p:childTnLst>
-                              <p:par>
-                                <p:cTn id="68" presetID="1" presetClass="entr" presetSubtype="0" fill="hold" grpId="0" nodeType="clickEffect">
-                                  <p:stCondLst>
-                                    <p:cond delay="0"/>
-                                  </p:stCondLst>
-                                  <p:childTnLst>
-                                    <p:set>
-                                      <p:cBhvr>
-                                        <p:cTn id="69" dur="1" fill="hold">
                                           <p:stCondLst>
                                             <p:cond delay="0"/>
                                           </p:stCondLst>
@@ -6127,33 +7615,15 @@
                                   </p:childTnLst>
                                 </p:cTn>
                               </p:par>
-                            </p:childTnLst>
-                          </p:cTn>
-                        </p:par>
-                      </p:childTnLst>
-                    </p:cTn>
-                  </p:par>
-                  <p:par>
-                    <p:cTn id="70" fill="hold">
-                      <p:stCondLst>
-                        <p:cond delay="indefinite"/>
-                      </p:stCondLst>
-                      <p:childTnLst>
-                        <p:par>
-                          <p:cTn id="71" fill="hold">
-                            <p:stCondLst>
-                              <p:cond delay="0"/>
-                            </p:stCondLst>
-                            <p:childTnLst>
                               <p:par>
-                                <p:cTn id="72" presetID="1" presetClass="entr" presetSubtype="0" fill="hold" nodeType="clickEffect">
+                                <p:cTn id="66" presetID="1" presetClass="entr" presetSubtype="0" fill="hold" nodeType="withEffect">
                                   <p:stCondLst>
                                     <p:cond delay="0"/>
                                   </p:stCondLst>
                                   <p:childTnLst>
                                     <p:set>
                                       <p:cBhvr>
-                                        <p:cTn id="73" dur="1" fill="hold">
+                                        <p:cTn id="67" dur="1" fill="hold">
                                           <p:stCondLst>
                                             <p:cond delay="0"/>
                                           </p:stCondLst>
@@ -6179,26 +7649,26 @@
                     </p:cTn>
                   </p:par>
                   <p:par>
-                    <p:cTn id="74" fill="hold">
+                    <p:cTn id="68" fill="hold">
                       <p:stCondLst>
                         <p:cond delay="indefinite"/>
                       </p:stCondLst>
                       <p:childTnLst>
                         <p:par>
-                          <p:cTn id="75" fill="hold">
+                          <p:cTn id="69" fill="hold">
                             <p:stCondLst>
                               <p:cond delay="0"/>
                             </p:stCondLst>
                             <p:childTnLst>
                               <p:par>
-                                <p:cTn id="76" presetID="22" presetClass="entr" presetSubtype="4" fill="hold" grpId="1" nodeType="clickEffect">
+                                <p:cTn id="70" presetID="22" presetClass="entr" presetSubtype="4" fill="hold" grpId="1" nodeType="clickEffect">
                                   <p:stCondLst>
                                     <p:cond delay="0"/>
                                   </p:stCondLst>
                                   <p:childTnLst>
                                     <p:set>
                                       <p:cBhvr>
-                                        <p:cTn id="77" dur="1" fill="hold">
+                                        <p:cTn id="71" dur="1" fill="hold">
                                           <p:stCondLst>
                                             <p:cond delay="0"/>
                                           </p:stCondLst>
@@ -6216,7 +7686,7 @@
                                     </p:set>
                                     <p:animEffect transition="in" filter="wipe(down)">
                                       <p:cBhvr>
-                                        <p:cTn id="78" dur="500"/>
+                                        <p:cTn id="72" dur="500"/>
                                         <p:tgtEl>
                                           <p:spTgt spid="24"/>
                                         </p:tgtEl>
@@ -6232,26 +7702,26 @@
                     </p:cTn>
                   </p:par>
                   <p:par>
-                    <p:cTn id="79" fill="hold">
+                    <p:cTn id="73" fill="hold">
                       <p:stCondLst>
                         <p:cond delay="indefinite"/>
                       </p:stCondLst>
                       <p:childTnLst>
                         <p:par>
-                          <p:cTn id="80" fill="hold">
+                          <p:cTn id="74" fill="hold">
                             <p:stCondLst>
                               <p:cond delay="0"/>
                             </p:stCondLst>
                             <p:childTnLst>
                               <p:par>
-                                <p:cTn id="81" presetID="53" presetClass="entr" presetSubtype="16" fill="hold" grpId="0" nodeType="clickEffect">
+                                <p:cTn id="75" presetID="53" presetClass="entr" presetSubtype="16" fill="hold" grpId="0" nodeType="clickEffect">
                                   <p:stCondLst>
                                     <p:cond delay="0"/>
                                   </p:stCondLst>
                                   <p:childTnLst>
                                     <p:set>
                                       <p:cBhvr>
-                                        <p:cTn id="82" dur="1" fill="hold">
+                                        <p:cTn id="76" dur="1" fill="hold">
                                           <p:stCondLst>
                                             <p:cond delay="0"/>
                                           </p:stCondLst>
@@ -6269,7 +7739,7 @@
                                     </p:set>
                                     <p:anim calcmode="lin" valueType="num">
                                       <p:cBhvr>
-                                        <p:cTn id="83" dur="500" fill="hold"/>
+                                        <p:cTn id="77" dur="500" fill="hold"/>
                                         <p:tgtEl>
                                           <p:spTgt spid="23"/>
                                         </p:tgtEl>
@@ -6292,7 +7762,7 @@
                                     </p:anim>
                                     <p:anim calcmode="lin" valueType="num">
                                       <p:cBhvr>
-                                        <p:cTn id="84" dur="500" fill="hold"/>
+                                        <p:cTn id="78" dur="500" fill="hold"/>
                                         <p:tgtEl>
                                           <p:spTgt spid="23"/>
                                         </p:tgtEl>
@@ -6315,7 +7785,7 @@
                                     </p:anim>
                                     <p:animEffect transition="in" filter="fade">
                                       <p:cBhvr>
-                                        <p:cTn id="85" dur="500"/>
+                                        <p:cTn id="79" dur="500"/>
                                         <p:tgtEl>
                                           <p:spTgt spid="23"/>
                                         </p:tgtEl>
@@ -6398,6 +7868,177 @@
           <a:p>
             <a:r>
               <a:rPr lang="en-US" dirty="0" smtClean="0"/>
+              <a:t>Modern Models</a:t>
+            </a:r>
+            <a:endParaRPr lang="en-US" dirty="0"/>
+          </a:p>
+        </p:txBody>
+      </p:sp>
+      <p:sp>
+        <p:nvSpPr>
+          <p:cNvPr id="3" name="Content Placeholder 2"/>
+          <p:cNvSpPr>
+            <a:spLocks noGrp="1"/>
+          </p:cNvSpPr>
+          <p:nvPr>
+            <p:ph idx="1"/>
+          </p:nvPr>
+        </p:nvSpPr>
+        <p:spPr>
+          <a:xfrm>
+            <a:off x="304800" y="1219200"/>
+            <a:ext cx="8610600" cy="5486400"/>
+          </a:xfrm>
+        </p:spPr>
+        <p:txBody>
+          <a:bodyPr>
+            <a:normAutofit/>
+          </a:bodyPr>
+          <a:lstStyle/>
+          <a:p>
+            <a:r>
+              <a:rPr lang="en-US" sz="2400" dirty="0" smtClean="0"/>
+              <a:t>Physics</a:t>
+            </a:r>
+          </a:p>
+          <a:p>
+            <a:pPr lvl="1"/>
+            <a:r>
+              <a:rPr lang="en-US" sz="2000" dirty="0" smtClean="0"/>
+              <a:t>Prediction: What is the path of an electron?</a:t>
+            </a:r>
+          </a:p>
+          <a:p>
+            <a:pPr lvl="1"/>
+            <a:r>
+              <a:rPr lang="en-US" sz="2000" dirty="0" smtClean="0"/>
+              <a:t>Explanation: What causes gravity?</a:t>
+            </a:r>
+          </a:p>
+          <a:p>
+            <a:pPr lvl="1"/>
+            <a:r>
+              <a:rPr lang="en-US" sz="2000" dirty="0" smtClean="0"/>
+              <a:t>Intervention: If we build a rocket and ignite it, will it launch into orbit?</a:t>
+            </a:r>
+          </a:p>
+          <a:p>
+            <a:r>
+              <a:rPr lang="en-US" sz="2400" dirty="0" smtClean="0"/>
+              <a:t>Finance</a:t>
+            </a:r>
+          </a:p>
+          <a:p>
+            <a:pPr lvl="1"/>
+            <a:r>
+              <a:rPr lang="en-US" sz="2000" dirty="0" smtClean="0"/>
+              <a:t>What will the value of Apple be in 3 months?</a:t>
+            </a:r>
+          </a:p>
+          <a:p>
+            <a:pPr lvl="1"/>
+            <a:r>
+              <a:rPr lang="en-US" sz="2000" dirty="0" smtClean="0"/>
+              <a:t>What circumstances led to the 2008 crash?</a:t>
+            </a:r>
+          </a:p>
+          <a:p>
+            <a:pPr lvl="1"/>
+            <a:r>
+              <a:rPr lang="en-US" sz="2000" dirty="0" smtClean="0"/>
+              <a:t>If the Federal Reserve repurchases treasury bonds, will inflation decrease?</a:t>
+            </a:r>
+          </a:p>
+          <a:p>
+            <a:r>
+              <a:rPr lang="en-US" sz="2400" dirty="0" smtClean="0"/>
+              <a:t>Music</a:t>
+            </a:r>
+          </a:p>
+          <a:p>
+            <a:pPr lvl="1"/>
+            <a:r>
+              <a:rPr lang="en-US" sz="2000" dirty="0" smtClean="0"/>
+              <a:t>How will it sound if a violin plays A, a Flute plays B, a Cello plays C, …</a:t>
+            </a:r>
+          </a:p>
+          <a:p>
+            <a:pPr lvl="1"/>
+            <a:r>
+              <a:rPr lang="en-US" sz="2000" dirty="0" smtClean="0"/>
+              <a:t>What leads an audience to most appreciate a sound? [psychology]</a:t>
+            </a:r>
+          </a:p>
+          <a:p>
+            <a:pPr lvl="1"/>
+            <a:r>
+              <a:rPr lang="en-US" sz="2000" dirty="0" smtClean="0"/>
+              <a:t>If we change the increase a tune’s time signature, will it appear faster?</a:t>
+            </a:r>
+          </a:p>
+          <a:p>
+            <a:r>
+              <a:rPr lang="en-US" sz="2400" dirty="0" smtClean="0"/>
+              <a:t>Love, History, Biology, Mathematics, Engineering, Health, …….</a:t>
+            </a:r>
+            <a:endParaRPr lang="en-US" sz="2000" dirty="0"/>
+          </a:p>
+        </p:txBody>
+      </p:sp>
+    </p:spTree>
+    <p:extLst>
+      <p:ext uri="{BB962C8B-B14F-4D97-AF65-F5344CB8AC3E}">
+        <p14:creationId xmlns:p14="http://schemas.microsoft.com/office/powerpoint/2010/main" val="1497312753"/>
+      </p:ext>
+    </p:extLst>
+  </p:cSld>
+  <p:clrMapOvr>
+    <a:masterClrMapping/>
+  </p:clrMapOvr>
+  <p:timing>
+    <p:tnLst>
+      <p:par>
+        <p:cTn id="1" dur="indefinite" restart="never" nodeType="tmRoot"/>
+      </p:par>
+    </p:tnLst>
+  </p:timing>
+</p:sld>
+</file>
+
+<file path=ppt/slides/slide5.xml><?xml version="1.0" encoding="utf-8"?>
+<p:sld xmlns:a="http://schemas.openxmlformats.org/drawingml/2006/main" xmlns:r="http://schemas.openxmlformats.org/officeDocument/2006/relationships" xmlns:p="http://schemas.openxmlformats.org/presentationml/2006/main">
+  <p:cSld>
+    <p:spTree>
+      <p:nvGrpSpPr>
+        <p:cNvPr id="1" name=""/>
+        <p:cNvGrpSpPr/>
+        <p:nvPr/>
+      </p:nvGrpSpPr>
+      <p:grpSpPr>
+        <a:xfrm>
+          <a:off x="0" y="0"/>
+          <a:ext cx="0" cy="0"/>
+          <a:chOff x="0" y="0"/>
+          <a:chExt cx="0" cy="0"/>
+        </a:xfrm>
+      </p:grpSpPr>
+      <p:sp>
+        <p:nvSpPr>
+          <p:cNvPr id="2" name="Title 1"/>
+          <p:cNvSpPr>
+            <a:spLocks noGrp="1"/>
+          </p:cNvSpPr>
+          <p:nvPr>
+            <p:ph type="title"/>
+          </p:nvPr>
+        </p:nvSpPr>
+        <p:spPr/>
+        <p:txBody>
+          <a:bodyPr/>
+          <a:lstStyle/>
+          <a:p>
+            <a:r>
+              <a:rPr lang="en-US" dirty="0" smtClean="0"/>
               <a:t>Limits</a:t>
             </a:r>
             <a:endParaRPr lang="en-US" dirty="0"/>
@@ -6413,7 +8054,7 @@
           <p:nvPr/>
         </p:nvPicPr>
         <p:blipFill>
-          <a:blip r:embed="rId2">
+          <a:blip r:embed="rId3">
             <a:extLst>
               <a:ext uri="{28A0092B-C50C-407E-A947-70E740481C1C}">
                 <a14:useLocalDpi xmlns:a14="http://schemas.microsoft.com/office/drawing/2010/main" val="0"/>
@@ -6504,8 +8145,8 @@
         </p:nvSpPr>
         <p:spPr>
           <a:xfrm>
-            <a:off x="6446753" y="2209800"/>
-            <a:ext cx="1853649" cy="461665"/>
+            <a:off x="6096000" y="2183769"/>
+            <a:ext cx="2223942" cy="419695"/>
           </a:xfrm>
           <a:prstGeom prst="rect">
             <a:avLst/>
@@ -6519,6 +8160,12 @@
           <a:lstStyle/>
           <a:p>
             <a:r>
+              <a:rPr lang="en-US" sz="2400" i="1" dirty="0" smtClean="0">
+                <a:sym typeface="Wingdings" pitchFamily="2" charset="2"/>
+              </a:rPr>
+              <a:t> </a:t>
+            </a:r>
+            <a:r>
               <a:rPr lang="en-US" sz="2400" i="1" dirty="0" smtClean="0"/>
               <a:t>Epistemology</a:t>
             </a:r>
@@ -6526,45 +8173,6 @@
           </a:p>
         </p:txBody>
       </p:sp>
-      <p:cxnSp>
-        <p:nvCxnSpPr>
-          <p:cNvPr id="7" name="Straight Arrow Connector 6"/>
-          <p:cNvCxnSpPr>
-            <a:stCxn id="4" idx="2"/>
-            <a:endCxn id="5" idx="1"/>
-          </p:cNvCxnSpPr>
-          <p:nvPr/>
-        </p:nvCxnSpPr>
-        <p:spPr>
-          <a:xfrm>
-            <a:off x="5295900" y="2209800"/>
-            <a:ext cx="1150853" cy="230833"/>
-          </a:xfrm>
-          <a:prstGeom prst="straightConnector1">
-            <a:avLst/>
-          </a:prstGeom>
-          <a:ln w="31750">
-            <a:solidFill>
-              <a:schemeClr val="tx1"/>
-            </a:solidFill>
-            <a:tailEnd type="arrow"/>
-          </a:ln>
-        </p:spPr>
-        <p:style>
-          <a:lnRef idx="1">
-            <a:schemeClr val="accent1"/>
-          </a:lnRef>
-          <a:fillRef idx="0">
-            <a:schemeClr val="accent1"/>
-          </a:fillRef>
-          <a:effectRef idx="0">
-            <a:schemeClr val="accent1"/>
-          </a:effectRef>
-          <a:fontRef idx="minor">
-            <a:schemeClr val="tx1"/>
-          </a:fontRef>
-        </p:style>
-      </p:cxnSp>
       <p:sp>
         <p:nvSpPr>
           <p:cNvPr id="9" name="Left Brace 8"/>
@@ -6934,7 +8542,7 @@
           <p:nvPr/>
         </p:nvPicPr>
         <p:blipFill rotWithShape="1">
-          <a:blip r:embed="rId3" cstate="print">
+          <a:blip r:embed="rId4" cstate="print">
             <a:extLst>
               <a:ext uri="{28A0092B-C50C-407E-A947-70E740481C1C}">
                 <a14:useLocalDpi xmlns:a14="http://schemas.microsoft.com/office/drawing/2010/main" val="0"/>
@@ -7237,14 +8845,14 @@
       </p:grpSp>
       <p:sp>
         <p:nvSpPr>
-          <p:cNvPr id="44" name="TextBox 43"/>
+          <p:cNvPr id="45" name="TextBox 44"/>
           <p:cNvSpPr txBox="1"/>
           <p:nvPr/>
         </p:nvSpPr>
         <p:spPr>
           <a:xfrm>
             <a:off x="234024" y="6172200"/>
-            <a:ext cx="6044668" cy="461665"/>
+            <a:ext cx="6055889" cy="461665"/>
           </a:xfrm>
           <a:prstGeom prst="rect">
             <a:avLst/>
@@ -7261,7 +8869,19 @@
               <a:rPr lang="en-US" sz="2400" b="1" dirty="0" smtClean="0">
                 <a:sym typeface="Wingdings" pitchFamily="2" charset="2"/>
               </a:rPr>
-              <a:t>Push the limits  Approach the God Machine</a:t>
+              <a:t>Push </a:t>
+            </a:r>
+            <a:r>
+              <a:rPr lang="en-US" sz="2400" b="1" dirty="0" smtClean="0">
+                <a:sym typeface="Wingdings" pitchFamily="2" charset="2"/>
+              </a:rPr>
+              <a:t>our Limits </a:t>
+            </a:r>
+            <a:r>
+              <a:rPr lang="en-US" sz="2400" b="1" dirty="0" smtClean="0">
+                <a:sym typeface="Wingdings" pitchFamily="2" charset="2"/>
+              </a:rPr>
+              <a:t> Approach the God Machine</a:t>
             </a:r>
             <a:endParaRPr lang="en-US" sz="2400" b="1" dirty="0"/>
           </a:p>
@@ -7271,81 +8891,6 @@
     <p:extLst>
       <p:ext uri="{BB962C8B-B14F-4D97-AF65-F5344CB8AC3E}">
         <p14:creationId xmlns:p14="http://schemas.microsoft.com/office/powerpoint/2010/main" val="3513249876"/>
-      </p:ext>
-    </p:extLst>
-  </p:cSld>
-  <p:clrMapOvr>
-    <a:masterClrMapping/>
-  </p:clrMapOvr>
-  <p:timing>
-    <p:tnLst>
-      <p:par>
-        <p:cTn id="1" dur="indefinite" restart="never" nodeType="tmRoot"/>
-      </p:par>
-    </p:tnLst>
-  </p:timing>
-</p:sld>
-</file>
-
-<file path=ppt/slides/slide5.xml><?xml version="1.0" encoding="utf-8"?>
-<p:sld xmlns:a="http://schemas.openxmlformats.org/drawingml/2006/main" xmlns:r="http://schemas.openxmlformats.org/officeDocument/2006/relationships" xmlns:p="http://schemas.openxmlformats.org/presentationml/2006/main">
-  <p:cSld>
-    <p:spTree>
-      <p:nvGrpSpPr>
-        <p:cNvPr id="1" name=""/>
-        <p:cNvGrpSpPr/>
-        <p:nvPr/>
-      </p:nvGrpSpPr>
-      <p:grpSpPr>
-        <a:xfrm>
-          <a:off x="0" y="0"/>
-          <a:ext cx="0" cy="0"/>
-          <a:chOff x="0" y="0"/>
-          <a:chExt cx="0" cy="0"/>
-        </a:xfrm>
-      </p:grpSpPr>
-      <p:sp>
-        <p:nvSpPr>
-          <p:cNvPr id="2" name="Title 1"/>
-          <p:cNvSpPr>
-            <a:spLocks noGrp="1"/>
-          </p:cNvSpPr>
-          <p:nvPr>
-            <p:ph type="title"/>
-          </p:nvPr>
-        </p:nvSpPr>
-        <p:spPr/>
-        <p:txBody>
-          <a:bodyPr/>
-          <a:lstStyle/>
-          <a:p>
-            <a:endParaRPr lang="en-US"/>
-          </a:p>
-        </p:txBody>
-      </p:sp>
-      <p:sp>
-        <p:nvSpPr>
-          <p:cNvPr id="3" name="Content Placeholder 2"/>
-          <p:cNvSpPr>
-            <a:spLocks noGrp="1"/>
-          </p:cNvSpPr>
-          <p:nvPr>
-            <p:ph idx="1"/>
-          </p:nvPr>
-        </p:nvSpPr>
-        <p:spPr/>
-        <p:txBody>
-          <a:bodyPr/>
-          <a:lstStyle/>
-          <a:p>
-            <a:endParaRPr lang="en-US"/>
-          </a:p>
-        </p:txBody>
-      </p:sp>
-    </p:spTree>
-    <p:extLst>
-      <p:ext uri="{BB962C8B-B14F-4D97-AF65-F5344CB8AC3E}">
-        <p14:creationId xmlns:p14="http://schemas.microsoft.com/office/powerpoint/2010/main" val="1499731458"/>
       </p:ext>
     </p:extLst>
   </p:cSld>
@@ -7394,7 +8939,11 @@
           <a:bodyPr/>
           <a:lstStyle/>
           <a:p>
-            <a:endParaRPr lang="en-US"/>
+            <a:r>
+              <a:rPr lang="en-US" dirty="0" smtClean="0"/>
+              <a:t>Push the Limits</a:t>
+            </a:r>
+            <a:endParaRPr lang="en-US" dirty="0"/>
           </a:p>
         </p:txBody>
       </p:sp>
@@ -7408,19 +8957,136 @@
             <p:ph idx="1"/>
           </p:nvPr>
         </p:nvSpPr>
-        <p:spPr/>
-        <p:txBody>
-          <a:bodyPr/>
+        <p:spPr>
+          <a:xfrm>
+            <a:off x="457200" y="1600200"/>
+            <a:ext cx="8229600" cy="4953000"/>
+          </a:xfrm>
+        </p:spPr>
+        <p:txBody>
+          <a:bodyPr>
+            <a:normAutofit fontScale="85000" lnSpcReduction="20000"/>
+          </a:bodyPr>
           <a:lstStyle/>
           <a:p>
-            <a:endParaRPr lang="en-US"/>
+            <a:r>
+              <a:rPr lang="en-US" dirty="0" smtClean="0"/>
+              <a:t>Push bandwidth (I/O)</a:t>
+            </a:r>
+          </a:p>
+          <a:p>
+            <a:pPr lvl="1"/>
+            <a:r>
+              <a:rPr lang="en-US" dirty="0" smtClean="0"/>
+              <a:t>Take in more data</a:t>
+            </a:r>
+          </a:p>
+          <a:p>
+            <a:pPr lvl="2"/>
+            <a:r>
+              <a:rPr lang="en-US" dirty="0" smtClean="0"/>
+              <a:t>Telescopes, microscopes, Geiger counters, Internet, …</a:t>
+            </a:r>
+          </a:p>
+          <a:p>
+            <a:pPr lvl="1"/>
+            <a:r>
+              <a:rPr lang="en-US" dirty="0" smtClean="0"/>
+              <a:t>Increase data’s relevant information content</a:t>
+            </a:r>
+          </a:p>
+          <a:p>
+            <a:pPr lvl="2"/>
+            <a:r>
+              <a:rPr lang="en-US" dirty="0" smtClean="0"/>
+              <a:t>Filtering tools, Search Engines</a:t>
+            </a:r>
+          </a:p>
+          <a:p>
+            <a:r>
+              <a:rPr lang="en-US" dirty="0" smtClean="0"/>
+              <a:t>Push Memory (RAM, Storage)</a:t>
+            </a:r>
+          </a:p>
+          <a:p>
+            <a:pPr lvl="1"/>
+            <a:r>
+              <a:rPr lang="en-US" dirty="0" smtClean="0"/>
+              <a:t>Summarize and condense (Hash)</a:t>
+            </a:r>
+          </a:p>
+          <a:p>
+            <a:pPr lvl="2"/>
+            <a:r>
+              <a:rPr lang="en-US" dirty="0" smtClean="0"/>
+              <a:t>Library catalog system, Internet</a:t>
+            </a:r>
+          </a:p>
+          <a:p>
+            <a:r>
+              <a:rPr lang="en-US" dirty="0" smtClean="0"/>
+              <a:t>Push Computation (Processor)</a:t>
+            </a:r>
+          </a:p>
+          <a:p>
+            <a:pPr lvl="1"/>
+            <a:r>
+              <a:rPr lang="en-US" dirty="0" smtClean="0"/>
+              <a:t>New ways of thinking </a:t>
+            </a:r>
+            <a:r>
+              <a:rPr lang="en-US" dirty="0" smtClean="0">
+                <a:sym typeface="Wingdings" pitchFamily="2" charset="2"/>
+              </a:rPr>
+              <a:t></a:t>
+            </a:r>
+            <a:r>
+              <a:rPr lang="en-US" dirty="0" smtClean="0"/>
+              <a:t> Theories</a:t>
+            </a:r>
+          </a:p>
+          <a:p>
+            <a:pPr lvl="2"/>
+            <a:r>
+              <a:rPr lang="en-US" dirty="0" smtClean="0"/>
+              <a:t>Graphical, Symbolic, Numerical, Audial, …</a:t>
+            </a:r>
+          </a:p>
+          <a:p>
+            <a:pPr lvl="2"/>
+            <a:r>
+              <a:rPr lang="en-US" dirty="0" smtClean="0"/>
+              <a:t>Statistics in Physics </a:t>
+            </a:r>
+            <a:r>
+              <a:rPr lang="en-US" dirty="0" smtClean="0">
+                <a:sym typeface="Wingdings" pitchFamily="2" charset="2"/>
+              </a:rPr>
+              <a:t> Classical to Probabilistic Model of Atom</a:t>
+            </a:r>
+            <a:endParaRPr lang="en-US" dirty="0" smtClean="0"/>
+          </a:p>
+          <a:p>
+            <a:pPr lvl="1"/>
+            <a:r>
+              <a:rPr lang="en-US" dirty="0" smtClean="0"/>
+              <a:t>Increase thinking efficiency</a:t>
+            </a:r>
+          </a:p>
+          <a:p>
+            <a:pPr lvl="2"/>
+            <a:r>
+              <a:rPr lang="en-US" dirty="0" smtClean="0"/>
+              <a:t>Stand on the shoulders of giants</a:t>
+            </a:r>
+            <a:endParaRPr lang="en-US" dirty="0"/>
           </a:p>
         </p:txBody>
       </p:sp>
     </p:spTree>
     <p:extLst>
       <p:ext uri="{BB962C8B-B14F-4D97-AF65-F5344CB8AC3E}">
-        <p14:creationId xmlns:p14="http://schemas.microsoft.com/office/powerpoint/2010/main" val="1665509405"/>
+        <p14:creationId xmlns:p14="http://schemas.microsoft.com/office/powerpoint/2010/main" val="1499731458"/>
       </p:ext>
     </p:extLst>
   </p:cSld>
@@ -7469,7 +9135,11 @@
           <a:bodyPr/>
           <a:lstStyle/>
           <a:p>
-            <a:endParaRPr lang="en-US"/>
+            <a:r>
+              <a:rPr lang="en-US" dirty="0" smtClean="0"/>
+              <a:t>Taking Models to the Next Level</a:t>
+            </a:r>
+            <a:endParaRPr lang="en-US" dirty="0"/>
           </a:p>
         </p:txBody>
       </p:sp>
@@ -7483,19 +9153,327 @@
             <p:ph idx="1"/>
           </p:nvPr>
         </p:nvSpPr>
-        <p:spPr/>
-        <p:txBody>
-          <a:bodyPr/>
+        <p:spPr>
+          <a:xfrm>
+            <a:off x="457200" y="1524000"/>
+            <a:ext cx="8229600" cy="4876800"/>
+          </a:xfrm>
+        </p:spPr>
+        <p:txBody>
+          <a:bodyPr>
+            <a:normAutofit lnSpcReduction="10000"/>
+          </a:bodyPr>
           <a:lstStyle/>
           <a:p>
-            <a:endParaRPr lang="en-US"/>
-          </a:p>
-        </p:txBody>
-      </p:sp>
+            <a:r>
+              <a:rPr lang="en-US" dirty="0" smtClean="0"/>
+              <a:t>Accuracy &amp; Precision </a:t>
+            </a:r>
+            <a:r>
+              <a:rPr lang="en-US" dirty="0" smtClean="0"/>
+              <a:t>↗</a:t>
+            </a:r>
+          </a:p>
+          <a:p>
+            <a:pPr lvl="1"/>
+            <a:r>
+              <a:rPr lang="en-US" dirty="0" smtClean="0"/>
+              <a:t>Assumptions </a:t>
+            </a:r>
+            <a:r>
+              <a:rPr lang="en-US" dirty="0"/>
+              <a:t>↘</a:t>
+            </a:r>
+            <a:endParaRPr lang="en-US" dirty="0" smtClean="0"/>
+          </a:p>
+          <a:p>
+            <a:r>
+              <a:rPr lang="en-US" dirty="0" smtClean="0"/>
+              <a:t>Computability </a:t>
+            </a:r>
+            <a:r>
+              <a:rPr lang="en-US" dirty="0" smtClean="0"/>
+              <a:t>↗</a:t>
+            </a:r>
+          </a:p>
+          <a:p>
+            <a:r>
+              <a:rPr lang="en-US" dirty="0" smtClean="0"/>
+              <a:t>Compatibility w/ other models </a:t>
+            </a:r>
+            <a:r>
+              <a:rPr lang="en-US" dirty="0" smtClean="0"/>
+              <a:t>↗ (Unification)</a:t>
+            </a:r>
+          </a:p>
+          <a:p>
+            <a:r>
+              <a:rPr lang="en-US" dirty="0" smtClean="0"/>
+              <a:t>Simplicity </a:t>
+            </a:r>
+            <a:r>
+              <a:rPr lang="en-US" dirty="0" smtClean="0"/>
+              <a:t>↗ (</a:t>
+            </a:r>
+            <a:r>
+              <a:rPr lang="en-US" i="1" dirty="0" smtClean="0"/>
+              <a:t>Language</a:t>
+            </a:r>
+            <a:r>
+              <a:rPr lang="en-US" dirty="0" smtClean="0"/>
+              <a:t>)</a:t>
+            </a:r>
+          </a:p>
+          <a:p>
+            <a:endParaRPr lang="en-US" dirty="0" smtClean="0"/>
+          </a:p>
+          <a:p>
+            <a:endParaRPr lang="en-US" dirty="0" smtClean="0"/>
+          </a:p>
+          <a:p>
+            <a:pPr marL="0" indent="0">
+              <a:buNone/>
+            </a:pPr>
+            <a:r>
+              <a:rPr lang="en-US" u="sng" dirty="0" smtClean="0"/>
+              <a:t>The Bottom Line</a:t>
+            </a:r>
+            <a:r>
+              <a:rPr lang="en-US" dirty="0" smtClean="0"/>
+              <a:t>: </a:t>
+            </a:r>
+          </a:p>
+          <a:p>
+            <a:pPr marL="0" indent="0">
+              <a:buNone/>
+            </a:pPr>
+            <a:r>
+              <a:rPr lang="en-US" dirty="0" smtClean="0"/>
+              <a:t>Within limitations, make </a:t>
+            </a:r>
+            <a:r>
+              <a:rPr lang="en-US" i="1" dirty="0" smtClean="0"/>
+              <a:t>most likely </a:t>
+            </a:r>
+            <a:r>
+              <a:rPr lang="en-US" dirty="0" smtClean="0"/>
+              <a:t>inferences</a:t>
+            </a:r>
+          </a:p>
+          <a:p>
+            <a:endParaRPr lang="en-US" dirty="0"/>
+          </a:p>
+        </p:txBody>
+      </p:sp>
+      <p:sp>
+        <p:nvSpPr>
+          <p:cNvPr id="4" name="TextBox 3"/>
+          <p:cNvSpPr txBox="1"/>
+          <p:nvPr/>
+        </p:nvSpPr>
+        <p:spPr>
+          <a:xfrm>
+            <a:off x="4114800" y="4648200"/>
+            <a:ext cx="4419600" cy="954107"/>
+          </a:xfrm>
+          <a:prstGeom prst="rect">
+            <a:avLst/>
+          </a:prstGeom>
+          <a:noFill/>
+          <a:ln>
+            <a:solidFill>
+              <a:schemeClr val="tx1"/>
+            </a:solidFill>
+          </a:ln>
+        </p:spPr>
+        <p:txBody>
+          <a:bodyPr wrap="square" rtlCol="0">
+            <a:spAutoFit/>
+          </a:bodyPr>
+          <a:lstStyle/>
+          <a:p>
+            <a:r>
+              <a:rPr lang="en-US" sz="2800" b="1" dirty="0"/>
+              <a:t>Engineering</a:t>
+            </a:r>
+            <a:r>
+              <a:rPr lang="en-US" sz="2800" dirty="0"/>
+              <a:t>: leverage all knowledge &amp; Solve </a:t>
+            </a:r>
+            <a:r>
+              <a:rPr lang="en-US" sz="2800" dirty="0" smtClean="0"/>
+              <a:t>problems</a:t>
+            </a:r>
+            <a:endParaRPr lang="en-US" sz="2800" dirty="0"/>
+          </a:p>
+        </p:txBody>
+      </p:sp>
+      <p:sp>
+        <p:nvSpPr>
+          <p:cNvPr id="5" name="TextBox 4"/>
+          <p:cNvSpPr txBox="1"/>
+          <p:nvPr/>
+        </p:nvSpPr>
+        <p:spPr>
+          <a:xfrm>
+            <a:off x="4572000" y="1981200"/>
+            <a:ext cx="3886200" cy="954107"/>
+          </a:xfrm>
+          <a:prstGeom prst="rect">
+            <a:avLst/>
+          </a:prstGeom>
+          <a:noFill/>
+          <a:ln>
+            <a:solidFill>
+              <a:schemeClr val="tx1"/>
+            </a:solidFill>
+          </a:ln>
+        </p:spPr>
+        <p:txBody>
+          <a:bodyPr wrap="square" rtlCol="0">
+            <a:spAutoFit/>
+          </a:bodyPr>
+          <a:lstStyle/>
+          <a:p>
+            <a:r>
+              <a:rPr lang="en-US" sz="2800" b="1" dirty="0" smtClean="0"/>
+              <a:t>Scientists</a:t>
+            </a:r>
+            <a:r>
+              <a:rPr lang="en-US" sz="2800" dirty="0" smtClean="0"/>
+              <a:t>: expand knowledge via ↗ models</a:t>
+            </a:r>
+            <a:endParaRPr lang="en-US" sz="2800" dirty="0"/>
+          </a:p>
+        </p:txBody>
+      </p:sp>
+      <p:pic>
+        <p:nvPicPr>
+          <p:cNvPr id="1026" name="Picture 2" descr="C:\Users\Class2014\AppData\Local\Microsoft\Windows\Temporary Internet Files\Content.IE5\1GYX6QKB\MC900234102[1].wmf"/>
+          <p:cNvPicPr>
+            <a:picLocks noChangeAspect="1" noChangeArrowheads="1"/>
+          </p:cNvPicPr>
+          <p:nvPr/>
+        </p:nvPicPr>
+        <p:blipFill>
+          <a:blip r:embed="rId3" cstate="print">
+            <a:extLst>
+              <a:ext uri="{28A0092B-C50C-407E-A947-70E740481C1C}">
+                <a14:useLocalDpi xmlns:a14="http://schemas.microsoft.com/office/drawing/2010/main" val="0"/>
+              </a:ext>
+            </a:extLst>
+          </a:blip>
+          <a:srcRect/>
+          <a:stretch>
+            <a:fillRect/>
+          </a:stretch>
+        </p:blipFill>
+        <p:spPr bwMode="auto">
+          <a:xfrm>
+            <a:off x="5161914" y="3665806"/>
+            <a:ext cx="1152053" cy="924208"/>
+          </a:xfrm>
+          <a:prstGeom prst="rect">
+            <a:avLst/>
+          </a:prstGeom>
+          <a:noFill/>
+          <a:extLst>
+            <a:ext uri="{909E8E84-426E-40DD-AFC4-6F175D3DCCD1}">
+              <a14:hiddenFill xmlns:a14="http://schemas.microsoft.com/office/drawing/2010/main">
+                <a:solidFill>
+                  <a:srgbClr val="FFFFFF"/>
+                </a:solidFill>
+              </a14:hiddenFill>
+            </a:ext>
+          </a:extLst>
+        </p:spPr>
+      </p:pic>
+      <p:pic>
+        <p:nvPicPr>
+          <p:cNvPr id="1028" name="Picture 4" descr="shanghai-donghai.bridge.jpg (400×282)"/>
+          <p:cNvPicPr>
+            <a:picLocks noChangeAspect="1" noChangeArrowheads="1"/>
+          </p:cNvPicPr>
+          <p:nvPr/>
+        </p:nvPicPr>
+        <p:blipFill>
+          <a:blip r:embed="rId4" cstate="print">
+            <a:extLst>
+              <a:ext uri="{28A0092B-C50C-407E-A947-70E740481C1C}">
+                <a14:useLocalDpi xmlns:a14="http://schemas.microsoft.com/office/drawing/2010/main" val="0"/>
+              </a:ext>
+            </a:extLst>
+          </a:blip>
+          <a:srcRect/>
+          <a:stretch>
+            <a:fillRect/>
+          </a:stretch>
+        </p:blipFill>
+        <p:spPr bwMode="auto">
+          <a:xfrm>
+            <a:off x="6516872" y="3549435"/>
+            <a:ext cx="1475998" cy="1040579"/>
+          </a:xfrm>
+          <a:prstGeom prst="rect">
+            <a:avLst/>
+          </a:prstGeom>
+          <a:noFill/>
+          <a:extLst>
+            <a:ext uri="{909E8E84-426E-40DD-AFC4-6F175D3DCCD1}">
+              <a14:hiddenFill xmlns:a14="http://schemas.microsoft.com/office/drawing/2010/main">
+                <a:solidFill>
+                  <a:srgbClr val="FFFFFF"/>
+                </a:solidFill>
+              </a14:hiddenFill>
+            </a:ext>
+          </a:extLst>
+        </p:spPr>
+      </p:pic>
+      <p:pic>
+        <p:nvPicPr>
+          <p:cNvPr id="1029" name="Picture 5" descr="C:\Users\Class2014\AppData\Local\Microsoft\Windows\Temporary Internet Files\Content.IE5\O9L5FNKL\MC900436920[1].png"/>
+          <p:cNvPicPr>
+            <a:picLocks noChangeAspect="1" noChangeArrowheads="1"/>
+          </p:cNvPicPr>
+          <p:nvPr/>
+        </p:nvPicPr>
+        <p:blipFill>
+          <a:blip r:embed="rId5">
+            <a:extLst>
+              <a:ext uri="{28A0092B-C50C-407E-A947-70E740481C1C}">
+                <a14:useLocalDpi xmlns:a14="http://schemas.microsoft.com/office/drawing/2010/main" val="0"/>
+              </a:ext>
+            </a:extLst>
+          </a:blip>
+          <a:srcRect/>
+          <a:stretch>
+            <a:fillRect/>
+          </a:stretch>
+        </p:blipFill>
+        <p:spPr bwMode="auto">
+          <a:xfrm>
+            <a:off x="5161914" y="1066914"/>
+            <a:ext cx="914286" cy="914286"/>
+          </a:xfrm>
+          <a:prstGeom prst="rect">
+            <a:avLst/>
+          </a:prstGeom>
+          <a:noFill/>
+          <a:extLst>
+            <a:ext uri="{909E8E84-426E-40DD-AFC4-6F175D3DCCD1}">
+              <a14:hiddenFill xmlns:a14="http://schemas.microsoft.com/office/drawing/2010/main">
+                <a:solidFill>
+                  <a:srgbClr val="FFFFFF"/>
+                </a:solidFill>
+              </a14:hiddenFill>
+            </a:ext>
+          </a:extLst>
+        </p:spPr>
+      </p:pic>
     </p:spTree>
     <p:extLst>
       <p:ext uri="{BB962C8B-B14F-4D97-AF65-F5344CB8AC3E}">
-        <p14:creationId xmlns:p14="http://schemas.microsoft.com/office/powerpoint/2010/main" val="3259138939"/>
+        <p14:creationId xmlns:p14="http://schemas.microsoft.com/office/powerpoint/2010/main" val="1665509405"/>
       </p:ext>
     </p:extLst>
   </p:cSld>
@@ -7505,9 +9483,460 @@
   <p:timing>
     <p:tnLst>
       <p:par>
-        <p:cTn id="1" dur="indefinite" restart="never" nodeType="tmRoot"/>
+        <p:cTn id="1" dur="indefinite" restart="never" nodeType="tmRoot">
+          <p:childTnLst>
+            <p:seq concurrent="1" nextAc="seek">
+              <p:cTn id="2" dur="indefinite" nodeType="mainSeq">
+                <p:childTnLst>
+                  <p:par>
+                    <p:cTn id="3" fill="hold">
+                      <p:stCondLst>
+                        <p:cond delay="indefinite"/>
+                      </p:stCondLst>
+                      <p:childTnLst>
+                        <p:par>
+                          <p:cTn id="4" fill="hold">
+                            <p:stCondLst>
+                              <p:cond delay="0"/>
+                            </p:stCondLst>
+                            <p:childTnLst>
+                              <p:par>
+                                <p:cTn id="5" presetID="1" presetClass="entr" presetSubtype="0" fill="hold" nodeType="clickEffect">
+                                  <p:stCondLst>
+                                    <p:cond delay="0"/>
+                                  </p:stCondLst>
+                                  <p:childTnLst>
+                                    <p:set>
+                                      <p:cBhvr>
+                                        <p:cTn id="6" dur="1" fill="hold">
+                                          <p:stCondLst>
+                                            <p:cond delay="0"/>
+                                          </p:stCondLst>
+                                        </p:cTn>
+                                        <p:tgtEl>
+                                          <p:spTgt spid="3">
+                                            <p:txEl>
+                                              <p:pRg st="0" end="0"/>
+                                            </p:txEl>
+                                          </p:spTgt>
+                                        </p:tgtEl>
+                                        <p:attrNameLst>
+                                          <p:attrName>style.visibility</p:attrName>
+                                        </p:attrNameLst>
+                                      </p:cBhvr>
+                                      <p:to>
+                                        <p:strVal val="visible"/>
+                                      </p:to>
+                                    </p:set>
+                                  </p:childTnLst>
+                                </p:cTn>
+                              </p:par>
+                              <p:par>
+                                <p:cTn id="7" presetID="1" presetClass="entr" presetSubtype="0" fill="hold" nodeType="withEffect">
+                                  <p:stCondLst>
+                                    <p:cond delay="0"/>
+                                  </p:stCondLst>
+                                  <p:childTnLst>
+                                    <p:set>
+                                      <p:cBhvr>
+                                        <p:cTn id="8" dur="1" fill="hold">
+                                          <p:stCondLst>
+                                            <p:cond delay="0"/>
+                                          </p:stCondLst>
+                                        </p:cTn>
+                                        <p:tgtEl>
+                                          <p:spTgt spid="3">
+                                            <p:txEl>
+                                              <p:pRg st="1" end="1"/>
+                                            </p:txEl>
+                                          </p:spTgt>
+                                        </p:tgtEl>
+                                        <p:attrNameLst>
+                                          <p:attrName>style.visibility</p:attrName>
+                                        </p:attrNameLst>
+                                      </p:cBhvr>
+                                      <p:to>
+                                        <p:strVal val="visible"/>
+                                      </p:to>
+                                    </p:set>
+                                  </p:childTnLst>
+                                </p:cTn>
+                              </p:par>
+                              <p:par>
+                                <p:cTn id="9" presetID="1" presetClass="entr" presetSubtype="0" fill="hold" nodeType="withEffect">
+                                  <p:stCondLst>
+                                    <p:cond delay="0"/>
+                                  </p:stCondLst>
+                                  <p:childTnLst>
+                                    <p:set>
+                                      <p:cBhvr>
+                                        <p:cTn id="10" dur="1" fill="hold">
+                                          <p:stCondLst>
+                                            <p:cond delay="0"/>
+                                          </p:stCondLst>
+                                        </p:cTn>
+                                        <p:tgtEl>
+                                          <p:spTgt spid="3">
+                                            <p:txEl>
+                                              <p:pRg st="2" end="2"/>
+                                            </p:txEl>
+                                          </p:spTgt>
+                                        </p:tgtEl>
+                                        <p:attrNameLst>
+                                          <p:attrName>style.visibility</p:attrName>
+                                        </p:attrNameLst>
+                                      </p:cBhvr>
+                                      <p:to>
+                                        <p:strVal val="visible"/>
+                                      </p:to>
+                                    </p:set>
+                                  </p:childTnLst>
+                                </p:cTn>
+                              </p:par>
+                              <p:par>
+                                <p:cTn id="11" presetID="1" presetClass="entr" presetSubtype="0" fill="hold" nodeType="withEffect">
+                                  <p:stCondLst>
+                                    <p:cond delay="0"/>
+                                  </p:stCondLst>
+                                  <p:childTnLst>
+                                    <p:set>
+                                      <p:cBhvr>
+                                        <p:cTn id="12" dur="1" fill="hold">
+                                          <p:stCondLst>
+                                            <p:cond delay="0"/>
+                                          </p:stCondLst>
+                                        </p:cTn>
+                                        <p:tgtEl>
+                                          <p:spTgt spid="3">
+                                            <p:txEl>
+                                              <p:pRg st="3" end="3"/>
+                                            </p:txEl>
+                                          </p:spTgt>
+                                        </p:tgtEl>
+                                        <p:attrNameLst>
+                                          <p:attrName>style.visibility</p:attrName>
+                                        </p:attrNameLst>
+                                      </p:cBhvr>
+                                      <p:to>
+                                        <p:strVal val="visible"/>
+                                      </p:to>
+                                    </p:set>
+                                  </p:childTnLst>
+                                </p:cTn>
+                              </p:par>
+                              <p:par>
+                                <p:cTn id="13" presetID="1" presetClass="entr" presetSubtype="0" fill="hold" nodeType="withEffect">
+                                  <p:stCondLst>
+                                    <p:cond delay="0"/>
+                                  </p:stCondLst>
+                                  <p:childTnLst>
+                                    <p:set>
+                                      <p:cBhvr>
+                                        <p:cTn id="14" dur="1" fill="hold">
+                                          <p:stCondLst>
+                                            <p:cond delay="0"/>
+                                          </p:stCondLst>
+                                        </p:cTn>
+                                        <p:tgtEl>
+                                          <p:spTgt spid="3">
+                                            <p:txEl>
+                                              <p:pRg st="4" end="4"/>
+                                            </p:txEl>
+                                          </p:spTgt>
+                                        </p:tgtEl>
+                                        <p:attrNameLst>
+                                          <p:attrName>style.visibility</p:attrName>
+                                        </p:attrNameLst>
+                                      </p:cBhvr>
+                                      <p:to>
+                                        <p:strVal val="visible"/>
+                                      </p:to>
+                                    </p:set>
+                                  </p:childTnLst>
+                                </p:cTn>
+                              </p:par>
+                            </p:childTnLst>
+                          </p:cTn>
+                        </p:par>
+                      </p:childTnLst>
+                    </p:cTn>
+                  </p:par>
+                  <p:par>
+                    <p:cTn id="15" fill="hold">
+                      <p:stCondLst>
+                        <p:cond delay="indefinite"/>
+                      </p:stCondLst>
+                      <p:childTnLst>
+                        <p:par>
+                          <p:cTn id="16" fill="hold">
+                            <p:stCondLst>
+                              <p:cond delay="0"/>
+                            </p:stCondLst>
+                            <p:childTnLst>
+                              <p:par>
+                                <p:cTn id="17" presetID="1" presetClass="entr" presetSubtype="0" fill="hold" grpId="0" nodeType="clickEffect">
+                                  <p:stCondLst>
+                                    <p:cond delay="0"/>
+                                  </p:stCondLst>
+                                  <p:childTnLst>
+                                    <p:set>
+                                      <p:cBhvr>
+                                        <p:cTn id="18" dur="1" fill="hold">
+                                          <p:stCondLst>
+                                            <p:cond delay="0"/>
+                                          </p:stCondLst>
+                                        </p:cTn>
+                                        <p:tgtEl>
+                                          <p:spTgt spid="5"/>
+                                        </p:tgtEl>
+                                        <p:attrNameLst>
+                                          <p:attrName>style.visibility</p:attrName>
+                                        </p:attrNameLst>
+                                      </p:cBhvr>
+                                      <p:to>
+                                        <p:strVal val="visible"/>
+                                      </p:to>
+                                    </p:set>
+                                  </p:childTnLst>
+                                </p:cTn>
+                              </p:par>
+                              <p:par>
+                                <p:cTn id="19" presetID="1" presetClass="entr" presetSubtype="0" fill="hold" nodeType="withEffect">
+                                  <p:stCondLst>
+                                    <p:cond delay="0"/>
+                                  </p:stCondLst>
+                                  <p:childTnLst>
+                                    <p:set>
+                                      <p:cBhvr>
+                                        <p:cTn id="20" dur="1" fill="hold">
+                                          <p:stCondLst>
+                                            <p:cond delay="0"/>
+                                          </p:stCondLst>
+                                        </p:cTn>
+                                        <p:tgtEl>
+                                          <p:spTgt spid="1029"/>
+                                        </p:tgtEl>
+                                        <p:attrNameLst>
+                                          <p:attrName>style.visibility</p:attrName>
+                                        </p:attrNameLst>
+                                      </p:cBhvr>
+                                      <p:to>
+                                        <p:strVal val="visible"/>
+                                      </p:to>
+                                    </p:set>
+                                  </p:childTnLst>
+                                </p:cTn>
+                              </p:par>
+                            </p:childTnLst>
+                          </p:cTn>
+                        </p:par>
+                      </p:childTnLst>
+                    </p:cTn>
+                  </p:par>
+                  <p:par>
+                    <p:cTn id="21" fill="hold">
+                      <p:stCondLst>
+                        <p:cond delay="indefinite"/>
+                      </p:stCondLst>
+                      <p:childTnLst>
+                        <p:par>
+                          <p:cTn id="22" fill="hold">
+                            <p:stCondLst>
+                              <p:cond delay="0"/>
+                            </p:stCondLst>
+                            <p:childTnLst>
+                              <p:par>
+                                <p:cTn id="23" presetID="1" presetClass="entr" presetSubtype="0" fill="hold" nodeType="clickEffect">
+                                  <p:stCondLst>
+                                    <p:cond delay="0"/>
+                                  </p:stCondLst>
+                                  <p:childTnLst>
+                                    <p:set>
+                                      <p:cBhvr>
+                                        <p:cTn id="24" dur="1" fill="hold">
+                                          <p:stCondLst>
+                                            <p:cond delay="0"/>
+                                          </p:stCondLst>
+                                        </p:cTn>
+                                        <p:tgtEl>
+                                          <p:spTgt spid="3">
+                                            <p:txEl>
+                                              <p:pRg st="7" end="7"/>
+                                            </p:txEl>
+                                          </p:spTgt>
+                                        </p:tgtEl>
+                                        <p:attrNameLst>
+                                          <p:attrName>style.visibility</p:attrName>
+                                        </p:attrNameLst>
+                                      </p:cBhvr>
+                                      <p:to>
+                                        <p:strVal val="visible"/>
+                                      </p:to>
+                                    </p:set>
+                                  </p:childTnLst>
+                                </p:cTn>
+                              </p:par>
+                              <p:par>
+                                <p:cTn id="25" presetID="1" presetClass="entr" presetSubtype="0" fill="hold" nodeType="withEffect">
+                                  <p:stCondLst>
+                                    <p:cond delay="0"/>
+                                  </p:stCondLst>
+                                  <p:childTnLst>
+                                    <p:set>
+                                      <p:cBhvr>
+                                        <p:cTn id="26" dur="1" fill="hold">
+                                          <p:stCondLst>
+                                            <p:cond delay="0"/>
+                                          </p:stCondLst>
+                                        </p:cTn>
+                                        <p:tgtEl>
+                                          <p:spTgt spid="3">
+                                            <p:txEl>
+                                              <p:pRg st="8" end="8"/>
+                                            </p:txEl>
+                                          </p:spTgt>
+                                        </p:tgtEl>
+                                        <p:attrNameLst>
+                                          <p:attrName>style.visibility</p:attrName>
+                                        </p:attrNameLst>
+                                      </p:cBhvr>
+                                      <p:to>
+                                        <p:strVal val="visible"/>
+                                      </p:to>
+                                    </p:set>
+                                  </p:childTnLst>
+                                </p:cTn>
+                              </p:par>
+                            </p:childTnLst>
+                          </p:cTn>
+                        </p:par>
+                      </p:childTnLst>
+                    </p:cTn>
+                  </p:par>
+                  <p:par>
+                    <p:cTn id="27" fill="hold">
+                      <p:stCondLst>
+                        <p:cond delay="indefinite"/>
+                      </p:stCondLst>
+                      <p:childTnLst>
+                        <p:par>
+                          <p:cTn id="28" fill="hold">
+                            <p:stCondLst>
+                              <p:cond delay="0"/>
+                            </p:stCondLst>
+                            <p:childTnLst>
+                              <p:par>
+                                <p:cTn id="29" presetID="1" presetClass="entr" presetSubtype="0" fill="hold" grpId="0" nodeType="clickEffect">
+                                  <p:stCondLst>
+                                    <p:cond delay="0"/>
+                                  </p:stCondLst>
+                                  <p:childTnLst>
+                                    <p:set>
+                                      <p:cBhvr>
+                                        <p:cTn id="30" dur="1" fill="hold">
+                                          <p:stCondLst>
+                                            <p:cond delay="0"/>
+                                          </p:stCondLst>
+                                        </p:cTn>
+                                        <p:tgtEl>
+                                          <p:spTgt spid="4"/>
+                                        </p:tgtEl>
+                                        <p:attrNameLst>
+                                          <p:attrName>style.visibility</p:attrName>
+                                        </p:attrNameLst>
+                                      </p:cBhvr>
+                                      <p:to>
+                                        <p:strVal val="visible"/>
+                                      </p:to>
+                                    </p:set>
+                                  </p:childTnLst>
+                                </p:cTn>
+                              </p:par>
+                              <p:par>
+                                <p:cTn id="31" presetID="1" presetClass="entr" presetSubtype="0" fill="hold" nodeType="withEffect">
+                                  <p:stCondLst>
+                                    <p:cond delay="0"/>
+                                  </p:stCondLst>
+                                  <p:childTnLst>
+                                    <p:set>
+                                      <p:cBhvr>
+                                        <p:cTn id="32" dur="1" fill="hold">
+                                          <p:stCondLst>
+                                            <p:cond delay="0"/>
+                                          </p:stCondLst>
+                                        </p:cTn>
+                                        <p:tgtEl>
+                                          <p:spTgt spid="1026"/>
+                                        </p:tgtEl>
+                                        <p:attrNameLst>
+                                          <p:attrName>style.visibility</p:attrName>
+                                        </p:attrNameLst>
+                                      </p:cBhvr>
+                                      <p:to>
+                                        <p:strVal val="visible"/>
+                                      </p:to>
+                                    </p:set>
+                                  </p:childTnLst>
+                                </p:cTn>
+                              </p:par>
+                              <p:par>
+                                <p:cTn id="33" presetID="1" presetClass="entr" presetSubtype="0" fill="hold" nodeType="withEffect">
+                                  <p:stCondLst>
+                                    <p:cond delay="0"/>
+                                  </p:stCondLst>
+                                  <p:childTnLst>
+                                    <p:set>
+                                      <p:cBhvr>
+                                        <p:cTn id="34" dur="1" fill="hold">
+                                          <p:stCondLst>
+                                            <p:cond delay="0"/>
+                                          </p:stCondLst>
+                                        </p:cTn>
+                                        <p:tgtEl>
+                                          <p:spTgt spid="1028"/>
+                                        </p:tgtEl>
+                                        <p:attrNameLst>
+                                          <p:attrName>style.visibility</p:attrName>
+                                        </p:attrNameLst>
+                                      </p:cBhvr>
+                                      <p:to>
+                                        <p:strVal val="visible"/>
+                                      </p:to>
+                                    </p:set>
+                                  </p:childTnLst>
+                                </p:cTn>
+                              </p:par>
+                            </p:childTnLst>
+                          </p:cTn>
+                        </p:par>
+                      </p:childTnLst>
+                    </p:cTn>
+                  </p:par>
+                </p:childTnLst>
+              </p:cTn>
+              <p:prevCondLst>
+                <p:cond evt="onPrev" delay="0">
+                  <p:tgtEl>
+                    <p:sldTgt/>
+                  </p:tgtEl>
+                </p:cond>
+              </p:prevCondLst>
+              <p:nextCondLst>
+                <p:cond evt="onNext" delay="0">
+                  <p:tgtEl>
+                    <p:sldTgt/>
+                  </p:tgtEl>
+                </p:cond>
+              </p:nextCondLst>
+            </p:seq>
+          </p:childTnLst>
+        </p:cTn>
       </p:par>
     </p:tnLst>
+    <p:bldLst>
+      <p:bldP spid="4" grpId="0" animBg="1"/>
+      <p:bldP spid="5" grpId="0" animBg="1"/>
+    </p:bldLst>
   </p:timing>
 </p:sld>
 </file>
@@ -7546,7 +9975,7 @@
           <a:p>
             <a:r>
               <a:rPr lang="en-US" dirty="0" smtClean="0"/>
-              <a:t>On Failure</a:t>
+              <a:t>For what purpose?</a:t>
             </a:r>
             <a:endParaRPr lang="en-US" dirty="0"/>
           </a:p>
@@ -7562,25 +9991,107 @@
             <p:ph idx="1"/>
           </p:nvPr>
         </p:nvSpPr>
-        <p:spPr/>
-        <p:txBody>
-          <a:bodyPr/>
+        <p:spPr>
+          <a:ln w="69850" cmpd="thickThin">
+            <a:solidFill>
+              <a:schemeClr val="tx1"/>
+            </a:solidFill>
+          </a:ln>
+        </p:spPr>
+        <p:txBody>
+          <a:bodyPr anchor="ctr" anchorCtr="0"/>
           <a:lstStyle/>
           <a:p>
+            <a:pPr marL="514350" indent="-514350">
+              <a:buFont typeface="+mj-lt"/>
+              <a:buAutoNum type="arabicParenR"/>
+            </a:pPr>
             <a:r>
               <a:rPr lang="en-US" dirty="0" smtClean="0"/>
-              <a:t>God messed up our models</a:t>
-            </a:r>
-          </a:p>
-          <a:p>
-            <a:endParaRPr lang="en-US" dirty="0"/>
+              <a:t>Advance humanity toward your future vision.</a:t>
+            </a:r>
+          </a:p>
+          <a:p>
+            <a:pPr marL="857250" lvl="1" indent="-457200">
+              <a:buFont typeface="Wingdings"/>
+              <a:buChar char="è"/>
+            </a:pPr>
+            <a:r>
+              <a:rPr lang="en-US" dirty="0">
+                <a:solidFill>
+                  <a:prstClr val="black"/>
+                </a:solidFill>
+                <a:sym typeface="Wingdings" pitchFamily="2" charset="2"/>
+              </a:rPr>
+              <a:t>Your meaning of </a:t>
+            </a:r>
+            <a:r>
+              <a:rPr lang="en-US" dirty="0" smtClean="0">
+                <a:solidFill>
+                  <a:prstClr val="black"/>
+                </a:solidFill>
+                <a:sym typeface="Wingdings" pitchFamily="2" charset="2"/>
+              </a:rPr>
+              <a:t>life</a:t>
+            </a:r>
+            <a:r>
+              <a:rPr lang="en-US" dirty="0" smtClean="0"/>
+              <a:t> </a:t>
+            </a:r>
+          </a:p>
+          <a:p>
+            <a:pPr marL="514350" indent="-514350">
+              <a:buFont typeface="+mj-lt"/>
+              <a:buAutoNum type="arabicParenR"/>
+            </a:pPr>
+            <a:r>
+              <a:rPr lang="en-US" dirty="0" smtClean="0"/>
+              <a:t>FUN!  Enjoy everything</a:t>
+            </a:r>
+          </a:p>
+          <a:p>
+            <a:pPr marL="857250" lvl="1" indent="-457200">
+              <a:buFont typeface="Wingdings"/>
+              <a:buChar char="è"/>
+            </a:pPr>
+            <a:r>
+              <a:rPr lang="en-US" dirty="0" smtClean="0">
+                <a:solidFill>
+                  <a:prstClr val="black"/>
+                </a:solidFill>
+                <a:sym typeface="Wingdings" pitchFamily="2" charset="2"/>
+              </a:rPr>
+              <a:t>Creation process, outcome, </a:t>
+            </a:r>
+            <a:r>
+              <a:rPr lang="en-US" dirty="0" err="1" smtClean="0">
+                <a:solidFill>
+                  <a:prstClr val="black"/>
+                </a:solidFill>
+                <a:sym typeface="Wingdings" pitchFamily="2" charset="2"/>
+              </a:rPr>
+              <a:t>comraderie</a:t>
+            </a:r>
+            <a:endParaRPr lang="en-US" dirty="0" smtClean="0">
+              <a:solidFill>
+                <a:prstClr val="black"/>
+              </a:solidFill>
+              <a:sym typeface="Wingdings" pitchFamily="2" charset="2"/>
+            </a:endParaRPr>
+          </a:p>
+          <a:p>
+            <a:pPr marL="914400" lvl="1" indent="-514350">
+              <a:buFont typeface="+mj-lt"/>
+              <a:buAutoNum type="arabicParenR"/>
+            </a:pPr>
+            <a:endParaRPr lang="en-US" dirty="0" smtClean="0"/>
           </a:p>
         </p:txBody>
       </p:sp>
     </p:spTree>
     <p:extLst>
       <p:ext uri="{BB962C8B-B14F-4D97-AF65-F5344CB8AC3E}">
-        <p14:creationId xmlns:p14="http://schemas.microsoft.com/office/powerpoint/2010/main" val="626368968"/>
+        <p14:creationId xmlns:p14="http://schemas.microsoft.com/office/powerpoint/2010/main" val="3259138939"/>
       </p:ext>
     </p:extLst>
   </p:cSld>
@@ -7590,9 +10101,300 @@
   <p:timing>
     <p:tnLst>
       <p:par>
-        <p:cTn id="1" dur="indefinite" restart="never" nodeType="tmRoot"/>
+        <p:cTn id="1" dur="indefinite" restart="never" nodeType="tmRoot">
+          <p:childTnLst>
+            <p:seq concurrent="1" nextAc="seek">
+              <p:cTn id="2" dur="indefinite" nodeType="mainSeq">
+                <p:childTnLst>
+                  <p:par>
+                    <p:cTn id="3" fill="hold">
+                      <p:stCondLst>
+                        <p:cond delay="indefinite"/>
+                      </p:stCondLst>
+                      <p:childTnLst>
+                        <p:par>
+                          <p:cTn id="4" fill="hold">
+                            <p:stCondLst>
+                              <p:cond delay="0"/>
+                            </p:stCondLst>
+                            <p:childTnLst>
+                              <p:par>
+                                <p:cTn id="5" presetID="14" presetClass="entr" presetSubtype="10" fill="hold" grpId="0" nodeType="clickEffect">
+                                  <p:stCondLst>
+                                    <p:cond delay="0"/>
+                                  </p:stCondLst>
+                                  <p:childTnLst>
+                                    <p:set>
+                                      <p:cBhvr>
+                                        <p:cTn id="6" dur="1" fill="hold">
+                                          <p:stCondLst>
+                                            <p:cond delay="0"/>
+                                          </p:stCondLst>
+                                        </p:cTn>
+                                        <p:tgtEl>
+                                          <p:spTgt spid="3">
+                                            <p:bg/>
+                                          </p:spTgt>
+                                        </p:tgtEl>
+                                        <p:attrNameLst>
+                                          <p:attrName>style.visibility</p:attrName>
+                                        </p:attrNameLst>
+                                      </p:cBhvr>
+                                      <p:to>
+                                        <p:strVal val="visible"/>
+                                      </p:to>
+                                    </p:set>
+                                    <p:animEffect transition="in" filter="randombar(horizontal)">
+                                      <p:cBhvr>
+                                        <p:cTn id="7" dur="500"/>
+                                        <p:tgtEl>
+                                          <p:spTgt spid="3">
+                                            <p:bg/>
+                                          </p:spTgt>
+                                        </p:tgtEl>
+                                      </p:cBhvr>
+                                    </p:animEffect>
+                                  </p:childTnLst>
+                                </p:cTn>
+                              </p:par>
+                            </p:childTnLst>
+                          </p:cTn>
+                        </p:par>
+                      </p:childTnLst>
+                    </p:cTn>
+                  </p:par>
+                  <p:par>
+                    <p:cTn id="8" fill="hold">
+                      <p:stCondLst>
+                        <p:cond delay="indefinite"/>
+                      </p:stCondLst>
+                      <p:childTnLst>
+                        <p:par>
+                          <p:cTn id="9" fill="hold">
+                            <p:stCondLst>
+                              <p:cond delay="0"/>
+                            </p:stCondLst>
+                            <p:childTnLst>
+                              <p:par>
+                                <p:cTn id="10" presetID="14" presetClass="entr" presetSubtype="10" fill="hold" grpId="0" nodeType="clickEffect">
+                                  <p:stCondLst>
+                                    <p:cond delay="0"/>
+                                  </p:stCondLst>
+                                  <p:childTnLst>
+                                    <p:set>
+                                      <p:cBhvr>
+                                        <p:cTn id="11" dur="1" fill="hold">
+                                          <p:stCondLst>
+                                            <p:cond delay="0"/>
+                                          </p:stCondLst>
+                                        </p:cTn>
+                                        <p:tgtEl>
+                                          <p:spTgt spid="3">
+                                            <p:txEl>
+                                              <p:pRg st="0" end="0"/>
+                                            </p:txEl>
+                                          </p:spTgt>
+                                        </p:tgtEl>
+                                        <p:attrNameLst>
+                                          <p:attrName>style.visibility</p:attrName>
+                                        </p:attrNameLst>
+                                      </p:cBhvr>
+                                      <p:to>
+                                        <p:strVal val="visible"/>
+                                      </p:to>
+                                    </p:set>
+                                    <p:animEffect transition="in" filter="randombar(horizontal)">
+                                      <p:cBhvr>
+                                        <p:cTn id="12" dur="500"/>
+                                        <p:tgtEl>
+                                          <p:spTgt spid="3">
+                                            <p:txEl>
+                                              <p:pRg st="0" end="0"/>
+                                            </p:txEl>
+                                          </p:spTgt>
+                                        </p:tgtEl>
+                                      </p:cBhvr>
+                                    </p:animEffect>
+                                  </p:childTnLst>
+                                </p:cTn>
+                              </p:par>
+                              <p:par>
+                                <p:cTn id="13" presetID="14" presetClass="entr" presetSubtype="10" fill="hold" grpId="0" nodeType="withEffect">
+                                  <p:stCondLst>
+                                    <p:cond delay="0"/>
+                                  </p:stCondLst>
+                                  <p:childTnLst>
+                                    <p:set>
+                                      <p:cBhvr>
+                                        <p:cTn id="14" dur="1" fill="hold">
+                                          <p:stCondLst>
+                                            <p:cond delay="0"/>
+                                          </p:stCondLst>
+                                        </p:cTn>
+                                        <p:tgtEl>
+                                          <p:spTgt spid="3">
+                                            <p:txEl>
+                                              <p:pRg st="1" end="1"/>
+                                            </p:txEl>
+                                          </p:spTgt>
+                                        </p:tgtEl>
+                                        <p:attrNameLst>
+                                          <p:attrName>style.visibility</p:attrName>
+                                        </p:attrNameLst>
+                                      </p:cBhvr>
+                                      <p:to>
+                                        <p:strVal val="visible"/>
+                                      </p:to>
+                                    </p:set>
+                                    <p:animEffect transition="in" filter="randombar(horizontal)">
+                                      <p:cBhvr>
+                                        <p:cTn id="15" dur="500"/>
+                                        <p:tgtEl>
+                                          <p:spTgt spid="3">
+                                            <p:txEl>
+                                              <p:pRg st="1" end="1"/>
+                                            </p:txEl>
+                                          </p:spTgt>
+                                        </p:tgtEl>
+                                      </p:cBhvr>
+                                    </p:animEffect>
+                                  </p:childTnLst>
+                                </p:cTn>
+                              </p:par>
+                            </p:childTnLst>
+                          </p:cTn>
+                        </p:par>
+                      </p:childTnLst>
+                    </p:cTn>
+                  </p:par>
+                  <p:par>
+                    <p:cTn id="16" fill="hold">
+                      <p:stCondLst>
+                        <p:cond delay="indefinite"/>
+                      </p:stCondLst>
+                      <p:childTnLst>
+                        <p:par>
+                          <p:cTn id="17" fill="hold">
+                            <p:stCondLst>
+                              <p:cond delay="0"/>
+                            </p:stCondLst>
+                            <p:childTnLst>
+                              <p:par>
+                                <p:cTn id="18" presetID="14" presetClass="entr" presetSubtype="10" fill="hold" grpId="0" nodeType="clickEffect">
+                                  <p:stCondLst>
+                                    <p:cond delay="0"/>
+                                  </p:stCondLst>
+                                  <p:childTnLst>
+                                    <p:set>
+                                      <p:cBhvr>
+                                        <p:cTn id="19" dur="1" fill="hold">
+                                          <p:stCondLst>
+                                            <p:cond delay="0"/>
+                                          </p:stCondLst>
+                                        </p:cTn>
+                                        <p:tgtEl>
+                                          <p:spTgt spid="3">
+                                            <p:txEl>
+                                              <p:pRg st="2" end="2"/>
+                                            </p:txEl>
+                                          </p:spTgt>
+                                        </p:tgtEl>
+                                        <p:attrNameLst>
+                                          <p:attrName>style.visibility</p:attrName>
+                                        </p:attrNameLst>
+                                      </p:cBhvr>
+                                      <p:to>
+                                        <p:strVal val="visible"/>
+                                      </p:to>
+                                    </p:set>
+                                    <p:animEffect transition="in" filter="randombar(horizontal)">
+                                      <p:cBhvr>
+                                        <p:cTn id="20" dur="500"/>
+                                        <p:tgtEl>
+                                          <p:spTgt spid="3">
+                                            <p:txEl>
+                                              <p:pRg st="2" end="2"/>
+                                            </p:txEl>
+                                          </p:spTgt>
+                                        </p:tgtEl>
+                                      </p:cBhvr>
+                                    </p:animEffect>
+                                  </p:childTnLst>
+                                </p:cTn>
+                              </p:par>
+                              <p:par>
+                                <p:cTn id="21" presetID="14" presetClass="entr" presetSubtype="10" fill="hold" grpId="0" nodeType="withEffect">
+                                  <p:stCondLst>
+                                    <p:cond delay="0"/>
+                                  </p:stCondLst>
+                                  <p:childTnLst>
+                                    <p:set>
+                                      <p:cBhvr>
+                                        <p:cTn id="22" dur="1" fill="hold">
+                                          <p:stCondLst>
+                                            <p:cond delay="0"/>
+                                          </p:stCondLst>
+                                        </p:cTn>
+                                        <p:tgtEl>
+                                          <p:spTgt spid="3">
+                                            <p:txEl>
+                                              <p:pRg st="3" end="3"/>
+                                            </p:txEl>
+                                          </p:spTgt>
+                                        </p:tgtEl>
+                                        <p:attrNameLst>
+                                          <p:attrName>style.visibility</p:attrName>
+                                        </p:attrNameLst>
+                                      </p:cBhvr>
+                                      <p:to>
+                                        <p:strVal val="visible"/>
+                                      </p:to>
+                                    </p:set>
+                                    <p:animEffect transition="in" filter="randombar(horizontal)">
+                                      <p:cBhvr>
+                                        <p:cTn id="23" dur="500"/>
+                                        <p:tgtEl>
+                                          <p:spTgt spid="3">
+                                            <p:txEl>
+                                              <p:pRg st="3" end="3"/>
+                                            </p:txEl>
+                                          </p:spTgt>
+                                        </p:tgtEl>
+                                      </p:cBhvr>
+                                    </p:animEffect>
+                                  </p:childTnLst>
+                                </p:cTn>
+                              </p:par>
+                            </p:childTnLst>
+                          </p:cTn>
+                        </p:par>
+                      </p:childTnLst>
+                    </p:cTn>
+                  </p:par>
+                </p:childTnLst>
+              </p:cTn>
+              <p:prevCondLst>
+                <p:cond evt="onPrev" delay="0">
+                  <p:tgtEl>
+                    <p:sldTgt/>
+                  </p:tgtEl>
+                </p:cond>
+              </p:prevCondLst>
+              <p:nextCondLst>
+                <p:cond evt="onNext" delay="0">
+                  <p:tgtEl>
+                    <p:sldTgt/>
+                  </p:tgtEl>
+                </p:cond>
+              </p:nextCondLst>
+            </p:seq>
+          </p:childTnLst>
+        </p:cTn>
       </p:par>
     </p:tnLst>
+    <p:bldLst>
+      <p:bldP spid="3" grpId="0" uiExpand="1" build="p" animBg="1"/>
+    </p:bldLst>
   </p:timing>
 </p:sld>
 </file>
@@ -7631,602 +10433,41 @@
           <a:p>
             <a:r>
               <a:rPr lang="en-US" dirty="0" smtClean="0"/>
-              <a:t>Failure…</a:t>
+              <a:t>On Failure</a:t>
             </a:r>
             <a:endParaRPr lang="en-US" dirty="0"/>
           </a:p>
         </p:txBody>
       </p:sp>
-      <p:pic>
-        <p:nvPicPr>
-          <p:cNvPr id="2054" name="Picture 6" descr="1440x900 Clouds over plain"/>
-          <p:cNvPicPr>
-            <a:picLocks noChangeAspect="1" noChangeArrowheads="1"/>
-          </p:cNvPicPr>
-          <p:nvPr/>
-        </p:nvPicPr>
-        <p:blipFill>
-          <a:blip r:embed="rId2" cstate="print">
-            <a:extLst>
-              <a:ext uri="{28A0092B-C50C-407E-A947-70E740481C1C}">
-                <a14:useLocalDpi xmlns:a14="http://schemas.microsoft.com/office/drawing/2010/main" val="0"/>
-              </a:ext>
-            </a:extLst>
-          </a:blip>
-          <a:srcRect/>
-          <a:stretch>
-            <a:fillRect/>
-          </a:stretch>
-        </p:blipFill>
-        <p:spPr bwMode="auto">
-          <a:xfrm>
-            <a:off x="3657600" y="3350654"/>
-            <a:ext cx="5245994" cy="3278746"/>
-          </a:xfrm>
-          <a:prstGeom prst="rect">
-            <a:avLst/>
-          </a:prstGeom>
-          <a:noFill/>
-          <a:extLst>
-            <a:ext uri="{909E8E84-426E-40DD-AFC4-6F175D3DCCD1}">
-              <a14:hiddenFill xmlns:a14="http://schemas.microsoft.com/office/drawing/2010/main">
-                <a:solidFill>
-                  <a:srgbClr val="FFFFFF"/>
-                </a:solidFill>
-              </a14:hiddenFill>
-            </a:ext>
-          </a:extLst>
-        </p:spPr>
-      </p:pic>
-      <p:pic>
-        <p:nvPicPr>
-          <p:cNvPr id="2055" name="Picture 7" descr="C:\Users\Class2014\AppData\Local\Microsoft\Windows\Temporary Internet Files\Content.IE5\G6RLGSL0\MC900356157[1].wmf"/>
-          <p:cNvPicPr>
-            <a:picLocks noChangeAspect="1" noChangeArrowheads="1"/>
-          </p:cNvPicPr>
-          <p:nvPr/>
-        </p:nvPicPr>
-        <p:blipFill>
-          <a:blip r:embed="rId3" cstate="print">
-            <a:extLst>
-              <a:ext uri="{28A0092B-C50C-407E-A947-70E740481C1C}">
-                <a14:useLocalDpi xmlns:a14="http://schemas.microsoft.com/office/drawing/2010/main" val="0"/>
-              </a:ext>
-            </a:extLst>
-          </a:blip>
-          <a:srcRect/>
-          <a:stretch>
-            <a:fillRect/>
-          </a:stretch>
-        </p:blipFill>
-        <p:spPr bwMode="auto">
-          <a:xfrm>
-            <a:off x="5715000" y="4536713"/>
-            <a:ext cx="829818" cy="906628"/>
-          </a:xfrm>
-          <a:prstGeom prst="rect">
-            <a:avLst/>
-          </a:prstGeom>
-          <a:noFill/>
-          <a:extLst>
-            <a:ext uri="{909E8E84-426E-40DD-AFC4-6F175D3DCCD1}">
-              <a14:hiddenFill xmlns:a14="http://schemas.microsoft.com/office/drawing/2010/main">
-                <a:solidFill>
-                  <a:srgbClr val="FFFFFF"/>
-                </a:solidFill>
-              </a14:hiddenFill>
-            </a:ext>
-          </a:extLst>
-        </p:spPr>
-      </p:pic>
-      <p:pic>
-        <p:nvPicPr>
-          <p:cNvPr id="2050" name="Picture 2" descr="http://upload.wikimedia.org/wikipedia/commons/9/9c/Negritos.png"/>
-          <p:cNvPicPr>
-            <a:picLocks noChangeAspect="1" noChangeArrowheads="1"/>
-          </p:cNvPicPr>
-          <p:nvPr/>
-        </p:nvPicPr>
-        <p:blipFill rotWithShape="1">
-          <a:blip r:embed="rId4" cstate="print">
-            <a:extLst>
-              <a:ext uri="{28A0092B-C50C-407E-A947-70E740481C1C}">
-                <a14:useLocalDpi xmlns:a14="http://schemas.microsoft.com/office/drawing/2010/main" val="0"/>
-              </a:ext>
-            </a:extLst>
-          </a:blip>
-          <a:srcRect l="2267" t="7524" r="2665" b="7680"/>
-          <a:stretch/>
-        </p:blipFill>
-        <p:spPr bwMode="auto">
-          <a:xfrm>
-            <a:off x="3886200" y="5010229"/>
-            <a:ext cx="1156301" cy="1430256"/>
-          </a:xfrm>
-          <a:prstGeom prst="rect">
-            <a:avLst/>
-          </a:prstGeom>
-          <a:noFill/>
-          <a:extLst>
-            <a:ext uri="{909E8E84-426E-40DD-AFC4-6F175D3DCCD1}">
-              <a14:hiddenFill xmlns:a14="http://schemas.microsoft.com/office/drawing/2010/main">
-                <a:solidFill>
-                  <a:srgbClr val="FFFFFF"/>
-                </a:solidFill>
-              </a14:hiddenFill>
-            </a:ext>
-          </a:extLst>
-        </p:spPr>
-      </p:pic>
-      <p:pic>
-        <p:nvPicPr>
-          <p:cNvPr id="2056" name="Picture 8" descr="C:\Program Files (x86)\Microsoft Office\MEDIA\CAGCAT10\j0293828.wmf"/>
-          <p:cNvPicPr>
-            <a:picLocks noGrp="1" noChangeAspect="1" noChangeArrowheads="1"/>
-          </p:cNvPicPr>
+      <p:sp>
+        <p:nvSpPr>
+          <p:cNvPr id="3" name="Content Placeholder 2"/>
+          <p:cNvSpPr>
+            <a:spLocks noGrp="1"/>
+          </p:cNvSpPr>
           <p:nvPr>
             <p:ph idx="1"/>
           </p:nvPr>
-        </p:nvPicPr>
-        <p:blipFill>
-          <a:blip r:embed="rId5" cstate="print">
-            <a:extLst>
-              <a:ext uri="{28A0092B-C50C-407E-A947-70E740481C1C}">
-                <a14:useLocalDpi xmlns:a14="http://schemas.microsoft.com/office/drawing/2010/main" val="0"/>
-              </a:ext>
-            </a:extLst>
-          </a:blip>
-          <a:srcRect/>
-          <a:stretch>
-            <a:fillRect/>
-          </a:stretch>
-        </p:blipFill>
-        <p:spPr bwMode="auto">
-          <a:xfrm>
-            <a:off x="3919573" y="2777324"/>
-            <a:ext cx="1371600" cy="1443486"/>
-          </a:xfrm>
-          <a:prstGeom prst="rect">
-            <a:avLst/>
-          </a:prstGeom>
-          <a:noFill/>
-          <a:extLst>
-            <a:ext uri="{909E8E84-426E-40DD-AFC4-6F175D3DCCD1}">
-              <a14:hiddenFill xmlns:a14="http://schemas.microsoft.com/office/drawing/2010/main">
-                <a:solidFill>
-                  <a:srgbClr val="FFFFFF"/>
-                </a:solidFill>
-              </a14:hiddenFill>
-            </a:ext>
-          </a:extLst>
-        </p:spPr>
-      </p:pic>
-      <p:pic>
-        <p:nvPicPr>
-          <p:cNvPr id="9" name="Picture 8" descr="C:\Program Files (x86)\Microsoft Office\MEDIA\CAGCAT10\j0293828.wmf"/>
-          <p:cNvPicPr>
-            <a:picLocks noChangeAspect="1" noChangeArrowheads="1"/>
-          </p:cNvPicPr>
-          <p:nvPr/>
-        </p:nvPicPr>
-        <p:blipFill>
-          <a:blip r:embed="rId5" cstate="print">
-            <a:extLst>
-              <a:ext uri="{28A0092B-C50C-407E-A947-70E740481C1C}">
-                <a14:useLocalDpi xmlns:a14="http://schemas.microsoft.com/office/drawing/2010/main" val="0"/>
-              </a:ext>
-            </a:extLst>
-          </a:blip>
-          <a:srcRect/>
-          <a:stretch>
-            <a:fillRect/>
-          </a:stretch>
-        </p:blipFill>
-        <p:spPr bwMode="auto">
-          <a:xfrm>
-            <a:off x="5343443" y="2777324"/>
-            <a:ext cx="1371600" cy="1443486"/>
-          </a:xfrm>
-          <a:prstGeom prst="rect">
-            <a:avLst/>
-          </a:prstGeom>
-          <a:noFill/>
-          <a:extLst>
-            <a:ext uri="{909E8E84-426E-40DD-AFC4-6F175D3DCCD1}">
-              <a14:hiddenFill xmlns:a14="http://schemas.microsoft.com/office/drawing/2010/main">
-                <a:solidFill>
-                  <a:srgbClr val="FFFFFF"/>
-                </a:solidFill>
-              </a14:hiddenFill>
-            </a:ext>
-          </a:extLst>
-        </p:spPr>
-      </p:pic>
-      <p:pic>
-        <p:nvPicPr>
-          <p:cNvPr id="10" name="Picture 9" descr="C:\Program Files (x86)\Microsoft Office\MEDIA\CAGCAT10\j0293828.wmf"/>
-          <p:cNvPicPr>
-            <a:picLocks noChangeAspect="1" noChangeArrowheads="1"/>
-          </p:cNvPicPr>
-          <p:nvPr/>
-        </p:nvPicPr>
-        <p:blipFill>
-          <a:blip r:embed="rId5" cstate="print">
-            <a:extLst>
-              <a:ext uri="{28A0092B-C50C-407E-A947-70E740481C1C}">
-                <a14:useLocalDpi xmlns:a14="http://schemas.microsoft.com/office/drawing/2010/main" val="0"/>
-              </a:ext>
-            </a:extLst>
-          </a:blip>
-          <a:srcRect/>
-          <a:stretch>
-            <a:fillRect/>
-          </a:stretch>
-        </p:blipFill>
-        <p:spPr bwMode="auto">
-          <a:xfrm>
-            <a:off x="6781800" y="2777324"/>
-            <a:ext cx="1371600" cy="1443486"/>
-          </a:xfrm>
-          <a:prstGeom prst="rect">
-            <a:avLst/>
-          </a:prstGeom>
-          <a:noFill/>
-          <a:extLst>
-            <a:ext uri="{909E8E84-426E-40DD-AFC4-6F175D3DCCD1}">
-              <a14:hiddenFill xmlns:a14="http://schemas.microsoft.com/office/drawing/2010/main">
-                <a:solidFill>
-                  <a:srgbClr val="FFFFFF"/>
-                </a:solidFill>
-              </a14:hiddenFill>
-            </a:ext>
-          </a:extLst>
-        </p:spPr>
-      </p:pic>
-      <p:sp>
-        <p:nvSpPr>
-          <p:cNvPr id="7" name="TextBox 6"/>
-          <p:cNvSpPr txBox="1"/>
-          <p:nvPr/>
-        </p:nvSpPr>
-        <p:spPr>
-          <a:xfrm>
-            <a:off x="55519" y="780410"/>
-            <a:ext cx="2560957" cy="2031325"/>
-          </a:xfrm>
-          <a:prstGeom prst="rect">
-            <a:avLst/>
-          </a:prstGeom>
-          <a:noFill/>
-        </p:spPr>
-        <p:txBody>
-          <a:bodyPr wrap="none" rtlCol="0">
-            <a:spAutoFit/>
-          </a:bodyPr>
+        </p:nvSpPr>
+        <p:spPr/>
+        <p:txBody>
+          <a:bodyPr/>
           <a:lstStyle/>
           <a:p>
-            <a:pPr marL="285750" indent="-285750">
-              <a:buFont typeface="Arial" pitchFamily="34" charset="0"/>
-              <a:buChar char="•"/>
-            </a:pPr>
             <a:r>
               <a:rPr lang="en-US" dirty="0" smtClean="0"/>
-              <a:t>Goal: </a:t>
-            </a:r>
-            <a:r>
-              <a:rPr lang="en-US" cap="small" dirty="0" smtClean="0"/>
-              <a:t>Food</a:t>
-            </a:r>
-            <a:r>
-              <a:rPr lang="en-US" dirty="0" smtClean="0"/>
-              <a:t>!</a:t>
-            </a:r>
-          </a:p>
-          <a:p>
-            <a:pPr marL="285750" indent="-285750">
-              <a:buFont typeface="Arial" pitchFamily="34" charset="0"/>
-              <a:buChar char="•"/>
-            </a:pPr>
-            <a:r>
-              <a:rPr lang="en-US" dirty="0" smtClean="0"/>
-              <a:t>When will it rain?</a:t>
-            </a:r>
-          </a:p>
-          <a:p>
-            <a:pPr marL="285750" indent="-285750">
-              <a:buFont typeface="Arial" pitchFamily="34" charset="0"/>
-              <a:buChar char="•"/>
-            </a:pPr>
-            <a:r>
-              <a:rPr lang="en-US" dirty="0" smtClean="0"/>
-              <a:t>Where are the deer</a:t>
-            </a:r>
-            <a:br>
-              <a:rPr lang="en-US" dirty="0" smtClean="0"/>
-            </a:br>
-            <a:r>
-              <a:rPr lang="en-US" dirty="0" smtClean="0"/>
-              <a:t>given it’s raining?</a:t>
-            </a:r>
+              <a:t>God messed up our models</a:t>
+            </a:r>
+          </a:p>
+          <a:p>
             <a:endParaRPr lang="en-US" dirty="0"/>
-          </a:p>
-          <a:p>
-            <a:pPr marL="285750" indent="-285750">
-              <a:buFont typeface="Arial" pitchFamily="34" charset="0"/>
-              <a:buChar char="•"/>
-            </a:pPr>
-            <a:r>
-              <a:rPr lang="en-US" dirty="0" smtClean="0"/>
-              <a:t>Make the herds move</a:t>
-            </a:r>
-            <a:br>
-              <a:rPr lang="en-US" dirty="0" smtClean="0"/>
-            </a:br>
-            <a:r>
-              <a:rPr lang="en-US" dirty="0" smtClean="0"/>
-              <a:t>somewhere via noise?</a:t>
-            </a:r>
-          </a:p>
-          <a:p>
-            <a:pPr marL="107950" indent="-285750">
-              <a:buFont typeface="Arial" pitchFamily="34" charset="0"/>
-              <a:buChar char="•"/>
-            </a:pPr>
-            <a:endParaRPr lang="en-US" dirty="0"/>
-          </a:p>
-        </p:txBody>
-      </p:sp>
-      <p:pic>
-        <p:nvPicPr>
-          <p:cNvPr id="2057" name="Picture 9" descr="C:\Program Files (x86)\Microsoft Office\MEDIA\CAGCAT10\j0149627.wmf"/>
-          <p:cNvPicPr>
-            <a:picLocks noChangeAspect="1" noChangeArrowheads="1"/>
-          </p:cNvPicPr>
-          <p:nvPr/>
-        </p:nvPicPr>
-        <p:blipFill>
-          <a:blip r:embed="rId6" cstate="print">
-            <a:extLst>
-              <a:ext uri="{28A0092B-C50C-407E-A947-70E740481C1C}">
-                <a14:useLocalDpi xmlns:a14="http://schemas.microsoft.com/office/drawing/2010/main" val="0"/>
-              </a:ext>
-            </a:extLst>
-          </a:blip>
-          <a:srcRect/>
-          <a:stretch>
-            <a:fillRect/>
-          </a:stretch>
-        </p:blipFill>
-        <p:spPr bwMode="auto">
-          <a:xfrm>
-            <a:off x="1981200" y="4191000"/>
-            <a:ext cx="1308929" cy="930049"/>
-          </a:xfrm>
-          <a:prstGeom prst="rect">
-            <a:avLst/>
-          </a:prstGeom>
-          <a:noFill/>
-          <a:extLst>
-            <a:ext uri="{909E8E84-426E-40DD-AFC4-6F175D3DCCD1}">
-              <a14:hiddenFill xmlns:a14="http://schemas.microsoft.com/office/drawing/2010/main">
-                <a:solidFill>
-                  <a:srgbClr val="FFFFFF"/>
-                </a:solidFill>
-              </a14:hiddenFill>
-            </a:ext>
-          </a:extLst>
-        </p:spPr>
-      </p:pic>
-      <p:pic>
-        <p:nvPicPr>
-          <p:cNvPr id="2058" name="Picture 10" descr="C:\Users\Class2014\AppData\Local\Microsoft\Windows\Temporary Internet Files\Content.IE5\O9L5FNKL\MC900436334[1].png"/>
-          <p:cNvPicPr>
-            <a:picLocks noChangeAspect="1" noChangeArrowheads="1"/>
-          </p:cNvPicPr>
-          <p:nvPr/>
-        </p:nvPicPr>
-        <p:blipFill>
-          <a:blip r:embed="rId7">
-            <a:extLst>
-              <a:ext uri="{28A0092B-C50C-407E-A947-70E740481C1C}">
-                <a14:useLocalDpi xmlns:a14="http://schemas.microsoft.com/office/drawing/2010/main" val="0"/>
-              </a:ext>
-            </a:extLst>
-          </a:blip>
-          <a:srcRect/>
-          <a:stretch>
-            <a:fillRect/>
-          </a:stretch>
-        </p:blipFill>
-        <p:spPr bwMode="auto">
-          <a:xfrm>
-            <a:off x="1066800" y="5049728"/>
-            <a:ext cx="1714500" cy="1714500"/>
-          </a:xfrm>
-          <a:prstGeom prst="rect">
-            <a:avLst/>
-          </a:prstGeom>
-          <a:noFill/>
-          <a:extLst>
-            <a:ext uri="{909E8E84-426E-40DD-AFC4-6F175D3DCCD1}">
-              <a14:hiddenFill xmlns:a14="http://schemas.microsoft.com/office/drawing/2010/main">
-                <a:solidFill>
-                  <a:srgbClr val="FFFFFF"/>
-                </a:solidFill>
-              </a14:hiddenFill>
-            </a:ext>
-          </a:extLst>
-        </p:spPr>
-      </p:pic>
-      <p:pic>
-        <p:nvPicPr>
-          <p:cNvPr id="2059" name="Picture 11" descr="C:\Users\Class2014\AppData\Local\Microsoft\Windows\Temporary Internet Files\Content.IE5\1GYX6QKB\MC900391486[1].wmf"/>
-          <p:cNvPicPr>
-            <a:picLocks noChangeAspect="1" noChangeArrowheads="1"/>
-          </p:cNvPicPr>
-          <p:nvPr/>
-        </p:nvPicPr>
-        <p:blipFill>
-          <a:blip r:embed="rId8" cstate="print">
-            <a:extLst>
-              <a:ext uri="{28A0092B-C50C-407E-A947-70E740481C1C}">
-                <a14:useLocalDpi xmlns:a14="http://schemas.microsoft.com/office/drawing/2010/main" val="0"/>
-              </a:ext>
-            </a:extLst>
-          </a:blip>
-          <a:srcRect/>
-          <a:stretch>
-            <a:fillRect/>
-          </a:stretch>
-        </p:blipFill>
-        <p:spPr bwMode="auto">
-          <a:xfrm>
-            <a:off x="348996" y="4650257"/>
-            <a:ext cx="1632204" cy="1816913"/>
-          </a:xfrm>
-          <a:prstGeom prst="rect">
-            <a:avLst/>
-          </a:prstGeom>
-          <a:noFill/>
-          <a:extLst>
-            <a:ext uri="{909E8E84-426E-40DD-AFC4-6F175D3DCCD1}">
-              <a14:hiddenFill xmlns:a14="http://schemas.microsoft.com/office/drawing/2010/main">
-                <a:solidFill>
-                  <a:srgbClr val="FFFFFF"/>
-                </a:solidFill>
-              </a14:hiddenFill>
-            </a:ext>
-          </a:extLst>
-        </p:spPr>
-      </p:pic>
-      <p:sp>
-        <p:nvSpPr>
-          <p:cNvPr id="8" name="TextBox 7"/>
-          <p:cNvSpPr txBox="1"/>
-          <p:nvPr/>
-        </p:nvSpPr>
-        <p:spPr>
-          <a:xfrm>
-            <a:off x="4147351" y="1368641"/>
-            <a:ext cx="1344792" cy="923330"/>
-          </a:xfrm>
-          <a:prstGeom prst="rect">
-            <a:avLst/>
-          </a:prstGeom>
-          <a:noFill/>
-        </p:spPr>
-        <p:txBody>
-          <a:bodyPr wrap="none" rtlCol="0">
-            <a:spAutoFit/>
-          </a:bodyPr>
-          <a:lstStyle/>
-          <a:p>
-            <a:r>
-              <a:rPr lang="en-US" dirty="0" smtClean="0"/>
-              <a:t>Explanation</a:t>
-            </a:r>
-          </a:p>
-          <a:p>
-            <a:r>
-              <a:rPr lang="en-US" dirty="0" smtClean="0"/>
-              <a:t>Prediction</a:t>
-            </a:r>
-          </a:p>
-          <a:p>
-            <a:r>
-              <a:rPr lang="en-US" dirty="0" smtClean="0"/>
-              <a:t>Intervention</a:t>
-            </a:r>
-          </a:p>
-        </p:txBody>
-      </p:sp>
-      <p:sp>
-        <p:nvSpPr>
-          <p:cNvPr id="11" name="TextBox 10"/>
-          <p:cNvSpPr txBox="1"/>
-          <p:nvPr/>
-        </p:nvSpPr>
-        <p:spPr>
-          <a:xfrm>
-            <a:off x="7399782" y="914400"/>
-            <a:ext cx="1181734" cy="369332"/>
-          </a:xfrm>
-          <a:prstGeom prst="rect">
-            <a:avLst/>
-          </a:prstGeom>
-          <a:noFill/>
-        </p:spPr>
-        <p:txBody>
-          <a:bodyPr wrap="none" rtlCol="0">
-            <a:spAutoFit/>
-          </a:bodyPr>
-          <a:lstStyle/>
-          <a:p>
-            <a:r>
-              <a:rPr lang="en-US" dirty="0" smtClean="0"/>
-              <a:t>~7000 BCE</a:t>
-            </a:r>
-            <a:endParaRPr lang="en-US" dirty="0"/>
-          </a:p>
-        </p:txBody>
-      </p:sp>
-      <p:sp>
-        <p:nvSpPr>
-          <p:cNvPr id="12" name="Rounded Rectangular Callout 11"/>
-          <p:cNvSpPr/>
-          <p:nvPr/>
-        </p:nvSpPr>
-        <p:spPr>
-          <a:xfrm>
-            <a:off x="2209800" y="2819400"/>
-            <a:ext cx="571500" cy="609600"/>
-          </a:xfrm>
-          <a:prstGeom prst="wedgeRoundRectCallout">
-            <a:avLst>
-              <a:gd name="adj1" fmla="val -39765"/>
-              <a:gd name="adj2" fmla="val 66981"/>
-              <a:gd name="adj3" fmla="val 16667"/>
-            </a:avLst>
-          </a:prstGeom>
-          <a:solidFill>
-            <a:schemeClr val="accent6">
-              <a:lumMod val="75000"/>
-            </a:schemeClr>
-          </a:solidFill>
-        </p:spPr>
-        <p:style>
-          <a:lnRef idx="2">
-            <a:schemeClr val="accent1">
-              <a:shade val="50000"/>
-            </a:schemeClr>
-          </a:lnRef>
-          <a:fillRef idx="1">
-            <a:schemeClr val="accent1"/>
-          </a:fillRef>
-          <a:effectRef idx="0">
-            <a:schemeClr val="accent1"/>
-          </a:effectRef>
-          <a:fontRef idx="minor">
-            <a:schemeClr val="lt1"/>
-          </a:fontRef>
-        </p:style>
-        <p:txBody>
-          <a:bodyPr rtlCol="0" anchor="ctr"/>
-          <a:lstStyle/>
-          <a:p>
-            <a:pPr algn="ctr"/>
-            <a:r>
-              <a:rPr lang="en-US" sz="2800" b="1" dirty="0" smtClean="0"/>
-              <a:t>!!</a:t>
-            </a:r>
-            <a:endParaRPr lang="en-US" sz="2800" b="1" dirty="0"/>
           </a:p>
         </p:txBody>
       </p:sp>
     </p:spTree>
     <p:extLst>
       <p:ext uri="{BB962C8B-B14F-4D97-AF65-F5344CB8AC3E}">
-        <p14:creationId xmlns:p14="http://schemas.microsoft.com/office/powerpoint/2010/main" val="2771656018"/>
+        <p14:creationId xmlns:p14="http://schemas.microsoft.com/office/powerpoint/2010/main" val="626368968"/>
       </p:ext>
     </p:extLst>
   </p:cSld>
@@ -8811,4 +11052,289 @@
   <a:objectDefaults/>
   <a:extraClrSchemeLst/>
 </a:theme>
+</file>
+
+<file path=ppt/theme/theme3.xml><?xml version="1.0" encoding="utf-8"?>
+<a:theme xmlns:a="http://schemas.openxmlformats.org/drawingml/2006/main" name="Office Theme">
+  <a:themeElements>
+    <a:clrScheme name="Office">
+      <a:dk1>
+        <a:sysClr val="windowText" lastClr="000000"/>
+      </a:dk1>
+      <a:lt1>
+        <a:sysClr val="window" lastClr="FFFFFF"/>
+      </a:lt1>
+      <a:dk2>
+        <a:srgbClr val="1F497D"/>
+      </a:dk2>
+      <a:lt2>
+        <a:srgbClr val="EEECE1"/>
+      </a:lt2>
+      <a:accent1>
+        <a:srgbClr val="4F81BD"/>
+      </a:accent1>
+      <a:accent2>
+        <a:srgbClr val="C0504D"/>
+      </a:accent2>
+      <a:accent3>
+        <a:srgbClr val="9BBB59"/>
+      </a:accent3>
+      <a:accent4>
+        <a:srgbClr val="8064A2"/>
+      </a:accent4>
+      <a:accent5>
+        <a:srgbClr val="4BACC6"/>
+      </a:accent5>
+      <a:accent6>
+        <a:srgbClr val="F79646"/>
+      </a:accent6>
+      <a:hlink>
+        <a:srgbClr val="0000FF"/>
+      </a:hlink>
+      <a:folHlink>
+        <a:srgbClr val="800080"/>
+      </a:folHlink>
+    </a:clrScheme>
+    <a:fontScheme name="Office">
+      <a:majorFont>
+        <a:latin typeface="Calibri"/>
+        <a:ea typeface=""/>
+        <a:cs typeface=""/>
+        <a:font script="Jpan" typeface="ＭＳ Ｐゴシック"/>
+        <a:font script="Hang" typeface="맑은 고딕"/>
+        <a:font script="Hans" typeface="宋体"/>
+        <a:font script="Hant" typeface="新細明體"/>
+        <a:font script="Arab" typeface="Times New Roman"/>
+        <a:font script="Hebr" typeface="Times New Roman"/>
+        <a:font script="Thai" typeface="Angsana New"/>
+        <a:font script="Ethi" typeface="Nyala"/>
+        <a:font script="Beng" typeface="Vrinda"/>
+        <a:font script="Gujr" typeface="Shruti"/>
+        <a:font script="Khmr" typeface="MoolBoran"/>
+        <a:font script="Knda" typeface="Tunga"/>
+        <a:font script="Guru" typeface="Raavi"/>
+        <a:font script="Cans" typeface="Euphemia"/>
+        <a:font script="Cher" typeface="Plantagenet Cherokee"/>
+        <a:font script="Yiii" typeface="Microsoft Yi Baiti"/>
+        <a:font script="Tibt" typeface="Microsoft Himalaya"/>
+        <a:font script="Thaa" typeface="MV Boli"/>
+        <a:font script="Deva" typeface="Mangal"/>
+        <a:font script="Telu" typeface="Gautami"/>
+        <a:font script="Taml" typeface="Latha"/>
+        <a:font script="Syrc" typeface="Estrangelo Edessa"/>
+        <a:font script="Orya" typeface="Kalinga"/>
+        <a:font script="Mlym" typeface="Kartika"/>
+        <a:font script="Laoo" typeface="DokChampa"/>
+        <a:font script="Sinh" typeface="Iskoola Pota"/>
+        <a:font script="Mong" typeface="Mongolian Baiti"/>
+        <a:font script="Viet" typeface="Times New Roman"/>
+        <a:font script="Uigh" typeface="Microsoft Uighur"/>
+        <a:font script="Geor" typeface="Sylfaen"/>
+      </a:majorFont>
+      <a:minorFont>
+        <a:latin typeface="Calibri"/>
+        <a:ea typeface=""/>
+        <a:cs typeface=""/>
+        <a:font script="Jpan" typeface="ＭＳ Ｐゴシック"/>
+        <a:font script="Hang" typeface="맑은 고딕"/>
+        <a:font script="Hans" typeface="宋体"/>
+        <a:font script="Hant" typeface="新細明體"/>
+        <a:font script="Arab" typeface="Arial"/>
+        <a:font script="Hebr" typeface="Arial"/>
+        <a:font script="Thai" typeface="Cordia New"/>
+        <a:font script="Ethi" typeface="Nyala"/>
+        <a:font script="Beng" typeface="Vrinda"/>
+        <a:font script="Gujr" typeface="Shruti"/>
+        <a:font script="Khmr" typeface="DaunPenh"/>
+        <a:font script="Knda" typeface="Tunga"/>
+        <a:font script="Guru" typeface="Raavi"/>
+        <a:font script="Cans" typeface="Euphemia"/>
+        <a:font script="Cher" typeface="Plantagenet Cherokee"/>
+        <a:font script="Yiii" typeface="Microsoft Yi Baiti"/>
+        <a:font script="Tibt" typeface="Microsoft Himalaya"/>
+        <a:font script="Thaa" typeface="MV Boli"/>
+        <a:font script="Deva" typeface="Mangal"/>
+        <a:font script="Telu" typeface="Gautami"/>
+        <a:font script="Taml" typeface="Latha"/>
+        <a:font script="Syrc" typeface="Estrangelo Edessa"/>
+        <a:font script="Orya" typeface="Kalinga"/>
+        <a:font script="Mlym" typeface="Kartika"/>
+        <a:font script="Laoo" typeface="DokChampa"/>
+        <a:font script="Sinh" typeface="Iskoola Pota"/>
+        <a:font script="Mong" typeface="Mongolian Baiti"/>
+        <a:font script="Viet" typeface="Arial"/>
+        <a:font script="Uigh" typeface="Microsoft Uighur"/>
+        <a:font script="Geor" typeface="Sylfaen"/>
+      </a:minorFont>
+    </a:fontScheme>
+    <a:fmtScheme name="Office">
+      <a:fillStyleLst>
+        <a:solidFill>
+          <a:schemeClr val="phClr"/>
+        </a:solidFill>
+        <a:gradFill rotWithShape="1">
+          <a:gsLst>
+            <a:gs pos="0">
+              <a:schemeClr val="phClr">
+                <a:tint val="50000"/>
+                <a:satMod val="300000"/>
+              </a:schemeClr>
+            </a:gs>
+            <a:gs pos="35000">
+              <a:schemeClr val="phClr">
+                <a:tint val="37000"/>
+                <a:satMod val="300000"/>
+              </a:schemeClr>
+            </a:gs>
+            <a:gs pos="100000">
+              <a:schemeClr val="phClr">
+                <a:tint val="15000"/>
+                <a:satMod val="350000"/>
+              </a:schemeClr>
+            </a:gs>
+          </a:gsLst>
+          <a:lin ang="16200000" scaled="1"/>
+        </a:gradFill>
+        <a:gradFill rotWithShape="1">
+          <a:gsLst>
+            <a:gs pos="0">
+              <a:schemeClr val="phClr">
+                <a:shade val="51000"/>
+                <a:satMod val="130000"/>
+              </a:schemeClr>
+            </a:gs>
+            <a:gs pos="80000">
+              <a:schemeClr val="phClr">
+                <a:shade val="93000"/>
+                <a:satMod val="130000"/>
+              </a:schemeClr>
+            </a:gs>
+            <a:gs pos="100000">
+              <a:schemeClr val="phClr">
+                <a:shade val="94000"/>
+                <a:satMod val="135000"/>
+              </a:schemeClr>
+            </a:gs>
+          </a:gsLst>
+          <a:lin ang="16200000" scaled="0"/>
+        </a:gradFill>
+      </a:fillStyleLst>
+      <a:lnStyleLst>
+        <a:ln w="9525" cap="flat" cmpd="sng" algn="ctr">
+          <a:solidFill>
+            <a:schemeClr val="phClr">
+              <a:shade val="95000"/>
+              <a:satMod val="105000"/>
+            </a:schemeClr>
+          </a:solidFill>
+          <a:prstDash val="solid"/>
+        </a:ln>
+        <a:ln w="25400" cap="flat" cmpd="sng" algn="ctr">
+          <a:solidFill>
+            <a:schemeClr val="phClr"/>
+          </a:solidFill>
+          <a:prstDash val="solid"/>
+        </a:ln>
+        <a:ln w="38100" cap="flat" cmpd="sng" algn="ctr">
+          <a:solidFill>
+            <a:schemeClr val="phClr"/>
+          </a:solidFill>
+          <a:prstDash val="solid"/>
+        </a:ln>
+      </a:lnStyleLst>
+      <a:effectStyleLst>
+        <a:effectStyle>
+          <a:effectLst>
+            <a:outerShdw blurRad="40000" dist="20000" dir="5400000" rotWithShape="0">
+              <a:srgbClr val="000000">
+                <a:alpha val="38000"/>
+              </a:srgbClr>
+            </a:outerShdw>
+          </a:effectLst>
+        </a:effectStyle>
+        <a:effectStyle>
+          <a:effectLst>
+            <a:outerShdw blurRad="40000" dist="23000" dir="5400000" rotWithShape="0">
+              <a:srgbClr val="000000">
+                <a:alpha val="35000"/>
+              </a:srgbClr>
+            </a:outerShdw>
+          </a:effectLst>
+        </a:effectStyle>
+        <a:effectStyle>
+          <a:effectLst>
+            <a:outerShdw blurRad="40000" dist="23000" dir="5400000" rotWithShape="0">
+              <a:srgbClr val="000000">
+                <a:alpha val="35000"/>
+              </a:srgbClr>
+            </a:outerShdw>
+          </a:effectLst>
+          <a:scene3d>
+            <a:camera prst="orthographicFront">
+              <a:rot lat="0" lon="0" rev="0"/>
+            </a:camera>
+            <a:lightRig rig="threePt" dir="t">
+              <a:rot lat="0" lon="0" rev="1200000"/>
+            </a:lightRig>
+          </a:scene3d>
+          <a:sp3d>
+            <a:bevelT w="63500" h="25400"/>
+          </a:sp3d>
+        </a:effectStyle>
+      </a:effectStyleLst>
+      <a:bgFillStyleLst>
+        <a:solidFill>
+          <a:schemeClr val="phClr"/>
+        </a:solidFill>
+        <a:gradFill rotWithShape="1">
+          <a:gsLst>
+            <a:gs pos="0">
+              <a:schemeClr val="phClr">
+                <a:tint val="40000"/>
+                <a:satMod val="350000"/>
+              </a:schemeClr>
+            </a:gs>
+            <a:gs pos="40000">
+              <a:schemeClr val="phClr">
+                <a:tint val="45000"/>
+                <a:shade val="99000"/>
+                <a:satMod val="350000"/>
+              </a:schemeClr>
+            </a:gs>
+            <a:gs pos="100000">
+              <a:schemeClr val="phClr">
+                <a:shade val="20000"/>
+                <a:satMod val="255000"/>
+              </a:schemeClr>
+            </a:gs>
+          </a:gsLst>
+          <a:path path="circle">
+            <a:fillToRect l="50000" t="-80000" r="50000" b="180000"/>
+          </a:path>
+        </a:gradFill>
+        <a:gradFill rotWithShape="1">
+          <a:gsLst>
+            <a:gs pos="0">
+              <a:schemeClr val="phClr">
+                <a:tint val="80000"/>
+                <a:satMod val="300000"/>
+              </a:schemeClr>
+            </a:gs>
+            <a:gs pos="100000">
+              <a:schemeClr val="phClr">
+                <a:shade val="30000"/>
+                <a:satMod val="200000"/>
+              </a:schemeClr>
+            </a:gs>
+          </a:gsLst>
+          <a:path path="circle">
+            <a:fillToRect l="50000" t="50000" r="50000" b="50000"/>
+          </a:path>
+        </a:gradFill>
+      </a:bgFillStyleLst>
+    </a:fmtScheme>
+  </a:themeElements>
+  <a:objectDefaults/>
+  <a:extraClrSchemeLst/>
+</a:theme>
 </file>
--- a/ModelTalk.pptx
+++ b/ModelTalk.pptx
@@ -5,23 +5,27 @@
     <p:sldMasterId id="2147483648" r:id="rId1"/>
   </p:sldMasterIdLst>
   <p:notesMasterIdLst>
-    <p:notesMasterId r:id="rId13"/>
+    <p:notesMasterId r:id="rId17"/>
   </p:notesMasterIdLst>
   <p:handoutMasterIdLst>
-    <p:handoutMasterId r:id="rId14"/>
+    <p:handoutMasterId r:id="rId18"/>
   </p:handoutMasterIdLst>
   <p:sldIdLst>
     <p:sldId id="256" r:id="rId2"/>
     <p:sldId id="257" r:id="rId3"/>
     <p:sldId id="258" r:id="rId4"/>
-    <p:sldId id="266" r:id="rId5"/>
-    <p:sldId id="264" r:id="rId6"/>
+    <p:sldId id="264" r:id="rId5"/>
+    <p:sldId id="269" r:id="rId6"/>
     <p:sldId id="265" r:id="rId7"/>
     <p:sldId id="263" r:id="rId8"/>
     <p:sldId id="262" r:id="rId9"/>
-    <p:sldId id="261" r:id="rId10"/>
-    <p:sldId id="260" r:id="rId11"/>
-    <p:sldId id="259" r:id="rId12"/>
+    <p:sldId id="267" r:id="rId10"/>
+    <p:sldId id="268" r:id="rId11"/>
+    <p:sldId id="266" r:id="rId12"/>
+    <p:sldId id="261" r:id="rId13"/>
+    <p:sldId id="260" r:id="rId14"/>
+    <p:sldId id="259" r:id="rId15"/>
+    <p:sldId id="270" r:id="rId16"/>
   </p:sldIdLst>
   <p:sldSz cx="9144000" cy="6858000" type="screen4x3"/>
   <p:notesSz cx="7315200" cy="9601200"/>
@@ -205,7 +209,7 @@
           <a:p>
             <a:fld id="{9FC7A91B-FA18-4D2F-A2DC-C0564A1AEA35}" type="datetimeFigureOut">
               <a:rPr lang="en-US" smtClean="0"/>
-              <a:t>4/10/2013</a:t>
+              <a:t>4/15/2013</a:t>
             </a:fld>
             <a:endParaRPr lang="en-US"/>
           </a:p>
@@ -370,7 +374,7 @@
           <a:p>
             <a:fld id="{E4FC77D9-5DDF-4A7B-B2B8-B112B85F14F8}" type="datetimeFigureOut">
               <a:rPr lang="en-US" smtClean="0"/>
-              <a:t>4/10/2013</a:t>
+              <a:t>4/15/2013</a:t>
             </a:fld>
             <a:endParaRPr lang="en-US"/>
           </a:p>
@@ -780,7 +784,21 @@
           <a:bodyPr/>
           <a:lstStyle/>
           <a:p>
-            <a:endParaRPr lang="en-US"/>
+            <a:r>
+              <a:rPr lang="en-US" dirty="0" smtClean="0"/>
+              <a:t>Moving a bit</a:t>
+            </a:r>
+            <a:r>
+              <a:rPr lang="en-US" baseline="0" dirty="0" smtClean="0"/>
+              <a:t> further in time, many of the ancient humans asked the same questions: what do we do when our models—the results of all our work and thinking—fail?</a:t>
+            </a:r>
+          </a:p>
+          <a:p>
+            <a:r>
+              <a:rPr lang="en-US" baseline="0" dirty="0" smtClean="0"/>
+              <a:t>The first answer </a:t>
+            </a:r>
+            <a:endParaRPr lang="en-US" dirty="0"/>
           </a:p>
         </p:txBody>
       </p:sp>
@@ -801,7 +819,7 @@
           <a:p>
             <a:fld id="{C180C10F-8680-4BB3-ADF1-25C4DFA511CD}" type="slidenum">
               <a:rPr lang="en-US" smtClean="0"/>
-              <a:t>10</a:t>
+              <a:t>12</a:t>
             </a:fld>
             <a:endParaRPr lang="en-US"/>
           </a:p>
@@ -810,7 +828,7 @@
     </p:spTree>
     <p:extLst>
       <p:ext uri="{BB962C8B-B14F-4D97-AF65-F5344CB8AC3E}">
-        <p14:creationId xmlns:p14="http://schemas.microsoft.com/office/powerpoint/2010/main" val="3736377133"/>
+        <p14:creationId xmlns:p14="http://schemas.microsoft.com/office/powerpoint/2010/main" val="1230397302"/>
       </p:ext>
     </p:extLst>
   </p:cSld>
@@ -885,7 +903,91 @@
           <a:p>
             <a:fld id="{C180C10F-8680-4BB3-ADF1-25C4DFA511CD}" type="slidenum">
               <a:rPr lang="en-US" smtClean="0"/>
-              <a:t>11</a:t>
+              <a:t>13</a:t>
+            </a:fld>
+            <a:endParaRPr lang="en-US"/>
+          </a:p>
+        </p:txBody>
+      </p:sp>
+    </p:spTree>
+    <p:extLst>
+      <p:ext uri="{BB962C8B-B14F-4D97-AF65-F5344CB8AC3E}">
+        <p14:creationId xmlns:p14="http://schemas.microsoft.com/office/powerpoint/2010/main" val="3736377133"/>
+      </p:ext>
+    </p:extLst>
+  </p:cSld>
+  <p:clrMapOvr>
+    <a:masterClrMapping/>
+  </p:clrMapOvr>
+</p:notes>
+</file>
+
+<file path=ppt/notesSlides/notesSlide12.xml><?xml version="1.0" encoding="utf-8"?>
+<p:notes xmlns:a="http://schemas.openxmlformats.org/drawingml/2006/main" xmlns:r="http://schemas.openxmlformats.org/officeDocument/2006/relationships" xmlns:p="http://schemas.openxmlformats.org/presentationml/2006/main">
+  <p:cSld>
+    <p:spTree>
+      <p:nvGrpSpPr>
+        <p:cNvPr id="1" name=""/>
+        <p:cNvGrpSpPr/>
+        <p:nvPr/>
+      </p:nvGrpSpPr>
+      <p:grpSpPr>
+        <a:xfrm>
+          <a:off x="0" y="0"/>
+          <a:ext cx="0" cy="0"/>
+          <a:chOff x="0" y="0"/>
+          <a:chExt cx="0" cy="0"/>
+        </a:xfrm>
+      </p:grpSpPr>
+      <p:sp>
+        <p:nvSpPr>
+          <p:cNvPr id="2" name="Slide Image Placeholder 1"/>
+          <p:cNvSpPr>
+            <a:spLocks noGrp="1" noRot="1" noChangeAspect="1"/>
+          </p:cNvSpPr>
+          <p:nvPr>
+            <p:ph type="sldImg"/>
+          </p:nvPr>
+        </p:nvSpPr>
+        <p:spPr/>
+      </p:sp>
+      <p:sp>
+        <p:nvSpPr>
+          <p:cNvPr id="3" name="Notes Placeholder 2"/>
+          <p:cNvSpPr>
+            <a:spLocks noGrp="1"/>
+          </p:cNvSpPr>
+          <p:nvPr>
+            <p:ph type="body" idx="1"/>
+          </p:nvPr>
+        </p:nvSpPr>
+        <p:spPr/>
+        <p:txBody>
+          <a:bodyPr/>
+          <a:lstStyle/>
+          <a:p>
+            <a:endParaRPr lang="en-US"/>
+          </a:p>
+        </p:txBody>
+      </p:sp>
+      <p:sp>
+        <p:nvSpPr>
+          <p:cNvPr id="4" name="Slide Number Placeholder 3"/>
+          <p:cNvSpPr>
+            <a:spLocks noGrp="1"/>
+          </p:cNvSpPr>
+          <p:nvPr>
+            <p:ph type="sldNum" sz="quarter" idx="10"/>
+          </p:nvPr>
+        </p:nvSpPr>
+        <p:spPr/>
+        <p:txBody>
+          <a:bodyPr/>
+          <a:lstStyle/>
+          <a:p>
+            <a:fld id="{C180C10F-8680-4BB3-ADF1-25C4DFA511CD}" type="slidenum">
+              <a:rPr lang="en-US" smtClean="0"/>
+              <a:t>14</a:t>
             </a:fld>
             <a:endParaRPr lang="en-US"/>
           </a:p>
@@ -1083,8 +1185,13 @@
           <a:p>
             <a:r>
               <a:rPr lang="en-US" baseline="0" dirty="0" smtClean="0"/>
-              <a:t>Well… let’s think about these questions a bit more.  We can classify each question</a:t>
-            </a:r>
+              <a:t>Well… let’s think about these questions a bit more.  We can classify each </a:t>
+            </a:r>
+            <a:r>
+              <a:rPr lang="en-US" baseline="0" dirty="0" smtClean="0"/>
+              <a:t>question:</a:t>
+            </a:r>
+            <a:endParaRPr lang="en-US" baseline="0" dirty="0" smtClean="0"/>
           </a:p>
           <a:p>
             <a:r>
@@ -1105,13 +1212,56 @@
             </a:r>
           </a:p>
           <a:p>
+            <a:r>
+              <a:rPr lang="en-US" baseline="0" dirty="0" smtClean="0"/>
+              <a:t>In general, we call these three questions </a:t>
+            </a:r>
+            <a:r>
+              <a:rPr lang="en-US" i="1" baseline="0" dirty="0" smtClean="0"/>
+              <a:t>inference queries</a:t>
+            </a:r>
+            <a:r>
+              <a:rPr lang="en-US" baseline="0" dirty="0" smtClean="0"/>
+              <a:t>, and they make up all our daily activities.  </a:t>
+            </a:r>
+          </a:p>
+          <a:p>
+            <a:r>
+              <a:rPr lang="en-US" baseline="0" dirty="0" smtClean="0"/>
+              <a:t>	Can I predict the stock market so that I invest in the best funds?</a:t>
+            </a:r>
+          </a:p>
+          <a:p>
+            <a:r>
+              <a:rPr lang="en-US" baseline="0" dirty="0" smtClean="0"/>
+              <a:t>	Can I explain why I want to eat a cookie?</a:t>
+            </a:r>
+          </a:p>
+          <a:p>
+            <a:r>
+              <a:rPr lang="en-US" baseline="0" dirty="0" smtClean="0"/>
+              <a:t>	Can I intervene to get the best grade in a class?  And so on.</a:t>
+            </a:r>
+          </a:p>
+          <a:p>
+            <a:r>
+              <a:rPr lang="en-US" baseline="0" dirty="0" smtClean="0"/>
+              <a:t>Notice that all these queries can be written in the language of mathematics.  This implies that these queries are computable.  Keep that in mind, and I will return to that point shortly.</a:t>
+            </a:r>
+          </a:p>
+          <a:p>
             <a:endParaRPr lang="en-US" baseline="0" dirty="0" smtClean="0"/>
           </a:p>
           <a:p>
             <a:r>
               <a:rPr lang="en-US" baseline="0" dirty="0" smtClean="0"/>
-              <a:t>Now, just as the hunter-gatherers made these 3 types of queries 1000s of years ago, we make the same queries today in pursuit of our own goals.  But there’s a big question: what when our models fail?  We can’t predict the position of the deer perfectly, we can’t explain what will cause the deer to move under the trap easily, and our interventions, making the noise, don’t always accomplish our intended goals, trapping the deer.  So what are we to do</a:t>
-            </a:r>
+              <a:t>Now, just as the hunter-gatherers made these 3 types of queries 1000s of years ago, we make the same queries today in pursuit of our own goals.  But there’s a big question: what when our models fail?  We can’t predict the position of the deer perfectly, we can’t explain what will cause the deer to move under the trap easily, and our interventions, making the noise, don’t always accomplish our intended goals, trapping the deer.  So what are we to </a:t>
+            </a:r>
+            <a:r>
+              <a:rPr lang="en-US" baseline="0" dirty="0" smtClean="0"/>
+              <a:t>do?</a:t>
+            </a:r>
+            <a:endParaRPr lang="en-US" baseline="0" dirty="0" smtClean="0"/>
           </a:p>
           <a:p>
             <a:endParaRPr lang="en-US" dirty="0"/>
@@ -1198,15 +1348,71 @@
           <a:bodyPr/>
           <a:lstStyle/>
           <a:p>
-            <a:pPr marL="0" lvl="1" defTabSz="966612">
-              <a:defRPr/>
-            </a:pPr>
-            <a:r>
-              <a:rPr lang="en-US" sz="2100" dirty="0"/>
-              <a:t>circumstances led to the Big Bang?</a:t>
-            </a:r>
-          </a:p>
-          <a:p>
+            <a:r>
+              <a:rPr lang="en-US" dirty="0" smtClean="0"/>
+              <a:t>Well, it turns out we’re not the only ones asking</a:t>
+            </a:r>
+            <a:r>
+              <a:rPr lang="en-US" baseline="0" dirty="0" smtClean="0"/>
+              <a:t> that question.  A few thousand years after the hunter-gatherers, philosophers began thinking about the limits of our models, and they started by asking…</a:t>
+            </a:r>
+            <a:endParaRPr lang="en-US" dirty="0" smtClean="0"/>
+          </a:p>
+          <a:p>
+            <a:r>
+              <a:rPr lang="en-US" dirty="0" smtClean="0"/>
+              <a:t>and then it took the form of…</a:t>
+            </a:r>
+          </a:p>
+          <a:p>
+            <a:r>
+              <a:rPr lang="en-US" dirty="0" smtClean="0"/>
+              <a:t>In other words, philosophers started investigating *epistemology</a:t>
+            </a:r>
+          </a:p>
+          <a:p>
+            <a:r>
+              <a:rPr lang="en-US" dirty="0" smtClean="0"/>
+              <a:t>Now</a:t>
+            </a:r>
+            <a:r>
+              <a:rPr lang="en-US" baseline="0" dirty="0" smtClean="0"/>
+              <a:t> for you history buffs, you might remember that epistemology split into two camps.  One camp is called the *rationalists, who proposed that we acquire all our knowledge through logic and reasoning.  They said that if we think </a:t>
+            </a:r>
+            <a:r>
+              <a:rPr lang="en-US" i="1" baseline="0" dirty="0" smtClean="0"/>
+              <a:t>really hard</a:t>
+            </a:r>
+            <a:r>
+              <a:rPr lang="en-US" baseline="0" dirty="0" smtClean="0"/>
+              <a:t>, we can discover all the knowledge of the universe.</a:t>
+            </a:r>
+          </a:p>
+          <a:p>
+            <a:r>
+              <a:rPr lang="en-US" baseline="0" dirty="0" smtClean="0"/>
+              <a:t>On the other extreme, another group of philosophers said “what!?  You rationalists just think </a:t>
+            </a:r>
+          </a:p>
+          <a:p>
+            <a:endParaRPr lang="en-US" baseline="0" dirty="0" smtClean="0"/>
+          </a:p>
+          <a:p>
+            <a:endParaRPr lang="en-US" dirty="0" smtClean="0"/>
+          </a:p>
+          <a:p>
+            <a:r>
+              <a:rPr lang="en-US" dirty="0" smtClean="0"/>
+              <a:t>Predictions</a:t>
+            </a:r>
+            <a:r>
+              <a:rPr lang="en-US" baseline="0" dirty="0" smtClean="0"/>
+              <a:t> </a:t>
+            </a:r>
+            <a:r>
+              <a:rPr lang="en-US" baseline="0" dirty="0" smtClean="0"/>
+              <a:t>provide a check on our imaginations</a:t>
+            </a:r>
             <a:endParaRPr lang="en-US" dirty="0"/>
           </a:p>
         </p:txBody>
@@ -1237,7 +1443,7 @@
     </p:spTree>
     <p:extLst>
       <p:ext uri="{BB962C8B-B14F-4D97-AF65-F5344CB8AC3E}">
-        <p14:creationId xmlns:p14="http://schemas.microsoft.com/office/powerpoint/2010/main" val="3681521282"/>
+        <p14:creationId xmlns:p14="http://schemas.microsoft.com/office/powerpoint/2010/main" val="2909639429"/>
       </p:ext>
     </p:extLst>
   </p:cSld>
@@ -1293,13 +1499,61 @@
           <a:p>
             <a:r>
               <a:rPr lang="en-US" dirty="0" smtClean="0"/>
-              <a:t>Predictions</a:t>
+              <a:t>D’s stance: You will</a:t>
             </a:r>
             <a:r>
               <a:rPr lang="en-US" baseline="0" dirty="0" smtClean="0"/>
-              <a:t> provide a check on our imaginations</a:t>
-            </a:r>
-            <a:endParaRPr lang="en-US" dirty="0"/>
+              <a:t> never know everything because there are limits on what you can measure.</a:t>
+            </a:r>
+            <a:endParaRPr lang="en-US" dirty="0" smtClean="0"/>
+          </a:p>
+          <a:p>
+            <a:r>
+              <a:rPr lang="en-US" dirty="0" smtClean="0"/>
+              <a:t>G’s counter:</a:t>
+            </a:r>
+            <a:r>
+              <a:rPr lang="en-US" baseline="0" dirty="0" smtClean="0"/>
+              <a:t> Your uncertainty is on a really small scale</a:t>
+            </a:r>
+          </a:p>
+          <a:p>
+            <a:r>
+              <a:rPr lang="en-US" baseline="0" dirty="0" smtClean="0"/>
+              <a:t>D’s response: Yea, but think about chaotic systems.  A small deviation in initial inputs to a chaotic system, even on the scale of 10^-30, leads to total divergence.  Your models will never be correct.</a:t>
+            </a:r>
+          </a:p>
+          <a:p>
+            <a:r>
+              <a:rPr lang="en-US" baseline="0" dirty="0" smtClean="0"/>
+              <a:t>G’s Stance:  Actually, we can model physical uncertainty with probability and randomness.  </a:t>
+            </a:r>
+          </a:p>
+          <a:p>
+            <a:r>
+              <a:rPr lang="en-US" baseline="0" dirty="0" smtClean="0"/>
+              <a:t>D’s Response:  You risk </a:t>
+            </a:r>
+            <a:r>
+              <a:rPr lang="en-US" baseline="0" dirty="0" err="1" smtClean="0"/>
+              <a:t>overfitting</a:t>
+            </a:r>
+            <a:r>
+              <a:rPr lang="en-US" baseline="0" dirty="0" smtClean="0"/>
+              <a:t> the data and mistake randomness with supposed order.  You also need HUGE sets of data to have a decent model.</a:t>
+            </a:r>
+          </a:p>
+          <a:p>
+            <a:r>
+              <a:rPr lang="en-US" baseline="0" dirty="0" smtClean="0"/>
+              <a:t>G’s stance: Ok, but you will never be correct either.   Your logical systems will never be complete without risking inconsistency.  And if you desire total consistency, then your system will be incomplete.</a:t>
+            </a:r>
+          </a:p>
+          <a:p>
+            <a:r>
+              <a:rPr lang="en-US" baseline="0" dirty="0" smtClean="0"/>
+              <a:t>D’s stance:  Well, we’re both fucked.</a:t>
+            </a:r>
           </a:p>
         </p:txBody>
       </p:sp>
@@ -1329,7 +1583,7 @@
     </p:spTree>
     <p:extLst>
       <p:ext uri="{BB962C8B-B14F-4D97-AF65-F5344CB8AC3E}">
-        <p14:creationId xmlns:p14="http://schemas.microsoft.com/office/powerpoint/2010/main" val="2909639429"/>
+        <p14:creationId xmlns:p14="http://schemas.microsoft.com/office/powerpoint/2010/main" val="3090895060"/>
       </p:ext>
     </p:extLst>
   </p:cSld>
@@ -1489,8 +1743,20 @@
             </a:r>
             <a:r>
               <a:rPr lang="en-US" baseline="0" dirty="0" smtClean="0"/>
-              <a:t> explain &amp; intervene given the limits of our models, but with the capabilities we do have, we can deliver the most likely explanations, predictions&amp; interventions.</a:t>
-            </a:r>
+              <a:t> explain &amp; intervene given the limits of our models, but with the capabilities we do have, we can deliver the most likely explanations, predictions&amp; interventions</a:t>
+            </a:r>
+            <a:r>
+              <a:rPr lang="en-US" baseline="0" dirty="0" smtClean="0"/>
+              <a:t>.</a:t>
+            </a:r>
+          </a:p>
+          <a:p>
+            <a:r>
+              <a:rPr lang="en-US" baseline="0" dirty="0" smtClean="0"/>
+              <a:t>BIC</a:t>
+            </a:r>
+          </a:p>
+          <a:p>
             <a:endParaRPr lang="en-US" dirty="0"/>
           </a:p>
         </p:txBody>
@@ -1692,20 +1958,15 @@
           <a:bodyPr/>
           <a:lstStyle/>
           <a:p>
-            <a:r>
-              <a:rPr lang="en-US" dirty="0" smtClean="0"/>
-              <a:t>Moving a bit</a:t>
-            </a:r>
-            <a:r>
-              <a:rPr lang="en-US" baseline="0" dirty="0" smtClean="0"/>
-              <a:t> further in time, many of the ancient humans asked the same questions: what do we do when our models—the results of all our work and thinking—fail?</a:t>
-            </a:r>
-          </a:p>
-          <a:p>
-            <a:r>
-              <a:rPr lang="en-US" baseline="0" dirty="0" smtClean="0"/>
-              <a:t>The first answer </a:t>
-            </a:r>
+            <a:pPr marL="0" lvl="1" defTabSz="966612">
+              <a:defRPr/>
+            </a:pPr>
+            <a:r>
+              <a:rPr lang="en-US" sz="2100" dirty="0"/>
+              <a:t>circumstances led to the Big Bang?</a:t>
+            </a:r>
+          </a:p>
+          <a:p>
             <a:endParaRPr lang="en-US" dirty="0"/>
           </a:p>
         </p:txBody>
@@ -1727,7 +1988,7 @@
           <a:p>
             <a:fld id="{C180C10F-8680-4BB3-ADF1-25C4DFA511CD}" type="slidenum">
               <a:rPr lang="en-US" smtClean="0"/>
-              <a:t>9</a:t>
+              <a:t>11</a:t>
             </a:fld>
             <a:endParaRPr lang="en-US"/>
           </a:p>
@@ -1736,7 +1997,7 @@
     </p:spTree>
     <p:extLst>
       <p:ext uri="{BB962C8B-B14F-4D97-AF65-F5344CB8AC3E}">
-        <p14:creationId xmlns:p14="http://schemas.microsoft.com/office/powerpoint/2010/main" val="1230397302"/>
+        <p14:creationId xmlns:p14="http://schemas.microsoft.com/office/powerpoint/2010/main" val="3681521282"/>
       </p:ext>
     </p:extLst>
   </p:cSld>
@@ -1927,7 +2188,7 @@
           <a:p>
             <a:fld id="{028801C9-EEE0-44A4-83C8-307F972F4A7F}" type="datetimeFigureOut">
               <a:rPr lang="en-US" smtClean="0"/>
-              <a:t>4/10/2013</a:t>
+              <a:t>4/15/2013</a:t>
             </a:fld>
             <a:endParaRPr lang="en-US"/>
           </a:p>
@@ -2097,7 +2358,7 @@
           <a:p>
             <a:fld id="{028801C9-EEE0-44A4-83C8-307F972F4A7F}" type="datetimeFigureOut">
               <a:rPr lang="en-US" smtClean="0"/>
-              <a:t>4/10/2013</a:t>
+              <a:t>4/15/2013</a:t>
             </a:fld>
             <a:endParaRPr lang="en-US"/>
           </a:p>
@@ -2277,7 +2538,7 @@
           <a:p>
             <a:fld id="{028801C9-EEE0-44A4-83C8-307F972F4A7F}" type="datetimeFigureOut">
               <a:rPr lang="en-US" smtClean="0"/>
-              <a:t>4/10/2013</a:t>
+              <a:t>4/15/2013</a:t>
             </a:fld>
             <a:endParaRPr lang="en-US"/>
           </a:p>
@@ -2447,7 +2708,7 @@
           <a:p>
             <a:fld id="{028801C9-EEE0-44A4-83C8-307F972F4A7F}" type="datetimeFigureOut">
               <a:rPr lang="en-US" smtClean="0"/>
-              <a:t>4/10/2013</a:t>
+              <a:t>4/15/2013</a:t>
             </a:fld>
             <a:endParaRPr lang="en-US"/>
           </a:p>
@@ -2693,7 +2954,7 @@
           <a:p>
             <a:fld id="{028801C9-EEE0-44A4-83C8-307F972F4A7F}" type="datetimeFigureOut">
               <a:rPr lang="en-US" smtClean="0"/>
-              <a:t>4/10/2013</a:t>
+              <a:t>4/15/2013</a:t>
             </a:fld>
             <a:endParaRPr lang="en-US"/>
           </a:p>
@@ -2981,7 +3242,7 @@
           <a:p>
             <a:fld id="{028801C9-EEE0-44A4-83C8-307F972F4A7F}" type="datetimeFigureOut">
               <a:rPr lang="en-US" smtClean="0"/>
-              <a:t>4/10/2013</a:t>
+              <a:t>4/15/2013</a:t>
             </a:fld>
             <a:endParaRPr lang="en-US"/>
           </a:p>
@@ -3403,7 +3664,7 @@
           <a:p>
             <a:fld id="{028801C9-EEE0-44A4-83C8-307F972F4A7F}" type="datetimeFigureOut">
               <a:rPr lang="en-US" smtClean="0"/>
-              <a:t>4/10/2013</a:t>
+              <a:t>4/15/2013</a:t>
             </a:fld>
             <a:endParaRPr lang="en-US"/>
           </a:p>
@@ -3521,7 +3782,7 @@
           <a:p>
             <a:fld id="{028801C9-EEE0-44A4-83C8-307F972F4A7F}" type="datetimeFigureOut">
               <a:rPr lang="en-US" smtClean="0"/>
-              <a:t>4/10/2013</a:t>
+              <a:t>4/15/2013</a:t>
             </a:fld>
             <a:endParaRPr lang="en-US"/>
           </a:p>
@@ -3616,7 +3877,7 @@
           <a:p>
             <a:fld id="{028801C9-EEE0-44A4-83C8-307F972F4A7F}" type="datetimeFigureOut">
               <a:rPr lang="en-US" smtClean="0"/>
-              <a:t>4/10/2013</a:t>
+              <a:t>4/15/2013</a:t>
             </a:fld>
             <a:endParaRPr lang="en-US"/>
           </a:p>
@@ -3893,7 +4154,7 @@
           <a:p>
             <a:fld id="{028801C9-EEE0-44A4-83C8-307F972F4A7F}" type="datetimeFigureOut">
               <a:rPr lang="en-US" smtClean="0"/>
-              <a:t>4/10/2013</a:t>
+              <a:t>4/15/2013</a:t>
             </a:fld>
             <a:endParaRPr lang="en-US"/>
           </a:p>
@@ -4146,7 +4407,7 @@
           <a:p>
             <a:fld id="{028801C9-EEE0-44A4-83C8-307F972F4A7F}" type="datetimeFigureOut">
               <a:rPr lang="en-US" smtClean="0"/>
-              <a:t>4/10/2013</a:t>
+              <a:t>4/15/2013</a:t>
             </a:fld>
             <a:endParaRPr lang="en-US"/>
           </a:p>
@@ -4359,7 +4620,7 @@
           <a:p>
             <a:fld id="{028801C9-EEE0-44A4-83C8-307F972F4A7F}" type="datetimeFigureOut">
               <a:rPr lang="en-US" smtClean="0"/>
-              <a:t>4/10/2013</a:t>
+              <a:t>4/15/2013</a:t>
             </a:fld>
             <a:endParaRPr lang="en-US"/>
           </a:p>
@@ -4832,6 +5093,341 @@
           <a:p>
             <a:r>
               <a:rPr lang="en-US" dirty="0" smtClean="0"/>
+              <a:t>Backup!</a:t>
+            </a:r>
+            <a:endParaRPr lang="en-US" dirty="0"/>
+          </a:p>
+        </p:txBody>
+      </p:sp>
+      <p:sp>
+        <p:nvSpPr>
+          <p:cNvPr id="3" name="Content Placeholder 2"/>
+          <p:cNvSpPr>
+            <a:spLocks noGrp="1"/>
+          </p:cNvSpPr>
+          <p:nvPr>
+            <p:ph idx="1"/>
+          </p:nvPr>
+        </p:nvSpPr>
+        <p:spPr/>
+        <p:txBody>
+          <a:bodyPr/>
+          <a:lstStyle/>
+          <a:p>
+            <a:endParaRPr lang="en-US"/>
+          </a:p>
+        </p:txBody>
+      </p:sp>
+    </p:spTree>
+    <p:extLst>
+      <p:ext uri="{BB962C8B-B14F-4D97-AF65-F5344CB8AC3E}">
+        <p14:creationId xmlns:p14="http://schemas.microsoft.com/office/powerpoint/2010/main" val="3455925566"/>
+      </p:ext>
+    </p:extLst>
+  </p:cSld>
+  <p:clrMapOvr>
+    <a:masterClrMapping/>
+  </p:clrMapOvr>
+  <p:timing>
+    <p:tnLst>
+      <p:par>
+        <p:cTn id="1" dur="indefinite" restart="never" nodeType="tmRoot"/>
+      </p:par>
+    </p:tnLst>
+  </p:timing>
+</p:sld>
+</file>
+
+<file path=ppt/slides/slide11.xml><?xml version="1.0" encoding="utf-8"?>
+<p:sld xmlns:a="http://schemas.openxmlformats.org/drawingml/2006/main" xmlns:r="http://schemas.openxmlformats.org/officeDocument/2006/relationships" xmlns:p="http://schemas.openxmlformats.org/presentationml/2006/main">
+  <p:cSld>
+    <p:spTree>
+      <p:nvGrpSpPr>
+        <p:cNvPr id="1" name=""/>
+        <p:cNvGrpSpPr/>
+        <p:nvPr/>
+      </p:nvGrpSpPr>
+      <p:grpSpPr>
+        <a:xfrm>
+          <a:off x="0" y="0"/>
+          <a:ext cx="0" cy="0"/>
+          <a:chOff x="0" y="0"/>
+          <a:chExt cx="0" cy="0"/>
+        </a:xfrm>
+      </p:grpSpPr>
+      <p:sp>
+        <p:nvSpPr>
+          <p:cNvPr id="2" name="Title 1"/>
+          <p:cNvSpPr>
+            <a:spLocks noGrp="1"/>
+          </p:cNvSpPr>
+          <p:nvPr>
+            <p:ph type="title"/>
+          </p:nvPr>
+        </p:nvSpPr>
+        <p:spPr/>
+        <p:txBody>
+          <a:bodyPr/>
+          <a:lstStyle/>
+          <a:p>
+            <a:r>
+              <a:rPr lang="en-US" dirty="0" smtClean="0"/>
+              <a:t>Modern Models</a:t>
+            </a:r>
+            <a:endParaRPr lang="en-US" dirty="0"/>
+          </a:p>
+        </p:txBody>
+      </p:sp>
+      <p:sp>
+        <p:nvSpPr>
+          <p:cNvPr id="3" name="Content Placeholder 2"/>
+          <p:cNvSpPr>
+            <a:spLocks noGrp="1"/>
+          </p:cNvSpPr>
+          <p:nvPr>
+            <p:ph idx="1"/>
+          </p:nvPr>
+        </p:nvSpPr>
+        <p:spPr>
+          <a:xfrm>
+            <a:off x="304800" y="1219200"/>
+            <a:ext cx="8610600" cy="5486400"/>
+          </a:xfrm>
+        </p:spPr>
+        <p:txBody>
+          <a:bodyPr>
+            <a:normAutofit/>
+          </a:bodyPr>
+          <a:lstStyle/>
+          <a:p>
+            <a:r>
+              <a:rPr lang="en-US" sz="2400" dirty="0" smtClean="0"/>
+              <a:t>Physics</a:t>
+            </a:r>
+          </a:p>
+          <a:p>
+            <a:pPr lvl="1"/>
+            <a:r>
+              <a:rPr lang="en-US" sz="2000" dirty="0" smtClean="0"/>
+              <a:t>Prediction: What is the path of an electron?</a:t>
+            </a:r>
+          </a:p>
+          <a:p>
+            <a:pPr lvl="1"/>
+            <a:r>
+              <a:rPr lang="en-US" sz="2000" dirty="0" smtClean="0"/>
+              <a:t>Explanation: What causes gravity?</a:t>
+            </a:r>
+          </a:p>
+          <a:p>
+            <a:pPr lvl="1"/>
+            <a:r>
+              <a:rPr lang="en-US" sz="2000" dirty="0" smtClean="0"/>
+              <a:t>Intervention: If we build a rocket and ignite it, will it launch into orbit?</a:t>
+            </a:r>
+          </a:p>
+          <a:p>
+            <a:r>
+              <a:rPr lang="en-US" sz="2400" dirty="0" smtClean="0"/>
+              <a:t>Finance</a:t>
+            </a:r>
+          </a:p>
+          <a:p>
+            <a:pPr lvl="1"/>
+            <a:r>
+              <a:rPr lang="en-US" sz="2000" dirty="0" smtClean="0"/>
+              <a:t>What will the value of Apple be in 3 months?</a:t>
+            </a:r>
+          </a:p>
+          <a:p>
+            <a:pPr lvl="1"/>
+            <a:r>
+              <a:rPr lang="en-US" sz="2000" dirty="0" smtClean="0"/>
+              <a:t>What circumstances led to the 2008 crash?</a:t>
+            </a:r>
+          </a:p>
+          <a:p>
+            <a:pPr lvl="1"/>
+            <a:r>
+              <a:rPr lang="en-US" sz="2000" dirty="0" smtClean="0"/>
+              <a:t>If the Federal Reserve repurchases treasury bonds, will inflation decrease?</a:t>
+            </a:r>
+          </a:p>
+          <a:p>
+            <a:r>
+              <a:rPr lang="en-US" sz="2400" dirty="0" smtClean="0"/>
+              <a:t>Music</a:t>
+            </a:r>
+          </a:p>
+          <a:p>
+            <a:pPr lvl="1"/>
+            <a:r>
+              <a:rPr lang="en-US" sz="2000" dirty="0" smtClean="0"/>
+              <a:t>How will it sound if a violin plays A, a Flute plays B, a Cello plays C, …</a:t>
+            </a:r>
+          </a:p>
+          <a:p>
+            <a:pPr lvl="1"/>
+            <a:r>
+              <a:rPr lang="en-US" sz="2000" dirty="0" smtClean="0"/>
+              <a:t>What leads an audience to most appreciate a sound? [psychology]</a:t>
+            </a:r>
+          </a:p>
+          <a:p>
+            <a:pPr lvl="1"/>
+            <a:r>
+              <a:rPr lang="en-US" sz="2000" dirty="0" smtClean="0"/>
+              <a:t>If we change the increase a tune’s time signature, will it appear faster?</a:t>
+            </a:r>
+          </a:p>
+          <a:p>
+            <a:r>
+              <a:rPr lang="en-US" sz="2400" dirty="0" smtClean="0"/>
+              <a:t>Love, History, Biology, Mathematics, Engineering, Health, …….</a:t>
+            </a:r>
+            <a:endParaRPr lang="en-US" sz="2000" dirty="0"/>
+          </a:p>
+        </p:txBody>
+      </p:sp>
+    </p:spTree>
+    <p:extLst>
+      <p:ext uri="{BB962C8B-B14F-4D97-AF65-F5344CB8AC3E}">
+        <p14:creationId xmlns:p14="http://schemas.microsoft.com/office/powerpoint/2010/main" val="1497312753"/>
+      </p:ext>
+    </p:extLst>
+  </p:cSld>
+  <p:clrMapOvr>
+    <a:masterClrMapping/>
+  </p:clrMapOvr>
+  <p:timing>
+    <p:tnLst>
+      <p:par>
+        <p:cTn id="1" dur="indefinite" restart="never" nodeType="tmRoot"/>
+      </p:par>
+    </p:tnLst>
+  </p:timing>
+</p:sld>
+</file>
+
+<file path=ppt/slides/slide12.xml><?xml version="1.0" encoding="utf-8"?>
+<p:sld xmlns:a="http://schemas.openxmlformats.org/drawingml/2006/main" xmlns:r="http://schemas.openxmlformats.org/officeDocument/2006/relationships" xmlns:p="http://schemas.openxmlformats.org/presentationml/2006/main">
+  <p:cSld>
+    <p:spTree>
+      <p:nvGrpSpPr>
+        <p:cNvPr id="1" name=""/>
+        <p:cNvGrpSpPr/>
+        <p:nvPr/>
+      </p:nvGrpSpPr>
+      <p:grpSpPr>
+        <a:xfrm>
+          <a:off x="0" y="0"/>
+          <a:ext cx="0" cy="0"/>
+          <a:chOff x="0" y="0"/>
+          <a:chExt cx="0" cy="0"/>
+        </a:xfrm>
+      </p:grpSpPr>
+      <p:sp>
+        <p:nvSpPr>
+          <p:cNvPr id="2" name="Title 1"/>
+          <p:cNvSpPr>
+            <a:spLocks noGrp="1"/>
+          </p:cNvSpPr>
+          <p:nvPr>
+            <p:ph type="title"/>
+          </p:nvPr>
+        </p:nvSpPr>
+        <p:spPr/>
+        <p:txBody>
+          <a:bodyPr/>
+          <a:lstStyle/>
+          <a:p>
+            <a:r>
+              <a:rPr lang="en-US" dirty="0" smtClean="0"/>
+              <a:t>On Failure</a:t>
+            </a:r>
+            <a:endParaRPr lang="en-US" dirty="0"/>
+          </a:p>
+        </p:txBody>
+      </p:sp>
+      <p:sp>
+        <p:nvSpPr>
+          <p:cNvPr id="3" name="Content Placeholder 2"/>
+          <p:cNvSpPr>
+            <a:spLocks noGrp="1"/>
+          </p:cNvSpPr>
+          <p:nvPr>
+            <p:ph idx="1"/>
+          </p:nvPr>
+        </p:nvSpPr>
+        <p:spPr/>
+        <p:txBody>
+          <a:bodyPr/>
+          <a:lstStyle/>
+          <a:p>
+            <a:r>
+              <a:rPr lang="en-US" dirty="0" smtClean="0"/>
+              <a:t>God messed up our models</a:t>
+            </a:r>
+          </a:p>
+          <a:p>
+            <a:endParaRPr lang="en-US" dirty="0"/>
+          </a:p>
+        </p:txBody>
+      </p:sp>
+    </p:spTree>
+    <p:extLst>
+      <p:ext uri="{BB962C8B-B14F-4D97-AF65-F5344CB8AC3E}">
+        <p14:creationId xmlns:p14="http://schemas.microsoft.com/office/powerpoint/2010/main" val="626368968"/>
+      </p:ext>
+    </p:extLst>
+  </p:cSld>
+  <p:clrMapOvr>
+    <a:masterClrMapping/>
+  </p:clrMapOvr>
+  <p:timing>
+    <p:tnLst>
+      <p:par>
+        <p:cTn id="1" dur="indefinite" restart="never" nodeType="tmRoot"/>
+      </p:par>
+    </p:tnLst>
+  </p:timing>
+</p:sld>
+</file>
+
+<file path=ppt/slides/slide13.xml><?xml version="1.0" encoding="utf-8"?>
+<p:sld xmlns:a="http://schemas.openxmlformats.org/drawingml/2006/main" xmlns:r="http://schemas.openxmlformats.org/officeDocument/2006/relationships" xmlns:p="http://schemas.openxmlformats.org/presentationml/2006/main">
+  <p:cSld>
+    <p:spTree>
+      <p:nvGrpSpPr>
+        <p:cNvPr id="1" name=""/>
+        <p:cNvGrpSpPr/>
+        <p:nvPr/>
+      </p:nvGrpSpPr>
+      <p:grpSpPr>
+        <a:xfrm>
+          <a:off x="0" y="0"/>
+          <a:ext cx="0" cy="0"/>
+          <a:chOff x="0" y="0"/>
+          <a:chExt cx="0" cy="0"/>
+        </a:xfrm>
+      </p:grpSpPr>
+      <p:sp>
+        <p:nvSpPr>
+          <p:cNvPr id="2" name="Title 1"/>
+          <p:cNvSpPr>
+            <a:spLocks noGrp="1"/>
+          </p:cNvSpPr>
+          <p:nvPr>
+            <p:ph type="title"/>
+          </p:nvPr>
+        </p:nvSpPr>
+        <p:spPr/>
+        <p:txBody>
+          <a:bodyPr/>
+          <a:lstStyle/>
+          <a:p>
+            <a:r>
+              <a:rPr lang="en-US" dirty="0" smtClean="0"/>
               <a:t>Failure…</a:t>
             </a:r>
             <a:endParaRPr lang="en-US" dirty="0"/>
@@ -5444,7 +6040,7 @@
 </p:sld>
 </file>
 
-<file path=ppt/slides/slide11.xml><?xml version="1.0" encoding="utf-8"?>
+<file path=ppt/slides/slide14.xml><?xml version="1.0" encoding="utf-8"?>
 <p:sld xmlns:a="http://schemas.openxmlformats.org/drawingml/2006/main" xmlns:r="http://schemas.openxmlformats.org/officeDocument/2006/relationships" xmlns:p="http://schemas.openxmlformats.org/presentationml/2006/main">
   <p:cSld>
     <p:spTree>
@@ -5824,6 +6420,230 @@
 </p:sld>
 </file>
 
+<file path=ppt/slides/slide15.xml><?xml version="1.0" encoding="utf-8"?>
+<p:sld xmlns:a="http://schemas.openxmlformats.org/drawingml/2006/main" xmlns:r="http://schemas.openxmlformats.org/officeDocument/2006/relationships" xmlns:p="http://schemas.openxmlformats.org/presentationml/2006/main">
+  <p:cSld>
+    <p:spTree>
+      <p:nvGrpSpPr>
+        <p:cNvPr id="1" name=""/>
+        <p:cNvGrpSpPr/>
+        <p:nvPr/>
+      </p:nvGrpSpPr>
+      <p:grpSpPr>
+        <a:xfrm>
+          <a:off x="0" y="0"/>
+          <a:ext cx="0" cy="0"/>
+          <a:chOff x="0" y="0"/>
+          <a:chExt cx="0" cy="0"/>
+        </a:xfrm>
+      </p:grpSpPr>
+      <p:sp>
+        <p:nvSpPr>
+          <p:cNvPr id="2" name="Title 1"/>
+          <p:cNvSpPr>
+            <a:spLocks noGrp="1"/>
+          </p:cNvSpPr>
+          <p:nvPr>
+            <p:ph type="title"/>
+          </p:nvPr>
+        </p:nvSpPr>
+        <p:spPr/>
+        <p:txBody>
+          <a:bodyPr/>
+          <a:lstStyle/>
+          <a:p>
+            <a:endParaRPr lang="en-US"/>
+          </a:p>
+        </p:txBody>
+      </p:sp>
+      <p:sp>
+        <p:nvSpPr>
+          <p:cNvPr id="4" name="Content Placeholder 2"/>
+          <p:cNvSpPr>
+            <a:spLocks noGrp="1"/>
+          </p:cNvSpPr>
+          <p:nvPr>
+            <p:ph idx="1"/>
+          </p:nvPr>
+        </p:nvSpPr>
+        <p:spPr/>
+        <p:txBody>
+          <a:bodyPr>
+            <a:normAutofit fontScale="70000" lnSpcReduction="20000"/>
+          </a:bodyPr>
+          <a:lstStyle/>
+          <a:p>
+            <a:r>
+              <a:rPr lang="en-US" dirty="0" smtClean="0"/>
+              <a:t>Push bandwidth (I/O</a:t>
+            </a:r>
+            <a:r>
+              <a:rPr lang="en-US" dirty="0" smtClean="0"/>
+              <a:t>)</a:t>
+            </a:r>
+            <a:endParaRPr lang="en-US" dirty="0" smtClean="0"/>
+          </a:p>
+          <a:p>
+            <a:pPr lvl="1"/>
+            <a:r>
+              <a:rPr lang="en-US" dirty="0" smtClean="0"/>
+              <a:t>Take in more data</a:t>
+            </a:r>
+          </a:p>
+          <a:p>
+            <a:pPr lvl="2"/>
+            <a:r>
+              <a:rPr lang="en-US" dirty="0" smtClean="0"/>
+              <a:t>Telescopes, microscopes, Geiger counters, Internet, …</a:t>
+            </a:r>
+          </a:p>
+          <a:p>
+            <a:pPr lvl="1"/>
+            <a:r>
+              <a:rPr lang="en-US" dirty="0" smtClean="0"/>
+              <a:t>Increase data’s relevant information content</a:t>
+            </a:r>
+          </a:p>
+          <a:p>
+            <a:pPr lvl="2"/>
+            <a:r>
+              <a:rPr lang="en-US" dirty="0" smtClean="0"/>
+              <a:t>Filtering tools, Search Engines</a:t>
+            </a:r>
+          </a:p>
+          <a:p>
+            <a:r>
+              <a:rPr lang="en-US" dirty="0" smtClean="0"/>
+              <a:t>Push Memory (RAM, Storage)</a:t>
+            </a:r>
+          </a:p>
+          <a:p>
+            <a:pPr lvl="1"/>
+            <a:r>
+              <a:rPr lang="en-US" dirty="0" smtClean="0"/>
+              <a:t>Summarize and condense (Hash)</a:t>
+            </a:r>
+          </a:p>
+          <a:p>
+            <a:pPr lvl="2"/>
+            <a:r>
+              <a:rPr lang="en-US" dirty="0" smtClean="0"/>
+              <a:t>Library catalog system, Internet</a:t>
+            </a:r>
+          </a:p>
+          <a:p>
+            <a:r>
+              <a:rPr lang="en-US" dirty="0" smtClean="0"/>
+              <a:t>Push Computation (Processor)</a:t>
+            </a:r>
+          </a:p>
+          <a:p>
+            <a:pPr lvl="1"/>
+            <a:r>
+              <a:rPr lang="en-US" dirty="0" smtClean="0"/>
+              <a:t>New ways of thinking </a:t>
+            </a:r>
+            <a:r>
+              <a:rPr lang="en-US" dirty="0" smtClean="0">
+                <a:sym typeface="Wingdings" pitchFamily="2" charset="2"/>
+              </a:rPr>
+              <a:t></a:t>
+            </a:r>
+            <a:r>
+              <a:rPr lang="en-US" dirty="0" smtClean="0"/>
+              <a:t> Theories</a:t>
+            </a:r>
+          </a:p>
+          <a:p>
+            <a:pPr lvl="2"/>
+            <a:r>
+              <a:rPr lang="en-US" dirty="0" smtClean="0"/>
+              <a:t>Graphical, Symbolic, Numerical, Audial, …</a:t>
+            </a:r>
+          </a:p>
+          <a:p>
+            <a:pPr lvl="2"/>
+            <a:r>
+              <a:rPr lang="en-US" dirty="0" smtClean="0"/>
+              <a:t>Statistics in Physics </a:t>
+            </a:r>
+            <a:r>
+              <a:rPr lang="en-US" dirty="0" smtClean="0">
+                <a:sym typeface="Wingdings" pitchFamily="2" charset="2"/>
+              </a:rPr>
+              <a:t> Classical to Probabilistic Model of Atom</a:t>
+            </a:r>
+            <a:endParaRPr lang="en-US" dirty="0" smtClean="0"/>
+          </a:p>
+          <a:p>
+            <a:pPr lvl="1"/>
+            <a:r>
+              <a:rPr lang="en-US" dirty="0" smtClean="0"/>
+              <a:t>Increase thinking efficiency</a:t>
+            </a:r>
+          </a:p>
+          <a:p>
+            <a:pPr lvl="2"/>
+            <a:r>
+              <a:rPr lang="en-US" dirty="0" smtClean="0"/>
+              <a:t>Stand on the shoulders of giants</a:t>
+            </a:r>
+            <a:endParaRPr lang="en-US" dirty="0"/>
+          </a:p>
+        </p:txBody>
+      </p:sp>
+      <p:sp>
+        <p:nvSpPr>
+          <p:cNvPr id="5" name="TextBox 4"/>
+          <p:cNvSpPr txBox="1"/>
+          <p:nvPr/>
+        </p:nvSpPr>
+        <p:spPr>
+          <a:xfrm>
+            <a:off x="234024" y="6172200"/>
+            <a:ext cx="6055889" cy="461665"/>
+          </a:xfrm>
+          <a:prstGeom prst="rect">
+            <a:avLst/>
+          </a:prstGeom>
+          <a:noFill/>
+        </p:spPr>
+        <p:txBody>
+          <a:bodyPr wrap="none" rtlCol="0">
+            <a:spAutoFit/>
+          </a:bodyPr>
+          <a:lstStyle/>
+          <a:p>
+            <a:r>
+              <a:rPr lang="en-US" sz="2400" b="1" dirty="0" smtClean="0">
+                <a:sym typeface="Wingdings" pitchFamily="2" charset="2"/>
+              </a:rPr>
+              <a:t>Push our Limits  Approach the God Machine</a:t>
+            </a:r>
+            <a:endParaRPr lang="en-US" sz="2400" b="1" dirty="0"/>
+          </a:p>
+        </p:txBody>
+      </p:sp>
+    </p:spTree>
+    <p:extLst>
+      <p:ext uri="{BB962C8B-B14F-4D97-AF65-F5344CB8AC3E}">
+        <p14:creationId xmlns:p14="http://schemas.microsoft.com/office/powerpoint/2010/main" val="2091362459"/>
+      </p:ext>
+    </p:extLst>
+  </p:cSld>
+  <p:clrMapOvr>
+    <a:masterClrMapping/>
+  </p:clrMapOvr>
+  <p:timing>
+    <p:tnLst>
+      <p:par>
+        <p:cTn id="1" dur="indefinite" restart="never" nodeType="tmRoot"/>
+      </p:par>
+    </p:tnLst>
+  </p:timing>
+</p:sld>
+</file>
+
 <file path=ppt/slides/slide2.xml><?xml version="1.0" encoding="utf-8"?>
 <p:sld xmlns:a="http://schemas.openxmlformats.org/drawingml/2006/main" xmlns:r="http://schemas.openxmlformats.org/officeDocument/2006/relationships" xmlns:p="http://schemas.openxmlformats.org/presentationml/2006/main">
   <p:cSld>
@@ -5881,28 +6701,31 @@
             </a:r>
           </a:p>
           <a:p>
-            <a:pPr lvl="1"/>
             <a:r>
               <a:rPr lang="en-US" dirty="0" smtClean="0"/>
-              <a:t>Modern Models</a:t>
+              <a:t>Human 	Limits</a:t>
             </a:r>
           </a:p>
           <a:p>
             <a:r>
               <a:rPr lang="en-US" dirty="0" smtClean="0"/>
-              <a:t>Limits</a:t>
+              <a:t>Ultimate	Limits</a:t>
             </a:r>
           </a:p>
           <a:p>
             <a:r>
               <a:rPr lang="en-US" dirty="0" smtClean="0"/>
-              <a:t>Push the Limits</a:t>
-            </a:r>
-          </a:p>
-          <a:p>
+              <a:t>Pushing 	Limits</a:t>
+            </a:r>
+          </a:p>
+          <a:p>
+            <a:r>
+              <a:rPr lang="en-US" i="1" dirty="0" smtClean="0"/>
+              <a:t>Why?</a:t>
+            </a:r>
             <a:r>
               <a:rPr lang="en-US" dirty="0" smtClean="0"/>
-              <a:t>Models &amp; Life</a:t>
+              <a:t> Models &amp; Life</a:t>
             </a:r>
             <a:endParaRPr lang="en-US" dirty="0"/>
           </a:p>
@@ -5916,7 +6739,7 @@
         </p:nvSpPr>
         <p:spPr>
           <a:xfrm>
-            <a:off x="5943600" y="4289605"/>
+            <a:off x="5446734" y="4343400"/>
             <a:ext cx="2028632" cy="1200329"/>
           </a:xfrm>
           <a:prstGeom prst="rect">
@@ -5946,6 +6769,249 @@
               <a:t>?</a:t>
             </a:r>
             <a:endParaRPr lang="en-US" sz="3600" dirty="0"/>
+          </a:p>
+        </p:txBody>
+      </p:sp>
+      <p:grpSp>
+        <p:nvGrpSpPr>
+          <p:cNvPr id="6" name="Group 5"/>
+          <p:cNvGrpSpPr/>
+          <p:nvPr/>
+        </p:nvGrpSpPr>
+        <p:grpSpPr>
+          <a:xfrm>
+            <a:off x="4419600" y="1752600"/>
+            <a:ext cx="4114800" cy="2032494"/>
+            <a:chOff x="2225750" y="4495800"/>
+            <a:chExt cx="4114800" cy="2032494"/>
+          </a:xfrm>
+        </p:grpSpPr>
+        <p:sp>
+          <p:nvSpPr>
+            <p:cNvPr id="5" name="Right Arrow 4"/>
+            <p:cNvSpPr/>
+            <p:nvPr/>
+          </p:nvSpPr>
+          <p:spPr>
+            <a:xfrm>
+              <a:off x="2225750" y="4916539"/>
+              <a:ext cx="1524000" cy="1143000"/>
+            </a:xfrm>
+            <a:prstGeom prst="rightArrow">
+              <a:avLst/>
+            </a:prstGeom>
+            <a:gradFill flip="none" rotWithShape="1">
+              <a:gsLst>
+                <a:gs pos="0">
+                  <a:schemeClr val="accent1">
+                    <a:shade val="30000"/>
+                    <a:satMod val="115000"/>
+                  </a:schemeClr>
+                </a:gs>
+                <a:gs pos="50000">
+                  <a:schemeClr val="accent1">
+                    <a:shade val="67500"/>
+                    <a:satMod val="115000"/>
+                  </a:schemeClr>
+                </a:gs>
+                <a:gs pos="100000">
+                  <a:schemeClr val="accent1">
+                    <a:shade val="100000"/>
+                    <a:satMod val="115000"/>
+                    <a:alpha val="27000"/>
+                  </a:schemeClr>
+                </a:gs>
+              </a:gsLst>
+              <a:lin ang="10800000" scaled="1"/>
+              <a:tileRect/>
+            </a:gradFill>
+            <a:ln>
+              <a:noFill/>
+            </a:ln>
+          </p:spPr>
+          <p:style>
+            <a:lnRef idx="2">
+              <a:schemeClr val="accent1">
+                <a:shade val="50000"/>
+              </a:schemeClr>
+            </a:lnRef>
+            <a:fillRef idx="1">
+              <a:schemeClr val="accent1"/>
+            </a:fillRef>
+            <a:effectRef idx="0">
+              <a:schemeClr val="accent1"/>
+            </a:effectRef>
+            <a:fontRef idx="minor">
+              <a:schemeClr val="lt1"/>
+            </a:fontRef>
+          </p:style>
+          <p:txBody>
+            <a:bodyPr rtlCol="0" anchor="ctr"/>
+            <a:lstStyle/>
+            <a:p>
+              <a:pPr algn="ctr"/>
+              <a:endParaRPr lang="en-US"/>
+            </a:p>
+          </p:txBody>
+        </p:sp>
+        <p:pic>
+          <p:nvPicPr>
+            <p:cNvPr id="1027" name="Picture 3" descr="C:\Users\Class2014\Documents\Dropbox\ModelTalk\box-icon-mod.jpg"/>
+            <p:cNvPicPr>
+              <a:picLocks noChangeAspect="1" noChangeArrowheads="1"/>
+            </p:cNvPicPr>
+            <p:nvPr/>
+          </p:nvPicPr>
+          <p:blipFill rotWithShape="1">
+            <a:blip r:embed="rId3" cstate="print">
+              <a:extLst>
+                <a:ext uri="{BEBA8EAE-BF5A-486C-A8C5-ECC9F3942E4B}">
+                  <a14:imgProps xmlns:a14="http://schemas.microsoft.com/office/drawing/2010/main">
+                    <a14:imgLayer r:embed="rId4">
+                      <a14:imgEffect>
+                        <a14:backgroundRemoval t="10000" b="90000" l="10000" r="90000"/>
+                      </a14:imgEffect>
+                    </a14:imgLayer>
+                  </a14:imgProps>
+                </a:ext>
+                <a:ext uri="{28A0092B-C50C-407E-A947-70E740481C1C}">
+                  <a14:useLocalDpi xmlns:a14="http://schemas.microsoft.com/office/drawing/2010/main" val="0"/>
+                </a:ext>
+              </a:extLst>
+            </a:blip>
+            <a:srcRect l="18905" t="8334" r="18507" b="8333"/>
+            <a:stretch/>
+          </p:blipFill>
+          <p:spPr bwMode="auto">
+            <a:xfrm>
+              <a:off x="3313134" y="4495800"/>
+              <a:ext cx="1908132" cy="2032494"/>
+            </a:xfrm>
+            <a:prstGeom prst="rect">
+              <a:avLst/>
+            </a:prstGeom>
+            <a:noFill/>
+            <a:extLst>
+              <a:ext uri="{909E8E84-426E-40DD-AFC4-6F175D3DCCD1}">
+                <a14:hiddenFill xmlns:a14="http://schemas.microsoft.com/office/drawing/2010/main">
+                  <a:solidFill>
+                    <a:srgbClr val="FFFFFF"/>
+                  </a:solidFill>
+                </a14:hiddenFill>
+              </a:ext>
+            </a:extLst>
+          </p:spPr>
+        </p:pic>
+        <p:sp>
+          <p:nvSpPr>
+            <p:cNvPr id="7" name="Right Arrow 6"/>
+            <p:cNvSpPr/>
+            <p:nvPr/>
+          </p:nvSpPr>
+          <p:spPr>
+            <a:xfrm>
+              <a:off x="4816550" y="4940547"/>
+              <a:ext cx="1524000" cy="1143000"/>
+            </a:xfrm>
+            <a:prstGeom prst="rightArrow">
+              <a:avLst/>
+            </a:prstGeom>
+            <a:gradFill flip="none" rotWithShape="1">
+              <a:gsLst>
+                <a:gs pos="0">
+                  <a:schemeClr val="accent1">
+                    <a:shade val="30000"/>
+                    <a:satMod val="115000"/>
+                  </a:schemeClr>
+                </a:gs>
+                <a:gs pos="50000">
+                  <a:schemeClr val="accent1">
+                    <a:shade val="67500"/>
+                    <a:satMod val="115000"/>
+                  </a:schemeClr>
+                </a:gs>
+                <a:gs pos="100000">
+                  <a:schemeClr val="accent1">
+                    <a:shade val="100000"/>
+                    <a:satMod val="115000"/>
+                    <a:alpha val="27000"/>
+                  </a:schemeClr>
+                </a:gs>
+              </a:gsLst>
+              <a:lin ang="10800000" scaled="1"/>
+              <a:tileRect/>
+            </a:gradFill>
+            <a:ln>
+              <a:noFill/>
+            </a:ln>
+          </p:spPr>
+          <p:style>
+            <a:lnRef idx="2">
+              <a:schemeClr val="accent1">
+                <a:shade val="50000"/>
+              </a:schemeClr>
+            </a:lnRef>
+            <a:fillRef idx="1">
+              <a:schemeClr val="accent1"/>
+            </a:fillRef>
+            <a:effectRef idx="0">
+              <a:schemeClr val="accent1"/>
+            </a:effectRef>
+            <a:fontRef idx="minor">
+              <a:schemeClr val="lt1"/>
+            </a:fontRef>
+          </p:style>
+          <p:txBody>
+            <a:bodyPr rtlCol="0" anchor="ctr"/>
+            <a:lstStyle/>
+            <a:p>
+              <a:pPr algn="ctr"/>
+              <a:endParaRPr lang="en-US"/>
+            </a:p>
+          </p:txBody>
+        </p:sp>
+      </p:grpSp>
+      <p:sp>
+        <p:nvSpPr>
+          <p:cNvPr id="8" name="Curved Down Arrow 7"/>
+          <p:cNvSpPr/>
+          <p:nvPr/>
+        </p:nvSpPr>
+        <p:spPr>
+          <a:xfrm rot="10800000">
+            <a:off x="4978053" y="3200401"/>
+            <a:ext cx="2740653" cy="914400"/>
+          </a:xfrm>
+          <a:prstGeom prst="curvedDownArrow">
+            <a:avLst/>
+          </a:prstGeom>
+        </p:spPr>
+        <p:style>
+          <a:lnRef idx="2">
+            <a:schemeClr val="accent1">
+              <a:shade val="50000"/>
+            </a:schemeClr>
+          </a:lnRef>
+          <a:fillRef idx="1">
+            <a:schemeClr val="accent1"/>
+          </a:fillRef>
+          <a:effectRef idx="0">
+            <a:schemeClr val="accent1"/>
+          </a:effectRef>
+          <a:fontRef idx="minor">
+            <a:schemeClr val="lt1"/>
+          </a:fontRef>
+        </p:style>
+        <p:txBody>
+          <a:bodyPr rtlCol="0" anchor="ctr"/>
+          <a:lstStyle/>
+          <a:p>
+            <a:pPr algn="ctr"/>
+            <a:endParaRPr lang="en-US">
+              <a:solidFill>
+                <a:schemeClr val="tx1"/>
+              </a:solidFill>
+            </a:endParaRPr>
           </a:p>
         </p:txBody>
       </p:sp>
@@ -6633,7 +7699,7 @@
         </p:blipFill>
         <p:spPr bwMode="auto">
           <a:xfrm>
-            <a:off x="228599" y="3579255"/>
+            <a:off x="228599" y="3905250"/>
             <a:ext cx="2428875" cy="590550"/>
           </a:xfrm>
           <a:prstGeom prst="rect">
@@ -6706,7 +7772,7 @@
         </p:blipFill>
         <p:spPr bwMode="auto">
           <a:xfrm>
-            <a:off x="228600" y="4405313"/>
+            <a:off x="0" y="4636058"/>
             <a:ext cx="4095750" cy="790575"/>
           </a:xfrm>
           <a:prstGeom prst="rect">
@@ -6769,7 +7835,7 @@
         </p:blipFill>
         <p:spPr bwMode="auto">
           <a:xfrm>
-            <a:off x="228599" y="5486400"/>
+            <a:off x="228599" y="5562600"/>
             <a:ext cx="3733800" cy="533400"/>
           </a:xfrm>
           <a:prstGeom prst="rect">
@@ -6827,6 +7893,36 @@
               <a:t>Inference Queries</a:t>
             </a:r>
             <a:endParaRPr lang="en-US" sz="2800" b="1" u="sng" dirty="0"/>
+          </a:p>
+        </p:txBody>
+      </p:sp>
+      <p:sp>
+        <p:nvSpPr>
+          <p:cNvPr id="3" name="TextBox 2"/>
+          <p:cNvSpPr txBox="1"/>
+          <p:nvPr/>
+        </p:nvSpPr>
+        <p:spPr>
+          <a:xfrm>
+            <a:off x="1676400" y="3569306"/>
+            <a:ext cx="1799467" cy="461665"/>
+          </a:xfrm>
+          <a:prstGeom prst="rect">
+            <a:avLst/>
+          </a:prstGeom>
+          <a:noFill/>
+        </p:spPr>
+        <p:txBody>
+          <a:bodyPr wrap="none" rtlCol="0">
+            <a:spAutoFit/>
+          </a:bodyPr>
+          <a:lstStyle/>
+          <a:p>
+            <a:r>
+              <a:rPr lang="en-US" sz="2400" i="1" dirty="0" smtClean="0"/>
+              <a:t>Computable!</a:t>
+            </a:r>
+            <a:endParaRPr lang="en-US" sz="2400" i="1" dirty="0"/>
           </a:p>
         </p:txBody>
       </p:sp>
@@ -7714,7 +8810,7 @@
                             </p:stCondLst>
                             <p:childTnLst>
                               <p:par>
-                                <p:cTn id="75" presetID="53" presetClass="entr" presetSubtype="16" fill="hold" grpId="0" nodeType="clickEffect">
+                                <p:cTn id="75" presetID="10" presetClass="entr" presetSubtype="0" fill="hold" grpId="0" nodeType="clickEffect">
                                   <p:stCondLst>
                                     <p:cond delay="0"/>
                                   </p:stCondLst>
@@ -7722,6 +8818,59 @@
                                     <p:set>
                                       <p:cBhvr>
                                         <p:cTn id="76" dur="1" fill="hold">
+                                          <p:stCondLst>
+                                            <p:cond delay="0"/>
+                                          </p:stCondLst>
+                                        </p:cTn>
+                                        <p:tgtEl>
+                                          <p:spTgt spid="3"/>
+                                        </p:tgtEl>
+                                        <p:attrNameLst>
+                                          <p:attrName>style.visibility</p:attrName>
+                                        </p:attrNameLst>
+                                      </p:cBhvr>
+                                      <p:to>
+                                        <p:strVal val="visible"/>
+                                      </p:to>
+                                    </p:set>
+                                    <p:animEffect transition="in" filter="fade">
+                                      <p:cBhvr>
+                                        <p:cTn id="77" dur="500"/>
+                                        <p:tgtEl>
+                                          <p:spTgt spid="3"/>
+                                        </p:tgtEl>
+                                      </p:cBhvr>
+                                    </p:animEffect>
+                                  </p:childTnLst>
+                                </p:cTn>
+                              </p:par>
+                            </p:childTnLst>
+                          </p:cTn>
+                        </p:par>
+                      </p:childTnLst>
+                    </p:cTn>
+                  </p:par>
+                  <p:par>
+                    <p:cTn id="78" fill="hold">
+                      <p:stCondLst>
+                        <p:cond delay="indefinite"/>
+                      </p:stCondLst>
+                      <p:childTnLst>
+                        <p:par>
+                          <p:cTn id="79" fill="hold">
+                            <p:stCondLst>
+                              <p:cond delay="0"/>
+                            </p:stCondLst>
+                            <p:childTnLst>
+                              <p:par>
+                                <p:cTn id="80" presetID="53" presetClass="entr" presetSubtype="16" fill="hold" grpId="0" nodeType="clickEffect">
+                                  <p:stCondLst>
+                                    <p:cond delay="0"/>
+                                  </p:stCondLst>
+                                  <p:childTnLst>
+                                    <p:set>
+                                      <p:cBhvr>
+                                        <p:cTn id="81" dur="1" fill="hold">
                                           <p:stCondLst>
                                             <p:cond delay="0"/>
                                           </p:stCondLst>
@@ -7739,7 +8888,7 @@
                                     </p:set>
                                     <p:anim calcmode="lin" valueType="num">
                                       <p:cBhvr>
-                                        <p:cTn id="77" dur="500" fill="hold"/>
+                                        <p:cTn id="82" dur="500" fill="hold"/>
                                         <p:tgtEl>
                                           <p:spTgt spid="23"/>
                                         </p:tgtEl>
@@ -7762,7 +8911,7 @@
                                     </p:anim>
                                     <p:anim calcmode="lin" valueType="num">
                                       <p:cBhvr>
-                                        <p:cTn id="78" dur="500" fill="hold"/>
+                                        <p:cTn id="83" dur="500" fill="hold"/>
                                         <p:tgtEl>
                                           <p:spTgt spid="23"/>
                                         </p:tgtEl>
@@ -7785,7 +8934,7 @@
                                     </p:anim>
                                     <p:animEffect transition="in" filter="fade">
                                       <p:cBhvr>
-                                        <p:cTn id="79" dur="500"/>
+                                        <p:cTn id="84" dur="500"/>
                                         <p:tgtEl>
                                           <p:spTgt spid="23"/>
                                         </p:tgtEl>
@@ -7829,183 +8978,13 @@
       <p:bldP spid="20" grpId="1" animBg="1"/>
       <p:bldP spid="23" grpId="0" animBg="1"/>
       <p:bldP spid="24" grpId="1"/>
+      <p:bldP spid="3" grpId="0"/>
     </p:bldLst>
   </p:timing>
 </p:sld>
 </file>
 
 <file path=ppt/slides/slide4.xml><?xml version="1.0" encoding="utf-8"?>
-<p:sld xmlns:a="http://schemas.openxmlformats.org/drawingml/2006/main" xmlns:r="http://schemas.openxmlformats.org/officeDocument/2006/relationships" xmlns:p="http://schemas.openxmlformats.org/presentationml/2006/main">
-  <p:cSld>
-    <p:spTree>
-      <p:nvGrpSpPr>
-        <p:cNvPr id="1" name=""/>
-        <p:cNvGrpSpPr/>
-        <p:nvPr/>
-      </p:nvGrpSpPr>
-      <p:grpSpPr>
-        <a:xfrm>
-          <a:off x="0" y="0"/>
-          <a:ext cx="0" cy="0"/>
-          <a:chOff x="0" y="0"/>
-          <a:chExt cx="0" cy="0"/>
-        </a:xfrm>
-      </p:grpSpPr>
-      <p:sp>
-        <p:nvSpPr>
-          <p:cNvPr id="2" name="Title 1"/>
-          <p:cNvSpPr>
-            <a:spLocks noGrp="1"/>
-          </p:cNvSpPr>
-          <p:nvPr>
-            <p:ph type="title"/>
-          </p:nvPr>
-        </p:nvSpPr>
-        <p:spPr/>
-        <p:txBody>
-          <a:bodyPr/>
-          <a:lstStyle/>
-          <a:p>
-            <a:r>
-              <a:rPr lang="en-US" dirty="0" smtClean="0"/>
-              <a:t>Modern Models</a:t>
-            </a:r>
-            <a:endParaRPr lang="en-US" dirty="0"/>
-          </a:p>
-        </p:txBody>
-      </p:sp>
-      <p:sp>
-        <p:nvSpPr>
-          <p:cNvPr id="3" name="Content Placeholder 2"/>
-          <p:cNvSpPr>
-            <a:spLocks noGrp="1"/>
-          </p:cNvSpPr>
-          <p:nvPr>
-            <p:ph idx="1"/>
-          </p:nvPr>
-        </p:nvSpPr>
-        <p:spPr>
-          <a:xfrm>
-            <a:off x="304800" y="1219200"/>
-            <a:ext cx="8610600" cy="5486400"/>
-          </a:xfrm>
-        </p:spPr>
-        <p:txBody>
-          <a:bodyPr>
-            <a:normAutofit/>
-          </a:bodyPr>
-          <a:lstStyle/>
-          <a:p>
-            <a:r>
-              <a:rPr lang="en-US" sz="2400" dirty="0" smtClean="0"/>
-              <a:t>Physics</a:t>
-            </a:r>
-          </a:p>
-          <a:p>
-            <a:pPr lvl="1"/>
-            <a:r>
-              <a:rPr lang="en-US" sz="2000" dirty="0" smtClean="0"/>
-              <a:t>Prediction: What is the path of an electron?</a:t>
-            </a:r>
-          </a:p>
-          <a:p>
-            <a:pPr lvl="1"/>
-            <a:r>
-              <a:rPr lang="en-US" sz="2000" dirty="0" smtClean="0"/>
-              <a:t>Explanation: What causes gravity?</a:t>
-            </a:r>
-          </a:p>
-          <a:p>
-            <a:pPr lvl="1"/>
-            <a:r>
-              <a:rPr lang="en-US" sz="2000" dirty="0" smtClean="0"/>
-              <a:t>Intervention: If we build a rocket and ignite it, will it launch into orbit?</a:t>
-            </a:r>
-          </a:p>
-          <a:p>
-            <a:r>
-              <a:rPr lang="en-US" sz="2400" dirty="0" smtClean="0"/>
-              <a:t>Finance</a:t>
-            </a:r>
-          </a:p>
-          <a:p>
-            <a:pPr lvl="1"/>
-            <a:r>
-              <a:rPr lang="en-US" sz="2000" dirty="0" smtClean="0"/>
-              <a:t>What will the value of Apple be in 3 months?</a:t>
-            </a:r>
-          </a:p>
-          <a:p>
-            <a:pPr lvl="1"/>
-            <a:r>
-              <a:rPr lang="en-US" sz="2000" dirty="0" smtClean="0"/>
-              <a:t>What circumstances led to the 2008 crash?</a:t>
-            </a:r>
-          </a:p>
-          <a:p>
-            <a:pPr lvl="1"/>
-            <a:r>
-              <a:rPr lang="en-US" sz="2000" dirty="0" smtClean="0"/>
-              <a:t>If the Federal Reserve repurchases treasury bonds, will inflation decrease?</a:t>
-            </a:r>
-          </a:p>
-          <a:p>
-            <a:r>
-              <a:rPr lang="en-US" sz="2400" dirty="0" smtClean="0"/>
-              <a:t>Music</a:t>
-            </a:r>
-          </a:p>
-          <a:p>
-            <a:pPr lvl="1"/>
-            <a:r>
-              <a:rPr lang="en-US" sz="2000" dirty="0" smtClean="0"/>
-              <a:t>How will it sound if a violin plays A, a Flute plays B, a Cello plays C, …</a:t>
-            </a:r>
-          </a:p>
-          <a:p>
-            <a:pPr lvl="1"/>
-            <a:r>
-              <a:rPr lang="en-US" sz="2000" dirty="0" smtClean="0"/>
-              <a:t>What leads an audience to most appreciate a sound? [psychology]</a:t>
-            </a:r>
-          </a:p>
-          <a:p>
-            <a:pPr lvl="1"/>
-            <a:r>
-              <a:rPr lang="en-US" sz="2000" dirty="0" smtClean="0"/>
-              <a:t>If we change the increase a tune’s time signature, will it appear faster?</a:t>
-            </a:r>
-          </a:p>
-          <a:p>
-            <a:r>
-              <a:rPr lang="en-US" sz="2400" dirty="0" smtClean="0"/>
-              <a:t>Love, History, Biology, Mathematics, Engineering, Health, …….</a:t>
-            </a:r>
-            <a:endParaRPr lang="en-US" sz="2000" dirty="0"/>
-          </a:p>
-        </p:txBody>
-      </p:sp>
-    </p:spTree>
-    <p:extLst>
-      <p:ext uri="{BB962C8B-B14F-4D97-AF65-F5344CB8AC3E}">
-        <p14:creationId xmlns:p14="http://schemas.microsoft.com/office/powerpoint/2010/main" val="1497312753"/>
-      </p:ext>
-    </p:extLst>
-  </p:cSld>
-  <p:clrMapOvr>
-    <a:masterClrMapping/>
-  </p:clrMapOvr>
-  <p:timing>
-    <p:tnLst>
-      <p:par>
-        <p:cTn id="1" dur="indefinite" restart="never" nodeType="tmRoot"/>
-      </p:par>
-    </p:tnLst>
-  </p:timing>
-</p:sld>
-</file>
-
-<file path=ppt/slides/slide5.xml><?xml version="1.0" encoding="utf-8"?>
 <p:sld xmlns:a="http://schemas.openxmlformats.org/drawingml/2006/main" xmlns:r="http://schemas.openxmlformats.org/officeDocument/2006/relationships" xmlns:p="http://schemas.openxmlformats.org/presentationml/2006/main">
   <p:cSld>
     <p:spTree>
@@ -8723,10 +9702,10 @@
         </p:nvGrpSpPr>
         <p:grpSpPr>
           <a:xfrm>
-            <a:off x="155735" y="4819471"/>
-            <a:ext cx="5577180" cy="1200329"/>
-            <a:chOff x="155735" y="4819471"/>
-            <a:chExt cx="5577180" cy="1200329"/>
+            <a:off x="800684" y="4722762"/>
+            <a:ext cx="2094916" cy="1569659"/>
+            <a:chOff x="1206416" y="4842325"/>
+            <a:chExt cx="3996303" cy="858440"/>
           </a:xfrm>
         </p:grpSpPr>
         <p:sp>
@@ -8737,8 +9716,8 @@
           </p:nvSpPr>
           <p:spPr>
             <a:xfrm>
-              <a:off x="155735" y="4819471"/>
-              <a:ext cx="5483066" cy="1200329"/>
+              <a:off x="1206416" y="4842325"/>
+              <a:ext cx="3996303" cy="858440"/>
             </a:xfrm>
             <a:prstGeom prst="rect">
               <a:avLst/>
@@ -8757,36 +9736,49 @@
             </a:bodyPr>
             <a:lstStyle/>
             <a:p>
+              <a:pPr algn="ctr"/>
+              <a:r>
+                <a:rPr lang="en-US" sz="2400" i="1" u="sng" dirty="0" smtClean="0"/>
+                <a:t>God-Machine?</a:t>
+              </a:r>
+              <a:endParaRPr lang="en-US" sz="2400" u="sng" dirty="0" smtClean="0"/>
+            </a:p>
+            <a:p>
               <a:r>
                 <a:rPr lang="en-US" sz="2400" dirty="0" smtClean="0"/>
-                <a:t>	    Leibniz: </a:t>
+                <a:t>∞ </a:t>
               </a:r>
               <a:r>
-                <a:rPr lang="en-US" sz="2400" i="1" dirty="0" smtClean="0"/>
-                <a:t>God-Machine</a:t>
+                <a:rPr lang="en-US" sz="2400" dirty="0" smtClean="0"/>
+                <a:t>processing</a:t>
+              </a:r>
+            </a:p>
+            <a:p>
+              <a:r>
+                <a:rPr lang="en-US" sz="2400" dirty="0"/>
+                <a:t>∞ memory</a:t>
               </a:r>
               <a:endParaRPr lang="en-US" sz="2400" dirty="0" smtClean="0"/>
             </a:p>
             <a:p>
-              <a:pPr marL="342900" indent="-342900">
-                <a:buFont typeface="Arial" pitchFamily="34" charset="0"/>
-                <a:buChar char="•"/>
-              </a:pPr>
+              <a:pPr lvl="0"/>
               <a:r>
-                <a:rPr lang="en-US" sz="2400" dirty="0" smtClean="0"/>
-                <a:t>Infinite processing</a:t>
+                <a:rPr lang="en-US" sz="2400" dirty="0"/>
+                <a:t>∞ </a:t>
               </a:r>
-            </a:p>
-            <a:p>
-              <a:pPr marL="342900" indent="-342900">
-                <a:buFont typeface="Arial" pitchFamily="34" charset="0"/>
-                <a:buChar char="•"/>
-              </a:pPr>
               <a:r>
-                <a:rPr lang="en-US" sz="2400" dirty="0" smtClean="0"/>
-                <a:t>Infinite memory</a:t>
+                <a:rPr lang="en-US" sz="2400" dirty="0" smtClean="0">
+                  <a:solidFill>
+                    <a:prstClr val="black"/>
+                  </a:solidFill>
+                </a:rPr>
+                <a:t>bandwidth</a:t>
               </a:r>
-              <a:endParaRPr lang="en-US" sz="2400" dirty="0"/>
+              <a:endParaRPr lang="en-US" sz="2400" dirty="0">
+                <a:solidFill>
+                  <a:prstClr val="black"/>
+                </a:solidFill>
+              </a:endParaRPr>
             </a:p>
           </p:txBody>
         </p:sp>
@@ -8799,7 +9791,7 @@
           <p:spPr>
             <a:xfrm>
               <a:off x="2895600" y="5177135"/>
-              <a:ext cx="2837315" cy="461665"/>
+              <a:ext cx="837233" cy="252483"/>
             </a:xfrm>
             <a:prstGeom prst="rect">
               <a:avLst/>
@@ -8818,22 +9810,6 @@
                 <a:buFont typeface="Arial" pitchFamily="34" charset="0"/>
                 <a:buChar char="•"/>
               </a:pPr>
-              <a:r>
-                <a:rPr lang="en-US" sz="2400" dirty="0">
-                  <a:solidFill>
-                    <a:prstClr val="black"/>
-                  </a:solidFill>
-                </a:rPr>
-                <a:t>Infinite </a:t>
-              </a:r>
-              <a:r>
-                <a:rPr lang="en-US" sz="2400" dirty="0" smtClean="0">
-                  <a:solidFill>
-                    <a:prstClr val="black"/>
-                  </a:solidFill>
-                </a:rPr>
-                <a:t>bandwidth</a:t>
-              </a:r>
               <a:endParaRPr lang="en-US" sz="2400" dirty="0">
                 <a:solidFill>
                   <a:prstClr val="black"/>
@@ -8845,22 +9821,35 @@
       </p:grpSp>
       <p:sp>
         <p:nvSpPr>
-          <p:cNvPr id="45" name="TextBox 44"/>
+          <p:cNvPr id="26" name="TextBox 25"/>
           <p:cNvSpPr txBox="1"/>
           <p:nvPr/>
         </p:nvSpPr>
         <p:spPr>
           <a:xfrm>
-            <a:off x="234024" y="6172200"/>
-            <a:ext cx="6055889" cy="461665"/>
+            <a:off x="3448748" y="5280629"/>
+            <a:ext cx="2611089" cy="830997"/>
           </a:xfrm>
           <a:prstGeom prst="rect">
             <a:avLst/>
           </a:prstGeom>
-          <a:noFill/>
+          <a:solidFill>
+            <a:schemeClr val="accent1">
+              <a:lumMod val="20000"/>
+              <a:lumOff val="80000"/>
+            </a:schemeClr>
+          </a:solidFill>
+          <a:effectLst>
+            <a:glow rad="139700">
+              <a:schemeClr val="accent1">
+                <a:satMod val="175000"/>
+                <a:alpha val="40000"/>
+              </a:schemeClr>
+            </a:glow>
+          </a:effectLst>
         </p:spPr>
         <p:txBody>
-          <a:bodyPr wrap="none" rtlCol="0">
+          <a:bodyPr wrap="square" rtlCol="0">
             <a:spAutoFit/>
           </a:bodyPr>
           <a:lstStyle/>
@@ -8869,19 +9858,19 @@
               <a:rPr lang="en-US" sz="2400" b="1" dirty="0" smtClean="0">
                 <a:sym typeface="Wingdings" pitchFamily="2" charset="2"/>
               </a:rPr>
-              <a:t>Push </a:t>
+              <a:t>Can we reach the </a:t>
             </a:r>
             <a:r>
               <a:rPr lang="en-US" sz="2400" b="1" dirty="0" smtClean="0">
                 <a:sym typeface="Wingdings" pitchFamily="2" charset="2"/>
               </a:rPr>
-              <a:t>our Limits </a:t>
+              <a:t>God </a:t>
             </a:r>
             <a:r>
               <a:rPr lang="en-US" sz="2400" b="1" dirty="0" smtClean="0">
                 <a:sym typeface="Wingdings" pitchFamily="2" charset="2"/>
               </a:rPr>
-              <a:t> Approach the God Machine</a:t>
+              <a:t>Machine?</a:t>
             </a:r>
             <a:endParaRPr lang="en-US" sz="2400" b="1" dirty="0"/>
           </a:p>
@@ -8891,6 +9880,960 @@
     <p:extLst>
       <p:ext uri="{BB962C8B-B14F-4D97-AF65-F5344CB8AC3E}">
         <p14:creationId xmlns:p14="http://schemas.microsoft.com/office/powerpoint/2010/main" val="3513249876"/>
+      </p:ext>
+    </p:extLst>
+  </p:cSld>
+  <p:clrMapOvr>
+    <a:masterClrMapping/>
+  </p:clrMapOvr>
+  <p:timing>
+    <p:tnLst>
+      <p:par>
+        <p:cTn id="1" dur="indefinite" restart="never" nodeType="tmRoot">
+          <p:childTnLst>
+            <p:seq concurrent="1" nextAc="seek">
+              <p:cTn id="2" dur="indefinite" nodeType="mainSeq">
+                <p:childTnLst>
+                  <p:par>
+                    <p:cTn id="3" fill="hold">
+                      <p:stCondLst>
+                        <p:cond delay="indefinite"/>
+                      </p:stCondLst>
+                      <p:childTnLst>
+                        <p:par>
+                          <p:cTn id="4" fill="hold">
+                            <p:stCondLst>
+                              <p:cond delay="0"/>
+                            </p:stCondLst>
+                            <p:childTnLst>
+                              <p:par>
+                                <p:cTn id="5" presetID="10" presetClass="entr" presetSubtype="0" fill="hold" grpId="0" nodeType="clickEffect">
+                                  <p:stCondLst>
+                                    <p:cond delay="0"/>
+                                  </p:stCondLst>
+                                  <p:childTnLst>
+                                    <p:set>
+                                      <p:cBhvr>
+                                        <p:cTn id="6" dur="1" fill="hold">
+                                          <p:stCondLst>
+                                            <p:cond delay="0"/>
+                                          </p:stCondLst>
+                                        </p:cTn>
+                                        <p:tgtEl>
+                                          <p:spTgt spid="4"/>
+                                        </p:tgtEl>
+                                        <p:attrNameLst>
+                                          <p:attrName>style.visibility</p:attrName>
+                                        </p:attrNameLst>
+                                      </p:cBhvr>
+                                      <p:to>
+                                        <p:strVal val="visible"/>
+                                      </p:to>
+                                    </p:set>
+                                    <p:animEffect transition="in" filter="fade">
+                                      <p:cBhvr>
+                                        <p:cTn id="7" dur="500"/>
+                                        <p:tgtEl>
+                                          <p:spTgt spid="4"/>
+                                        </p:tgtEl>
+                                      </p:cBhvr>
+                                    </p:animEffect>
+                                  </p:childTnLst>
+                                </p:cTn>
+                              </p:par>
+                              <p:par>
+                                <p:cTn id="8" presetID="10" presetClass="entr" presetSubtype="0" fill="hold" nodeType="withEffect">
+                                  <p:stCondLst>
+                                    <p:cond delay="0"/>
+                                  </p:stCondLst>
+                                  <p:childTnLst>
+                                    <p:set>
+                                      <p:cBhvr>
+                                        <p:cTn id="9" dur="1" fill="hold">
+                                          <p:stCondLst>
+                                            <p:cond delay="0"/>
+                                          </p:stCondLst>
+                                        </p:cTn>
+                                        <p:tgtEl>
+                                          <p:spTgt spid="4">
+                                            <p:txEl>
+                                              <p:pRg st="0" end="0"/>
+                                            </p:txEl>
+                                          </p:spTgt>
+                                        </p:tgtEl>
+                                        <p:attrNameLst>
+                                          <p:attrName>style.visibility</p:attrName>
+                                        </p:attrNameLst>
+                                      </p:cBhvr>
+                                      <p:to>
+                                        <p:strVal val="visible"/>
+                                      </p:to>
+                                    </p:set>
+                                    <p:animEffect transition="in" filter="fade">
+                                      <p:cBhvr>
+                                        <p:cTn id="10" dur="500"/>
+                                        <p:tgtEl>
+                                          <p:spTgt spid="4">
+                                            <p:txEl>
+                                              <p:pRg st="0" end="0"/>
+                                            </p:txEl>
+                                          </p:spTgt>
+                                        </p:tgtEl>
+                                      </p:cBhvr>
+                                    </p:animEffect>
+                                  </p:childTnLst>
+                                </p:cTn>
+                              </p:par>
+                            </p:childTnLst>
+                          </p:cTn>
+                        </p:par>
+                      </p:childTnLst>
+                    </p:cTn>
+                  </p:par>
+                  <p:par>
+                    <p:cTn id="11" fill="hold">
+                      <p:stCondLst>
+                        <p:cond delay="indefinite"/>
+                      </p:stCondLst>
+                      <p:childTnLst>
+                        <p:par>
+                          <p:cTn id="12" fill="hold">
+                            <p:stCondLst>
+                              <p:cond delay="0"/>
+                            </p:stCondLst>
+                            <p:childTnLst>
+                              <p:par>
+                                <p:cTn id="13" presetID="1" presetClass="entr" presetSubtype="0" fill="hold" nodeType="clickEffect">
+                                  <p:stCondLst>
+                                    <p:cond delay="0"/>
+                                  </p:stCondLst>
+                                  <p:childTnLst>
+                                    <p:set>
+                                      <p:cBhvr>
+                                        <p:cTn id="14" dur="1" fill="hold">
+                                          <p:stCondLst>
+                                            <p:cond delay="0"/>
+                                          </p:stCondLst>
+                                        </p:cTn>
+                                        <p:tgtEl>
+                                          <p:spTgt spid="4">
+                                            <p:txEl>
+                                              <p:pRg st="1" end="1"/>
+                                            </p:txEl>
+                                          </p:spTgt>
+                                        </p:tgtEl>
+                                        <p:attrNameLst>
+                                          <p:attrName>style.visibility</p:attrName>
+                                        </p:attrNameLst>
+                                      </p:cBhvr>
+                                      <p:to>
+                                        <p:strVal val="visible"/>
+                                      </p:to>
+                                    </p:set>
+                                  </p:childTnLst>
+                                </p:cTn>
+                              </p:par>
+                            </p:childTnLst>
+                          </p:cTn>
+                        </p:par>
+                      </p:childTnLst>
+                    </p:cTn>
+                  </p:par>
+                  <p:par>
+                    <p:cTn id="15" fill="hold">
+                      <p:stCondLst>
+                        <p:cond delay="indefinite"/>
+                      </p:stCondLst>
+                      <p:childTnLst>
+                        <p:par>
+                          <p:cTn id="16" fill="hold">
+                            <p:stCondLst>
+                              <p:cond delay="0"/>
+                            </p:stCondLst>
+                            <p:childTnLst>
+                              <p:par>
+                                <p:cTn id="17" presetID="14" presetClass="entr" presetSubtype="10" fill="hold" grpId="0" nodeType="clickEffect">
+                                  <p:stCondLst>
+                                    <p:cond delay="0"/>
+                                  </p:stCondLst>
+                                  <p:childTnLst>
+                                    <p:set>
+                                      <p:cBhvr>
+                                        <p:cTn id="18" dur="1" fill="hold">
+                                          <p:stCondLst>
+                                            <p:cond delay="0"/>
+                                          </p:stCondLst>
+                                        </p:cTn>
+                                        <p:tgtEl>
+                                          <p:spTgt spid="5"/>
+                                        </p:tgtEl>
+                                        <p:attrNameLst>
+                                          <p:attrName>style.visibility</p:attrName>
+                                        </p:attrNameLst>
+                                      </p:cBhvr>
+                                      <p:to>
+                                        <p:strVal val="visible"/>
+                                      </p:to>
+                                    </p:set>
+                                    <p:animEffect transition="in" filter="randombar(horizontal)">
+                                      <p:cBhvr>
+                                        <p:cTn id="19" dur="500"/>
+                                        <p:tgtEl>
+                                          <p:spTgt spid="5"/>
+                                        </p:tgtEl>
+                                      </p:cBhvr>
+                                    </p:animEffect>
+                                  </p:childTnLst>
+                                </p:cTn>
+                              </p:par>
+                              <p:par>
+                                <p:cTn id="20" presetID="10" presetClass="entr" presetSubtype="0" fill="hold" grpId="0" nodeType="withEffect">
+                                  <p:stCondLst>
+                                    <p:cond delay="0"/>
+                                  </p:stCondLst>
+                                  <p:childTnLst>
+                                    <p:set>
+                                      <p:cBhvr>
+                                        <p:cTn id="21" dur="1" fill="hold">
+                                          <p:stCondLst>
+                                            <p:cond delay="0"/>
+                                          </p:stCondLst>
+                                        </p:cTn>
+                                        <p:tgtEl>
+                                          <p:spTgt spid="9"/>
+                                        </p:tgtEl>
+                                        <p:attrNameLst>
+                                          <p:attrName>style.visibility</p:attrName>
+                                        </p:attrNameLst>
+                                      </p:cBhvr>
+                                      <p:to>
+                                        <p:strVal val="visible"/>
+                                      </p:to>
+                                    </p:set>
+                                    <p:animEffect transition="in" filter="fade">
+                                      <p:cBhvr>
+                                        <p:cTn id="22" dur="500"/>
+                                        <p:tgtEl>
+                                          <p:spTgt spid="9"/>
+                                        </p:tgtEl>
+                                      </p:cBhvr>
+                                    </p:animEffect>
+                                  </p:childTnLst>
+                                </p:cTn>
+                              </p:par>
+                            </p:childTnLst>
+                          </p:cTn>
+                        </p:par>
+                      </p:childTnLst>
+                    </p:cTn>
+                  </p:par>
+                  <p:par>
+                    <p:cTn id="23" fill="hold">
+                      <p:stCondLst>
+                        <p:cond delay="indefinite"/>
+                      </p:stCondLst>
+                      <p:childTnLst>
+                        <p:par>
+                          <p:cTn id="24" fill="hold">
+                            <p:stCondLst>
+                              <p:cond delay="0"/>
+                            </p:stCondLst>
+                            <p:childTnLst>
+                              <p:par>
+                                <p:cTn id="25" presetID="10" presetClass="entr" presetSubtype="0" fill="hold" grpId="0" nodeType="clickEffect">
+                                  <p:stCondLst>
+                                    <p:cond delay="0"/>
+                                  </p:stCondLst>
+                                  <p:childTnLst>
+                                    <p:set>
+                                      <p:cBhvr>
+                                        <p:cTn id="26" dur="1" fill="hold">
+                                          <p:stCondLst>
+                                            <p:cond delay="0"/>
+                                          </p:stCondLst>
+                                        </p:cTn>
+                                        <p:tgtEl>
+                                          <p:spTgt spid="14"/>
+                                        </p:tgtEl>
+                                        <p:attrNameLst>
+                                          <p:attrName>style.visibility</p:attrName>
+                                        </p:attrNameLst>
+                                      </p:cBhvr>
+                                      <p:to>
+                                        <p:strVal val="visible"/>
+                                      </p:to>
+                                    </p:set>
+                                    <p:animEffect transition="in" filter="fade">
+                                      <p:cBhvr>
+                                        <p:cTn id="27" dur="500"/>
+                                        <p:tgtEl>
+                                          <p:spTgt spid="14"/>
+                                        </p:tgtEl>
+                                      </p:cBhvr>
+                                    </p:animEffect>
+                                  </p:childTnLst>
+                                </p:cTn>
+                              </p:par>
+                              <p:par>
+                                <p:cTn id="28" presetID="10" presetClass="entr" presetSubtype="0" fill="hold" nodeType="withEffect">
+                                  <p:stCondLst>
+                                    <p:cond delay="0"/>
+                                  </p:stCondLst>
+                                  <p:childTnLst>
+                                    <p:set>
+                                      <p:cBhvr>
+                                        <p:cTn id="29" dur="1" fill="hold">
+                                          <p:stCondLst>
+                                            <p:cond delay="0"/>
+                                          </p:stCondLst>
+                                        </p:cTn>
+                                        <p:tgtEl>
+                                          <p:spTgt spid="15"/>
+                                        </p:tgtEl>
+                                        <p:attrNameLst>
+                                          <p:attrName>style.visibility</p:attrName>
+                                        </p:attrNameLst>
+                                      </p:cBhvr>
+                                      <p:to>
+                                        <p:strVal val="visible"/>
+                                      </p:to>
+                                    </p:set>
+                                    <p:animEffect transition="in" filter="fade">
+                                      <p:cBhvr>
+                                        <p:cTn id="30" dur="500"/>
+                                        <p:tgtEl>
+                                          <p:spTgt spid="15"/>
+                                        </p:tgtEl>
+                                      </p:cBhvr>
+                                    </p:animEffect>
+                                  </p:childTnLst>
+                                </p:cTn>
+                              </p:par>
+                              <p:par>
+                                <p:cTn id="31" presetID="10" presetClass="entr" presetSubtype="0" fill="hold" grpId="0" nodeType="withEffect">
+                                  <p:stCondLst>
+                                    <p:cond delay="0"/>
+                                  </p:stCondLst>
+                                  <p:childTnLst>
+                                    <p:set>
+                                      <p:cBhvr>
+                                        <p:cTn id="32" dur="1" fill="hold">
+                                          <p:stCondLst>
+                                            <p:cond delay="0"/>
+                                          </p:stCondLst>
+                                        </p:cTn>
+                                        <p:tgtEl>
+                                          <p:spTgt spid="31"/>
+                                        </p:tgtEl>
+                                        <p:attrNameLst>
+                                          <p:attrName>style.visibility</p:attrName>
+                                        </p:attrNameLst>
+                                      </p:cBhvr>
+                                      <p:to>
+                                        <p:strVal val="visible"/>
+                                      </p:to>
+                                    </p:set>
+                                    <p:animEffect transition="in" filter="fade">
+                                      <p:cBhvr>
+                                        <p:cTn id="33" dur="500"/>
+                                        <p:tgtEl>
+                                          <p:spTgt spid="31"/>
+                                        </p:tgtEl>
+                                      </p:cBhvr>
+                                    </p:animEffect>
+                                  </p:childTnLst>
+                                </p:cTn>
+                              </p:par>
+                            </p:childTnLst>
+                          </p:cTn>
+                        </p:par>
+                      </p:childTnLst>
+                    </p:cTn>
+                  </p:par>
+                  <p:par>
+                    <p:cTn id="34" fill="hold">
+                      <p:stCondLst>
+                        <p:cond delay="indefinite"/>
+                      </p:stCondLst>
+                      <p:childTnLst>
+                        <p:par>
+                          <p:cTn id="35" fill="hold">
+                            <p:stCondLst>
+                              <p:cond delay="0"/>
+                            </p:stCondLst>
+                            <p:childTnLst>
+                              <p:par>
+                                <p:cTn id="36" presetID="10" presetClass="entr" presetSubtype="0" fill="hold" grpId="0" nodeType="clickEffect">
+                                  <p:stCondLst>
+                                    <p:cond delay="0"/>
+                                  </p:stCondLst>
+                                  <p:childTnLst>
+                                    <p:set>
+                                      <p:cBhvr>
+                                        <p:cTn id="37" dur="1" fill="hold">
+                                          <p:stCondLst>
+                                            <p:cond delay="0"/>
+                                          </p:stCondLst>
+                                        </p:cTn>
+                                        <p:tgtEl>
+                                          <p:spTgt spid="10"/>
+                                        </p:tgtEl>
+                                        <p:attrNameLst>
+                                          <p:attrName>style.visibility</p:attrName>
+                                        </p:attrNameLst>
+                                      </p:cBhvr>
+                                      <p:to>
+                                        <p:strVal val="visible"/>
+                                      </p:to>
+                                    </p:set>
+                                    <p:animEffect transition="in" filter="fade">
+                                      <p:cBhvr>
+                                        <p:cTn id="38" dur="500"/>
+                                        <p:tgtEl>
+                                          <p:spTgt spid="10"/>
+                                        </p:tgtEl>
+                                      </p:cBhvr>
+                                    </p:animEffect>
+                                  </p:childTnLst>
+                                </p:cTn>
+                              </p:par>
+                              <p:par>
+                                <p:cTn id="39" presetID="10" presetClass="entr" presetSubtype="0" fill="hold" nodeType="withEffect">
+                                  <p:stCondLst>
+                                    <p:cond delay="0"/>
+                                  </p:stCondLst>
+                                  <p:childTnLst>
+                                    <p:set>
+                                      <p:cBhvr>
+                                        <p:cTn id="40" dur="1" fill="hold">
+                                          <p:stCondLst>
+                                            <p:cond delay="0"/>
+                                          </p:stCondLst>
+                                        </p:cTn>
+                                        <p:tgtEl>
+                                          <p:spTgt spid="20"/>
+                                        </p:tgtEl>
+                                        <p:attrNameLst>
+                                          <p:attrName>style.visibility</p:attrName>
+                                        </p:attrNameLst>
+                                      </p:cBhvr>
+                                      <p:to>
+                                        <p:strVal val="visible"/>
+                                      </p:to>
+                                    </p:set>
+                                    <p:animEffect transition="in" filter="fade">
+                                      <p:cBhvr>
+                                        <p:cTn id="41" dur="500"/>
+                                        <p:tgtEl>
+                                          <p:spTgt spid="20"/>
+                                        </p:tgtEl>
+                                      </p:cBhvr>
+                                    </p:animEffect>
+                                  </p:childTnLst>
+                                </p:cTn>
+                              </p:par>
+                              <p:par>
+                                <p:cTn id="42" presetID="10" presetClass="entr" presetSubtype="0" fill="hold" nodeType="withEffect">
+                                  <p:stCondLst>
+                                    <p:cond delay="0"/>
+                                  </p:stCondLst>
+                                  <p:childTnLst>
+                                    <p:set>
+                                      <p:cBhvr>
+                                        <p:cTn id="43" dur="1" fill="hold">
+                                          <p:stCondLst>
+                                            <p:cond delay="0"/>
+                                          </p:stCondLst>
+                                        </p:cTn>
+                                        <p:tgtEl>
+                                          <p:spTgt spid="30"/>
+                                        </p:tgtEl>
+                                        <p:attrNameLst>
+                                          <p:attrName>style.visibility</p:attrName>
+                                        </p:attrNameLst>
+                                      </p:cBhvr>
+                                      <p:to>
+                                        <p:strVal val="visible"/>
+                                      </p:to>
+                                    </p:set>
+                                    <p:animEffect transition="in" filter="fade">
+                                      <p:cBhvr>
+                                        <p:cTn id="44" dur="500"/>
+                                        <p:tgtEl>
+                                          <p:spTgt spid="30"/>
+                                        </p:tgtEl>
+                                      </p:cBhvr>
+                                    </p:animEffect>
+                                  </p:childTnLst>
+                                </p:cTn>
+                              </p:par>
+                              <p:par>
+                                <p:cTn id="45" presetID="10" presetClass="exit" presetSubtype="0" fill="hold" grpId="1" nodeType="withEffect">
+                                  <p:stCondLst>
+                                    <p:cond delay="0"/>
+                                  </p:stCondLst>
+                                  <p:childTnLst>
+                                    <p:animEffect transition="out" filter="fade">
+                                      <p:cBhvr>
+                                        <p:cTn id="46" dur="500"/>
+                                        <p:tgtEl>
+                                          <p:spTgt spid="31"/>
+                                        </p:tgtEl>
+                                      </p:cBhvr>
+                                    </p:animEffect>
+                                    <p:set>
+                                      <p:cBhvr>
+                                        <p:cTn id="47" dur="1" fill="hold">
+                                          <p:stCondLst>
+                                            <p:cond delay="499"/>
+                                          </p:stCondLst>
+                                        </p:cTn>
+                                        <p:tgtEl>
+                                          <p:spTgt spid="31"/>
+                                        </p:tgtEl>
+                                        <p:attrNameLst>
+                                          <p:attrName>style.visibility</p:attrName>
+                                        </p:attrNameLst>
+                                      </p:cBhvr>
+                                      <p:to>
+                                        <p:strVal val="hidden"/>
+                                      </p:to>
+                                    </p:set>
+                                  </p:childTnLst>
+                                </p:cTn>
+                              </p:par>
+                            </p:childTnLst>
+                          </p:cTn>
+                        </p:par>
+                      </p:childTnLst>
+                    </p:cTn>
+                  </p:par>
+                  <p:par>
+                    <p:cTn id="48" fill="hold">
+                      <p:stCondLst>
+                        <p:cond delay="indefinite"/>
+                      </p:stCondLst>
+                      <p:childTnLst>
+                        <p:par>
+                          <p:cTn id="49" fill="hold">
+                            <p:stCondLst>
+                              <p:cond delay="0"/>
+                            </p:stCondLst>
+                            <p:childTnLst>
+                              <p:par>
+                                <p:cTn id="50" presetID="10" presetClass="entr" presetSubtype="0" fill="hold" grpId="2" nodeType="clickEffect">
+                                  <p:stCondLst>
+                                    <p:cond delay="0"/>
+                                  </p:stCondLst>
+                                  <p:childTnLst>
+                                    <p:set>
+                                      <p:cBhvr>
+                                        <p:cTn id="51" dur="1" fill="hold">
+                                          <p:stCondLst>
+                                            <p:cond delay="0"/>
+                                          </p:stCondLst>
+                                        </p:cTn>
+                                        <p:tgtEl>
+                                          <p:spTgt spid="31"/>
+                                        </p:tgtEl>
+                                        <p:attrNameLst>
+                                          <p:attrName>style.visibility</p:attrName>
+                                        </p:attrNameLst>
+                                      </p:cBhvr>
+                                      <p:to>
+                                        <p:strVal val="visible"/>
+                                      </p:to>
+                                    </p:set>
+                                    <p:animEffect transition="in" filter="fade">
+                                      <p:cBhvr>
+                                        <p:cTn id="52" dur="500"/>
+                                        <p:tgtEl>
+                                          <p:spTgt spid="31"/>
+                                        </p:tgtEl>
+                                      </p:cBhvr>
+                                    </p:animEffect>
+                                  </p:childTnLst>
+                                </p:cTn>
+                              </p:par>
+                            </p:childTnLst>
+                          </p:cTn>
+                        </p:par>
+                        <p:par>
+                          <p:cTn id="53" fill="hold">
+                            <p:stCondLst>
+                              <p:cond delay="500"/>
+                            </p:stCondLst>
+                            <p:childTnLst>
+                              <p:par>
+                                <p:cTn id="54" presetID="26" presetClass="emph" presetSubtype="0" repeatCount="4000" fill="hold" grpId="3" nodeType="afterEffect">
+                                  <p:stCondLst>
+                                    <p:cond delay="0"/>
+                                  </p:stCondLst>
+                                  <p:childTnLst>
+                                    <p:animEffect transition="out" filter="fade">
+                                      <p:cBhvr>
+                                        <p:cTn id="55" dur="1000" tmFilter="0, 0; .2, .5; .8, .5; 1, 0"/>
+                                        <p:tgtEl>
+                                          <p:spTgt spid="31"/>
+                                        </p:tgtEl>
+                                      </p:cBhvr>
+                                    </p:animEffect>
+                                    <p:animScale>
+                                      <p:cBhvr>
+                                        <p:cTn id="56" dur="500" autoRev="1" fill="hold"/>
+                                        <p:tgtEl>
+                                          <p:spTgt spid="31"/>
+                                        </p:tgtEl>
+                                      </p:cBhvr>
+                                      <p:by x="105000" y="105000"/>
+                                    </p:animScale>
+                                  </p:childTnLst>
+                                </p:cTn>
+                              </p:par>
+                              <p:par>
+                                <p:cTn id="57" presetID="8" presetClass="emph" presetSubtype="0" repeatCount="2000" fill="hold" nodeType="withEffect">
+                                  <p:stCondLst>
+                                    <p:cond delay="0"/>
+                                  </p:stCondLst>
+                                  <p:childTnLst>
+                                    <p:animRot by="21600000">
+                                      <p:cBhvr>
+                                        <p:cTn id="58" dur="2000" fill="hold"/>
+                                        <p:tgtEl>
+                                          <p:spTgt spid="30"/>
+                                        </p:tgtEl>
+                                        <p:attrNameLst>
+                                          <p:attrName>r</p:attrName>
+                                        </p:attrNameLst>
+                                      </p:cBhvr>
+                                    </p:animRot>
+                                  </p:childTnLst>
+                                </p:cTn>
+                              </p:par>
+                            </p:childTnLst>
+                          </p:cTn>
+                        </p:par>
+                      </p:childTnLst>
+                    </p:cTn>
+                  </p:par>
+                  <p:par>
+                    <p:cTn id="59" fill="hold">
+                      <p:stCondLst>
+                        <p:cond delay="indefinite"/>
+                      </p:stCondLst>
+                      <p:childTnLst>
+                        <p:par>
+                          <p:cTn id="60" fill="hold">
+                            <p:stCondLst>
+                              <p:cond delay="0"/>
+                            </p:stCondLst>
+                            <p:childTnLst>
+                              <p:par>
+                                <p:cTn id="61" presetID="2" presetClass="entr" presetSubtype="12" fill="hold" nodeType="clickEffect">
+                                  <p:stCondLst>
+                                    <p:cond delay="0"/>
+                                  </p:stCondLst>
+                                  <p:childTnLst>
+                                    <p:set>
+                                      <p:cBhvr>
+                                        <p:cTn id="62" dur="1" fill="hold">
+                                          <p:stCondLst>
+                                            <p:cond delay="0"/>
+                                          </p:stCondLst>
+                                        </p:cTn>
+                                        <p:tgtEl>
+                                          <p:spTgt spid="39"/>
+                                        </p:tgtEl>
+                                        <p:attrNameLst>
+                                          <p:attrName>style.visibility</p:attrName>
+                                        </p:attrNameLst>
+                                      </p:cBhvr>
+                                      <p:to>
+                                        <p:strVal val="visible"/>
+                                      </p:to>
+                                    </p:set>
+                                    <p:anim calcmode="lin" valueType="num">
+                                      <p:cBhvr additive="base">
+                                        <p:cTn id="63" dur="500" fill="hold"/>
+                                        <p:tgtEl>
+                                          <p:spTgt spid="39"/>
+                                        </p:tgtEl>
+                                        <p:attrNameLst>
+                                          <p:attrName>ppt_x</p:attrName>
+                                        </p:attrNameLst>
+                                      </p:cBhvr>
+                                      <p:tavLst>
+                                        <p:tav tm="0">
+                                          <p:val>
+                                            <p:strVal val="0-#ppt_w/2"/>
+                                          </p:val>
+                                        </p:tav>
+                                        <p:tav tm="100000">
+                                          <p:val>
+                                            <p:strVal val="#ppt_x"/>
+                                          </p:val>
+                                        </p:tav>
+                                      </p:tavLst>
+                                    </p:anim>
+                                    <p:anim calcmode="lin" valueType="num">
+                                      <p:cBhvr additive="base">
+                                        <p:cTn id="64" dur="500" fill="hold"/>
+                                        <p:tgtEl>
+                                          <p:spTgt spid="39"/>
+                                        </p:tgtEl>
+                                        <p:attrNameLst>
+                                          <p:attrName>ppt_y</p:attrName>
+                                        </p:attrNameLst>
+                                      </p:cBhvr>
+                                      <p:tavLst>
+                                        <p:tav tm="0">
+                                          <p:val>
+                                            <p:strVal val="1+#ppt_h/2"/>
+                                          </p:val>
+                                        </p:tav>
+                                        <p:tav tm="100000">
+                                          <p:val>
+                                            <p:strVal val="#ppt_y"/>
+                                          </p:val>
+                                        </p:tav>
+                                      </p:tavLst>
+                                    </p:anim>
+                                  </p:childTnLst>
+                                </p:cTn>
+                              </p:par>
+                              <p:par>
+                                <p:cTn id="65" presetID="2" presetClass="entr" presetSubtype="12" fill="hold" grpId="0" nodeType="withEffect">
+                                  <p:stCondLst>
+                                    <p:cond delay="0"/>
+                                  </p:stCondLst>
+                                  <p:childTnLst>
+                                    <p:set>
+                                      <p:cBhvr>
+                                        <p:cTn id="66" dur="1" fill="hold">
+                                          <p:stCondLst>
+                                            <p:cond delay="0"/>
+                                          </p:stCondLst>
+                                        </p:cTn>
+                                        <p:tgtEl>
+                                          <p:spTgt spid="26"/>
+                                        </p:tgtEl>
+                                        <p:attrNameLst>
+                                          <p:attrName>style.visibility</p:attrName>
+                                        </p:attrNameLst>
+                                      </p:cBhvr>
+                                      <p:to>
+                                        <p:strVal val="visible"/>
+                                      </p:to>
+                                    </p:set>
+                                    <p:anim calcmode="lin" valueType="num">
+                                      <p:cBhvr additive="base">
+                                        <p:cTn id="67" dur="500" fill="hold"/>
+                                        <p:tgtEl>
+                                          <p:spTgt spid="26"/>
+                                        </p:tgtEl>
+                                        <p:attrNameLst>
+                                          <p:attrName>ppt_x</p:attrName>
+                                        </p:attrNameLst>
+                                      </p:cBhvr>
+                                      <p:tavLst>
+                                        <p:tav tm="0">
+                                          <p:val>
+                                            <p:strVal val="0-#ppt_w/2"/>
+                                          </p:val>
+                                        </p:tav>
+                                        <p:tav tm="100000">
+                                          <p:val>
+                                            <p:strVal val="#ppt_x"/>
+                                          </p:val>
+                                        </p:tav>
+                                      </p:tavLst>
+                                    </p:anim>
+                                    <p:anim calcmode="lin" valueType="num">
+                                      <p:cBhvr additive="base">
+                                        <p:cTn id="68" dur="500" fill="hold"/>
+                                        <p:tgtEl>
+                                          <p:spTgt spid="26"/>
+                                        </p:tgtEl>
+                                        <p:attrNameLst>
+                                          <p:attrName>ppt_y</p:attrName>
+                                        </p:attrNameLst>
+                                      </p:cBhvr>
+                                      <p:tavLst>
+                                        <p:tav tm="0">
+                                          <p:val>
+                                            <p:strVal val="1+#ppt_h/2"/>
+                                          </p:val>
+                                        </p:tav>
+                                        <p:tav tm="100000">
+                                          <p:val>
+                                            <p:strVal val="#ppt_y"/>
+                                          </p:val>
+                                        </p:tav>
+                                      </p:tavLst>
+                                    </p:anim>
+                                  </p:childTnLst>
+                                </p:cTn>
+                              </p:par>
+                            </p:childTnLst>
+                          </p:cTn>
+                        </p:par>
+                      </p:childTnLst>
+                    </p:cTn>
+                  </p:par>
+                </p:childTnLst>
+              </p:cTn>
+              <p:prevCondLst>
+                <p:cond evt="onPrev" delay="0">
+                  <p:tgtEl>
+                    <p:sldTgt/>
+                  </p:tgtEl>
+                </p:cond>
+              </p:prevCondLst>
+              <p:nextCondLst>
+                <p:cond evt="onNext" delay="0">
+                  <p:tgtEl>
+                    <p:sldTgt/>
+                  </p:tgtEl>
+                </p:cond>
+              </p:nextCondLst>
+            </p:seq>
+          </p:childTnLst>
+        </p:cTn>
+      </p:par>
+    </p:tnLst>
+    <p:bldLst>
+      <p:bldP spid="4" grpId="0" animBg="1"/>
+      <p:bldP spid="5" grpId="0"/>
+      <p:bldP spid="9" grpId="0" animBg="1"/>
+      <p:bldP spid="10" grpId="0"/>
+      <p:bldP spid="14" grpId="0"/>
+      <p:bldP spid="31" grpId="0" animBg="1"/>
+      <p:bldP spid="31" grpId="1" animBg="1"/>
+      <p:bldP spid="31" grpId="2" animBg="1"/>
+      <p:bldP spid="31" grpId="3" animBg="1"/>
+      <p:bldP spid="26" grpId="0" animBg="1"/>
+    </p:bldLst>
+  </p:timing>
+</p:sld>
+</file>
+
+<file path=ppt/slides/slide5.xml><?xml version="1.0" encoding="utf-8"?>
+<p:sld xmlns:a="http://schemas.openxmlformats.org/drawingml/2006/main" xmlns:r="http://schemas.openxmlformats.org/officeDocument/2006/relationships" xmlns:p="http://schemas.openxmlformats.org/presentationml/2006/main">
+  <p:cSld>
+    <p:spTree>
+      <p:nvGrpSpPr>
+        <p:cNvPr id="1" name=""/>
+        <p:cNvGrpSpPr/>
+        <p:nvPr/>
+      </p:nvGrpSpPr>
+      <p:grpSpPr>
+        <a:xfrm>
+          <a:off x="0" y="0"/>
+          <a:ext cx="0" cy="0"/>
+          <a:chOff x="0" y="0"/>
+          <a:chExt cx="0" cy="0"/>
+        </a:xfrm>
+      </p:grpSpPr>
+      <p:sp>
+        <p:nvSpPr>
+          <p:cNvPr id="2" name="Title 1"/>
+          <p:cNvSpPr>
+            <a:spLocks noGrp="1"/>
+          </p:cNvSpPr>
+          <p:nvPr>
+            <p:ph type="title"/>
+          </p:nvPr>
+        </p:nvSpPr>
+        <p:spPr/>
+        <p:txBody>
+          <a:bodyPr/>
+          <a:lstStyle/>
+          <a:p>
+            <a:r>
+              <a:rPr lang="en-US" dirty="0" smtClean="0"/>
+              <a:t>Reality Check: Hard Limits</a:t>
+            </a:r>
+            <a:endParaRPr lang="en-US" dirty="0"/>
+          </a:p>
+        </p:txBody>
+      </p:sp>
+      <p:sp>
+        <p:nvSpPr>
+          <p:cNvPr id="3" name="Content Placeholder 2"/>
+          <p:cNvSpPr>
+            <a:spLocks noGrp="1"/>
+          </p:cNvSpPr>
+          <p:nvPr>
+            <p:ph idx="1"/>
+          </p:nvPr>
+        </p:nvSpPr>
+        <p:spPr/>
+        <p:txBody>
+          <a:bodyPr>
+            <a:normAutofit lnSpcReduction="10000"/>
+          </a:bodyPr>
+          <a:lstStyle/>
+          <a:p>
+            <a:r>
+              <a:rPr lang="en-US" dirty="0" smtClean="0"/>
+              <a:t>Physical uncertainty</a:t>
+            </a:r>
+            <a:r>
+              <a:rPr lang="en-US" dirty="0"/>
+              <a:t>: </a:t>
+            </a:r>
+            <a:r>
+              <a:rPr lang="en-US" dirty="0" smtClean="0"/>
+              <a:t>Heisenberg</a:t>
+            </a:r>
+          </a:p>
+          <a:p>
+            <a:pPr lvl="1"/>
+            <a:r>
+              <a:rPr lang="en-US" dirty="0" smtClean="0"/>
+              <a:t>Chaos</a:t>
+            </a:r>
+            <a:endParaRPr lang="en-US" dirty="0"/>
+          </a:p>
+          <a:p>
+            <a:r>
+              <a:rPr lang="en-US" dirty="0"/>
+              <a:t>Epistemological uncertainty: </a:t>
+            </a:r>
+            <a:r>
+              <a:rPr lang="en-US" dirty="0" err="1" smtClean="0"/>
+              <a:t>Godel</a:t>
+            </a:r>
+            <a:endParaRPr lang="en-US" dirty="0" smtClean="0"/>
+          </a:p>
+          <a:p>
+            <a:endParaRPr lang="en-US" dirty="0"/>
+          </a:p>
+          <a:p>
+            <a:endParaRPr lang="en-US" dirty="0" smtClean="0"/>
+          </a:p>
+          <a:p>
+            <a:endParaRPr lang="en-US" dirty="0"/>
+          </a:p>
+          <a:p>
+            <a:r>
+              <a:rPr lang="en-US" dirty="0" smtClean="0"/>
+              <a:t>We’ll never get perfect models</a:t>
+            </a:r>
+          </a:p>
+          <a:p>
+            <a:pPr lvl="1"/>
+            <a:r>
+              <a:rPr lang="en-US" dirty="0" smtClean="0"/>
+              <a:t>But we can get closer!</a:t>
+            </a:r>
+          </a:p>
+        </p:txBody>
+      </p:sp>
+    </p:spTree>
+    <p:extLst>
+      <p:ext uri="{BB962C8B-B14F-4D97-AF65-F5344CB8AC3E}">
+        <p14:creationId xmlns:p14="http://schemas.microsoft.com/office/powerpoint/2010/main" val="3488710776"/>
       </p:ext>
     </p:extLst>
   </p:cSld>
@@ -8959,73 +10902,70 @@
         </p:nvSpPr>
         <p:spPr>
           <a:xfrm>
-            <a:off x="457200" y="1600200"/>
-            <a:ext cx="8229600" cy="4953000"/>
+            <a:off x="457200" y="1295400"/>
+            <a:ext cx="8229600" cy="5257800"/>
           </a:xfrm>
         </p:spPr>
         <p:txBody>
           <a:bodyPr>
-            <a:normAutofit fontScale="85000" lnSpcReduction="20000"/>
+            <a:normAutofit/>
           </a:bodyPr>
           <a:lstStyle/>
           <a:p>
             <a:r>
               <a:rPr lang="en-US" dirty="0" smtClean="0"/>
-              <a:t>Push bandwidth (I/O)</a:t>
-            </a:r>
+              <a:t>Push </a:t>
+            </a:r>
+            <a:r>
+              <a:rPr lang="en-US" dirty="0" smtClean="0"/>
+              <a:t>bandwidth (I/O</a:t>
+            </a:r>
+            <a:r>
+              <a:rPr lang="en-US" dirty="0" smtClean="0"/>
+              <a:t>)</a:t>
+            </a:r>
+            <a:endParaRPr lang="en-US" dirty="0" smtClean="0"/>
           </a:p>
           <a:p>
             <a:pPr lvl="1"/>
             <a:r>
               <a:rPr lang="en-US" dirty="0" smtClean="0"/>
-              <a:t>Take in more data</a:t>
-            </a:r>
-          </a:p>
-          <a:p>
-            <a:pPr lvl="2"/>
+              <a:t>More Data, </a:t>
+            </a:r>
+            <a:r>
+              <a:rPr lang="en-US" i="1" dirty="0" smtClean="0"/>
+              <a:t>More Relevant Data</a:t>
+            </a:r>
+          </a:p>
+          <a:p>
             <a:r>
               <a:rPr lang="en-US" dirty="0" smtClean="0"/>
-              <a:t>Telescopes, microscopes, Geiger counters, Internet, …</a:t>
+              <a:t>Push </a:t>
+            </a:r>
+            <a:r>
+              <a:rPr lang="en-US" dirty="0" smtClean="0"/>
+              <a:t>Memory (RAM, Storage)</a:t>
             </a:r>
           </a:p>
           <a:p>
             <a:pPr lvl="1"/>
             <a:r>
               <a:rPr lang="en-US" dirty="0" smtClean="0"/>
-              <a:t>Increase data’s relevant information content</a:t>
-            </a:r>
-          </a:p>
-          <a:p>
-            <a:pPr lvl="2"/>
+              <a:t>Summarize and condense (Hash</a:t>
+            </a:r>
             <a:r>
               <a:rPr lang="en-US" dirty="0" smtClean="0"/>
-              <a:t>Filtering tools, Search Engines</a:t>
+              <a:t>)</a:t>
             </a:r>
           </a:p>
           <a:p>
             <a:r>
               <a:rPr lang="en-US" dirty="0" smtClean="0"/>
-              <a:t>Push Memory (RAM, Storage)</a:t>
-            </a:r>
-          </a:p>
-          <a:p>
-            <a:pPr lvl="1"/>
+              <a:t>Push </a:t>
+            </a:r>
             <a:r>
               <a:rPr lang="en-US" dirty="0" smtClean="0"/>
-              <a:t>Summarize and condense (Hash)</a:t>
-            </a:r>
-          </a:p>
-          <a:p>
-            <a:pPr lvl="2"/>
-            <a:r>
-              <a:rPr lang="en-US" dirty="0" smtClean="0"/>
-              <a:t>Library catalog system, Internet</a:t>
-            </a:r>
-          </a:p>
-          <a:p>
-            <a:r>
-              <a:rPr lang="en-US" dirty="0" smtClean="0"/>
-              <a:t>Push Computation (Processor)</a:t>
+              <a:t>Computation (Processor)</a:t>
             </a:r>
           </a:p>
           <a:p>
@@ -9048,29 +10988,30 @@
           <a:p>
             <a:pPr lvl="2"/>
             <a:r>
-              <a:rPr lang="en-US" dirty="0" smtClean="0"/>
-              <a:t>Graphical, Symbolic, Numerical, Audial, …</a:t>
-            </a:r>
-          </a:p>
-          <a:p>
-            <a:pPr lvl="2"/>
-            <a:r>
-              <a:rPr lang="en-US" dirty="0" smtClean="0"/>
-              <a:t>Statistics in Physics </a:t>
-            </a:r>
-            <a:r>
               <a:rPr lang="en-US" dirty="0" smtClean="0">
                 <a:sym typeface="Wingdings" pitchFamily="2" charset="2"/>
               </a:rPr>
-              <a:t> Classical to Probabilistic Model of Atom</a:t>
-            </a:r>
-            <a:endParaRPr lang="en-US" dirty="0" smtClean="0"/>
+              <a:t>Classical </a:t>
+            </a:r>
+            <a:r>
+              <a:rPr lang="en-US" dirty="0" smtClean="0">
+                <a:sym typeface="Wingdings" pitchFamily="2" charset="2"/>
+              </a:rPr>
+              <a:t>to Probabilistic </a:t>
+            </a:r>
+            <a:endParaRPr lang="en-US" dirty="0" smtClean="0">
+              <a:sym typeface="Wingdings" pitchFamily="2" charset="2"/>
+            </a:endParaRPr>
           </a:p>
           <a:p>
             <a:pPr lvl="1"/>
             <a:r>
               <a:rPr lang="en-US" dirty="0" smtClean="0"/>
-              <a:t>Increase thinking efficiency</a:t>
+              <a:t>Increase </a:t>
+            </a:r>
+            <a:r>
+              <a:rPr lang="en-US" dirty="0" smtClean="0"/>
+              <a:t>thinking efficiency</a:t>
             </a:r>
           </a:p>
           <a:p>
@@ -9167,44 +11108,52 @@
           <a:p>
             <a:r>
               <a:rPr lang="en-US" dirty="0" smtClean="0"/>
-              <a:t>Accuracy &amp; Precision </a:t>
+              <a:t>Accuracy &amp; Precision ↗</a:t>
+            </a:r>
+          </a:p>
+          <a:p>
+            <a:pPr lvl="1"/>
+            <a:r>
+              <a:rPr lang="en-US" dirty="0" smtClean="0"/>
+              <a:t>Assumptions </a:t>
+            </a:r>
+            <a:r>
+              <a:rPr lang="en-US" dirty="0" smtClean="0"/>
+              <a:t>↘</a:t>
+            </a:r>
+          </a:p>
+          <a:p>
+            <a:pPr lvl="1"/>
+            <a:r>
+              <a:rPr lang="en-US" dirty="0"/>
+              <a:t>Minimize </a:t>
+            </a:r>
+            <a:r>
+              <a:rPr lang="en-US" dirty="0" smtClean="0"/>
+              <a:t>error</a:t>
+            </a:r>
+            <a:endParaRPr lang="en-US" dirty="0" smtClean="0"/>
+          </a:p>
+          <a:p>
+            <a:r>
+              <a:rPr lang="en-US" dirty="0" smtClean="0"/>
+              <a:t>Compatibility </a:t>
+            </a:r>
+            <a:r>
+              <a:rPr lang="en-US" dirty="0" smtClean="0"/>
+              <a:t>w/ other models ↗ (Unification)</a:t>
+            </a:r>
+          </a:p>
+          <a:p>
+            <a:r>
+              <a:rPr lang="en-US" dirty="0"/>
+              <a:t>Computability </a:t>
             </a:r>
             <a:r>
               <a:rPr lang="en-US" dirty="0" smtClean="0"/>
               <a:t>↗</a:t>
             </a:r>
-          </a:p>
-          <a:p>
-            <a:pPr lvl="1"/>
-            <a:r>
-              <a:rPr lang="en-US" dirty="0" smtClean="0"/>
-              <a:t>Assumptions </a:t>
-            </a:r>
-            <a:r>
-              <a:rPr lang="en-US" dirty="0"/>
-              <a:t>↘</a:t>
-            </a:r>
             <a:endParaRPr lang="en-US" dirty="0" smtClean="0"/>
-          </a:p>
-          <a:p>
-            <a:r>
-              <a:rPr lang="en-US" dirty="0" smtClean="0"/>
-              <a:t>Computability </a:t>
-            </a:r>
-            <a:r>
-              <a:rPr lang="en-US" dirty="0" smtClean="0"/>
-              <a:t>↗</a:t>
-            </a:r>
-          </a:p>
-          <a:p>
-            <a:r>
-              <a:rPr lang="en-US" dirty="0" smtClean="0"/>
-              <a:t>Compatibility w/ other models </a:t>
-            </a:r>
-            <a:r>
-              <a:rPr lang="en-US" dirty="0" smtClean="0"/>
-              <a:t>↗ (Unification)</a:t>
-            </a:r>
           </a:p>
           <a:p>
             <a:r>
@@ -9223,9 +11172,6 @@
               <a:rPr lang="en-US" dirty="0" smtClean="0"/>
               <a:t>)</a:t>
             </a:r>
-          </a:p>
-          <a:p>
-            <a:endParaRPr lang="en-US" dirty="0" smtClean="0"/>
           </a:p>
           <a:p>
             <a:endParaRPr lang="en-US" dirty="0" smtClean="0"/>
@@ -9370,7 +11316,7 @@
         </p:blipFill>
         <p:spPr bwMode="auto">
           <a:xfrm>
-            <a:off x="5161914" y="3665806"/>
+            <a:off x="5161914" y="3723992"/>
             <a:ext cx="1152053" cy="924208"/>
           </a:xfrm>
           <a:prstGeom prst="rect">
@@ -9411,7 +11357,7 @@
         </p:blipFill>
         <p:spPr bwMode="auto">
           <a:xfrm>
-            <a:off x="6516872" y="3549435"/>
+            <a:off x="6516872" y="3607621"/>
             <a:ext cx="1475998" cy="1040579"/>
           </a:xfrm>
           <a:prstGeom prst="rect">
@@ -9452,7 +11398,7 @@
         </p:blipFill>
         <p:spPr bwMode="auto">
           <a:xfrm>
-            <a:off x="5161914" y="1066914"/>
+            <a:off x="7254871" y="1543967"/>
             <a:ext cx="914286" cy="914286"/>
           </a:xfrm>
           <a:prstGeom prst="rect">
@@ -9655,6 +11601,37 @@
                                   </p:childTnLst>
                                 </p:cTn>
                               </p:par>
+                              <p:par>
+                                <p:cTn id="15" presetID="1" presetClass="entr" presetSubtype="0" fill="hold" nodeType="withEffect">
+                                  <p:stCondLst>
+                                    <p:cond delay="0"/>
+                                  </p:stCondLst>
+                                  <p:childTnLst>
+                                    <p:set>
+                                      <p:cBhvr>
+                                        <p:cTn id="16" dur="1" fill="hold">
+                                          <p:stCondLst>
+                                            <p:cond delay="0"/>
+                                          </p:stCondLst>
+                                        </p:cTn>
+                                        <p:tgtEl>
+                                          <p:spTgt spid="3">
+                                            <p:txEl>
+                                              <p:pRg st="5" end="5"/>
+                                            </p:txEl>
+                                          </p:spTgt>
+                                        </p:tgtEl>
+                                        <p:attrNameLst>
+                                          <p:attrName>style.visibility</p:attrName>
+                                        </p:attrNameLst>
+                                      </p:cBhvr>
+                                      <p:to>
+                                        <p:strVal val="visible"/>
+                                      </p:to>
+                                    </p:set>
+                                  </p:childTnLst>
+                                </p:cTn>
+                              </p:par>
                             </p:childTnLst>
                           </p:cTn>
                         </p:par>
@@ -9662,26 +11639,26 @@
                     </p:cTn>
                   </p:par>
                   <p:par>
-                    <p:cTn id="15" fill="hold">
+                    <p:cTn id="17" fill="hold">
                       <p:stCondLst>
                         <p:cond delay="indefinite"/>
                       </p:stCondLst>
                       <p:childTnLst>
                         <p:par>
-                          <p:cTn id="16" fill="hold">
+                          <p:cTn id="18" fill="hold">
                             <p:stCondLst>
                               <p:cond delay="0"/>
                             </p:stCondLst>
                             <p:childTnLst>
                               <p:par>
-                                <p:cTn id="17" presetID="1" presetClass="entr" presetSubtype="0" fill="hold" grpId="0" nodeType="clickEffect">
+                                <p:cTn id="19" presetID="1" presetClass="entr" presetSubtype="0" fill="hold" grpId="0" nodeType="clickEffect">
                                   <p:stCondLst>
                                     <p:cond delay="0"/>
                                   </p:stCondLst>
                                   <p:childTnLst>
                                     <p:set>
                                       <p:cBhvr>
-                                        <p:cTn id="18" dur="1" fill="hold">
+                                        <p:cTn id="20" dur="1" fill="hold">
                                           <p:stCondLst>
                                             <p:cond delay="0"/>
                                           </p:stCondLst>
@@ -9701,14 +11678,14 @@
                                 </p:cTn>
                               </p:par>
                               <p:par>
-                                <p:cTn id="19" presetID="1" presetClass="entr" presetSubtype="0" fill="hold" nodeType="withEffect">
+                                <p:cTn id="21" presetID="1" presetClass="entr" presetSubtype="0" fill="hold" nodeType="withEffect">
                                   <p:stCondLst>
                                     <p:cond delay="0"/>
                                   </p:stCondLst>
                                   <p:childTnLst>
                                     <p:set>
                                       <p:cBhvr>
-                                        <p:cTn id="20" dur="1" fill="hold">
+                                        <p:cTn id="22" dur="1" fill="hold">
                                           <p:stCondLst>
                                             <p:cond delay="0"/>
                                           </p:stCondLst>
@@ -9734,26 +11711,26 @@
                     </p:cTn>
                   </p:par>
                   <p:par>
-                    <p:cTn id="21" fill="hold">
+                    <p:cTn id="23" fill="hold">
                       <p:stCondLst>
                         <p:cond delay="indefinite"/>
                       </p:stCondLst>
                       <p:childTnLst>
                         <p:par>
-                          <p:cTn id="22" fill="hold">
+                          <p:cTn id="24" fill="hold">
                             <p:stCondLst>
                               <p:cond delay="0"/>
                             </p:stCondLst>
                             <p:childTnLst>
                               <p:par>
-                                <p:cTn id="23" presetID="1" presetClass="entr" presetSubtype="0" fill="hold" nodeType="clickEffect">
+                                <p:cTn id="25" presetID="1" presetClass="entr" presetSubtype="0" fill="hold" nodeType="clickEffect">
                                   <p:stCondLst>
                                     <p:cond delay="0"/>
                                   </p:stCondLst>
                                   <p:childTnLst>
                                     <p:set>
                                       <p:cBhvr>
-                                        <p:cTn id="24" dur="1" fill="hold">
+                                        <p:cTn id="26" dur="1" fill="hold">
                                           <p:stCondLst>
                                             <p:cond delay="0"/>
                                           </p:stCondLst>
@@ -9777,14 +11754,14 @@
                                 </p:cTn>
                               </p:par>
                               <p:par>
-                                <p:cTn id="25" presetID="1" presetClass="entr" presetSubtype="0" fill="hold" nodeType="withEffect">
+                                <p:cTn id="27" presetID="1" presetClass="entr" presetSubtype="0" fill="hold" nodeType="withEffect">
                                   <p:stCondLst>
                                     <p:cond delay="0"/>
                                   </p:stCondLst>
                                   <p:childTnLst>
                                     <p:set>
                                       <p:cBhvr>
-                                        <p:cTn id="26" dur="1" fill="hold">
+                                        <p:cTn id="28" dur="1" fill="hold">
                                           <p:stCondLst>
                                             <p:cond delay="0"/>
                                           </p:stCondLst>
@@ -9814,46 +11791,19 @@
                     </p:cTn>
                   </p:par>
                   <p:par>
-                    <p:cTn id="27" fill="hold">
+                    <p:cTn id="29" fill="hold">
                       <p:stCondLst>
                         <p:cond delay="indefinite"/>
                       </p:stCondLst>
                       <p:childTnLst>
                         <p:par>
-                          <p:cTn id="28" fill="hold">
+                          <p:cTn id="30" fill="hold">
                             <p:stCondLst>
                               <p:cond delay="0"/>
                             </p:stCondLst>
                             <p:childTnLst>
                               <p:par>
-                                <p:cTn id="29" presetID="1" presetClass="entr" presetSubtype="0" fill="hold" grpId="0" nodeType="clickEffect">
-                                  <p:stCondLst>
-                                    <p:cond delay="0"/>
-                                  </p:stCondLst>
-                                  <p:childTnLst>
-                                    <p:set>
-                                      <p:cBhvr>
-                                        <p:cTn id="30" dur="1" fill="hold">
-                                          <p:stCondLst>
-                                            <p:cond delay="0"/>
-                                          </p:stCondLst>
-                                        </p:cTn>
-                                        <p:tgtEl>
-                                          <p:spTgt spid="4"/>
-                                        </p:tgtEl>
-                                        <p:attrNameLst>
-                                          <p:attrName>style.visibility</p:attrName>
-                                        </p:attrNameLst>
-                                      </p:cBhvr>
-                                      <p:to>
-                                        <p:strVal val="visible"/>
-                                      </p:to>
-                                    </p:set>
-                                  </p:childTnLst>
-                                </p:cTn>
-                              </p:par>
-                              <p:par>
-                                <p:cTn id="31" presetID="1" presetClass="entr" presetSubtype="0" fill="hold" nodeType="withEffect">
+                                <p:cTn id="31" presetID="1" presetClass="entr" presetSubtype="0" fill="hold" grpId="0" nodeType="clickEffect">
                                   <p:stCondLst>
                                     <p:cond delay="0"/>
                                   </p:stCondLst>
@@ -9866,7 +11816,7 @@
                                           </p:stCondLst>
                                         </p:cTn>
                                         <p:tgtEl>
-                                          <p:spTgt spid="1026"/>
+                                          <p:spTgt spid="4"/>
                                         </p:tgtEl>
                                         <p:attrNameLst>
                                           <p:attrName>style.visibility</p:attrName>
@@ -9888,6 +11838,33 @@
                                     <p:set>
                                       <p:cBhvr>
                                         <p:cTn id="34" dur="1" fill="hold">
+                                          <p:stCondLst>
+                                            <p:cond delay="0"/>
+                                          </p:stCondLst>
+                                        </p:cTn>
+                                        <p:tgtEl>
+                                          <p:spTgt spid="1026"/>
+                                        </p:tgtEl>
+                                        <p:attrNameLst>
+                                          <p:attrName>style.visibility</p:attrName>
+                                        </p:attrNameLst>
+                                      </p:cBhvr>
+                                      <p:to>
+                                        <p:strVal val="visible"/>
+                                      </p:to>
+                                    </p:set>
+                                  </p:childTnLst>
+                                </p:cTn>
+                              </p:par>
+                              <p:par>
+                                <p:cTn id="35" presetID="1" presetClass="entr" presetSubtype="0" fill="hold" nodeType="withEffect">
+                                  <p:stCondLst>
+                                    <p:cond delay="0"/>
+                                  </p:stCondLst>
+                                  <p:childTnLst>
+                                    <p:set>
+                                      <p:cBhvr>
+                                        <p:cTn id="36" dur="1" fill="hold">
                                           <p:stCondLst>
                                             <p:cond delay="0"/>
                                           </p:stCondLst>
@@ -10431,11 +12408,7 @@
           <a:bodyPr/>
           <a:lstStyle/>
           <a:p>
-            <a:r>
-              <a:rPr lang="en-US" dirty="0" smtClean="0"/>
-              <a:t>On Failure</a:t>
-            </a:r>
-            <a:endParaRPr lang="en-US" dirty="0"/>
+            <a:endParaRPr lang="en-US"/>
           </a:p>
         </p:txBody>
       </p:sp>
@@ -10454,20 +12427,14 @@
           <a:bodyPr/>
           <a:lstStyle/>
           <a:p>
-            <a:r>
-              <a:rPr lang="en-US" dirty="0" smtClean="0"/>
-              <a:t>God messed up our models</a:t>
-            </a:r>
-          </a:p>
-          <a:p>
-            <a:endParaRPr lang="en-US" dirty="0"/>
+            <a:endParaRPr lang="en-US"/>
           </a:p>
         </p:txBody>
       </p:sp>
     </p:spTree>
     <p:extLst>
       <p:ext uri="{BB962C8B-B14F-4D97-AF65-F5344CB8AC3E}">
-        <p14:creationId xmlns:p14="http://schemas.microsoft.com/office/powerpoint/2010/main" val="626368968"/>
+        <p14:creationId xmlns:p14="http://schemas.microsoft.com/office/powerpoint/2010/main" val="459609735"/>
       </p:ext>
     </p:extLst>
   </p:cSld>

--- a/ModelTalk.pptx
+++ b/ModelTalk.pptx
@@ -9011,7 +9011,12 @@
             <p:ph type="title"/>
           </p:nvPr>
         </p:nvSpPr>
-        <p:spPr/>
+        <p:spPr>
+          <a:xfrm>
+            <a:off x="457200" y="152400"/>
+            <a:ext cx="8229600" cy="1143000"/>
+          </a:xfrm>
+        </p:spPr>
         <p:txBody>
           <a:bodyPr/>
           <a:lstStyle/>
@@ -9876,6 +9881,82 @@
           </a:p>
         </p:txBody>
       </p:sp>
+      <p:sp>
+        <p:nvSpPr>
+          <p:cNvPr id="6" name="Cloud Callout 5"/>
+          <p:cNvSpPr/>
+          <p:nvPr/>
+        </p:nvSpPr>
+        <p:spPr>
+          <a:xfrm>
+            <a:off x="216092" y="220980"/>
+            <a:ext cx="1500565" cy="838200"/>
+          </a:xfrm>
+          <a:prstGeom prst="cloudCallout">
+            <a:avLst>
+              <a:gd name="adj1" fmla="val 27917"/>
+              <a:gd name="adj2" fmla="val 99318"/>
+            </a:avLst>
+          </a:prstGeom>
+          <a:solidFill>
+            <a:schemeClr val="accent1">
+              <a:lumMod val="20000"/>
+              <a:lumOff val="80000"/>
+            </a:schemeClr>
+          </a:solidFill>
+          <a:ln>
+            <a:solidFill>
+              <a:schemeClr val="tx2">
+                <a:lumMod val="75000"/>
+              </a:schemeClr>
+            </a:solidFill>
+          </a:ln>
+        </p:spPr>
+        <p:style>
+          <a:lnRef idx="2">
+            <a:schemeClr val="accent1">
+              <a:shade val="50000"/>
+            </a:schemeClr>
+          </a:lnRef>
+          <a:fillRef idx="1">
+            <a:schemeClr val="accent1"/>
+          </a:fillRef>
+          <a:effectRef idx="0">
+            <a:schemeClr val="accent1"/>
+          </a:effectRef>
+          <a:fontRef idx="minor">
+            <a:schemeClr val="lt1"/>
+          </a:fontRef>
+        </p:style>
+        <p:txBody>
+          <a:bodyPr rtlCol="0" anchor="ctr"/>
+          <a:lstStyle/>
+          <a:p>
+            <a:pPr algn="ctr"/>
+            <a:r>
+              <a:rPr lang="en-US" sz="2800" dirty="0">
+                <a:solidFill>
+                  <a:schemeClr val="tx1"/>
+                </a:solidFill>
+              </a:rPr>
+              <a:t>God</a:t>
+            </a:r>
+            <a:r>
+              <a:rPr lang="en-US" sz="2800" dirty="0" smtClean="0">
+                <a:solidFill>
+                  <a:schemeClr val="tx1"/>
+                </a:solidFill>
+              </a:rPr>
+              <a:t>?</a:t>
+            </a:r>
+            <a:endParaRPr lang="en-US" sz="2800" dirty="0">
+              <a:solidFill>
+                <a:schemeClr val="tx1"/>
+              </a:solidFill>
+            </a:endParaRPr>
+          </a:p>
+        </p:txBody>
+      </p:sp>
     </p:spTree>
     <p:extLst>
       <p:ext uri="{BB962C8B-B14F-4D97-AF65-F5344CB8AC3E}">
@@ -9920,7 +10001,7 @@
                                           </p:stCondLst>
                                         </p:cTn>
                                         <p:tgtEl>
-                                          <p:spTgt spid="4"/>
+                                          <p:spTgt spid="6"/>
                                         </p:tgtEl>
                                         <p:attrNameLst>
                                           <p:attrName>style.visibility</p:attrName>
@@ -9934,6 +10015,132 @@
                                       <p:cBhvr>
                                         <p:cTn id="7" dur="500"/>
                                         <p:tgtEl>
+                                          <p:spTgt spid="6"/>
+                                        </p:tgtEl>
+                                      </p:cBhvr>
+                                    </p:animEffect>
+                                  </p:childTnLst>
+                                </p:cTn>
+                              </p:par>
+                            </p:childTnLst>
+                          </p:cTn>
+                        </p:par>
+                      </p:childTnLst>
+                    </p:cTn>
+                  </p:par>
+                  <p:par>
+                    <p:cTn id="8" fill="hold">
+                      <p:stCondLst>
+                        <p:cond delay="indefinite"/>
+                      </p:stCondLst>
+                      <p:childTnLst>
+                        <p:par>
+                          <p:cTn id="9" fill="hold">
+                            <p:stCondLst>
+                              <p:cond delay="0"/>
+                            </p:stCondLst>
+                            <p:childTnLst>
+                              <p:par>
+                                <p:cTn id="10" presetID="2" presetClass="exit" presetSubtype="9" fill="hold" grpId="1" nodeType="clickEffect">
+                                  <p:stCondLst>
+                                    <p:cond delay="0"/>
+                                  </p:stCondLst>
+                                  <p:childTnLst>
+                                    <p:anim calcmode="lin" valueType="num">
+                                      <p:cBhvr additive="base">
+                                        <p:cTn id="11" dur="500"/>
+                                        <p:tgtEl>
+                                          <p:spTgt spid="6"/>
+                                        </p:tgtEl>
+                                        <p:attrNameLst>
+                                          <p:attrName>ppt_x</p:attrName>
+                                        </p:attrNameLst>
+                                      </p:cBhvr>
+                                      <p:tavLst>
+                                        <p:tav tm="0">
+                                          <p:val>
+                                            <p:strVal val="ppt_x"/>
+                                          </p:val>
+                                        </p:tav>
+                                        <p:tav tm="100000">
+                                          <p:val>
+                                            <p:strVal val="0-ppt_w/2"/>
+                                          </p:val>
+                                        </p:tav>
+                                      </p:tavLst>
+                                    </p:anim>
+                                    <p:anim calcmode="lin" valueType="num">
+                                      <p:cBhvr additive="base">
+                                        <p:cTn id="12" dur="500"/>
+                                        <p:tgtEl>
+                                          <p:spTgt spid="6"/>
+                                        </p:tgtEl>
+                                        <p:attrNameLst>
+                                          <p:attrName>ppt_y</p:attrName>
+                                        </p:attrNameLst>
+                                      </p:cBhvr>
+                                      <p:tavLst>
+                                        <p:tav tm="0">
+                                          <p:val>
+                                            <p:strVal val="ppt_y"/>
+                                          </p:val>
+                                        </p:tav>
+                                        <p:tav tm="100000">
+                                          <p:val>
+                                            <p:strVal val="0-ppt_h/2"/>
+                                          </p:val>
+                                        </p:tav>
+                                      </p:tavLst>
+                                    </p:anim>
+                                    <p:set>
+                                      <p:cBhvr>
+                                        <p:cTn id="13" dur="1" fill="hold">
+                                          <p:stCondLst>
+                                            <p:cond delay="499"/>
+                                          </p:stCondLst>
+                                        </p:cTn>
+                                        <p:tgtEl>
+                                          <p:spTgt spid="6"/>
+                                        </p:tgtEl>
+                                        <p:attrNameLst>
+                                          <p:attrName>style.visibility</p:attrName>
+                                        </p:attrNameLst>
+                                      </p:cBhvr>
+                                      <p:to>
+                                        <p:strVal val="hidden"/>
+                                      </p:to>
+                                    </p:set>
+                                  </p:childTnLst>
+                                </p:cTn>
+                              </p:par>
+                              <p:par>
+                                <p:cTn id="14" presetID="10" presetClass="entr" presetSubtype="0" fill="hold" grpId="0" nodeType="withEffect">
+                                  <p:stCondLst>
+                                    <p:cond delay="0"/>
+                                  </p:stCondLst>
+                                  <p:childTnLst>
+                                    <p:set>
+                                      <p:cBhvr>
+                                        <p:cTn id="15" dur="1" fill="hold">
+                                          <p:stCondLst>
+                                            <p:cond delay="0"/>
+                                          </p:stCondLst>
+                                        </p:cTn>
+                                        <p:tgtEl>
+                                          <p:spTgt spid="4"/>
+                                        </p:tgtEl>
+                                        <p:attrNameLst>
+                                          <p:attrName>style.visibility</p:attrName>
+                                        </p:attrNameLst>
+                                      </p:cBhvr>
+                                      <p:to>
+                                        <p:strVal val="visible"/>
+                                      </p:to>
+                                    </p:set>
+                                    <p:animEffect transition="in" filter="fade">
+                                      <p:cBhvr>
+                                        <p:cTn id="16" dur="500"/>
+                                        <p:tgtEl>
                                           <p:spTgt spid="4"/>
                                         </p:tgtEl>
                                       </p:cBhvr>
@@ -9942,14 +10149,14 @@
                                 </p:cTn>
                               </p:par>
                               <p:par>
-                                <p:cTn id="8" presetID="10" presetClass="entr" presetSubtype="0" fill="hold" nodeType="withEffect">
+                                <p:cTn id="17" presetID="10" presetClass="entr" presetSubtype="0" fill="hold" nodeType="withEffect">
                                   <p:stCondLst>
                                     <p:cond delay="0"/>
                                   </p:stCondLst>
                                   <p:childTnLst>
                                     <p:set>
                                       <p:cBhvr>
-                                        <p:cTn id="9" dur="1" fill="hold">
+                                        <p:cTn id="18" dur="1" fill="hold">
                                           <p:stCondLst>
                                             <p:cond delay="0"/>
                                           </p:stCondLst>
@@ -9971,7 +10178,7 @@
                                     </p:set>
                                     <p:animEffect transition="in" filter="fade">
                                       <p:cBhvr>
-                                        <p:cTn id="10" dur="500"/>
+                                        <p:cTn id="19" dur="500"/>
                                         <p:tgtEl>
                                           <p:spTgt spid="4">
                                             <p:txEl>
@@ -9991,26 +10198,26 @@
                     </p:cTn>
                   </p:par>
                   <p:par>
-                    <p:cTn id="11" fill="hold">
+                    <p:cTn id="20" fill="hold">
                       <p:stCondLst>
                         <p:cond delay="indefinite"/>
                       </p:stCondLst>
                       <p:childTnLst>
                         <p:par>
-                          <p:cTn id="12" fill="hold">
+                          <p:cTn id="21" fill="hold">
                             <p:stCondLst>
                               <p:cond delay="0"/>
                             </p:stCondLst>
                             <p:childTnLst>
                               <p:par>
-                                <p:cTn id="13" presetID="1" presetClass="entr" presetSubtype="0" fill="hold" nodeType="clickEffect">
+                                <p:cTn id="22" presetID="1" presetClass="entr" presetSubtype="0" fill="hold" nodeType="clickEffect">
                                   <p:stCondLst>
                                     <p:cond delay="0"/>
                                   </p:stCondLst>
                                   <p:childTnLst>
                                     <p:set>
                                       <p:cBhvr>
-                                        <p:cTn id="14" dur="1" fill="hold">
+                                        <p:cTn id="23" dur="1" fill="hold">
                                           <p:stCondLst>
                                             <p:cond delay="0"/>
                                           </p:stCondLst>
@@ -10040,26 +10247,26 @@
                     </p:cTn>
                   </p:par>
                   <p:par>
-                    <p:cTn id="15" fill="hold">
+                    <p:cTn id="24" fill="hold">
                       <p:stCondLst>
                         <p:cond delay="indefinite"/>
                       </p:stCondLst>
                       <p:childTnLst>
                         <p:par>
-                          <p:cTn id="16" fill="hold">
+                          <p:cTn id="25" fill="hold">
                             <p:stCondLst>
                               <p:cond delay="0"/>
                             </p:stCondLst>
                             <p:childTnLst>
                               <p:par>
-                                <p:cTn id="17" presetID="14" presetClass="entr" presetSubtype="10" fill="hold" grpId="0" nodeType="clickEffect">
+                                <p:cTn id="26" presetID="14" presetClass="entr" presetSubtype="10" fill="hold" grpId="0" nodeType="clickEffect">
                                   <p:stCondLst>
                                     <p:cond delay="0"/>
                                   </p:stCondLst>
                                   <p:childTnLst>
                                     <p:set>
                                       <p:cBhvr>
-                                        <p:cTn id="18" dur="1" fill="hold">
+                                        <p:cTn id="27" dur="1" fill="hold">
                                           <p:stCondLst>
                                             <p:cond delay="0"/>
                                           </p:stCondLst>
@@ -10077,7 +10284,7 @@
                                     </p:set>
                                     <p:animEffect transition="in" filter="randombar(horizontal)">
                                       <p:cBhvr>
-                                        <p:cTn id="19" dur="500"/>
+                                        <p:cTn id="28" dur="500"/>
                                         <p:tgtEl>
                                           <p:spTgt spid="5"/>
                                         </p:tgtEl>
@@ -10087,14 +10294,14 @@
                                 </p:cTn>
                               </p:par>
                               <p:par>
-                                <p:cTn id="20" presetID="10" presetClass="entr" presetSubtype="0" fill="hold" grpId="0" nodeType="withEffect">
+                                <p:cTn id="29" presetID="10" presetClass="entr" presetSubtype="0" fill="hold" grpId="0" nodeType="withEffect">
                                   <p:stCondLst>
                                     <p:cond delay="0"/>
                                   </p:stCondLst>
                                   <p:childTnLst>
                                     <p:set>
                                       <p:cBhvr>
-                                        <p:cTn id="21" dur="1" fill="hold">
+                                        <p:cTn id="30" dur="1" fill="hold">
                                           <p:stCondLst>
                                             <p:cond delay="0"/>
                                           </p:stCondLst>
@@ -10112,7 +10319,7 @@
                                     </p:set>
                                     <p:animEffect transition="in" filter="fade">
                                       <p:cBhvr>
-                                        <p:cTn id="22" dur="500"/>
+                                        <p:cTn id="31" dur="500"/>
                                         <p:tgtEl>
                                           <p:spTgt spid="9"/>
                                         </p:tgtEl>
@@ -10128,26 +10335,26 @@
                     </p:cTn>
                   </p:par>
                   <p:par>
-                    <p:cTn id="23" fill="hold">
+                    <p:cTn id="32" fill="hold">
                       <p:stCondLst>
                         <p:cond delay="indefinite"/>
                       </p:stCondLst>
                       <p:childTnLst>
                         <p:par>
-                          <p:cTn id="24" fill="hold">
+                          <p:cTn id="33" fill="hold">
                             <p:stCondLst>
                               <p:cond delay="0"/>
                             </p:stCondLst>
                             <p:childTnLst>
                               <p:par>
-                                <p:cTn id="25" presetID="10" presetClass="entr" presetSubtype="0" fill="hold" grpId="0" nodeType="clickEffect">
+                                <p:cTn id="34" presetID="10" presetClass="entr" presetSubtype="0" fill="hold" grpId="0" nodeType="clickEffect">
                                   <p:stCondLst>
                                     <p:cond delay="0"/>
                                   </p:stCondLst>
                                   <p:childTnLst>
                                     <p:set>
                                       <p:cBhvr>
-                                        <p:cTn id="26" dur="1" fill="hold">
+                                        <p:cTn id="35" dur="1" fill="hold">
                                           <p:stCondLst>
                                             <p:cond delay="0"/>
                                           </p:stCondLst>
@@ -10165,7 +10372,7 @@
                                     </p:set>
                                     <p:animEffect transition="in" filter="fade">
                                       <p:cBhvr>
-                                        <p:cTn id="27" dur="500"/>
+                                        <p:cTn id="36" dur="500"/>
                                         <p:tgtEl>
                                           <p:spTgt spid="14"/>
                                         </p:tgtEl>
@@ -10175,14 +10382,14 @@
                                 </p:cTn>
                               </p:par>
                               <p:par>
-                                <p:cTn id="28" presetID="10" presetClass="entr" presetSubtype="0" fill="hold" nodeType="withEffect">
+                                <p:cTn id="37" presetID="10" presetClass="entr" presetSubtype="0" fill="hold" nodeType="withEffect">
                                   <p:stCondLst>
                                     <p:cond delay="0"/>
                                   </p:stCondLst>
                                   <p:childTnLst>
                                     <p:set>
                                       <p:cBhvr>
-                                        <p:cTn id="29" dur="1" fill="hold">
+                                        <p:cTn id="38" dur="1" fill="hold">
                                           <p:stCondLst>
                                             <p:cond delay="0"/>
                                           </p:stCondLst>
@@ -10200,7 +10407,7 @@
                                     </p:set>
                                     <p:animEffect transition="in" filter="fade">
                                       <p:cBhvr>
-                                        <p:cTn id="30" dur="500"/>
+                                        <p:cTn id="39" dur="500"/>
                                         <p:tgtEl>
                                           <p:spTgt spid="15"/>
                                         </p:tgtEl>
@@ -10210,14 +10417,14 @@
                                 </p:cTn>
                               </p:par>
                               <p:par>
-                                <p:cTn id="31" presetID="10" presetClass="entr" presetSubtype="0" fill="hold" grpId="0" nodeType="withEffect">
+                                <p:cTn id="40" presetID="10" presetClass="entr" presetSubtype="0" fill="hold" grpId="0" nodeType="withEffect">
                                   <p:stCondLst>
                                     <p:cond delay="0"/>
                                   </p:stCondLst>
                                   <p:childTnLst>
                                     <p:set>
                                       <p:cBhvr>
-                                        <p:cTn id="32" dur="1" fill="hold">
+                                        <p:cTn id="41" dur="1" fill="hold">
                                           <p:stCondLst>
                                             <p:cond delay="0"/>
                                           </p:stCondLst>
@@ -10235,7 +10442,7 @@
                                     </p:set>
                                     <p:animEffect transition="in" filter="fade">
                                       <p:cBhvr>
-                                        <p:cTn id="33" dur="500"/>
+                                        <p:cTn id="42" dur="500"/>
                                         <p:tgtEl>
                                           <p:spTgt spid="31"/>
                                         </p:tgtEl>
@@ -10251,26 +10458,26 @@
                     </p:cTn>
                   </p:par>
                   <p:par>
-                    <p:cTn id="34" fill="hold">
+                    <p:cTn id="43" fill="hold">
                       <p:stCondLst>
                         <p:cond delay="indefinite"/>
                       </p:stCondLst>
                       <p:childTnLst>
                         <p:par>
-                          <p:cTn id="35" fill="hold">
+                          <p:cTn id="44" fill="hold">
                             <p:stCondLst>
                               <p:cond delay="0"/>
                             </p:stCondLst>
                             <p:childTnLst>
                               <p:par>
-                                <p:cTn id="36" presetID="10" presetClass="entr" presetSubtype="0" fill="hold" grpId="0" nodeType="clickEffect">
+                                <p:cTn id="45" presetID="10" presetClass="entr" presetSubtype="0" fill="hold" grpId="0" nodeType="clickEffect">
                                   <p:stCondLst>
                                     <p:cond delay="0"/>
                                   </p:stCondLst>
                                   <p:childTnLst>
                                     <p:set>
                                       <p:cBhvr>
-                                        <p:cTn id="37" dur="1" fill="hold">
+                                        <p:cTn id="46" dur="1" fill="hold">
                                           <p:stCondLst>
                                             <p:cond delay="0"/>
                                           </p:stCondLst>
@@ -10288,7 +10495,7 @@
                                     </p:set>
                                     <p:animEffect transition="in" filter="fade">
                                       <p:cBhvr>
-                                        <p:cTn id="38" dur="500"/>
+                                        <p:cTn id="47" dur="500"/>
                                         <p:tgtEl>
                                           <p:spTgt spid="10"/>
                                         </p:tgtEl>
@@ -10298,14 +10505,14 @@
                                 </p:cTn>
                               </p:par>
                               <p:par>
-                                <p:cTn id="39" presetID="10" presetClass="entr" presetSubtype="0" fill="hold" nodeType="withEffect">
+                                <p:cTn id="48" presetID="10" presetClass="entr" presetSubtype="0" fill="hold" nodeType="withEffect">
                                   <p:stCondLst>
                                     <p:cond delay="0"/>
                                   </p:stCondLst>
                                   <p:childTnLst>
                                     <p:set>
                                       <p:cBhvr>
-                                        <p:cTn id="40" dur="1" fill="hold">
+                                        <p:cTn id="49" dur="1" fill="hold">
                                           <p:stCondLst>
                                             <p:cond delay="0"/>
                                           </p:stCondLst>
@@ -10323,7 +10530,7 @@
                                     </p:set>
                                     <p:animEffect transition="in" filter="fade">
                                       <p:cBhvr>
-                                        <p:cTn id="41" dur="500"/>
+                                        <p:cTn id="50" dur="500"/>
                                         <p:tgtEl>
                                           <p:spTgt spid="20"/>
                                         </p:tgtEl>
@@ -10333,14 +10540,14 @@
                                 </p:cTn>
                               </p:par>
                               <p:par>
-                                <p:cTn id="42" presetID="10" presetClass="entr" presetSubtype="0" fill="hold" nodeType="withEffect">
+                                <p:cTn id="51" presetID="10" presetClass="entr" presetSubtype="0" fill="hold" nodeType="withEffect">
                                   <p:stCondLst>
                                     <p:cond delay="0"/>
                                   </p:stCondLst>
                                   <p:childTnLst>
                                     <p:set>
                                       <p:cBhvr>
-                                        <p:cTn id="43" dur="1" fill="hold">
+                                        <p:cTn id="52" dur="1" fill="hold">
                                           <p:stCondLst>
                                             <p:cond delay="0"/>
                                           </p:stCondLst>
@@ -10358,7 +10565,7 @@
                                     </p:set>
                                     <p:animEffect transition="in" filter="fade">
                                       <p:cBhvr>
-                                        <p:cTn id="44" dur="500"/>
+                                        <p:cTn id="53" dur="500"/>
                                         <p:tgtEl>
                                           <p:spTgt spid="30"/>
                                         </p:tgtEl>
@@ -10368,14 +10575,14 @@
                                 </p:cTn>
                               </p:par>
                               <p:par>
-                                <p:cTn id="45" presetID="10" presetClass="exit" presetSubtype="0" fill="hold" grpId="1" nodeType="withEffect">
+                                <p:cTn id="54" presetID="10" presetClass="exit" presetSubtype="0" fill="hold" grpId="1" nodeType="withEffect">
                                   <p:stCondLst>
                                     <p:cond delay="0"/>
                                   </p:stCondLst>
                                   <p:childTnLst>
                                     <p:animEffect transition="out" filter="fade">
                                       <p:cBhvr>
-                                        <p:cTn id="46" dur="500"/>
+                                        <p:cTn id="55" dur="500"/>
                                         <p:tgtEl>
                                           <p:spTgt spid="31"/>
                                         </p:tgtEl>
@@ -10383,7 +10590,7 @@
                                     </p:animEffect>
                                     <p:set>
                                       <p:cBhvr>
-                                        <p:cTn id="47" dur="1" fill="hold">
+                                        <p:cTn id="56" dur="1" fill="hold">
                                           <p:stCondLst>
                                             <p:cond delay="499"/>
                                           </p:stCondLst>
@@ -10409,26 +10616,26 @@
                     </p:cTn>
                   </p:par>
                   <p:par>
-                    <p:cTn id="48" fill="hold">
+                    <p:cTn id="57" fill="hold">
                       <p:stCondLst>
                         <p:cond delay="indefinite"/>
                       </p:stCondLst>
                       <p:childTnLst>
                         <p:par>
-                          <p:cTn id="49" fill="hold">
+                          <p:cTn id="58" fill="hold">
                             <p:stCondLst>
                               <p:cond delay="0"/>
                             </p:stCondLst>
                             <p:childTnLst>
                               <p:par>
-                                <p:cTn id="50" presetID="10" presetClass="entr" presetSubtype="0" fill="hold" grpId="2" nodeType="clickEffect">
+                                <p:cTn id="59" presetID="10" presetClass="entr" presetSubtype="0" fill="hold" grpId="2" nodeType="clickEffect">
                                   <p:stCondLst>
                                     <p:cond delay="0"/>
                                   </p:stCondLst>
                                   <p:childTnLst>
                                     <p:set>
                                       <p:cBhvr>
-                                        <p:cTn id="51" dur="1" fill="hold">
+                                        <p:cTn id="60" dur="1" fill="hold">
                                           <p:stCondLst>
                                             <p:cond delay="0"/>
                                           </p:stCondLst>
@@ -10446,7 +10653,7 @@
                                     </p:set>
                                     <p:animEffect transition="in" filter="fade">
                                       <p:cBhvr>
-                                        <p:cTn id="52" dur="500"/>
+                                        <p:cTn id="61" dur="500"/>
                                         <p:tgtEl>
                                           <p:spTgt spid="31"/>
                                         </p:tgtEl>
@@ -10459,20 +10666,20 @@
                           </p:cTn>
                         </p:par>
                         <p:par>
-                          <p:cTn id="53" fill="hold">
+                          <p:cTn id="62" fill="hold">
                             <p:stCondLst>
                               <p:cond delay="500"/>
                             </p:stCondLst>
                             <p:childTnLst>
                               <p:par>
-                                <p:cTn id="54" presetID="26" presetClass="emph" presetSubtype="0" repeatCount="4000" fill="hold" grpId="3" nodeType="afterEffect">
+                                <p:cTn id="63" presetID="26" presetClass="emph" presetSubtype="0" repeatCount="4000" fill="hold" grpId="3" nodeType="afterEffect">
                                   <p:stCondLst>
                                     <p:cond delay="0"/>
                                   </p:stCondLst>
                                   <p:childTnLst>
                                     <p:animEffect transition="out" filter="fade">
                                       <p:cBhvr>
-                                        <p:cTn id="55" dur="1000" tmFilter="0, 0; .2, .5; .8, .5; 1, 0"/>
+                                        <p:cTn id="64" dur="1000" tmFilter="0, 0; .2, .5; .8, .5; 1, 0"/>
                                         <p:tgtEl>
                                           <p:spTgt spid="31"/>
                                         </p:tgtEl>
@@ -10480,7 +10687,7 @@
                                     </p:animEffect>
                                     <p:animScale>
                                       <p:cBhvr>
-                                        <p:cTn id="56" dur="500" autoRev="1" fill="hold"/>
+                                        <p:cTn id="65" dur="500" autoRev="1" fill="hold"/>
                                         <p:tgtEl>
                                           <p:spTgt spid="31"/>
                                         </p:tgtEl>
@@ -10491,14 +10698,14 @@
                                 </p:cTn>
                               </p:par>
                               <p:par>
-                                <p:cTn id="57" presetID="8" presetClass="emph" presetSubtype="0" repeatCount="2000" fill="hold" nodeType="withEffect">
+                                <p:cTn id="66" presetID="8" presetClass="emph" presetSubtype="0" repeatCount="2000" fill="hold" nodeType="withEffect">
                                   <p:stCondLst>
                                     <p:cond delay="0"/>
                                   </p:stCondLst>
                                   <p:childTnLst>
                                     <p:animRot by="21600000">
                                       <p:cBhvr>
-                                        <p:cTn id="58" dur="2000" fill="hold"/>
+                                        <p:cTn id="67" dur="2000" fill="hold"/>
                                         <p:tgtEl>
                                           <p:spTgt spid="30"/>
                                         </p:tgtEl>
@@ -10517,26 +10724,26 @@
                     </p:cTn>
                   </p:par>
                   <p:par>
-                    <p:cTn id="59" fill="hold">
+                    <p:cTn id="68" fill="hold">
                       <p:stCondLst>
                         <p:cond delay="indefinite"/>
                       </p:stCondLst>
                       <p:childTnLst>
                         <p:par>
-                          <p:cTn id="60" fill="hold">
+                          <p:cTn id="69" fill="hold">
                             <p:stCondLst>
                               <p:cond delay="0"/>
                             </p:stCondLst>
                             <p:childTnLst>
                               <p:par>
-                                <p:cTn id="61" presetID="2" presetClass="entr" presetSubtype="12" fill="hold" nodeType="clickEffect">
+                                <p:cTn id="70" presetID="2" presetClass="entr" presetSubtype="12" fill="hold" nodeType="clickEffect">
                                   <p:stCondLst>
                                     <p:cond delay="0"/>
                                   </p:stCondLst>
                                   <p:childTnLst>
                                     <p:set>
                                       <p:cBhvr>
-                                        <p:cTn id="62" dur="1" fill="hold">
+                                        <p:cTn id="71" dur="1" fill="hold">
                                           <p:stCondLst>
                                             <p:cond delay="0"/>
                                           </p:stCondLst>
@@ -10554,7 +10761,7 @@
                                     </p:set>
                                     <p:anim calcmode="lin" valueType="num">
                                       <p:cBhvr additive="base">
-                                        <p:cTn id="63" dur="500" fill="hold"/>
+                                        <p:cTn id="72" dur="500" fill="hold"/>
                                         <p:tgtEl>
                                           <p:spTgt spid="39"/>
                                         </p:tgtEl>
@@ -10577,7 +10784,7 @@
                                     </p:anim>
                                     <p:anim calcmode="lin" valueType="num">
                                       <p:cBhvr additive="base">
-                                        <p:cTn id="64" dur="500" fill="hold"/>
+                                        <p:cTn id="73" dur="500" fill="hold"/>
                                         <p:tgtEl>
                                           <p:spTgt spid="39"/>
                                         </p:tgtEl>
@@ -10602,14 +10809,14 @@
                                 </p:cTn>
                               </p:par>
                               <p:par>
-                                <p:cTn id="65" presetID="2" presetClass="entr" presetSubtype="12" fill="hold" grpId="0" nodeType="withEffect">
+                                <p:cTn id="74" presetID="2" presetClass="entr" presetSubtype="12" fill="hold" grpId="0" nodeType="withEffect">
                                   <p:stCondLst>
                                     <p:cond delay="0"/>
                                   </p:stCondLst>
                                   <p:childTnLst>
                                     <p:set>
                                       <p:cBhvr>
-                                        <p:cTn id="66" dur="1" fill="hold">
+                                        <p:cTn id="75" dur="1" fill="hold">
                                           <p:stCondLst>
                                             <p:cond delay="0"/>
                                           </p:stCondLst>
@@ -10627,7 +10834,7 @@
                                     </p:set>
                                     <p:anim calcmode="lin" valueType="num">
                                       <p:cBhvr additive="base">
-                                        <p:cTn id="67" dur="500" fill="hold"/>
+                                        <p:cTn id="76" dur="500" fill="hold"/>
                                         <p:tgtEl>
                                           <p:spTgt spid="26"/>
                                         </p:tgtEl>
@@ -10650,7 +10857,7 @@
                                     </p:anim>
                                     <p:anim calcmode="lin" valueType="num">
                                       <p:cBhvr additive="base">
-                                        <p:cTn id="68" dur="500" fill="hold"/>
+                                        <p:cTn id="77" dur="500" fill="hold"/>
                                         <p:tgtEl>
                                           <p:spTgt spid="26"/>
                                         </p:tgtEl>
@@ -10712,6 +10919,8 @@
       <p:bldP spid="31" grpId="2" animBg="1"/>
       <p:bldP spid="31" grpId="3" animBg="1"/>
       <p:bldP spid="26" grpId="0" animBg="1"/>
+      <p:bldP spid="6" grpId="0" animBg="1"/>
+      <p:bldP spid="6" grpId="1" animBg="1"/>
     </p:bldLst>
   </p:timing>
 </p:sld>

--- a/ModelTalk.pptx
+++ b/ModelTalk.pptx
@@ -127,6 +127,3006 @@
 </p:presentation>
 </file>
 
+<file path=ppt/diagrams/colors1.xml><?xml version="1.0" encoding="utf-8"?>
+<dgm:colorsDef xmlns:dgm="http://schemas.openxmlformats.org/drawingml/2006/diagram" xmlns:a="http://schemas.openxmlformats.org/drawingml/2006/main" uniqueId="urn:microsoft.com/office/officeart/2005/8/colors/accent1_5">
+  <dgm:title val=""/>
+  <dgm:desc val=""/>
+  <dgm:catLst>
+    <dgm:cat type="accent1" pri="11500"/>
+  </dgm:catLst>
+  <dgm:styleLbl name="node0">
+    <dgm:fillClrLst meth="cycle">
+      <a:schemeClr val="accent1">
+        <a:alpha val="80000"/>
+      </a:schemeClr>
+    </dgm:fillClrLst>
+    <dgm:linClrLst meth="repeat">
+      <a:schemeClr val="lt1"/>
+    </dgm:linClrLst>
+    <dgm:effectClrLst/>
+    <dgm:txLinClrLst/>
+    <dgm:txFillClrLst/>
+    <dgm:txEffectClrLst/>
+  </dgm:styleLbl>
+  <dgm:styleLbl name="node1">
+    <dgm:fillClrLst>
+      <a:schemeClr val="accent1">
+        <a:alpha val="90000"/>
+      </a:schemeClr>
+      <a:schemeClr val="accent1">
+        <a:alpha val="50000"/>
+      </a:schemeClr>
+    </dgm:fillClrLst>
+    <dgm:linClrLst meth="repeat">
+      <a:schemeClr val="lt1"/>
+    </dgm:linClrLst>
+    <dgm:effectClrLst/>
+    <dgm:txLinClrLst/>
+    <dgm:txFillClrLst/>
+    <dgm:txEffectClrLst/>
+  </dgm:styleLbl>
+  <dgm:styleLbl name="alignNode1">
+    <dgm:fillClrLst>
+      <a:schemeClr val="accent1">
+        <a:alpha val="90000"/>
+      </a:schemeClr>
+      <a:schemeClr val="accent1">
+        <a:alpha val="50000"/>
+      </a:schemeClr>
+    </dgm:fillClrLst>
+    <dgm:linClrLst>
+      <a:schemeClr val="accent1">
+        <a:alpha val="90000"/>
+      </a:schemeClr>
+      <a:schemeClr val="accent1">
+        <a:alpha val="50000"/>
+      </a:schemeClr>
+    </dgm:linClrLst>
+    <dgm:effectClrLst/>
+    <dgm:txLinClrLst/>
+    <dgm:txFillClrLst/>
+    <dgm:txEffectClrLst/>
+  </dgm:styleLbl>
+  <dgm:styleLbl name="lnNode1">
+    <dgm:fillClrLst>
+      <a:schemeClr val="accent1">
+        <a:shade val="90000"/>
+      </a:schemeClr>
+      <a:schemeClr val="accent1">
+        <a:alpha val="50000"/>
+        <a:tint val="50000"/>
+      </a:schemeClr>
+    </dgm:fillClrLst>
+    <dgm:linClrLst meth="repeat">
+      <a:schemeClr val="lt1"/>
+    </dgm:linClrLst>
+    <dgm:effectClrLst/>
+    <dgm:txLinClrLst/>
+    <dgm:txFillClrLst/>
+    <dgm:txEffectClrLst/>
+  </dgm:styleLbl>
+  <dgm:styleLbl name="vennNode1">
+    <dgm:fillClrLst>
+      <a:schemeClr val="accent1">
+        <a:shade val="80000"/>
+        <a:alpha val="50000"/>
+      </a:schemeClr>
+      <a:schemeClr val="accent1">
+        <a:alpha val="80000"/>
+      </a:schemeClr>
+    </dgm:fillClrLst>
+    <dgm:linClrLst meth="repeat">
+      <a:schemeClr val="lt1"/>
+    </dgm:linClrLst>
+    <dgm:effectClrLst/>
+    <dgm:txLinClrLst/>
+    <dgm:txFillClrLst/>
+    <dgm:txEffectClrLst/>
+  </dgm:styleLbl>
+  <dgm:styleLbl name="node2">
+    <dgm:fillClrLst>
+      <a:schemeClr val="accent1">
+        <a:alpha val="70000"/>
+      </a:schemeClr>
+    </dgm:fillClrLst>
+    <dgm:linClrLst meth="repeat">
+      <a:schemeClr val="lt1"/>
+    </dgm:linClrLst>
+    <dgm:effectClrLst/>
+    <dgm:txLinClrLst/>
+    <dgm:txFillClrLst/>
+    <dgm:txEffectClrLst/>
+  </dgm:styleLbl>
+  <dgm:styleLbl name="node3">
+    <dgm:fillClrLst>
+      <a:schemeClr val="accent1">
+        <a:alpha val="50000"/>
+      </a:schemeClr>
+    </dgm:fillClrLst>
+    <dgm:linClrLst meth="repeat">
+      <a:schemeClr val="lt1"/>
+    </dgm:linClrLst>
+    <dgm:effectClrLst/>
+    <dgm:txLinClrLst/>
+    <dgm:txFillClrLst/>
+    <dgm:txEffectClrLst/>
+  </dgm:styleLbl>
+  <dgm:styleLbl name="node4">
+    <dgm:fillClrLst>
+      <a:schemeClr val="accent1">
+        <a:alpha val="30000"/>
+      </a:schemeClr>
+    </dgm:fillClrLst>
+    <dgm:linClrLst meth="repeat">
+      <a:schemeClr val="lt1"/>
+    </dgm:linClrLst>
+    <dgm:effectClrLst/>
+    <dgm:txLinClrLst/>
+    <dgm:txFillClrLst/>
+    <dgm:txEffectClrLst/>
+  </dgm:styleLbl>
+  <dgm:styleLbl name="fgImgPlace1">
+    <dgm:fillClrLst>
+      <a:schemeClr val="accent1">
+        <a:tint val="50000"/>
+        <a:alpha val="90000"/>
+      </a:schemeClr>
+      <a:schemeClr val="accent1">
+        <a:tint val="20000"/>
+        <a:alpha val="50000"/>
+      </a:schemeClr>
+    </dgm:fillClrLst>
+    <dgm:linClrLst meth="repeat">
+      <a:schemeClr val="lt1"/>
+    </dgm:linClrLst>
+    <dgm:effectClrLst/>
+    <dgm:txLinClrLst/>
+    <dgm:txFillClrLst meth="repeat">
+      <a:schemeClr val="lt1"/>
+    </dgm:txFillClrLst>
+    <dgm:txEffectClrLst/>
+  </dgm:styleLbl>
+  <dgm:styleLbl name="alignImgPlace1">
+    <dgm:fillClrLst>
+      <a:schemeClr val="accent1">
+        <a:tint val="50000"/>
+      </a:schemeClr>
+      <a:schemeClr val="accent1">
+        <a:tint val="20000"/>
+      </a:schemeClr>
+    </dgm:fillClrLst>
+    <dgm:linClrLst meth="repeat">
+      <a:schemeClr val="lt1"/>
+    </dgm:linClrLst>
+    <dgm:effectClrLst/>
+    <dgm:txLinClrLst/>
+    <dgm:txFillClrLst meth="repeat">
+      <a:schemeClr val="lt1"/>
+    </dgm:txFillClrLst>
+    <dgm:txEffectClrLst/>
+  </dgm:styleLbl>
+  <dgm:styleLbl name="bgImgPlace1">
+    <dgm:fillClrLst>
+      <a:schemeClr val="accent1">
+        <a:tint val="50000"/>
+      </a:schemeClr>
+      <a:schemeClr val="accent1">
+        <a:tint val="20000"/>
+      </a:schemeClr>
+    </dgm:fillClrLst>
+    <dgm:linClrLst meth="repeat">
+      <a:schemeClr val="lt1"/>
+    </dgm:linClrLst>
+    <dgm:effectClrLst/>
+    <dgm:txLinClrLst/>
+    <dgm:txFillClrLst meth="repeat">
+      <a:schemeClr val="lt1"/>
+    </dgm:txFillClrLst>
+    <dgm:txEffectClrLst/>
+  </dgm:styleLbl>
+  <dgm:styleLbl name="sibTrans2D1">
+    <dgm:fillClrLst>
+      <a:schemeClr val="accent1">
+        <a:shade val="90000"/>
+      </a:schemeClr>
+      <a:schemeClr val="accent1">
+        <a:tint val="50000"/>
+      </a:schemeClr>
+    </dgm:fillClrLst>
+    <dgm:linClrLst>
+      <a:schemeClr val="accent1">
+        <a:shade val="90000"/>
+      </a:schemeClr>
+      <a:schemeClr val="accent1">
+        <a:tint val="50000"/>
+      </a:schemeClr>
+    </dgm:linClrLst>
+    <dgm:effectClrLst/>
+    <dgm:txLinClrLst/>
+    <dgm:txFillClrLst/>
+    <dgm:txEffectClrLst/>
+  </dgm:styleLbl>
+  <dgm:styleLbl name="fgSibTrans2D1">
+    <dgm:fillClrLst>
+      <a:schemeClr val="accent1">
+        <a:shade val="90000"/>
+      </a:schemeClr>
+      <a:schemeClr val="accent1">
+        <a:tint val="50000"/>
+      </a:schemeClr>
+    </dgm:fillClrLst>
+    <dgm:linClrLst>
+      <a:schemeClr val="accent1">
+        <a:shade val="90000"/>
+      </a:schemeClr>
+      <a:schemeClr val="accent1">
+        <a:tint val="50000"/>
+      </a:schemeClr>
+    </dgm:linClrLst>
+    <dgm:effectClrLst/>
+    <dgm:txLinClrLst/>
+    <dgm:txFillClrLst/>
+    <dgm:txEffectClrLst/>
+  </dgm:styleLbl>
+  <dgm:styleLbl name="bgSibTrans2D1">
+    <dgm:fillClrLst>
+      <a:schemeClr val="accent1">
+        <a:shade val="90000"/>
+      </a:schemeClr>
+      <a:schemeClr val="accent1">
+        <a:tint val="50000"/>
+      </a:schemeClr>
+    </dgm:fillClrLst>
+    <dgm:linClrLst>
+      <a:schemeClr val="accent1">
+        <a:shade val="90000"/>
+      </a:schemeClr>
+      <a:schemeClr val="accent1">
+        <a:tint val="50000"/>
+      </a:schemeClr>
+    </dgm:linClrLst>
+    <dgm:effectClrLst/>
+    <dgm:txLinClrLst/>
+    <dgm:txFillClrLst/>
+    <dgm:txEffectClrLst/>
+  </dgm:styleLbl>
+  <dgm:styleLbl name="sibTrans1D1">
+    <dgm:fillClrLst>
+      <a:schemeClr val="accent1">
+        <a:shade val="90000"/>
+      </a:schemeClr>
+      <a:schemeClr val="accent1">
+        <a:tint val="50000"/>
+      </a:schemeClr>
+    </dgm:fillClrLst>
+    <dgm:linClrLst>
+      <a:schemeClr val="accent1">
+        <a:shade val="90000"/>
+      </a:schemeClr>
+      <a:schemeClr val="accent1">
+        <a:tint val="50000"/>
+      </a:schemeClr>
+    </dgm:linClrLst>
+    <dgm:effectClrLst/>
+    <dgm:txLinClrLst/>
+    <dgm:txFillClrLst meth="repeat">
+      <a:schemeClr val="tx1"/>
+    </dgm:txFillClrLst>
+    <dgm:txEffectClrLst/>
+  </dgm:styleLbl>
+  <dgm:styleLbl name="callout">
+    <dgm:fillClrLst meth="repeat">
+      <a:schemeClr val="accent1"/>
+    </dgm:fillClrLst>
+    <dgm:linClrLst meth="repeat">
+      <a:schemeClr val="accent1"/>
+    </dgm:linClrLst>
+    <dgm:effectClrLst/>
+    <dgm:txLinClrLst/>
+    <dgm:txFillClrLst meth="repeat">
+      <a:schemeClr val="tx1"/>
+    </dgm:txFillClrLst>
+    <dgm:txEffectClrLst/>
+  </dgm:styleLbl>
+  <dgm:styleLbl name="asst0">
+    <dgm:fillClrLst meth="repeat">
+      <a:schemeClr val="accent1">
+        <a:alpha val="90000"/>
+      </a:schemeClr>
+    </dgm:fillClrLst>
+    <dgm:linClrLst meth="repeat">
+      <a:schemeClr val="lt1"/>
+    </dgm:linClrLst>
+    <dgm:effectClrLst/>
+    <dgm:txLinClrLst/>
+    <dgm:txFillClrLst/>
+    <dgm:txEffectClrLst/>
+  </dgm:styleLbl>
+  <dgm:styleLbl name="asst1">
+    <dgm:fillClrLst meth="repeat">
+      <a:schemeClr val="accent1">
+        <a:alpha val="90000"/>
+      </a:schemeClr>
+    </dgm:fillClrLst>
+    <dgm:linClrLst meth="repeat">
+      <a:schemeClr val="lt1"/>
+    </dgm:linClrLst>
+    <dgm:effectClrLst/>
+    <dgm:txLinClrLst/>
+    <dgm:txFillClrLst/>
+    <dgm:txEffectClrLst/>
+  </dgm:styleLbl>
+  <dgm:styleLbl name="asst2">
+    <dgm:fillClrLst>
+      <a:schemeClr val="accent1">
+        <a:alpha val="90000"/>
+      </a:schemeClr>
+    </dgm:fillClrLst>
+    <dgm:linClrLst meth="repeat">
+      <a:schemeClr val="lt1"/>
+    </dgm:linClrLst>
+    <dgm:effectClrLst/>
+    <dgm:txLinClrLst/>
+    <dgm:txFillClrLst/>
+    <dgm:txEffectClrLst/>
+  </dgm:styleLbl>
+  <dgm:styleLbl name="asst3">
+    <dgm:fillClrLst>
+      <a:schemeClr val="accent1">
+        <a:alpha val="70000"/>
+      </a:schemeClr>
+    </dgm:fillClrLst>
+    <dgm:linClrLst meth="repeat">
+      <a:schemeClr val="lt1"/>
+    </dgm:linClrLst>
+    <dgm:effectClrLst/>
+    <dgm:txLinClrLst/>
+    <dgm:txFillClrLst/>
+    <dgm:txEffectClrLst/>
+  </dgm:styleLbl>
+  <dgm:styleLbl name="asst4">
+    <dgm:fillClrLst>
+      <a:schemeClr val="accent1">
+        <a:alpha val="50000"/>
+      </a:schemeClr>
+    </dgm:fillClrLst>
+    <dgm:linClrLst meth="repeat">
+      <a:schemeClr val="lt1"/>
+    </dgm:linClrLst>
+    <dgm:effectClrLst/>
+    <dgm:txLinClrLst/>
+    <dgm:txFillClrLst/>
+    <dgm:txEffectClrLst/>
+  </dgm:styleLbl>
+  <dgm:styleLbl name="parChTrans2D1">
+    <dgm:fillClrLst meth="repeat">
+      <a:schemeClr val="accent1">
+        <a:shade val="80000"/>
+      </a:schemeClr>
+    </dgm:fillClrLst>
+    <dgm:linClrLst meth="repeat">
+      <a:schemeClr val="accent1">
+        <a:shade val="80000"/>
+      </a:schemeClr>
+    </dgm:linClrLst>
+    <dgm:effectClrLst/>
+    <dgm:txLinClrLst/>
+    <dgm:txFillClrLst/>
+    <dgm:txEffectClrLst/>
+  </dgm:styleLbl>
+  <dgm:styleLbl name="parChTrans2D2">
+    <dgm:fillClrLst meth="repeat">
+      <a:schemeClr val="accent1">
+        <a:tint val="90000"/>
+      </a:schemeClr>
+    </dgm:fillClrLst>
+    <dgm:linClrLst meth="repeat">
+      <a:schemeClr val="accent1">
+        <a:tint val="90000"/>
+      </a:schemeClr>
+    </dgm:linClrLst>
+    <dgm:effectClrLst/>
+    <dgm:txLinClrLst/>
+    <dgm:txFillClrLst/>
+    <dgm:txEffectClrLst/>
+  </dgm:styleLbl>
+  <dgm:styleLbl name="parChTrans2D3">
+    <dgm:fillClrLst meth="repeat">
+      <a:schemeClr val="accent1">
+        <a:tint val="70000"/>
+      </a:schemeClr>
+    </dgm:fillClrLst>
+    <dgm:linClrLst meth="repeat">
+      <a:schemeClr val="accent1">
+        <a:tint val="70000"/>
+      </a:schemeClr>
+    </dgm:linClrLst>
+    <dgm:effectClrLst/>
+    <dgm:txLinClrLst/>
+    <dgm:txFillClrLst/>
+    <dgm:txEffectClrLst/>
+  </dgm:styleLbl>
+  <dgm:styleLbl name="parChTrans2D4">
+    <dgm:fillClrLst meth="repeat">
+      <a:schemeClr val="accent1">
+        <a:tint val="50000"/>
+      </a:schemeClr>
+    </dgm:fillClrLst>
+    <dgm:linClrLst meth="repeat">
+      <a:schemeClr val="accent1">
+        <a:tint val="50000"/>
+      </a:schemeClr>
+    </dgm:linClrLst>
+    <dgm:effectClrLst/>
+    <dgm:txLinClrLst/>
+    <dgm:txFillClrLst meth="repeat">
+      <a:schemeClr val="dk1"/>
+    </dgm:txFillClrLst>
+    <dgm:txEffectClrLst/>
+  </dgm:styleLbl>
+  <dgm:styleLbl name="parChTrans1D1">
+    <dgm:fillClrLst meth="repeat">
+      <a:schemeClr val="accent1">
+        <a:shade val="80000"/>
+      </a:schemeClr>
+    </dgm:fillClrLst>
+    <dgm:linClrLst meth="repeat">
+      <a:schemeClr val="accent1">
+        <a:shade val="80000"/>
+      </a:schemeClr>
+    </dgm:linClrLst>
+    <dgm:effectClrLst/>
+    <dgm:txLinClrLst/>
+    <dgm:txFillClrLst meth="repeat">
+      <a:schemeClr val="tx1"/>
+    </dgm:txFillClrLst>
+    <dgm:txEffectClrLst/>
+  </dgm:styleLbl>
+  <dgm:styleLbl name="parChTrans1D2">
+    <dgm:fillClrLst meth="repeat">
+      <a:schemeClr val="accent1">
+        <a:tint val="90000"/>
+      </a:schemeClr>
+    </dgm:fillClrLst>
+    <dgm:linClrLst meth="repeat">
+      <a:schemeClr val="accent1">
+        <a:tint val="90000"/>
+      </a:schemeClr>
+    </dgm:linClrLst>
+    <dgm:effectClrLst/>
+    <dgm:txLinClrLst/>
+    <dgm:txFillClrLst meth="repeat">
+      <a:schemeClr val="tx1"/>
+    </dgm:txFillClrLst>
+    <dgm:txEffectClrLst/>
+  </dgm:styleLbl>
+  <dgm:styleLbl name="parChTrans1D3">
+    <dgm:fillClrLst meth="repeat">
+      <a:schemeClr val="accent1">
+        <a:tint val="70000"/>
+      </a:schemeClr>
+    </dgm:fillClrLst>
+    <dgm:linClrLst meth="repeat">
+      <a:schemeClr val="accent1">
+        <a:tint val="70000"/>
+      </a:schemeClr>
+    </dgm:linClrLst>
+    <dgm:effectClrLst/>
+    <dgm:txLinClrLst/>
+    <dgm:txFillClrLst meth="repeat">
+      <a:schemeClr val="tx1"/>
+    </dgm:txFillClrLst>
+    <dgm:txEffectClrLst/>
+  </dgm:styleLbl>
+  <dgm:styleLbl name="parChTrans1D4">
+    <dgm:fillClrLst meth="repeat">
+      <a:schemeClr val="accent1">
+        <a:tint val="50000"/>
+      </a:schemeClr>
+    </dgm:fillClrLst>
+    <dgm:linClrLst meth="repeat">
+      <a:schemeClr val="accent1">
+        <a:tint val="50000"/>
+      </a:schemeClr>
+    </dgm:linClrLst>
+    <dgm:effectClrLst/>
+    <dgm:txLinClrLst/>
+    <dgm:txFillClrLst meth="repeat">
+      <a:schemeClr val="tx1"/>
+    </dgm:txFillClrLst>
+    <dgm:txEffectClrLst/>
+  </dgm:styleLbl>
+  <dgm:styleLbl name="fgAcc1">
+    <dgm:fillClrLst meth="repeat">
+      <a:schemeClr val="lt1">
+        <a:alpha val="90000"/>
+      </a:schemeClr>
+    </dgm:fillClrLst>
+    <dgm:linClrLst>
+      <a:schemeClr val="accent1">
+        <a:alpha val="90000"/>
+      </a:schemeClr>
+      <a:schemeClr val="accent1">
+        <a:alpha val="50000"/>
+      </a:schemeClr>
+    </dgm:linClrLst>
+    <dgm:effectClrLst/>
+    <dgm:txLinClrLst/>
+    <dgm:txFillClrLst meth="repeat">
+      <a:schemeClr val="dk1"/>
+    </dgm:txFillClrLst>
+    <dgm:txEffectClrLst/>
+  </dgm:styleLbl>
+  <dgm:styleLbl name="conFgAcc1">
+    <dgm:fillClrLst meth="repeat">
+      <a:schemeClr val="lt1">
+        <a:alpha val="90000"/>
+      </a:schemeClr>
+    </dgm:fillClrLst>
+    <dgm:linClrLst>
+      <a:schemeClr val="accent1">
+        <a:alpha val="90000"/>
+      </a:schemeClr>
+      <a:schemeClr val="accent1">
+        <a:alpha val="50000"/>
+      </a:schemeClr>
+    </dgm:linClrLst>
+    <dgm:effectClrLst/>
+    <dgm:txLinClrLst/>
+    <dgm:txFillClrLst meth="repeat">
+      <a:schemeClr val="dk1"/>
+    </dgm:txFillClrLst>
+    <dgm:txEffectClrLst/>
+  </dgm:styleLbl>
+  <dgm:styleLbl name="alignAcc1">
+    <dgm:fillClrLst meth="repeat">
+      <a:schemeClr val="lt1">
+        <a:alpha val="90000"/>
+      </a:schemeClr>
+    </dgm:fillClrLst>
+    <dgm:linClrLst>
+      <a:schemeClr val="accent1">
+        <a:alpha val="90000"/>
+      </a:schemeClr>
+      <a:schemeClr val="accent1">
+        <a:alpha val="50000"/>
+      </a:schemeClr>
+    </dgm:linClrLst>
+    <dgm:effectClrLst/>
+    <dgm:txLinClrLst/>
+    <dgm:txFillClrLst meth="repeat">
+      <a:schemeClr val="dk1"/>
+    </dgm:txFillClrLst>
+    <dgm:txEffectClrLst/>
+  </dgm:styleLbl>
+  <dgm:styleLbl name="trAlignAcc1">
+    <dgm:fillClrLst meth="repeat">
+      <a:schemeClr val="lt1">
+        <a:alpha val="40000"/>
+      </a:schemeClr>
+    </dgm:fillClrLst>
+    <dgm:linClrLst>
+      <a:schemeClr val="accent1">
+        <a:alpha val="90000"/>
+      </a:schemeClr>
+      <a:schemeClr val="accent1">
+        <a:alpha val="50000"/>
+      </a:schemeClr>
+    </dgm:linClrLst>
+    <dgm:effectClrLst/>
+    <dgm:txLinClrLst/>
+    <dgm:txFillClrLst meth="repeat">
+      <a:schemeClr val="dk1"/>
+    </dgm:txFillClrLst>
+    <dgm:txEffectClrLst/>
+  </dgm:styleLbl>
+  <dgm:styleLbl name="bgAcc1">
+    <dgm:fillClrLst meth="repeat">
+      <a:schemeClr val="lt1">
+        <a:alpha val="90000"/>
+      </a:schemeClr>
+    </dgm:fillClrLst>
+    <dgm:linClrLst>
+      <a:schemeClr val="accent1">
+        <a:alpha val="90000"/>
+      </a:schemeClr>
+      <a:schemeClr val="accent1">
+        <a:alpha val="50000"/>
+      </a:schemeClr>
+    </dgm:linClrLst>
+    <dgm:effectClrLst/>
+    <dgm:txLinClrLst/>
+    <dgm:txFillClrLst meth="repeat">
+      <a:schemeClr val="dk1"/>
+    </dgm:txFillClrLst>
+    <dgm:txEffectClrLst/>
+  </dgm:styleLbl>
+  <dgm:styleLbl name="solidFgAcc1">
+    <dgm:fillClrLst meth="repeat">
+      <a:schemeClr val="lt1"/>
+    </dgm:fillClrLst>
+    <dgm:linClrLst>
+      <a:schemeClr val="accent1">
+        <a:alpha val="90000"/>
+      </a:schemeClr>
+      <a:schemeClr val="accent1">
+        <a:alpha val="50000"/>
+      </a:schemeClr>
+    </dgm:linClrLst>
+    <dgm:effectClrLst/>
+    <dgm:txLinClrLst/>
+    <dgm:txFillClrLst meth="repeat">
+      <a:schemeClr val="dk1"/>
+    </dgm:txFillClrLst>
+    <dgm:txEffectClrLst/>
+  </dgm:styleLbl>
+  <dgm:styleLbl name="solidAlignAcc1">
+    <dgm:fillClrLst meth="repeat">
+      <a:schemeClr val="lt1"/>
+    </dgm:fillClrLst>
+    <dgm:linClrLst meth="repeat">
+      <a:schemeClr val="accent1"/>
+    </dgm:linClrLst>
+    <dgm:effectClrLst/>
+    <dgm:txLinClrLst/>
+    <dgm:txFillClrLst meth="repeat">
+      <a:schemeClr val="dk1"/>
+    </dgm:txFillClrLst>
+    <dgm:txEffectClrLst/>
+  </dgm:styleLbl>
+  <dgm:styleLbl name="solidBgAcc1">
+    <dgm:fillClrLst meth="repeat">
+      <a:schemeClr val="lt1"/>
+    </dgm:fillClrLst>
+    <dgm:linClrLst meth="repeat">
+      <a:schemeClr val="accent1"/>
+    </dgm:linClrLst>
+    <dgm:effectClrLst/>
+    <dgm:txLinClrLst/>
+    <dgm:txFillClrLst meth="repeat">
+      <a:schemeClr val="dk1"/>
+    </dgm:txFillClrLst>
+    <dgm:txEffectClrLst/>
+  </dgm:styleLbl>
+  <dgm:styleLbl name="fgAccFollowNode1">
+    <dgm:fillClrLst>
+      <a:schemeClr val="accent1">
+        <a:alpha val="90000"/>
+        <a:tint val="40000"/>
+      </a:schemeClr>
+      <a:schemeClr val="accent1">
+        <a:alpha val="50000"/>
+        <a:tint val="40000"/>
+      </a:schemeClr>
+    </dgm:fillClrLst>
+    <dgm:linClrLst meth="repeat">
+      <a:schemeClr val="accent1">
+        <a:alpha val="90000"/>
+        <a:tint val="40000"/>
+      </a:schemeClr>
+    </dgm:linClrLst>
+    <dgm:effectClrLst/>
+    <dgm:txLinClrLst/>
+    <dgm:txFillClrLst meth="repeat">
+      <a:schemeClr val="dk1"/>
+    </dgm:txFillClrLst>
+    <dgm:txEffectClrLst/>
+  </dgm:styleLbl>
+  <dgm:styleLbl name="alignAccFollowNode1">
+    <dgm:fillClrLst meth="repeat">
+      <a:schemeClr val="accent1">
+        <a:alpha val="90000"/>
+        <a:tint val="40000"/>
+      </a:schemeClr>
+    </dgm:fillClrLst>
+    <dgm:linClrLst meth="repeat">
+      <a:schemeClr val="accent1">
+        <a:alpha val="90000"/>
+        <a:tint val="40000"/>
+      </a:schemeClr>
+    </dgm:linClrLst>
+    <dgm:effectClrLst/>
+    <dgm:txLinClrLst/>
+    <dgm:txFillClrLst meth="repeat">
+      <a:schemeClr val="dk1"/>
+    </dgm:txFillClrLst>
+    <dgm:txEffectClrLst/>
+  </dgm:styleLbl>
+  <dgm:styleLbl name="bgAccFollowNode1">
+    <dgm:fillClrLst meth="repeat">
+      <a:schemeClr val="accent1">
+        <a:alpha val="90000"/>
+        <a:tint val="40000"/>
+      </a:schemeClr>
+    </dgm:fillClrLst>
+    <dgm:linClrLst meth="repeat">
+      <a:schemeClr val="lt1"/>
+    </dgm:linClrLst>
+    <dgm:effectClrLst/>
+    <dgm:txLinClrLst/>
+    <dgm:txFillClrLst meth="repeat">
+      <a:schemeClr val="dk1"/>
+    </dgm:txFillClrLst>
+    <dgm:txEffectClrLst/>
+  </dgm:styleLbl>
+  <dgm:styleLbl name="fgAcc0">
+    <dgm:fillClrLst meth="repeat">
+      <a:schemeClr val="lt1">
+        <a:alpha val="90000"/>
+      </a:schemeClr>
+    </dgm:fillClrLst>
+    <dgm:linClrLst meth="repeat">
+      <a:schemeClr val="accent1">
+        <a:shade val="80000"/>
+      </a:schemeClr>
+    </dgm:linClrLst>
+    <dgm:effectClrLst/>
+    <dgm:txLinClrLst/>
+    <dgm:txFillClrLst meth="repeat">
+      <a:schemeClr val="dk1"/>
+    </dgm:txFillClrLst>
+    <dgm:txEffectClrLst/>
+  </dgm:styleLbl>
+  <dgm:styleLbl name="fgAcc2">
+    <dgm:fillClrLst meth="repeat">
+      <a:schemeClr val="lt1">
+        <a:alpha val="90000"/>
+      </a:schemeClr>
+    </dgm:fillClrLst>
+    <dgm:linClrLst meth="repeat">
+      <a:schemeClr val="accent1">
+        <a:tint val="90000"/>
+      </a:schemeClr>
+    </dgm:linClrLst>
+    <dgm:effectClrLst/>
+    <dgm:txLinClrLst/>
+    <dgm:txFillClrLst meth="repeat">
+      <a:schemeClr val="dk1"/>
+    </dgm:txFillClrLst>
+    <dgm:txEffectClrLst/>
+  </dgm:styleLbl>
+  <dgm:styleLbl name="fgAcc3">
+    <dgm:fillClrLst meth="repeat">
+      <a:schemeClr val="lt1">
+        <a:alpha val="90000"/>
+      </a:schemeClr>
+    </dgm:fillClrLst>
+    <dgm:linClrLst meth="repeat">
+      <a:schemeClr val="accent1">
+        <a:tint val="70000"/>
+      </a:schemeClr>
+    </dgm:linClrLst>
+    <dgm:effectClrLst/>
+    <dgm:txLinClrLst/>
+    <dgm:txFillClrLst meth="repeat">
+      <a:schemeClr val="dk1"/>
+    </dgm:txFillClrLst>
+    <dgm:txEffectClrLst/>
+  </dgm:styleLbl>
+  <dgm:styleLbl name="fgAcc4">
+    <dgm:fillClrLst meth="repeat">
+      <a:schemeClr val="lt1">
+        <a:alpha val="90000"/>
+      </a:schemeClr>
+    </dgm:fillClrLst>
+    <dgm:linClrLst meth="repeat">
+      <a:schemeClr val="accent1">
+        <a:tint val="50000"/>
+      </a:schemeClr>
+    </dgm:linClrLst>
+    <dgm:effectClrLst/>
+    <dgm:txLinClrLst/>
+    <dgm:txFillClrLst meth="repeat">
+      <a:schemeClr val="dk1"/>
+    </dgm:txFillClrLst>
+    <dgm:txEffectClrLst/>
+  </dgm:styleLbl>
+  <dgm:styleLbl name="bgShp">
+    <dgm:fillClrLst meth="repeat">
+      <a:schemeClr val="accent1">
+        <a:tint val="40000"/>
+      </a:schemeClr>
+    </dgm:fillClrLst>
+    <dgm:linClrLst meth="repeat">
+      <a:schemeClr val="dk1"/>
+    </dgm:linClrLst>
+    <dgm:effectClrLst/>
+    <dgm:txLinClrLst/>
+    <dgm:txFillClrLst meth="repeat">
+      <a:schemeClr val="dk1"/>
+    </dgm:txFillClrLst>
+    <dgm:txEffectClrLst/>
+  </dgm:styleLbl>
+  <dgm:styleLbl name="dkBgShp">
+    <dgm:fillClrLst meth="repeat">
+      <a:schemeClr val="accent1">
+        <a:shade val="90000"/>
+      </a:schemeClr>
+    </dgm:fillClrLst>
+    <dgm:linClrLst meth="repeat">
+      <a:schemeClr val="dk1"/>
+    </dgm:linClrLst>
+    <dgm:effectClrLst/>
+    <dgm:txLinClrLst/>
+    <dgm:txFillClrLst meth="repeat">
+      <a:schemeClr val="lt1"/>
+    </dgm:txFillClrLst>
+    <dgm:txEffectClrLst/>
+  </dgm:styleLbl>
+  <dgm:styleLbl name="trBgShp">
+    <dgm:fillClrLst meth="repeat">
+      <a:schemeClr val="accent1">
+        <a:tint val="50000"/>
+        <a:alpha val="40000"/>
+      </a:schemeClr>
+    </dgm:fillClrLst>
+    <dgm:linClrLst meth="repeat">
+      <a:schemeClr val="accent1"/>
+    </dgm:linClrLst>
+    <dgm:effectClrLst/>
+    <dgm:txLinClrLst/>
+    <dgm:txFillClrLst meth="repeat">
+      <a:schemeClr val="lt1"/>
+    </dgm:txFillClrLst>
+    <dgm:txEffectClrLst/>
+  </dgm:styleLbl>
+  <dgm:styleLbl name="fgShp">
+    <dgm:fillClrLst meth="repeat">
+      <a:schemeClr val="accent1">
+        <a:tint val="40000"/>
+      </a:schemeClr>
+    </dgm:fillClrLst>
+    <dgm:linClrLst meth="repeat">
+      <a:schemeClr val="lt1"/>
+    </dgm:linClrLst>
+    <dgm:effectClrLst/>
+    <dgm:txLinClrLst/>
+    <dgm:txFillClrLst meth="repeat">
+      <a:schemeClr val="dk1"/>
+    </dgm:txFillClrLst>
+    <dgm:txEffectClrLst/>
+  </dgm:styleLbl>
+  <dgm:styleLbl name="revTx">
+    <dgm:fillClrLst meth="repeat">
+      <a:schemeClr val="lt1">
+        <a:alpha val="0"/>
+      </a:schemeClr>
+    </dgm:fillClrLst>
+    <dgm:linClrLst meth="repeat">
+      <a:schemeClr val="dk1">
+        <a:alpha val="0"/>
+      </a:schemeClr>
+    </dgm:linClrLst>
+    <dgm:effectClrLst/>
+    <dgm:txLinClrLst/>
+    <dgm:txFillClrLst meth="repeat">
+      <a:schemeClr val="tx1"/>
+    </dgm:txFillClrLst>
+    <dgm:txEffectClrLst/>
+  </dgm:styleLbl>
+</dgm:colorsDef>
+</file>
+
+<file path=ppt/diagrams/data1.xml><?xml version="1.0" encoding="utf-8"?>
+<dgm:dataModel xmlns:dgm="http://schemas.openxmlformats.org/drawingml/2006/diagram" xmlns:a="http://schemas.openxmlformats.org/drawingml/2006/main">
+  <dgm:ptLst>
+    <dgm:pt modelId="{0BE0B7E4-7B3A-4C57-8E0D-D9CEC7B2C43F}" type="doc">
+      <dgm:prSet loTypeId="urn:microsoft.com/office/officeart/2005/8/layout/hList3" loCatId="list" qsTypeId="urn:microsoft.com/office/officeart/2005/8/quickstyle/simple5" qsCatId="simple" csTypeId="urn:microsoft.com/office/officeart/2005/8/colors/accent1_5" csCatId="accent1" phldr="1"/>
+      <dgm:spPr/>
+      <dgm:t>
+        <a:bodyPr/>
+        <a:lstStyle/>
+        <a:p>
+          <a:endParaRPr lang="en-US"/>
+        </a:p>
+      </dgm:t>
+    </dgm:pt>
+    <dgm:pt modelId="{DD5F7AAF-112C-4A9A-B0AB-25D201DE691C}">
+      <dgm:prSet phldrT="[Text]"/>
+      <dgm:spPr/>
+      <dgm:t>
+        <a:bodyPr/>
+        <a:lstStyle/>
+        <a:p>
+          <a:r>
+            <a:rPr lang="en-US" dirty="0" smtClean="0"/>
+            <a:t>Reality Check: Hard Limits</a:t>
+          </a:r>
+          <a:endParaRPr lang="en-US" dirty="0"/>
+        </a:p>
+      </dgm:t>
+    </dgm:pt>
+    <dgm:pt modelId="{0AF58B15-8819-4F41-BC31-D4F4990EA83E}" type="parTrans" cxnId="{B22DA03B-039A-45C3-B0D1-DF34E49B1B9C}">
+      <dgm:prSet/>
+      <dgm:spPr/>
+      <dgm:t>
+        <a:bodyPr/>
+        <a:lstStyle/>
+        <a:p>
+          <a:endParaRPr lang="en-US"/>
+        </a:p>
+      </dgm:t>
+    </dgm:pt>
+    <dgm:pt modelId="{D5B6E5C5-8EAC-4BBA-B682-0A6F433BE19D}" type="sibTrans" cxnId="{B22DA03B-039A-45C3-B0D1-DF34E49B1B9C}">
+      <dgm:prSet/>
+      <dgm:spPr/>
+      <dgm:t>
+        <a:bodyPr/>
+        <a:lstStyle/>
+        <a:p>
+          <a:endParaRPr lang="en-US"/>
+        </a:p>
+      </dgm:t>
+    </dgm:pt>
+    <dgm:pt modelId="{FE3C5589-28CC-4922-A515-C6A04D6E4330}">
+      <dgm:prSet phldrT="[Text]"/>
+      <dgm:spPr/>
+      <dgm:t>
+        <a:bodyPr/>
+        <a:lstStyle/>
+        <a:p>
+          <a:r>
+            <a:rPr lang="en-US" u="none" dirty="0" smtClean="0"/>
+            <a:t>Physical Measurements</a:t>
+          </a:r>
+          <a:r>
+            <a:rPr lang="en-US" dirty="0" smtClean="0"/>
+            <a:t/>
+          </a:r>
+          <a:br>
+            <a:rPr lang="en-US" dirty="0" smtClean="0"/>
+          </a:br>
+          <a:r>
+            <a:rPr lang="en-US" b="1" dirty="0" smtClean="0"/>
+            <a:t>Heisenberg</a:t>
+          </a:r>
+        </a:p>
+        <a:p>
+          <a:endParaRPr lang="en-US" dirty="0"/>
+        </a:p>
+      </dgm:t>
+    </dgm:pt>
+    <dgm:pt modelId="{330CFBC0-0F30-4AEE-9E0A-F3FCAA43A528}" type="parTrans" cxnId="{B376B3A8-A7DE-438A-A849-2F6361E8D2EE}">
+      <dgm:prSet/>
+      <dgm:spPr/>
+      <dgm:t>
+        <a:bodyPr/>
+        <a:lstStyle/>
+        <a:p>
+          <a:endParaRPr lang="en-US"/>
+        </a:p>
+      </dgm:t>
+    </dgm:pt>
+    <dgm:pt modelId="{4A8147C1-EB5C-4D75-B688-D44A0CE15C05}" type="sibTrans" cxnId="{B376B3A8-A7DE-438A-A849-2F6361E8D2EE}">
+      <dgm:prSet/>
+      <dgm:spPr/>
+      <dgm:t>
+        <a:bodyPr/>
+        <a:lstStyle/>
+        <a:p>
+          <a:endParaRPr lang="en-US"/>
+        </a:p>
+      </dgm:t>
+    </dgm:pt>
+    <dgm:pt modelId="{1F812C4B-C766-4543-BEE2-04A11E090143}">
+      <dgm:prSet phldrT="[Text]"/>
+      <dgm:spPr/>
+      <dgm:t>
+        <a:bodyPr/>
+        <a:lstStyle/>
+        <a:p>
+          <a:r>
+            <a:rPr lang="en-US" u="none" dirty="0" smtClean="0"/>
+            <a:t>Physical Manipulation</a:t>
+          </a:r>
+          <a:r>
+            <a:rPr lang="en-US" dirty="0" smtClean="0"/>
+            <a:t/>
+          </a:r>
+          <a:br>
+            <a:rPr lang="en-US" dirty="0" smtClean="0"/>
+          </a:br>
+          <a:r>
+            <a:rPr lang="en-US" b="1" dirty="0" smtClean="0"/>
+            <a:t>Thermodynamics</a:t>
+          </a:r>
+        </a:p>
+        <a:p>
+          <a:endParaRPr lang="en-US" dirty="0"/>
+        </a:p>
+      </dgm:t>
+    </dgm:pt>
+    <dgm:pt modelId="{C739A147-2C62-4ACE-90A1-C0955BABC2C4}" type="parTrans" cxnId="{78761B21-9B33-4722-B7FF-1F6CF003FB15}">
+      <dgm:prSet/>
+      <dgm:spPr/>
+      <dgm:t>
+        <a:bodyPr/>
+        <a:lstStyle/>
+        <a:p>
+          <a:endParaRPr lang="en-US"/>
+        </a:p>
+      </dgm:t>
+    </dgm:pt>
+    <dgm:pt modelId="{0A392F54-15FD-4880-AFFC-412D43DAF163}" type="sibTrans" cxnId="{78761B21-9B33-4722-B7FF-1F6CF003FB15}">
+      <dgm:prSet/>
+      <dgm:spPr/>
+      <dgm:t>
+        <a:bodyPr/>
+        <a:lstStyle/>
+        <a:p>
+          <a:endParaRPr lang="en-US"/>
+        </a:p>
+      </dgm:t>
+    </dgm:pt>
+    <dgm:pt modelId="{B8956CD5-9D79-47AB-B9C6-418338D27EF3}">
+      <dgm:prSet phldrT="[Text]"/>
+      <dgm:spPr/>
+      <dgm:t>
+        <a:bodyPr/>
+        <a:lstStyle/>
+        <a:p>
+          <a:r>
+            <a:rPr lang="en-US" u="none" dirty="0" smtClean="0"/>
+            <a:t>Knowledge</a:t>
+          </a:r>
+          <a:r>
+            <a:rPr lang="en-US" dirty="0" smtClean="0"/>
+            <a:t/>
+          </a:r>
+          <a:br>
+            <a:rPr lang="en-US" dirty="0" smtClean="0"/>
+          </a:br>
+          <a:r>
+            <a:rPr lang="en-US" b="1" dirty="0" smtClean="0"/>
+            <a:t>Gödel</a:t>
+          </a:r>
+          <a:r>
+            <a:rPr lang="en-US" dirty="0" smtClean="0"/>
+            <a:t> </a:t>
+          </a:r>
+          <a:r>
+            <a:rPr lang="en-US" b="1" dirty="0" smtClean="0"/>
+            <a:t>Incompleteness</a:t>
+          </a:r>
+        </a:p>
+        <a:p>
+          <a:endParaRPr lang="en-US" dirty="0"/>
+        </a:p>
+      </dgm:t>
+    </dgm:pt>
+    <dgm:pt modelId="{19EE27EE-6D18-4D20-BABE-466DBF73A0A2}" type="parTrans" cxnId="{D8D947B3-BDB5-43D9-B157-ADEE56F9D92E}">
+      <dgm:prSet/>
+      <dgm:spPr/>
+      <dgm:t>
+        <a:bodyPr/>
+        <a:lstStyle/>
+        <a:p>
+          <a:endParaRPr lang="en-US"/>
+        </a:p>
+      </dgm:t>
+    </dgm:pt>
+    <dgm:pt modelId="{90C608AD-AF6B-4DB2-9CD4-5DA607B04748}" type="sibTrans" cxnId="{D8D947B3-BDB5-43D9-B157-ADEE56F9D92E}">
+      <dgm:prSet/>
+      <dgm:spPr/>
+      <dgm:t>
+        <a:bodyPr/>
+        <a:lstStyle/>
+        <a:p>
+          <a:endParaRPr lang="en-US"/>
+        </a:p>
+      </dgm:t>
+    </dgm:pt>
+    <dgm:pt modelId="{07F78074-4D04-47B5-9A4A-73E9D149CFA7}" type="pres">
+      <dgm:prSet presAssocID="{0BE0B7E4-7B3A-4C57-8E0D-D9CEC7B2C43F}" presName="composite" presStyleCnt="0">
+        <dgm:presLayoutVars>
+          <dgm:chMax val="1"/>
+          <dgm:dir/>
+          <dgm:resizeHandles val="exact"/>
+        </dgm:presLayoutVars>
+      </dgm:prSet>
+      <dgm:spPr/>
+    </dgm:pt>
+    <dgm:pt modelId="{80281D6B-4E1C-43D7-99D8-9D8AF1D3DBEF}" type="pres">
+      <dgm:prSet presAssocID="{DD5F7AAF-112C-4A9A-B0AB-25D201DE691C}" presName="roof" presStyleLbl="dkBgShp" presStyleIdx="0" presStyleCnt="2" custLinFactNeighborX="-92500" custLinFactNeighborY="-25000"/>
+      <dgm:spPr/>
+      <dgm:t>
+        <a:bodyPr/>
+        <a:lstStyle/>
+        <a:p>
+          <a:endParaRPr lang="en-US"/>
+        </a:p>
+      </dgm:t>
+    </dgm:pt>
+    <dgm:pt modelId="{ABCA2A22-7012-4CF5-8855-FAC95DE9F141}" type="pres">
+      <dgm:prSet presAssocID="{DD5F7AAF-112C-4A9A-B0AB-25D201DE691C}" presName="pillars" presStyleCnt="0"/>
+      <dgm:spPr/>
+    </dgm:pt>
+    <dgm:pt modelId="{8A58F5C7-FF6B-4E4A-B29F-D6A72C33BE24}" type="pres">
+      <dgm:prSet presAssocID="{DD5F7AAF-112C-4A9A-B0AB-25D201DE691C}" presName="pillar1" presStyleLbl="node1" presStyleIdx="0" presStyleCnt="3">
+        <dgm:presLayoutVars>
+          <dgm:bulletEnabled val="1"/>
+        </dgm:presLayoutVars>
+      </dgm:prSet>
+      <dgm:spPr/>
+      <dgm:t>
+        <a:bodyPr/>
+        <a:lstStyle/>
+        <a:p>
+          <a:endParaRPr lang="en-US"/>
+        </a:p>
+      </dgm:t>
+    </dgm:pt>
+    <dgm:pt modelId="{DFABE977-EA8A-44CD-81E4-CF31AB6A2BCC}" type="pres">
+      <dgm:prSet presAssocID="{1F812C4B-C766-4543-BEE2-04A11E090143}" presName="pillarX" presStyleLbl="node1" presStyleIdx="1" presStyleCnt="3">
+        <dgm:presLayoutVars>
+          <dgm:bulletEnabled val="1"/>
+        </dgm:presLayoutVars>
+      </dgm:prSet>
+      <dgm:spPr/>
+      <dgm:t>
+        <a:bodyPr/>
+        <a:lstStyle/>
+        <a:p>
+          <a:endParaRPr lang="en-US"/>
+        </a:p>
+      </dgm:t>
+    </dgm:pt>
+    <dgm:pt modelId="{AE560A81-FDE0-4A00-8814-E59B8DD569BD}" type="pres">
+      <dgm:prSet presAssocID="{B8956CD5-9D79-47AB-B9C6-418338D27EF3}" presName="pillarX" presStyleLbl="node1" presStyleIdx="2" presStyleCnt="3">
+        <dgm:presLayoutVars>
+          <dgm:bulletEnabled val="1"/>
+        </dgm:presLayoutVars>
+      </dgm:prSet>
+      <dgm:spPr/>
+      <dgm:t>
+        <a:bodyPr/>
+        <a:lstStyle/>
+        <a:p>
+          <a:endParaRPr lang="en-US"/>
+        </a:p>
+      </dgm:t>
+    </dgm:pt>
+    <dgm:pt modelId="{FCD564EC-0CD7-4D89-AF2E-50127DD4F3F0}" type="pres">
+      <dgm:prSet presAssocID="{DD5F7AAF-112C-4A9A-B0AB-25D201DE691C}" presName="base" presStyleLbl="dkBgShp" presStyleIdx="1" presStyleCnt="2"/>
+      <dgm:spPr/>
+    </dgm:pt>
+  </dgm:ptLst>
+  <dgm:cxnLst>
+    <dgm:cxn modelId="{B22DA03B-039A-45C3-B0D1-DF34E49B1B9C}" srcId="{0BE0B7E4-7B3A-4C57-8E0D-D9CEC7B2C43F}" destId="{DD5F7AAF-112C-4A9A-B0AB-25D201DE691C}" srcOrd="0" destOrd="0" parTransId="{0AF58B15-8819-4F41-BC31-D4F4990EA83E}" sibTransId="{D5B6E5C5-8EAC-4BBA-B682-0A6F433BE19D}"/>
+    <dgm:cxn modelId="{78761B21-9B33-4722-B7FF-1F6CF003FB15}" srcId="{DD5F7AAF-112C-4A9A-B0AB-25D201DE691C}" destId="{1F812C4B-C766-4543-BEE2-04A11E090143}" srcOrd="1" destOrd="0" parTransId="{C739A147-2C62-4ACE-90A1-C0955BABC2C4}" sibTransId="{0A392F54-15FD-4880-AFFC-412D43DAF163}"/>
+    <dgm:cxn modelId="{300E60B2-40D7-46A2-AE63-D3BC203D6E08}" type="presOf" srcId="{DD5F7AAF-112C-4A9A-B0AB-25D201DE691C}" destId="{80281D6B-4E1C-43D7-99D8-9D8AF1D3DBEF}" srcOrd="0" destOrd="0" presId="urn:microsoft.com/office/officeart/2005/8/layout/hList3"/>
+    <dgm:cxn modelId="{ED6505E7-8197-4ECD-A44A-6B97446BA520}" type="presOf" srcId="{1F812C4B-C766-4543-BEE2-04A11E090143}" destId="{DFABE977-EA8A-44CD-81E4-CF31AB6A2BCC}" srcOrd="0" destOrd="0" presId="urn:microsoft.com/office/officeart/2005/8/layout/hList3"/>
+    <dgm:cxn modelId="{6EBCD054-98D6-4D75-8368-A8DAE9FEED66}" type="presOf" srcId="{FE3C5589-28CC-4922-A515-C6A04D6E4330}" destId="{8A58F5C7-FF6B-4E4A-B29F-D6A72C33BE24}" srcOrd="0" destOrd="0" presId="urn:microsoft.com/office/officeart/2005/8/layout/hList3"/>
+    <dgm:cxn modelId="{D8D947B3-BDB5-43D9-B157-ADEE56F9D92E}" srcId="{DD5F7AAF-112C-4A9A-B0AB-25D201DE691C}" destId="{B8956CD5-9D79-47AB-B9C6-418338D27EF3}" srcOrd="2" destOrd="0" parTransId="{19EE27EE-6D18-4D20-BABE-466DBF73A0A2}" sibTransId="{90C608AD-AF6B-4DB2-9CD4-5DA607B04748}"/>
+    <dgm:cxn modelId="{7BA506CE-B74F-4CC4-9823-5C3D2DD28F8E}" type="presOf" srcId="{B8956CD5-9D79-47AB-B9C6-418338D27EF3}" destId="{AE560A81-FDE0-4A00-8814-E59B8DD569BD}" srcOrd="0" destOrd="0" presId="urn:microsoft.com/office/officeart/2005/8/layout/hList3"/>
+    <dgm:cxn modelId="{A85192B7-D7D6-40F0-8C41-7D4DAFACBC26}" type="presOf" srcId="{0BE0B7E4-7B3A-4C57-8E0D-D9CEC7B2C43F}" destId="{07F78074-4D04-47B5-9A4A-73E9D149CFA7}" srcOrd="0" destOrd="0" presId="urn:microsoft.com/office/officeart/2005/8/layout/hList3"/>
+    <dgm:cxn modelId="{B376B3A8-A7DE-438A-A849-2F6361E8D2EE}" srcId="{DD5F7AAF-112C-4A9A-B0AB-25D201DE691C}" destId="{FE3C5589-28CC-4922-A515-C6A04D6E4330}" srcOrd="0" destOrd="0" parTransId="{330CFBC0-0F30-4AEE-9E0A-F3FCAA43A528}" sibTransId="{4A8147C1-EB5C-4D75-B688-D44A0CE15C05}"/>
+    <dgm:cxn modelId="{CF89DCBE-014C-44D5-938E-1F6DF94FAD35}" type="presParOf" srcId="{07F78074-4D04-47B5-9A4A-73E9D149CFA7}" destId="{80281D6B-4E1C-43D7-99D8-9D8AF1D3DBEF}" srcOrd="0" destOrd="0" presId="urn:microsoft.com/office/officeart/2005/8/layout/hList3"/>
+    <dgm:cxn modelId="{6C61A940-3279-4BDC-961E-DD421BF9BD28}" type="presParOf" srcId="{07F78074-4D04-47B5-9A4A-73E9D149CFA7}" destId="{ABCA2A22-7012-4CF5-8855-FAC95DE9F141}" srcOrd="1" destOrd="0" presId="urn:microsoft.com/office/officeart/2005/8/layout/hList3"/>
+    <dgm:cxn modelId="{4E693597-8918-461A-B7AF-97BD7573EEFE}" type="presParOf" srcId="{ABCA2A22-7012-4CF5-8855-FAC95DE9F141}" destId="{8A58F5C7-FF6B-4E4A-B29F-D6A72C33BE24}" srcOrd="0" destOrd="0" presId="urn:microsoft.com/office/officeart/2005/8/layout/hList3"/>
+    <dgm:cxn modelId="{3F623073-68EA-46D7-8487-3B6656E7EA0B}" type="presParOf" srcId="{ABCA2A22-7012-4CF5-8855-FAC95DE9F141}" destId="{DFABE977-EA8A-44CD-81E4-CF31AB6A2BCC}" srcOrd="1" destOrd="0" presId="urn:microsoft.com/office/officeart/2005/8/layout/hList3"/>
+    <dgm:cxn modelId="{5C1C7421-E1AD-4173-BC59-065998D6F72E}" type="presParOf" srcId="{ABCA2A22-7012-4CF5-8855-FAC95DE9F141}" destId="{AE560A81-FDE0-4A00-8814-E59B8DD569BD}" srcOrd="2" destOrd="0" presId="urn:microsoft.com/office/officeart/2005/8/layout/hList3"/>
+    <dgm:cxn modelId="{E14CE5DB-1EB2-4053-9F8D-DF906C62449C}" type="presParOf" srcId="{07F78074-4D04-47B5-9A4A-73E9D149CFA7}" destId="{FCD564EC-0CD7-4D89-AF2E-50127DD4F3F0}" srcOrd="2" destOrd="0" presId="urn:microsoft.com/office/officeart/2005/8/layout/hList3"/>
+  </dgm:cxnLst>
+  <dgm:bg/>
+  <dgm:whole/>
+  <dgm:extLst>
+    <a:ext uri="http://schemas.microsoft.com/office/drawing/2008/diagram">
+      <dsp:dataModelExt xmlns:dsp="http://schemas.microsoft.com/office/drawing/2008/diagram" relId="rId7" minVer="http://schemas.openxmlformats.org/drawingml/2006/diagram"/>
+    </a:ext>
+  </dgm:extLst>
+</dgm:dataModel>
+</file>
+
+<file path=ppt/diagrams/drawing1.xml><?xml version="1.0" encoding="utf-8"?>
+<dsp:drawing xmlns:dgm="http://schemas.openxmlformats.org/drawingml/2006/diagram" xmlns:dsp="http://schemas.microsoft.com/office/drawing/2008/diagram" xmlns:a="http://schemas.openxmlformats.org/drawingml/2006/main">
+  <dsp:spTree>
+    <dsp:nvGrpSpPr>
+      <dsp:cNvPr id="0" name=""/>
+      <dsp:cNvGrpSpPr/>
+    </dsp:nvGrpSpPr>
+    <dsp:grpSpPr/>
+    <dsp:sp modelId="{80281D6B-4E1C-43D7-99D8-9D8AF1D3DBEF}">
+      <dsp:nvSpPr>
+        <dsp:cNvPr id="0" name=""/>
+        <dsp:cNvSpPr/>
+      </dsp:nvSpPr>
+      <dsp:spPr>
+        <a:xfrm>
+          <a:off x="0" y="0"/>
+          <a:ext cx="7848600" cy="1219200"/>
+        </a:xfrm>
+        <a:prstGeom prst="rect">
+          <a:avLst/>
+        </a:prstGeom>
+        <a:solidFill>
+          <a:schemeClr val="accent1">
+            <a:shade val="90000"/>
+            <a:hueOff val="0"/>
+            <a:satOff val="0"/>
+            <a:lumOff val="0"/>
+            <a:alphaOff val="0"/>
+          </a:schemeClr>
+        </a:solidFill>
+        <a:ln>
+          <a:noFill/>
+        </a:ln>
+        <a:effectLst>
+          <a:outerShdw blurRad="40000" dist="23000" dir="5400000" rotWithShape="0">
+            <a:srgbClr val="000000">
+              <a:alpha val="35000"/>
+            </a:srgbClr>
+          </a:outerShdw>
+        </a:effectLst>
+        <a:scene3d>
+          <a:camera prst="orthographicFront">
+            <a:rot lat="0" lon="0" rev="0"/>
+          </a:camera>
+          <a:lightRig rig="threePt" dir="t">
+            <a:rot lat="0" lon="0" rev="1200000"/>
+          </a:lightRig>
+        </a:scene3d>
+        <a:sp3d>
+          <a:bevelT w="63500" h="25400"/>
+        </a:sp3d>
+      </dsp:spPr>
+      <dsp:style>
+        <a:lnRef idx="0">
+          <a:scrgbClr r="0" g="0" b="0"/>
+        </a:lnRef>
+        <a:fillRef idx="1">
+          <a:scrgbClr r="0" g="0" b="0"/>
+        </a:fillRef>
+        <a:effectRef idx="3">
+          <a:scrgbClr r="0" g="0" b="0"/>
+        </a:effectRef>
+        <a:fontRef idx="minor"/>
+      </dsp:style>
+      <dsp:txBody>
+        <a:bodyPr spcFirstLastPara="0" vert="horz" wrap="square" lIns="209550" tIns="209550" rIns="209550" bIns="209550" numCol="1" spcCol="1270" anchor="ctr" anchorCtr="0">
+          <a:noAutofit/>
+        </a:bodyPr>
+        <a:lstStyle/>
+        <a:p>
+          <a:pPr lvl="0" algn="ctr" defTabSz="2444750">
+            <a:lnSpc>
+              <a:spcPct val="90000"/>
+            </a:lnSpc>
+            <a:spcBef>
+              <a:spcPct val="0"/>
+            </a:spcBef>
+            <a:spcAft>
+              <a:spcPct val="35000"/>
+            </a:spcAft>
+          </a:pPr>
+          <a:r>
+            <a:rPr lang="en-US" sz="5500" kern="1200" dirty="0" smtClean="0"/>
+            <a:t>Reality Check: Hard Limits</a:t>
+          </a:r>
+          <a:endParaRPr lang="en-US" sz="5500" kern="1200" dirty="0"/>
+        </a:p>
+      </dsp:txBody>
+      <dsp:txXfrm>
+        <a:off x="0" y="0"/>
+        <a:ext cx="7848600" cy="1219200"/>
+      </dsp:txXfrm>
+    </dsp:sp>
+    <dsp:sp modelId="{8A58F5C7-FF6B-4E4A-B29F-D6A72C33BE24}">
+      <dsp:nvSpPr>
+        <dsp:cNvPr id="0" name=""/>
+        <dsp:cNvSpPr/>
+      </dsp:nvSpPr>
+      <dsp:spPr>
+        <a:xfrm>
+          <a:off x="3832" y="1219200"/>
+          <a:ext cx="2613645" cy="2560320"/>
+        </a:xfrm>
+        <a:prstGeom prst="rect">
+          <a:avLst/>
+        </a:prstGeom>
+        <a:gradFill rotWithShape="0">
+          <a:gsLst>
+            <a:gs pos="0">
+              <a:schemeClr val="accent1">
+                <a:alpha val="90000"/>
+                <a:hueOff val="0"/>
+                <a:satOff val="0"/>
+                <a:lumOff val="0"/>
+                <a:alphaOff val="0"/>
+                <a:shade val="51000"/>
+                <a:satMod val="130000"/>
+              </a:schemeClr>
+            </a:gs>
+            <a:gs pos="80000">
+              <a:schemeClr val="accent1">
+                <a:alpha val="90000"/>
+                <a:hueOff val="0"/>
+                <a:satOff val="0"/>
+                <a:lumOff val="0"/>
+                <a:alphaOff val="0"/>
+                <a:shade val="93000"/>
+                <a:satMod val="130000"/>
+              </a:schemeClr>
+            </a:gs>
+            <a:gs pos="100000">
+              <a:schemeClr val="accent1">
+                <a:alpha val="90000"/>
+                <a:hueOff val="0"/>
+                <a:satOff val="0"/>
+                <a:lumOff val="0"/>
+                <a:alphaOff val="0"/>
+                <a:shade val="94000"/>
+                <a:satMod val="135000"/>
+              </a:schemeClr>
+            </a:gs>
+          </a:gsLst>
+          <a:lin ang="16200000" scaled="0"/>
+        </a:gradFill>
+        <a:ln>
+          <a:noFill/>
+        </a:ln>
+        <a:effectLst>
+          <a:outerShdw blurRad="40000" dist="23000" dir="5400000" rotWithShape="0">
+            <a:srgbClr val="000000">
+              <a:alpha val="35000"/>
+            </a:srgbClr>
+          </a:outerShdw>
+        </a:effectLst>
+        <a:scene3d>
+          <a:camera prst="orthographicFront">
+            <a:rot lat="0" lon="0" rev="0"/>
+          </a:camera>
+          <a:lightRig rig="threePt" dir="t">
+            <a:rot lat="0" lon="0" rev="1200000"/>
+          </a:lightRig>
+        </a:scene3d>
+        <a:sp3d>
+          <a:bevelT w="63500" h="25400"/>
+        </a:sp3d>
+      </dsp:spPr>
+      <dsp:style>
+        <a:lnRef idx="0">
+          <a:scrgbClr r="0" g="0" b="0"/>
+        </a:lnRef>
+        <a:fillRef idx="3">
+          <a:scrgbClr r="0" g="0" b="0"/>
+        </a:fillRef>
+        <a:effectRef idx="3">
+          <a:scrgbClr r="0" g="0" b="0"/>
+        </a:effectRef>
+        <a:fontRef idx="minor">
+          <a:schemeClr val="lt1"/>
+        </a:fontRef>
+      </dsp:style>
+      <dsp:txBody>
+        <a:bodyPr spcFirstLastPara="0" vert="horz" wrap="square" lIns="99060" tIns="99060" rIns="99060" bIns="99060" numCol="1" spcCol="1270" anchor="ctr" anchorCtr="0">
+          <a:noAutofit/>
+        </a:bodyPr>
+        <a:lstStyle/>
+        <a:p>
+          <a:pPr lvl="0" algn="ctr" defTabSz="1155700">
+            <a:lnSpc>
+              <a:spcPct val="90000"/>
+            </a:lnSpc>
+            <a:spcBef>
+              <a:spcPct val="0"/>
+            </a:spcBef>
+            <a:spcAft>
+              <a:spcPct val="35000"/>
+            </a:spcAft>
+          </a:pPr>
+          <a:r>
+            <a:rPr lang="en-US" sz="2600" u="none" kern="1200" dirty="0" smtClean="0"/>
+            <a:t>Physical Measurements</a:t>
+          </a:r>
+          <a:r>
+            <a:rPr lang="en-US" sz="2600" kern="1200" dirty="0" smtClean="0"/>
+            <a:t/>
+          </a:r>
+          <a:br>
+            <a:rPr lang="en-US" sz="2600" kern="1200" dirty="0" smtClean="0"/>
+          </a:br>
+          <a:r>
+            <a:rPr lang="en-US" sz="2600" b="1" kern="1200" dirty="0" smtClean="0"/>
+            <a:t>Heisenberg</a:t>
+          </a:r>
+        </a:p>
+        <a:p>
+          <a:pPr lvl="0" algn="ctr" defTabSz="1155700">
+            <a:lnSpc>
+              <a:spcPct val="90000"/>
+            </a:lnSpc>
+            <a:spcBef>
+              <a:spcPct val="0"/>
+            </a:spcBef>
+            <a:spcAft>
+              <a:spcPct val="35000"/>
+            </a:spcAft>
+          </a:pPr>
+          <a:endParaRPr lang="en-US" sz="2600" kern="1200" dirty="0"/>
+        </a:p>
+      </dsp:txBody>
+      <dsp:txXfrm>
+        <a:off x="3832" y="1219200"/>
+        <a:ext cx="2613645" cy="2560320"/>
+      </dsp:txXfrm>
+    </dsp:sp>
+    <dsp:sp modelId="{DFABE977-EA8A-44CD-81E4-CF31AB6A2BCC}">
+      <dsp:nvSpPr>
+        <dsp:cNvPr id="0" name=""/>
+        <dsp:cNvSpPr/>
+      </dsp:nvSpPr>
+      <dsp:spPr>
+        <a:xfrm>
+          <a:off x="2617477" y="1219200"/>
+          <a:ext cx="2613645" cy="2560320"/>
+        </a:xfrm>
+        <a:prstGeom prst="rect">
+          <a:avLst/>
+        </a:prstGeom>
+        <a:gradFill rotWithShape="0">
+          <a:gsLst>
+            <a:gs pos="0">
+              <a:schemeClr val="accent1">
+                <a:alpha val="90000"/>
+                <a:hueOff val="0"/>
+                <a:satOff val="0"/>
+                <a:lumOff val="0"/>
+                <a:alphaOff val="-20000"/>
+                <a:shade val="51000"/>
+                <a:satMod val="130000"/>
+              </a:schemeClr>
+            </a:gs>
+            <a:gs pos="80000">
+              <a:schemeClr val="accent1">
+                <a:alpha val="90000"/>
+                <a:hueOff val="0"/>
+                <a:satOff val="0"/>
+                <a:lumOff val="0"/>
+                <a:alphaOff val="-20000"/>
+                <a:shade val="93000"/>
+                <a:satMod val="130000"/>
+              </a:schemeClr>
+            </a:gs>
+            <a:gs pos="100000">
+              <a:schemeClr val="accent1">
+                <a:alpha val="90000"/>
+                <a:hueOff val="0"/>
+                <a:satOff val="0"/>
+                <a:lumOff val="0"/>
+                <a:alphaOff val="-20000"/>
+                <a:shade val="94000"/>
+                <a:satMod val="135000"/>
+              </a:schemeClr>
+            </a:gs>
+          </a:gsLst>
+          <a:lin ang="16200000" scaled="0"/>
+        </a:gradFill>
+        <a:ln>
+          <a:noFill/>
+        </a:ln>
+        <a:effectLst>
+          <a:outerShdw blurRad="40000" dist="23000" dir="5400000" rotWithShape="0">
+            <a:srgbClr val="000000">
+              <a:alpha val="35000"/>
+            </a:srgbClr>
+          </a:outerShdw>
+        </a:effectLst>
+        <a:scene3d>
+          <a:camera prst="orthographicFront">
+            <a:rot lat="0" lon="0" rev="0"/>
+          </a:camera>
+          <a:lightRig rig="threePt" dir="t">
+            <a:rot lat="0" lon="0" rev="1200000"/>
+          </a:lightRig>
+        </a:scene3d>
+        <a:sp3d>
+          <a:bevelT w="63500" h="25400"/>
+        </a:sp3d>
+      </dsp:spPr>
+      <dsp:style>
+        <a:lnRef idx="0">
+          <a:scrgbClr r="0" g="0" b="0"/>
+        </a:lnRef>
+        <a:fillRef idx="3">
+          <a:scrgbClr r="0" g="0" b="0"/>
+        </a:fillRef>
+        <a:effectRef idx="3">
+          <a:scrgbClr r="0" g="0" b="0"/>
+        </a:effectRef>
+        <a:fontRef idx="minor">
+          <a:schemeClr val="lt1"/>
+        </a:fontRef>
+      </dsp:style>
+      <dsp:txBody>
+        <a:bodyPr spcFirstLastPara="0" vert="horz" wrap="square" lIns="99060" tIns="99060" rIns="99060" bIns="99060" numCol="1" spcCol="1270" anchor="ctr" anchorCtr="0">
+          <a:noAutofit/>
+        </a:bodyPr>
+        <a:lstStyle/>
+        <a:p>
+          <a:pPr lvl="0" algn="ctr" defTabSz="1155700">
+            <a:lnSpc>
+              <a:spcPct val="90000"/>
+            </a:lnSpc>
+            <a:spcBef>
+              <a:spcPct val="0"/>
+            </a:spcBef>
+            <a:spcAft>
+              <a:spcPct val="35000"/>
+            </a:spcAft>
+          </a:pPr>
+          <a:r>
+            <a:rPr lang="en-US" sz="2600" u="none" kern="1200" dirty="0" smtClean="0"/>
+            <a:t>Physical Manipulation</a:t>
+          </a:r>
+          <a:r>
+            <a:rPr lang="en-US" sz="2600" kern="1200" dirty="0" smtClean="0"/>
+            <a:t/>
+          </a:r>
+          <a:br>
+            <a:rPr lang="en-US" sz="2600" kern="1200" dirty="0" smtClean="0"/>
+          </a:br>
+          <a:r>
+            <a:rPr lang="en-US" sz="2600" b="1" kern="1200" dirty="0" smtClean="0"/>
+            <a:t>Thermodynamics</a:t>
+          </a:r>
+        </a:p>
+        <a:p>
+          <a:pPr lvl="0" algn="ctr" defTabSz="1155700">
+            <a:lnSpc>
+              <a:spcPct val="90000"/>
+            </a:lnSpc>
+            <a:spcBef>
+              <a:spcPct val="0"/>
+            </a:spcBef>
+            <a:spcAft>
+              <a:spcPct val="35000"/>
+            </a:spcAft>
+          </a:pPr>
+          <a:endParaRPr lang="en-US" sz="2600" kern="1200" dirty="0"/>
+        </a:p>
+      </dsp:txBody>
+      <dsp:txXfrm>
+        <a:off x="2617477" y="1219200"/>
+        <a:ext cx="2613645" cy="2560320"/>
+      </dsp:txXfrm>
+    </dsp:sp>
+    <dsp:sp modelId="{AE560A81-FDE0-4A00-8814-E59B8DD569BD}">
+      <dsp:nvSpPr>
+        <dsp:cNvPr id="0" name=""/>
+        <dsp:cNvSpPr/>
+      </dsp:nvSpPr>
+      <dsp:spPr>
+        <a:xfrm>
+          <a:off x="5231122" y="1219200"/>
+          <a:ext cx="2613645" cy="2560320"/>
+        </a:xfrm>
+        <a:prstGeom prst="rect">
+          <a:avLst/>
+        </a:prstGeom>
+        <a:gradFill rotWithShape="0">
+          <a:gsLst>
+            <a:gs pos="0">
+              <a:schemeClr val="accent1">
+                <a:alpha val="90000"/>
+                <a:hueOff val="0"/>
+                <a:satOff val="0"/>
+                <a:lumOff val="0"/>
+                <a:alphaOff val="-40000"/>
+                <a:shade val="51000"/>
+                <a:satMod val="130000"/>
+              </a:schemeClr>
+            </a:gs>
+            <a:gs pos="80000">
+              <a:schemeClr val="accent1">
+                <a:alpha val="90000"/>
+                <a:hueOff val="0"/>
+                <a:satOff val="0"/>
+                <a:lumOff val="0"/>
+                <a:alphaOff val="-40000"/>
+                <a:shade val="93000"/>
+                <a:satMod val="130000"/>
+              </a:schemeClr>
+            </a:gs>
+            <a:gs pos="100000">
+              <a:schemeClr val="accent1">
+                <a:alpha val="90000"/>
+                <a:hueOff val="0"/>
+                <a:satOff val="0"/>
+                <a:lumOff val="0"/>
+                <a:alphaOff val="-40000"/>
+                <a:shade val="94000"/>
+                <a:satMod val="135000"/>
+              </a:schemeClr>
+            </a:gs>
+          </a:gsLst>
+          <a:lin ang="16200000" scaled="0"/>
+        </a:gradFill>
+        <a:ln>
+          <a:noFill/>
+        </a:ln>
+        <a:effectLst>
+          <a:outerShdw blurRad="40000" dist="23000" dir="5400000" rotWithShape="0">
+            <a:srgbClr val="000000">
+              <a:alpha val="35000"/>
+            </a:srgbClr>
+          </a:outerShdw>
+        </a:effectLst>
+        <a:scene3d>
+          <a:camera prst="orthographicFront">
+            <a:rot lat="0" lon="0" rev="0"/>
+          </a:camera>
+          <a:lightRig rig="threePt" dir="t">
+            <a:rot lat="0" lon="0" rev="1200000"/>
+          </a:lightRig>
+        </a:scene3d>
+        <a:sp3d>
+          <a:bevelT w="63500" h="25400"/>
+        </a:sp3d>
+      </dsp:spPr>
+      <dsp:style>
+        <a:lnRef idx="0">
+          <a:scrgbClr r="0" g="0" b="0"/>
+        </a:lnRef>
+        <a:fillRef idx="3">
+          <a:scrgbClr r="0" g="0" b="0"/>
+        </a:fillRef>
+        <a:effectRef idx="3">
+          <a:scrgbClr r="0" g="0" b="0"/>
+        </a:effectRef>
+        <a:fontRef idx="minor">
+          <a:schemeClr val="lt1"/>
+        </a:fontRef>
+      </dsp:style>
+      <dsp:txBody>
+        <a:bodyPr spcFirstLastPara="0" vert="horz" wrap="square" lIns="99060" tIns="99060" rIns="99060" bIns="99060" numCol="1" spcCol="1270" anchor="ctr" anchorCtr="0">
+          <a:noAutofit/>
+        </a:bodyPr>
+        <a:lstStyle/>
+        <a:p>
+          <a:pPr lvl="0" algn="ctr" defTabSz="1155700">
+            <a:lnSpc>
+              <a:spcPct val="90000"/>
+            </a:lnSpc>
+            <a:spcBef>
+              <a:spcPct val="0"/>
+            </a:spcBef>
+            <a:spcAft>
+              <a:spcPct val="35000"/>
+            </a:spcAft>
+          </a:pPr>
+          <a:r>
+            <a:rPr lang="en-US" sz="2600" u="none" kern="1200" dirty="0" smtClean="0"/>
+            <a:t>Knowledge</a:t>
+          </a:r>
+          <a:r>
+            <a:rPr lang="en-US" sz="2600" kern="1200" dirty="0" smtClean="0"/>
+            <a:t/>
+          </a:r>
+          <a:br>
+            <a:rPr lang="en-US" sz="2600" kern="1200" dirty="0" smtClean="0"/>
+          </a:br>
+          <a:r>
+            <a:rPr lang="en-US" sz="2600" b="1" kern="1200" dirty="0" smtClean="0"/>
+            <a:t>Gödel</a:t>
+          </a:r>
+          <a:r>
+            <a:rPr lang="en-US" sz="2600" kern="1200" dirty="0" smtClean="0"/>
+            <a:t> </a:t>
+          </a:r>
+          <a:r>
+            <a:rPr lang="en-US" sz="2600" b="1" kern="1200" dirty="0" smtClean="0"/>
+            <a:t>Incompleteness</a:t>
+          </a:r>
+        </a:p>
+        <a:p>
+          <a:pPr lvl="0" algn="ctr" defTabSz="1155700">
+            <a:lnSpc>
+              <a:spcPct val="90000"/>
+            </a:lnSpc>
+            <a:spcBef>
+              <a:spcPct val="0"/>
+            </a:spcBef>
+            <a:spcAft>
+              <a:spcPct val="35000"/>
+            </a:spcAft>
+          </a:pPr>
+          <a:endParaRPr lang="en-US" sz="2600" kern="1200" dirty="0"/>
+        </a:p>
+      </dsp:txBody>
+      <dsp:txXfrm>
+        <a:off x="5231122" y="1219200"/>
+        <a:ext cx="2613645" cy="2560320"/>
+      </dsp:txXfrm>
+    </dsp:sp>
+    <dsp:sp modelId="{FCD564EC-0CD7-4D89-AF2E-50127DD4F3F0}">
+      <dsp:nvSpPr>
+        <dsp:cNvPr id="0" name=""/>
+        <dsp:cNvSpPr/>
+      </dsp:nvSpPr>
+      <dsp:spPr>
+        <a:xfrm>
+          <a:off x="0" y="3779519"/>
+          <a:ext cx="7848600" cy="284480"/>
+        </a:xfrm>
+        <a:prstGeom prst="rect">
+          <a:avLst/>
+        </a:prstGeom>
+        <a:solidFill>
+          <a:schemeClr val="accent1">
+            <a:shade val="90000"/>
+            <a:hueOff val="0"/>
+            <a:satOff val="0"/>
+            <a:lumOff val="0"/>
+            <a:alphaOff val="0"/>
+          </a:schemeClr>
+        </a:solidFill>
+        <a:ln>
+          <a:noFill/>
+        </a:ln>
+        <a:effectLst>
+          <a:outerShdw blurRad="40000" dist="23000" dir="5400000" rotWithShape="0">
+            <a:srgbClr val="000000">
+              <a:alpha val="35000"/>
+            </a:srgbClr>
+          </a:outerShdw>
+        </a:effectLst>
+        <a:scene3d>
+          <a:camera prst="orthographicFront">
+            <a:rot lat="0" lon="0" rev="0"/>
+          </a:camera>
+          <a:lightRig rig="threePt" dir="t">
+            <a:rot lat="0" lon="0" rev="1200000"/>
+          </a:lightRig>
+        </a:scene3d>
+        <a:sp3d>
+          <a:bevelT w="63500" h="25400"/>
+        </a:sp3d>
+      </dsp:spPr>
+      <dsp:style>
+        <a:lnRef idx="0">
+          <a:scrgbClr r="0" g="0" b="0"/>
+        </a:lnRef>
+        <a:fillRef idx="1">
+          <a:scrgbClr r="0" g="0" b="0"/>
+        </a:fillRef>
+        <a:effectRef idx="3">
+          <a:scrgbClr r="0" g="0" b="0"/>
+        </a:effectRef>
+        <a:fontRef idx="minor"/>
+      </dsp:style>
+    </dsp:sp>
+  </dsp:spTree>
+</dsp:drawing>
+</file>
+
+<file path=ppt/diagrams/layout1.xml><?xml version="1.0" encoding="utf-8"?>
+<dgm:layoutDef xmlns:dgm="http://schemas.openxmlformats.org/drawingml/2006/diagram" xmlns:a="http://schemas.openxmlformats.org/drawingml/2006/main" uniqueId="urn:microsoft.com/office/officeart/2005/8/layout/hList3">
+  <dgm:title val=""/>
+  <dgm:desc val=""/>
+  <dgm:catLst>
+    <dgm:cat type="list" pri="19000"/>
+  </dgm:catLst>
+  <dgm:sampData>
+    <dgm:dataModel>
+      <dgm:ptLst>
+        <dgm:pt modelId="0" type="doc"/>
+        <dgm:pt modelId="1">
+          <dgm:prSet phldr="1"/>
+        </dgm:pt>
+        <dgm:pt modelId="2">
+          <dgm:prSet phldr="1"/>
+        </dgm:pt>
+        <dgm:pt modelId="3">
+          <dgm:prSet phldr="1"/>
+        </dgm:pt>
+        <dgm:pt modelId="4">
+          <dgm:prSet phldr="1"/>
+        </dgm:pt>
+      </dgm:ptLst>
+      <dgm:cxnLst>
+        <dgm:cxn modelId="5" srcId="0" destId="1" srcOrd="0" destOrd="0"/>
+        <dgm:cxn modelId="6" srcId="1" destId="2" srcOrd="0" destOrd="0"/>
+        <dgm:cxn modelId="7" srcId="1" destId="3" srcOrd="1" destOrd="0"/>
+        <dgm:cxn modelId="8" srcId="1" destId="4" srcOrd="2" destOrd="0"/>
+      </dgm:cxnLst>
+      <dgm:bg/>
+      <dgm:whole/>
+    </dgm:dataModel>
+  </dgm:sampData>
+  <dgm:styleData>
+    <dgm:dataModel>
+      <dgm:ptLst>
+        <dgm:pt modelId="0" type="doc"/>
+        <dgm:pt modelId="1"/>
+        <dgm:pt modelId="2"/>
+        <dgm:pt modelId="3"/>
+      </dgm:ptLst>
+      <dgm:cxnLst>
+        <dgm:cxn modelId="5" srcId="0" destId="1" srcOrd="0" destOrd="0"/>
+        <dgm:cxn modelId="6" srcId="1" destId="2" srcOrd="0" destOrd="0"/>
+        <dgm:cxn modelId="7" srcId="1" destId="3" srcOrd="1" destOrd="0"/>
+      </dgm:cxnLst>
+      <dgm:bg/>
+      <dgm:whole/>
+    </dgm:dataModel>
+  </dgm:styleData>
+  <dgm:clrData>
+    <dgm:dataModel>
+      <dgm:ptLst>
+        <dgm:pt modelId="0" type="doc"/>
+        <dgm:pt modelId="1"/>
+        <dgm:pt modelId="2"/>
+        <dgm:pt modelId="3"/>
+        <dgm:pt modelId="4"/>
+        <dgm:pt modelId="5"/>
+      </dgm:ptLst>
+      <dgm:cxnLst>
+        <dgm:cxn modelId="6" srcId="0" destId="1" srcOrd="0" destOrd="0"/>
+        <dgm:cxn modelId="7" srcId="1" destId="2" srcOrd="0" destOrd="0"/>
+        <dgm:cxn modelId="8" srcId="1" destId="3" srcOrd="1" destOrd="0"/>
+        <dgm:cxn modelId="9" srcId="1" destId="4" srcOrd="2" destOrd="0"/>
+        <dgm:cxn modelId="10" srcId="1" destId="5" srcOrd="3" destOrd="0"/>
+      </dgm:cxnLst>
+      <dgm:bg/>
+      <dgm:whole/>
+    </dgm:dataModel>
+  </dgm:clrData>
+  <dgm:layoutNode name="composite">
+    <dgm:varLst>
+      <dgm:chMax val="1"/>
+      <dgm:dir/>
+      <dgm:resizeHandles val="exact"/>
+    </dgm:varLst>
+    <dgm:alg type="composite"/>
+    <dgm:shape xmlns:r="http://schemas.openxmlformats.org/officeDocument/2006/relationships" r:blip="">
+      <dgm:adjLst/>
+    </dgm:shape>
+    <dgm:presOf/>
+    <dgm:constrLst>
+      <dgm:constr type="w" for="ch" forName="roof" refType="w"/>
+      <dgm:constr type="h" for="ch" forName="roof" refType="h" fact="0.3"/>
+      <dgm:constr type="primFontSz" for="ch" forName="roof" val="65"/>
+      <dgm:constr type="w" for="ch" forName="pillars" refType="w"/>
+      <dgm:constr type="h" for="ch" forName="pillars" refType="h" fact="0.63"/>
+      <dgm:constr type="t" for="ch" forName="pillars" refType="h" fact="0.3"/>
+      <dgm:constr type="primFontSz" for="des" forName="pillar1" val="65"/>
+      <dgm:constr type="primFontSz" for="des" forName="pillarX" refType="primFontSz" refFor="des" refForName="pillar1" op="equ"/>
+      <dgm:constr type="w" for="ch" forName="base" refType="w"/>
+      <dgm:constr type="h" for="ch" forName="base" refType="h" fact="0.07"/>
+      <dgm:constr type="t" for="ch" forName="base" refType="h" fact="0.93"/>
+    </dgm:constrLst>
+    <dgm:ruleLst/>
+    <dgm:forEach name="Name0" axis="ch" ptType="node" cnt="1">
+      <dgm:layoutNode name="roof" styleLbl="dkBgShp">
+        <dgm:alg type="tx"/>
+        <dgm:shape xmlns:r="http://schemas.openxmlformats.org/officeDocument/2006/relationships" type="rect" r:blip="">
+          <dgm:adjLst/>
+        </dgm:shape>
+        <dgm:presOf axis="self"/>
+        <dgm:constrLst>
+          <dgm:constr type="lMarg" refType="primFontSz" fact="0.3"/>
+          <dgm:constr type="rMarg" refType="primFontSz" fact="0.3"/>
+          <dgm:constr type="tMarg" refType="primFontSz" fact="0.3"/>
+          <dgm:constr type="bMarg" refType="primFontSz" fact="0.3"/>
+        </dgm:constrLst>
+        <dgm:ruleLst>
+          <dgm:rule type="primFontSz" val="5" fact="NaN" max="NaN"/>
+        </dgm:ruleLst>
+      </dgm:layoutNode>
+      <dgm:layoutNode name="pillars" styleLbl="node1">
+        <dgm:choose name="Name1">
+          <dgm:if name="Name2" func="var" arg="dir" op="equ" val="norm">
+            <dgm:alg type="lin">
+              <dgm:param type="linDir" val="fromL"/>
+            </dgm:alg>
+          </dgm:if>
+          <dgm:else name="Name3">
+            <dgm:alg type="lin">
+              <dgm:param type="linDir" val="fromR"/>
+            </dgm:alg>
+          </dgm:else>
+        </dgm:choose>
+        <dgm:shape xmlns:r="http://schemas.openxmlformats.org/officeDocument/2006/relationships" r:blip="">
+          <dgm:adjLst/>
+        </dgm:shape>
+        <dgm:presOf/>
+        <dgm:constrLst>
+          <dgm:constr type="w" for="ch" forName="pillar1" refType="w"/>
+          <dgm:constr type="h" for="ch" forName="pillar1" refType="h"/>
+          <dgm:constr type="w" for="ch" forName="pillarX" refType="w"/>
+          <dgm:constr type="h" for="ch" forName="pillarX" refType="h"/>
+        </dgm:constrLst>
+        <dgm:ruleLst/>
+        <dgm:layoutNode name="pillar1" styleLbl="node1">
+          <dgm:varLst>
+            <dgm:bulletEnabled val="1"/>
+          </dgm:varLst>
+          <dgm:alg type="tx"/>
+          <dgm:shape xmlns:r="http://schemas.openxmlformats.org/officeDocument/2006/relationships" type="rect" r:blip="">
+            <dgm:adjLst/>
+          </dgm:shape>
+          <dgm:presOf axis="ch desOrSelf" ptType="node node" st="1 1" cnt="1 0"/>
+          <dgm:constrLst>
+            <dgm:constr type="lMarg" refType="primFontSz" fact="0.3"/>
+            <dgm:constr type="rMarg" refType="primFontSz" fact="0.3"/>
+            <dgm:constr type="tMarg" refType="primFontSz" fact="0.3"/>
+            <dgm:constr type="bMarg" refType="primFontSz" fact="0.3"/>
+          </dgm:constrLst>
+          <dgm:ruleLst>
+            <dgm:rule type="primFontSz" val="5" fact="NaN" max="NaN"/>
+          </dgm:ruleLst>
+        </dgm:layoutNode>
+        <dgm:forEach name="Name4" axis="ch" ptType="node" st="2">
+          <dgm:layoutNode name="pillarX" styleLbl="node1">
+            <dgm:varLst>
+              <dgm:bulletEnabled val="1"/>
+            </dgm:varLst>
+            <dgm:alg type="tx"/>
+            <dgm:shape xmlns:r="http://schemas.openxmlformats.org/officeDocument/2006/relationships" type="rect" r:blip="">
+              <dgm:adjLst/>
+            </dgm:shape>
+            <dgm:presOf axis="desOrSelf" ptType="node"/>
+            <dgm:constrLst>
+              <dgm:constr type="lMarg" refType="primFontSz" fact="0.3"/>
+              <dgm:constr type="rMarg" refType="primFontSz" fact="0.3"/>
+              <dgm:constr type="tMarg" refType="primFontSz" fact="0.3"/>
+              <dgm:constr type="bMarg" refType="primFontSz" fact="0.3"/>
+            </dgm:constrLst>
+            <dgm:ruleLst>
+              <dgm:rule type="primFontSz" val="5" fact="NaN" max="NaN"/>
+            </dgm:ruleLst>
+          </dgm:layoutNode>
+        </dgm:forEach>
+      </dgm:layoutNode>
+      <dgm:layoutNode name="base" styleLbl="dkBgShp">
+        <dgm:alg type="sp"/>
+        <dgm:shape xmlns:r="http://schemas.openxmlformats.org/officeDocument/2006/relationships" type="rect" r:blip="">
+          <dgm:adjLst/>
+        </dgm:shape>
+        <dgm:presOf/>
+        <dgm:constrLst/>
+        <dgm:ruleLst/>
+      </dgm:layoutNode>
+    </dgm:forEach>
+  </dgm:layoutNode>
+</dgm:layoutDef>
+</file>
+
+<file path=ppt/diagrams/quickStyle1.xml><?xml version="1.0" encoding="utf-8"?>
+<dgm:styleDef xmlns:dgm="http://schemas.openxmlformats.org/drawingml/2006/diagram" xmlns:a="http://schemas.openxmlformats.org/drawingml/2006/main" uniqueId="urn:microsoft.com/office/officeart/2005/8/quickstyle/simple5">
+  <dgm:title val=""/>
+  <dgm:desc val=""/>
+  <dgm:catLst>
+    <dgm:cat type="simple" pri="10500"/>
+  </dgm:catLst>
+  <dgm:scene3d>
+    <a:camera prst="orthographicFront"/>
+    <a:lightRig rig="threePt" dir="t"/>
+  </dgm:scene3d>
+  <dgm:styleLbl name="node0">
+    <dgm:scene3d>
+      <a:camera prst="orthographicFront"/>
+      <a:lightRig rig="threePt" dir="t"/>
+    </dgm:scene3d>
+    <dgm:sp3d/>
+    <dgm:txPr/>
+    <dgm:style>
+      <a:lnRef idx="0">
+        <a:scrgbClr r="0" g="0" b="0"/>
+      </a:lnRef>
+      <a:fillRef idx="3">
+        <a:scrgbClr r="0" g="0" b="0"/>
+      </a:fillRef>
+      <a:effectRef idx="3">
+        <a:scrgbClr r="0" g="0" b="0"/>
+      </a:effectRef>
+      <a:fontRef idx="minor">
+        <a:schemeClr val="lt1"/>
+      </a:fontRef>
+    </dgm:style>
+  </dgm:styleLbl>
+  <dgm:styleLbl name="lnNode1">
+    <dgm:scene3d>
+      <a:camera prst="orthographicFront"/>
+      <a:lightRig rig="threePt" dir="t"/>
+    </dgm:scene3d>
+    <dgm:sp3d/>
+    <dgm:txPr/>
+    <dgm:style>
+      <a:lnRef idx="0">
+        <a:scrgbClr r="0" g="0" b="0"/>
+      </a:lnRef>
+      <a:fillRef idx="3">
+        <a:scrgbClr r="0" g="0" b="0"/>
+      </a:fillRef>
+      <a:effectRef idx="3">
+        <a:scrgbClr r="0" g="0" b="0"/>
+      </a:effectRef>
+      <a:fontRef idx="minor">
+        <a:schemeClr val="lt1"/>
+      </a:fontRef>
+    </dgm:style>
+  </dgm:styleLbl>
+  <dgm:styleLbl name="vennNode1">
+    <dgm:scene3d>
+      <a:camera prst="orthographicFront"/>
+      <a:lightRig rig="threePt" dir="t"/>
+    </dgm:scene3d>
+    <dgm:sp3d/>
+    <dgm:txPr/>
+    <dgm:style>
+      <a:lnRef idx="0">
+        <a:scrgbClr r="0" g="0" b="0"/>
+      </a:lnRef>
+      <a:fillRef idx="3">
+        <a:scrgbClr r="0" g="0" b="0"/>
+      </a:fillRef>
+      <a:effectRef idx="3">
+        <a:scrgbClr r="0" g="0" b="0"/>
+      </a:effectRef>
+      <a:fontRef idx="minor">
+        <a:schemeClr val="tx1"/>
+      </a:fontRef>
+    </dgm:style>
+  </dgm:styleLbl>
+  <dgm:styleLbl name="alignNode1">
+    <dgm:scene3d>
+      <a:camera prst="orthographicFront"/>
+      <a:lightRig rig="threePt" dir="t"/>
+    </dgm:scene3d>
+    <dgm:sp3d/>
+    <dgm:txPr/>
+    <dgm:style>
+      <a:lnRef idx="1">
+        <a:scrgbClr r="0" g="0" b="0"/>
+      </a:lnRef>
+      <a:fillRef idx="3">
+        <a:scrgbClr r="0" g="0" b="0"/>
+      </a:fillRef>
+      <a:effectRef idx="3">
+        <a:scrgbClr r="0" g="0" b="0"/>
+      </a:effectRef>
+      <a:fontRef idx="minor">
+        <a:schemeClr val="lt1"/>
+      </a:fontRef>
+    </dgm:style>
+  </dgm:styleLbl>
+  <dgm:styleLbl name="node1">
+    <dgm:scene3d>
+      <a:camera prst="orthographicFront"/>
+      <a:lightRig rig="threePt" dir="t"/>
+    </dgm:scene3d>
+    <dgm:sp3d/>
+    <dgm:txPr/>
+    <dgm:style>
+      <a:lnRef idx="0">
+        <a:scrgbClr r="0" g="0" b="0"/>
+      </a:lnRef>
+      <a:fillRef idx="3">
+        <a:scrgbClr r="0" g="0" b="0"/>
+      </a:fillRef>
+      <a:effectRef idx="3">
+        <a:scrgbClr r="0" g="0" b="0"/>
+      </a:effectRef>
+      <a:fontRef idx="minor">
+        <a:schemeClr val="lt1"/>
+      </a:fontRef>
+    </dgm:style>
+  </dgm:styleLbl>
+  <dgm:styleLbl name="node2">
+    <dgm:scene3d>
+      <a:camera prst="orthographicFront"/>
+      <a:lightRig rig="threePt" dir="t"/>
+    </dgm:scene3d>
+    <dgm:sp3d/>
+    <dgm:txPr/>
+    <dgm:style>
+      <a:lnRef idx="0">
+        <a:scrgbClr r="0" g="0" b="0"/>
+      </a:lnRef>
+      <a:fillRef idx="3">
+        <a:scrgbClr r="0" g="0" b="0"/>
+      </a:fillRef>
+      <a:effectRef idx="3">
+        <a:scrgbClr r="0" g="0" b="0"/>
+      </a:effectRef>
+      <a:fontRef idx="minor">
+        <a:schemeClr val="lt1"/>
+      </a:fontRef>
+    </dgm:style>
+  </dgm:styleLbl>
+  <dgm:styleLbl name="node3">
+    <dgm:scene3d>
+      <a:camera prst="orthographicFront"/>
+      <a:lightRig rig="threePt" dir="t"/>
+    </dgm:scene3d>
+    <dgm:sp3d/>
+    <dgm:txPr/>
+    <dgm:style>
+      <a:lnRef idx="0">
+        <a:scrgbClr r="0" g="0" b="0"/>
+      </a:lnRef>
+      <a:fillRef idx="3">
+        <a:scrgbClr r="0" g="0" b="0"/>
+      </a:fillRef>
+      <a:effectRef idx="3">
+        <a:scrgbClr r="0" g="0" b="0"/>
+      </a:effectRef>
+      <a:fontRef idx="minor">
+        <a:schemeClr val="lt1"/>
+      </a:fontRef>
+    </dgm:style>
+  </dgm:styleLbl>
+  <dgm:styleLbl name="node4">
+    <dgm:scene3d>
+      <a:camera prst="orthographicFront"/>
+      <a:lightRig rig="threePt" dir="t"/>
+    </dgm:scene3d>
+    <dgm:sp3d/>
+    <dgm:txPr/>
+    <dgm:style>
+      <a:lnRef idx="0">
+        <a:scrgbClr r="0" g="0" b="0"/>
+      </a:lnRef>
+      <a:fillRef idx="3">
+        <a:scrgbClr r="0" g="0" b="0"/>
+      </a:fillRef>
+      <a:effectRef idx="3">
+        <a:scrgbClr r="0" g="0" b="0"/>
+      </a:effectRef>
+      <a:fontRef idx="minor">
+        <a:schemeClr val="lt1"/>
+      </a:fontRef>
+    </dgm:style>
+  </dgm:styleLbl>
+  <dgm:styleLbl name="fgImgPlace1">
+    <dgm:scene3d>
+      <a:camera prst="orthographicFront"/>
+      <a:lightRig rig="threePt" dir="t"/>
+    </dgm:scene3d>
+    <dgm:sp3d/>
+    <dgm:txPr/>
+    <dgm:style>
+      <a:lnRef idx="0">
+        <a:scrgbClr r="0" g="0" b="0"/>
+      </a:lnRef>
+      <a:fillRef idx="1">
+        <a:scrgbClr r="0" g="0" b="0"/>
+      </a:fillRef>
+      <a:effectRef idx="3">
+        <a:scrgbClr r="0" g="0" b="0"/>
+      </a:effectRef>
+      <a:fontRef idx="minor"/>
+    </dgm:style>
+  </dgm:styleLbl>
+  <dgm:styleLbl name="alignImgPlace1">
+    <dgm:scene3d>
+      <a:camera prst="orthographicFront"/>
+      <a:lightRig rig="threePt" dir="t"/>
+    </dgm:scene3d>
+    <dgm:sp3d/>
+    <dgm:txPr/>
+    <dgm:style>
+      <a:lnRef idx="0">
+        <a:scrgbClr r="0" g="0" b="0"/>
+      </a:lnRef>
+      <a:fillRef idx="1">
+        <a:scrgbClr r="0" g="0" b="0"/>
+      </a:fillRef>
+      <a:effectRef idx="3">
+        <a:scrgbClr r="0" g="0" b="0"/>
+      </a:effectRef>
+      <a:fontRef idx="minor"/>
+    </dgm:style>
+  </dgm:styleLbl>
+  <dgm:styleLbl name="bgImgPlace1">
+    <dgm:scene3d>
+      <a:camera prst="orthographicFront"/>
+      <a:lightRig rig="threePt" dir="t"/>
+    </dgm:scene3d>
+    <dgm:sp3d/>
+    <dgm:txPr/>
+    <dgm:style>
+      <a:lnRef idx="0">
+        <a:scrgbClr r="0" g="0" b="0"/>
+      </a:lnRef>
+      <a:fillRef idx="1">
+        <a:scrgbClr r="0" g="0" b="0"/>
+      </a:fillRef>
+      <a:effectRef idx="3">
+        <a:scrgbClr r="0" g="0" b="0"/>
+      </a:effectRef>
+      <a:fontRef idx="minor"/>
+    </dgm:style>
+  </dgm:styleLbl>
+  <dgm:styleLbl name="sibTrans2D1">
+    <dgm:scene3d>
+      <a:camera prst="orthographicFront"/>
+      <a:lightRig rig="threePt" dir="t"/>
+    </dgm:scene3d>
+    <dgm:sp3d/>
+    <dgm:txPr/>
+    <dgm:style>
+      <a:lnRef idx="0">
+        <a:scrgbClr r="0" g="0" b="0"/>
+      </a:lnRef>
+      <a:fillRef idx="3">
+        <a:scrgbClr r="0" g="0" b="0"/>
+      </a:fillRef>
+      <a:effectRef idx="3">
+        <a:scrgbClr r="0" g="0" b="0"/>
+      </a:effectRef>
+      <a:fontRef idx="minor">
+        <a:schemeClr val="lt1"/>
+      </a:fontRef>
+    </dgm:style>
+  </dgm:styleLbl>
+  <dgm:styleLbl name="fgSibTrans2D1">
+    <dgm:scene3d>
+      <a:camera prst="orthographicFront"/>
+      <a:lightRig rig="threePt" dir="t"/>
+    </dgm:scene3d>
+    <dgm:sp3d/>
+    <dgm:txPr/>
+    <dgm:style>
+      <a:lnRef idx="0">
+        <a:scrgbClr r="0" g="0" b="0"/>
+      </a:lnRef>
+      <a:fillRef idx="3">
+        <a:scrgbClr r="0" g="0" b="0"/>
+      </a:fillRef>
+      <a:effectRef idx="3">
+        <a:scrgbClr r="0" g="0" b="0"/>
+      </a:effectRef>
+      <a:fontRef idx="minor">
+        <a:schemeClr val="lt1"/>
+      </a:fontRef>
+    </dgm:style>
+  </dgm:styleLbl>
+  <dgm:styleLbl name="bgSibTrans2D1">
+    <dgm:scene3d>
+      <a:camera prst="orthographicFront"/>
+      <a:lightRig rig="threePt" dir="t"/>
+    </dgm:scene3d>
+    <dgm:sp3d/>
+    <dgm:txPr/>
+    <dgm:style>
+      <a:lnRef idx="0">
+        <a:scrgbClr r="0" g="0" b="0"/>
+      </a:lnRef>
+      <a:fillRef idx="3">
+        <a:scrgbClr r="0" g="0" b="0"/>
+      </a:fillRef>
+      <a:effectRef idx="3">
+        <a:scrgbClr r="0" g="0" b="0"/>
+      </a:effectRef>
+      <a:fontRef idx="minor">
+        <a:schemeClr val="lt1"/>
+      </a:fontRef>
+    </dgm:style>
+  </dgm:styleLbl>
+  <dgm:styleLbl name="sibTrans1D1">
+    <dgm:scene3d>
+      <a:camera prst="orthographicFront"/>
+      <a:lightRig rig="threePt" dir="t"/>
+    </dgm:scene3d>
+    <dgm:sp3d/>
+    <dgm:txPr/>
+    <dgm:style>
+      <a:lnRef idx="1">
+        <a:scrgbClr r="0" g="0" b="0"/>
+      </a:lnRef>
+      <a:fillRef idx="0">
+        <a:scrgbClr r="0" g="0" b="0"/>
+      </a:fillRef>
+      <a:effectRef idx="0">
+        <a:scrgbClr r="0" g="0" b="0"/>
+      </a:effectRef>
+      <a:fontRef idx="minor"/>
+    </dgm:style>
+  </dgm:styleLbl>
+  <dgm:styleLbl name="callout">
+    <dgm:scene3d>
+      <a:camera prst="orthographicFront"/>
+      <a:lightRig rig="threePt" dir="t"/>
+    </dgm:scene3d>
+    <dgm:sp3d/>
+    <dgm:txPr/>
+    <dgm:style>
+      <a:lnRef idx="1">
+        <a:scrgbClr r="0" g="0" b="0"/>
+      </a:lnRef>
+      <a:fillRef idx="0">
+        <a:scrgbClr r="0" g="0" b="0"/>
+      </a:fillRef>
+      <a:effectRef idx="1">
+        <a:scrgbClr r="0" g="0" b="0"/>
+      </a:effectRef>
+      <a:fontRef idx="minor"/>
+    </dgm:style>
+  </dgm:styleLbl>
+  <dgm:styleLbl name="asst0">
+    <dgm:scene3d>
+      <a:camera prst="orthographicFront"/>
+      <a:lightRig rig="threePt" dir="t"/>
+    </dgm:scene3d>
+    <dgm:sp3d/>
+    <dgm:txPr/>
+    <dgm:style>
+      <a:lnRef idx="0">
+        <a:scrgbClr r="0" g="0" b="0"/>
+      </a:lnRef>
+      <a:fillRef idx="3">
+        <a:scrgbClr r="0" g="0" b="0"/>
+      </a:fillRef>
+      <a:effectRef idx="3">
+        <a:scrgbClr r="0" g="0" b="0"/>
+      </a:effectRef>
+      <a:fontRef idx="minor">
+        <a:schemeClr val="lt1"/>
+      </a:fontRef>
+    </dgm:style>
+  </dgm:styleLbl>
+  <dgm:styleLbl name="asst1">
+    <dgm:scene3d>
+      <a:camera prst="orthographicFront"/>
+      <a:lightRig rig="threePt" dir="t"/>
+    </dgm:scene3d>
+    <dgm:sp3d/>
+    <dgm:txPr/>
+    <dgm:style>
+      <a:lnRef idx="0">
+        <a:scrgbClr r="0" g="0" b="0"/>
+      </a:lnRef>
+      <a:fillRef idx="3">
+        <a:scrgbClr r="0" g="0" b="0"/>
+      </a:fillRef>
+      <a:effectRef idx="3">
+        <a:scrgbClr r="0" g="0" b="0"/>
+      </a:effectRef>
+      <a:fontRef idx="minor">
+        <a:schemeClr val="lt1"/>
+      </a:fontRef>
+    </dgm:style>
+  </dgm:styleLbl>
+  <dgm:styleLbl name="asst2">
+    <dgm:scene3d>
+      <a:camera prst="orthographicFront"/>
+      <a:lightRig rig="threePt" dir="t"/>
+    </dgm:scene3d>
+    <dgm:sp3d/>
+    <dgm:txPr/>
+    <dgm:style>
+      <a:lnRef idx="0">
+        <a:scrgbClr r="0" g="0" b="0"/>
+      </a:lnRef>
+      <a:fillRef idx="3">
+        <a:scrgbClr r="0" g="0" b="0"/>
+      </a:fillRef>
+      <a:effectRef idx="3">
+        <a:scrgbClr r="0" g="0" b="0"/>
+      </a:effectRef>
+      <a:fontRef idx="minor">
+        <a:schemeClr val="lt1"/>
+      </a:fontRef>
+    </dgm:style>
+  </dgm:styleLbl>
+  <dgm:styleLbl name="asst3">
+    <dgm:scene3d>
+      <a:camera prst="orthographicFront"/>
+      <a:lightRig rig="threePt" dir="t"/>
+    </dgm:scene3d>
+    <dgm:sp3d/>
+    <dgm:txPr/>
+    <dgm:style>
+      <a:lnRef idx="0">
+        <a:scrgbClr r="0" g="0" b="0"/>
+      </a:lnRef>
+      <a:fillRef idx="3">
+        <a:scrgbClr r="0" g="0" b="0"/>
+      </a:fillRef>
+      <a:effectRef idx="3">
+        <a:scrgbClr r="0" g="0" b="0"/>
+      </a:effectRef>
+      <a:fontRef idx="minor">
+        <a:schemeClr val="lt1"/>
+      </a:fontRef>
+    </dgm:style>
+  </dgm:styleLbl>
+  <dgm:styleLbl name="asst4">
+    <dgm:scene3d>
+      <a:camera prst="orthographicFront"/>
+      <a:lightRig rig="threePt" dir="t"/>
+    </dgm:scene3d>
+    <dgm:sp3d/>
+    <dgm:txPr/>
+    <dgm:style>
+      <a:lnRef idx="0">
+        <a:scrgbClr r="0" g="0" b="0"/>
+      </a:lnRef>
+      <a:fillRef idx="3">
+        <a:scrgbClr r="0" g="0" b="0"/>
+      </a:fillRef>
+      <a:effectRef idx="3">
+        <a:scrgbClr r="0" g="0" b="0"/>
+      </a:effectRef>
+      <a:fontRef idx="minor">
+        <a:schemeClr val="lt1"/>
+      </a:fontRef>
+    </dgm:style>
+  </dgm:styleLbl>
+  <dgm:styleLbl name="parChTrans2D1">
+    <dgm:scene3d>
+      <a:camera prst="orthographicFront"/>
+      <a:lightRig rig="threePt" dir="t"/>
+    </dgm:scene3d>
+    <dgm:sp3d/>
+    <dgm:txPr/>
+    <dgm:style>
+      <a:lnRef idx="0">
+        <a:scrgbClr r="0" g="0" b="0"/>
+      </a:lnRef>
+      <a:fillRef idx="3">
+        <a:scrgbClr r="0" g="0" b="0"/>
+      </a:fillRef>
+      <a:effectRef idx="3">
+        <a:scrgbClr r="0" g="0" b="0"/>
+      </a:effectRef>
+      <a:fontRef idx="minor">
+        <a:schemeClr val="lt1"/>
+      </a:fontRef>
+    </dgm:style>
+  </dgm:styleLbl>
+  <dgm:styleLbl name="parChTrans2D2">
+    <dgm:scene3d>
+      <a:camera prst="orthographicFront"/>
+      <a:lightRig rig="threePt" dir="t"/>
+    </dgm:scene3d>
+    <dgm:sp3d/>
+    <dgm:txPr/>
+    <dgm:style>
+      <a:lnRef idx="0">
+        <a:scrgbClr r="0" g="0" b="0"/>
+      </a:lnRef>
+      <a:fillRef idx="3">
+        <a:scrgbClr r="0" g="0" b="0"/>
+      </a:fillRef>
+      <a:effectRef idx="3">
+        <a:scrgbClr r="0" g="0" b="0"/>
+      </a:effectRef>
+      <a:fontRef idx="minor">
+        <a:schemeClr val="lt1"/>
+      </a:fontRef>
+    </dgm:style>
+  </dgm:styleLbl>
+  <dgm:styleLbl name="parChTrans2D3">
+    <dgm:scene3d>
+      <a:camera prst="orthographicFront"/>
+      <a:lightRig rig="threePt" dir="t"/>
+    </dgm:scene3d>
+    <dgm:sp3d/>
+    <dgm:txPr/>
+    <dgm:style>
+      <a:lnRef idx="0">
+        <a:scrgbClr r="0" g="0" b="0"/>
+      </a:lnRef>
+      <a:fillRef idx="3">
+        <a:scrgbClr r="0" g="0" b="0"/>
+      </a:fillRef>
+      <a:effectRef idx="3">
+        <a:scrgbClr r="0" g="0" b="0"/>
+      </a:effectRef>
+      <a:fontRef idx="minor">
+        <a:schemeClr val="lt1"/>
+      </a:fontRef>
+    </dgm:style>
+  </dgm:styleLbl>
+  <dgm:styleLbl name="parChTrans2D4">
+    <dgm:scene3d>
+      <a:camera prst="orthographicFront"/>
+      <a:lightRig rig="threePt" dir="t"/>
+    </dgm:scene3d>
+    <dgm:sp3d/>
+    <dgm:txPr/>
+    <dgm:style>
+      <a:lnRef idx="0">
+        <a:scrgbClr r="0" g="0" b="0"/>
+      </a:lnRef>
+      <a:fillRef idx="3">
+        <a:scrgbClr r="0" g="0" b="0"/>
+      </a:fillRef>
+      <a:effectRef idx="3">
+        <a:scrgbClr r="0" g="0" b="0"/>
+      </a:effectRef>
+      <a:fontRef idx="minor">
+        <a:schemeClr val="lt1"/>
+      </a:fontRef>
+    </dgm:style>
+  </dgm:styleLbl>
+  <dgm:styleLbl name="parChTrans1D1">
+    <dgm:scene3d>
+      <a:camera prst="orthographicFront"/>
+      <a:lightRig rig="threePt" dir="t"/>
+    </dgm:scene3d>
+    <dgm:sp3d/>
+    <dgm:txPr/>
+    <dgm:style>
+      <a:lnRef idx="2">
+        <a:scrgbClr r="0" g="0" b="0"/>
+      </a:lnRef>
+      <a:fillRef idx="0">
+        <a:scrgbClr r="0" g="0" b="0"/>
+      </a:fillRef>
+      <a:effectRef idx="0">
+        <a:scrgbClr r="0" g="0" b="0"/>
+      </a:effectRef>
+      <a:fontRef idx="minor"/>
+    </dgm:style>
+  </dgm:styleLbl>
+  <dgm:styleLbl name="parChTrans1D2">
+    <dgm:scene3d>
+      <a:camera prst="orthographicFront"/>
+      <a:lightRig rig="threePt" dir="t"/>
+    </dgm:scene3d>
+    <dgm:sp3d/>
+    <dgm:txPr/>
+    <dgm:style>
+      <a:lnRef idx="2">
+        <a:scrgbClr r="0" g="0" b="0"/>
+      </a:lnRef>
+      <a:fillRef idx="0">
+        <a:scrgbClr r="0" g="0" b="0"/>
+      </a:fillRef>
+      <a:effectRef idx="0">
+        <a:scrgbClr r="0" g="0" b="0"/>
+      </a:effectRef>
+      <a:fontRef idx="minor"/>
+    </dgm:style>
+  </dgm:styleLbl>
+  <dgm:styleLbl name="parChTrans1D3">
+    <dgm:scene3d>
+      <a:camera prst="orthographicFront"/>
+      <a:lightRig rig="threePt" dir="t"/>
+    </dgm:scene3d>
+    <dgm:sp3d/>
+    <dgm:txPr/>
+    <dgm:style>
+      <a:lnRef idx="2">
+        <a:scrgbClr r="0" g="0" b="0"/>
+      </a:lnRef>
+      <a:fillRef idx="0">
+        <a:scrgbClr r="0" g="0" b="0"/>
+      </a:fillRef>
+      <a:effectRef idx="0">
+        <a:scrgbClr r="0" g="0" b="0"/>
+      </a:effectRef>
+      <a:fontRef idx="minor"/>
+    </dgm:style>
+  </dgm:styleLbl>
+  <dgm:styleLbl name="parChTrans1D4">
+    <dgm:scene3d>
+      <a:camera prst="orthographicFront"/>
+      <a:lightRig rig="threePt" dir="t"/>
+    </dgm:scene3d>
+    <dgm:sp3d/>
+    <dgm:txPr/>
+    <dgm:style>
+      <a:lnRef idx="2">
+        <a:scrgbClr r="0" g="0" b="0"/>
+      </a:lnRef>
+      <a:fillRef idx="0">
+        <a:scrgbClr r="0" g="0" b="0"/>
+      </a:fillRef>
+      <a:effectRef idx="0">
+        <a:scrgbClr r="0" g="0" b="0"/>
+      </a:effectRef>
+      <a:fontRef idx="minor"/>
+    </dgm:style>
+  </dgm:styleLbl>
+  <dgm:styleLbl name="fgAcc1">
+    <dgm:scene3d>
+      <a:camera prst="orthographicFront"/>
+      <a:lightRig rig="threePt" dir="t"/>
+    </dgm:scene3d>
+    <dgm:sp3d/>
+    <dgm:txPr/>
+    <dgm:style>
+      <a:lnRef idx="1">
+        <a:scrgbClr r="0" g="0" b="0"/>
+      </a:lnRef>
+      <a:fillRef idx="1">
+        <a:scrgbClr r="0" g="0" b="0"/>
+      </a:fillRef>
+      <a:effectRef idx="2">
+        <a:scrgbClr r="0" g="0" b="0"/>
+      </a:effectRef>
+      <a:fontRef idx="minor"/>
+    </dgm:style>
+  </dgm:styleLbl>
+  <dgm:styleLbl name="conFgAcc1">
+    <dgm:scene3d>
+      <a:camera prst="orthographicFront"/>
+      <a:lightRig rig="threePt" dir="t"/>
+    </dgm:scene3d>
+    <dgm:sp3d/>
+    <dgm:txPr/>
+    <dgm:style>
+      <a:lnRef idx="1">
+        <a:scrgbClr r="0" g="0" b="0"/>
+      </a:lnRef>
+      <a:fillRef idx="1">
+        <a:scrgbClr r="0" g="0" b="0"/>
+      </a:fillRef>
+      <a:effectRef idx="2">
+        <a:scrgbClr r="0" g="0" b="0"/>
+      </a:effectRef>
+      <a:fontRef idx="minor"/>
+    </dgm:style>
+  </dgm:styleLbl>
+  <dgm:styleLbl name="alignAcc1">
+    <dgm:scene3d>
+      <a:camera prst="orthographicFront"/>
+      <a:lightRig rig="threePt" dir="t"/>
+    </dgm:scene3d>
+    <dgm:sp3d/>
+    <dgm:txPr/>
+    <dgm:style>
+      <a:lnRef idx="1">
+        <a:scrgbClr r="0" g="0" b="0"/>
+      </a:lnRef>
+      <a:fillRef idx="1">
+        <a:scrgbClr r="0" g="0" b="0"/>
+      </a:fillRef>
+      <a:effectRef idx="2">
+        <a:scrgbClr r="0" g="0" b="0"/>
+      </a:effectRef>
+      <a:fontRef idx="minor"/>
+    </dgm:style>
+  </dgm:styleLbl>
+  <dgm:styleLbl name="trAlignAcc1">
+    <dgm:scene3d>
+      <a:camera prst="orthographicFront"/>
+      <a:lightRig rig="threePt" dir="t"/>
+    </dgm:scene3d>
+    <dgm:sp3d/>
+    <dgm:txPr/>
+    <dgm:style>
+      <a:lnRef idx="1">
+        <a:scrgbClr r="0" g="0" b="0"/>
+      </a:lnRef>
+      <a:fillRef idx="1">
+        <a:scrgbClr r="0" g="0" b="0"/>
+      </a:fillRef>
+      <a:effectRef idx="0">
+        <a:scrgbClr r="0" g="0" b="0"/>
+      </a:effectRef>
+      <a:fontRef idx="minor"/>
+    </dgm:style>
+  </dgm:styleLbl>
+  <dgm:styleLbl name="bgAcc1">
+    <dgm:scene3d>
+      <a:camera prst="orthographicFront"/>
+      <a:lightRig rig="threePt" dir="t"/>
+    </dgm:scene3d>
+    <dgm:sp3d/>
+    <dgm:txPr/>
+    <dgm:style>
+      <a:lnRef idx="1">
+        <a:scrgbClr r="0" g="0" b="0"/>
+      </a:lnRef>
+      <a:fillRef idx="1">
+        <a:scrgbClr r="0" g="0" b="0"/>
+      </a:fillRef>
+      <a:effectRef idx="2">
+        <a:scrgbClr r="0" g="0" b="0"/>
+      </a:effectRef>
+      <a:fontRef idx="minor"/>
+    </dgm:style>
+  </dgm:styleLbl>
+  <dgm:styleLbl name="solidFgAcc1">
+    <dgm:scene3d>
+      <a:camera prst="orthographicFront"/>
+      <a:lightRig rig="threePt" dir="t"/>
+    </dgm:scene3d>
+    <dgm:sp3d/>
+    <dgm:txPr/>
+    <dgm:style>
+      <a:lnRef idx="1">
+        <a:scrgbClr r="0" g="0" b="0"/>
+      </a:lnRef>
+      <a:fillRef idx="1">
+        <a:scrgbClr r="0" g="0" b="0"/>
+      </a:fillRef>
+      <a:effectRef idx="2">
+        <a:scrgbClr r="0" g="0" b="0"/>
+      </a:effectRef>
+      <a:fontRef idx="minor"/>
+    </dgm:style>
+  </dgm:styleLbl>
+  <dgm:styleLbl name="solidAlignAcc1">
+    <dgm:scene3d>
+      <a:camera prst="orthographicFront"/>
+      <a:lightRig rig="threePt" dir="t"/>
+    </dgm:scene3d>
+    <dgm:sp3d/>
+    <dgm:txPr/>
+    <dgm:style>
+      <a:lnRef idx="1">
+        <a:scrgbClr r="0" g="0" b="0"/>
+      </a:lnRef>
+      <a:fillRef idx="1">
+        <a:scrgbClr r="0" g="0" b="0"/>
+      </a:fillRef>
+      <a:effectRef idx="3">
+        <a:scrgbClr r="0" g="0" b="0"/>
+      </a:effectRef>
+      <a:fontRef idx="minor"/>
+    </dgm:style>
+  </dgm:styleLbl>
+  <dgm:styleLbl name="solidBgAcc1">
+    <dgm:scene3d>
+      <a:camera prst="orthographicFront"/>
+      <a:lightRig rig="threePt" dir="t"/>
+    </dgm:scene3d>
+    <dgm:sp3d/>
+    <dgm:txPr/>
+    <dgm:style>
+      <a:lnRef idx="1">
+        <a:scrgbClr r="0" g="0" b="0"/>
+      </a:lnRef>
+      <a:fillRef idx="1">
+        <a:scrgbClr r="0" g="0" b="0"/>
+      </a:fillRef>
+      <a:effectRef idx="3">
+        <a:scrgbClr r="0" g="0" b="0"/>
+      </a:effectRef>
+      <a:fontRef idx="minor"/>
+    </dgm:style>
+  </dgm:styleLbl>
+  <dgm:styleLbl name="fgAccFollowNode1">
+    <dgm:scene3d>
+      <a:camera prst="orthographicFront"/>
+      <a:lightRig rig="threePt" dir="t"/>
+    </dgm:scene3d>
+    <dgm:sp3d/>
+    <dgm:txPr/>
+    <dgm:style>
+      <a:lnRef idx="1">
+        <a:scrgbClr r="0" g="0" b="0"/>
+      </a:lnRef>
+      <a:fillRef idx="1">
+        <a:scrgbClr r="0" g="0" b="0"/>
+      </a:fillRef>
+      <a:effectRef idx="2">
+        <a:scrgbClr r="0" g="0" b="0"/>
+      </a:effectRef>
+      <a:fontRef idx="minor"/>
+    </dgm:style>
+  </dgm:styleLbl>
+  <dgm:styleLbl name="alignAccFollowNode1">
+    <dgm:scene3d>
+      <a:camera prst="orthographicFront"/>
+      <a:lightRig rig="threePt" dir="t"/>
+    </dgm:scene3d>
+    <dgm:sp3d/>
+    <dgm:txPr/>
+    <dgm:style>
+      <a:lnRef idx="1">
+        <a:scrgbClr r="0" g="0" b="0"/>
+      </a:lnRef>
+      <a:fillRef idx="1">
+        <a:scrgbClr r="0" g="0" b="0"/>
+      </a:fillRef>
+      <a:effectRef idx="2">
+        <a:scrgbClr r="0" g="0" b="0"/>
+      </a:effectRef>
+      <a:fontRef idx="minor"/>
+    </dgm:style>
+  </dgm:styleLbl>
+  <dgm:styleLbl name="bgAccFollowNode1">
+    <dgm:scene3d>
+      <a:camera prst="orthographicFront"/>
+      <a:lightRig rig="threePt" dir="t"/>
+    </dgm:scene3d>
+    <dgm:sp3d/>
+    <dgm:txPr/>
+    <dgm:style>
+      <a:lnRef idx="1">
+        <a:scrgbClr r="0" g="0" b="0"/>
+      </a:lnRef>
+      <a:fillRef idx="1">
+        <a:scrgbClr r="0" g="0" b="0"/>
+      </a:fillRef>
+      <a:effectRef idx="2">
+        <a:scrgbClr r="0" g="0" b="0"/>
+      </a:effectRef>
+      <a:fontRef idx="minor"/>
+    </dgm:style>
+  </dgm:styleLbl>
+  <dgm:styleLbl name="fgAcc0">
+    <dgm:scene3d>
+      <a:camera prst="orthographicFront"/>
+      <a:lightRig rig="threePt" dir="t"/>
+    </dgm:scene3d>
+    <dgm:sp3d/>
+    <dgm:txPr/>
+    <dgm:style>
+      <a:lnRef idx="1">
+        <a:scrgbClr r="0" g="0" b="0"/>
+      </a:lnRef>
+      <a:fillRef idx="1">
+        <a:scrgbClr r="0" g="0" b="0"/>
+      </a:fillRef>
+      <a:effectRef idx="2">
+        <a:scrgbClr r="0" g="0" b="0"/>
+      </a:effectRef>
+      <a:fontRef idx="minor"/>
+    </dgm:style>
+  </dgm:styleLbl>
+  <dgm:styleLbl name="fgAcc2">
+    <dgm:scene3d>
+      <a:camera prst="orthographicFront"/>
+      <a:lightRig rig="threePt" dir="t"/>
+    </dgm:scene3d>
+    <dgm:sp3d/>
+    <dgm:txPr/>
+    <dgm:style>
+      <a:lnRef idx="1">
+        <a:scrgbClr r="0" g="0" b="0"/>
+      </a:lnRef>
+      <a:fillRef idx="1">
+        <a:scrgbClr r="0" g="0" b="0"/>
+      </a:fillRef>
+      <a:effectRef idx="2">
+        <a:scrgbClr r="0" g="0" b="0"/>
+      </a:effectRef>
+      <a:fontRef idx="minor"/>
+    </dgm:style>
+  </dgm:styleLbl>
+  <dgm:styleLbl name="fgAcc3">
+    <dgm:scene3d>
+      <a:camera prst="orthographicFront"/>
+      <a:lightRig rig="threePt" dir="t"/>
+    </dgm:scene3d>
+    <dgm:sp3d/>
+    <dgm:txPr/>
+    <dgm:style>
+      <a:lnRef idx="1">
+        <a:scrgbClr r="0" g="0" b="0"/>
+      </a:lnRef>
+      <a:fillRef idx="1">
+        <a:scrgbClr r="0" g="0" b="0"/>
+      </a:fillRef>
+      <a:effectRef idx="2">
+        <a:scrgbClr r="0" g="0" b="0"/>
+      </a:effectRef>
+      <a:fontRef idx="minor"/>
+    </dgm:style>
+  </dgm:styleLbl>
+  <dgm:styleLbl name="fgAcc4">
+    <dgm:scene3d>
+      <a:camera prst="orthographicFront"/>
+      <a:lightRig rig="threePt" dir="t"/>
+    </dgm:scene3d>
+    <dgm:sp3d/>
+    <dgm:txPr/>
+    <dgm:style>
+      <a:lnRef idx="1">
+        <a:scrgbClr r="0" g="0" b="0"/>
+      </a:lnRef>
+      <a:fillRef idx="1">
+        <a:scrgbClr r="0" g="0" b="0"/>
+      </a:fillRef>
+      <a:effectRef idx="2">
+        <a:scrgbClr r="0" g="0" b="0"/>
+      </a:effectRef>
+      <a:fontRef idx="minor"/>
+    </dgm:style>
+  </dgm:styleLbl>
+  <dgm:styleLbl name="bgShp">
+    <dgm:scene3d>
+      <a:camera prst="orthographicFront"/>
+      <a:lightRig rig="threePt" dir="t"/>
+    </dgm:scene3d>
+    <dgm:sp3d/>
+    <dgm:txPr/>
+    <dgm:style>
+      <a:lnRef idx="0">
+        <a:scrgbClr r="0" g="0" b="0"/>
+      </a:lnRef>
+      <a:fillRef idx="1">
+        <a:scrgbClr r="0" g="0" b="0"/>
+      </a:fillRef>
+      <a:effectRef idx="2">
+        <a:scrgbClr r="0" g="0" b="0"/>
+      </a:effectRef>
+      <a:fontRef idx="minor"/>
+    </dgm:style>
+  </dgm:styleLbl>
+  <dgm:styleLbl name="dkBgShp">
+    <dgm:scene3d>
+      <a:camera prst="orthographicFront"/>
+      <a:lightRig rig="threePt" dir="t"/>
+    </dgm:scene3d>
+    <dgm:sp3d/>
+    <dgm:txPr/>
+    <dgm:style>
+      <a:lnRef idx="0">
+        <a:scrgbClr r="0" g="0" b="0"/>
+      </a:lnRef>
+      <a:fillRef idx="1">
+        <a:scrgbClr r="0" g="0" b="0"/>
+      </a:fillRef>
+      <a:effectRef idx="3">
+        <a:scrgbClr r="0" g="0" b="0"/>
+      </a:effectRef>
+      <a:fontRef idx="minor"/>
+    </dgm:style>
+  </dgm:styleLbl>
+  <dgm:styleLbl name="trBgShp">
+    <dgm:scene3d>
+      <a:camera prst="orthographicFront"/>
+      <a:lightRig rig="threePt" dir="t"/>
+    </dgm:scene3d>
+    <dgm:sp3d/>
+    <dgm:txPr/>
+    <dgm:style>
+      <a:lnRef idx="0">
+        <a:scrgbClr r="0" g="0" b="0"/>
+      </a:lnRef>
+      <a:fillRef idx="1">
+        <a:scrgbClr r="0" g="0" b="0"/>
+      </a:fillRef>
+      <a:effectRef idx="0">
+        <a:scrgbClr r="0" g="0" b="0"/>
+      </a:effectRef>
+      <a:fontRef idx="minor"/>
+    </dgm:style>
+  </dgm:styleLbl>
+  <dgm:styleLbl name="fgShp">
+    <dgm:scene3d>
+      <a:camera prst="orthographicFront"/>
+      <a:lightRig rig="threePt" dir="t"/>
+    </dgm:scene3d>
+    <dgm:sp3d/>
+    <dgm:txPr/>
+    <dgm:style>
+      <a:lnRef idx="0">
+        <a:scrgbClr r="0" g="0" b="0"/>
+      </a:lnRef>
+      <a:fillRef idx="3">
+        <a:scrgbClr r="0" g="0" b="0"/>
+      </a:fillRef>
+      <a:effectRef idx="3">
+        <a:scrgbClr r="0" g="0" b="0"/>
+      </a:effectRef>
+      <a:fontRef idx="minor"/>
+    </dgm:style>
+  </dgm:styleLbl>
+  <dgm:styleLbl name="revTx">
+    <dgm:scene3d>
+      <a:camera prst="orthographicFront"/>
+      <a:lightRig rig="threePt" dir="t"/>
+    </dgm:scene3d>
+    <dgm:sp3d/>
+    <dgm:txPr/>
+    <dgm:style>
+      <a:lnRef idx="0">
+        <a:scrgbClr r="0" g="0" b="0"/>
+      </a:lnRef>
+      <a:fillRef idx="0">
+        <a:scrgbClr r="0" g="0" b="0"/>
+      </a:fillRef>
+      <a:effectRef idx="0">
+        <a:scrgbClr r="0" g="0" b="0"/>
+      </a:effectRef>
+      <a:fontRef idx="minor"/>
+    </dgm:style>
+  </dgm:styleLbl>
+</dgm:styleDef>
+</file>
+
 <file path=ppt/handoutMasters/handoutMaster1.xml><?xml version="1.0" encoding="utf-8"?>
 <p:handoutMaster xmlns:a="http://schemas.openxmlformats.org/drawingml/2006/main" xmlns:r="http://schemas.openxmlformats.org/officeDocument/2006/relationships" xmlns:p="http://schemas.openxmlformats.org/presentationml/2006/main">
   <p:cSld>
@@ -209,7 +3209,7 @@
           <a:p>
             <a:fld id="{9FC7A91B-FA18-4D2F-A2DC-C0564A1AEA35}" type="datetimeFigureOut">
               <a:rPr lang="en-US" smtClean="0"/>
-              <a:t>4/15/2013</a:t>
+              <a:t>4/16/2013</a:t>
             </a:fld>
             <a:endParaRPr lang="en-US"/>
           </a:p>
@@ -374,7 +3374,7 @@
           <a:p>
             <a:fld id="{E4FC77D9-5DDF-4A7B-B2B8-B112B85F14F8}" type="datetimeFigureOut">
               <a:rPr lang="en-US" smtClean="0"/>
-              <a:t>4/15/2013</a:t>
+              <a:t>4/16/2013</a:t>
             </a:fld>
             <a:endParaRPr lang="en-US"/>
           </a:p>
@@ -1185,13 +4185,8 @@
           <a:p>
             <a:r>
               <a:rPr lang="en-US" baseline="0" dirty="0" smtClean="0"/>
-              <a:t>Well… let’s think about these questions a bit more.  We can classify each </a:t>
-            </a:r>
-            <a:r>
-              <a:rPr lang="en-US" baseline="0" dirty="0" smtClean="0"/>
-              <a:t>question:</a:t>
-            </a:r>
-            <a:endParaRPr lang="en-US" baseline="0" dirty="0" smtClean="0"/>
+              <a:t>Well… let’s think about these questions a bit more.  We can classify each question:</a:t>
+            </a:r>
           </a:p>
           <a:p>
             <a:r>
@@ -1255,13 +4250,8 @@
           <a:p>
             <a:r>
               <a:rPr lang="en-US" baseline="0" dirty="0" smtClean="0"/>
-              <a:t>Now, just as the hunter-gatherers made these 3 types of queries 1000s of years ago, we make the same queries today in pursuit of our own goals.  But there’s a big question: what when our models fail?  We can’t predict the position of the deer perfectly, we can’t explain what will cause the deer to move under the trap easily, and our interventions, making the noise, don’t always accomplish our intended goals, trapping the deer.  So what are we to </a:t>
-            </a:r>
-            <a:r>
-              <a:rPr lang="en-US" baseline="0" dirty="0" smtClean="0"/>
-              <a:t>do?</a:t>
-            </a:r>
-            <a:endParaRPr lang="en-US" baseline="0" dirty="0" smtClean="0"/>
+              <a:t>Now, just as the hunter-gatherers made these 3 types of queries 1000s of years ago, we make the same queries today in pursuit of our own goals.  But there’s a big question: what when our models fail?  We can’t predict the position of the deer perfectly, we can’t explain what will cause the deer to move under the trap easily, and our interventions, making the noise, don’t always accomplish our intended goals, trapping the deer.  So what are we to do?</a:t>
+            </a:r>
           </a:p>
           <a:p>
             <a:endParaRPr lang="en-US" dirty="0"/>
@@ -1407,11 +4397,7 @@
             </a:r>
             <a:r>
               <a:rPr lang="en-US" baseline="0" dirty="0" smtClean="0"/>
-              <a:t> </a:t>
-            </a:r>
-            <a:r>
-              <a:rPr lang="en-US" baseline="0" dirty="0" smtClean="0"/>
-              <a:t>provide a check on our imaginations</a:t>
+              <a:t> provide a check on our imaginations</a:t>
             </a:r>
             <a:endParaRPr lang="en-US" dirty="0"/>
           </a:p>
@@ -1743,11 +4729,7 @@
             </a:r>
             <a:r>
               <a:rPr lang="en-US" baseline="0" dirty="0" smtClean="0"/>
-              <a:t> explain &amp; intervene given the limits of our models, but with the capabilities we do have, we can deliver the most likely explanations, predictions&amp; interventions</a:t>
-            </a:r>
-            <a:r>
-              <a:rPr lang="en-US" baseline="0" dirty="0" smtClean="0"/>
-              <a:t>.</a:t>
+              <a:t> explain &amp; intervene given the limits of our models, but with the capabilities we do have, we can deliver the most likely explanations, predictions&amp; interventions.</a:t>
             </a:r>
           </a:p>
           <a:p>
@@ -2188,7 +5170,7 @@
           <a:p>
             <a:fld id="{028801C9-EEE0-44A4-83C8-307F972F4A7F}" type="datetimeFigureOut">
               <a:rPr lang="en-US" smtClean="0"/>
-              <a:t>4/15/2013</a:t>
+              <a:t>4/16/2013</a:t>
             </a:fld>
             <a:endParaRPr lang="en-US"/>
           </a:p>
@@ -2358,7 +5340,7 @@
           <a:p>
             <a:fld id="{028801C9-EEE0-44A4-83C8-307F972F4A7F}" type="datetimeFigureOut">
               <a:rPr lang="en-US" smtClean="0"/>
-              <a:t>4/15/2013</a:t>
+              <a:t>4/16/2013</a:t>
             </a:fld>
             <a:endParaRPr lang="en-US"/>
           </a:p>
@@ -2538,7 +5520,7 @@
           <a:p>
             <a:fld id="{028801C9-EEE0-44A4-83C8-307F972F4A7F}" type="datetimeFigureOut">
               <a:rPr lang="en-US" smtClean="0"/>
-              <a:t>4/15/2013</a:t>
+              <a:t>4/16/2013</a:t>
             </a:fld>
             <a:endParaRPr lang="en-US"/>
           </a:p>
@@ -2708,7 +5690,7 @@
           <a:p>
             <a:fld id="{028801C9-EEE0-44A4-83C8-307F972F4A7F}" type="datetimeFigureOut">
               <a:rPr lang="en-US" smtClean="0"/>
-              <a:t>4/15/2013</a:t>
+              <a:t>4/16/2013</a:t>
             </a:fld>
             <a:endParaRPr lang="en-US"/>
           </a:p>
@@ -2954,7 +5936,7 @@
           <a:p>
             <a:fld id="{028801C9-EEE0-44A4-83C8-307F972F4A7F}" type="datetimeFigureOut">
               <a:rPr lang="en-US" smtClean="0"/>
-              <a:t>4/15/2013</a:t>
+              <a:t>4/16/2013</a:t>
             </a:fld>
             <a:endParaRPr lang="en-US"/>
           </a:p>
@@ -3242,7 +6224,7 @@
           <a:p>
             <a:fld id="{028801C9-EEE0-44A4-83C8-307F972F4A7F}" type="datetimeFigureOut">
               <a:rPr lang="en-US" smtClean="0"/>
-              <a:t>4/15/2013</a:t>
+              <a:t>4/16/2013</a:t>
             </a:fld>
             <a:endParaRPr lang="en-US"/>
           </a:p>
@@ -3664,7 +6646,7 @@
           <a:p>
             <a:fld id="{028801C9-EEE0-44A4-83C8-307F972F4A7F}" type="datetimeFigureOut">
               <a:rPr lang="en-US" smtClean="0"/>
-              <a:t>4/15/2013</a:t>
+              <a:t>4/16/2013</a:t>
             </a:fld>
             <a:endParaRPr lang="en-US"/>
           </a:p>
@@ -3782,7 +6764,7 @@
           <a:p>
             <a:fld id="{028801C9-EEE0-44A4-83C8-307F972F4A7F}" type="datetimeFigureOut">
               <a:rPr lang="en-US" smtClean="0"/>
-              <a:t>4/15/2013</a:t>
+              <a:t>4/16/2013</a:t>
             </a:fld>
             <a:endParaRPr lang="en-US"/>
           </a:p>
@@ -3877,7 +6859,7 @@
           <a:p>
             <a:fld id="{028801C9-EEE0-44A4-83C8-307F972F4A7F}" type="datetimeFigureOut">
               <a:rPr lang="en-US" smtClean="0"/>
-              <a:t>4/15/2013</a:t>
+              <a:t>4/16/2013</a:t>
             </a:fld>
             <a:endParaRPr lang="en-US"/>
           </a:p>
@@ -4154,7 +7136,7 @@
           <a:p>
             <a:fld id="{028801C9-EEE0-44A4-83C8-307F972F4A7F}" type="datetimeFigureOut">
               <a:rPr lang="en-US" smtClean="0"/>
-              <a:t>4/15/2013</a:t>
+              <a:t>4/16/2013</a:t>
             </a:fld>
             <a:endParaRPr lang="en-US"/>
           </a:p>
@@ -4407,7 +7389,7 @@
           <a:p>
             <a:fld id="{028801C9-EEE0-44A4-83C8-307F972F4A7F}" type="datetimeFigureOut">
               <a:rPr lang="en-US" smtClean="0"/>
-              <a:t>4/15/2013</a:t>
+              <a:t>4/16/2013</a:t>
             </a:fld>
             <a:endParaRPr lang="en-US"/>
           </a:p>
@@ -4620,7 +7602,7 @@
           <a:p>
             <a:fld id="{028801C9-EEE0-44A4-83C8-307F972F4A7F}" type="datetimeFigureOut">
               <a:rPr lang="en-US" smtClean="0"/>
-              <a:t>4/15/2013</a:t>
+              <a:t>4/16/2013</a:t>
             </a:fld>
             <a:endParaRPr lang="en-US"/>
           </a:p>
@@ -6475,13 +9457,8 @@
           <a:p>
             <a:r>
               <a:rPr lang="en-US" dirty="0" smtClean="0"/>
-              <a:t>Push bandwidth (I/O</a:t>
-            </a:r>
-            <a:r>
-              <a:rPr lang="en-US" dirty="0" smtClean="0"/>
-              <a:t>)</a:t>
-            </a:r>
-            <a:endParaRPr lang="en-US" dirty="0" smtClean="0"/>
+              <a:t>Push bandwidth (I/O)</a:t>
+            </a:r>
           </a:p>
           <a:p>
             <a:pPr lvl="1"/>
@@ -9751,11 +12728,7 @@
             <a:p>
               <a:r>
                 <a:rPr lang="en-US" sz="2400" dirty="0" smtClean="0"/>
-                <a:t>∞ </a:t>
-              </a:r>
-              <a:r>
-                <a:rPr lang="en-US" sz="2400" dirty="0" smtClean="0"/>
-                <a:t>processing</a:t>
+                <a:t>∞ processing</a:t>
               </a:r>
             </a:p>
             <a:p>
@@ -9863,19 +12836,7 @@
               <a:rPr lang="en-US" sz="2400" b="1" dirty="0" smtClean="0">
                 <a:sym typeface="Wingdings" pitchFamily="2" charset="2"/>
               </a:rPr>
-              <a:t>Can we reach the </a:t>
-            </a:r>
-            <a:r>
-              <a:rPr lang="en-US" sz="2400" b="1" dirty="0" smtClean="0">
-                <a:sym typeface="Wingdings" pitchFamily="2" charset="2"/>
-              </a:rPr>
-              <a:t>God </a:t>
-            </a:r>
-            <a:r>
-              <a:rPr lang="en-US" sz="2400" b="1" dirty="0" smtClean="0">
-                <a:sym typeface="Wingdings" pitchFamily="2" charset="2"/>
-              </a:rPr>
-              <a:t>Machine?</a:t>
+              <a:t>Can we reach the God Machine?</a:t>
             </a:r>
             <a:endParaRPr lang="en-US" sz="2400" b="1" dirty="0"/>
           </a:p>
@@ -10958,10 +13919,6 @@
           <a:bodyPr/>
           <a:lstStyle/>
           <a:p>
-            <a:r>
-              <a:rPr lang="en-US" dirty="0" smtClean="0"/>
-              <a:t>Reality Check: Hard Limits</a:t>
-            </a:r>
             <a:endParaRPr lang="en-US" dirty="0"/>
           </a:p>
         </p:txBody>
@@ -10979,41 +13936,20 @@
         <p:spPr/>
         <p:txBody>
           <a:bodyPr>
-            <a:normAutofit lnSpcReduction="10000"/>
+            <a:normAutofit fontScale="92500" lnSpcReduction="10000"/>
           </a:bodyPr>
           <a:lstStyle/>
           <a:p>
-            <a:r>
-              <a:rPr lang="en-US" dirty="0" smtClean="0"/>
-              <a:t>Physical uncertainty</a:t>
-            </a:r>
-            <a:r>
-              <a:rPr lang="en-US" dirty="0"/>
-              <a:t>: </a:t>
-            </a:r>
-            <a:r>
-              <a:rPr lang="en-US" dirty="0" smtClean="0"/>
-              <a:t>Heisenberg</a:t>
-            </a:r>
-          </a:p>
-          <a:p>
-            <a:pPr lvl="1"/>
-            <a:r>
-              <a:rPr lang="en-US" dirty="0" smtClean="0"/>
-              <a:t>Chaos</a:t>
-            </a:r>
+            <a:endParaRPr lang="en-US" dirty="0" smtClean="0"/>
+          </a:p>
+          <a:p>
             <a:endParaRPr lang="en-US" dirty="0"/>
           </a:p>
           <a:p>
-            <a:r>
-              <a:rPr lang="en-US" dirty="0"/>
-              <a:t>Epistemological uncertainty: </a:t>
-            </a:r>
-            <a:r>
-              <a:rPr lang="en-US" dirty="0" err="1" smtClean="0"/>
-              <a:t>Godel</a:t>
-            </a:r>
             <a:endParaRPr lang="en-US" dirty="0" smtClean="0"/>
+          </a:p>
+          <a:p>
+            <a:endParaRPr lang="en-US" dirty="0"/>
           </a:p>
           <a:p>
             <a:endParaRPr lang="en-US" dirty="0"/>
@@ -11031,7 +13967,10 @@
             </a:r>
           </a:p>
           <a:p>
-            <a:pPr lvl="1"/>
+            <a:pPr lvl="1">
+              <a:buFont typeface="Wingdings" pitchFamily="2" charset="2"/>
+              <a:buChar char="Ø"/>
+            </a:pPr>
             <a:r>
               <a:rPr lang="en-US" dirty="0" smtClean="0"/>
               <a:t>But we can get closer!</a:t>
@@ -11039,6 +13978,202 @@
           </a:p>
         </p:txBody>
       </p:sp>
+      <p:graphicFrame>
+        <p:nvGraphicFramePr>
+          <p:cNvPr id="5" name="Diagram 4"/>
+          <p:cNvGraphicFramePr/>
+          <p:nvPr>
+            <p:extLst>
+              <p:ext uri="{D42A27DB-BD31-4B8C-83A1-F6EECF244321}">
+                <p14:modId xmlns:p14="http://schemas.microsoft.com/office/powerpoint/2010/main" val="1295394046"/>
+              </p:ext>
+            </p:extLst>
+          </p:nvPr>
+        </p:nvGraphicFramePr>
+        <p:xfrm>
+          <a:off x="609600" y="304800"/>
+          <a:ext cx="7848600" cy="4064000"/>
+        </p:xfrm>
+        <a:graphic>
+          <a:graphicData uri="http://schemas.openxmlformats.org/drawingml/2006/diagram">
+            <dgm:relIds xmlns:dgm="http://schemas.openxmlformats.org/drawingml/2006/diagram" xmlns:r="http://schemas.openxmlformats.org/officeDocument/2006/relationships" r:dm="rId3" r:lo="rId4" r:qs="rId5" r:cs="rId6"/>
+          </a:graphicData>
+        </a:graphic>
+      </p:graphicFrame>
+      <p:pic>
+        <p:nvPicPr>
+          <p:cNvPr id="1030" name="Picture 6"/>
+          <p:cNvPicPr>
+            <a:picLocks noChangeAspect="1" noChangeArrowheads="1"/>
+          </p:cNvPicPr>
+          <p:nvPr/>
+        </p:nvPicPr>
+        <p:blipFill>
+          <a:blip r:embed="rId8">
+            <a:extLst>
+              <a:ext uri="{28A0092B-C50C-407E-A947-70E740481C1C}">
+                <a14:useLocalDpi xmlns:a14="http://schemas.microsoft.com/office/drawing/2010/main" val="0"/>
+              </a:ext>
+            </a:extLst>
+          </a:blip>
+          <a:srcRect/>
+          <a:stretch>
+            <a:fillRect/>
+          </a:stretch>
+        </p:blipFill>
+        <p:spPr bwMode="auto">
+          <a:xfrm>
+            <a:off x="5943600" y="3414712"/>
+            <a:ext cx="2457450" cy="333375"/>
+          </a:xfrm>
+          <a:prstGeom prst="rect">
+            <a:avLst/>
+          </a:prstGeom>
+          <a:noFill/>
+          <a:ln>
+            <a:noFill/>
+          </a:ln>
+          <a:effectLst>
+            <a:softEdge rad="31750"/>
+          </a:effectLst>
+          <a:extLst>
+            <a:ext uri="{909E8E84-426E-40DD-AFC4-6F175D3DCCD1}">
+              <a14:hiddenFill xmlns:a14="http://schemas.microsoft.com/office/drawing/2010/main">
+                <a:solidFill>
+                  <a:schemeClr val="accent1"/>
+                </a:solidFill>
+              </a14:hiddenFill>
+            </a:ext>
+            <a:ext uri="{91240B29-F687-4F45-9708-019B960494DF}">
+              <a14:hiddenLine xmlns:a14="http://schemas.microsoft.com/office/drawing/2010/main" w="9525">
+                <a:solidFill>
+                  <a:schemeClr val="tx1"/>
+                </a:solidFill>
+                <a:miter lim="800000"/>
+                <a:headEnd/>
+                <a:tailEnd/>
+              </a14:hiddenLine>
+            </a:ext>
+          </a:extLst>
+        </p:spPr>
+      </p:pic>
+      <p:pic>
+        <p:nvPicPr>
+          <p:cNvPr id="1031" name="Picture 7"/>
+          <p:cNvPicPr>
+            <a:picLocks noChangeAspect="1" noChangeArrowheads="1"/>
+          </p:cNvPicPr>
+          <p:nvPr/>
+        </p:nvPicPr>
+        <p:blipFill>
+          <a:blip r:embed="rId9">
+            <a:extLst>
+              <a:ext uri="{28A0092B-C50C-407E-A947-70E740481C1C}">
+                <a14:useLocalDpi xmlns:a14="http://schemas.microsoft.com/office/drawing/2010/main" val="0"/>
+              </a:ext>
+            </a:extLst>
+          </a:blip>
+          <a:srcRect/>
+          <a:stretch>
+            <a:fillRect/>
+          </a:stretch>
+        </p:blipFill>
+        <p:spPr bwMode="auto">
+          <a:xfrm>
+            <a:off x="1295400" y="3214687"/>
+            <a:ext cx="1230522" cy="733424"/>
+          </a:xfrm>
+          <a:prstGeom prst="rect">
+            <a:avLst/>
+          </a:prstGeom>
+          <a:noFill/>
+          <a:ln>
+            <a:noFill/>
+          </a:ln>
+          <a:effectLst>
+            <a:softEdge rad="31750"/>
+          </a:effectLst>
+          <a:extLst>
+            <a:ext uri="{909E8E84-426E-40DD-AFC4-6F175D3DCCD1}">
+              <a14:hiddenFill xmlns:a14="http://schemas.microsoft.com/office/drawing/2010/main">
+                <a:solidFill>
+                  <a:schemeClr val="accent1"/>
+                </a:solidFill>
+              </a14:hiddenFill>
+            </a:ext>
+            <a:ext uri="{91240B29-F687-4F45-9708-019B960494DF}">
+              <a14:hiddenLine xmlns:a14="http://schemas.microsoft.com/office/drawing/2010/main" w="9525">
+                <a:solidFill>
+                  <a:schemeClr val="tx1"/>
+                </a:solidFill>
+                <a:miter lim="800000"/>
+                <a:headEnd/>
+                <a:tailEnd/>
+              </a14:hiddenLine>
+            </a:ext>
+          </a:extLst>
+        </p:spPr>
+      </p:pic>
+      <p:pic>
+        <p:nvPicPr>
+          <p:cNvPr id="1032" name="Picture 8"/>
+          <p:cNvPicPr>
+            <a:picLocks noChangeAspect="1" noChangeArrowheads="1"/>
+          </p:cNvPicPr>
+          <p:nvPr/>
+        </p:nvPicPr>
+        <p:blipFill>
+          <a:blip r:embed="rId10">
+            <a:extLst>
+              <a:ext uri="{28A0092B-C50C-407E-A947-70E740481C1C}">
+                <a14:useLocalDpi xmlns:a14="http://schemas.microsoft.com/office/drawing/2010/main" val="0"/>
+              </a:ext>
+            </a:extLst>
+          </a:blip>
+          <a:srcRect/>
+          <a:stretch>
+            <a:fillRect/>
+          </a:stretch>
+        </p:blipFill>
+        <p:spPr bwMode="auto">
+          <a:xfrm>
+            <a:off x="3967162" y="3357561"/>
+            <a:ext cx="1209675" cy="447675"/>
+          </a:xfrm>
+          <a:prstGeom prst="rect">
+            <a:avLst/>
+          </a:prstGeom>
+          <a:noFill/>
+          <a:ln>
+            <a:noFill/>
+          </a:ln>
+          <a:effectLst>
+            <a:outerShdw dist="35921" dir="2700000" algn="ctr" rotWithShape="0">
+              <a:schemeClr val="bg2"/>
+            </a:outerShdw>
+            <a:softEdge rad="31750"/>
+          </a:effectLst>
+          <a:extLst>
+            <a:ext uri="{909E8E84-426E-40DD-AFC4-6F175D3DCCD1}">
+              <a14:hiddenFill xmlns:a14="http://schemas.microsoft.com/office/drawing/2010/main">
+                <a:solidFill>
+                  <a:schemeClr val="accent1"/>
+                </a:solidFill>
+              </a14:hiddenFill>
+            </a:ext>
+            <a:ext uri="{91240B29-F687-4F45-9708-019B960494DF}">
+              <a14:hiddenLine xmlns:a14="http://schemas.microsoft.com/office/drawing/2010/main" w="9525">
+                <a:solidFill>
+                  <a:schemeClr val="tx1"/>
+                </a:solidFill>
+                <a:miter lim="800000"/>
+                <a:headEnd/>
+                <a:tailEnd/>
+              </a14:hiddenLine>
+            </a:ext>
+          </a:extLst>
+        </p:spPr>
+      </p:pic>
     </p:spTree>
     <p:extLst>
       <p:ext uri="{BB962C8B-B14F-4D97-AF65-F5344CB8AC3E}">
@@ -11123,17 +14258,8 @@
           <a:p>
             <a:r>
               <a:rPr lang="en-US" dirty="0" smtClean="0"/>
-              <a:t>Push </a:t>
-            </a:r>
-            <a:r>
-              <a:rPr lang="en-US" dirty="0" smtClean="0"/>
-              <a:t>bandwidth (I/O</a:t>
-            </a:r>
-            <a:r>
-              <a:rPr lang="en-US" dirty="0" smtClean="0"/>
-              <a:t>)</a:t>
-            </a:r>
-            <a:endParaRPr lang="en-US" dirty="0" smtClean="0"/>
+              <a:t>Push bandwidth (I/O)</a:t>
+            </a:r>
           </a:p>
           <a:p>
             <a:pPr lvl="1"/>
@@ -11149,32 +14275,20 @@
           <a:p>
             <a:r>
               <a:rPr lang="en-US" dirty="0" smtClean="0"/>
-              <a:t>Push </a:t>
-            </a:r>
+              <a:t>Push Memory (RAM, Storage)</a:t>
+            </a:r>
+          </a:p>
+          <a:p>
+            <a:pPr lvl="1"/>
             <a:r>
               <a:rPr lang="en-US" dirty="0" smtClean="0"/>
-              <a:t>Memory (RAM, Storage)</a:t>
-            </a:r>
-          </a:p>
-          <a:p>
-            <a:pPr lvl="1"/>
+              <a:t>Summarize and condense (Hash)</a:t>
+            </a:r>
+          </a:p>
+          <a:p>
             <a:r>
               <a:rPr lang="en-US" dirty="0" smtClean="0"/>
-              <a:t>Summarize and condense (Hash</a:t>
-            </a:r>
-            <a:r>
-              <a:rPr lang="en-US" dirty="0" smtClean="0"/>
-              <a:t>)</a:t>
-            </a:r>
-          </a:p>
-          <a:p>
-            <a:r>
-              <a:rPr lang="en-US" dirty="0" smtClean="0"/>
-              <a:t>Push </a:t>
-            </a:r>
-            <a:r>
-              <a:rPr lang="en-US" dirty="0" smtClean="0"/>
-              <a:t>Computation (Processor)</a:t>
+              <a:t>Push Computation (Processor)</a:t>
             </a:r>
           </a:p>
           <a:p>
@@ -11200,27 +14314,14 @@
               <a:rPr lang="en-US" dirty="0" smtClean="0">
                 <a:sym typeface="Wingdings" pitchFamily="2" charset="2"/>
               </a:rPr>
-              <a:t>Classical </a:t>
-            </a:r>
-            <a:r>
-              <a:rPr lang="en-US" dirty="0" smtClean="0">
-                <a:sym typeface="Wingdings" pitchFamily="2" charset="2"/>
-              </a:rPr>
-              <a:t>to Probabilistic </a:t>
-            </a:r>
-            <a:endParaRPr lang="en-US" dirty="0" smtClean="0">
-              <a:sym typeface="Wingdings" pitchFamily="2" charset="2"/>
-            </a:endParaRPr>
+              <a:t>Classical to Probabilistic </a:t>
+            </a:r>
           </a:p>
           <a:p>
             <a:pPr lvl="1"/>
             <a:r>
               <a:rPr lang="en-US" dirty="0" smtClean="0"/>
-              <a:t>Increase </a:t>
-            </a:r>
-            <a:r>
-              <a:rPr lang="en-US" dirty="0" smtClean="0"/>
-              <a:t>thinking efficiency</a:t>
+              <a:t>Increase thinking efficiency</a:t>
             </a:r>
           </a:p>
           <a:p>
@@ -11324,11 +14425,7 @@
             <a:pPr lvl="1"/>
             <a:r>
               <a:rPr lang="en-US" dirty="0" smtClean="0"/>
-              <a:t>Assumptions </a:t>
-            </a:r>
-            <a:r>
-              <a:rPr lang="en-US" dirty="0" smtClean="0"/>
-              <a:t>↘</a:t>
+              <a:t>Assumptions ↘</a:t>
             </a:r>
           </a:p>
           <a:p>
@@ -11341,16 +14438,11 @@
               <a:rPr lang="en-US" dirty="0" smtClean="0"/>
               <a:t>error</a:t>
             </a:r>
-            <a:endParaRPr lang="en-US" dirty="0" smtClean="0"/>
           </a:p>
           <a:p>
             <a:r>
               <a:rPr lang="en-US" dirty="0" smtClean="0"/>
-              <a:t>Compatibility </a:t>
-            </a:r>
-            <a:r>
-              <a:rPr lang="en-US" dirty="0" smtClean="0"/>
-              <a:t>w/ other models ↗ (Unification)</a:t>
+              <a:t>Compatibility w/ other models ↗ (Unification)</a:t>
             </a:r>
           </a:p>
           <a:p>
@@ -11362,16 +14454,11 @@
               <a:rPr lang="en-US" dirty="0" smtClean="0"/>
               <a:t>↗</a:t>
             </a:r>
-            <a:endParaRPr lang="en-US" dirty="0" smtClean="0"/>
           </a:p>
           <a:p>
             <a:r>
               <a:rPr lang="en-US" dirty="0" smtClean="0"/>
-              <a:t>Simplicity </a:t>
-            </a:r>
-            <a:r>
-              <a:rPr lang="en-US" dirty="0" smtClean="0"/>
-              <a:t>↗ (</a:t>
+              <a:t>Simplicity ↗ (</a:t>
             </a:r>
             <a:r>
               <a:rPr lang="en-US" i="1" dirty="0" smtClean="0"/>

--- a/ModelTalk.pptx
+++ b/ModelTalk.pptx
@@ -11,15 +11,15 @@
     <p:handoutMasterId r:id="rId18"/>
   </p:handoutMasterIdLst>
   <p:sldIdLst>
-    <p:sldId id="256" r:id="rId2"/>
-    <p:sldId id="257" r:id="rId3"/>
-    <p:sldId id="258" r:id="rId4"/>
-    <p:sldId id="264" r:id="rId5"/>
-    <p:sldId id="269" r:id="rId6"/>
-    <p:sldId id="265" r:id="rId7"/>
-    <p:sldId id="263" r:id="rId8"/>
-    <p:sldId id="262" r:id="rId9"/>
-    <p:sldId id="267" r:id="rId10"/>
+    <p:sldId id="257" r:id="rId2"/>
+    <p:sldId id="258" r:id="rId3"/>
+    <p:sldId id="264" r:id="rId4"/>
+    <p:sldId id="269" r:id="rId5"/>
+    <p:sldId id="265" r:id="rId6"/>
+    <p:sldId id="263" r:id="rId7"/>
+    <p:sldId id="262" r:id="rId8"/>
+    <p:sldId id="267" r:id="rId9"/>
+    <p:sldId id="271" r:id="rId10"/>
     <p:sldId id="268" r:id="rId11"/>
     <p:sldId id="266" r:id="rId12"/>
     <p:sldId id="261" r:id="rId13"/>
@@ -1062,27 +1062,14 @@
       <dgm:prSet phldrT="[Text]"/>
       <dgm:spPr/>
       <dgm:t>
-        <a:bodyPr/>
+        <a:bodyPr anchor="t" anchorCtr="0"/>
         <a:lstStyle/>
         <a:p>
-          <a:r>
-            <a:rPr lang="en-US" u="none" dirty="0" smtClean="0"/>
-            <a:t>Physical Measurements</a:t>
-          </a:r>
-          <a:r>
-            <a:rPr lang="en-US" dirty="0" smtClean="0"/>
-            <a:t/>
-          </a:r>
-          <a:br>
-            <a:rPr lang="en-US" dirty="0" smtClean="0"/>
-          </a:br>
           <a:r>
             <a:rPr lang="en-US" b="1" dirty="0" smtClean="0"/>
             <a:t>Heisenberg</a:t>
           </a:r>
-        </a:p>
-        <a:p>
-          <a:endParaRPr lang="en-US" dirty="0"/>
+          <a:endParaRPr lang="en-US" b="1" dirty="0" smtClean="0"/>
         </a:p>
       </dgm:t>
     </dgm:pt>
@@ -1112,26 +1099,13 @@
       <dgm:prSet phldrT="[Text]"/>
       <dgm:spPr/>
       <dgm:t>
-        <a:bodyPr/>
+        <a:bodyPr anchor="t" anchorCtr="0"/>
         <a:lstStyle/>
         <a:p>
-          <a:r>
-            <a:rPr lang="en-US" u="none" dirty="0" smtClean="0"/>
-            <a:t>Physical Manipulation</a:t>
-          </a:r>
-          <a:r>
-            <a:rPr lang="en-US" dirty="0" smtClean="0"/>
-            <a:t/>
-          </a:r>
-          <a:br>
-            <a:rPr lang="en-US" dirty="0" smtClean="0"/>
-          </a:br>
           <a:r>
             <a:rPr lang="en-US" b="1" dirty="0" smtClean="0"/>
             <a:t>Thermodynamics</a:t>
           </a:r>
-        </a:p>
-        <a:p>
           <a:endParaRPr lang="en-US" dirty="0"/>
         </a:p>
       </dgm:t>
@@ -1162,20 +1136,9 @@
       <dgm:prSet phldrT="[Text]"/>
       <dgm:spPr/>
       <dgm:t>
-        <a:bodyPr/>
+        <a:bodyPr anchor="t" anchorCtr="0"/>
         <a:lstStyle/>
         <a:p>
-          <a:r>
-            <a:rPr lang="en-US" u="none" dirty="0" smtClean="0"/>
-            <a:t>Knowledge</a:t>
-          </a:r>
-          <a:r>
-            <a:rPr lang="en-US" dirty="0" smtClean="0"/>
-            <a:t/>
-          </a:r>
-          <a:br>
-            <a:rPr lang="en-US" dirty="0" smtClean="0"/>
-          </a:br>
           <a:r>
             <a:rPr lang="en-US" b="1" dirty="0" smtClean="0"/>
             <a:t>Gödel</a:t>
@@ -1188,8 +1151,6 @@
             <a:rPr lang="en-US" b="1" dirty="0" smtClean="0"/>
             <a:t>Incompleteness</a:t>
           </a:r>
-        </a:p>
-        <a:p>
           <a:endParaRPr lang="en-US" dirty="0"/>
         </a:p>
       </dgm:t>
@@ -1225,6 +1186,13 @@
         </dgm:presLayoutVars>
       </dgm:prSet>
       <dgm:spPr/>
+      <dgm:t>
+        <a:bodyPr/>
+        <a:lstStyle/>
+        <a:p>
+          <a:endParaRPr lang="en-US"/>
+        </a:p>
+      </dgm:t>
     </dgm:pt>
     <dgm:pt modelId="{80281D6B-4E1C-43D7-99D8-9D8AF1D3DBEF}" type="pres">
       <dgm:prSet presAssocID="{DD5F7AAF-112C-4A9A-B0AB-25D201DE691C}" presName="roof" presStyleLbl="dkBgShp" presStyleIdx="0" presStyleCnt="2" custLinFactNeighborX="-92500" custLinFactNeighborY="-25000"/>
@@ -1242,7 +1210,7 @@
       <dgm:spPr/>
     </dgm:pt>
     <dgm:pt modelId="{8A58F5C7-FF6B-4E4A-B29F-D6A72C33BE24}" type="pres">
-      <dgm:prSet presAssocID="{DD5F7AAF-112C-4A9A-B0AB-25D201DE691C}" presName="pillar1" presStyleLbl="node1" presStyleIdx="0" presStyleCnt="3">
+      <dgm:prSet presAssocID="{DD5F7AAF-112C-4A9A-B0AB-25D201DE691C}" presName="pillar1" presStyleLbl="node1" presStyleIdx="0" presStyleCnt="3" custScaleY="71801" custLinFactNeighborX="291" custLinFactNeighborY="21615">
         <dgm:presLayoutVars>
           <dgm:bulletEnabled val="1"/>
         </dgm:presLayoutVars>
@@ -1257,7 +1225,7 @@
       </dgm:t>
     </dgm:pt>
     <dgm:pt modelId="{DFABE977-EA8A-44CD-81E4-CF31AB6A2BCC}" type="pres">
-      <dgm:prSet presAssocID="{1F812C4B-C766-4543-BEE2-04A11E090143}" presName="pillarX" presStyleLbl="node1" presStyleIdx="1" presStyleCnt="3">
+      <dgm:prSet presAssocID="{1F812C4B-C766-4543-BEE2-04A11E090143}" presName="pillarX" presStyleLbl="node1" presStyleIdx="1" presStyleCnt="3" custScaleY="71801" custLinFactNeighborX="-511" custLinFactNeighborY="21615">
         <dgm:presLayoutVars>
           <dgm:bulletEnabled val="1"/>
         </dgm:presLayoutVars>
@@ -1272,7 +1240,7 @@
       </dgm:t>
     </dgm:pt>
     <dgm:pt modelId="{AE560A81-FDE0-4A00-8814-E59B8DD569BD}" type="pres">
-      <dgm:prSet presAssocID="{B8956CD5-9D79-47AB-B9C6-418338D27EF3}" presName="pillarX" presStyleLbl="node1" presStyleIdx="2" presStyleCnt="3">
+      <dgm:prSet presAssocID="{B8956CD5-9D79-47AB-B9C6-418338D27EF3}" presName="pillarX" presStyleLbl="node1" presStyleIdx="2" presStyleCnt="3" custScaleY="71801" custLinFactNeighborX="-511" custLinFactNeighborY="21615">
         <dgm:presLayoutVars>
           <dgm:bulletEnabled val="1"/>
         </dgm:presLayoutVars>
@@ -1293,14 +1261,14 @@
   </dgm:ptLst>
   <dgm:cxnLst>
     <dgm:cxn modelId="{B22DA03B-039A-45C3-B0D1-DF34E49B1B9C}" srcId="{0BE0B7E4-7B3A-4C57-8E0D-D9CEC7B2C43F}" destId="{DD5F7AAF-112C-4A9A-B0AB-25D201DE691C}" srcOrd="0" destOrd="0" parTransId="{0AF58B15-8819-4F41-BC31-D4F4990EA83E}" sibTransId="{D5B6E5C5-8EAC-4BBA-B682-0A6F433BE19D}"/>
+    <dgm:cxn modelId="{300E60B2-40D7-46A2-AE63-D3BC203D6E08}" type="presOf" srcId="{DD5F7AAF-112C-4A9A-B0AB-25D201DE691C}" destId="{80281D6B-4E1C-43D7-99D8-9D8AF1D3DBEF}" srcOrd="0" destOrd="0" presId="urn:microsoft.com/office/officeart/2005/8/layout/hList3"/>
     <dgm:cxn modelId="{78761B21-9B33-4722-B7FF-1F6CF003FB15}" srcId="{DD5F7AAF-112C-4A9A-B0AB-25D201DE691C}" destId="{1F812C4B-C766-4543-BEE2-04A11E090143}" srcOrd="1" destOrd="0" parTransId="{C739A147-2C62-4ACE-90A1-C0955BABC2C4}" sibTransId="{0A392F54-15FD-4880-AFFC-412D43DAF163}"/>
-    <dgm:cxn modelId="{300E60B2-40D7-46A2-AE63-D3BC203D6E08}" type="presOf" srcId="{DD5F7AAF-112C-4A9A-B0AB-25D201DE691C}" destId="{80281D6B-4E1C-43D7-99D8-9D8AF1D3DBEF}" srcOrd="0" destOrd="0" presId="urn:microsoft.com/office/officeart/2005/8/layout/hList3"/>
+    <dgm:cxn modelId="{B376B3A8-A7DE-438A-A849-2F6361E8D2EE}" srcId="{DD5F7AAF-112C-4A9A-B0AB-25D201DE691C}" destId="{FE3C5589-28CC-4922-A515-C6A04D6E4330}" srcOrd="0" destOrd="0" parTransId="{330CFBC0-0F30-4AEE-9E0A-F3FCAA43A528}" sibTransId="{4A8147C1-EB5C-4D75-B688-D44A0CE15C05}"/>
+    <dgm:cxn modelId="{6EBCD054-98D6-4D75-8368-A8DAE9FEED66}" type="presOf" srcId="{FE3C5589-28CC-4922-A515-C6A04D6E4330}" destId="{8A58F5C7-FF6B-4E4A-B29F-D6A72C33BE24}" srcOrd="0" destOrd="0" presId="urn:microsoft.com/office/officeart/2005/8/layout/hList3"/>
     <dgm:cxn modelId="{ED6505E7-8197-4ECD-A44A-6B97446BA520}" type="presOf" srcId="{1F812C4B-C766-4543-BEE2-04A11E090143}" destId="{DFABE977-EA8A-44CD-81E4-CF31AB6A2BCC}" srcOrd="0" destOrd="0" presId="urn:microsoft.com/office/officeart/2005/8/layout/hList3"/>
-    <dgm:cxn modelId="{6EBCD054-98D6-4D75-8368-A8DAE9FEED66}" type="presOf" srcId="{FE3C5589-28CC-4922-A515-C6A04D6E4330}" destId="{8A58F5C7-FF6B-4E4A-B29F-D6A72C33BE24}" srcOrd="0" destOrd="0" presId="urn:microsoft.com/office/officeart/2005/8/layout/hList3"/>
+    <dgm:cxn modelId="{A85192B7-D7D6-40F0-8C41-7D4DAFACBC26}" type="presOf" srcId="{0BE0B7E4-7B3A-4C57-8E0D-D9CEC7B2C43F}" destId="{07F78074-4D04-47B5-9A4A-73E9D149CFA7}" srcOrd="0" destOrd="0" presId="urn:microsoft.com/office/officeart/2005/8/layout/hList3"/>
     <dgm:cxn modelId="{D8D947B3-BDB5-43D9-B157-ADEE56F9D92E}" srcId="{DD5F7AAF-112C-4A9A-B0AB-25D201DE691C}" destId="{B8956CD5-9D79-47AB-B9C6-418338D27EF3}" srcOrd="2" destOrd="0" parTransId="{19EE27EE-6D18-4D20-BABE-466DBF73A0A2}" sibTransId="{90C608AD-AF6B-4DB2-9CD4-5DA607B04748}"/>
     <dgm:cxn modelId="{7BA506CE-B74F-4CC4-9823-5C3D2DD28F8E}" type="presOf" srcId="{B8956CD5-9D79-47AB-B9C6-418338D27EF3}" destId="{AE560A81-FDE0-4A00-8814-E59B8DD569BD}" srcOrd="0" destOrd="0" presId="urn:microsoft.com/office/officeart/2005/8/layout/hList3"/>
-    <dgm:cxn modelId="{A85192B7-D7D6-40F0-8C41-7D4DAFACBC26}" type="presOf" srcId="{0BE0B7E4-7B3A-4C57-8E0D-D9CEC7B2C43F}" destId="{07F78074-4D04-47B5-9A4A-73E9D149CFA7}" srcOrd="0" destOrd="0" presId="urn:microsoft.com/office/officeart/2005/8/layout/hList3"/>
-    <dgm:cxn modelId="{B376B3A8-A7DE-438A-A849-2F6361E8D2EE}" srcId="{DD5F7AAF-112C-4A9A-B0AB-25D201DE691C}" destId="{FE3C5589-28CC-4922-A515-C6A04D6E4330}" srcOrd="0" destOrd="0" parTransId="{330CFBC0-0F30-4AEE-9E0A-F3FCAA43A528}" sibTransId="{4A8147C1-EB5C-4D75-B688-D44A0CE15C05}"/>
     <dgm:cxn modelId="{CF89DCBE-014C-44D5-938E-1F6DF94FAD35}" type="presParOf" srcId="{07F78074-4D04-47B5-9A4A-73E9D149CFA7}" destId="{80281D6B-4E1C-43D7-99D8-9D8AF1D3DBEF}" srcOrd="0" destOrd="0" presId="urn:microsoft.com/office/officeart/2005/8/layout/hList3"/>
     <dgm:cxn modelId="{6C61A940-3279-4BDC-961E-DD421BF9BD28}" type="presParOf" srcId="{07F78074-4D04-47B5-9A4A-73E9D149CFA7}" destId="{ABCA2A22-7012-4CF5-8855-FAC95DE9F141}" srcOrd="1" destOrd="0" presId="urn:microsoft.com/office/officeart/2005/8/layout/hList3"/>
     <dgm:cxn modelId="{4E693597-8918-461A-B7AF-97BD7573EEFE}" type="presParOf" srcId="{ABCA2A22-7012-4CF5-8855-FAC95DE9F141}" destId="{8A58F5C7-FF6B-4E4A-B29F-D6A72C33BE24}" srcOrd="0" destOrd="0" presId="urn:microsoft.com/office/officeart/2005/8/layout/hList3"/>
@@ -1418,8 +1386,8 @@
       </dsp:nvSpPr>
       <dsp:spPr>
         <a:xfrm>
-          <a:off x="3832" y="1219200"/>
-          <a:ext cx="2613645" cy="2560320"/>
+          <a:off x="11438" y="2133605"/>
+          <a:ext cx="2613645" cy="1838335"/>
         </a:xfrm>
         <a:prstGeom prst="rect">
           <a:avLst/>
@@ -1499,7 +1467,7 @@
         </a:fontRef>
       </dsp:style>
       <dsp:txBody>
-        <a:bodyPr spcFirstLastPara="0" vert="horz" wrap="square" lIns="99060" tIns="99060" rIns="99060" bIns="99060" numCol="1" spcCol="1270" anchor="ctr" anchorCtr="0">
+        <a:bodyPr spcFirstLastPara="0" vert="horz" wrap="square" lIns="99060" tIns="99060" rIns="99060" bIns="99060" numCol="1" spcCol="1270" anchor="t" anchorCtr="0">
           <a:noAutofit/>
         </a:bodyPr>
         <a:lstStyle/>
@@ -1516,39 +1484,15 @@
             </a:spcAft>
           </a:pPr>
           <a:r>
-            <a:rPr lang="en-US" sz="2600" u="none" kern="1200" dirty="0" smtClean="0"/>
-            <a:t>Physical Measurements</a:t>
-          </a:r>
-          <a:r>
-            <a:rPr lang="en-US" sz="2600" kern="1200" dirty="0" smtClean="0"/>
-            <a:t/>
-          </a:r>
-          <a:br>
-            <a:rPr lang="en-US" sz="2600" kern="1200" dirty="0" smtClean="0"/>
-          </a:br>
-          <a:r>
             <a:rPr lang="en-US" sz="2600" b="1" kern="1200" dirty="0" smtClean="0"/>
             <a:t>Heisenberg</a:t>
           </a:r>
-        </a:p>
-        <a:p>
-          <a:pPr lvl="0" algn="ctr" defTabSz="1155700">
-            <a:lnSpc>
-              <a:spcPct val="90000"/>
-            </a:lnSpc>
-            <a:spcBef>
-              <a:spcPct val="0"/>
-            </a:spcBef>
-            <a:spcAft>
-              <a:spcPct val="35000"/>
-            </a:spcAft>
-          </a:pPr>
-          <a:endParaRPr lang="en-US" sz="2600" kern="1200" dirty="0"/>
+          <a:endParaRPr lang="en-US" sz="2600" b="1" kern="1200" dirty="0" smtClean="0"/>
         </a:p>
       </dsp:txBody>
       <dsp:txXfrm>
-        <a:off x="3832" y="1219200"/>
-        <a:ext cx="2613645" cy="2560320"/>
+        <a:off x="11438" y="2133605"/>
+        <a:ext cx="2613645" cy="1838335"/>
       </dsp:txXfrm>
     </dsp:sp>
     <dsp:sp modelId="{DFABE977-EA8A-44CD-81E4-CF31AB6A2BCC}">
@@ -1558,8 +1502,8 @@
       </dsp:nvSpPr>
       <dsp:spPr>
         <a:xfrm>
-          <a:off x="2617477" y="1219200"/>
-          <a:ext cx="2613645" cy="2560320"/>
+          <a:off x="2604121" y="2133605"/>
+          <a:ext cx="2613645" cy="1838335"/>
         </a:xfrm>
         <a:prstGeom prst="rect">
           <a:avLst/>
@@ -1639,7 +1583,7 @@
         </a:fontRef>
       </dsp:style>
       <dsp:txBody>
-        <a:bodyPr spcFirstLastPara="0" vert="horz" wrap="square" lIns="99060" tIns="99060" rIns="99060" bIns="99060" numCol="1" spcCol="1270" anchor="ctr" anchorCtr="0">
+        <a:bodyPr spcFirstLastPara="0" vert="horz" wrap="square" lIns="99060" tIns="99060" rIns="99060" bIns="99060" numCol="1" spcCol="1270" anchor="t" anchorCtr="0">
           <a:noAutofit/>
         </a:bodyPr>
         <a:lstStyle/>
@@ -1656,39 +1600,15 @@
             </a:spcAft>
           </a:pPr>
           <a:r>
-            <a:rPr lang="en-US" sz="2600" u="none" kern="1200" dirty="0" smtClean="0"/>
-            <a:t>Physical Manipulation</a:t>
-          </a:r>
-          <a:r>
-            <a:rPr lang="en-US" sz="2600" kern="1200" dirty="0" smtClean="0"/>
-            <a:t/>
-          </a:r>
-          <a:br>
-            <a:rPr lang="en-US" sz="2600" kern="1200" dirty="0" smtClean="0"/>
-          </a:br>
-          <a:r>
             <a:rPr lang="en-US" sz="2600" b="1" kern="1200" dirty="0" smtClean="0"/>
             <a:t>Thermodynamics</a:t>
           </a:r>
-        </a:p>
-        <a:p>
-          <a:pPr lvl="0" algn="ctr" defTabSz="1155700">
-            <a:lnSpc>
-              <a:spcPct val="90000"/>
-            </a:lnSpc>
-            <a:spcBef>
-              <a:spcPct val="0"/>
-            </a:spcBef>
-            <a:spcAft>
-              <a:spcPct val="35000"/>
-            </a:spcAft>
-          </a:pPr>
           <a:endParaRPr lang="en-US" sz="2600" kern="1200" dirty="0"/>
         </a:p>
       </dsp:txBody>
       <dsp:txXfrm>
-        <a:off x="2617477" y="1219200"/>
-        <a:ext cx="2613645" cy="2560320"/>
+        <a:off x="2604121" y="2133605"/>
+        <a:ext cx="2613645" cy="1838335"/>
       </dsp:txXfrm>
     </dsp:sp>
     <dsp:sp modelId="{AE560A81-FDE0-4A00-8814-E59B8DD569BD}">
@@ -1698,8 +1618,8 @@
       </dsp:nvSpPr>
       <dsp:spPr>
         <a:xfrm>
-          <a:off x="5231122" y="1219200"/>
-          <a:ext cx="2613645" cy="2560320"/>
+          <a:off x="5217766" y="2133605"/>
+          <a:ext cx="2613645" cy="1838335"/>
         </a:xfrm>
         <a:prstGeom prst="rect">
           <a:avLst/>
@@ -1779,7 +1699,7 @@
         </a:fontRef>
       </dsp:style>
       <dsp:txBody>
-        <a:bodyPr spcFirstLastPara="0" vert="horz" wrap="square" lIns="99060" tIns="99060" rIns="99060" bIns="99060" numCol="1" spcCol="1270" anchor="ctr" anchorCtr="0">
+        <a:bodyPr spcFirstLastPara="0" vert="horz" wrap="square" lIns="99060" tIns="99060" rIns="99060" bIns="99060" numCol="1" spcCol="1270" anchor="t" anchorCtr="0">
           <a:noAutofit/>
         </a:bodyPr>
         <a:lstStyle/>
@@ -1796,17 +1716,6 @@
             </a:spcAft>
           </a:pPr>
           <a:r>
-            <a:rPr lang="en-US" sz="2600" u="none" kern="1200" dirty="0" smtClean="0"/>
-            <a:t>Knowledge</a:t>
-          </a:r>
-          <a:r>
-            <a:rPr lang="en-US" sz="2600" kern="1200" dirty="0" smtClean="0"/>
-            <a:t/>
-          </a:r>
-          <a:br>
-            <a:rPr lang="en-US" sz="2600" kern="1200" dirty="0" smtClean="0"/>
-          </a:br>
-          <a:r>
             <a:rPr lang="en-US" sz="2600" b="1" kern="1200" dirty="0" smtClean="0"/>
             <a:t>Gödel</a:t>
           </a:r>
@@ -1818,25 +1727,12 @@
             <a:rPr lang="en-US" sz="2600" b="1" kern="1200" dirty="0" smtClean="0"/>
             <a:t>Incompleteness</a:t>
           </a:r>
-        </a:p>
-        <a:p>
-          <a:pPr lvl="0" algn="ctr" defTabSz="1155700">
-            <a:lnSpc>
-              <a:spcPct val="90000"/>
-            </a:lnSpc>
-            <a:spcBef>
-              <a:spcPct val="0"/>
-            </a:spcBef>
-            <a:spcAft>
-              <a:spcPct val="35000"/>
-            </a:spcAft>
-          </a:pPr>
           <a:endParaRPr lang="en-US" sz="2600" kern="1200" dirty="0"/>
         </a:p>
       </dsp:txBody>
       <dsp:txXfrm>
-        <a:off x="5231122" y="1219200"/>
-        <a:ext cx="2613645" cy="2560320"/>
+        <a:off x="5217766" y="2133605"/>
+        <a:ext cx="2613645" cy="1838335"/>
       </dsp:txXfrm>
     </dsp:sp>
     <dsp:sp modelId="{FCD564EC-0CD7-4D89-AF2E-50127DD4F3F0}">
@@ -3688,17 +3584,25 @@
           <a:p>
             <a:r>
               <a:rPr lang="en-US" dirty="0" smtClean="0"/>
-              <a:t>On Human Pursuit</a:t>
-            </a:r>
+              <a:t>You</a:t>
+            </a:r>
+            <a:r>
+              <a:rPr lang="en-US" baseline="0" dirty="0" smtClean="0"/>
+              <a:t> call yourselves scientists. You call yourselves engineers.  You say you use the scientific method to solve problems and make progress in the world.  But what are you really doing?</a:t>
+            </a:r>
+            <a:endParaRPr lang="en-US" dirty="0" smtClean="0"/>
+          </a:p>
+          <a:p>
+            <a:endParaRPr lang="en-US" dirty="0" smtClean="0"/>
           </a:p>
           <a:p>
             <a:r>
               <a:rPr lang="en-US" dirty="0" smtClean="0"/>
-              <a:t>We’ve all played around with biological models, or financial models, or</a:t>
+              <a:t>I will not define a model</a:t>
             </a:r>
             <a:r>
               <a:rPr lang="en-US" baseline="0" dirty="0" smtClean="0"/>
-              <a:t> cooking models – so it’s clear that we use models in our work.  Well, by the end of this presentation, you will see that we don’t just use models in our work – they are our work, and furthermore, they are our lives.  We are models.</a:t>
+              <a:t> right away.  Instead, I will show you how we have used models in the past, work on models in the present and how we seek to improve models in the future.  Then, we can define a model inductively and see what it means in our life.  So while we explore the depths of models, keep in mind the question: what is a model?</a:t>
             </a:r>
             <a:endParaRPr lang="en-US" dirty="0"/>
           </a:p>
@@ -3730,7 +3634,7 @@
     </p:spTree>
     <p:extLst>
       <p:ext uri="{BB962C8B-B14F-4D97-AF65-F5344CB8AC3E}">
-        <p14:creationId xmlns:p14="http://schemas.microsoft.com/office/powerpoint/2010/main" val="969658951"/>
+        <p14:creationId xmlns:p14="http://schemas.microsoft.com/office/powerpoint/2010/main" val="1111305869"/>
       </p:ext>
     </p:extLst>
   </p:cSld>
@@ -3784,21 +3688,7 @@
           <a:bodyPr/>
           <a:lstStyle/>
           <a:p>
-            <a:r>
-              <a:rPr lang="en-US" dirty="0" smtClean="0"/>
-              <a:t>Moving a bit</a:t>
-            </a:r>
-            <a:r>
-              <a:rPr lang="en-US" baseline="0" dirty="0" smtClean="0"/>
-              <a:t> further in time, many of the ancient humans asked the same questions: what do we do when our models—the results of all our work and thinking—fail?</a:t>
-            </a:r>
-          </a:p>
-          <a:p>
-            <a:r>
-              <a:rPr lang="en-US" baseline="0" dirty="0" smtClean="0"/>
-              <a:t>The first answer </a:t>
-            </a:r>
-            <a:endParaRPr lang="en-US" dirty="0"/>
+            <a:endParaRPr lang="en-US"/>
           </a:p>
         </p:txBody>
       </p:sp>
@@ -3819,90 +3709,6 @@
           <a:p>
             <a:fld id="{C180C10F-8680-4BB3-ADF1-25C4DFA511CD}" type="slidenum">
               <a:rPr lang="en-US" smtClean="0"/>
-              <a:t>12</a:t>
-            </a:fld>
-            <a:endParaRPr lang="en-US"/>
-          </a:p>
-        </p:txBody>
-      </p:sp>
-    </p:spTree>
-    <p:extLst>
-      <p:ext uri="{BB962C8B-B14F-4D97-AF65-F5344CB8AC3E}">
-        <p14:creationId xmlns:p14="http://schemas.microsoft.com/office/powerpoint/2010/main" val="1230397302"/>
-      </p:ext>
-    </p:extLst>
-  </p:cSld>
-  <p:clrMapOvr>
-    <a:masterClrMapping/>
-  </p:clrMapOvr>
-</p:notes>
-</file>
-
-<file path=ppt/notesSlides/notesSlide11.xml><?xml version="1.0" encoding="utf-8"?>
-<p:notes xmlns:a="http://schemas.openxmlformats.org/drawingml/2006/main" xmlns:r="http://schemas.openxmlformats.org/officeDocument/2006/relationships" xmlns:p="http://schemas.openxmlformats.org/presentationml/2006/main">
-  <p:cSld>
-    <p:spTree>
-      <p:nvGrpSpPr>
-        <p:cNvPr id="1" name=""/>
-        <p:cNvGrpSpPr/>
-        <p:nvPr/>
-      </p:nvGrpSpPr>
-      <p:grpSpPr>
-        <a:xfrm>
-          <a:off x="0" y="0"/>
-          <a:ext cx="0" cy="0"/>
-          <a:chOff x="0" y="0"/>
-          <a:chExt cx="0" cy="0"/>
-        </a:xfrm>
-      </p:grpSpPr>
-      <p:sp>
-        <p:nvSpPr>
-          <p:cNvPr id="2" name="Slide Image Placeholder 1"/>
-          <p:cNvSpPr>
-            <a:spLocks noGrp="1" noRot="1" noChangeAspect="1"/>
-          </p:cNvSpPr>
-          <p:nvPr>
-            <p:ph type="sldImg"/>
-          </p:nvPr>
-        </p:nvSpPr>
-        <p:spPr/>
-      </p:sp>
-      <p:sp>
-        <p:nvSpPr>
-          <p:cNvPr id="3" name="Notes Placeholder 2"/>
-          <p:cNvSpPr>
-            <a:spLocks noGrp="1"/>
-          </p:cNvSpPr>
-          <p:nvPr>
-            <p:ph type="body" idx="1"/>
-          </p:nvPr>
-        </p:nvSpPr>
-        <p:spPr/>
-        <p:txBody>
-          <a:bodyPr/>
-          <a:lstStyle/>
-          <a:p>
-            <a:endParaRPr lang="en-US"/>
-          </a:p>
-        </p:txBody>
-      </p:sp>
-      <p:sp>
-        <p:nvSpPr>
-          <p:cNvPr id="4" name="Slide Number Placeholder 3"/>
-          <p:cNvSpPr>
-            <a:spLocks noGrp="1"/>
-          </p:cNvSpPr>
-          <p:nvPr>
-            <p:ph type="sldNum" sz="quarter" idx="10"/>
-          </p:nvPr>
-        </p:nvSpPr>
-        <p:spPr/>
-        <p:txBody>
-          <a:bodyPr/>
-          <a:lstStyle/>
-          <a:p>
-            <a:fld id="{C180C10F-8680-4BB3-ADF1-25C4DFA511CD}" type="slidenum">
-              <a:rPr lang="en-US" smtClean="0"/>
               <a:t>13</a:t>
             </a:fld>
             <a:endParaRPr lang="en-US"/>
@@ -3922,7 +3728,7 @@
 </p:notes>
 </file>
 
-<file path=ppt/notesSlides/notesSlide12.xml><?xml version="1.0" encoding="utf-8"?>
+<file path=ppt/notesSlides/notesSlide11.xml><?xml version="1.0" encoding="utf-8"?>
 <p:notes xmlns:a="http://schemas.openxmlformats.org/drawingml/2006/main" xmlns:r="http://schemas.openxmlformats.org/officeDocument/2006/relationships" xmlns:p="http://schemas.openxmlformats.org/presentationml/2006/main">
   <p:cSld>
     <p:spTree>
@@ -4052,12 +3858,116 @@
           <a:p>
             <a:r>
               <a:rPr lang="en-US" dirty="0" smtClean="0"/>
-              <a:t>I will not define a model</a:t>
+              <a:t>Let’s think about one of the primary</a:t>
             </a:r>
             <a:r>
               <a:rPr lang="en-US" baseline="0" dirty="0" smtClean="0"/>
-              <a:t> right away.  Instead, I will show you how we have used models in the past, work on models in the present and how we seek to improve models in the future.  Then, we can define a model inductively and see what it means in our life.  So while we explore the depths of models, keep in mind the question: what is a model?</a:t>
-            </a:r>
+              <a:t> goals of the hunter-gatherers– to obtain FOOD.  One way we can do it is hunting *this* deer.  To better hunt the deer, we ask…</a:t>
+            </a:r>
+            <a:endParaRPr lang="en-US" dirty="0" smtClean="0"/>
+          </a:p>
+          <a:p>
+            <a:r>
+              <a:rPr lang="en-US" dirty="0" smtClean="0"/>
+              <a:t>Suppose</a:t>
+            </a:r>
+            <a:r>
+              <a:rPr lang="en-US" baseline="0" dirty="0" smtClean="0"/>
+              <a:t> we build a trap.  Now we would ask… #2</a:t>
+            </a:r>
+          </a:p>
+          <a:p>
+            <a:r>
+              <a:rPr lang="en-US" baseline="0" dirty="0" smtClean="0"/>
+              <a:t>But, even if we can figure these conditions out, it would be nice to be able to DO something to increase the chance that deer move under the trap.  So we can ask… #3</a:t>
+            </a:r>
+          </a:p>
+          <a:p>
+            <a:r>
+              <a:rPr lang="en-US" baseline="0" dirty="0" smtClean="0"/>
+              <a:t>NOW if we can answer all 3 of these questions </a:t>
+            </a:r>
+            <a:r>
+              <a:rPr lang="en-US" i="1" baseline="0" dirty="0" smtClean="0"/>
+              <a:t>well enough</a:t>
+            </a:r>
+            <a:r>
+              <a:rPr lang="en-US" baseline="0" dirty="0" smtClean="0"/>
+              <a:t>, we may succeed in trapping the deer and satisfying our goal to obtain food.</a:t>
+            </a:r>
+          </a:p>
+          <a:p>
+            <a:r>
+              <a:rPr lang="en-US" baseline="0" dirty="0" smtClean="0"/>
+              <a:t>Well… let’s think about these questions a bit more.  We can classify each question:</a:t>
+            </a:r>
+          </a:p>
+          <a:p>
+            <a:r>
+              <a:rPr lang="en-US" baseline="0" dirty="0" smtClean="0"/>
+              <a:t>The first is a question of prediction.  The hunter-gatherers want to know the likelihood of a future state, given the state of the world right now and in the past.  </a:t>
+            </a:r>
+          </a:p>
+          <a:p>
+            <a:r>
+              <a:rPr lang="en-US" baseline="0" dirty="0" smtClean="0"/>
+              <a:t>The second is a question of explanation.  What are the most likely states that explain the occurrence of a given state?</a:t>
+            </a:r>
+          </a:p>
+          <a:p>
+            <a:r>
+              <a:rPr lang="en-US" baseline="0" dirty="0" smtClean="0"/>
+              <a:t>The third is a question of intervention.  If we do some action, forcing part of the current world state to some value, will we achieve a desired effect?</a:t>
+            </a:r>
+          </a:p>
+          <a:p>
+            <a:r>
+              <a:rPr lang="en-US" baseline="0" dirty="0" smtClean="0"/>
+              <a:t>In general, we call these three questions </a:t>
+            </a:r>
+            <a:r>
+              <a:rPr lang="en-US" i="1" baseline="0" dirty="0" smtClean="0"/>
+              <a:t>inference queries</a:t>
+            </a:r>
+            <a:r>
+              <a:rPr lang="en-US" baseline="0" dirty="0" smtClean="0"/>
+              <a:t>, and they make up all our daily activities.  </a:t>
+            </a:r>
+          </a:p>
+          <a:p>
+            <a:r>
+              <a:rPr lang="en-US" baseline="0" dirty="0" smtClean="0"/>
+              <a:t>	Can I predict the stock market so that I invest in the best funds?</a:t>
+            </a:r>
+          </a:p>
+          <a:p>
+            <a:r>
+              <a:rPr lang="en-US" baseline="0" dirty="0" smtClean="0"/>
+              <a:t>	Can I explain why I want to eat a cookie?</a:t>
+            </a:r>
+          </a:p>
+          <a:p>
+            <a:r>
+              <a:rPr lang="en-US" baseline="0" dirty="0" smtClean="0"/>
+              <a:t>	Can I intervene to get the best grade in a class?  And so on.</a:t>
+            </a:r>
+          </a:p>
+          <a:p>
+            <a:r>
+              <a:rPr lang="en-US" baseline="0" dirty="0" smtClean="0"/>
+              <a:t>Notice that all these queries can be written in the language of mathematics.  This implies that these queries are computable.  Keep that in mind, and I will return to that point shortly.</a:t>
+            </a:r>
+          </a:p>
+          <a:p>
+            <a:endParaRPr lang="en-US" baseline="0" dirty="0" smtClean="0"/>
+          </a:p>
+          <a:p>
+            <a:r>
+              <a:rPr lang="en-US" baseline="0" dirty="0" smtClean="0"/>
+              <a:t>Now, just as the hunter-gatherers made these 3 types of queries 1000s of years ago, we make the same queries today in pursuit of our own goals.  But there’s a big question: what when our models fail?  We can’t predict the position of the deer perfectly, we can’t explain what will cause the deer to move under the trap easily, and our interventions, making the noise, don’t always accomplish our intended goals, trapping the deer.  So what are we to do?</a:t>
+            </a:r>
+          </a:p>
+          <a:p>
             <a:endParaRPr lang="en-US" dirty="0"/>
           </a:p>
         </p:txBody>
@@ -4088,7 +3998,7 @@
     </p:spTree>
     <p:extLst>
       <p:ext uri="{BB962C8B-B14F-4D97-AF65-F5344CB8AC3E}">
-        <p14:creationId xmlns:p14="http://schemas.microsoft.com/office/powerpoint/2010/main" val="1111305869"/>
+        <p14:creationId xmlns:p14="http://schemas.microsoft.com/office/powerpoint/2010/main" val="2132896959"/>
       </p:ext>
     </p:extLst>
   </p:cSld>
@@ -4144,116 +4054,83 @@
           <a:p>
             <a:r>
               <a:rPr lang="en-US" dirty="0" smtClean="0"/>
-              <a:t>Let’s think about one of the primary</a:t>
+              <a:t>Well, it turns out we’re not the only ones asking</a:t>
             </a:r>
             <a:r>
               <a:rPr lang="en-US" baseline="0" dirty="0" smtClean="0"/>
-              <a:t> goals of the hunter-gatherers– to obtain FOOD.  One way we can do it is hunting *this* deer.  To better hunt the deer, we ask…</a:t>
+              <a:t> that question.  For a long time, humans wondered how their models could fail and came up with a clear answer: God!  </a:t>
+            </a:r>
+          </a:p>
+          <a:p>
+            <a:endParaRPr lang="en-US" baseline="0" dirty="0" smtClean="0"/>
+          </a:p>
+          <a:p>
+            <a:r>
+              <a:rPr lang="en-US" baseline="0" dirty="0" smtClean="0"/>
+              <a:t>A few thousand years after the hunter-gatherers, philosophers began thinking about the limits of our models, and they started by asking…</a:t>
             </a:r>
             <a:endParaRPr lang="en-US" dirty="0" smtClean="0"/>
           </a:p>
           <a:p>
             <a:r>
               <a:rPr lang="en-US" dirty="0" smtClean="0"/>
-              <a:t>Suppose</a:t>
+              <a:t>and then it took the form of…</a:t>
+            </a:r>
+          </a:p>
+          <a:p>
+            <a:r>
+              <a:rPr lang="en-US" dirty="0" smtClean="0"/>
+              <a:t>In other words, philosophers started investigating *epistemology</a:t>
+            </a:r>
+          </a:p>
+          <a:p>
+            <a:r>
+              <a:rPr lang="en-US" dirty="0" smtClean="0"/>
+              <a:t>Now</a:t>
             </a:r>
             <a:r>
               <a:rPr lang="en-US" baseline="0" dirty="0" smtClean="0"/>
-              <a:t> we build a trap.  Now we would ask… #2</a:t>
-            </a:r>
-          </a:p>
-          <a:p>
+              <a:t> for you history buffs, you might remember that epistemology split into two camps.  One camp is called the *rationalists, who proposed that we acquire all our knowledge through logic and reasoning.  They said that if we think </a:t>
+            </a:r>
+            <a:r>
+              <a:rPr lang="en-US" i="1" baseline="0" dirty="0" smtClean="0"/>
+              <a:t>really hard</a:t>
+            </a:r>
             <a:r>
               <a:rPr lang="en-US" baseline="0" dirty="0" smtClean="0"/>
-              <a:t>But, even if we can figure these conditions out, it would be nice to be able to DO something to increase the chance that deer move under the trap.  So we can ask… #3</a:t>
+              <a:t>, we can discover all the knowledge of the universe.</a:t>
             </a:r>
           </a:p>
           <a:p>
             <a:r>
               <a:rPr lang="en-US" baseline="0" dirty="0" smtClean="0"/>
-              <a:t>NOW if we can answer all 3 of these questions </a:t>
-            </a:r>
-            <a:r>
-              <a:rPr lang="en-US" i="1" baseline="0" dirty="0" smtClean="0"/>
-              <a:t>well enough</a:t>
-            </a:r>
+              <a:t>On the other extreme, another group of philosophers said “what!?  You rationalists just think </a:t>
+            </a:r>
+          </a:p>
+          <a:p>
+            <a:endParaRPr lang="en-US" baseline="0" dirty="0" smtClean="0"/>
+          </a:p>
+          <a:p>
             <a:r>
               <a:rPr lang="en-US" baseline="0" dirty="0" smtClean="0"/>
-              <a:t>, we may succeed in trapping the deer and satisfying our goal to obtain food.</a:t>
-            </a:r>
-          </a:p>
-          <a:p>
+              <a:t>If we can both COMPUTE and OBSERVE then we can create the GOD MACHINE</a:t>
+            </a:r>
+          </a:p>
+          <a:p>
+            <a:endParaRPr lang="en-US" baseline="0" dirty="0" smtClean="0"/>
+          </a:p>
+          <a:p>
+            <a:endParaRPr lang="en-US" dirty="0" smtClean="0"/>
+          </a:p>
+          <a:p>
+            <a:r>
+              <a:rPr lang="en-US" dirty="0" smtClean="0"/>
+              <a:t>Predictions</a:t>
+            </a:r>
             <a:r>
               <a:rPr lang="en-US" baseline="0" dirty="0" smtClean="0"/>
-              <a:t>Well… let’s think about these questions a bit more.  We can classify each question:</a:t>
-            </a:r>
-          </a:p>
-          <a:p>
-            <a:r>
-              <a:rPr lang="en-US" baseline="0" dirty="0" smtClean="0"/>
-              <a:t>The first is a question of prediction.  The hunter-gatherers want to know the likelihood of a future state, given the state of the world right now and in the past.  </a:t>
-            </a:r>
-          </a:p>
-          <a:p>
-            <a:r>
-              <a:rPr lang="en-US" baseline="0" dirty="0" smtClean="0"/>
-              <a:t>The second is a question of explanation.  What are the most likely states that explain the occurrence of a given state?</a:t>
-            </a:r>
-          </a:p>
-          <a:p>
-            <a:r>
-              <a:rPr lang="en-US" baseline="0" dirty="0" smtClean="0"/>
-              <a:t>The third is a question of intervention.  If we do some action, forcing part of the current world state to some value, will we achieve a desired effect?</a:t>
-            </a:r>
-          </a:p>
-          <a:p>
-            <a:r>
-              <a:rPr lang="en-US" baseline="0" dirty="0" smtClean="0"/>
-              <a:t>In general, we call these three questions </a:t>
-            </a:r>
-            <a:r>
-              <a:rPr lang="en-US" i="1" baseline="0" dirty="0" smtClean="0"/>
-              <a:t>inference queries</a:t>
-            </a:r>
-            <a:r>
-              <a:rPr lang="en-US" baseline="0" dirty="0" smtClean="0"/>
-              <a:t>, and they make up all our daily activities.  </a:t>
-            </a:r>
-          </a:p>
-          <a:p>
-            <a:r>
-              <a:rPr lang="en-US" baseline="0" dirty="0" smtClean="0"/>
-              <a:t>	Can I predict the stock market so that I invest in the best funds?</a:t>
-            </a:r>
-          </a:p>
-          <a:p>
-            <a:r>
-              <a:rPr lang="en-US" baseline="0" dirty="0" smtClean="0"/>
-              <a:t>	Can I explain why I want to eat a cookie?</a:t>
-            </a:r>
-          </a:p>
-          <a:p>
-            <a:r>
-              <a:rPr lang="en-US" baseline="0" dirty="0" smtClean="0"/>
-              <a:t>	Can I intervene to get the best grade in a class?  And so on.</a:t>
-            </a:r>
-          </a:p>
-          <a:p>
-            <a:r>
-              <a:rPr lang="en-US" baseline="0" dirty="0" smtClean="0"/>
-              <a:t>Notice that all these queries can be written in the language of mathematics.  This implies that these queries are computable.  Keep that in mind, and I will return to that point shortly.</a:t>
-            </a:r>
-          </a:p>
-          <a:p>
-            <a:endParaRPr lang="en-US" baseline="0" dirty="0" smtClean="0"/>
-          </a:p>
-          <a:p>
-            <a:r>
-              <a:rPr lang="en-US" baseline="0" dirty="0" smtClean="0"/>
-              <a:t>Now, just as the hunter-gatherers made these 3 types of queries 1000s of years ago, we make the same queries today in pursuit of our own goals.  But there’s a big question: what when our models fail?  We can’t predict the position of the deer perfectly, we can’t explain what will cause the deer to move under the trap easily, and our interventions, making the noise, don’t always accomplish our intended goals, trapping the deer.  So what are we to do?</a:t>
-            </a:r>
-          </a:p>
-          <a:p>
+              <a:t> provide a check on our imaginations</a:t>
+            </a:r>
             <a:endParaRPr lang="en-US" dirty="0"/>
           </a:p>
         </p:txBody>
@@ -4284,7 +4161,7 @@
     </p:spTree>
     <p:extLst>
       <p:ext uri="{BB962C8B-B14F-4D97-AF65-F5344CB8AC3E}">
-        <p14:creationId xmlns:p14="http://schemas.microsoft.com/office/powerpoint/2010/main" val="2132896959"/>
+        <p14:creationId xmlns:p14="http://schemas.microsoft.com/office/powerpoint/2010/main" val="2909639429"/>
       </p:ext>
     </p:extLst>
   </p:cSld>
@@ -4340,66 +4217,61 @@
           <a:p>
             <a:r>
               <a:rPr lang="en-US" dirty="0" smtClean="0"/>
-              <a:t>Well, it turns out we’re not the only ones asking</a:t>
+              <a:t>D’s stance: You will</a:t>
             </a:r>
             <a:r>
               <a:rPr lang="en-US" baseline="0" dirty="0" smtClean="0"/>
-              <a:t> that question.  A few thousand years after the hunter-gatherers, philosophers began thinking about the limits of our models, and they started by asking…</a:t>
+              <a:t> never know everything because there are limits on what you can measure.</a:t>
             </a:r>
             <a:endParaRPr lang="en-US" dirty="0" smtClean="0"/>
           </a:p>
           <a:p>
             <a:r>
               <a:rPr lang="en-US" dirty="0" smtClean="0"/>
-              <a:t>and then it took the form of…</a:t>
-            </a:r>
-          </a:p>
-          <a:p>
-            <a:r>
-              <a:rPr lang="en-US" dirty="0" smtClean="0"/>
-              <a:t>In other words, philosophers started investigating *epistemology</a:t>
-            </a:r>
-          </a:p>
-          <a:p>
-            <a:r>
-              <a:rPr lang="en-US" dirty="0" smtClean="0"/>
-              <a:t>Now</a:t>
+              <a:t>G’s counter:</a:t>
             </a:r>
             <a:r>
               <a:rPr lang="en-US" baseline="0" dirty="0" smtClean="0"/>
-              <a:t> for you history buffs, you might remember that epistemology split into two camps.  One camp is called the *rationalists, who proposed that we acquire all our knowledge through logic and reasoning.  They said that if we think </a:t>
-            </a:r>
-            <a:r>
-              <a:rPr lang="en-US" i="1" baseline="0" dirty="0" smtClean="0"/>
-              <a:t>really hard</a:t>
-            </a:r>
+              <a:t> Your uncertainty is on a really small scale</a:t>
+            </a:r>
+          </a:p>
+          <a:p>
             <a:r>
               <a:rPr lang="en-US" baseline="0" dirty="0" smtClean="0"/>
-              <a:t>, we can discover all the knowledge of the universe.</a:t>
+              <a:t>D’s response: Yea, but think about chaotic systems.  A small deviation in initial inputs to a chaotic system, even on the scale of 10^-30, leads to total divergence.  Your models will never be correct.</a:t>
             </a:r>
           </a:p>
           <a:p>
             <a:r>
               <a:rPr lang="en-US" baseline="0" dirty="0" smtClean="0"/>
-              <a:t>On the other extreme, another group of philosophers said “what!?  You rationalists just think </a:t>
-            </a:r>
-          </a:p>
-          <a:p>
-            <a:endParaRPr lang="en-US" baseline="0" dirty="0" smtClean="0"/>
-          </a:p>
-          <a:p>
-            <a:endParaRPr lang="en-US" dirty="0" smtClean="0"/>
-          </a:p>
-          <a:p>
-            <a:r>
-              <a:rPr lang="en-US" dirty="0" smtClean="0"/>
-              <a:t>Predictions</a:t>
-            </a:r>
+              <a:t>G’s Stance:  Actually, we can model physical uncertainty with probability and randomness.  </a:t>
+            </a:r>
+          </a:p>
+          <a:p>
             <a:r>
               <a:rPr lang="en-US" baseline="0" dirty="0" smtClean="0"/>
-              <a:t> provide a check on our imaginations</a:t>
-            </a:r>
-            <a:endParaRPr lang="en-US" dirty="0"/>
+              <a:t>D’s Response:  You risk </a:t>
+            </a:r>
+            <a:r>
+              <a:rPr lang="en-US" baseline="0" dirty="0" err="1" smtClean="0"/>
+              <a:t>overfitting</a:t>
+            </a:r>
+            <a:r>
+              <a:rPr lang="en-US" baseline="0" dirty="0" smtClean="0"/>
+              <a:t> the data and mistake randomness with supposed order.  You also need HUGE sets of data to have a decent model.</a:t>
+            </a:r>
+          </a:p>
+          <a:p>
+            <a:r>
+              <a:rPr lang="en-US" baseline="0" dirty="0" smtClean="0"/>
+              <a:t>G’s stance: Ok, but you will never be correct either.   Your logical systems will never be complete without risking inconsistency.  And if you desire total consistency, then your system will be incomplete.</a:t>
+            </a:r>
+          </a:p>
+          <a:p>
+            <a:r>
+              <a:rPr lang="en-US" baseline="0" dirty="0" smtClean="0"/>
+              <a:t>D’s stance:  Well, we’re both fucked.</a:t>
+            </a:r>
           </a:p>
         </p:txBody>
       </p:sp>
@@ -4429,7 +4301,7 @@
     </p:spTree>
     <p:extLst>
       <p:ext uri="{BB962C8B-B14F-4D97-AF65-F5344CB8AC3E}">
-        <p14:creationId xmlns:p14="http://schemas.microsoft.com/office/powerpoint/2010/main" val="2909639429"/>
+        <p14:creationId xmlns:p14="http://schemas.microsoft.com/office/powerpoint/2010/main" val="3090895060"/>
       </p:ext>
     </p:extLst>
   </p:cSld>
@@ -4483,63 +4355,53 @@
           <a:bodyPr/>
           <a:lstStyle/>
           <a:p>
+            <a:pPr marL="0" marR="0" lvl="2" indent="0" algn="l" defTabSz="914400" rtl="0" eaLnBrk="1" fontAlgn="auto" latinLnBrk="0" hangingPunct="1">
+              <a:lnSpc>
+                <a:spcPct val="100000"/>
+              </a:lnSpc>
+              <a:spcBef>
+                <a:spcPts val="0"/>
+              </a:spcBef>
+              <a:spcAft>
+                <a:spcPts val="0"/>
+              </a:spcAft>
+              <a:buClrTx/>
+              <a:buSzTx/>
+              <a:buFontTx/>
+              <a:buNone/>
+              <a:tabLst/>
+              <a:defRPr/>
+            </a:pPr>
             <a:r>
               <a:rPr lang="en-US" dirty="0" smtClean="0"/>
-              <a:t>D’s stance: You will</a:t>
+              <a:t>Stand on the shoulders of giants</a:t>
+            </a:r>
+          </a:p>
+          <a:p>
+            <a:endParaRPr lang="en-US" dirty="0" smtClean="0"/>
+          </a:p>
+          <a:p>
+            <a:r>
+              <a:rPr lang="en-US" dirty="0" smtClean="0"/>
+              <a:t>Clothes </a:t>
+            </a:r>
+            <a:r>
+              <a:rPr lang="en-US" dirty="0" smtClean="0"/>
+              <a:t>shopping – can only afford $30</a:t>
             </a:r>
             <a:r>
               <a:rPr lang="en-US" baseline="0" dirty="0" smtClean="0"/>
-              <a:t> never know everything because there are limits on what you can measure.</a:t>
-            </a:r>
-            <a:endParaRPr lang="en-US" dirty="0" smtClean="0"/>
+              <a:t> on new pants.  Filter out everything above – like a low pass filter -&gt; DSP</a:t>
+            </a:r>
           </a:p>
           <a:p>
             <a:r>
               <a:rPr lang="en-US" dirty="0" smtClean="0"/>
-              <a:t>G’s counter:</a:t>
-            </a:r>
-            <a:r>
-              <a:rPr lang="en-US" baseline="0" dirty="0" smtClean="0"/>
-              <a:t> Your uncertainty is on a really small scale</a:t>
-            </a:r>
-          </a:p>
-          <a:p>
-            <a:r>
-              <a:rPr lang="en-US" baseline="0" dirty="0" smtClean="0"/>
-              <a:t>D’s response: Yea, but think about chaotic systems.  A small deviation in initial inputs to a chaotic system, even on the scale of 10^-30, leads to total divergence.  Your models will never be correct.</a:t>
-            </a:r>
-          </a:p>
-          <a:p>
-            <a:r>
-              <a:rPr lang="en-US" baseline="0" dirty="0" smtClean="0"/>
-              <a:t>G’s Stance:  Actually, we can model physical uncertainty with probability and randomness.  </a:t>
-            </a:r>
-          </a:p>
-          <a:p>
-            <a:r>
-              <a:rPr lang="en-US" baseline="0" dirty="0" smtClean="0"/>
-              <a:t>D’s Response:  You risk </a:t>
-            </a:r>
-            <a:r>
-              <a:rPr lang="en-US" baseline="0" dirty="0" err="1" smtClean="0"/>
-              <a:t>overfitting</a:t>
-            </a:r>
-            <a:r>
-              <a:rPr lang="en-US" baseline="0" dirty="0" smtClean="0"/>
-              <a:t> the data and mistake randomness with supposed order.  You also need HUGE sets of data to have a decent model.</a:t>
-            </a:r>
-          </a:p>
-          <a:p>
-            <a:r>
-              <a:rPr lang="en-US" baseline="0" dirty="0" smtClean="0"/>
-              <a:t>G’s stance: Ok, but you will never be correct either.   Your logical systems will never be complete without risking inconsistency.  And if you desire total consistency, then your system will be incomplete.</a:t>
-            </a:r>
-          </a:p>
-          <a:p>
-            <a:r>
-              <a:rPr lang="en-US" baseline="0" dirty="0" smtClean="0"/>
-              <a:t>D’s stance:  Well, we’re both fucked.</a:t>
-            </a:r>
+              <a:t>Use others’ results without expending their lifetime of effort</a:t>
+            </a:r>
+          </a:p>
+          <a:p>
+            <a:endParaRPr lang="en-US" dirty="0"/>
           </a:p>
         </p:txBody>
       </p:sp>
@@ -4569,7 +4431,7 @@
     </p:spTree>
     <p:extLst>
       <p:ext uri="{BB962C8B-B14F-4D97-AF65-F5344CB8AC3E}">
-        <p14:creationId xmlns:p14="http://schemas.microsoft.com/office/powerpoint/2010/main" val="3090895060"/>
+        <p14:creationId xmlns:p14="http://schemas.microsoft.com/office/powerpoint/2010/main" val="1861604735"/>
       </p:ext>
     </p:extLst>
   </p:cSld>
@@ -4625,17 +4487,17 @@
           <a:p>
             <a:r>
               <a:rPr lang="en-US" dirty="0" smtClean="0"/>
-              <a:t>Clothes shopping – can only afford $30</a:t>
+              <a:t>Yes, we cannot perfectly predict,</a:t>
             </a:r>
             <a:r>
               <a:rPr lang="en-US" baseline="0" dirty="0" smtClean="0"/>
-              <a:t> on new pants.  Filter out everything above – like a low pass filter -&gt; DSP</a:t>
-            </a:r>
-          </a:p>
-          <a:p>
-            <a:r>
-              <a:rPr lang="en-US" dirty="0" smtClean="0"/>
-              <a:t>Use others’ results without expending their lifetime of effort</a:t>
+              <a:t> explain &amp; intervene given the limits of our models, but with the capabilities we do have, we can deliver the most likely explanations, predictions&amp; interventions.</a:t>
+            </a:r>
+          </a:p>
+          <a:p>
+            <a:r>
+              <a:rPr lang="en-US" baseline="0" dirty="0" smtClean="0"/>
+              <a:t>BIC</a:t>
             </a:r>
           </a:p>
           <a:p>
@@ -4669,7 +4531,7 @@
     </p:spTree>
     <p:extLst>
       <p:ext uri="{BB962C8B-B14F-4D97-AF65-F5344CB8AC3E}">
-        <p14:creationId xmlns:p14="http://schemas.microsoft.com/office/powerpoint/2010/main" val="1861604735"/>
+        <p14:creationId xmlns:p14="http://schemas.microsoft.com/office/powerpoint/2010/main" val="1092184647"/>
       </p:ext>
     </p:extLst>
   </p:cSld>
@@ -4723,20 +4585,37 @@
           <a:bodyPr/>
           <a:lstStyle/>
           <a:p>
-            <a:r>
-              <a:rPr lang="en-US" dirty="0" smtClean="0"/>
-              <a:t>Yes, we cannot perfectly predict,</a:t>
-            </a:r>
-            <a:r>
-              <a:rPr lang="en-US" baseline="0" dirty="0" smtClean="0"/>
-              <a:t> explain &amp; intervene given the limits of our models, but with the capabilities we do have, we can deliver the most likely explanations, predictions&amp; interventions.</a:t>
-            </a:r>
-          </a:p>
-          <a:p>
-            <a:r>
-              <a:rPr lang="en-US" baseline="0" dirty="0" smtClean="0"/>
-              <a:t>BIC</a:t>
-            </a:r>
+            <a:pPr marL="0" marR="0" lvl="1" indent="0" algn="l" defTabSz="914400" rtl="0" eaLnBrk="1" fontAlgn="auto" latinLnBrk="0" hangingPunct="1">
+              <a:lnSpc>
+                <a:spcPct val="100000"/>
+              </a:lnSpc>
+              <a:spcBef>
+                <a:spcPts val="0"/>
+              </a:spcBef>
+              <a:spcAft>
+                <a:spcPts val="0"/>
+              </a:spcAft>
+              <a:buClrTx/>
+              <a:buSzTx/>
+              <a:buFontTx/>
+              <a:buNone/>
+              <a:tabLst/>
+              <a:defRPr/>
+            </a:pPr>
+            <a:r>
+              <a:rPr lang="en-US" dirty="0" smtClean="0">
+                <a:solidFill>
+                  <a:prstClr val="black"/>
+                </a:solidFill>
+                <a:sym typeface="Wingdings" pitchFamily="2" charset="2"/>
+              </a:rPr>
+              <a:t>Always learn more &amp; pass on the knowledge</a:t>
+            </a:r>
+            <a:endParaRPr lang="en-US" dirty="0" smtClean="0">
+              <a:solidFill>
+                <a:prstClr val="black"/>
+              </a:solidFill>
+            </a:endParaRPr>
           </a:p>
           <a:p>
             <a:endParaRPr lang="en-US" dirty="0"/>
@@ -4769,7 +4648,7 @@
     </p:spTree>
     <p:extLst>
       <p:ext uri="{BB962C8B-B14F-4D97-AF65-F5344CB8AC3E}">
-        <p14:creationId xmlns:p14="http://schemas.microsoft.com/office/powerpoint/2010/main" val="1092184647"/>
+        <p14:creationId xmlns:p14="http://schemas.microsoft.com/office/powerpoint/2010/main" val="3787348792"/>
       </p:ext>
     </p:extLst>
   </p:cSld>
@@ -4823,37 +4702,13 @@
           <a:bodyPr/>
           <a:lstStyle/>
           <a:p>
-            <a:pPr marL="0" marR="0" lvl="1" indent="0" algn="l" defTabSz="914400" rtl="0" eaLnBrk="1" fontAlgn="auto" latinLnBrk="0" hangingPunct="1">
-              <a:lnSpc>
-                <a:spcPct val="100000"/>
-              </a:lnSpc>
-              <a:spcBef>
-                <a:spcPts val="0"/>
-              </a:spcBef>
-              <a:spcAft>
-                <a:spcPts val="0"/>
-              </a:spcAft>
-              <a:buClrTx/>
-              <a:buSzTx/>
-              <a:buFontTx/>
-              <a:buNone/>
-              <a:tabLst/>
+            <a:pPr marL="0" lvl="1" defTabSz="966612">
               <a:defRPr/>
             </a:pPr>
             <a:r>
-              <a:rPr lang="en-US" dirty="0" smtClean="0">
-                <a:solidFill>
-                  <a:prstClr val="black"/>
-                </a:solidFill>
-                <a:sym typeface="Wingdings" pitchFamily="2" charset="2"/>
-              </a:rPr>
-              <a:t>Always learn more &amp; pass on the knowledge</a:t>
-            </a:r>
-            <a:endParaRPr lang="en-US" dirty="0" smtClean="0">
-              <a:solidFill>
-                <a:prstClr val="black"/>
-              </a:solidFill>
-            </a:endParaRPr>
+              <a:rPr lang="en-US" sz="2100" dirty="0"/>
+              <a:t>circumstances led to the Big Bang?</a:t>
+            </a:r>
           </a:p>
           <a:p>
             <a:endParaRPr lang="en-US" dirty="0"/>
@@ -4877,7 +4732,7 @@
           <a:p>
             <a:fld id="{C180C10F-8680-4BB3-ADF1-25C4DFA511CD}" type="slidenum">
               <a:rPr lang="en-US" smtClean="0"/>
-              <a:t>8</a:t>
+              <a:t>11</a:t>
             </a:fld>
             <a:endParaRPr lang="en-US"/>
           </a:p>
@@ -4886,7 +4741,7 @@
     </p:spTree>
     <p:extLst>
       <p:ext uri="{BB962C8B-B14F-4D97-AF65-F5344CB8AC3E}">
-        <p14:creationId xmlns:p14="http://schemas.microsoft.com/office/powerpoint/2010/main" val="3787348792"/>
+        <p14:creationId xmlns:p14="http://schemas.microsoft.com/office/powerpoint/2010/main" val="3681521282"/>
       </p:ext>
     </p:extLst>
   </p:cSld>
@@ -4940,15 +4795,20 @@
           <a:bodyPr/>
           <a:lstStyle/>
           <a:p>
-            <a:pPr marL="0" lvl="1" defTabSz="966612">
-              <a:defRPr/>
-            </a:pPr>
-            <a:r>
-              <a:rPr lang="en-US" sz="2100" dirty="0"/>
-              <a:t>circumstances led to the Big Bang?</a:t>
-            </a:r>
-          </a:p>
-          <a:p>
+            <a:r>
+              <a:rPr lang="en-US" dirty="0" smtClean="0"/>
+              <a:t>Moving a bit</a:t>
+            </a:r>
+            <a:r>
+              <a:rPr lang="en-US" baseline="0" dirty="0" smtClean="0"/>
+              <a:t> further in time, many of the ancient humans asked the same questions: what do we do when our models—the results of all our work and thinking—fail?</a:t>
+            </a:r>
+          </a:p>
+          <a:p>
+            <a:r>
+              <a:rPr lang="en-US" baseline="0" dirty="0" smtClean="0"/>
+              <a:t>The first answer </a:t>
+            </a:r>
             <a:endParaRPr lang="en-US" dirty="0"/>
           </a:p>
         </p:txBody>
@@ -4970,7 +4830,7 @@
           <a:p>
             <a:fld id="{C180C10F-8680-4BB3-ADF1-25C4DFA511CD}" type="slidenum">
               <a:rPr lang="en-US" smtClean="0"/>
-              <a:t>11</a:t>
+              <a:t>12</a:t>
             </a:fld>
             <a:endParaRPr lang="en-US"/>
           </a:p>
@@ -4979,7 +4839,7 @@
     </p:spTree>
     <p:extLst>
       <p:ext uri="{BB962C8B-B14F-4D97-AF65-F5344CB8AC3E}">
-        <p14:creationId xmlns:p14="http://schemas.microsoft.com/office/powerpoint/2010/main" val="3681521282"/>
+        <p14:creationId xmlns:p14="http://schemas.microsoft.com/office/powerpoint/2010/main" val="1230397302"/>
       </p:ext>
     </p:extLst>
   </p:cSld>
@@ -7454,9 +7314,33 @@
 <p:sldMaster xmlns:a="http://schemas.openxmlformats.org/drawingml/2006/main" xmlns:r="http://schemas.openxmlformats.org/officeDocument/2006/relationships" xmlns:p="http://schemas.openxmlformats.org/presentationml/2006/main">
   <p:cSld>
     <p:bg>
-      <p:bgRef idx="1001">
-        <a:schemeClr val="bg1"/>
-      </p:bgRef>
+      <p:bgPr>
+        <a:gradFill flip="none" rotWithShape="1">
+          <a:gsLst>
+            <a:gs pos="0">
+              <a:schemeClr val="accent1">
+                <a:tint val="66000"/>
+                <a:satMod val="160000"/>
+              </a:schemeClr>
+            </a:gs>
+            <a:gs pos="50000">
+              <a:schemeClr val="accent1">
+                <a:tint val="44500"/>
+                <a:satMod val="160000"/>
+              </a:schemeClr>
+            </a:gs>
+            <a:gs pos="100000">
+              <a:schemeClr val="accent1">
+                <a:tint val="23500"/>
+                <a:satMod val="160000"/>
+              </a:schemeClr>
+            </a:gs>
+          </a:gsLst>
+          <a:lin ang="5400000" scaled="0"/>
+          <a:tileRect/>
+        </a:gradFill>
+        <a:effectLst/>
+      </p:bgPr>
     </p:bg>
     <p:spTree>
       <p:nvGrpSpPr>
@@ -7984,32 +7868,7 @@
             <a:spLocks noGrp="1"/>
           </p:cNvSpPr>
           <p:nvPr>
-            <p:ph type="ctrTitle"/>
-          </p:nvPr>
-        </p:nvSpPr>
-        <p:spPr/>
-        <p:txBody>
-          <a:bodyPr>
-            <a:normAutofit/>
-          </a:bodyPr>
-          <a:lstStyle/>
-          <a:p>
-            <a:r>
-              <a:rPr lang="en-US" dirty="0" smtClean="0"/>
-              <a:t>We Are Models</a:t>
-            </a:r>
-            <a:endParaRPr lang="en-US" dirty="0"/>
-          </a:p>
-        </p:txBody>
-      </p:sp>
-      <p:sp>
-        <p:nvSpPr>
-          <p:cNvPr id="3" name="Subtitle 2"/>
-          <p:cNvSpPr>
-            <a:spLocks noGrp="1"/>
-          </p:cNvSpPr>
-          <p:nvPr>
-            <p:ph type="subTitle" idx="1"/>
+            <p:ph type="title"/>
           </p:nvPr>
         </p:nvSpPr>
         <p:spPr/>
@@ -8017,14 +7876,368 @@
           <a:bodyPr/>
           <a:lstStyle/>
           <a:p>
+            <a:r>
+              <a:rPr lang="en-US" dirty="0" smtClean="0"/>
+              <a:t>We are Models</a:t>
+            </a:r>
             <a:endParaRPr lang="en-US" dirty="0"/>
           </a:p>
         </p:txBody>
       </p:sp>
+      <p:sp>
+        <p:nvSpPr>
+          <p:cNvPr id="3" name="Content Placeholder 2"/>
+          <p:cNvSpPr>
+            <a:spLocks noGrp="1"/>
+          </p:cNvSpPr>
+          <p:nvPr>
+            <p:ph idx="1"/>
+          </p:nvPr>
+        </p:nvSpPr>
+        <p:spPr/>
+        <p:txBody>
+          <a:bodyPr/>
+          <a:lstStyle/>
+          <a:p>
+            <a:r>
+              <a:rPr lang="en-US" dirty="0" smtClean="0"/>
+              <a:t>The First Modelers</a:t>
+            </a:r>
+          </a:p>
+          <a:p>
+            <a:r>
+              <a:rPr lang="en-US" dirty="0" smtClean="0"/>
+              <a:t>Human 	Limits</a:t>
+            </a:r>
+          </a:p>
+          <a:p>
+            <a:r>
+              <a:rPr lang="en-US" dirty="0" smtClean="0"/>
+              <a:t>Ultimate	Limits</a:t>
+            </a:r>
+          </a:p>
+          <a:p>
+            <a:r>
+              <a:rPr lang="en-US" dirty="0" smtClean="0"/>
+              <a:t>Pushing 	Limits</a:t>
+            </a:r>
+          </a:p>
+          <a:p>
+            <a:r>
+              <a:rPr lang="en-US" i="1" dirty="0" smtClean="0"/>
+              <a:t>Why?</a:t>
+            </a:r>
+            <a:r>
+              <a:rPr lang="en-US" dirty="0" smtClean="0"/>
+              <a:t> Models &amp; Life</a:t>
+            </a:r>
+            <a:endParaRPr lang="en-US" dirty="0"/>
+          </a:p>
+        </p:txBody>
+      </p:sp>
+      <p:sp>
+        <p:nvSpPr>
+          <p:cNvPr id="4" name="TextBox 3"/>
+          <p:cNvSpPr txBox="1"/>
+          <p:nvPr/>
+        </p:nvSpPr>
+        <p:spPr>
+          <a:xfrm>
+            <a:off x="5446734" y="4343400"/>
+            <a:ext cx="2028632" cy="1200329"/>
+          </a:xfrm>
+          <a:prstGeom prst="rect">
+            <a:avLst/>
+          </a:prstGeom>
+          <a:noFill/>
+        </p:spPr>
+        <p:txBody>
+          <a:bodyPr wrap="none" rtlCol="0">
+            <a:spAutoFit/>
+          </a:bodyPr>
+          <a:lstStyle/>
+          <a:p>
+            <a:r>
+              <a:rPr lang="en-US" sz="3600" dirty="0" smtClean="0"/>
+              <a:t>What is a </a:t>
+            </a:r>
+          </a:p>
+          <a:p>
+            <a:pPr algn="ctr"/>
+            <a:r>
+              <a:rPr lang="en-US" sz="3600" b="1" dirty="0" smtClean="0"/>
+              <a:t>model</a:t>
+            </a:r>
+            <a:r>
+              <a:rPr lang="en-US" sz="3600" dirty="0" smtClean="0"/>
+              <a:t>?</a:t>
+            </a:r>
+            <a:endParaRPr lang="en-US" sz="3600" dirty="0"/>
+          </a:p>
+        </p:txBody>
+      </p:sp>
+      <p:grpSp>
+        <p:nvGrpSpPr>
+          <p:cNvPr id="9" name="Group 8"/>
+          <p:cNvGrpSpPr/>
+          <p:nvPr/>
+        </p:nvGrpSpPr>
+        <p:grpSpPr>
+          <a:xfrm>
+            <a:off x="4419600" y="1752600"/>
+            <a:ext cx="4114800" cy="2362201"/>
+            <a:chOff x="4419600" y="1752600"/>
+            <a:chExt cx="4114800" cy="2362201"/>
+          </a:xfrm>
+        </p:grpSpPr>
+        <p:grpSp>
+          <p:nvGrpSpPr>
+            <p:cNvPr id="6" name="Group 5"/>
+            <p:cNvGrpSpPr/>
+            <p:nvPr/>
+          </p:nvGrpSpPr>
+          <p:grpSpPr>
+            <a:xfrm>
+              <a:off x="4419600" y="1752600"/>
+              <a:ext cx="4114800" cy="2032494"/>
+              <a:chOff x="2225750" y="4495800"/>
+              <a:chExt cx="4114800" cy="2032494"/>
+            </a:xfrm>
+          </p:grpSpPr>
+          <p:sp>
+            <p:nvSpPr>
+              <p:cNvPr id="5" name="Right Arrow 4"/>
+              <p:cNvSpPr/>
+              <p:nvPr/>
+            </p:nvSpPr>
+            <p:spPr>
+              <a:xfrm>
+                <a:off x="2225750" y="4916539"/>
+                <a:ext cx="1524000" cy="1143000"/>
+              </a:xfrm>
+              <a:prstGeom prst="rightArrow">
+                <a:avLst/>
+              </a:prstGeom>
+              <a:gradFill flip="none" rotWithShape="1">
+                <a:gsLst>
+                  <a:gs pos="0">
+                    <a:schemeClr val="accent1">
+                      <a:shade val="30000"/>
+                      <a:satMod val="115000"/>
+                    </a:schemeClr>
+                  </a:gs>
+                  <a:gs pos="50000">
+                    <a:schemeClr val="accent1">
+                      <a:shade val="67500"/>
+                      <a:satMod val="115000"/>
+                    </a:schemeClr>
+                  </a:gs>
+                  <a:gs pos="100000">
+                    <a:schemeClr val="accent1">
+                      <a:shade val="100000"/>
+                      <a:satMod val="115000"/>
+                      <a:alpha val="27000"/>
+                    </a:schemeClr>
+                  </a:gs>
+                </a:gsLst>
+                <a:lin ang="10800000" scaled="1"/>
+                <a:tileRect/>
+              </a:gradFill>
+              <a:ln>
+                <a:noFill/>
+              </a:ln>
+            </p:spPr>
+            <p:style>
+              <a:lnRef idx="2">
+                <a:schemeClr val="accent1">
+                  <a:shade val="50000"/>
+                </a:schemeClr>
+              </a:lnRef>
+              <a:fillRef idx="1">
+                <a:schemeClr val="accent1"/>
+              </a:fillRef>
+              <a:effectRef idx="0">
+                <a:schemeClr val="accent1"/>
+              </a:effectRef>
+              <a:fontRef idx="minor">
+                <a:schemeClr val="lt1"/>
+              </a:fontRef>
+            </p:style>
+            <p:txBody>
+              <a:bodyPr rtlCol="0" anchor="ctr"/>
+              <a:lstStyle/>
+              <a:p>
+                <a:pPr algn="ctr"/>
+                <a:endParaRPr lang="en-US"/>
+              </a:p>
+            </p:txBody>
+          </p:sp>
+          <p:pic>
+            <p:nvPicPr>
+              <p:cNvPr id="1027" name="Picture 3" descr="C:\Users\Class2014\Documents\Dropbox\ModelTalk\box-icon-mod.jpg"/>
+              <p:cNvPicPr>
+                <a:picLocks noChangeAspect="1" noChangeArrowheads="1"/>
+              </p:cNvPicPr>
+              <p:nvPr/>
+            </p:nvPicPr>
+            <p:blipFill rotWithShape="1">
+              <a:blip r:embed="rId3" cstate="print">
+                <a:extLst>
+                  <a:ext uri="{BEBA8EAE-BF5A-486C-A8C5-ECC9F3942E4B}">
+                    <a14:imgProps xmlns:a14="http://schemas.microsoft.com/office/drawing/2010/main">
+                      <a14:imgLayer r:embed="rId4">
+                        <a14:imgEffect>
+                          <a14:backgroundRemoval t="10000" b="90000" l="10000" r="90000"/>
+                        </a14:imgEffect>
+                      </a14:imgLayer>
+                    </a14:imgProps>
+                  </a:ext>
+                  <a:ext uri="{28A0092B-C50C-407E-A947-70E740481C1C}">
+                    <a14:useLocalDpi xmlns:a14="http://schemas.microsoft.com/office/drawing/2010/main" val="0"/>
+                  </a:ext>
+                </a:extLst>
+              </a:blip>
+              <a:srcRect l="18905" t="8334" r="18507" b="8333"/>
+              <a:stretch/>
+            </p:blipFill>
+            <p:spPr bwMode="auto">
+              <a:xfrm>
+                <a:off x="3313134" y="4495800"/>
+                <a:ext cx="1908132" cy="2032494"/>
+              </a:xfrm>
+              <a:prstGeom prst="rect">
+                <a:avLst/>
+              </a:prstGeom>
+              <a:noFill/>
+              <a:extLst>
+                <a:ext uri="{909E8E84-426E-40DD-AFC4-6F175D3DCCD1}">
+                  <a14:hiddenFill xmlns:a14="http://schemas.microsoft.com/office/drawing/2010/main">
+                    <a:solidFill>
+                      <a:srgbClr val="FFFFFF"/>
+                    </a:solidFill>
+                  </a14:hiddenFill>
+                </a:ext>
+              </a:extLst>
+            </p:spPr>
+          </p:pic>
+          <p:sp>
+            <p:nvSpPr>
+              <p:cNvPr id="7" name="Right Arrow 6"/>
+              <p:cNvSpPr/>
+              <p:nvPr/>
+            </p:nvSpPr>
+            <p:spPr>
+              <a:xfrm>
+                <a:off x="4816550" y="4940547"/>
+                <a:ext cx="1524000" cy="1143000"/>
+              </a:xfrm>
+              <a:prstGeom prst="rightArrow">
+                <a:avLst/>
+              </a:prstGeom>
+              <a:gradFill flip="none" rotWithShape="1">
+                <a:gsLst>
+                  <a:gs pos="0">
+                    <a:schemeClr val="accent1">
+                      <a:shade val="30000"/>
+                      <a:satMod val="115000"/>
+                    </a:schemeClr>
+                  </a:gs>
+                  <a:gs pos="50000">
+                    <a:schemeClr val="accent1">
+                      <a:shade val="67500"/>
+                      <a:satMod val="115000"/>
+                    </a:schemeClr>
+                  </a:gs>
+                  <a:gs pos="100000">
+                    <a:schemeClr val="accent1">
+                      <a:shade val="100000"/>
+                      <a:satMod val="115000"/>
+                      <a:alpha val="27000"/>
+                    </a:schemeClr>
+                  </a:gs>
+                </a:gsLst>
+                <a:lin ang="10800000" scaled="1"/>
+                <a:tileRect/>
+              </a:gradFill>
+              <a:ln>
+                <a:noFill/>
+              </a:ln>
+            </p:spPr>
+            <p:style>
+              <a:lnRef idx="2">
+                <a:schemeClr val="accent1">
+                  <a:shade val="50000"/>
+                </a:schemeClr>
+              </a:lnRef>
+              <a:fillRef idx="1">
+                <a:schemeClr val="accent1"/>
+              </a:fillRef>
+              <a:effectRef idx="0">
+                <a:schemeClr val="accent1"/>
+              </a:effectRef>
+              <a:fontRef idx="minor">
+                <a:schemeClr val="lt1"/>
+              </a:fontRef>
+            </p:style>
+            <p:txBody>
+              <a:bodyPr rtlCol="0" anchor="ctr"/>
+              <a:lstStyle/>
+              <a:p>
+                <a:pPr algn="ctr"/>
+                <a:endParaRPr lang="en-US"/>
+              </a:p>
+            </p:txBody>
+          </p:sp>
+        </p:grpSp>
+        <p:sp>
+          <p:nvSpPr>
+            <p:cNvPr id="8" name="Curved Down Arrow 7"/>
+            <p:cNvSpPr/>
+            <p:nvPr/>
+          </p:nvSpPr>
+          <p:spPr>
+            <a:xfrm rot="10800000">
+              <a:off x="4978053" y="3200401"/>
+              <a:ext cx="2740653" cy="914400"/>
+            </a:xfrm>
+            <a:prstGeom prst="curvedDownArrow">
+              <a:avLst/>
+            </a:prstGeom>
+          </p:spPr>
+          <p:style>
+            <a:lnRef idx="2">
+              <a:schemeClr val="accent1">
+                <a:shade val="50000"/>
+              </a:schemeClr>
+            </a:lnRef>
+            <a:fillRef idx="1">
+              <a:schemeClr val="accent1"/>
+            </a:fillRef>
+            <a:effectRef idx="0">
+              <a:schemeClr val="accent1"/>
+            </a:effectRef>
+            <a:fontRef idx="minor">
+              <a:schemeClr val="lt1"/>
+            </a:fontRef>
+          </p:style>
+          <p:txBody>
+            <a:bodyPr rtlCol="0" anchor="ctr"/>
+            <a:lstStyle/>
+            <a:p>
+              <a:pPr algn="ctr"/>
+              <a:endParaRPr lang="en-US">
+                <a:solidFill>
+                  <a:schemeClr val="tx1"/>
+                </a:solidFill>
+              </a:endParaRPr>
+            </a:p>
+          </p:txBody>
+        </p:sp>
+      </p:grpSp>
     </p:spTree>
     <p:extLst>
       <p:ext uri="{BB962C8B-B14F-4D97-AF65-F5344CB8AC3E}">
-        <p14:creationId xmlns:p14="http://schemas.microsoft.com/office/powerpoint/2010/main" val="169668180"/>
+        <p14:creationId xmlns:p14="http://schemas.microsoft.com/office/powerpoint/2010/main" val="2433948877"/>
       </p:ext>
     </p:extLst>
   </p:cSld>
@@ -8034,9 +8247,683 @@
   <p:timing>
     <p:tnLst>
       <p:par>
-        <p:cTn id="1" dur="indefinite" restart="never" nodeType="tmRoot"/>
+        <p:cTn id="1" dur="indefinite" restart="never" nodeType="tmRoot">
+          <p:childTnLst>
+            <p:seq concurrent="1" nextAc="seek">
+              <p:cTn id="2" dur="indefinite" nodeType="mainSeq">
+                <p:childTnLst>
+                  <p:par>
+                    <p:cTn id="3" fill="hold">
+                      <p:stCondLst>
+                        <p:cond delay="indefinite"/>
+                      </p:stCondLst>
+                      <p:childTnLst>
+                        <p:par>
+                          <p:cTn id="4" fill="hold">
+                            <p:stCondLst>
+                              <p:cond delay="0"/>
+                            </p:stCondLst>
+                            <p:childTnLst>
+                              <p:par>
+                                <p:cTn id="5" presetID="1" presetClass="entr" presetSubtype="0" fill="hold" grpId="0" nodeType="clickEffect">
+                                  <p:stCondLst>
+                                    <p:cond delay="0"/>
+                                  </p:stCondLst>
+                                  <p:childTnLst>
+                                    <p:set>
+                                      <p:cBhvr>
+                                        <p:cTn id="6" dur="1" fill="hold">
+                                          <p:stCondLst>
+                                            <p:cond delay="0"/>
+                                          </p:stCondLst>
+                                        </p:cTn>
+                                        <p:tgtEl>
+                                          <p:spTgt spid="2"/>
+                                        </p:tgtEl>
+                                        <p:attrNameLst>
+                                          <p:attrName>style.visibility</p:attrName>
+                                        </p:attrNameLst>
+                                      </p:cBhvr>
+                                      <p:to>
+                                        <p:strVal val="visible"/>
+                                      </p:to>
+                                    </p:set>
+                                  </p:childTnLst>
+                                </p:cTn>
+                              </p:par>
+                            </p:childTnLst>
+                          </p:cTn>
+                        </p:par>
+                      </p:childTnLst>
+                    </p:cTn>
+                  </p:par>
+                  <p:par>
+                    <p:cTn id="7" fill="hold">
+                      <p:stCondLst>
+                        <p:cond delay="indefinite"/>
+                      </p:stCondLst>
+                      <p:childTnLst>
+                        <p:par>
+                          <p:cTn id="8" fill="hold">
+                            <p:stCondLst>
+                              <p:cond delay="0"/>
+                            </p:stCondLst>
+                            <p:childTnLst>
+                              <p:par>
+                                <p:cTn id="9" presetID="42" presetClass="entr" presetSubtype="0" fill="hold" grpId="0" nodeType="clickEffect">
+                                  <p:stCondLst>
+                                    <p:cond delay="0"/>
+                                  </p:stCondLst>
+                                  <p:childTnLst>
+                                    <p:set>
+                                      <p:cBhvr>
+                                        <p:cTn id="10" dur="1" fill="hold">
+                                          <p:stCondLst>
+                                            <p:cond delay="0"/>
+                                          </p:stCondLst>
+                                        </p:cTn>
+                                        <p:tgtEl>
+                                          <p:spTgt spid="4"/>
+                                        </p:tgtEl>
+                                        <p:attrNameLst>
+                                          <p:attrName>style.visibility</p:attrName>
+                                        </p:attrNameLst>
+                                      </p:cBhvr>
+                                      <p:to>
+                                        <p:strVal val="visible"/>
+                                      </p:to>
+                                    </p:set>
+                                    <p:animEffect transition="in" filter="fade">
+                                      <p:cBhvr>
+                                        <p:cTn id="11" dur="1000"/>
+                                        <p:tgtEl>
+                                          <p:spTgt spid="4"/>
+                                        </p:tgtEl>
+                                      </p:cBhvr>
+                                    </p:animEffect>
+                                    <p:anim calcmode="lin" valueType="num">
+                                      <p:cBhvr>
+                                        <p:cTn id="12" dur="1000" fill="hold"/>
+                                        <p:tgtEl>
+                                          <p:spTgt spid="4"/>
+                                        </p:tgtEl>
+                                        <p:attrNameLst>
+                                          <p:attrName>ppt_x</p:attrName>
+                                        </p:attrNameLst>
+                                      </p:cBhvr>
+                                      <p:tavLst>
+                                        <p:tav tm="0">
+                                          <p:val>
+                                            <p:strVal val="#ppt_x"/>
+                                          </p:val>
+                                        </p:tav>
+                                        <p:tav tm="100000">
+                                          <p:val>
+                                            <p:strVal val="#ppt_x"/>
+                                          </p:val>
+                                        </p:tav>
+                                      </p:tavLst>
+                                    </p:anim>
+                                    <p:anim calcmode="lin" valueType="num">
+                                      <p:cBhvr>
+                                        <p:cTn id="13" dur="1000" fill="hold"/>
+                                        <p:tgtEl>
+                                          <p:spTgt spid="4"/>
+                                        </p:tgtEl>
+                                        <p:attrNameLst>
+                                          <p:attrName>ppt_y</p:attrName>
+                                        </p:attrNameLst>
+                                      </p:cBhvr>
+                                      <p:tavLst>
+                                        <p:tav tm="0">
+                                          <p:val>
+                                            <p:strVal val="#ppt_y+.1"/>
+                                          </p:val>
+                                        </p:tav>
+                                        <p:tav tm="100000">
+                                          <p:val>
+                                            <p:strVal val="#ppt_y"/>
+                                          </p:val>
+                                        </p:tav>
+                                      </p:tavLst>
+                                    </p:anim>
+                                  </p:childTnLst>
+                                </p:cTn>
+                              </p:par>
+                            </p:childTnLst>
+                          </p:cTn>
+                        </p:par>
+                      </p:childTnLst>
+                    </p:cTn>
+                  </p:par>
+                  <p:par>
+                    <p:cTn id="14" fill="hold">
+                      <p:stCondLst>
+                        <p:cond delay="indefinite"/>
+                      </p:stCondLst>
+                      <p:childTnLst>
+                        <p:par>
+                          <p:cTn id="15" fill="hold">
+                            <p:stCondLst>
+                              <p:cond delay="0"/>
+                            </p:stCondLst>
+                            <p:childTnLst>
+                              <p:par>
+                                <p:cTn id="16" presetID="47" presetClass="entr" presetSubtype="0" fill="hold" nodeType="clickEffect">
+                                  <p:stCondLst>
+                                    <p:cond delay="0"/>
+                                  </p:stCondLst>
+                                  <p:childTnLst>
+                                    <p:set>
+                                      <p:cBhvr>
+                                        <p:cTn id="17" dur="1" fill="hold">
+                                          <p:stCondLst>
+                                            <p:cond delay="0"/>
+                                          </p:stCondLst>
+                                        </p:cTn>
+                                        <p:tgtEl>
+                                          <p:spTgt spid="3">
+                                            <p:txEl>
+                                              <p:pRg st="0" end="0"/>
+                                            </p:txEl>
+                                          </p:spTgt>
+                                        </p:tgtEl>
+                                        <p:attrNameLst>
+                                          <p:attrName>style.visibility</p:attrName>
+                                        </p:attrNameLst>
+                                      </p:cBhvr>
+                                      <p:to>
+                                        <p:strVal val="visible"/>
+                                      </p:to>
+                                    </p:set>
+                                    <p:animEffect transition="in" filter="fade">
+                                      <p:cBhvr>
+                                        <p:cTn id="18" dur="1000"/>
+                                        <p:tgtEl>
+                                          <p:spTgt spid="3">
+                                            <p:txEl>
+                                              <p:pRg st="0" end="0"/>
+                                            </p:txEl>
+                                          </p:spTgt>
+                                        </p:tgtEl>
+                                      </p:cBhvr>
+                                    </p:animEffect>
+                                    <p:anim calcmode="lin" valueType="num">
+                                      <p:cBhvr>
+                                        <p:cTn id="19" dur="1000" fill="hold"/>
+                                        <p:tgtEl>
+                                          <p:spTgt spid="3">
+                                            <p:txEl>
+                                              <p:pRg st="0" end="0"/>
+                                            </p:txEl>
+                                          </p:spTgt>
+                                        </p:tgtEl>
+                                        <p:attrNameLst>
+                                          <p:attrName>ppt_x</p:attrName>
+                                        </p:attrNameLst>
+                                      </p:cBhvr>
+                                      <p:tavLst>
+                                        <p:tav tm="0">
+                                          <p:val>
+                                            <p:strVal val="#ppt_x"/>
+                                          </p:val>
+                                        </p:tav>
+                                        <p:tav tm="100000">
+                                          <p:val>
+                                            <p:strVal val="#ppt_x"/>
+                                          </p:val>
+                                        </p:tav>
+                                      </p:tavLst>
+                                    </p:anim>
+                                    <p:anim calcmode="lin" valueType="num">
+                                      <p:cBhvr>
+                                        <p:cTn id="20" dur="1000" fill="hold"/>
+                                        <p:tgtEl>
+                                          <p:spTgt spid="3">
+                                            <p:txEl>
+                                              <p:pRg st="0" end="0"/>
+                                            </p:txEl>
+                                          </p:spTgt>
+                                        </p:tgtEl>
+                                        <p:attrNameLst>
+                                          <p:attrName>ppt_y</p:attrName>
+                                        </p:attrNameLst>
+                                      </p:cBhvr>
+                                      <p:tavLst>
+                                        <p:tav tm="0">
+                                          <p:val>
+                                            <p:strVal val="#ppt_y-.1"/>
+                                          </p:val>
+                                        </p:tav>
+                                        <p:tav tm="100000">
+                                          <p:val>
+                                            <p:strVal val="#ppt_y"/>
+                                          </p:val>
+                                        </p:tav>
+                                      </p:tavLst>
+                                    </p:anim>
+                                  </p:childTnLst>
+                                </p:cTn>
+                              </p:par>
+                              <p:par>
+                                <p:cTn id="21" presetID="47" presetClass="entr" presetSubtype="0" fill="hold" nodeType="withEffect">
+                                  <p:stCondLst>
+                                    <p:cond delay="500"/>
+                                  </p:stCondLst>
+                                  <p:childTnLst>
+                                    <p:set>
+                                      <p:cBhvr>
+                                        <p:cTn id="22" dur="1" fill="hold">
+                                          <p:stCondLst>
+                                            <p:cond delay="0"/>
+                                          </p:stCondLst>
+                                        </p:cTn>
+                                        <p:tgtEl>
+                                          <p:spTgt spid="3">
+                                            <p:txEl>
+                                              <p:pRg st="1" end="1"/>
+                                            </p:txEl>
+                                          </p:spTgt>
+                                        </p:tgtEl>
+                                        <p:attrNameLst>
+                                          <p:attrName>style.visibility</p:attrName>
+                                        </p:attrNameLst>
+                                      </p:cBhvr>
+                                      <p:to>
+                                        <p:strVal val="visible"/>
+                                      </p:to>
+                                    </p:set>
+                                    <p:animEffect transition="in" filter="fade">
+                                      <p:cBhvr>
+                                        <p:cTn id="23" dur="1000"/>
+                                        <p:tgtEl>
+                                          <p:spTgt spid="3">
+                                            <p:txEl>
+                                              <p:pRg st="1" end="1"/>
+                                            </p:txEl>
+                                          </p:spTgt>
+                                        </p:tgtEl>
+                                      </p:cBhvr>
+                                    </p:animEffect>
+                                    <p:anim calcmode="lin" valueType="num">
+                                      <p:cBhvr>
+                                        <p:cTn id="24" dur="1000" fill="hold"/>
+                                        <p:tgtEl>
+                                          <p:spTgt spid="3">
+                                            <p:txEl>
+                                              <p:pRg st="1" end="1"/>
+                                            </p:txEl>
+                                          </p:spTgt>
+                                        </p:tgtEl>
+                                        <p:attrNameLst>
+                                          <p:attrName>ppt_x</p:attrName>
+                                        </p:attrNameLst>
+                                      </p:cBhvr>
+                                      <p:tavLst>
+                                        <p:tav tm="0">
+                                          <p:val>
+                                            <p:strVal val="#ppt_x"/>
+                                          </p:val>
+                                        </p:tav>
+                                        <p:tav tm="100000">
+                                          <p:val>
+                                            <p:strVal val="#ppt_x"/>
+                                          </p:val>
+                                        </p:tav>
+                                      </p:tavLst>
+                                    </p:anim>
+                                    <p:anim calcmode="lin" valueType="num">
+                                      <p:cBhvr>
+                                        <p:cTn id="25" dur="1000" fill="hold"/>
+                                        <p:tgtEl>
+                                          <p:spTgt spid="3">
+                                            <p:txEl>
+                                              <p:pRg st="1" end="1"/>
+                                            </p:txEl>
+                                          </p:spTgt>
+                                        </p:tgtEl>
+                                        <p:attrNameLst>
+                                          <p:attrName>ppt_y</p:attrName>
+                                        </p:attrNameLst>
+                                      </p:cBhvr>
+                                      <p:tavLst>
+                                        <p:tav tm="0">
+                                          <p:val>
+                                            <p:strVal val="#ppt_y-.1"/>
+                                          </p:val>
+                                        </p:tav>
+                                        <p:tav tm="100000">
+                                          <p:val>
+                                            <p:strVal val="#ppt_y"/>
+                                          </p:val>
+                                        </p:tav>
+                                      </p:tavLst>
+                                    </p:anim>
+                                  </p:childTnLst>
+                                </p:cTn>
+                              </p:par>
+                              <p:par>
+                                <p:cTn id="26" presetID="47" presetClass="entr" presetSubtype="0" fill="hold" nodeType="withEffect">
+                                  <p:stCondLst>
+                                    <p:cond delay="1000"/>
+                                  </p:stCondLst>
+                                  <p:childTnLst>
+                                    <p:set>
+                                      <p:cBhvr>
+                                        <p:cTn id="27" dur="1" fill="hold">
+                                          <p:stCondLst>
+                                            <p:cond delay="0"/>
+                                          </p:stCondLst>
+                                        </p:cTn>
+                                        <p:tgtEl>
+                                          <p:spTgt spid="3">
+                                            <p:txEl>
+                                              <p:pRg st="2" end="2"/>
+                                            </p:txEl>
+                                          </p:spTgt>
+                                        </p:tgtEl>
+                                        <p:attrNameLst>
+                                          <p:attrName>style.visibility</p:attrName>
+                                        </p:attrNameLst>
+                                      </p:cBhvr>
+                                      <p:to>
+                                        <p:strVal val="visible"/>
+                                      </p:to>
+                                    </p:set>
+                                    <p:animEffect transition="in" filter="fade">
+                                      <p:cBhvr>
+                                        <p:cTn id="28" dur="1000"/>
+                                        <p:tgtEl>
+                                          <p:spTgt spid="3">
+                                            <p:txEl>
+                                              <p:pRg st="2" end="2"/>
+                                            </p:txEl>
+                                          </p:spTgt>
+                                        </p:tgtEl>
+                                      </p:cBhvr>
+                                    </p:animEffect>
+                                    <p:anim calcmode="lin" valueType="num">
+                                      <p:cBhvr>
+                                        <p:cTn id="29" dur="1000" fill="hold"/>
+                                        <p:tgtEl>
+                                          <p:spTgt spid="3">
+                                            <p:txEl>
+                                              <p:pRg st="2" end="2"/>
+                                            </p:txEl>
+                                          </p:spTgt>
+                                        </p:tgtEl>
+                                        <p:attrNameLst>
+                                          <p:attrName>ppt_x</p:attrName>
+                                        </p:attrNameLst>
+                                      </p:cBhvr>
+                                      <p:tavLst>
+                                        <p:tav tm="0">
+                                          <p:val>
+                                            <p:strVal val="#ppt_x"/>
+                                          </p:val>
+                                        </p:tav>
+                                        <p:tav tm="100000">
+                                          <p:val>
+                                            <p:strVal val="#ppt_x"/>
+                                          </p:val>
+                                        </p:tav>
+                                      </p:tavLst>
+                                    </p:anim>
+                                    <p:anim calcmode="lin" valueType="num">
+                                      <p:cBhvr>
+                                        <p:cTn id="30" dur="1000" fill="hold"/>
+                                        <p:tgtEl>
+                                          <p:spTgt spid="3">
+                                            <p:txEl>
+                                              <p:pRg st="2" end="2"/>
+                                            </p:txEl>
+                                          </p:spTgt>
+                                        </p:tgtEl>
+                                        <p:attrNameLst>
+                                          <p:attrName>ppt_y</p:attrName>
+                                        </p:attrNameLst>
+                                      </p:cBhvr>
+                                      <p:tavLst>
+                                        <p:tav tm="0">
+                                          <p:val>
+                                            <p:strVal val="#ppt_y-.1"/>
+                                          </p:val>
+                                        </p:tav>
+                                        <p:tav tm="100000">
+                                          <p:val>
+                                            <p:strVal val="#ppt_y"/>
+                                          </p:val>
+                                        </p:tav>
+                                      </p:tavLst>
+                                    </p:anim>
+                                  </p:childTnLst>
+                                </p:cTn>
+                              </p:par>
+                              <p:par>
+                                <p:cTn id="31" presetID="47" presetClass="entr" presetSubtype="0" fill="hold" nodeType="withEffect">
+                                  <p:stCondLst>
+                                    <p:cond delay="1500"/>
+                                  </p:stCondLst>
+                                  <p:childTnLst>
+                                    <p:set>
+                                      <p:cBhvr>
+                                        <p:cTn id="32" dur="1" fill="hold">
+                                          <p:stCondLst>
+                                            <p:cond delay="0"/>
+                                          </p:stCondLst>
+                                        </p:cTn>
+                                        <p:tgtEl>
+                                          <p:spTgt spid="3">
+                                            <p:txEl>
+                                              <p:pRg st="3" end="3"/>
+                                            </p:txEl>
+                                          </p:spTgt>
+                                        </p:tgtEl>
+                                        <p:attrNameLst>
+                                          <p:attrName>style.visibility</p:attrName>
+                                        </p:attrNameLst>
+                                      </p:cBhvr>
+                                      <p:to>
+                                        <p:strVal val="visible"/>
+                                      </p:to>
+                                    </p:set>
+                                    <p:animEffect transition="in" filter="fade">
+                                      <p:cBhvr>
+                                        <p:cTn id="33" dur="1000"/>
+                                        <p:tgtEl>
+                                          <p:spTgt spid="3">
+                                            <p:txEl>
+                                              <p:pRg st="3" end="3"/>
+                                            </p:txEl>
+                                          </p:spTgt>
+                                        </p:tgtEl>
+                                      </p:cBhvr>
+                                    </p:animEffect>
+                                    <p:anim calcmode="lin" valueType="num">
+                                      <p:cBhvr>
+                                        <p:cTn id="34" dur="1000" fill="hold"/>
+                                        <p:tgtEl>
+                                          <p:spTgt spid="3">
+                                            <p:txEl>
+                                              <p:pRg st="3" end="3"/>
+                                            </p:txEl>
+                                          </p:spTgt>
+                                        </p:tgtEl>
+                                        <p:attrNameLst>
+                                          <p:attrName>ppt_x</p:attrName>
+                                        </p:attrNameLst>
+                                      </p:cBhvr>
+                                      <p:tavLst>
+                                        <p:tav tm="0">
+                                          <p:val>
+                                            <p:strVal val="#ppt_x"/>
+                                          </p:val>
+                                        </p:tav>
+                                        <p:tav tm="100000">
+                                          <p:val>
+                                            <p:strVal val="#ppt_x"/>
+                                          </p:val>
+                                        </p:tav>
+                                      </p:tavLst>
+                                    </p:anim>
+                                    <p:anim calcmode="lin" valueType="num">
+                                      <p:cBhvr>
+                                        <p:cTn id="35" dur="1000" fill="hold"/>
+                                        <p:tgtEl>
+                                          <p:spTgt spid="3">
+                                            <p:txEl>
+                                              <p:pRg st="3" end="3"/>
+                                            </p:txEl>
+                                          </p:spTgt>
+                                        </p:tgtEl>
+                                        <p:attrNameLst>
+                                          <p:attrName>ppt_y</p:attrName>
+                                        </p:attrNameLst>
+                                      </p:cBhvr>
+                                      <p:tavLst>
+                                        <p:tav tm="0">
+                                          <p:val>
+                                            <p:strVal val="#ppt_y-.1"/>
+                                          </p:val>
+                                        </p:tav>
+                                        <p:tav tm="100000">
+                                          <p:val>
+                                            <p:strVal val="#ppt_y"/>
+                                          </p:val>
+                                        </p:tav>
+                                      </p:tavLst>
+                                    </p:anim>
+                                  </p:childTnLst>
+                                </p:cTn>
+                              </p:par>
+                              <p:par>
+                                <p:cTn id="36" presetID="47" presetClass="entr" presetSubtype="0" fill="hold" nodeType="withEffect">
+                                  <p:stCondLst>
+                                    <p:cond delay="2000"/>
+                                  </p:stCondLst>
+                                  <p:childTnLst>
+                                    <p:set>
+                                      <p:cBhvr>
+                                        <p:cTn id="37" dur="1" fill="hold">
+                                          <p:stCondLst>
+                                            <p:cond delay="0"/>
+                                          </p:stCondLst>
+                                        </p:cTn>
+                                        <p:tgtEl>
+                                          <p:spTgt spid="3">
+                                            <p:txEl>
+                                              <p:pRg st="4" end="4"/>
+                                            </p:txEl>
+                                          </p:spTgt>
+                                        </p:tgtEl>
+                                        <p:attrNameLst>
+                                          <p:attrName>style.visibility</p:attrName>
+                                        </p:attrNameLst>
+                                      </p:cBhvr>
+                                      <p:to>
+                                        <p:strVal val="visible"/>
+                                      </p:to>
+                                    </p:set>
+                                    <p:animEffect transition="in" filter="fade">
+                                      <p:cBhvr>
+                                        <p:cTn id="38" dur="1000"/>
+                                        <p:tgtEl>
+                                          <p:spTgt spid="3">
+                                            <p:txEl>
+                                              <p:pRg st="4" end="4"/>
+                                            </p:txEl>
+                                          </p:spTgt>
+                                        </p:tgtEl>
+                                      </p:cBhvr>
+                                    </p:animEffect>
+                                    <p:anim calcmode="lin" valueType="num">
+                                      <p:cBhvr>
+                                        <p:cTn id="39" dur="1000" fill="hold"/>
+                                        <p:tgtEl>
+                                          <p:spTgt spid="3">
+                                            <p:txEl>
+                                              <p:pRg st="4" end="4"/>
+                                            </p:txEl>
+                                          </p:spTgt>
+                                        </p:tgtEl>
+                                        <p:attrNameLst>
+                                          <p:attrName>ppt_x</p:attrName>
+                                        </p:attrNameLst>
+                                      </p:cBhvr>
+                                      <p:tavLst>
+                                        <p:tav tm="0">
+                                          <p:val>
+                                            <p:strVal val="#ppt_x"/>
+                                          </p:val>
+                                        </p:tav>
+                                        <p:tav tm="100000">
+                                          <p:val>
+                                            <p:strVal val="#ppt_x"/>
+                                          </p:val>
+                                        </p:tav>
+                                      </p:tavLst>
+                                    </p:anim>
+                                    <p:anim calcmode="lin" valueType="num">
+                                      <p:cBhvr>
+                                        <p:cTn id="40" dur="1000" fill="hold"/>
+                                        <p:tgtEl>
+                                          <p:spTgt spid="3">
+                                            <p:txEl>
+                                              <p:pRg st="4" end="4"/>
+                                            </p:txEl>
+                                          </p:spTgt>
+                                        </p:tgtEl>
+                                        <p:attrNameLst>
+                                          <p:attrName>ppt_y</p:attrName>
+                                        </p:attrNameLst>
+                                      </p:cBhvr>
+                                      <p:tavLst>
+                                        <p:tav tm="0">
+                                          <p:val>
+                                            <p:strVal val="#ppt_y-.1"/>
+                                          </p:val>
+                                        </p:tav>
+                                        <p:tav tm="100000">
+                                          <p:val>
+                                            <p:strVal val="#ppt_y"/>
+                                          </p:val>
+                                        </p:tav>
+                                      </p:tavLst>
+                                    </p:anim>
+                                  </p:childTnLst>
+                                </p:cTn>
+                              </p:par>
+                            </p:childTnLst>
+                          </p:cTn>
+                        </p:par>
+                      </p:childTnLst>
+                    </p:cTn>
+                  </p:par>
+                </p:childTnLst>
+              </p:cTn>
+              <p:prevCondLst>
+                <p:cond evt="onPrev" delay="0">
+                  <p:tgtEl>
+                    <p:sldTgt/>
+                  </p:tgtEl>
+                </p:cond>
+              </p:prevCondLst>
+              <p:nextCondLst>
+                <p:cond evt="onNext" delay="0">
+                  <p:tgtEl>
+                    <p:sldTgt/>
+                  </p:tgtEl>
+                </p:cond>
+              </p:nextCondLst>
+            </p:seq>
+          </p:childTnLst>
+        </p:cTn>
       </p:par>
     </p:tnLst>
+    <p:bldLst>
+      <p:bldP spid="2" grpId="0"/>
+      <p:bldP spid="4" grpId="0"/>
+    </p:bldLst>
   </p:timing>
 </p:sld>
 </file>
@@ -9601,6 +10488,44 @@
           </a:p>
         </p:txBody>
       </p:sp>
+      <p:sp>
+        <p:nvSpPr>
+          <p:cNvPr id="3" name="Rectangle 2"/>
+          <p:cNvSpPr/>
+          <p:nvPr/>
+        </p:nvSpPr>
+        <p:spPr>
+          <a:xfrm>
+            <a:off x="4724400" y="5525869"/>
+            <a:ext cx="4572000" cy="646331"/>
+          </a:xfrm>
+          <a:prstGeom prst="rect">
+            <a:avLst/>
+          </a:prstGeom>
+        </p:spPr>
+        <p:txBody>
+          <a:bodyPr>
+            <a:spAutoFit/>
+          </a:bodyPr>
+          <a:lstStyle/>
+          <a:p>
+            <a:r>
+              <a:rPr lang="en-US" dirty="0"/>
+              <a:t>We’ll never get perfect models</a:t>
+            </a:r>
+          </a:p>
+          <a:p>
+            <a:pPr lvl="1">
+              <a:buFont typeface="Wingdings" pitchFamily="2" charset="2"/>
+              <a:buChar char="Ø"/>
+            </a:pPr>
+            <a:r>
+              <a:rPr lang="en-US" dirty="0"/>
+              <a:t>But we can get closer!</a:t>
+            </a:r>
+          </a:p>
+        </p:txBody>
+      </p:sp>
     </p:spTree>
     <p:extLst>
       <p:ext uri="{BB962C8B-B14F-4D97-AF65-F5344CB8AC3E}">
@@ -9622,397 +10547,6 @@
 </file>
 
 <file path=ppt/slides/slide2.xml><?xml version="1.0" encoding="utf-8"?>
-<p:sld xmlns:a="http://schemas.openxmlformats.org/drawingml/2006/main" xmlns:r="http://schemas.openxmlformats.org/officeDocument/2006/relationships" xmlns:p="http://schemas.openxmlformats.org/presentationml/2006/main">
-  <p:cSld>
-    <p:spTree>
-      <p:nvGrpSpPr>
-        <p:cNvPr id="1" name=""/>
-        <p:cNvGrpSpPr/>
-        <p:nvPr/>
-      </p:nvGrpSpPr>
-      <p:grpSpPr>
-        <a:xfrm>
-          <a:off x="0" y="0"/>
-          <a:ext cx="0" cy="0"/>
-          <a:chOff x="0" y="0"/>
-          <a:chExt cx="0" cy="0"/>
-        </a:xfrm>
-      </p:grpSpPr>
-      <p:sp>
-        <p:nvSpPr>
-          <p:cNvPr id="2" name="Title 1"/>
-          <p:cNvSpPr>
-            <a:spLocks noGrp="1"/>
-          </p:cNvSpPr>
-          <p:nvPr>
-            <p:ph type="title"/>
-          </p:nvPr>
-        </p:nvSpPr>
-        <p:spPr/>
-        <p:txBody>
-          <a:bodyPr/>
-          <a:lstStyle/>
-          <a:p>
-            <a:endParaRPr lang="en-US"/>
-          </a:p>
-        </p:txBody>
-      </p:sp>
-      <p:sp>
-        <p:nvSpPr>
-          <p:cNvPr id="3" name="Content Placeholder 2"/>
-          <p:cNvSpPr>
-            <a:spLocks noGrp="1"/>
-          </p:cNvSpPr>
-          <p:nvPr>
-            <p:ph idx="1"/>
-          </p:nvPr>
-        </p:nvSpPr>
-        <p:spPr/>
-        <p:txBody>
-          <a:bodyPr/>
-          <a:lstStyle/>
-          <a:p>
-            <a:r>
-              <a:rPr lang="en-US" dirty="0" smtClean="0"/>
-              <a:t>The First Modelers</a:t>
-            </a:r>
-          </a:p>
-          <a:p>
-            <a:r>
-              <a:rPr lang="en-US" dirty="0" smtClean="0"/>
-              <a:t>Human 	Limits</a:t>
-            </a:r>
-          </a:p>
-          <a:p>
-            <a:r>
-              <a:rPr lang="en-US" dirty="0" smtClean="0"/>
-              <a:t>Ultimate	Limits</a:t>
-            </a:r>
-          </a:p>
-          <a:p>
-            <a:r>
-              <a:rPr lang="en-US" dirty="0" smtClean="0"/>
-              <a:t>Pushing 	Limits</a:t>
-            </a:r>
-          </a:p>
-          <a:p>
-            <a:r>
-              <a:rPr lang="en-US" i="1" dirty="0" smtClean="0"/>
-              <a:t>Why?</a:t>
-            </a:r>
-            <a:r>
-              <a:rPr lang="en-US" dirty="0" smtClean="0"/>
-              <a:t> Models &amp; Life</a:t>
-            </a:r>
-            <a:endParaRPr lang="en-US" dirty="0"/>
-          </a:p>
-        </p:txBody>
-      </p:sp>
-      <p:sp>
-        <p:nvSpPr>
-          <p:cNvPr id="4" name="TextBox 3"/>
-          <p:cNvSpPr txBox="1"/>
-          <p:nvPr/>
-        </p:nvSpPr>
-        <p:spPr>
-          <a:xfrm>
-            <a:off x="5446734" y="4343400"/>
-            <a:ext cx="2028632" cy="1200329"/>
-          </a:xfrm>
-          <a:prstGeom prst="rect">
-            <a:avLst/>
-          </a:prstGeom>
-          <a:noFill/>
-        </p:spPr>
-        <p:txBody>
-          <a:bodyPr wrap="none" rtlCol="0">
-            <a:spAutoFit/>
-          </a:bodyPr>
-          <a:lstStyle/>
-          <a:p>
-            <a:r>
-              <a:rPr lang="en-US" sz="3600" dirty="0" smtClean="0"/>
-              <a:t>What is a </a:t>
-            </a:r>
-          </a:p>
-          <a:p>
-            <a:pPr algn="ctr"/>
-            <a:r>
-              <a:rPr lang="en-US" sz="3600" b="1" dirty="0" smtClean="0"/>
-              <a:t>model</a:t>
-            </a:r>
-            <a:r>
-              <a:rPr lang="en-US" sz="3600" dirty="0" smtClean="0"/>
-              <a:t>?</a:t>
-            </a:r>
-            <a:endParaRPr lang="en-US" sz="3600" dirty="0"/>
-          </a:p>
-        </p:txBody>
-      </p:sp>
-      <p:grpSp>
-        <p:nvGrpSpPr>
-          <p:cNvPr id="6" name="Group 5"/>
-          <p:cNvGrpSpPr/>
-          <p:nvPr/>
-        </p:nvGrpSpPr>
-        <p:grpSpPr>
-          <a:xfrm>
-            <a:off x="4419600" y="1752600"/>
-            <a:ext cx="4114800" cy="2032494"/>
-            <a:chOff x="2225750" y="4495800"/>
-            <a:chExt cx="4114800" cy="2032494"/>
-          </a:xfrm>
-        </p:grpSpPr>
-        <p:sp>
-          <p:nvSpPr>
-            <p:cNvPr id="5" name="Right Arrow 4"/>
-            <p:cNvSpPr/>
-            <p:nvPr/>
-          </p:nvSpPr>
-          <p:spPr>
-            <a:xfrm>
-              <a:off x="2225750" y="4916539"/>
-              <a:ext cx="1524000" cy="1143000"/>
-            </a:xfrm>
-            <a:prstGeom prst="rightArrow">
-              <a:avLst/>
-            </a:prstGeom>
-            <a:gradFill flip="none" rotWithShape="1">
-              <a:gsLst>
-                <a:gs pos="0">
-                  <a:schemeClr val="accent1">
-                    <a:shade val="30000"/>
-                    <a:satMod val="115000"/>
-                  </a:schemeClr>
-                </a:gs>
-                <a:gs pos="50000">
-                  <a:schemeClr val="accent1">
-                    <a:shade val="67500"/>
-                    <a:satMod val="115000"/>
-                  </a:schemeClr>
-                </a:gs>
-                <a:gs pos="100000">
-                  <a:schemeClr val="accent1">
-                    <a:shade val="100000"/>
-                    <a:satMod val="115000"/>
-                    <a:alpha val="27000"/>
-                  </a:schemeClr>
-                </a:gs>
-              </a:gsLst>
-              <a:lin ang="10800000" scaled="1"/>
-              <a:tileRect/>
-            </a:gradFill>
-            <a:ln>
-              <a:noFill/>
-            </a:ln>
-          </p:spPr>
-          <p:style>
-            <a:lnRef idx="2">
-              <a:schemeClr val="accent1">
-                <a:shade val="50000"/>
-              </a:schemeClr>
-            </a:lnRef>
-            <a:fillRef idx="1">
-              <a:schemeClr val="accent1"/>
-            </a:fillRef>
-            <a:effectRef idx="0">
-              <a:schemeClr val="accent1"/>
-            </a:effectRef>
-            <a:fontRef idx="minor">
-              <a:schemeClr val="lt1"/>
-            </a:fontRef>
-          </p:style>
-          <p:txBody>
-            <a:bodyPr rtlCol="0" anchor="ctr"/>
-            <a:lstStyle/>
-            <a:p>
-              <a:pPr algn="ctr"/>
-              <a:endParaRPr lang="en-US"/>
-            </a:p>
-          </p:txBody>
-        </p:sp>
-        <p:pic>
-          <p:nvPicPr>
-            <p:cNvPr id="1027" name="Picture 3" descr="C:\Users\Class2014\Documents\Dropbox\ModelTalk\box-icon-mod.jpg"/>
-            <p:cNvPicPr>
-              <a:picLocks noChangeAspect="1" noChangeArrowheads="1"/>
-            </p:cNvPicPr>
-            <p:nvPr/>
-          </p:nvPicPr>
-          <p:blipFill rotWithShape="1">
-            <a:blip r:embed="rId3" cstate="print">
-              <a:extLst>
-                <a:ext uri="{BEBA8EAE-BF5A-486C-A8C5-ECC9F3942E4B}">
-                  <a14:imgProps xmlns:a14="http://schemas.microsoft.com/office/drawing/2010/main">
-                    <a14:imgLayer r:embed="rId4">
-                      <a14:imgEffect>
-                        <a14:backgroundRemoval t="10000" b="90000" l="10000" r="90000"/>
-                      </a14:imgEffect>
-                    </a14:imgLayer>
-                  </a14:imgProps>
-                </a:ext>
-                <a:ext uri="{28A0092B-C50C-407E-A947-70E740481C1C}">
-                  <a14:useLocalDpi xmlns:a14="http://schemas.microsoft.com/office/drawing/2010/main" val="0"/>
-                </a:ext>
-              </a:extLst>
-            </a:blip>
-            <a:srcRect l="18905" t="8334" r="18507" b="8333"/>
-            <a:stretch/>
-          </p:blipFill>
-          <p:spPr bwMode="auto">
-            <a:xfrm>
-              <a:off x="3313134" y="4495800"/>
-              <a:ext cx="1908132" cy="2032494"/>
-            </a:xfrm>
-            <a:prstGeom prst="rect">
-              <a:avLst/>
-            </a:prstGeom>
-            <a:noFill/>
-            <a:extLst>
-              <a:ext uri="{909E8E84-426E-40DD-AFC4-6F175D3DCCD1}">
-                <a14:hiddenFill xmlns:a14="http://schemas.microsoft.com/office/drawing/2010/main">
-                  <a:solidFill>
-                    <a:srgbClr val="FFFFFF"/>
-                  </a:solidFill>
-                </a14:hiddenFill>
-              </a:ext>
-            </a:extLst>
-          </p:spPr>
-        </p:pic>
-        <p:sp>
-          <p:nvSpPr>
-            <p:cNvPr id="7" name="Right Arrow 6"/>
-            <p:cNvSpPr/>
-            <p:nvPr/>
-          </p:nvSpPr>
-          <p:spPr>
-            <a:xfrm>
-              <a:off x="4816550" y="4940547"/>
-              <a:ext cx="1524000" cy="1143000"/>
-            </a:xfrm>
-            <a:prstGeom prst="rightArrow">
-              <a:avLst/>
-            </a:prstGeom>
-            <a:gradFill flip="none" rotWithShape="1">
-              <a:gsLst>
-                <a:gs pos="0">
-                  <a:schemeClr val="accent1">
-                    <a:shade val="30000"/>
-                    <a:satMod val="115000"/>
-                  </a:schemeClr>
-                </a:gs>
-                <a:gs pos="50000">
-                  <a:schemeClr val="accent1">
-                    <a:shade val="67500"/>
-                    <a:satMod val="115000"/>
-                  </a:schemeClr>
-                </a:gs>
-                <a:gs pos="100000">
-                  <a:schemeClr val="accent1">
-                    <a:shade val="100000"/>
-                    <a:satMod val="115000"/>
-                    <a:alpha val="27000"/>
-                  </a:schemeClr>
-                </a:gs>
-              </a:gsLst>
-              <a:lin ang="10800000" scaled="1"/>
-              <a:tileRect/>
-            </a:gradFill>
-            <a:ln>
-              <a:noFill/>
-            </a:ln>
-          </p:spPr>
-          <p:style>
-            <a:lnRef idx="2">
-              <a:schemeClr val="accent1">
-                <a:shade val="50000"/>
-              </a:schemeClr>
-            </a:lnRef>
-            <a:fillRef idx="1">
-              <a:schemeClr val="accent1"/>
-            </a:fillRef>
-            <a:effectRef idx="0">
-              <a:schemeClr val="accent1"/>
-            </a:effectRef>
-            <a:fontRef idx="minor">
-              <a:schemeClr val="lt1"/>
-            </a:fontRef>
-          </p:style>
-          <p:txBody>
-            <a:bodyPr rtlCol="0" anchor="ctr"/>
-            <a:lstStyle/>
-            <a:p>
-              <a:pPr algn="ctr"/>
-              <a:endParaRPr lang="en-US"/>
-            </a:p>
-          </p:txBody>
-        </p:sp>
-      </p:grpSp>
-      <p:sp>
-        <p:nvSpPr>
-          <p:cNvPr id="8" name="Curved Down Arrow 7"/>
-          <p:cNvSpPr/>
-          <p:nvPr/>
-        </p:nvSpPr>
-        <p:spPr>
-          <a:xfrm rot="10800000">
-            <a:off x="4978053" y="3200401"/>
-            <a:ext cx="2740653" cy="914400"/>
-          </a:xfrm>
-          <a:prstGeom prst="curvedDownArrow">
-            <a:avLst/>
-          </a:prstGeom>
-        </p:spPr>
-        <p:style>
-          <a:lnRef idx="2">
-            <a:schemeClr val="accent1">
-              <a:shade val="50000"/>
-            </a:schemeClr>
-          </a:lnRef>
-          <a:fillRef idx="1">
-            <a:schemeClr val="accent1"/>
-          </a:fillRef>
-          <a:effectRef idx="0">
-            <a:schemeClr val="accent1"/>
-          </a:effectRef>
-          <a:fontRef idx="minor">
-            <a:schemeClr val="lt1"/>
-          </a:fontRef>
-        </p:style>
-        <p:txBody>
-          <a:bodyPr rtlCol="0" anchor="ctr"/>
-          <a:lstStyle/>
-          <a:p>
-            <a:pPr algn="ctr"/>
-            <a:endParaRPr lang="en-US">
-              <a:solidFill>
-                <a:schemeClr val="tx1"/>
-              </a:solidFill>
-            </a:endParaRPr>
-          </a:p>
-        </p:txBody>
-      </p:sp>
-    </p:spTree>
-    <p:extLst>
-      <p:ext uri="{BB962C8B-B14F-4D97-AF65-F5344CB8AC3E}">
-        <p14:creationId xmlns:p14="http://schemas.microsoft.com/office/powerpoint/2010/main" val="2433948877"/>
-      </p:ext>
-    </p:extLst>
-  </p:cSld>
-  <p:clrMapOvr>
-    <a:masterClrMapping/>
-  </p:clrMapOvr>
-  <p:timing>
-    <p:tnLst>
-      <p:par>
-        <p:cTn id="1" dur="indefinite" restart="never" nodeType="tmRoot"/>
-      </p:par>
-    </p:tnLst>
-  </p:timing>
-</p:sld>
-</file>
-
-<file path=ppt/slides/slide3.xml><?xml version="1.0" encoding="utf-8"?>
 <p:sld xmlns:a="http://schemas.openxmlformats.org/drawingml/2006/main" xmlns:r="http://schemas.openxmlformats.org/officeDocument/2006/relationships" xmlns:p="http://schemas.openxmlformats.org/presentationml/2006/main">
   <p:cSld>
     <p:spTree>
@@ -10676,7 +11210,7 @@
         </p:blipFill>
         <p:spPr bwMode="auto">
           <a:xfrm>
-            <a:off x="228599" y="3905250"/>
+            <a:off x="228599" y="4057650"/>
             <a:ext cx="2428875" cy="590550"/>
           </a:xfrm>
           <a:prstGeom prst="rect">
@@ -10749,7 +11283,7 @@
         </p:blipFill>
         <p:spPr bwMode="auto">
           <a:xfrm>
-            <a:off x="0" y="4636058"/>
+            <a:off x="0" y="4788458"/>
             <a:ext cx="4095750" cy="790575"/>
           </a:xfrm>
           <a:prstGeom prst="rect">
@@ -10812,7 +11346,7 @@
         </p:blipFill>
         <p:spPr bwMode="auto">
           <a:xfrm>
-            <a:off x="228599" y="5562600"/>
+            <a:off x="228599" y="5715000"/>
             <a:ext cx="3733800" cy="533400"/>
           </a:xfrm>
           <a:prstGeom prst="rect">
@@ -11961,7 +12495,7 @@
 </p:sld>
 </file>
 
-<file path=ppt/slides/slide4.xml><?xml version="1.0" encoding="utf-8"?>
+<file path=ppt/slides/slide3.xml><?xml version="1.0" encoding="utf-8"?>
 <p:sld xmlns:a="http://schemas.openxmlformats.org/drawingml/2006/main" xmlns:r="http://schemas.openxmlformats.org/officeDocument/2006/relationships" xmlns:p="http://schemas.openxmlformats.org/presentationml/2006/main">
   <p:cSld>
     <p:spTree>
@@ -13444,7 +13978,7 @@
                                           </p:stCondLst>
                                         </p:cTn>
                                         <p:tgtEl>
-                                          <p:spTgt spid="10"/>
+                                          <p:spTgt spid="23"/>
                                         </p:tgtEl>
                                         <p:attrNameLst>
                                           <p:attrName>style.visibility</p:attrName>
@@ -13458,6 +13992,59 @@
                                       <p:cBhvr>
                                         <p:cTn id="47" dur="500"/>
                                         <p:tgtEl>
+                                          <p:spTgt spid="23"/>
+                                        </p:tgtEl>
+                                      </p:cBhvr>
+                                    </p:animEffect>
+                                  </p:childTnLst>
+                                </p:cTn>
+                              </p:par>
+                            </p:childTnLst>
+                          </p:cTn>
+                        </p:par>
+                      </p:childTnLst>
+                    </p:cTn>
+                  </p:par>
+                  <p:par>
+                    <p:cTn id="48" fill="hold">
+                      <p:stCondLst>
+                        <p:cond delay="indefinite"/>
+                      </p:stCondLst>
+                      <p:childTnLst>
+                        <p:par>
+                          <p:cTn id="49" fill="hold">
+                            <p:stCondLst>
+                              <p:cond delay="0"/>
+                            </p:stCondLst>
+                            <p:childTnLst>
+                              <p:par>
+                                <p:cTn id="50" presetID="10" presetClass="entr" presetSubtype="0" fill="hold" grpId="0" nodeType="clickEffect">
+                                  <p:stCondLst>
+                                    <p:cond delay="0"/>
+                                  </p:stCondLst>
+                                  <p:childTnLst>
+                                    <p:set>
+                                      <p:cBhvr>
+                                        <p:cTn id="51" dur="1" fill="hold">
+                                          <p:stCondLst>
+                                            <p:cond delay="0"/>
+                                          </p:stCondLst>
+                                        </p:cTn>
+                                        <p:tgtEl>
+                                          <p:spTgt spid="10"/>
+                                        </p:tgtEl>
+                                        <p:attrNameLst>
+                                          <p:attrName>style.visibility</p:attrName>
+                                        </p:attrNameLst>
+                                      </p:cBhvr>
+                                      <p:to>
+                                        <p:strVal val="visible"/>
+                                      </p:to>
+                                    </p:set>
+                                    <p:animEffect transition="in" filter="fade">
+                                      <p:cBhvr>
+                                        <p:cTn id="52" dur="500"/>
+                                        <p:tgtEl>
                                           <p:spTgt spid="10"/>
                                         </p:tgtEl>
                                       </p:cBhvr>
@@ -13466,14 +14053,14 @@
                                 </p:cTn>
                               </p:par>
                               <p:par>
-                                <p:cTn id="48" presetID="10" presetClass="entr" presetSubtype="0" fill="hold" nodeType="withEffect">
+                                <p:cTn id="53" presetID="10" presetClass="entr" presetSubtype="0" fill="hold" nodeType="withEffect">
                                   <p:stCondLst>
                                     <p:cond delay="0"/>
                                   </p:stCondLst>
                                   <p:childTnLst>
                                     <p:set>
                                       <p:cBhvr>
-                                        <p:cTn id="49" dur="1" fill="hold">
+                                        <p:cTn id="54" dur="1" fill="hold">
                                           <p:stCondLst>
                                             <p:cond delay="0"/>
                                           </p:stCondLst>
@@ -13491,7 +14078,7 @@
                                     </p:set>
                                     <p:animEffect transition="in" filter="fade">
                                       <p:cBhvr>
-                                        <p:cTn id="50" dur="500"/>
+                                        <p:cTn id="55" dur="500"/>
                                         <p:tgtEl>
                                           <p:spTgt spid="20"/>
                                         </p:tgtEl>
@@ -13501,14 +14088,14 @@
                                 </p:cTn>
                               </p:par>
                               <p:par>
-                                <p:cTn id="51" presetID="10" presetClass="entr" presetSubtype="0" fill="hold" nodeType="withEffect">
+                                <p:cTn id="56" presetID="10" presetClass="entr" presetSubtype="0" fill="hold" nodeType="withEffect">
                                   <p:stCondLst>
                                     <p:cond delay="0"/>
                                   </p:stCondLst>
                                   <p:childTnLst>
                                     <p:set>
                                       <p:cBhvr>
-                                        <p:cTn id="52" dur="1" fill="hold">
+                                        <p:cTn id="57" dur="1" fill="hold">
                                           <p:stCondLst>
                                             <p:cond delay="0"/>
                                           </p:stCondLst>
@@ -13526,7 +14113,7 @@
                                     </p:set>
                                     <p:animEffect transition="in" filter="fade">
                                       <p:cBhvr>
-                                        <p:cTn id="53" dur="500"/>
+                                        <p:cTn id="58" dur="500"/>
                                         <p:tgtEl>
                                           <p:spTgt spid="30"/>
                                         </p:tgtEl>
@@ -13536,14 +14123,14 @@
                                 </p:cTn>
                               </p:par>
                               <p:par>
-                                <p:cTn id="54" presetID="10" presetClass="exit" presetSubtype="0" fill="hold" grpId="1" nodeType="withEffect">
+                                <p:cTn id="59" presetID="10" presetClass="exit" presetSubtype="0" fill="hold" grpId="1" nodeType="withEffect">
                                   <p:stCondLst>
                                     <p:cond delay="0"/>
                                   </p:stCondLst>
                                   <p:childTnLst>
                                     <p:animEffect transition="out" filter="fade">
                                       <p:cBhvr>
-                                        <p:cTn id="55" dur="500"/>
+                                        <p:cTn id="60" dur="500"/>
                                         <p:tgtEl>
                                           <p:spTgt spid="31"/>
                                         </p:tgtEl>
@@ -13551,7 +14138,7 @@
                                     </p:animEffect>
                                     <p:set>
                                       <p:cBhvr>
-                                        <p:cTn id="56" dur="1" fill="hold">
+                                        <p:cTn id="61" dur="1" fill="hold">
                                           <p:stCondLst>
                                             <p:cond delay="499"/>
                                           </p:stCondLst>
@@ -13577,26 +14164,79 @@
                     </p:cTn>
                   </p:par>
                   <p:par>
-                    <p:cTn id="57" fill="hold">
+                    <p:cTn id="62" fill="hold">
                       <p:stCondLst>
                         <p:cond delay="indefinite"/>
                       </p:stCondLst>
                       <p:childTnLst>
                         <p:par>
-                          <p:cTn id="58" fill="hold">
+                          <p:cTn id="63" fill="hold">
                             <p:stCondLst>
                               <p:cond delay="0"/>
                             </p:stCondLst>
                             <p:childTnLst>
                               <p:par>
-                                <p:cTn id="59" presetID="10" presetClass="entr" presetSubtype="0" fill="hold" grpId="2" nodeType="clickEffect">
+                                <p:cTn id="64" presetID="10" presetClass="entr" presetSubtype="0" fill="hold" grpId="0" nodeType="clickEffect">
                                   <p:stCondLst>
                                     <p:cond delay="0"/>
                                   </p:stCondLst>
                                   <p:childTnLst>
                                     <p:set>
                                       <p:cBhvr>
-                                        <p:cTn id="60" dur="1" fill="hold">
+                                        <p:cTn id="65" dur="1" fill="hold">
+                                          <p:stCondLst>
+                                            <p:cond delay="0"/>
+                                          </p:stCondLst>
+                                        </p:cTn>
+                                        <p:tgtEl>
+                                          <p:spTgt spid="24"/>
+                                        </p:tgtEl>
+                                        <p:attrNameLst>
+                                          <p:attrName>style.visibility</p:attrName>
+                                        </p:attrNameLst>
+                                      </p:cBhvr>
+                                      <p:to>
+                                        <p:strVal val="visible"/>
+                                      </p:to>
+                                    </p:set>
+                                    <p:animEffect transition="in" filter="fade">
+                                      <p:cBhvr>
+                                        <p:cTn id="66" dur="500"/>
+                                        <p:tgtEl>
+                                          <p:spTgt spid="24"/>
+                                        </p:tgtEl>
+                                      </p:cBhvr>
+                                    </p:animEffect>
+                                  </p:childTnLst>
+                                </p:cTn>
+                              </p:par>
+                            </p:childTnLst>
+                          </p:cTn>
+                        </p:par>
+                      </p:childTnLst>
+                    </p:cTn>
+                  </p:par>
+                  <p:par>
+                    <p:cTn id="67" fill="hold">
+                      <p:stCondLst>
+                        <p:cond delay="indefinite"/>
+                      </p:stCondLst>
+                      <p:childTnLst>
+                        <p:par>
+                          <p:cTn id="68" fill="hold">
+                            <p:stCondLst>
+                              <p:cond delay="0"/>
+                            </p:stCondLst>
+                            <p:childTnLst>
+                              <p:par>
+                                <p:cTn id="69" presetID="10" presetClass="entr" presetSubtype="0" fill="hold" grpId="2" nodeType="clickEffect">
+                                  <p:stCondLst>
+                                    <p:cond delay="0"/>
+                                  </p:stCondLst>
+                                  <p:childTnLst>
+                                    <p:set>
+                                      <p:cBhvr>
+                                        <p:cTn id="70" dur="1" fill="hold">
                                           <p:stCondLst>
                                             <p:cond delay="0"/>
                                           </p:stCondLst>
@@ -13614,7 +14254,7 @@
                                     </p:set>
                                     <p:animEffect transition="in" filter="fade">
                                       <p:cBhvr>
-                                        <p:cTn id="61" dur="500"/>
+                                        <p:cTn id="71" dur="500"/>
                                         <p:tgtEl>
                                           <p:spTgt spid="31"/>
                                         </p:tgtEl>
@@ -13627,20 +14267,20 @@
                           </p:cTn>
                         </p:par>
                         <p:par>
-                          <p:cTn id="62" fill="hold">
+                          <p:cTn id="72" fill="hold">
                             <p:stCondLst>
                               <p:cond delay="500"/>
                             </p:stCondLst>
                             <p:childTnLst>
                               <p:par>
-                                <p:cTn id="63" presetID="26" presetClass="emph" presetSubtype="0" repeatCount="4000" fill="hold" grpId="3" nodeType="afterEffect">
+                                <p:cTn id="73" presetID="26" presetClass="emph" presetSubtype="0" repeatCount="4000" fill="hold" grpId="3" nodeType="afterEffect">
                                   <p:stCondLst>
                                     <p:cond delay="0"/>
                                   </p:stCondLst>
                                   <p:childTnLst>
                                     <p:animEffect transition="out" filter="fade">
                                       <p:cBhvr>
-                                        <p:cTn id="64" dur="1000" tmFilter="0, 0; .2, .5; .8, .5; 1, 0"/>
+                                        <p:cTn id="74" dur="1000" tmFilter="0, 0; .2, .5; .8, .5; 1, 0"/>
                                         <p:tgtEl>
                                           <p:spTgt spid="31"/>
                                         </p:tgtEl>
@@ -13648,7 +14288,7 @@
                                     </p:animEffect>
                                     <p:animScale>
                                       <p:cBhvr>
-                                        <p:cTn id="65" dur="500" autoRev="1" fill="hold"/>
+                                        <p:cTn id="75" dur="500" autoRev="1" fill="hold"/>
                                         <p:tgtEl>
                                           <p:spTgt spid="31"/>
                                         </p:tgtEl>
@@ -13659,14 +14299,14 @@
                                 </p:cTn>
                               </p:par>
                               <p:par>
-                                <p:cTn id="66" presetID="8" presetClass="emph" presetSubtype="0" repeatCount="2000" fill="hold" nodeType="withEffect">
+                                <p:cTn id="76" presetID="8" presetClass="emph" presetSubtype="0" repeatCount="2000" fill="hold" nodeType="withEffect">
                                   <p:stCondLst>
                                     <p:cond delay="0"/>
                                   </p:stCondLst>
                                   <p:childTnLst>
                                     <p:animRot by="21600000">
                                       <p:cBhvr>
-                                        <p:cTn id="67" dur="2000" fill="hold"/>
+                                        <p:cTn id="77" dur="2000" fill="hold"/>
                                         <p:tgtEl>
                                           <p:spTgt spid="30"/>
                                         </p:tgtEl>
@@ -13678,33 +14318,15 @@
                                   </p:childTnLst>
                                 </p:cTn>
                               </p:par>
-                            </p:childTnLst>
-                          </p:cTn>
-                        </p:par>
-                      </p:childTnLst>
-                    </p:cTn>
-                  </p:par>
-                  <p:par>
-                    <p:cTn id="68" fill="hold">
-                      <p:stCondLst>
-                        <p:cond delay="indefinite"/>
-                      </p:stCondLst>
-                      <p:childTnLst>
-                        <p:par>
-                          <p:cTn id="69" fill="hold">
-                            <p:stCondLst>
-                              <p:cond delay="0"/>
-                            </p:stCondLst>
-                            <p:childTnLst>
                               <p:par>
-                                <p:cTn id="70" presetID="2" presetClass="entr" presetSubtype="12" fill="hold" nodeType="clickEffect">
+                                <p:cTn id="78" presetID="2" presetClass="entr" presetSubtype="12" fill="hold" nodeType="withEffect">
                                   <p:stCondLst>
-                                    <p:cond delay="0"/>
+                                    <p:cond delay="3000"/>
                                   </p:stCondLst>
                                   <p:childTnLst>
                                     <p:set>
                                       <p:cBhvr>
-                                        <p:cTn id="71" dur="1" fill="hold">
+                                        <p:cTn id="79" dur="1" fill="hold">
                                           <p:stCondLst>
                                             <p:cond delay="0"/>
                                           </p:stCondLst>
@@ -13722,7 +14344,7 @@
                                     </p:set>
                                     <p:anim calcmode="lin" valueType="num">
                                       <p:cBhvr additive="base">
-                                        <p:cTn id="72" dur="500" fill="hold"/>
+                                        <p:cTn id="80" dur="500" fill="hold"/>
                                         <p:tgtEl>
                                           <p:spTgt spid="39"/>
                                         </p:tgtEl>
@@ -13745,7 +14367,7 @@
                                     </p:anim>
                                     <p:anim calcmode="lin" valueType="num">
                                       <p:cBhvr additive="base">
-                                        <p:cTn id="73" dur="500" fill="hold"/>
+                                        <p:cTn id="81" dur="500" fill="hold"/>
                                         <p:tgtEl>
                                           <p:spTgt spid="39"/>
                                         </p:tgtEl>
@@ -13769,15 +14391,33 @@
                                   </p:childTnLst>
                                 </p:cTn>
                               </p:par>
+                            </p:childTnLst>
+                          </p:cTn>
+                        </p:par>
+                      </p:childTnLst>
+                    </p:cTn>
+                  </p:par>
+                  <p:par>
+                    <p:cTn id="82" fill="hold">
+                      <p:stCondLst>
+                        <p:cond delay="indefinite"/>
+                      </p:stCondLst>
+                      <p:childTnLst>
+                        <p:par>
+                          <p:cTn id="83" fill="hold">
+                            <p:stCondLst>
+                              <p:cond delay="0"/>
+                            </p:stCondLst>
+                            <p:childTnLst>
                               <p:par>
-                                <p:cTn id="74" presetID="2" presetClass="entr" presetSubtype="12" fill="hold" grpId="0" nodeType="withEffect">
+                                <p:cTn id="84" presetID="2" presetClass="entr" presetSubtype="12" fill="hold" grpId="0" nodeType="clickEffect">
                                   <p:stCondLst>
                                     <p:cond delay="0"/>
                                   </p:stCondLst>
                                   <p:childTnLst>
                                     <p:set>
                                       <p:cBhvr>
-                                        <p:cTn id="75" dur="1" fill="hold">
+                                        <p:cTn id="85" dur="1" fill="hold">
                                           <p:stCondLst>
                                             <p:cond delay="0"/>
                                           </p:stCondLst>
@@ -13795,7 +14435,7 @@
                                     </p:set>
                                     <p:anim calcmode="lin" valueType="num">
                                       <p:cBhvr additive="base">
-                                        <p:cTn id="76" dur="500" fill="hold"/>
+                                        <p:cTn id="86" dur="500" fill="hold"/>
                                         <p:tgtEl>
                                           <p:spTgt spid="26"/>
                                         </p:tgtEl>
@@ -13818,7 +14458,7 @@
                                     </p:anim>
                                     <p:anim calcmode="lin" valueType="num">
                                       <p:cBhvr additive="base">
-                                        <p:cTn id="77" dur="500" fill="hold"/>
+                                        <p:cTn id="87" dur="500" fill="hold"/>
                                         <p:tgtEl>
                                           <p:spTgt spid="26"/>
                                         </p:tgtEl>
@@ -13875,6 +14515,8 @@
       <p:bldP spid="9" grpId="0" animBg="1"/>
       <p:bldP spid="10" grpId="0"/>
       <p:bldP spid="14" grpId="0"/>
+      <p:bldP spid="23" grpId="0"/>
+      <p:bldP spid="24" grpId="0"/>
       <p:bldP spid="31" grpId="0" animBg="1"/>
       <p:bldP spid="31" grpId="1" animBg="1"/>
       <p:bldP spid="31" grpId="2" animBg="1"/>
@@ -13887,7 +14529,7 @@
 </p:sld>
 </file>
 
-<file path=ppt/slides/slide5.xml><?xml version="1.0" encoding="utf-8"?>
+<file path=ppt/slides/slide4.xml><?xml version="1.0" encoding="utf-8"?>
 <p:sld xmlns:a="http://schemas.openxmlformats.org/drawingml/2006/main" xmlns:r="http://schemas.openxmlformats.org/officeDocument/2006/relationships" xmlns:p="http://schemas.openxmlformats.org/presentationml/2006/main">
   <p:cSld>
     <p:spTree>
@@ -13933,10 +14575,15 @@
             <p:ph idx="1"/>
           </p:nvPr>
         </p:nvSpPr>
-        <p:spPr/>
+        <p:spPr>
+          <a:xfrm>
+            <a:off x="475635" y="1560972"/>
+            <a:ext cx="8229600" cy="4525963"/>
+          </a:xfrm>
+        </p:spPr>
         <p:txBody>
           <a:bodyPr>
-            <a:normAutofit fontScale="92500" lnSpcReduction="10000"/>
+            <a:normAutofit/>
           </a:bodyPr>
           <a:lstStyle/>
           <a:p>
@@ -13959,22 +14606,6 @@
           </a:p>
           <a:p>
             <a:endParaRPr lang="en-US" dirty="0"/>
-          </a:p>
-          <a:p>
-            <a:r>
-              <a:rPr lang="en-US" dirty="0" smtClean="0"/>
-              <a:t>We’ll never get perfect models</a:t>
-            </a:r>
-          </a:p>
-          <a:p>
-            <a:pPr lvl="1">
-              <a:buFont typeface="Wingdings" pitchFamily="2" charset="2"/>
-              <a:buChar char="Ø"/>
-            </a:pPr>
-            <a:r>
-              <a:rPr lang="en-US" dirty="0" smtClean="0"/>
-              <a:t>But we can get closer!</a:t>
-            </a:r>
           </a:p>
         </p:txBody>
       </p:sp>
@@ -13985,7 +14616,7 @@
           <p:nvPr>
             <p:extLst>
               <p:ext uri="{D42A27DB-BD31-4B8C-83A1-F6EECF244321}">
-                <p14:modId xmlns:p14="http://schemas.microsoft.com/office/powerpoint/2010/main" val="1295394046"/>
+                <p14:modId xmlns:p14="http://schemas.microsoft.com/office/powerpoint/2010/main" val="2385442892"/>
               </p:ext>
             </p:extLst>
           </p:nvPr>
@@ -14174,6 +14805,515 @@
           </a:extLst>
         </p:spPr>
       </p:pic>
+      <p:grpSp>
+        <p:nvGrpSpPr>
+          <p:cNvPr id="8" name="Group 7"/>
+          <p:cNvGrpSpPr/>
+          <p:nvPr/>
+        </p:nvGrpSpPr>
+        <p:grpSpPr>
+          <a:xfrm>
+            <a:off x="621030" y="1538112"/>
+            <a:ext cx="2613645" cy="887898"/>
+            <a:chOff x="0" y="2306004"/>
+            <a:chExt cx="2613645" cy="1493537"/>
+          </a:xfrm>
+        </p:grpSpPr>
+        <p:sp>
+          <p:nvSpPr>
+            <p:cNvPr id="9" name="Rectangle 8"/>
+            <p:cNvSpPr/>
+            <p:nvPr/>
+          </p:nvSpPr>
+          <p:spPr>
+            <a:xfrm>
+              <a:off x="0" y="2306004"/>
+              <a:ext cx="2613645" cy="1493537"/>
+            </a:xfrm>
+            <a:prstGeom prst="rect">
+              <a:avLst/>
+            </a:prstGeom>
+          </p:spPr>
+          <p:style>
+            <a:lnRef idx="0">
+              <a:schemeClr val="lt1">
+                <a:hueOff val="0"/>
+                <a:satOff val="0"/>
+                <a:lumOff val="0"/>
+                <a:alphaOff val="0"/>
+              </a:schemeClr>
+            </a:lnRef>
+            <a:fillRef idx="3">
+              <a:schemeClr val="accent1">
+                <a:alpha val="90000"/>
+                <a:hueOff val="0"/>
+                <a:satOff val="0"/>
+                <a:lumOff val="0"/>
+                <a:alphaOff val="0"/>
+              </a:schemeClr>
+            </a:fillRef>
+            <a:effectRef idx="3">
+              <a:schemeClr val="accent1">
+                <a:alpha val="90000"/>
+                <a:hueOff val="0"/>
+                <a:satOff val="0"/>
+                <a:lumOff val="0"/>
+                <a:alphaOff val="0"/>
+              </a:schemeClr>
+            </a:effectRef>
+            <a:fontRef idx="minor">
+              <a:schemeClr val="lt1"/>
+            </a:fontRef>
+          </p:style>
+        </p:sp>
+        <p:sp>
+          <p:nvSpPr>
+            <p:cNvPr id="10" name="Rectangle 9"/>
+            <p:cNvSpPr/>
+            <p:nvPr/>
+          </p:nvSpPr>
+          <p:spPr>
+            <a:xfrm>
+              <a:off x="0" y="2306004"/>
+              <a:ext cx="2613645" cy="1493537"/>
+            </a:xfrm>
+            <a:prstGeom prst="rect">
+              <a:avLst/>
+            </a:prstGeom>
+          </p:spPr>
+          <p:style>
+            <a:lnRef idx="0">
+              <a:scrgbClr r="0" g="0" b="0"/>
+            </a:lnRef>
+            <a:fillRef idx="0">
+              <a:scrgbClr r="0" g="0" b="0"/>
+            </a:fillRef>
+            <a:effectRef idx="0">
+              <a:scrgbClr r="0" g="0" b="0"/>
+            </a:effectRef>
+            <a:fontRef idx="minor">
+              <a:schemeClr val="lt1"/>
+            </a:fontRef>
+          </p:style>
+          <p:txBody>
+            <a:bodyPr spcFirstLastPara="0" vert="horz" wrap="square" lIns="80010" tIns="80010" rIns="80010" bIns="80010" numCol="1" spcCol="1270" anchor="ctr" anchorCtr="0">
+              <a:noAutofit/>
+            </a:bodyPr>
+            <a:lstStyle/>
+            <a:p>
+              <a:pPr lvl="0" algn="ctr" defTabSz="933450">
+                <a:lnSpc>
+                  <a:spcPct val="90000"/>
+                </a:lnSpc>
+                <a:spcBef>
+                  <a:spcPct val="0"/>
+                </a:spcBef>
+                <a:spcAft>
+                  <a:spcPct val="35000"/>
+                </a:spcAft>
+              </a:pPr>
+              <a:r>
+                <a:rPr lang="en-US" sz="2400" u="none" kern="1200" dirty="0" smtClean="0"/>
+                <a:t>Physical Measurements</a:t>
+              </a:r>
+              <a:endParaRPr lang="en-US" sz="2400" b="1" kern="1200" dirty="0" smtClean="0"/>
+            </a:p>
+          </p:txBody>
+        </p:sp>
+      </p:grpSp>
+      <p:grpSp>
+        <p:nvGrpSpPr>
+          <p:cNvPr id="11" name="Group 10"/>
+          <p:cNvGrpSpPr/>
+          <p:nvPr/>
+        </p:nvGrpSpPr>
+        <p:grpSpPr>
+          <a:xfrm>
+            <a:off x="3213730" y="1538112"/>
+            <a:ext cx="2613645" cy="887898"/>
+            <a:chOff x="2592700" y="2306004"/>
+            <a:chExt cx="2613645" cy="1493537"/>
+          </a:xfrm>
+        </p:grpSpPr>
+        <p:sp>
+          <p:nvSpPr>
+            <p:cNvPr id="12" name="Rectangle 11"/>
+            <p:cNvSpPr/>
+            <p:nvPr/>
+          </p:nvSpPr>
+          <p:spPr>
+            <a:xfrm>
+              <a:off x="2592700" y="2306004"/>
+              <a:ext cx="2613645" cy="1493537"/>
+            </a:xfrm>
+            <a:prstGeom prst="rect">
+              <a:avLst/>
+            </a:prstGeom>
+          </p:spPr>
+          <p:style>
+            <a:lnRef idx="0">
+              <a:schemeClr val="lt1">
+                <a:hueOff val="0"/>
+                <a:satOff val="0"/>
+                <a:lumOff val="0"/>
+                <a:alphaOff val="0"/>
+              </a:schemeClr>
+            </a:lnRef>
+            <a:fillRef idx="3">
+              <a:schemeClr val="accent1">
+                <a:alpha val="90000"/>
+                <a:hueOff val="0"/>
+                <a:satOff val="0"/>
+                <a:lumOff val="0"/>
+                <a:alphaOff val="-20000"/>
+              </a:schemeClr>
+            </a:fillRef>
+            <a:effectRef idx="3">
+              <a:schemeClr val="accent1">
+                <a:alpha val="90000"/>
+                <a:hueOff val="0"/>
+                <a:satOff val="0"/>
+                <a:lumOff val="0"/>
+                <a:alphaOff val="-20000"/>
+              </a:schemeClr>
+            </a:effectRef>
+            <a:fontRef idx="minor">
+              <a:schemeClr val="lt1"/>
+            </a:fontRef>
+          </p:style>
+        </p:sp>
+        <p:sp>
+          <p:nvSpPr>
+            <p:cNvPr id="13" name="Rectangle 12"/>
+            <p:cNvSpPr/>
+            <p:nvPr/>
+          </p:nvSpPr>
+          <p:spPr>
+            <a:xfrm>
+              <a:off x="2592700" y="2306004"/>
+              <a:ext cx="2613645" cy="1493537"/>
+            </a:xfrm>
+            <a:prstGeom prst="rect">
+              <a:avLst/>
+            </a:prstGeom>
+          </p:spPr>
+          <p:style>
+            <a:lnRef idx="0">
+              <a:scrgbClr r="0" g="0" b="0"/>
+            </a:lnRef>
+            <a:fillRef idx="0">
+              <a:scrgbClr r="0" g="0" b="0"/>
+            </a:fillRef>
+            <a:effectRef idx="0">
+              <a:scrgbClr r="0" g="0" b="0"/>
+            </a:effectRef>
+            <a:fontRef idx="minor">
+              <a:schemeClr val="lt1"/>
+            </a:fontRef>
+          </p:style>
+          <p:txBody>
+            <a:bodyPr spcFirstLastPara="0" vert="horz" wrap="square" lIns="80010" tIns="80010" rIns="80010" bIns="80010" numCol="1" spcCol="1270" anchor="ctr" anchorCtr="0">
+              <a:noAutofit/>
+            </a:bodyPr>
+            <a:lstStyle/>
+            <a:p>
+              <a:pPr lvl="0" algn="ctr" defTabSz="933450">
+                <a:lnSpc>
+                  <a:spcPct val="90000"/>
+                </a:lnSpc>
+                <a:spcBef>
+                  <a:spcPct val="0"/>
+                </a:spcBef>
+                <a:spcAft>
+                  <a:spcPct val="35000"/>
+                </a:spcAft>
+              </a:pPr>
+              <a:r>
+                <a:rPr lang="en-US" sz="2400" u="none" kern="1200" dirty="0" smtClean="0"/>
+                <a:t>Physical Manipulation</a:t>
+              </a:r>
+              <a:endParaRPr lang="en-US" sz="2400" b="1" kern="1200" dirty="0" smtClean="0"/>
+            </a:p>
+          </p:txBody>
+        </p:sp>
+      </p:grpSp>
+      <p:grpSp>
+        <p:nvGrpSpPr>
+          <p:cNvPr id="14" name="Group 13"/>
+          <p:cNvGrpSpPr/>
+          <p:nvPr/>
+        </p:nvGrpSpPr>
+        <p:grpSpPr>
+          <a:xfrm>
+            <a:off x="5827375" y="1538112"/>
+            <a:ext cx="2613645" cy="887898"/>
+            <a:chOff x="5206345" y="2306004"/>
+            <a:chExt cx="2613645" cy="1493537"/>
+          </a:xfrm>
+        </p:grpSpPr>
+        <p:sp>
+          <p:nvSpPr>
+            <p:cNvPr id="15" name="Rectangle 14"/>
+            <p:cNvSpPr/>
+            <p:nvPr/>
+          </p:nvSpPr>
+          <p:spPr>
+            <a:xfrm>
+              <a:off x="5206345" y="2306004"/>
+              <a:ext cx="2613645" cy="1493537"/>
+            </a:xfrm>
+            <a:prstGeom prst="rect">
+              <a:avLst/>
+            </a:prstGeom>
+          </p:spPr>
+          <p:style>
+            <a:lnRef idx="0">
+              <a:schemeClr val="lt1">
+                <a:hueOff val="0"/>
+                <a:satOff val="0"/>
+                <a:lumOff val="0"/>
+                <a:alphaOff val="0"/>
+              </a:schemeClr>
+            </a:lnRef>
+            <a:fillRef idx="3">
+              <a:schemeClr val="accent1">
+                <a:alpha val="90000"/>
+                <a:hueOff val="0"/>
+                <a:satOff val="0"/>
+                <a:lumOff val="0"/>
+                <a:alphaOff val="-40000"/>
+              </a:schemeClr>
+            </a:fillRef>
+            <a:effectRef idx="3">
+              <a:schemeClr val="accent1">
+                <a:alpha val="90000"/>
+                <a:hueOff val="0"/>
+                <a:satOff val="0"/>
+                <a:lumOff val="0"/>
+                <a:alphaOff val="-40000"/>
+              </a:schemeClr>
+            </a:effectRef>
+            <a:fontRef idx="minor">
+              <a:schemeClr val="lt1"/>
+            </a:fontRef>
+          </p:style>
+        </p:sp>
+        <p:sp>
+          <p:nvSpPr>
+            <p:cNvPr id="16" name="Rectangle 15"/>
+            <p:cNvSpPr/>
+            <p:nvPr/>
+          </p:nvSpPr>
+          <p:spPr>
+            <a:xfrm>
+              <a:off x="5206345" y="2306004"/>
+              <a:ext cx="2613645" cy="1493537"/>
+            </a:xfrm>
+            <a:prstGeom prst="rect">
+              <a:avLst/>
+            </a:prstGeom>
+          </p:spPr>
+          <p:style>
+            <a:lnRef idx="0">
+              <a:scrgbClr r="0" g="0" b="0"/>
+            </a:lnRef>
+            <a:fillRef idx="0">
+              <a:scrgbClr r="0" g="0" b="0"/>
+            </a:fillRef>
+            <a:effectRef idx="0">
+              <a:scrgbClr r="0" g="0" b="0"/>
+            </a:effectRef>
+            <a:fontRef idx="minor">
+              <a:schemeClr val="lt1"/>
+            </a:fontRef>
+          </p:style>
+          <p:txBody>
+            <a:bodyPr spcFirstLastPara="0" vert="horz" wrap="square" lIns="80010" tIns="80010" rIns="80010" bIns="80010" numCol="1" spcCol="1270" anchor="ctr" anchorCtr="0">
+              <a:noAutofit/>
+            </a:bodyPr>
+            <a:lstStyle/>
+            <a:p>
+              <a:pPr lvl="0" algn="ctr" defTabSz="933450">
+                <a:lnSpc>
+                  <a:spcPct val="90000"/>
+                </a:lnSpc>
+                <a:spcBef>
+                  <a:spcPct val="0"/>
+                </a:spcBef>
+                <a:spcAft>
+                  <a:spcPct val="35000"/>
+                </a:spcAft>
+              </a:pPr>
+              <a:r>
+                <a:rPr lang="en-US" sz="2400" u="none" kern="1200" dirty="0" smtClean="0"/>
+                <a:t>Knowledge</a:t>
+              </a:r>
+              <a:endParaRPr lang="en-US" sz="2400" kern="1200" dirty="0"/>
+            </a:p>
+          </p:txBody>
+        </p:sp>
+      </p:grpSp>
+      <p:pic>
+        <p:nvPicPr>
+          <p:cNvPr id="1027" name="Picture 3" descr="C:\Users\Class2014\Documents\Dropbox\ModelTalk\no_symbol.gif"/>
+          <p:cNvPicPr>
+            <a:picLocks noChangeAspect="1" noChangeArrowheads="1"/>
+          </p:cNvPicPr>
+          <p:nvPr/>
+        </p:nvPicPr>
+        <p:blipFill>
+          <a:blip r:embed="rId11">
+            <a:extLst>
+              <a:ext uri="{28A0092B-C50C-407E-A947-70E740481C1C}">
+                <a14:useLocalDpi xmlns:a14="http://schemas.microsoft.com/office/drawing/2010/main" val="0"/>
+              </a:ext>
+            </a:extLst>
+          </a:blip>
+          <a:srcRect/>
+          <a:stretch>
+            <a:fillRect/>
+          </a:stretch>
+        </p:blipFill>
+        <p:spPr bwMode="auto">
+          <a:xfrm>
+            <a:off x="1833321" y="4657726"/>
+            <a:ext cx="1666874" cy="1666874"/>
+          </a:xfrm>
+          <a:prstGeom prst="rect">
+            <a:avLst/>
+          </a:prstGeom>
+          <a:noFill/>
+          <a:extLst>
+            <a:ext uri="{909E8E84-426E-40DD-AFC4-6F175D3DCCD1}">
+              <a14:hiddenFill xmlns:a14="http://schemas.microsoft.com/office/drawing/2010/main">
+                <a:solidFill>
+                  <a:srgbClr val="FFFFFF"/>
+                </a:solidFill>
+              </a14:hiddenFill>
+            </a:ext>
+          </a:extLst>
+        </p:spPr>
+      </p:pic>
+      <p:sp>
+        <p:nvSpPr>
+          <p:cNvPr id="4" name="TextBox 3"/>
+          <p:cNvSpPr txBox="1"/>
+          <p:nvPr/>
+        </p:nvSpPr>
+        <p:spPr>
+          <a:xfrm>
+            <a:off x="1066800" y="5167134"/>
+            <a:ext cx="3199915" cy="707886"/>
+          </a:xfrm>
+          <a:prstGeom prst="rect">
+            <a:avLst/>
+          </a:prstGeom>
+          <a:noFill/>
+        </p:spPr>
+        <p:txBody>
+          <a:bodyPr wrap="none" rtlCol="0">
+            <a:spAutoFit/>
+          </a:bodyPr>
+          <a:lstStyle/>
+          <a:p>
+            <a:r>
+              <a:rPr lang="en-US" sz="4000" b="1" cap="small" dirty="0" smtClean="0">
+                <a:latin typeface="Arial Black" pitchFamily="34" charset="0"/>
+              </a:rPr>
+              <a:t>Perfection</a:t>
+            </a:r>
+            <a:endParaRPr lang="en-US" sz="4000" b="1" cap="small" dirty="0">
+              <a:latin typeface="Arial Black" pitchFamily="34" charset="0"/>
+            </a:endParaRPr>
+          </a:p>
+        </p:txBody>
+      </p:sp>
+      <p:pic>
+        <p:nvPicPr>
+          <p:cNvPr id="1028" name="Picture 4" descr="C:\Users\Class2014\Documents\Dropbox\Photos\POPL Italy Trip Jan 2013\2013-01-27 14.47.54.jpg"/>
+          <p:cNvPicPr>
+            <a:picLocks noChangeAspect="1" noChangeArrowheads="1"/>
+          </p:cNvPicPr>
+          <p:nvPr/>
+        </p:nvPicPr>
+        <p:blipFill rotWithShape="1">
+          <a:blip r:embed="rId12" cstate="print">
+            <a:extLst>
+              <a:ext uri="{28A0092B-C50C-407E-A947-70E740481C1C}">
+                <a14:useLocalDpi xmlns:a14="http://schemas.microsoft.com/office/drawing/2010/main" val="0"/>
+              </a:ext>
+            </a:extLst>
+          </a:blip>
+          <a:srcRect l="25411" r="30956" b="53588"/>
+          <a:stretch/>
+        </p:blipFill>
+        <p:spPr bwMode="auto">
+          <a:xfrm>
+            <a:off x="4414202" y="4657725"/>
+            <a:ext cx="2425363" cy="1926909"/>
+          </a:xfrm>
+          <a:prstGeom prst="rect">
+            <a:avLst/>
+          </a:prstGeom>
+          <a:noFill/>
+          <a:extLst>
+            <a:ext uri="{909E8E84-426E-40DD-AFC4-6F175D3DCCD1}">
+              <a14:hiddenFill xmlns:a14="http://schemas.microsoft.com/office/drawing/2010/main">
+                <a:solidFill>
+                  <a:srgbClr val="FFFFFF"/>
+                </a:solidFill>
+              </a14:hiddenFill>
+            </a:ext>
+          </a:extLst>
+        </p:spPr>
+      </p:pic>
+      <p:sp>
+        <p:nvSpPr>
+          <p:cNvPr id="6" name="Rectangular Callout 5"/>
+          <p:cNvSpPr/>
+          <p:nvPr/>
+        </p:nvSpPr>
+        <p:spPr>
+          <a:xfrm>
+            <a:off x="6787480" y="4657725"/>
+            <a:ext cx="1694835" cy="963453"/>
+          </a:xfrm>
+          <a:prstGeom prst="wedgeRectCallout">
+            <a:avLst>
+              <a:gd name="adj1" fmla="val -96366"/>
+              <a:gd name="adj2" fmla="val 37587"/>
+            </a:avLst>
+          </a:prstGeom>
+        </p:spPr>
+        <p:style>
+          <a:lnRef idx="2">
+            <a:schemeClr val="accent1">
+              <a:shade val="50000"/>
+            </a:schemeClr>
+          </a:lnRef>
+          <a:fillRef idx="1">
+            <a:schemeClr val="accent1"/>
+          </a:fillRef>
+          <a:effectRef idx="0">
+            <a:schemeClr val="accent1"/>
+          </a:effectRef>
+          <a:fontRef idx="minor">
+            <a:schemeClr val="lt1"/>
+          </a:fontRef>
+        </p:style>
+        <p:txBody>
+          <a:bodyPr rtlCol="0" anchor="ctr"/>
+          <a:lstStyle/>
+          <a:p>
+            <a:pPr algn="ctr"/>
+            <a:r>
+              <a:rPr lang="en-US" sz="2400" b="1" dirty="0" smtClean="0"/>
+              <a:t>But we can get closer!</a:t>
+            </a:r>
+            <a:endParaRPr lang="en-US" sz="2400" b="1" dirty="0"/>
+          </a:p>
+        </p:txBody>
+      </p:sp>
     </p:spTree>
     <p:extLst>
       <p:ext uri="{BB962C8B-B14F-4D97-AF65-F5344CB8AC3E}">
@@ -14184,17 +15324,326 @@
   <p:clrMapOvr>
     <a:masterClrMapping/>
   </p:clrMapOvr>
+  <mc:AlternateContent xmlns:mc="http://schemas.openxmlformats.org/markup-compatibility/2006">
+    <mc:Choice xmlns:p14="http://schemas.microsoft.com/office/powerpoint/2010/main" Requires="p14">
+      <p:transition spd="slow" p14:dur="900">
+        <p14:warp dir="in"/>
+      </p:transition>
+    </mc:Choice>
+    <mc:Fallback>
+      <p:transition spd="slow">
+        <p:fade/>
+      </p:transition>
+    </mc:Fallback>
+  </mc:AlternateContent>
   <p:timing>
     <p:tnLst>
       <p:par>
-        <p:cTn id="1" dur="indefinite" restart="never" nodeType="tmRoot"/>
+        <p:cTn id="1" dur="indefinite" restart="never" nodeType="tmRoot">
+          <p:childTnLst>
+            <p:seq concurrent="1" nextAc="seek">
+              <p:cTn id="2" dur="indefinite" nodeType="mainSeq">
+                <p:childTnLst>
+                  <p:par>
+                    <p:cTn id="3" fill="hold">
+                      <p:stCondLst>
+                        <p:cond delay="indefinite"/>
+                      </p:stCondLst>
+                      <p:childTnLst>
+                        <p:par>
+                          <p:cTn id="4" fill="hold">
+                            <p:stCondLst>
+                              <p:cond delay="0"/>
+                            </p:stCondLst>
+                            <p:childTnLst>
+                              <p:par>
+                                <p:cTn id="5" presetID="1" presetClass="entr" presetSubtype="0" fill="hold" grpId="0" nodeType="clickEffect">
+                                  <p:stCondLst>
+                                    <p:cond delay="0"/>
+                                  </p:stCondLst>
+                                  <p:childTnLst>
+                                    <p:set>
+                                      <p:cBhvr>
+                                        <p:cTn id="6" dur="1" fill="hold">
+                                          <p:stCondLst>
+                                            <p:cond delay="0"/>
+                                          </p:stCondLst>
+                                        </p:cTn>
+                                        <p:tgtEl>
+                                          <p:spTgt spid="4"/>
+                                        </p:tgtEl>
+                                        <p:attrNameLst>
+                                          <p:attrName>style.visibility</p:attrName>
+                                        </p:attrNameLst>
+                                      </p:cBhvr>
+                                      <p:to>
+                                        <p:strVal val="visible"/>
+                                      </p:to>
+                                    </p:set>
+                                  </p:childTnLst>
+                                </p:cTn>
+                              </p:par>
+                            </p:childTnLst>
+                          </p:cTn>
+                        </p:par>
+                        <p:par>
+                          <p:cTn id="7" fill="hold">
+                            <p:stCondLst>
+                              <p:cond delay="0"/>
+                            </p:stCondLst>
+                            <p:childTnLst>
+                              <p:par>
+                                <p:cTn id="8" presetID="53" presetClass="entr" presetSubtype="16" fill="hold" nodeType="afterEffect">
+                                  <p:stCondLst>
+                                    <p:cond delay="2000"/>
+                                  </p:stCondLst>
+                                  <p:childTnLst>
+                                    <p:set>
+                                      <p:cBhvr>
+                                        <p:cTn id="9" dur="1" fill="hold">
+                                          <p:stCondLst>
+                                            <p:cond delay="0"/>
+                                          </p:stCondLst>
+                                        </p:cTn>
+                                        <p:tgtEl>
+                                          <p:spTgt spid="1027"/>
+                                        </p:tgtEl>
+                                        <p:attrNameLst>
+                                          <p:attrName>style.visibility</p:attrName>
+                                        </p:attrNameLst>
+                                      </p:cBhvr>
+                                      <p:to>
+                                        <p:strVal val="visible"/>
+                                      </p:to>
+                                    </p:set>
+                                    <p:anim calcmode="lin" valueType="num">
+                                      <p:cBhvr>
+                                        <p:cTn id="10" dur="500" fill="hold"/>
+                                        <p:tgtEl>
+                                          <p:spTgt spid="1027"/>
+                                        </p:tgtEl>
+                                        <p:attrNameLst>
+                                          <p:attrName>ppt_w</p:attrName>
+                                        </p:attrNameLst>
+                                      </p:cBhvr>
+                                      <p:tavLst>
+                                        <p:tav tm="0">
+                                          <p:val>
+                                            <p:fltVal val="0"/>
+                                          </p:val>
+                                        </p:tav>
+                                        <p:tav tm="100000">
+                                          <p:val>
+                                            <p:strVal val="#ppt_w"/>
+                                          </p:val>
+                                        </p:tav>
+                                      </p:tavLst>
+                                    </p:anim>
+                                    <p:anim calcmode="lin" valueType="num">
+                                      <p:cBhvr>
+                                        <p:cTn id="11" dur="500" fill="hold"/>
+                                        <p:tgtEl>
+                                          <p:spTgt spid="1027"/>
+                                        </p:tgtEl>
+                                        <p:attrNameLst>
+                                          <p:attrName>ppt_h</p:attrName>
+                                        </p:attrNameLst>
+                                      </p:cBhvr>
+                                      <p:tavLst>
+                                        <p:tav tm="0">
+                                          <p:val>
+                                            <p:fltVal val="0"/>
+                                          </p:val>
+                                        </p:tav>
+                                        <p:tav tm="100000">
+                                          <p:val>
+                                            <p:strVal val="#ppt_h"/>
+                                          </p:val>
+                                        </p:tav>
+                                      </p:tavLst>
+                                    </p:anim>
+                                    <p:animEffect transition="in" filter="fade">
+                                      <p:cBhvr>
+                                        <p:cTn id="12" dur="500"/>
+                                        <p:tgtEl>
+                                          <p:spTgt spid="1027"/>
+                                        </p:tgtEl>
+                                      </p:cBhvr>
+                                    </p:animEffect>
+                                  </p:childTnLst>
+                                </p:cTn>
+                              </p:par>
+                            </p:childTnLst>
+                          </p:cTn>
+                        </p:par>
+                      </p:childTnLst>
+                    </p:cTn>
+                  </p:par>
+                  <p:par>
+                    <p:cTn id="13" fill="hold">
+                      <p:stCondLst>
+                        <p:cond delay="indefinite"/>
+                      </p:stCondLst>
+                      <p:childTnLst>
+                        <p:par>
+                          <p:cTn id="14" fill="hold">
+                            <p:stCondLst>
+                              <p:cond delay="0"/>
+                            </p:stCondLst>
+                            <p:childTnLst>
+                              <p:par>
+                                <p:cTn id="15" presetID="2" presetClass="entr" presetSubtype="4" fill="hold" nodeType="clickEffect">
+                                  <p:stCondLst>
+                                    <p:cond delay="0"/>
+                                  </p:stCondLst>
+                                  <p:childTnLst>
+                                    <p:set>
+                                      <p:cBhvr>
+                                        <p:cTn id="16" dur="1" fill="hold">
+                                          <p:stCondLst>
+                                            <p:cond delay="0"/>
+                                          </p:stCondLst>
+                                        </p:cTn>
+                                        <p:tgtEl>
+                                          <p:spTgt spid="1028"/>
+                                        </p:tgtEl>
+                                        <p:attrNameLst>
+                                          <p:attrName>style.visibility</p:attrName>
+                                        </p:attrNameLst>
+                                      </p:cBhvr>
+                                      <p:to>
+                                        <p:strVal val="visible"/>
+                                      </p:to>
+                                    </p:set>
+                                    <p:anim calcmode="lin" valueType="num">
+                                      <p:cBhvr additive="base">
+                                        <p:cTn id="17" dur="500" fill="hold"/>
+                                        <p:tgtEl>
+                                          <p:spTgt spid="1028"/>
+                                        </p:tgtEl>
+                                        <p:attrNameLst>
+                                          <p:attrName>ppt_x</p:attrName>
+                                        </p:attrNameLst>
+                                      </p:cBhvr>
+                                      <p:tavLst>
+                                        <p:tav tm="0">
+                                          <p:val>
+                                            <p:strVal val="#ppt_x"/>
+                                          </p:val>
+                                        </p:tav>
+                                        <p:tav tm="100000">
+                                          <p:val>
+                                            <p:strVal val="#ppt_x"/>
+                                          </p:val>
+                                        </p:tav>
+                                      </p:tavLst>
+                                    </p:anim>
+                                    <p:anim calcmode="lin" valueType="num">
+                                      <p:cBhvr additive="base">
+                                        <p:cTn id="18" dur="500" fill="hold"/>
+                                        <p:tgtEl>
+                                          <p:spTgt spid="1028"/>
+                                        </p:tgtEl>
+                                        <p:attrNameLst>
+                                          <p:attrName>ppt_y</p:attrName>
+                                        </p:attrNameLst>
+                                      </p:cBhvr>
+                                      <p:tavLst>
+                                        <p:tav tm="0">
+                                          <p:val>
+                                            <p:strVal val="1+#ppt_h/2"/>
+                                          </p:val>
+                                        </p:tav>
+                                        <p:tav tm="100000">
+                                          <p:val>
+                                            <p:strVal val="#ppt_y"/>
+                                          </p:val>
+                                        </p:tav>
+                                      </p:tavLst>
+                                    </p:anim>
+                                  </p:childTnLst>
+                                </p:cTn>
+                              </p:par>
+                            </p:childTnLst>
+                          </p:cTn>
+                        </p:par>
+                        <p:par>
+                          <p:cTn id="19" fill="hold">
+                            <p:stCondLst>
+                              <p:cond delay="500"/>
+                            </p:stCondLst>
+                            <p:childTnLst>
+                              <p:par>
+                                <p:cTn id="20" presetID="22" presetClass="entr" presetSubtype="8" fill="hold" grpId="0" nodeType="afterEffect">
+                                  <p:stCondLst>
+                                    <p:cond delay="0"/>
+                                  </p:stCondLst>
+                                  <p:childTnLst>
+                                    <p:set>
+                                      <p:cBhvr>
+                                        <p:cTn id="21" dur="1" fill="hold">
+                                          <p:stCondLst>
+                                            <p:cond delay="0"/>
+                                          </p:stCondLst>
+                                        </p:cTn>
+                                        <p:tgtEl>
+                                          <p:spTgt spid="6"/>
+                                        </p:tgtEl>
+                                        <p:attrNameLst>
+                                          <p:attrName>style.visibility</p:attrName>
+                                        </p:attrNameLst>
+                                      </p:cBhvr>
+                                      <p:to>
+                                        <p:strVal val="visible"/>
+                                      </p:to>
+                                    </p:set>
+                                    <p:animEffect transition="in" filter="wipe(left)">
+                                      <p:cBhvr>
+                                        <p:cTn id="22" dur="500"/>
+                                        <p:tgtEl>
+                                          <p:spTgt spid="6"/>
+                                        </p:tgtEl>
+                                      </p:cBhvr>
+                                    </p:animEffect>
+                                  </p:childTnLst>
+                                </p:cTn>
+                              </p:par>
+                            </p:childTnLst>
+                          </p:cTn>
+                        </p:par>
+                      </p:childTnLst>
+                    </p:cTn>
+                  </p:par>
+                </p:childTnLst>
+              </p:cTn>
+              <p:prevCondLst>
+                <p:cond evt="onPrev" delay="0">
+                  <p:tgtEl>
+                    <p:sldTgt/>
+                  </p:tgtEl>
+                </p:cond>
+              </p:prevCondLst>
+              <p:nextCondLst>
+                <p:cond evt="onNext" delay="0">
+                  <p:tgtEl>
+                    <p:sldTgt/>
+                  </p:tgtEl>
+                </p:cond>
+              </p:nextCondLst>
+            </p:seq>
+          </p:childTnLst>
+        </p:cTn>
       </p:par>
     </p:tnLst>
+    <p:bldLst>
+      <p:bldP spid="4" grpId="0"/>
+      <p:bldP spid="6" grpId="0" animBg="1"/>
+    </p:bldLst>
   </p:timing>
 </p:sld>
 </file>
 
-<file path=ppt/slides/slide6.xml><?xml version="1.0" encoding="utf-8"?>
+<file path=ppt/slides/slide5.xml><?xml version="1.0" encoding="utf-8"?>
 <p:sld xmlns:a="http://schemas.openxmlformats.org/drawingml/2006/main" xmlns:r="http://schemas.openxmlformats.org/officeDocument/2006/relationships" xmlns:p="http://schemas.openxmlformats.org/presentationml/2006/main">
   <p:cSld>
     <p:spTree>
@@ -14213,29 +15662,6 @@
       </p:grpSpPr>
       <p:sp>
         <p:nvSpPr>
-          <p:cNvPr id="2" name="Title 1"/>
-          <p:cNvSpPr>
-            <a:spLocks noGrp="1"/>
-          </p:cNvSpPr>
-          <p:nvPr>
-            <p:ph type="title"/>
-          </p:nvPr>
-        </p:nvSpPr>
-        <p:spPr/>
-        <p:txBody>
-          <a:bodyPr/>
-          <a:lstStyle/>
-          <a:p>
-            <a:r>
-              <a:rPr lang="en-US" dirty="0" smtClean="0"/>
-              <a:t>Push the Limits</a:t>
-            </a:r>
-            <a:endParaRPr lang="en-US" dirty="0"/>
-          </a:p>
-        </p:txBody>
-      </p:sp>
-      <p:sp>
-        <p:nvSpPr>
           <p:cNvPr id="3" name="Content Placeholder 2"/>
           <p:cNvSpPr>
             <a:spLocks noGrp="1"/>
@@ -14246,7 +15672,7 @@
         </p:nvSpPr>
         <p:spPr>
           <a:xfrm>
-            <a:off x="457200" y="1295400"/>
+            <a:off x="337268" y="1412117"/>
             <a:ext cx="8229600" cy="5257800"/>
           </a:xfrm>
         </p:spPr>
@@ -14265,11 +15691,15 @@
             <a:pPr lvl="1"/>
             <a:r>
               <a:rPr lang="en-US" dirty="0" smtClean="0"/>
-              <a:t>More Data, </a:t>
+              <a:t>More Data, More</a:t>
             </a:r>
             <a:r>
               <a:rPr lang="en-US" i="1" dirty="0" smtClean="0"/>
-              <a:t>More Relevant Data</a:t>
+              <a:t> Relevant </a:t>
+            </a:r>
+            <a:r>
+              <a:rPr lang="en-US" dirty="0" smtClean="0"/>
+              <a:t>Data</a:t>
             </a:r>
           </a:p>
           <a:p>
@@ -14321,19 +15751,621 @@
             <a:pPr lvl="1"/>
             <a:r>
               <a:rPr lang="en-US" dirty="0" smtClean="0"/>
-              <a:t>Increase thinking efficiency</a:t>
-            </a:r>
-          </a:p>
-          <a:p>
-            <a:pPr lvl="2"/>
+              <a:t>Increase thinking </a:t>
+            </a:r>
             <a:r>
               <a:rPr lang="en-US" dirty="0" smtClean="0"/>
-              <a:t>Stand on the shoulders of giants</a:t>
-            </a:r>
-            <a:endParaRPr lang="en-US" dirty="0"/>
+              <a:t>efficiency</a:t>
+            </a:r>
+            <a:endParaRPr lang="en-US" dirty="0" smtClean="0"/>
           </a:p>
         </p:txBody>
       </p:sp>
+      <p:pic>
+        <p:nvPicPr>
+          <p:cNvPr id="8" name="Picture 7"/>
+          <p:cNvPicPr>
+            <a:picLocks noChangeAspect="1"/>
+          </p:cNvPicPr>
+          <p:nvPr/>
+        </p:nvPicPr>
+        <p:blipFill rotWithShape="1">
+          <a:blip r:embed="rId3">
+            <a:extLst>
+              <a:ext uri="{BEBA8EAE-BF5A-486C-A8C5-ECC9F3942E4B}">
+                <a14:imgProps xmlns:a14="http://schemas.microsoft.com/office/drawing/2010/main">
+                  <a14:imgLayer r:embed="rId4">
+                    <a14:imgEffect>
+                      <a14:backgroundRemoval t="4050" b="89720" l="5354" r="89866"/>
+                    </a14:imgEffect>
+                  </a14:imgLayer>
+                </a14:imgProps>
+              </a:ext>
+              <a:ext uri="{28A0092B-C50C-407E-A947-70E740481C1C}">
+                <a14:useLocalDpi xmlns:a14="http://schemas.microsoft.com/office/drawing/2010/main" val="0"/>
+              </a:ext>
+            </a:extLst>
+          </a:blip>
+          <a:srcRect l="4830" t="4579" r="24554" b="8536"/>
+          <a:stretch/>
+        </p:blipFill>
+        <p:spPr>
+          <a:xfrm>
+            <a:off x="7032674" y="1005840"/>
+            <a:ext cx="2133600" cy="1678778"/>
+          </a:xfrm>
+          <a:prstGeom prst="rect">
+            <a:avLst/>
+          </a:prstGeom>
+          <a:effectLst>
+            <a:outerShdw blurRad="50800" dist="50800" dir="5400000" sx="1000" sy="1000" algn="ctr" rotWithShape="0">
+              <a:srgbClr val="000000">
+                <a:alpha val="17000"/>
+              </a:srgbClr>
+            </a:outerShdw>
+          </a:effectLst>
+        </p:spPr>
+      </p:pic>
+      <p:sp>
+        <p:nvSpPr>
+          <p:cNvPr id="2" name="Title 1"/>
+          <p:cNvSpPr>
+            <a:spLocks noGrp="1"/>
+          </p:cNvSpPr>
+          <p:nvPr>
+            <p:ph type="title"/>
+          </p:nvPr>
+        </p:nvSpPr>
+        <p:spPr>
+          <a:xfrm>
+            <a:off x="1600200" y="303371"/>
+            <a:ext cx="5105400" cy="1143000"/>
+          </a:xfrm>
+        </p:spPr>
+        <p:txBody>
+          <a:bodyPr/>
+          <a:lstStyle/>
+          <a:p>
+            <a:r>
+              <a:rPr lang="en-US" dirty="0" smtClean="0"/>
+              <a:t>Push the Limits</a:t>
+            </a:r>
+            <a:endParaRPr lang="en-US" dirty="0"/>
+          </a:p>
+        </p:txBody>
+      </p:sp>
+      <p:grpSp>
+        <p:nvGrpSpPr>
+          <p:cNvPr id="9" name="Group 8"/>
+          <p:cNvGrpSpPr/>
+          <p:nvPr/>
+        </p:nvGrpSpPr>
+        <p:grpSpPr>
+          <a:xfrm>
+            <a:off x="6286500" y="2857817"/>
+            <a:ext cx="2458801" cy="1777366"/>
+            <a:chOff x="6286500" y="2857817"/>
+            <a:chExt cx="2458801" cy="1777366"/>
+          </a:xfrm>
+        </p:grpSpPr>
+        <p:pic>
+          <p:nvPicPr>
+            <p:cNvPr id="4098" name="Picture 2" descr="http://flavorchemists.com/wp-content/uploads/2012/09/library_books.jpg"/>
+            <p:cNvPicPr>
+              <a:picLocks noChangeAspect="1" noChangeArrowheads="1"/>
+            </p:cNvPicPr>
+            <p:nvPr/>
+          </p:nvPicPr>
+          <p:blipFill>
+            <a:blip r:embed="rId5" cstate="print">
+              <a:extLst>
+                <a:ext uri="{28A0092B-C50C-407E-A947-70E740481C1C}">
+                  <a14:useLocalDpi xmlns:a14="http://schemas.microsoft.com/office/drawing/2010/main" val="0"/>
+                </a:ext>
+              </a:extLst>
+            </a:blip>
+            <a:srcRect/>
+            <a:stretch>
+              <a:fillRect/>
+            </a:stretch>
+          </p:blipFill>
+          <p:spPr bwMode="auto">
+            <a:xfrm>
+              <a:off x="6286500" y="2857817"/>
+              <a:ext cx="2247900" cy="1498600"/>
+            </a:xfrm>
+            <a:prstGeom prst="rect">
+              <a:avLst/>
+            </a:prstGeom>
+            <a:noFill/>
+            <a:effectLst>
+              <a:outerShdw blurRad="76200" dist="38100" dir="9180000" sx="112000" sy="112000" algn="tl" rotWithShape="0">
+                <a:prstClr val="black">
+                  <a:alpha val="40000"/>
+                </a:prstClr>
+              </a:outerShdw>
+            </a:effectLst>
+            <a:extLst>
+              <a:ext uri="{909E8E84-426E-40DD-AFC4-6F175D3DCCD1}">
+                <a14:hiddenFill xmlns:a14="http://schemas.microsoft.com/office/drawing/2010/main">
+                  <a:solidFill>
+                    <a:srgbClr val="FFFFFF"/>
+                  </a:solidFill>
+                </a14:hiddenFill>
+              </a:ext>
+            </a:extLst>
+          </p:spPr>
+        </p:pic>
+        <p:pic>
+          <p:nvPicPr>
+            <p:cNvPr id="4100" name="Picture 4" descr="http://nims11.files.wordpress.com/2011/09/mystica_usb_flash_drive.png"/>
+            <p:cNvPicPr>
+              <a:picLocks noChangeAspect="1" noChangeArrowheads="1"/>
+            </p:cNvPicPr>
+            <p:nvPr/>
+          </p:nvPicPr>
+          <p:blipFill>
+            <a:blip r:embed="rId6" cstate="print">
+              <a:extLst>
+                <a:ext uri="{28A0092B-C50C-407E-A947-70E740481C1C}">
+                  <a14:useLocalDpi xmlns:a14="http://schemas.microsoft.com/office/drawing/2010/main" val="0"/>
+                </a:ext>
+              </a:extLst>
+            </a:blip>
+            <a:srcRect/>
+            <a:stretch>
+              <a:fillRect/>
+            </a:stretch>
+          </p:blipFill>
+          <p:spPr bwMode="auto">
+            <a:xfrm>
+              <a:off x="7882335" y="3772217"/>
+              <a:ext cx="862966" cy="862966"/>
+            </a:xfrm>
+            <a:prstGeom prst="roundRect">
+              <a:avLst>
+                <a:gd name="adj" fmla="val 16667"/>
+              </a:avLst>
+            </a:prstGeom>
+            <a:ln>
+              <a:noFill/>
+            </a:ln>
+            <a:effectLst>
+              <a:outerShdw blurRad="152400" dist="12000" dir="900000" sy="98000" kx="110000" ky="200000" algn="tl" rotWithShape="0">
+                <a:srgbClr val="000000">
+                  <a:alpha val="30000"/>
+                </a:srgbClr>
+              </a:outerShdw>
+            </a:effectLst>
+            <a:scene3d>
+              <a:camera prst="perspectiveRelaxed">
+                <a:rot lat="19800000" lon="1200000" rev="20820000"/>
+              </a:camera>
+              <a:lightRig rig="threePt" dir="t"/>
+            </a:scene3d>
+            <a:sp3d contourW="6350" prstMaterial="matte">
+              <a:bevelT w="101600" h="101600"/>
+              <a:contourClr>
+                <a:srgbClr val="969696"/>
+              </a:contourClr>
+            </a:sp3d>
+            <a:extLst>
+              <a:ext uri="{909E8E84-426E-40DD-AFC4-6F175D3DCCD1}">
+                <a14:hiddenFill xmlns:a14="http://schemas.microsoft.com/office/drawing/2010/main">
+                  <a:solidFill>
+                    <a:srgbClr val="FFFFFF"/>
+                  </a:solidFill>
+                </a14:hiddenFill>
+              </a:ext>
+            </a:extLst>
+          </p:spPr>
+        </p:pic>
+      </p:grpSp>
+      <p:pic>
+        <p:nvPicPr>
+          <p:cNvPr id="4104" name="Picture 8" descr="http://hobohome.com/news/wp-content/uploads/2009/10/sinewave.gif"/>
+          <p:cNvPicPr>
+            <a:picLocks noChangeAspect="1" noChangeArrowheads="1"/>
+          </p:cNvPicPr>
+          <p:nvPr/>
+        </p:nvPicPr>
+        <p:blipFill>
+          <a:blip r:embed="rId7" cstate="print">
+            <a:extLst>
+              <a:ext uri="{28A0092B-C50C-407E-A947-70E740481C1C}">
+                <a14:useLocalDpi xmlns:a14="http://schemas.microsoft.com/office/drawing/2010/main" val="0"/>
+              </a:ext>
+            </a:extLst>
+          </a:blip>
+          <a:srcRect/>
+          <a:stretch>
+            <a:fillRect/>
+          </a:stretch>
+        </p:blipFill>
+        <p:spPr bwMode="auto">
+          <a:xfrm>
+            <a:off x="1905000" y="5788342"/>
+            <a:ext cx="1694829" cy="866776"/>
+          </a:xfrm>
+          <a:prstGeom prst="rect">
+            <a:avLst/>
+          </a:prstGeom>
+          <a:noFill/>
+          <a:extLst>
+            <a:ext uri="{909E8E84-426E-40DD-AFC4-6F175D3DCCD1}">
+              <a14:hiddenFill xmlns:a14="http://schemas.microsoft.com/office/drawing/2010/main">
+                <a:solidFill>
+                  <a:srgbClr val="FFFFFF"/>
+                </a:solidFill>
+              </a14:hiddenFill>
+            </a:ext>
+          </a:extLst>
+        </p:spPr>
+      </p:pic>
+      <p:sp>
+        <p:nvSpPr>
+          <p:cNvPr id="4" name="Rectangle 3"/>
+          <p:cNvSpPr/>
+          <p:nvPr/>
+        </p:nvSpPr>
+        <p:spPr>
+          <a:xfrm>
+            <a:off x="381000" y="5562600"/>
+            <a:ext cx="1122422" cy="830997"/>
+          </a:xfrm>
+          <a:prstGeom prst="rect">
+            <a:avLst/>
+          </a:prstGeom>
+          <a:noFill/>
+        </p:spPr>
+        <p:txBody>
+          <a:bodyPr wrap="none" lIns="91440" tIns="45720" rIns="91440" bIns="45720">
+            <a:spAutoFit/>
+          </a:bodyPr>
+          <a:lstStyle/>
+          <a:p>
+            <a:pPr algn="ctr"/>
+            <a:r>
+              <a:rPr lang="en-US" sz="4800" b="1" cap="none" spc="0" dirty="0" smtClean="0">
+                <a:ln w="1905"/>
+                <a:gradFill>
+                  <a:gsLst>
+                    <a:gs pos="0">
+                      <a:schemeClr val="accent6">
+                        <a:shade val="20000"/>
+                        <a:satMod val="200000"/>
+                      </a:schemeClr>
+                    </a:gs>
+                    <a:gs pos="78000">
+                      <a:schemeClr val="accent6">
+                        <a:tint val="90000"/>
+                        <a:shade val="89000"/>
+                        <a:satMod val="220000"/>
+                      </a:schemeClr>
+                    </a:gs>
+                    <a:gs pos="100000">
+                      <a:schemeClr val="accent6">
+                        <a:tint val="12000"/>
+                        <a:satMod val="255000"/>
+                      </a:schemeClr>
+                    </a:gs>
+                  </a:gsLst>
+                  <a:lin ang="5400000"/>
+                </a:gradFill>
+                <a:effectLst>
+                  <a:innerShdw blurRad="69850" dist="43180" dir="5400000">
+                    <a:srgbClr val="000000">
+                      <a:alpha val="65000"/>
+                    </a:srgbClr>
+                  </a:innerShdw>
+                </a:effectLst>
+              </a:rPr>
+              <a:t>123</a:t>
+            </a:r>
+            <a:endParaRPr lang="en-US" sz="4800" b="1" cap="none" spc="0" dirty="0">
+              <a:ln w="1905"/>
+              <a:gradFill>
+                <a:gsLst>
+                  <a:gs pos="0">
+                    <a:schemeClr val="accent6">
+                      <a:shade val="20000"/>
+                      <a:satMod val="200000"/>
+                    </a:schemeClr>
+                  </a:gs>
+                  <a:gs pos="78000">
+                    <a:schemeClr val="accent6">
+                      <a:tint val="90000"/>
+                      <a:shade val="89000"/>
+                      <a:satMod val="220000"/>
+                    </a:schemeClr>
+                  </a:gs>
+                  <a:gs pos="100000">
+                    <a:schemeClr val="accent6">
+                      <a:tint val="12000"/>
+                      <a:satMod val="255000"/>
+                    </a:schemeClr>
+                  </a:gs>
+                </a:gsLst>
+                <a:lin ang="5400000"/>
+              </a:gradFill>
+              <a:effectLst>
+                <a:innerShdw blurRad="69850" dist="43180" dir="5400000">
+                  <a:srgbClr val="000000">
+                    <a:alpha val="65000"/>
+                  </a:srgbClr>
+                </a:innerShdw>
+              </a:effectLst>
+            </a:endParaRPr>
+          </a:p>
+        </p:txBody>
+      </p:sp>
+      <p:sp>
+        <p:nvSpPr>
+          <p:cNvPr id="5" name="Rectangle 4"/>
+          <p:cNvSpPr/>
+          <p:nvPr/>
+        </p:nvSpPr>
+        <p:spPr>
+          <a:xfrm>
+            <a:off x="4114800" y="5884664"/>
+            <a:ext cx="1002197" cy="830997"/>
+          </a:xfrm>
+          <a:prstGeom prst="rect">
+            <a:avLst/>
+          </a:prstGeom>
+          <a:noFill/>
+        </p:spPr>
+        <p:txBody>
+          <a:bodyPr wrap="none" lIns="91440" tIns="45720" rIns="91440" bIns="45720">
+            <a:spAutoFit/>
+            <a:scene3d>
+              <a:camera prst="orthographicFront"/>
+              <a:lightRig rig="flat" dir="tl">
+                <a:rot lat="0" lon="0" rev="6600000"/>
+              </a:lightRig>
+            </a:scene3d>
+            <a:sp3d extrusionH="25400" contourW="8890">
+              <a:bevelT w="38100" h="31750"/>
+              <a:contourClr>
+                <a:schemeClr val="accent2">
+                  <a:shade val="75000"/>
+                </a:schemeClr>
+              </a:contourClr>
+            </a:sp3d>
+          </a:bodyPr>
+          <a:lstStyle/>
+          <a:p>
+            <a:pPr algn="ctr"/>
+            <a:r>
+              <a:rPr lang="en-US" sz="4800" b="1" i="1" cap="none" spc="0" dirty="0" smtClean="0">
+                <a:ln w="11430"/>
+                <a:gradFill>
+                  <a:gsLst>
+                    <a:gs pos="0">
+                      <a:schemeClr val="accent2">
+                        <a:tint val="70000"/>
+                        <a:satMod val="245000"/>
+                      </a:schemeClr>
+                    </a:gs>
+                    <a:gs pos="75000">
+                      <a:schemeClr val="accent2">
+                        <a:tint val="90000"/>
+                        <a:shade val="60000"/>
+                        <a:satMod val="240000"/>
+                      </a:schemeClr>
+                    </a:gs>
+                    <a:gs pos="100000">
+                      <a:schemeClr val="accent2">
+                        <a:tint val="100000"/>
+                        <a:shade val="50000"/>
+                        <a:satMod val="240000"/>
+                      </a:schemeClr>
+                    </a:gs>
+                  </a:gsLst>
+                  <a:lin ang="5400000"/>
+                </a:gradFill>
+                <a:effectLst>
+                  <a:outerShdw blurRad="50800" dist="39000" dir="5460000" algn="tl">
+                    <a:srgbClr val="000000">
+                      <a:alpha val="38000"/>
+                    </a:srgbClr>
+                  </a:outerShdw>
+                </a:effectLst>
+              </a:rPr>
+              <a:t>xyz</a:t>
+            </a:r>
+            <a:endParaRPr lang="en-US" sz="4800" b="1" i="1" cap="none" spc="0" dirty="0">
+              <a:ln w="11430"/>
+              <a:gradFill>
+                <a:gsLst>
+                  <a:gs pos="0">
+                    <a:schemeClr val="accent2">
+                      <a:tint val="70000"/>
+                      <a:satMod val="245000"/>
+                    </a:schemeClr>
+                  </a:gs>
+                  <a:gs pos="75000">
+                    <a:schemeClr val="accent2">
+                      <a:tint val="90000"/>
+                      <a:shade val="60000"/>
+                      <a:satMod val="240000"/>
+                    </a:schemeClr>
+                  </a:gs>
+                  <a:gs pos="100000">
+                    <a:schemeClr val="accent2">
+                      <a:tint val="100000"/>
+                      <a:shade val="50000"/>
+                      <a:satMod val="240000"/>
+                    </a:schemeClr>
+                  </a:gs>
+                </a:gsLst>
+                <a:lin ang="5400000"/>
+              </a:gradFill>
+              <a:effectLst>
+                <a:outerShdw blurRad="50800" dist="39000" dir="5460000" algn="tl">
+                  <a:srgbClr val="000000">
+                    <a:alpha val="38000"/>
+                  </a:srgbClr>
+                </a:outerShdw>
+              </a:effectLst>
+            </a:endParaRPr>
+          </a:p>
+        </p:txBody>
+      </p:sp>
+      <p:pic>
+        <p:nvPicPr>
+          <p:cNvPr id="4106" name="Picture 10" descr="http://hyperphysics.phy-astr.gsu.edu/hbase/electric/imgele/gaulaw2.gif"/>
+          <p:cNvPicPr>
+            <a:picLocks noChangeAspect="1" noChangeArrowheads="1"/>
+          </p:cNvPicPr>
+          <p:nvPr/>
+        </p:nvPicPr>
+        <p:blipFill>
+          <a:blip r:embed="rId8">
+            <a:extLst>
+              <a:ext uri="{28A0092B-C50C-407E-A947-70E740481C1C}">
+                <a14:useLocalDpi xmlns:a14="http://schemas.microsoft.com/office/drawing/2010/main" val="0"/>
+              </a:ext>
+            </a:extLst>
+          </a:blip>
+          <a:srcRect/>
+          <a:stretch>
+            <a:fillRect/>
+          </a:stretch>
+        </p:blipFill>
+        <p:spPr bwMode="auto">
+          <a:xfrm>
+            <a:off x="7270954" y="4897521"/>
+            <a:ext cx="1657039" cy="1769509"/>
+          </a:xfrm>
+          <a:prstGeom prst="rect">
+            <a:avLst/>
+          </a:prstGeom>
+          <a:noFill/>
+          <a:extLst>
+            <a:ext uri="{909E8E84-426E-40DD-AFC4-6F175D3DCCD1}">
+              <a14:hiddenFill xmlns:a14="http://schemas.microsoft.com/office/drawing/2010/main">
+                <a:solidFill>
+                  <a:srgbClr val="FFFFFF"/>
+                </a:solidFill>
+              </a14:hiddenFill>
+            </a:ext>
+          </a:extLst>
+        </p:spPr>
+      </p:pic>
+      <p:pic>
+        <p:nvPicPr>
+          <p:cNvPr id="6" name="Picture 5"/>
+          <p:cNvPicPr>
+            <a:picLocks noChangeAspect="1"/>
+          </p:cNvPicPr>
+          <p:nvPr/>
+        </p:nvPicPr>
+        <p:blipFill>
+          <a:blip r:embed="rId9" cstate="print">
+            <a:extLst>
+              <a:ext uri="{28A0092B-C50C-407E-A947-70E740481C1C}">
+                <a14:useLocalDpi xmlns:a14="http://schemas.microsoft.com/office/drawing/2010/main" val="0"/>
+              </a:ext>
+            </a:extLst>
+          </a:blip>
+          <a:stretch>
+            <a:fillRect/>
+          </a:stretch>
+        </p:blipFill>
+        <p:spPr>
+          <a:xfrm>
+            <a:off x="5996990" y="271299"/>
+            <a:ext cx="1035684" cy="1469082"/>
+          </a:xfrm>
+          <a:prstGeom prst="rect">
+            <a:avLst/>
+          </a:prstGeom>
+          <a:effectLst>
+            <a:glow rad="228600">
+              <a:schemeClr val="accent1">
+                <a:satMod val="175000"/>
+                <a:alpha val="40000"/>
+              </a:schemeClr>
+            </a:glow>
+            <a:softEdge rad="31750"/>
+          </a:effectLst>
+        </p:spPr>
+      </p:pic>
+      <p:pic>
+        <p:nvPicPr>
+          <p:cNvPr id="7" name="Picture 6"/>
+          <p:cNvPicPr>
+            <a:picLocks noChangeAspect="1"/>
+          </p:cNvPicPr>
+          <p:nvPr/>
+        </p:nvPicPr>
+        <p:blipFill>
+          <a:blip r:embed="rId10">
+            <a:extLst>
+              <a:ext uri="{28A0092B-C50C-407E-A947-70E740481C1C}">
+                <a14:useLocalDpi xmlns:a14="http://schemas.microsoft.com/office/drawing/2010/main" val="0"/>
+              </a:ext>
+            </a:extLst>
+          </a:blip>
+          <a:stretch>
+            <a:fillRect/>
+          </a:stretch>
+        </p:blipFill>
+        <p:spPr>
+          <a:xfrm>
+            <a:off x="381000" y="152400"/>
+            <a:ext cx="1951132" cy="1444942"/>
+          </a:xfrm>
+          <a:prstGeom prst="rect">
+            <a:avLst/>
+          </a:prstGeom>
+          <a:effectLst>
+            <a:softEdge rad="127000"/>
+          </a:effectLst>
+        </p:spPr>
+      </p:pic>
+      <p:pic>
+        <p:nvPicPr>
+          <p:cNvPr id="1026" name="Picture 2" descr="http://awesomelyluvvie.com/wp-content/uploads/2012/03/standing-on-the-shoulders-of-giants.jpg"/>
+          <p:cNvPicPr>
+            <a:picLocks noChangeAspect="1" noChangeArrowheads="1"/>
+          </p:cNvPicPr>
+          <p:nvPr/>
+        </p:nvPicPr>
+        <p:blipFill>
+          <a:blip r:embed="rId11" cstate="print">
+            <a:extLst>
+              <a:ext uri="{28A0092B-C50C-407E-A947-70E740481C1C}">
+                <a14:useLocalDpi xmlns:a14="http://schemas.microsoft.com/office/drawing/2010/main" val="0"/>
+              </a:ext>
+            </a:extLst>
+          </a:blip>
+          <a:srcRect/>
+          <a:stretch>
+            <a:fillRect/>
+          </a:stretch>
+        </p:blipFill>
+        <p:spPr bwMode="auto">
+          <a:xfrm>
+            <a:off x="5486401" y="4712800"/>
+            <a:ext cx="1450858" cy="1954230"/>
+          </a:xfrm>
+          <a:prstGeom prst="rect">
+            <a:avLst/>
+          </a:prstGeom>
+          <a:noFill/>
+          <a:extLst>
+            <a:ext uri="{909E8E84-426E-40DD-AFC4-6F175D3DCCD1}">
+              <a14:hiddenFill xmlns:a14="http://schemas.microsoft.com/office/drawing/2010/main">
+                <a:solidFill>
+                  <a:srgbClr val="FFFFFF"/>
+                </a:solidFill>
+              </a14:hiddenFill>
+            </a:ext>
+          </a:extLst>
+        </p:spPr>
+      </p:pic>
     </p:spTree>
     <p:extLst>
       <p:ext uri="{BB962C8B-B14F-4D97-AF65-F5344CB8AC3E}">
@@ -14347,14 +16379,773 @@
   <p:timing>
     <p:tnLst>
       <p:par>
-        <p:cTn id="1" dur="indefinite" restart="never" nodeType="tmRoot"/>
+        <p:cTn id="1" dur="indefinite" restart="never" nodeType="tmRoot">
+          <p:childTnLst>
+            <p:seq concurrent="1" nextAc="seek">
+              <p:cTn id="2" dur="indefinite" nodeType="mainSeq">
+                <p:childTnLst>
+                  <p:par>
+                    <p:cTn id="3" fill="hold">
+                      <p:stCondLst>
+                        <p:cond delay="indefinite"/>
+                      </p:stCondLst>
+                      <p:childTnLst>
+                        <p:par>
+                          <p:cTn id="4" fill="hold">
+                            <p:stCondLst>
+                              <p:cond delay="0"/>
+                            </p:stCondLst>
+                            <p:childTnLst>
+                              <p:par>
+                                <p:cTn id="5" presetID="10" presetClass="entr" presetSubtype="0" fill="hold" grpId="0" nodeType="clickEffect">
+                                  <p:stCondLst>
+                                    <p:cond delay="0"/>
+                                  </p:stCondLst>
+                                  <p:childTnLst>
+                                    <p:set>
+                                      <p:cBhvr>
+                                        <p:cTn id="6" dur="1" fill="hold">
+                                          <p:stCondLst>
+                                            <p:cond delay="0"/>
+                                          </p:stCondLst>
+                                        </p:cTn>
+                                        <p:tgtEl>
+                                          <p:spTgt spid="3">
+                                            <p:txEl>
+                                              <p:pRg st="0" end="0"/>
+                                            </p:txEl>
+                                          </p:spTgt>
+                                        </p:tgtEl>
+                                        <p:attrNameLst>
+                                          <p:attrName>style.visibility</p:attrName>
+                                        </p:attrNameLst>
+                                      </p:cBhvr>
+                                      <p:to>
+                                        <p:strVal val="visible"/>
+                                      </p:to>
+                                    </p:set>
+                                    <p:animEffect transition="in" filter="fade">
+                                      <p:cBhvr>
+                                        <p:cTn id="7" dur="500"/>
+                                        <p:tgtEl>
+                                          <p:spTgt spid="3">
+                                            <p:txEl>
+                                              <p:pRg st="0" end="0"/>
+                                            </p:txEl>
+                                          </p:spTgt>
+                                        </p:tgtEl>
+                                      </p:cBhvr>
+                                    </p:animEffect>
+                                  </p:childTnLst>
+                                </p:cTn>
+                              </p:par>
+                              <p:par>
+                                <p:cTn id="8" presetID="10" presetClass="entr" presetSubtype="0" fill="hold" grpId="0" nodeType="withEffect">
+                                  <p:stCondLst>
+                                    <p:cond delay="0"/>
+                                  </p:stCondLst>
+                                  <p:childTnLst>
+                                    <p:set>
+                                      <p:cBhvr>
+                                        <p:cTn id="9" dur="1" fill="hold">
+                                          <p:stCondLst>
+                                            <p:cond delay="0"/>
+                                          </p:stCondLst>
+                                        </p:cTn>
+                                        <p:tgtEl>
+                                          <p:spTgt spid="3">
+                                            <p:txEl>
+                                              <p:pRg st="1" end="1"/>
+                                            </p:txEl>
+                                          </p:spTgt>
+                                        </p:tgtEl>
+                                        <p:attrNameLst>
+                                          <p:attrName>style.visibility</p:attrName>
+                                        </p:attrNameLst>
+                                      </p:cBhvr>
+                                      <p:to>
+                                        <p:strVal val="visible"/>
+                                      </p:to>
+                                    </p:set>
+                                    <p:animEffect transition="in" filter="fade">
+                                      <p:cBhvr>
+                                        <p:cTn id="10" dur="500"/>
+                                        <p:tgtEl>
+                                          <p:spTgt spid="3">
+                                            <p:txEl>
+                                              <p:pRg st="1" end="1"/>
+                                            </p:txEl>
+                                          </p:spTgt>
+                                        </p:tgtEl>
+                                      </p:cBhvr>
+                                    </p:animEffect>
+                                  </p:childTnLst>
+                                </p:cTn>
+                              </p:par>
+                              <p:par>
+                                <p:cTn id="11" presetID="10" presetClass="entr" presetSubtype="0" fill="hold" nodeType="withEffect">
+                                  <p:stCondLst>
+                                    <p:cond delay="0"/>
+                                  </p:stCondLst>
+                                  <p:childTnLst>
+                                    <p:set>
+                                      <p:cBhvr>
+                                        <p:cTn id="12" dur="1" fill="hold">
+                                          <p:stCondLst>
+                                            <p:cond delay="0"/>
+                                          </p:stCondLst>
+                                        </p:cTn>
+                                        <p:tgtEl>
+                                          <p:spTgt spid="7"/>
+                                        </p:tgtEl>
+                                        <p:attrNameLst>
+                                          <p:attrName>style.visibility</p:attrName>
+                                        </p:attrNameLst>
+                                      </p:cBhvr>
+                                      <p:to>
+                                        <p:strVal val="visible"/>
+                                      </p:to>
+                                    </p:set>
+                                    <p:animEffect transition="in" filter="fade">
+                                      <p:cBhvr>
+                                        <p:cTn id="13" dur="500"/>
+                                        <p:tgtEl>
+                                          <p:spTgt spid="7"/>
+                                        </p:tgtEl>
+                                      </p:cBhvr>
+                                    </p:animEffect>
+                                  </p:childTnLst>
+                                </p:cTn>
+                              </p:par>
+                              <p:par>
+                                <p:cTn id="14" presetID="10" presetClass="entr" presetSubtype="0" fill="hold" nodeType="withEffect">
+                                  <p:stCondLst>
+                                    <p:cond delay="0"/>
+                                  </p:stCondLst>
+                                  <p:childTnLst>
+                                    <p:set>
+                                      <p:cBhvr>
+                                        <p:cTn id="15" dur="1" fill="hold">
+                                          <p:stCondLst>
+                                            <p:cond delay="0"/>
+                                          </p:stCondLst>
+                                        </p:cTn>
+                                        <p:tgtEl>
+                                          <p:spTgt spid="6"/>
+                                        </p:tgtEl>
+                                        <p:attrNameLst>
+                                          <p:attrName>style.visibility</p:attrName>
+                                        </p:attrNameLst>
+                                      </p:cBhvr>
+                                      <p:to>
+                                        <p:strVal val="visible"/>
+                                      </p:to>
+                                    </p:set>
+                                    <p:animEffect transition="in" filter="fade">
+                                      <p:cBhvr>
+                                        <p:cTn id="16" dur="500"/>
+                                        <p:tgtEl>
+                                          <p:spTgt spid="6"/>
+                                        </p:tgtEl>
+                                      </p:cBhvr>
+                                    </p:animEffect>
+                                  </p:childTnLst>
+                                </p:cTn>
+                              </p:par>
+                              <p:par>
+                                <p:cTn id="17" presetID="10" presetClass="entr" presetSubtype="0" fill="hold" nodeType="withEffect">
+                                  <p:stCondLst>
+                                    <p:cond delay="0"/>
+                                  </p:stCondLst>
+                                  <p:childTnLst>
+                                    <p:set>
+                                      <p:cBhvr>
+                                        <p:cTn id="18" dur="1" fill="hold">
+                                          <p:stCondLst>
+                                            <p:cond delay="0"/>
+                                          </p:stCondLst>
+                                        </p:cTn>
+                                        <p:tgtEl>
+                                          <p:spTgt spid="8"/>
+                                        </p:tgtEl>
+                                        <p:attrNameLst>
+                                          <p:attrName>style.visibility</p:attrName>
+                                        </p:attrNameLst>
+                                      </p:cBhvr>
+                                      <p:to>
+                                        <p:strVal val="visible"/>
+                                      </p:to>
+                                    </p:set>
+                                    <p:animEffect transition="in" filter="fade">
+                                      <p:cBhvr>
+                                        <p:cTn id="19" dur="500"/>
+                                        <p:tgtEl>
+                                          <p:spTgt spid="8"/>
+                                        </p:tgtEl>
+                                      </p:cBhvr>
+                                    </p:animEffect>
+                                  </p:childTnLst>
+                                </p:cTn>
+                              </p:par>
+                            </p:childTnLst>
+                          </p:cTn>
+                        </p:par>
+                      </p:childTnLst>
+                    </p:cTn>
+                  </p:par>
+                  <p:par>
+                    <p:cTn id="20" fill="hold">
+                      <p:stCondLst>
+                        <p:cond delay="indefinite"/>
+                      </p:stCondLst>
+                      <p:childTnLst>
+                        <p:par>
+                          <p:cTn id="21" fill="hold">
+                            <p:stCondLst>
+                              <p:cond delay="0"/>
+                            </p:stCondLst>
+                            <p:childTnLst>
+                              <p:par>
+                                <p:cTn id="22" presetID="10" presetClass="entr" presetSubtype="0" fill="hold" grpId="0" nodeType="clickEffect">
+                                  <p:stCondLst>
+                                    <p:cond delay="0"/>
+                                  </p:stCondLst>
+                                  <p:childTnLst>
+                                    <p:set>
+                                      <p:cBhvr>
+                                        <p:cTn id="23" dur="1" fill="hold">
+                                          <p:stCondLst>
+                                            <p:cond delay="0"/>
+                                          </p:stCondLst>
+                                        </p:cTn>
+                                        <p:tgtEl>
+                                          <p:spTgt spid="3">
+                                            <p:txEl>
+                                              <p:pRg st="2" end="2"/>
+                                            </p:txEl>
+                                          </p:spTgt>
+                                        </p:tgtEl>
+                                        <p:attrNameLst>
+                                          <p:attrName>style.visibility</p:attrName>
+                                        </p:attrNameLst>
+                                      </p:cBhvr>
+                                      <p:to>
+                                        <p:strVal val="visible"/>
+                                      </p:to>
+                                    </p:set>
+                                    <p:animEffect transition="in" filter="fade">
+                                      <p:cBhvr>
+                                        <p:cTn id="24" dur="500"/>
+                                        <p:tgtEl>
+                                          <p:spTgt spid="3">
+                                            <p:txEl>
+                                              <p:pRg st="2" end="2"/>
+                                            </p:txEl>
+                                          </p:spTgt>
+                                        </p:tgtEl>
+                                      </p:cBhvr>
+                                    </p:animEffect>
+                                  </p:childTnLst>
+                                </p:cTn>
+                              </p:par>
+                              <p:par>
+                                <p:cTn id="25" presetID="10" presetClass="entr" presetSubtype="0" fill="hold" grpId="0" nodeType="withEffect">
+                                  <p:stCondLst>
+                                    <p:cond delay="0"/>
+                                  </p:stCondLst>
+                                  <p:childTnLst>
+                                    <p:set>
+                                      <p:cBhvr>
+                                        <p:cTn id="26" dur="1" fill="hold">
+                                          <p:stCondLst>
+                                            <p:cond delay="0"/>
+                                          </p:stCondLst>
+                                        </p:cTn>
+                                        <p:tgtEl>
+                                          <p:spTgt spid="3">
+                                            <p:txEl>
+                                              <p:pRg st="3" end="3"/>
+                                            </p:txEl>
+                                          </p:spTgt>
+                                        </p:tgtEl>
+                                        <p:attrNameLst>
+                                          <p:attrName>style.visibility</p:attrName>
+                                        </p:attrNameLst>
+                                      </p:cBhvr>
+                                      <p:to>
+                                        <p:strVal val="visible"/>
+                                      </p:to>
+                                    </p:set>
+                                    <p:animEffect transition="in" filter="fade">
+                                      <p:cBhvr>
+                                        <p:cTn id="27" dur="500"/>
+                                        <p:tgtEl>
+                                          <p:spTgt spid="3">
+                                            <p:txEl>
+                                              <p:pRg st="3" end="3"/>
+                                            </p:txEl>
+                                          </p:spTgt>
+                                        </p:tgtEl>
+                                      </p:cBhvr>
+                                    </p:animEffect>
+                                  </p:childTnLst>
+                                </p:cTn>
+                              </p:par>
+                              <p:par>
+                                <p:cTn id="28" presetID="10" presetClass="entr" presetSubtype="0" fill="hold" nodeType="withEffect">
+                                  <p:stCondLst>
+                                    <p:cond delay="0"/>
+                                  </p:stCondLst>
+                                  <p:childTnLst>
+                                    <p:set>
+                                      <p:cBhvr>
+                                        <p:cTn id="29" dur="1" fill="hold">
+                                          <p:stCondLst>
+                                            <p:cond delay="0"/>
+                                          </p:stCondLst>
+                                        </p:cTn>
+                                        <p:tgtEl>
+                                          <p:spTgt spid="9"/>
+                                        </p:tgtEl>
+                                        <p:attrNameLst>
+                                          <p:attrName>style.visibility</p:attrName>
+                                        </p:attrNameLst>
+                                      </p:cBhvr>
+                                      <p:to>
+                                        <p:strVal val="visible"/>
+                                      </p:to>
+                                    </p:set>
+                                    <p:animEffect transition="in" filter="fade">
+                                      <p:cBhvr>
+                                        <p:cTn id="30" dur="500"/>
+                                        <p:tgtEl>
+                                          <p:spTgt spid="9"/>
+                                        </p:tgtEl>
+                                      </p:cBhvr>
+                                    </p:animEffect>
+                                  </p:childTnLst>
+                                </p:cTn>
+                              </p:par>
+                            </p:childTnLst>
+                          </p:cTn>
+                        </p:par>
+                      </p:childTnLst>
+                    </p:cTn>
+                  </p:par>
+                  <p:par>
+                    <p:cTn id="31" fill="hold">
+                      <p:stCondLst>
+                        <p:cond delay="indefinite"/>
+                      </p:stCondLst>
+                      <p:childTnLst>
+                        <p:par>
+                          <p:cTn id="32" fill="hold">
+                            <p:stCondLst>
+                              <p:cond delay="0"/>
+                            </p:stCondLst>
+                            <p:childTnLst>
+                              <p:par>
+                                <p:cTn id="33" presetID="10" presetClass="entr" presetSubtype="0" fill="hold" grpId="0" nodeType="clickEffect">
+                                  <p:stCondLst>
+                                    <p:cond delay="0"/>
+                                  </p:stCondLst>
+                                  <p:childTnLst>
+                                    <p:set>
+                                      <p:cBhvr>
+                                        <p:cTn id="34" dur="1" fill="hold">
+                                          <p:stCondLst>
+                                            <p:cond delay="0"/>
+                                          </p:stCondLst>
+                                        </p:cTn>
+                                        <p:tgtEl>
+                                          <p:spTgt spid="3">
+                                            <p:txEl>
+                                              <p:pRg st="4" end="4"/>
+                                            </p:txEl>
+                                          </p:spTgt>
+                                        </p:tgtEl>
+                                        <p:attrNameLst>
+                                          <p:attrName>style.visibility</p:attrName>
+                                        </p:attrNameLst>
+                                      </p:cBhvr>
+                                      <p:to>
+                                        <p:strVal val="visible"/>
+                                      </p:to>
+                                    </p:set>
+                                    <p:animEffect transition="in" filter="fade">
+                                      <p:cBhvr>
+                                        <p:cTn id="35" dur="500"/>
+                                        <p:tgtEl>
+                                          <p:spTgt spid="3">
+                                            <p:txEl>
+                                              <p:pRg st="4" end="4"/>
+                                            </p:txEl>
+                                          </p:spTgt>
+                                        </p:tgtEl>
+                                      </p:cBhvr>
+                                    </p:animEffect>
+                                  </p:childTnLst>
+                                </p:cTn>
+                              </p:par>
+                              <p:par>
+                                <p:cTn id="36" presetID="10" presetClass="entr" presetSubtype="0" fill="hold" grpId="0" nodeType="withEffect">
+                                  <p:stCondLst>
+                                    <p:cond delay="0"/>
+                                  </p:stCondLst>
+                                  <p:childTnLst>
+                                    <p:set>
+                                      <p:cBhvr>
+                                        <p:cTn id="37" dur="1" fill="hold">
+                                          <p:stCondLst>
+                                            <p:cond delay="0"/>
+                                          </p:stCondLst>
+                                        </p:cTn>
+                                        <p:tgtEl>
+                                          <p:spTgt spid="3">
+                                            <p:txEl>
+                                              <p:pRg st="5" end="5"/>
+                                            </p:txEl>
+                                          </p:spTgt>
+                                        </p:tgtEl>
+                                        <p:attrNameLst>
+                                          <p:attrName>style.visibility</p:attrName>
+                                        </p:attrNameLst>
+                                      </p:cBhvr>
+                                      <p:to>
+                                        <p:strVal val="visible"/>
+                                      </p:to>
+                                    </p:set>
+                                    <p:animEffect transition="in" filter="fade">
+                                      <p:cBhvr>
+                                        <p:cTn id="38" dur="500"/>
+                                        <p:tgtEl>
+                                          <p:spTgt spid="3">
+                                            <p:txEl>
+                                              <p:pRg st="5" end="5"/>
+                                            </p:txEl>
+                                          </p:spTgt>
+                                        </p:tgtEl>
+                                      </p:cBhvr>
+                                    </p:animEffect>
+                                  </p:childTnLst>
+                                </p:cTn>
+                              </p:par>
+                              <p:par>
+                                <p:cTn id="39" presetID="10" presetClass="entr" presetSubtype="0" fill="hold" grpId="0" nodeType="withEffect">
+                                  <p:stCondLst>
+                                    <p:cond delay="0"/>
+                                  </p:stCondLst>
+                                  <p:childTnLst>
+                                    <p:set>
+                                      <p:cBhvr>
+                                        <p:cTn id="40" dur="1" fill="hold">
+                                          <p:stCondLst>
+                                            <p:cond delay="0"/>
+                                          </p:stCondLst>
+                                        </p:cTn>
+                                        <p:tgtEl>
+                                          <p:spTgt spid="3">
+                                            <p:txEl>
+                                              <p:pRg st="6" end="6"/>
+                                            </p:txEl>
+                                          </p:spTgt>
+                                        </p:tgtEl>
+                                        <p:attrNameLst>
+                                          <p:attrName>style.visibility</p:attrName>
+                                        </p:attrNameLst>
+                                      </p:cBhvr>
+                                      <p:to>
+                                        <p:strVal val="visible"/>
+                                      </p:to>
+                                    </p:set>
+                                    <p:animEffect transition="in" filter="fade">
+                                      <p:cBhvr>
+                                        <p:cTn id="41" dur="500"/>
+                                        <p:tgtEl>
+                                          <p:spTgt spid="3">
+                                            <p:txEl>
+                                              <p:pRg st="6" end="6"/>
+                                            </p:txEl>
+                                          </p:spTgt>
+                                        </p:tgtEl>
+                                      </p:cBhvr>
+                                    </p:animEffect>
+                                  </p:childTnLst>
+                                </p:cTn>
+                              </p:par>
+                              <p:par>
+                                <p:cTn id="42" presetID="10" presetClass="entr" presetSubtype="0" fill="hold" grpId="0" nodeType="withEffect">
+                                  <p:stCondLst>
+                                    <p:cond delay="0"/>
+                                  </p:stCondLst>
+                                  <p:childTnLst>
+                                    <p:set>
+                                      <p:cBhvr>
+                                        <p:cTn id="43" dur="1" fill="hold">
+                                          <p:stCondLst>
+                                            <p:cond delay="0"/>
+                                          </p:stCondLst>
+                                        </p:cTn>
+                                        <p:tgtEl>
+                                          <p:spTgt spid="5"/>
+                                        </p:tgtEl>
+                                        <p:attrNameLst>
+                                          <p:attrName>style.visibility</p:attrName>
+                                        </p:attrNameLst>
+                                      </p:cBhvr>
+                                      <p:to>
+                                        <p:strVal val="visible"/>
+                                      </p:to>
+                                    </p:set>
+                                    <p:animEffect transition="in" filter="fade">
+                                      <p:cBhvr>
+                                        <p:cTn id="44" dur="500"/>
+                                        <p:tgtEl>
+                                          <p:spTgt spid="5"/>
+                                        </p:tgtEl>
+                                      </p:cBhvr>
+                                    </p:animEffect>
+                                  </p:childTnLst>
+                                </p:cTn>
+                              </p:par>
+                              <p:par>
+                                <p:cTn id="45" presetID="10" presetClass="entr" presetSubtype="0" fill="hold" nodeType="withEffect">
+                                  <p:stCondLst>
+                                    <p:cond delay="0"/>
+                                  </p:stCondLst>
+                                  <p:childTnLst>
+                                    <p:set>
+                                      <p:cBhvr>
+                                        <p:cTn id="46" dur="1" fill="hold">
+                                          <p:stCondLst>
+                                            <p:cond delay="0"/>
+                                          </p:stCondLst>
+                                        </p:cTn>
+                                        <p:tgtEl>
+                                          <p:spTgt spid="4104"/>
+                                        </p:tgtEl>
+                                        <p:attrNameLst>
+                                          <p:attrName>style.visibility</p:attrName>
+                                        </p:attrNameLst>
+                                      </p:cBhvr>
+                                      <p:to>
+                                        <p:strVal val="visible"/>
+                                      </p:to>
+                                    </p:set>
+                                    <p:animEffect transition="in" filter="fade">
+                                      <p:cBhvr>
+                                        <p:cTn id="47" dur="500"/>
+                                        <p:tgtEl>
+                                          <p:spTgt spid="4104"/>
+                                        </p:tgtEl>
+                                      </p:cBhvr>
+                                    </p:animEffect>
+                                  </p:childTnLst>
+                                </p:cTn>
+                              </p:par>
+                              <p:par>
+                                <p:cTn id="48" presetID="10" presetClass="entr" presetSubtype="0" fill="hold" grpId="0" nodeType="withEffect">
+                                  <p:stCondLst>
+                                    <p:cond delay="0"/>
+                                  </p:stCondLst>
+                                  <p:childTnLst>
+                                    <p:set>
+                                      <p:cBhvr>
+                                        <p:cTn id="49" dur="1" fill="hold">
+                                          <p:stCondLst>
+                                            <p:cond delay="0"/>
+                                          </p:stCondLst>
+                                        </p:cTn>
+                                        <p:tgtEl>
+                                          <p:spTgt spid="4"/>
+                                        </p:tgtEl>
+                                        <p:attrNameLst>
+                                          <p:attrName>style.visibility</p:attrName>
+                                        </p:attrNameLst>
+                                      </p:cBhvr>
+                                      <p:to>
+                                        <p:strVal val="visible"/>
+                                      </p:to>
+                                    </p:set>
+                                    <p:animEffect transition="in" filter="fade">
+                                      <p:cBhvr>
+                                        <p:cTn id="50" dur="500"/>
+                                        <p:tgtEl>
+                                          <p:spTgt spid="4"/>
+                                        </p:tgtEl>
+                                      </p:cBhvr>
+                                    </p:animEffect>
+                                  </p:childTnLst>
+                                </p:cTn>
+                              </p:par>
+                              <p:par>
+                                <p:cTn id="51" presetID="10" presetClass="entr" presetSubtype="0" fill="hold" nodeType="withEffect">
+                                  <p:stCondLst>
+                                    <p:cond delay="0"/>
+                                  </p:stCondLst>
+                                  <p:childTnLst>
+                                    <p:set>
+                                      <p:cBhvr>
+                                        <p:cTn id="52" dur="1" fill="hold">
+                                          <p:stCondLst>
+                                            <p:cond delay="0"/>
+                                          </p:stCondLst>
+                                        </p:cTn>
+                                        <p:tgtEl>
+                                          <p:spTgt spid="4106"/>
+                                        </p:tgtEl>
+                                        <p:attrNameLst>
+                                          <p:attrName>style.visibility</p:attrName>
+                                        </p:attrNameLst>
+                                      </p:cBhvr>
+                                      <p:to>
+                                        <p:strVal val="visible"/>
+                                      </p:to>
+                                    </p:set>
+                                    <p:animEffect transition="in" filter="fade">
+                                      <p:cBhvr>
+                                        <p:cTn id="53" dur="500"/>
+                                        <p:tgtEl>
+                                          <p:spTgt spid="4106"/>
+                                        </p:tgtEl>
+                                      </p:cBhvr>
+                                    </p:animEffect>
+                                  </p:childTnLst>
+                                </p:cTn>
+                              </p:par>
+                            </p:childTnLst>
+                          </p:cTn>
+                        </p:par>
+                      </p:childTnLst>
+                    </p:cTn>
+                  </p:par>
+                  <p:par>
+                    <p:cTn id="54" fill="hold">
+                      <p:stCondLst>
+                        <p:cond delay="indefinite"/>
+                      </p:stCondLst>
+                      <p:childTnLst>
+                        <p:par>
+                          <p:cTn id="55" fill="hold">
+                            <p:stCondLst>
+                              <p:cond delay="0"/>
+                            </p:stCondLst>
+                            <p:childTnLst>
+                              <p:par>
+                                <p:cTn id="56" presetID="10" presetClass="entr" presetSubtype="0" fill="hold" grpId="0" nodeType="clickEffect">
+                                  <p:stCondLst>
+                                    <p:cond delay="0"/>
+                                  </p:stCondLst>
+                                  <p:childTnLst>
+                                    <p:set>
+                                      <p:cBhvr>
+                                        <p:cTn id="57" dur="1" fill="hold">
+                                          <p:stCondLst>
+                                            <p:cond delay="0"/>
+                                          </p:stCondLst>
+                                        </p:cTn>
+                                        <p:tgtEl>
+                                          <p:spTgt spid="3">
+                                            <p:txEl>
+                                              <p:pRg st="7" end="7"/>
+                                            </p:txEl>
+                                          </p:spTgt>
+                                        </p:tgtEl>
+                                        <p:attrNameLst>
+                                          <p:attrName>style.visibility</p:attrName>
+                                        </p:attrNameLst>
+                                      </p:cBhvr>
+                                      <p:to>
+                                        <p:strVal val="visible"/>
+                                      </p:to>
+                                    </p:set>
+                                    <p:animEffect transition="in" filter="fade">
+                                      <p:cBhvr>
+                                        <p:cTn id="58" dur="500"/>
+                                        <p:tgtEl>
+                                          <p:spTgt spid="3">
+                                            <p:txEl>
+                                              <p:pRg st="7" end="7"/>
+                                            </p:txEl>
+                                          </p:spTgt>
+                                        </p:tgtEl>
+                                      </p:cBhvr>
+                                    </p:animEffect>
+                                  </p:childTnLst>
+                                </p:cTn>
+                              </p:par>
+                              <p:par>
+                                <p:cTn id="59" presetID="10" presetClass="entr" presetSubtype="0" fill="hold" nodeType="withEffect">
+                                  <p:stCondLst>
+                                    <p:cond delay="0"/>
+                                  </p:stCondLst>
+                                  <p:childTnLst>
+                                    <p:set>
+                                      <p:cBhvr>
+                                        <p:cTn id="60" dur="1" fill="hold">
+                                          <p:stCondLst>
+                                            <p:cond delay="0"/>
+                                          </p:stCondLst>
+                                        </p:cTn>
+                                        <p:tgtEl>
+                                          <p:spTgt spid="1026"/>
+                                        </p:tgtEl>
+                                        <p:attrNameLst>
+                                          <p:attrName>style.visibility</p:attrName>
+                                        </p:attrNameLst>
+                                      </p:cBhvr>
+                                      <p:to>
+                                        <p:strVal val="visible"/>
+                                      </p:to>
+                                    </p:set>
+                                    <p:animEffect transition="in" filter="fade">
+                                      <p:cBhvr>
+                                        <p:cTn id="61" dur="500"/>
+                                        <p:tgtEl>
+                                          <p:spTgt spid="1026"/>
+                                        </p:tgtEl>
+                                      </p:cBhvr>
+                                    </p:animEffect>
+                                  </p:childTnLst>
+                                </p:cTn>
+                              </p:par>
+                            </p:childTnLst>
+                          </p:cTn>
+                        </p:par>
+                      </p:childTnLst>
+                    </p:cTn>
+                  </p:par>
+                </p:childTnLst>
+              </p:cTn>
+              <p:prevCondLst>
+                <p:cond evt="onPrev" delay="0">
+                  <p:tgtEl>
+                    <p:sldTgt/>
+                  </p:tgtEl>
+                </p:cond>
+              </p:prevCondLst>
+              <p:nextCondLst>
+                <p:cond evt="onNext" delay="0">
+                  <p:tgtEl>
+                    <p:sldTgt/>
+                  </p:tgtEl>
+                </p:cond>
+              </p:nextCondLst>
+            </p:seq>
+          </p:childTnLst>
+        </p:cTn>
       </p:par>
     </p:tnLst>
+    <p:bldLst>
+      <p:bldP spid="3" grpId="0" uiExpand="1" build="p"/>
+      <p:bldP spid="4" grpId="0"/>
+      <p:bldP spid="5" grpId="0"/>
+    </p:bldLst>
   </p:timing>
 </p:sld>
 </file>
 
-<file path=ppt/slides/slide7.xml><?xml version="1.0" encoding="utf-8"?>
+<file path=ppt/slides/slide6.xml><?xml version="1.0" encoding="utf-8"?>
 <p:sld xmlns:a="http://schemas.openxmlformats.org/drawingml/2006/main" xmlns:r="http://schemas.openxmlformats.org/officeDocument/2006/relationships" xmlns:p="http://schemas.openxmlformats.org/presentationml/2006/main">
   <p:cSld>
     <p:spTree>
@@ -15214,7 +18005,7 @@
 </p:sld>
 </file>
 
-<file path=ppt/slides/slide8.xml><?xml version="1.0" encoding="utf-8"?>
+<file path=ppt/slides/slide7.xml><?xml version="1.0" encoding="utf-8"?>
 <p:sld xmlns:a="http://schemas.openxmlformats.org/drawingml/2006/main" xmlns:r="http://schemas.openxmlformats.org/officeDocument/2006/relationships" xmlns:p="http://schemas.openxmlformats.org/presentationml/2006/main">
   <p:cSld>
     <p:spTree>
@@ -15275,13 +18066,82 @@
           <a:bodyPr anchor="ctr" anchorCtr="0"/>
           <a:lstStyle/>
           <a:p>
+            <a:pPr marL="914400" lvl="1" indent="-514350">
+              <a:buFont typeface="+mj-lt"/>
+              <a:buAutoNum type="arabicParenR"/>
+            </a:pPr>
+            <a:endParaRPr lang="en-US" dirty="0" smtClean="0"/>
+          </a:p>
+        </p:txBody>
+      </p:sp>
+      <p:pic>
+        <p:nvPicPr>
+          <p:cNvPr id="4" name="Picture 3"/>
+          <p:cNvPicPr>
+            <a:picLocks noChangeAspect="1"/>
+          </p:cNvPicPr>
+          <p:nvPr/>
+        </p:nvPicPr>
+        <p:blipFill>
+          <a:blip r:embed="rId3">
+            <a:extLst>
+              <a:ext uri="{BEBA8EAE-BF5A-486C-A8C5-ECC9F3942E4B}">
+                <a14:imgProps xmlns:a14="http://schemas.microsoft.com/office/drawing/2010/main">
+                  <a14:imgLayer r:embed="rId4">
+                    <a14:imgEffect>
+                      <a14:brightnessContrast bright="20000" contrast="-40000"/>
+                    </a14:imgEffect>
+                  </a14:imgLayer>
+                </a14:imgProps>
+              </a:ext>
+              <a:ext uri="{28A0092B-C50C-407E-A947-70E740481C1C}">
+                <a14:useLocalDpi xmlns:a14="http://schemas.microsoft.com/office/drawing/2010/main" val="0"/>
+              </a:ext>
+            </a:extLst>
+          </a:blip>
+          <a:stretch>
+            <a:fillRect/>
+          </a:stretch>
+        </p:blipFill>
+        <p:spPr>
+          <a:xfrm>
+            <a:off x="1267264" y="3810000"/>
+            <a:ext cx="6639951" cy="2618740"/>
+          </a:xfrm>
+          <a:prstGeom prst="rect">
+            <a:avLst/>
+          </a:prstGeom>
+        </p:spPr>
+      </p:pic>
+      <p:sp>
+        <p:nvSpPr>
+          <p:cNvPr id="5" name="TextBox 4"/>
+          <p:cNvSpPr txBox="1"/>
+          <p:nvPr/>
+        </p:nvSpPr>
+        <p:spPr>
+          <a:xfrm>
+            <a:off x="519492" y="2814697"/>
+            <a:ext cx="8135497" cy="2062103"/>
+          </a:xfrm>
+          <a:prstGeom prst="rect">
+            <a:avLst/>
+          </a:prstGeom>
+          <a:noFill/>
+        </p:spPr>
+        <p:txBody>
+          <a:bodyPr wrap="none" rtlCol="0">
+            <a:spAutoFit/>
+          </a:bodyPr>
+          <a:lstStyle/>
+          <a:p>
             <a:pPr marL="514350" indent="-514350">
               <a:buFont typeface="+mj-lt"/>
               <a:buAutoNum type="arabicParenR"/>
             </a:pPr>
             <a:r>
-              <a:rPr lang="en-US" dirty="0" smtClean="0"/>
-              <a:t>Advance humanity toward your future vision.</a:t>
+              <a:rPr lang="en-US" sz="3200" dirty="0"/>
+              <a:t>Advance humanity toward your future vision</a:t>
             </a:r>
           </a:p>
           <a:p>
@@ -15290,25 +18150,16 @@
               <a:buChar char="è"/>
             </a:pPr>
             <a:r>
-              <a:rPr lang="en-US" dirty="0">
+              <a:rPr lang="en-US" sz="3200" dirty="0">
                 <a:solidFill>
                   <a:prstClr val="black"/>
                 </a:solidFill>
                 <a:sym typeface="Wingdings" pitchFamily="2" charset="2"/>
               </a:rPr>
-              <a:t>Your meaning of </a:t>
-            </a:r>
-            <a:r>
-              <a:rPr lang="en-US" dirty="0" smtClean="0">
-                <a:solidFill>
-                  <a:prstClr val="black"/>
-                </a:solidFill>
-                <a:sym typeface="Wingdings" pitchFamily="2" charset="2"/>
-              </a:rPr>
-              <a:t>life</a:t>
-            </a:r>
-            <a:r>
-              <a:rPr lang="en-US" dirty="0" smtClean="0"/>
+              <a:t>Your meaning of life</a:t>
+            </a:r>
+            <a:r>
+              <a:rPr lang="en-US" sz="3200" dirty="0"/>
               <a:t> </a:t>
             </a:r>
           </a:p>
@@ -15318,7 +18169,7 @@
               <a:buAutoNum type="arabicParenR"/>
             </a:pPr>
             <a:r>
-              <a:rPr lang="en-US" dirty="0" smtClean="0"/>
+              <a:rPr lang="en-US" sz="3200" dirty="0"/>
               <a:t>FUN!  Enjoy everything</a:t>
             </a:r>
           </a:p>
@@ -15328,7 +18179,7 @@
               <a:buChar char="è"/>
             </a:pPr>
             <a:r>
-              <a:rPr lang="en-US" dirty="0" smtClean="0">
+              <a:rPr lang="en-US" sz="3200" dirty="0">
                 <a:solidFill>
                   <a:prstClr val="black"/>
                 </a:solidFill>
@@ -15337,27 +18188,20 @@
               <a:t>Creation process, outcome, </a:t>
             </a:r>
             <a:r>
-              <a:rPr lang="en-US" dirty="0" err="1" smtClean="0">
+              <a:rPr lang="en-US" sz="3200" dirty="0" smtClean="0">
                 <a:solidFill>
                   <a:prstClr val="black"/>
                 </a:solidFill>
                 <a:sym typeface="Wingdings" pitchFamily="2" charset="2"/>
               </a:rPr>
-              <a:t>comraderie</a:t>
-            </a:r>
-            <a:endParaRPr lang="en-US" dirty="0" smtClean="0">
+              <a:t>camaraderie</a:t>
+            </a:r>
+            <a:endParaRPr lang="en-US" sz="3200" dirty="0">
               <a:solidFill>
                 <a:prstClr val="black"/>
               </a:solidFill>
               <a:sym typeface="Wingdings" pitchFamily="2" charset="2"/>
             </a:endParaRPr>
-          </a:p>
-          <a:p>
-            <a:pPr marL="914400" lvl="1" indent="-514350">
-              <a:buFont typeface="+mj-lt"/>
-              <a:buAutoNum type="arabicParenR"/>
-            </a:pPr>
-            <a:endParaRPr lang="en-US" dirty="0" smtClean="0"/>
           </a:p>
         </p:txBody>
       </p:sp>
@@ -15392,7 +18236,7 @@
                             </p:stCondLst>
                             <p:childTnLst>
                               <p:par>
-                                <p:cTn id="5" presetID="14" presetClass="entr" presetSubtype="10" fill="hold" grpId="0" nodeType="clickEffect">
+                                <p:cTn id="5" presetID="10" presetClass="entr" presetSubtype="0" fill="hold" nodeType="clickEffect">
                                   <p:stCondLst>
                                     <p:cond delay="0"/>
                                   </p:stCondLst>
@@ -15405,64 +18249,7 @@
                                           </p:stCondLst>
                                         </p:cTn>
                                         <p:tgtEl>
-                                          <p:spTgt spid="3">
-                                            <p:bg/>
-                                          </p:spTgt>
-                                        </p:tgtEl>
-                                        <p:attrNameLst>
-                                          <p:attrName>style.visibility</p:attrName>
-                                        </p:attrNameLst>
-                                      </p:cBhvr>
-                                      <p:to>
-                                        <p:strVal val="visible"/>
-                                      </p:to>
-                                    </p:set>
-                                    <p:animEffect transition="in" filter="randombar(horizontal)">
-                                      <p:cBhvr>
-                                        <p:cTn id="7" dur="500"/>
-                                        <p:tgtEl>
-                                          <p:spTgt spid="3">
-                                            <p:bg/>
-                                          </p:spTgt>
-                                        </p:tgtEl>
-                                      </p:cBhvr>
-                                    </p:animEffect>
-                                  </p:childTnLst>
-                                </p:cTn>
-                              </p:par>
-                            </p:childTnLst>
-                          </p:cTn>
-                        </p:par>
-                      </p:childTnLst>
-                    </p:cTn>
-                  </p:par>
-                  <p:par>
-                    <p:cTn id="8" fill="hold">
-                      <p:stCondLst>
-                        <p:cond delay="indefinite"/>
-                      </p:stCondLst>
-                      <p:childTnLst>
-                        <p:par>
-                          <p:cTn id="9" fill="hold">
-                            <p:stCondLst>
-                              <p:cond delay="0"/>
-                            </p:stCondLst>
-                            <p:childTnLst>
-                              <p:par>
-                                <p:cTn id="10" presetID="14" presetClass="entr" presetSubtype="10" fill="hold" grpId="0" nodeType="clickEffect">
-                                  <p:stCondLst>
-                                    <p:cond delay="0"/>
-                                  </p:stCondLst>
-                                  <p:childTnLst>
-                                    <p:set>
-                                      <p:cBhvr>
-                                        <p:cTn id="11" dur="1" fill="hold">
-                                          <p:stCondLst>
-                                            <p:cond delay="0"/>
-                                          </p:stCondLst>
-                                        </p:cTn>
-                                        <p:tgtEl>
-                                          <p:spTgt spid="3">
+                                          <p:spTgt spid="5">
                                             <p:txEl>
                                               <p:pRg st="0" end="0"/>
                                             </p:txEl>
@@ -15476,11 +18263,11 @@
                                         <p:strVal val="visible"/>
                                       </p:to>
                                     </p:set>
-                                    <p:animEffect transition="in" filter="randombar(horizontal)">
+                                    <p:animEffect transition="in" filter="fade">
                                       <p:cBhvr>
-                                        <p:cTn id="12" dur="500"/>
+                                        <p:cTn id="7" dur="500"/>
                                         <p:tgtEl>
-                                          <p:spTgt spid="3">
+                                          <p:spTgt spid="5">
                                             <p:txEl>
                                               <p:pRg st="0" end="0"/>
                                             </p:txEl>
@@ -15492,20 +18279,20 @@
                                 </p:cTn>
                               </p:par>
                               <p:par>
-                                <p:cTn id="13" presetID="14" presetClass="entr" presetSubtype="10" fill="hold" grpId="0" nodeType="withEffect">
+                                <p:cTn id="8" presetID="10" presetClass="entr" presetSubtype="0" fill="hold" nodeType="withEffect">
                                   <p:stCondLst>
                                     <p:cond delay="0"/>
                                   </p:stCondLst>
                                   <p:childTnLst>
                                     <p:set>
                                       <p:cBhvr>
-                                        <p:cTn id="14" dur="1" fill="hold">
+                                        <p:cTn id="9" dur="1" fill="hold">
                                           <p:stCondLst>
                                             <p:cond delay="0"/>
                                           </p:stCondLst>
                                         </p:cTn>
                                         <p:tgtEl>
-                                          <p:spTgt spid="3">
+                                          <p:spTgt spid="5">
                                             <p:txEl>
                                               <p:pRg st="1" end="1"/>
                                             </p:txEl>
@@ -15519,11 +18306,11 @@
                                         <p:strVal val="visible"/>
                                       </p:to>
                                     </p:set>
-                                    <p:animEffect transition="in" filter="randombar(horizontal)">
+                                    <p:animEffect transition="in" filter="fade">
                                       <p:cBhvr>
-                                        <p:cTn id="15" dur="500"/>
+                                        <p:cTn id="10" dur="500"/>
                                         <p:tgtEl>
-                                          <p:spTgt spid="3">
+                                          <p:spTgt spid="5">
                                             <p:txEl>
                                               <p:pRg st="1" end="1"/>
                                             </p:txEl>
@@ -15541,32 +18328,32 @@
                     </p:cTn>
                   </p:par>
                   <p:par>
-                    <p:cTn id="16" fill="hold">
+                    <p:cTn id="11" fill="hold">
                       <p:stCondLst>
                         <p:cond delay="indefinite"/>
                       </p:stCondLst>
                       <p:childTnLst>
                         <p:par>
-                          <p:cTn id="17" fill="hold">
+                          <p:cTn id="12" fill="hold">
                             <p:stCondLst>
                               <p:cond delay="0"/>
                             </p:stCondLst>
                             <p:childTnLst>
                               <p:par>
-                                <p:cTn id="18" presetID="14" presetClass="entr" presetSubtype="10" fill="hold" grpId="0" nodeType="clickEffect">
+                                <p:cTn id="13" presetID="10" presetClass="entr" presetSubtype="0" fill="hold" nodeType="clickEffect">
                                   <p:stCondLst>
                                     <p:cond delay="0"/>
                                   </p:stCondLst>
                                   <p:childTnLst>
                                     <p:set>
                                       <p:cBhvr>
-                                        <p:cTn id="19" dur="1" fill="hold">
+                                        <p:cTn id="14" dur="1" fill="hold">
                                           <p:stCondLst>
                                             <p:cond delay="0"/>
                                           </p:stCondLst>
                                         </p:cTn>
                                         <p:tgtEl>
-                                          <p:spTgt spid="3">
+                                          <p:spTgt spid="5">
                                             <p:txEl>
                                               <p:pRg st="2" end="2"/>
                                             </p:txEl>
@@ -15580,11 +18367,11 @@
                                         <p:strVal val="visible"/>
                                       </p:to>
                                     </p:set>
-                                    <p:animEffect transition="in" filter="randombar(horizontal)">
+                                    <p:animEffect transition="in" filter="fade">
                                       <p:cBhvr>
-                                        <p:cTn id="20" dur="500"/>
+                                        <p:cTn id="15" dur="500"/>
                                         <p:tgtEl>
-                                          <p:spTgt spid="3">
+                                          <p:spTgt spid="5">
                                             <p:txEl>
                                               <p:pRg st="2" end="2"/>
                                             </p:txEl>
@@ -15596,20 +18383,20 @@
                                 </p:cTn>
                               </p:par>
                               <p:par>
-                                <p:cTn id="21" presetID="14" presetClass="entr" presetSubtype="10" fill="hold" grpId="0" nodeType="withEffect">
+                                <p:cTn id="16" presetID="10" presetClass="entr" presetSubtype="0" fill="hold" nodeType="withEffect">
                                   <p:stCondLst>
                                     <p:cond delay="0"/>
                                   </p:stCondLst>
                                   <p:childTnLst>
                                     <p:set>
                                       <p:cBhvr>
-                                        <p:cTn id="22" dur="1" fill="hold">
+                                        <p:cTn id="17" dur="1" fill="hold">
                                           <p:stCondLst>
                                             <p:cond delay="0"/>
                                           </p:stCondLst>
                                         </p:cTn>
                                         <p:tgtEl>
-                                          <p:spTgt spid="3">
+                                          <p:spTgt spid="5">
                                             <p:txEl>
                                               <p:pRg st="3" end="3"/>
                                             </p:txEl>
@@ -15623,11 +18410,11 @@
                                         <p:strVal val="visible"/>
                                       </p:to>
                                     </p:set>
-                                    <p:animEffect transition="in" filter="randombar(horizontal)">
+                                    <p:animEffect transition="in" filter="fade">
                                       <p:cBhvr>
-                                        <p:cTn id="23" dur="500"/>
+                                        <p:cTn id="18" dur="500"/>
                                         <p:tgtEl>
-                                          <p:spTgt spid="3">
+                                          <p:spTgt spid="5">
                                             <p:txEl>
                                               <p:pRg st="3" end="3"/>
                                             </p:txEl>
@@ -15635,6 +18422,209 @@
                                         </p:tgtEl>
                                       </p:cBhvr>
                                     </p:animEffect>
+                                  </p:childTnLst>
+                                </p:cTn>
+                              </p:par>
+                            </p:childTnLst>
+                          </p:cTn>
+                        </p:par>
+                      </p:childTnLst>
+                    </p:cTn>
+                  </p:par>
+                  <p:par>
+                    <p:cTn id="19" fill="hold">
+                      <p:stCondLst>
+                        <p:cond delay="indefinite"/>
+                      </p:stCondLst>
+                      <p:childTnLst>
+                        <p:par>
+                          <p:cTn id="20" fill="hold">
+                            <p:stCondLst>
+                              <p:cond delay="0"/>
+                            </p:stCondLst>
+                            <p:childTnLst>
+                              <p:par>
+                                <p:cTn id="21" presetID="64" presetClass="path" presetSubtype="0" accel="50000" decel="50000" fill="hold" grpId="0" nodeType="clickEffect">
+                                  <p:stCondLst>
+                                    <p:cond delay="0"/>
+                                  </p:stCondLst>
+                                  <p:childTnLst>
+                                    <p:animMotion origin="layout" path="M -2.5E-6 1.85185E-6 L -2.5E-6 -0.18287 " pathEditMode="relative" rAng="0" ptsTypes="AA">
+                                      <p:cBhvr>
+                                        <p:cTn id="22" dur="2000" fill="hold"/>
+                                        <p:tgtEl>
+                                          <p:spTgt spid="5">
+                                            <p:txEl>
+                                              <p:pRg st="0" end="0"/>
+                                            </p:txEl>
+                                          </p:spTgt>
+                                        </p:tgtEl>
+                                        <p:attrNameLst>
+                                          <p:attrName>ppt_x</p:attrName>
+                                          <p:attrName>ppt_y</p:attrName>
+                                        </p:attrNameLst>
+                                      </p:cBhvr>
+                                      <p:rCtr x="0" y="-9144"/>
+                                    </p:animMotion>
+                                  </p:childTnLst>
+                                </p:cTn>
+                              </p:par>
+                              <p:par>
+                                <p:cTn id="23" presetID="64" presetClass="path" presetSubtype="0" accel="50000" decel="50000" fill="hold" grpId="0" nodeType="withEffect">
+                                  <p:stCondLst>
+                                    <p:cond delay="0"/>
+                                  </p:stCondLst>
+                                  <p:childTnLst>
+                                    <p:animMotion origin="layout" path="M -2.5E-6 1.85185E-6 L -2.5E-6 -0.18287 " pathEditMode="relative" rAng="0" ptsTypes="AA">
+                                      <p:cBhvr>
+                                        <p:cTn id="24" dur="2000" fill="hold"/>
+                                        <p:tgtEl>
+                                          <p:spTgt spid="5">
+                                            <p:txEl>
+                                              <p:pRg st="1" end="1"/>
+                                            </p:txEl>
+                                          </p:spTgt>
+                                        </p:tgtEl>
+                                        <p:attrNameLst>
+                                          <p:attrName>ppt_x</p:attrName>
+                                          <p:attrName>ppt_y</p:attrName>
+                                        </p:attrNameLst>
+                                      </p:cBhvr>
+                                      <p:rCtr x="0" y="-9144"/>
+                                    </p:animMotion>
+                                  </p:childTnLst>
+                                </p:cTn>
+                              </p:par>
+                              <p:par>
+                                <p:cTn id="25" presetID="64" presetClass="path" presetSubtype="0" accel="50000" decel="50000" fill="hold" grpId="0" nodeType="withEffect">
+                                  <p:stCondLst>
+                                    <p:cond delay="0"/>
+                                  </p:stCondLst>
+                                  <p:childTnLst>
+                                    <p:animMotion origin="layout" path="M -2.5E-6 1.85185E-6 L -2.5E-6 -0.18287 " pathEditMode="relative" rAng="0" ptsTypes="AA">
+                                      <p:cBhvr>
+                                        <p:cTn id="26" dur="2000" fill="hold"/>
+                                        <p:tgtEl>
+                                          <p:spTgt spid="5">
+                                            <p:txEl>
+                                              <p:pRg st="2" end="2"/>
+                                            </p:txEl>
+                                          </p:spTgt>
+                                        </p:tgtEl>
+                                        <p:attrNameLst>
+                                          <p:attrName>ppt_x</p:attrName>
+                                          <p:attrName>ppt_y</p:attrName>
+                                        </p:attrNameLst>
+                                      </p:cBhvr>
+                                      <p:rCtr x="0" y="-9144"/>
+                                    </p:animMotion>
+                                  </p:childTnLst>
+                                </p:cTn>
+                              </p:par>
+                              <p:par>
+                                <p:cTn id="27" presetID="64" presetClass="path" presetSubtype="0" accel="50000" decel="50000" fill="hold" grpId="0" nodeType="withEffect">
+                                  <p:stCondLst>
+                                    <p:cond delay="0"/>
+                                  </p:stCondLst>
+                                  <p:childTnLst>
+                                    <p:animMotion origin="layout" path="M -2.5E-6 1.85185E-6 L -2.5E-6 -0.18287 " pathEditMode="relative" rAng="0" ptsTypes="AA">
+                                      <p:cBhvr>
+                                        <p:cTn id="28" dur="2000" fill="hold"/>
+                                        <p:tgtEl>
+                                          <p:spTgt spid="5">
+                                            <p:txEl>
+                                              <p:pRg st="3" end="3"/>
+                                            </p:txEl>
+                                          </p:spTgt>
+                                        </p:tgtEl>
+                                        <p:attrNameLst>
+                                          <p:attrName>ppt_x</p:attrName>
+                                          <p:attrName>ppt_y</p:attrName>
+                                        </p:attrNameLst>
+                                      </p:cBhvr>
+                                      <p:rCtr x="0" y="-9144"/>
+                                    </p:animMotion>
+                                  </p:childTnLst>
+                                </p:cTn>
+                              </p:par>
+                              <p:par>
+                                <p:cTn id="29" presetID="42" presetClass="entr" presetSubtype="0" fill="hold" nodeType="withEffect">
+                                  <p:stCondLst>
+                                    <p:cond delay="500"/>
+                                  </p:stCondLst>
+                                  <p:childTnLst>
+                                    <p:set>
+                                      <p:cBhvr>
+                                        <p:cTn id="30" dur="1" fill="hold">
+                                          <p:stCondLst>
+                                            <p:cond delay="0"/>
+                                          </p:stCondLst>
+                                        </p:cTn>
+                                        <p:tgtEl>
+                                          <p:spTgt spid="4"/>
+                                        </p:tgtEl>
+                                        <p:attrNameLst>
+                                          <p:attrName>style.visibility</p:attrName>
+                                        </p:attrNameLst>
+                                      </p:cBhvr>
+                                      <p:to>
+                                        <p:strVal val="visible"/>
+                                      </p:to>
+                                    </p:set>
+                                    <p:animEffect transition="in" filter="fade">
+                                      <p:cBhvr>
+                                        <p:cTn id="31" dur="2000"/>
+                                        <p:tgtEl>
+                                          <p:spTgt spid="4"/>
+                                        </p:tgtEl>
+                                      </p:cBhvr>
+                                    </p:animEffect>
+                                    <p:anim calcmode="lin" valueType="num">
+                                      <p:cBhvr>
+                                        <p:cTn id="32" dur="2000" fill="hold"/>
+                                        <p:tgtEl>
+                                          <p:spTgt spid="4"/>
+                                        </p:tgtEl>
+                                        <p:attrNameLst>
+                                          <p:attrName>ppt_x</p:attrName>
+                                        </p:attrNameLst>
+                                      </p:cBhvr>
+                                      <p:tavLst>
+                                        <p:tav tm="0">
+                                          <p:val>
+                                            <p:strVal val="#ppt_x"/>
+                                          </p:val>
+                                        </p:tav>
+                                        <p:tav tm="100000">
+                                          <p:val>
+                                            <p:strVal val="#ppt_x"/>
+                                          </p:val>
+                                        </p:tav>
+                                      </p:tavLst>
+                                    </p:anim>
+                                    <p:anim calcmode="lin" valueType="num">
+                                      <p:cBhvr>
+                                        <p:cTn id="33" dur="2000" fill="hold"/>
+                                        <p:tgtEl>
+                                          <p:spTgt spid="4"/>
+                                        </p:tgtEl>
+                                        <p:attrNameLst>
+                                          <p:attrName>ppt_y</p:attrName>
+                                        </p:attrNameLst>
+                                      </p:cBhvr>
+                                      <p:tavLst>
+                                        <p:tav tm="0">
+                                          <p:val>
+                                            <p:strVal val="#ppt_y+.1"/>
+                                          </p:val>
+                                        </p:tav>
+                                        <p:tav tm="100000">
+                                          <p:val>
+                                            <p:strVal val="#ppt_y"/>
+                                          </p:val>
+                                        </p:tav>
+                                      </p:tavLst>
+                                    </p:anim>
                                   </p:childTnLst>
                                 </p:cTn>
                               </p:par>
@@ -15666,8 +18656,374 @@
       </p:par>
     </p:tnLst>
     <p:bldLst>
-      <p:bldP spid="3" grpId="0" uiExpand="1" build="p" animBg="1"/>
+      <p:bldP spid="5" grpId="0" build="allAtOnce"/>
     </p:bldLst>
+  </p:timing>
+</p:sld>
+</file>
+
+<file path=ppt/slides/slide8.xml><?xml version="1.0" encoding="utf-8"?>
+<p:sld xmlns:a="http://schemas.openxmlformats.org/drawingml/2006/main" xmlns:r="http://schemas.openxmlformats.org/officeDocument/2006/relationships" xmlns:p="http://schemas.openxmlformats.org/presentationml/2006/main">
+  <p:cSld>
+    <p:spTree>
+      <p:nvGrpSpPr>
+        <p:cNvPr id="1" name=""/>
+        <p:cNvGrpSpPr/>
+        <p:nvPr/>
+      </p:nvGrpSpPr>
+      <p:grpSpPr>
+        <a:xfrm>
+          <a:off x="0" y="0"/>
+          <a:ext cx="0" cy="0"/>
+          <a:chOff x="0" y="0"/>
+          <a:chExt cx="0" cy="0"/>
+        </a:xfrm>
+      </p:grpSpPr>
+      <p:sp>
+        <p:nvSpPr>
+          <p:cNvPr id="13" name="Content Placeholder 2"/>
+          <p:cNvSpPr>
+            <a:spLocks noGrp="1"/>
+          </p:cNvSpPr>
+          <p:nvPr>
+            <p:ph idx="1"/>
+          </p:nvPr>
+        </p:nvSpPr>
+        <p:spPr>
+          <a:xfrm>
+            <a:off x="304800" y="533400"/>
+            <a:ext cx="8229600" cy="2362200"/>
+          </a:xfrm>
+          <a:ln w="69850" cmpd="thickThin">
+            <a:solidFill>
+              <a:schemeClr val="tx1"/>
+            </a:solidFill>
+          </a:ln>
+        </p:spPr>
+        <p:txBody>
+          <a:bodyPr anchor="ctr" anchorCtr="0">
+            <a:normAutofit/>
+          </a:bodyPr>
+          <a:lstStyle/>
+          <a:p>
+            <a:pPr marL="514350" indent="-514350">
+              <a:buFont typeface="+mj-lt"/>
+              <a:buAutoNum type="arabicParenR"/>
+            </a:pPr>
+            <a:r>
+              <a:rPr lang="en-US" dirty="0" smtClean="0"/>
+              <a:t>Advance humanity toward your future vision</a:t>
+            </a:r>
+          </a:p>
+          <a:p>
+            <a:pPr marL="857250" lvl="1" indent="-457200">
+              <a:buFont typeface="Wingdings"/>
+              <a:buChar char="è"/>
+            </a:pPr>
+            <a:r>
+              <a:rPr lang="en-US" dirty="0">
+                <a:solidFill>
+                  <a:prstClr val="black"/>
+                </a:solidFill>
+                <a:sym typeface="Wingdings" pitchFamily="2" charset="2"/>
+              </a:rPr>
+              <a:t>Your meaning of </a:t>
+            </a:r>
+            <a:r>
+              <a:rPr lang="en-US" dirty="0" smtClean="0">
+                <a:solidFill>
+                  <a:prstClr val="black"/>
+                </a:solidFill>
+                <a:sym typeface="Wingdings" pitchFamily="2" charset="2"/>
+              </a:rPr>
+              <a:t>life</a:t>
+            </a:r>
+            <a:r>
+              <a:rPr lang="en-US" dirty="0" smtClean="0"/>
+              <a:t> </a:t>
+            </a:r>
+          </a:p>
+          <a:p>
+            <a:pPr marL="514350" indent="-514350">
+              <a:buFont typeface="+mj-lt"/>
+              <a:buAutoNum type="arabicParenR"/>
+            </a:pPr>
+            <a:r>
+              <a:rPr lang="en-US" dirty="0" smtClean="0"/>
+              <a:t>FUN!  Enjoy everything</a:t>
+            </a:r>
+          </a:p>
+          <a:p>
+            <a:pPr marL="857250" lvl="1" indent="-457200">
+              <a:buFont typeface="Wingdings"/>
+              <a:buChar char="è"/>
+            </a:pPr>
+            <a:r>
+              <a:rPr lang="en-US" dirty="0" smtClean="0">
+                <a:solidFill>
+                  <a:prstClr val="black"/>
+                </a:solidFill>
+                <a:sym typeface="Wingdings" pitchFamily="2" charset="2"/>
+              </a:rPr>
+              <a:t>Creation process, outcome, camaraderie</a:t>
+            </a:r>
+          </a:p>
+        </p:txBody>
+      </p:sp>
+      <p:pic>
+        <p:nvPicPr>
+          <p:cNvPr id="2050" name="Picture 2" descr="http://www.wired.com/images_blogs/wiredscience/2013/03/screenshot_3_30_13_3_32_pm.jpg"/>
+          <p:cNvPicPr>
+            <a:picLocks noChangeAspect="1" noChangeArrowheads="1"/>
+          </p:cNvPicPr>
+          <p:nvPr/>
+        </p:nvPicPr>
+        <p:blipFill>
+          <a:blip r:embed="rId2">
+            <a:extLst>
+              <a:ext uri="{28A0092B-C50C-407E-A947-70E740481C1C}">
+                <a14:useLocalDpi xmlns:a14="http://schemas.microsoft.com/office/drawing/2010/main" val="0"/>
+              </a:ext>
+            </a:extLst>
+          </a:blip>
+          <a:srcRect/>
+          <a:stretch>
+            <a:fillRect/>
+          </a:stretch>
+        </p:blipFill>
+        <p:spPr bwMode="auto">
+          <a:xfrm>
+            <a:off x="152400" y="2971800"/>
+            <a:ext cx="4758637" cy="3044190"/>
+          </a:xfrm>
+          <a:prstGeom prst="rect">
+            <a:avLst/>
+          </a:prstGeom>
+          <a:noFill/>
+          <a:effectLst>
+            <a:softEdge rad="127000"/>
+          </a:effectLst>
+          <a:extLst>
+            <a:ext uri="{909E8E84-426E-40DD-AFC4-6F175D3DCCD1}">
+              <a14:hiddenFill xmlns:a14="http://schemas.microsoft.com/office/drawing/2010/main">
+                <a:solidFill>
+                  <a:srgbClr val="FFFFFF"/>
+                </a:solidFill>
+              </a14:hiddenFill>
+            </a:ext>
+          </a:extLst>
+        </p:spPr>
+      </p:pic>
+      <p:sp>
+        <p:nvSpPr>
+          <p:cNvPr id="15" name="TextBox 14"/>
+          <p:cNvSpPr txBox="1"/>
+          <p:nvPr/>
+        </p:nvSpPr>
+        <p:spPr>
+          <a:xfrm>
+            <a:off x="4876800" y="3701370"/>
+            <a:ext cx="2465740" cy="1538883"/>
+          </a:xfrm>
+          <a:prstGeom prst="rect">
+            <a:avLst/>
+          </a:prstGeom>
+          <a:noFill/>
+        </p:spPr>
+        <p:txBody>
+          <a:bodyPr wrap="none" rtlCol="0">
+            <a:spAutoFit/>
+          </a:bodyPr>
+          <a:lstStyle/>
+          <a:p>
+            <a:pPr marL="230188" indent="-230188">
+              <a:buFont typeface="Wingdings" pitchFamily="2" charset="2"/>
+              <a:buChar char="Ø"/>
+            </a:pPr>
+            <a:r>
+              <a:rPr lang="en-US" sz="2800" b="1" dirty="0" smtClean="0"/>
+              <a:t>Predictions</a:t>
+            </a:r>
+          </a:p>
+          <a:p>
+            <a:pPr marL="230188" indent="-230188">
+              <a:buFont typeface="Wingdings" pitchFamily="2" charset="2"/>
+              <a:buChar char="Ø"/>
+            </a:pPr>
+            <a:endParaRPr lang="en-US" sz="500" b="1" dirty="0" smtClean="0"/>
+          </a:p>
+          <a:p>
+            <a:pPr marL="230188" indent="-230188">
+              <a:buFont typeface="Wingdings" pitchFamily="2" charset="2"/>
+              <a:buChar char="Ø"/>
+            </a:pPr>
+            <a:r>
+              <a:rPr lang="en-US" sz="2800" b="1" dirty="0" smtClean="0"/>
+              <a:t>Explanations</a:t>
+            </a:r>
+            <a:br>
+              <a:rPr lang="en-US" sz="2800" b="1" dirty="0" smtClean="0"/>
+            </a:br>
+            <a:endParaRPr lang="en-US" sz="500" b="1" dirty="0" smtClean="0"/>
+          </a:p>
+          <a:p>
+            <a:pPr marL="230188" indent="-230188">
+              <a:buFont typeface="Wingdings" pitchFamily="2" charset="2"/>
+              <a:buChar char="Ø"/>
+            </a:pPr>
+            <a:r>
+              <a:rPr lang="en-US" sz="2800" b="1" dirty="0" smtClean="0"/>
+              <a:t>Interventions</a:t>
+            </a:r>
+          </a:p>
+        </p:txBody>
+      </p:sp>
+      <p:sp>
+        <p:nvSpPr>
+          <p:cNvPr id="16" name="TextBox 15"/>
+          <p:cNvSpPr txBox="1"/>
+          <p:nvPr/>
+        </p:nvSpPr>
+        <p:spPr>
+          <a:xfrm>
+            <a:off x="4800600" y="3178150"/>
+            <a:ext cx="1323119" cy="523220"/>
+          </a:xfrm>
+          <a:prstGeom prst="rect">
+            <a:avLst/>
+          </a:prstGeom>
+          <a:noFill/>
+        </p:spPr>
+        <p:txBody>
+          <a:bodyPr wrap="none" rtlCol="0">
+            <a:spAutoFit/>
+          </a:bodyPr>
+          <a:lstStyle/>
+          <a:p>
+            <a:r>
+              <a:rPr lang="en-US" sz="2800" i="1" dirty="0" smtClean="0"/>
+              <a:t>Better…</a:t>
+            </a:r>
+          </a:p>
+        </p:txBody>
+      </p:sp>
+      <p:sp>
+        <p:nvSpPr>
+          <p:cNvPr id="17" name="TextBox 16"/>
+          <p:cNvSpPr txBox="1"/>
+          <p:nvPr/>
+        </p:nvSpPr>
+        <p:spPr>
+          <a:xfrm>
+            <a:off x="3276600" y="5240253"/>
+            <a:ext cx="4838091" cy="1077218"/>
+          </a:xfrm>
+          <a:prstGeom prst="rect">
+            <a:avLst/>
+          </a:prstGeom>
+          <a:solidFill>
+            <a:schemeClr val="accent1">
+              <a:lumMod val="40000"/>
+              <a:lumOff val="60000"/>
+            </a:schemeClr>
+          </a:solidFill>
+          <a:effectLst>
+            <a:glow rad="101600">
+              <a:schemeClr val="accent1">
+                <a:satMod val="175000"/>
+                <a:alpha val="40000"/>
+              </a:schemeClr>
+            </a:glow>
+          </a:effectLst>
+        </p:spPr>
+        <p:txBody>
+          <a:bodyPr wrap="square" rtlCol="0">
+            <a:spAutoFit/>
+          </a:bodyPr>
+          <a:lstStyle/>
+          <a:p>
+            <a:r>
+              <a:rPr lang="en-US" sz="3200" b="1" dirty="0" smtClean="0">
+                <a:latin typeface="Copperplate Gothic Bold" pitchFamily="34" charset="0"/>
+                <a:sym typeface="Wingdings" pitchFamily="2" charset="2"/>
+              </a:rPr>
+              <a:t>Approach our hard limits and prosper!</a:t>
+            </a:r>
+            <a:endParaRPr lang="en-US" sz="3200" b="1" dirty="0">
+              <a:latin typeface="Copperplate Gothic Bold" pitchFamily="34" charset="0"/>
+            </a:endParaRPr>
+          </a:p>
+        </p:txBody>
+      </p:sp>
+      <p:pic>
+        <p:nvPicPr>
+          <p:cNvPr id="2052" name="Picture 4" descr="http://img301.imageshack.us/img301/7113/index1sv9.jpg"/>
+          <p:cNvPicPr>
+            <a:picLocks noChangeAspect="1" noChangeArrowheads="1"/>
+          </p:cNvPicPr>
+          <p:nvPr/>
+        </p:nvPicPr>
+        <p:blipFill>
+          <a:blip r:embed="rId3" cstate="print">
+            <a:extLst>
+              <a:ext uri="{28A0092B-C50C-407E-A947-70E740481C1C}">
+                <a14:useLocalDpi xmlns:a14="http://schemas.microsoft.com/office/drawing/2010/main" val="0"/>
+              </a:ext>
+            </a:extLst>
+          </a:blip>
+          <a:srcRect/>
+          <a:stretch>
+            <a:fillRect/>
+          </a:stretch>
+        </p:blipFill>
+        <p:spPr bwMode="auto">
+          <a:xfrm rot="16200000">
+            <a:off x="7077078" y="3401932"/>
+            <a:ext cx="2116053" cy="1560590"/>
+          </a:xfrm>
+          <a:prstGeom prst="rect">
+            <a:avLst/>
+          </a:prstGeom>
+          <a:noFill/>
+          <a:extLst>
+            <a:ext uri="{909E8E84-426E-40DD-AFC4-6F175D3DCCD1}">
+              <a14:hiddenFill xmlns:a14="http://schemas.microsoft.com/office/drawing/2010/main">
+                <a:solidFill>
+                  <a:srgbClr val="FFFFFF"/>
+                </a:solidFill>
+              </a14:hiddenFill>
+            </a:ext>
+          </a:extLst>
+        </p:spPr>
+      </p:pic>
+    </p:spTree>
+    <p:extLst>
+      <p:ext uri="{BB962C8B-B14F-4D97-AF65-F5344CB8AC3E}">
+        <p14:creationId xmlns:p14="http://schemas.microsoft.com/office/powerpoint/2010/main" val="459609735"/>
+      </p:ext>
+    </p:extLst>
+  </p:cSld>
+  <p:clrMapOvr>
+    <a:masterClrMapping/>
+  </p:clrMapOvr>
+  <mc:AlternateContent xmlns:mc="http://schemas.openxmlformats.org/markup-compatibility/2006" xmlns:p14="http://schemas.microsoft.com/office/powerpoint/2010/main">
+    <mc:Choice Requires="p14">
+      <p:transition spd="slow" p14:dur="1400">
+        <p14:ripple/>
+      </p:transition>
+    </mc:Choice>
+    <mc:Fallback xmlns="">
+      <p:transition spd="slow">
+        <p:fade/>
+      </p:transition>
+    </mc:Fallback>
+  </mc:AlternateContent>
+  <p:timing>
+    <p:tnLst>
+      <p:par>
+        <p:cTn id="1" dur="indefinite" restart="never" nodeType="tmRoot"/>
+      </p:par>
+    </p:tnLst>
   </p:timing>
 </p:sld>
 </file>
@@ -15730,7 +19086,7 @@
     </p:spTree>
     <p:extLst>
       <p:ext uri="{BB962C8B-B14F-4D97-AF65-F5344CB8AC3E}">
-        <p14:creationId xmlns:p14="http://schemas.microsoft.com/office/powerpoint/2010/main" val="459609735"/>
+        <p14:creationId xmlns:p14="http://schemas.microsoft.com/office/powerpoint/2010/main" val="3640185194"/>
       </p:ext>
     </p:extLst>
   </p:cSld>

--- a/ModelTalk.pptx
+++ b/ModelTalk.pptx
@@ -1069,7 +1069,6 @@
             <a:rPr lang="en-US" b="1" dirty="0" smtClean="0"/>
             <a:t>Heisenberg</a:t>
           </a:r>
-          <a:endParaRPr lang="en-US" b="1" dirty="0" smtClean="0"/>
         </a:p>
       </dgm:t>
     </dgm:pt>
@@ -1487,7 +1486,6 @@
             <a:rPr lang="en-US" sz="2600" b="1" kern="1200" dirty="0" smtClean="0"/>
             <a:t>Heisenberg</a:t>
           </a:r>
-          <a:endParaRPr lang="en-US" sz="2600" b="1" kern="1200" dirty="0" smtClean="0"/>
         </a:p>
       </dsp:txBody>
       <dsp:txXfrm>
@@ -1742,7 +1740,7 @@
       </dsp:nvSpPr>
       <dsp:spPr>
         <a:xfrm>
-          <a:off x="0" y="3779519"/>
+          <a:off x="0" y="3779520"/>
           <a:ext cx="7848600" cy="284480"/>
         </a:xfrm>
         <a:prstGeom prst="rect">
@@ -4383,11 +4381,7 @@
           <a:p>
             <a:r>
               <a:rPr lang="en-US" dirty="0" smtClean="0"/>
-              <a:t>Clothes </a:t>
-            </a:r>
-            <a:r>
-              <a:rPr lang="en-US" dirty="0" smtClean="0"/>
-              <a:t>shopping – can only afford $30</a:t>
+              <a:t>Clothes shopping – can only afford $30</a:t>
             </a:r>
             <a:r>
               <a:rPr lang="en-US" baseline="0" dirty="0" smtClean="0"/>
@@ -8087,17 +8081,17 @@
                     <a14:imgProps xmlns:a14="http://schemas.microsoft.com/office/drawing/2010/main">
                       <a14:imgLayer r:embed="rId4">
                         <a14:imgEffect>
-                          <a14:backgroundRemoval t="10000" b="90000" l="10000" r="90000"/>
+                          <a14:backgroundRemoval t="1840" b="97955" l="0" r="100000"/>
                         </a14:imgEffect>
                       </a14:imgLayer>
                     </a14:imgProps>
                   </a:ext>
                   <a:ext uri="{28A0092B-C50C-407E-A947-70E740481C1C}">
-                    <a14:useLocalDpi xmlns:a14="http://schemas.microsoft.com/office/drawing/2010/main" val="0"/>
+                    <a14:useLocalDpi xmlns:a14="http://schemas.microsoft.com/office/drawing/2010/main"/>
                   </a:ext>
                 </a:extLst>
               </a:blip>
-              <a:srcRect l="18905" t="8334" r="18507" b="8333"/>
+              <a:srcRect/>
               <a:stretch/>
             </p:blipFill>
             <p:spPr bwMode="auto">
@@ -15324,13 +15318,13 @@
   <p:clrMapOvr>
     <a:masterClrMapping/>
   </p:clrMapOvr>
-  <mc:AlternateContent xmlns:mc="http://schemas.openxmlformats.org/markup-compatibility/2006">
-    <mc:Choice xmlns:p14="http://schemas.microsoft.com/office/powerpoint/2010/main" Requires="p14">
+  <mc:AlternateContent xmlns:mc="http://schemas.openxmlformats.org/markup-compatibility/2006" xmlns:p14="http://schemas.microsoft.com/office/powerpoint/2010/main">
+    <mc:Choice Requires="p14">
       <p:transition spd="slow" p14:dur="900">
         <p14:warp dir="in"/>
       </p:transition>
     </mc:Choice>
-    <mc:Fallback>
+    <mc:Fallback xmlns="">
       <p:transition spd="slow">
         <p:fade/>
       </p:transition>
@@ -15751,13 +15745,8 @@
             <a:pPr lvl="1"/>
             <a:r>
               <a:rPr lang="en-US" dirty="0" smtClean="0"/>
-              <a:t>Increase thinking </a:t>
-            </a:r>
-            <a:r>
-              <a:rPr lang="en-US" dirty="0" smtClean="0"/>
-              <a:t>efficiency</a:t>
-            </a:r>
-            <a:endParaRPr lang="en-US" dirty="0" smtClean="0"/>
+              <a:t>Increase thinking efficiency</a:t>
+            </a:r>
           </a:p>
         </p:txBody>
       </p:sp>

--- a/ModelTalk.pptx
+++ b/ModelTalk.pptx
@@ -1740,7 +1740,7 @@
       </dsp:nvSpPr>
       <dsp:spPr>
         <a:xfrm>
-          <a:off x="0" y="3779520"/>
+          <a:off x="0" y="3779519"/>
           <a:ext cx="7848600" cy="284480"/>
         </a:xfrm>
         <a:prstGeom prst="rect">
@@ -3103,7 +3103,7 @@
           <a:p>
             <a:fld id="{9FC7A91B-FA18-4D2F-A2DC-C0564A1AEA35}" type="datetimeFigureOut">
               <a:rPr lang="en-US" smtClean="0"/>
-              <a:t>4/16/2013</a:t>
+              <a:t>4/17/2013</a:t>
             </a:fld>
             <a:endParaRPr lang="en-US"/>
           </a:p>
@@ -3268,7 +3268,7 @@
           <a:p>
             <a:fld id="{E4FC77D9-5DDF-4A7B-B2B8-B112B85F14F8}" type="datetimeFigureOut">
               <a:rPr lang="en-US" smtClean="0"/>
-              <a:t>4/16/2013</a:t>
+              <a:t>4/17/2013</a:t>
             </a:fld>
             <a:endParaRPr lang="en-US"/>
           </a:p>
@@ -4244,11 +4244,16 @@
               <a:rPr lang="en-US" baseline="0" dirty="0" smtClean="0"/>
               <a:t>G’s Stance:  Actually, we can model physical uncertainty with probability and randomness.  </a:t>
             </a:r>
+            <a:endParaRPr lang="en-US" baseline="0" dirty="0" smtClean="0"/>
           </a:p>
           <a:p>
             <a:r>
               <a:rPr lang="en-US" baseline="0" dirty="0" smtClean="0"/>
-              <a:t>D’s Response:  You risk </a:t>
+              <a:t>D’s </a:t>
+            </a:r>
+            <a:r>
+              <a:rPr lang="en-US" baseline="0" dirty="0" smtClean="0"/>
+              <a:t>Response:  You risk </a:t>
             </a:r>
             <a:r>
               <a:rPr lang="en-US" baseline="0" dirty="0" err="1" smtClean="0"/>
@@ -4256,20 +4261,37 @@
             </a:r>
             <a:r>
               <a:rPr lang="en-US" baseline="0" dirty="0" smtClean="0"/>
-              <a:t> the data and mistake randomness with supposed order.  You also need HUGE sets of data to have a decent model.</a:t>
-            </a:r>
-          </a:p>
-          <a:p>
+              <a:t> the data and mistake randomness with supposed order.  You also need HUGE sets of data to have a decent model</a:t>
+            </a:r>
             <a:r>
               <a:rPr lang="en-US" baseline="0" dirty="0" smtClean="0"/>
-              <a:t>G’s stance: Ok, but you will never be correct either.   Your logical systems will never be complete without risking inconsistency.  And if you desire total consistency, then your system will be incomplete.</a:t>
-            </a:r>
+              <a:t>.  Think of the Bayesian error rate: you will never achieve an error smaller than the minimum Bayesian Error Rate when engaging in any kind of machine learning.</a:t>
+            </a:r>
+            <a:endParaRPr lang="en-US" baseline="0" dirty="0" smtClean="0"/>
           </a:p>
           <a:p>
             <a:r>
               <a:rPr lang="en-US" baseline="0" dirty="0" smtClean="0"/>
-              <a:t>D’s stance:  Well, we’re both fucked.</a:t>
-            </a:r>
+              <a:t>G’s stance: Ok, but you will never be correct either.   Your logical systems will never be complete without risking inconsistency.  And if you desire total consistency, then your system will be incomplete</a:t>
+            </a:r>
+            <a:r>
+              <a:rPr lang="en-US" baseline="0" dirty="0" smtClean="0"/>
+              <a:t>.</a:t>
+            </a:r>
+            <a:endParaRPr lang="en-US" baseline="0" dirty="0" smtClean="0"/>
+          </a:p>
+          <a:p>
+            <a:r>
+              <a:rPr lang="en-US" baseline="0" dirty="0" smtClean="0"/>
+              <a:t>D’s stance:  Well, we’re both fucked</a:t>
+            </a:r>
+            <a:r>
+              <a:rPr lang="en-US" baseline="0" dirty="0" smtClean="0"/>
+              <a:t>. I can’t ever gain complete and consistent knowledge, and you can’t ever take perfect data observations from  the environment.  And we both cannot make perfect manipulations due to the laws of thermodynamics– no matter how much we try to intervene, we cannot make energy flow from low to high without applying work.  We can’t make perpetual motion machines!</a:t>
+            </a:r>
+          </a:p>
+          <a:p>
+            <a:endParaRPr lang="en-US" baseline="0" dirty="0" smtClean="0"/>
           </a:p>
         </p:txBody>
       </p:sp>
@@ -4485,14 +4507,25 @@
             </a:r>
             <a:r>
               <a:rPr lang="en-US" baseline="0" dirty="0" smtClean="0"/>
-              <a:t> explain &amp; intervene given the limits of our models, but with the capabilities we do have, we can deliver the most likely explanations, predictions&amp; interventions.</a:t>
-            </a:r>
-          </a:p>
-          <a:p>
-            <a:r>
-              <a:rPr lang="en-US" baseline="0" dirty="0" smtClean="0"/>
-              <a:t>BIC</a:t>
-            </a:r>
+              <a:t> explain &amp; intervene given the limits of our models, but with the capabilities we do have, we can deliver the most likely explanations</a:t>
+            </a:r>
+            <a:r>
+              <a:rPr lang="en-US" baseline="0" smtClean="0"/>
+              <a:t>, </a:t>
+            </a:r>
+            <a:r>
+              <a:rPr lang="en-US" baseline="0" smtClean="0"/>
+              <a:t>predictions &amp; </a:t>
+            </a:r>
+            <a:r>
+              <a:rPr lang="en-US" baseline="0" smtClean="0"/>
+              <a:t>interventions</a:t>
+            </a:r>
+            <a:r>
+              <a:rPr lang="en-US" baseline="0" smtClean="0"/>
+              <a:t>.</a:t>
+            </a:r>
+            <a:endParaRPr lang="en-US" baseline="0" dirty="0" smtClean="0"/>
           </a:p>
           <a:p>
             <a:endParaRPr lang="en-US" dirty="0"/>
@@ -5024,7 +5057,7 @@
           <a:p>
             <a:fld id="{028801C9-EEE0-44A4-83C8-307F972F4A7F}" type="datetimeFigureOut">
               <a:rPr lang="en-US" smtClean="0"/>
-              <a:t>4/16/2013</a:t>
+              <a:t>4/17/2013</a:t>
             </a:fld>
             <a:endParaRPr lang="en-US"/>
           </a:p>
@@ -5194,7 +5227,7 @@
           <a:p>
             <a:fld id="{028801C9-EEE0-44A4-83C8-307F972F4A7F}" type="datetimeFigureOut">
               <a:rPr lang="en-US" smtClean="0"/>
-              <a:t>4/16/2013</a:t>
+              <a:t>4/17/2013</a:t>
             </a:fld>
             <a:endParaRPr lang="en-US"/>
           </a:p>
@@ -5374,7 +5407,7 @@
           <a:p>
             <a:fld id="{028801C9-EEE0-44A4-83C8-307F972F4A7F}" type="datetimeFigureOut">
               <a:rPr lang="en-US" smtClean="0"/>
-              <a:t>4/16/2013</a:t>
+              <a:t>4/17/2013</a:t>
             </a:fld>
             <a:endParaRPr lang="en-US"/>
           </a:p>
@@ -5544,7 +5577,7 @@
           <a:p>
             <a:fld id="{028801C9-EEE0-44A4-83C8-307F972F4A7F}" type="datetimeFigureOut">
               <a:rPr lang="en-US" smtClean="0"/>
-              <a:t>4/16/2013</a:t>
+              <a:t>4/17/2013</a:t>
             </a:fld>
             <a:endParaRPr lang="en-US"/>
           </a:p>
@@ -5790,7 +5823,7 @@
           <a:p>
             <a:fld id="{028801C9-EEE0-44A4-83C8-307F972F4A7F}" type="datetimeFigureOut">
               <a:rPr lang="en-US" smtClean="0"/>
-              <a:t>4/16/2013</a:t>
+              <a:t>4/17/2013</a:t>
             </a:fld>
             <a:endParaRPr lang="en-US"/>
           </a:p>
@@ -6078,7 +6111,7 @@
           <a:p>
             <a:fld id="{028801C9-EEE0-44A4-83C8-307F972F4A7F}" type="datetimeFigureOut">
               <a:rPr lang="en-US" smtClean="0"/>
-              <a:t>4/16/2013</a:t>
+              <a:t>4/17/2013</a:t>
             </a:fld>
             <a:endParaRPr lang="en-US"/>
           </a:p>
@@ -6500,7 +6533,7 @@
           <a:p>
             <a:fld id="{028801C9-EEE0-44A4-83C8-307F972F4A7F}" type="datetimeFigureOut">
               <a:rPr lang="en-US" smtClean="0"/>
-              <a:t>4/16/2013</a:t>
+              <a:t>4/17/2013</a:t>
             </a:fld>
             <a:endParaRPr lang="en-US"/>
           </a:p>
@@ -6618,7 +6651,7 @@
           <a:p>
             <a:fld id="{028801C9-EEE0-44A4-83C8-307F972F4A7F}" type="datetimeFigureOut">
               <a:rPr lang="en-US" smtClean="0"/>
-              <a:t>4/16/2013</a:t>
+              <a:t>4/17/2013</a:t>
             </a:fld>
             <a:endParaRPr lang="en-US"/>
           </a:p>
@@ -6713,7 +6746,7 @@
           <a:p>
             <a:fld id="{028801C9-EEE0-44A4-83C8-307F972F4A7F}" type="datetimeFigureOut">
               <a:rPr lang="en-US" smtClean="0"/>
-              <a:t>4/16/2013</a:t>
+              <a:t>4/17/2013</a:t>
             </a:fld>
             <a:endParaRPr lang="en-US"/>
           </a:p>
@@ -6990,7 +7023,7 @@
           <a:p>
             <a:fld id="{028801C9-EEE0-44A4-83C8-307F972F4A7F}" type="datetimeFigureOut">
               <a:rPr lang="en-US" smtClean="0"/>
-              <a:t>4/16/2013</a:t>
+              <a:t>4/17/2013</a:t>
             </a:fld>
             <a:endParaRPr lang="en-US"/>
           </a:p>
@@ -7243,7 +7276,7 @@
           <a:p>
             <a:fld id="{028801C9-EEE0-44A4-83C8-307F972F4A7F}" type="datetimeFigureOut">
               <a:rPr lang="en-US" smtClean="0"/>
-              <a:t>4/16/2013</a:t>
+              <a:t>4/17/2013</a:t>
             </a:fld>
             <a:endParaRPr lang="en-US"/>
           </a:p>
@@ -7480,7 +7513,7 @@
           <a:p>
             <a:fld id="{028801C9-EEE0-44A4-83C8-307F972F4A7F}" type="datetimeFigureOut">
               <a:rPr lang="en-US" smtClean="0"/>
-              <a:t>4/16/2013</a:t>
+              <a:t>4/17/2013</a:t>
             </a:fld>
             <a:endParaRPr lang="en-US"/>
           </a:p>
@@ -7867,12 +7900,21 @@
         </p:nvSpPr>
         <p:spPr/>
         <p:txBody>
-          <a:bodyPr/>
+          <a:bodyPr>
+            <a:normAutofit fontScale="90000"/>
+          </a:bodyPr>
           <a:lstStyle/>
           <a:p>
             <a:r>
               <a:rPr lang="en-US" dirty="0" smtClean="0"/>
-              <a:t>We are Models</a:t>
+              <a:t>We Are Modelers, </a:t>
+            </a:r>
+            <a:br>
+              <a:rPr lang="en-US" dirty="0" smtClean="0"/>
+            </a:br>
+            <a:r>
+              <a:rPr lang="en-US" dirty="0" smtClean="0"/>
+              <a:t>Pressing Our Models</a:t>
             </a:r>
             <a:endParaRPr lang="en-US" dirty="0"/>
           </a:p>
@@ -14540,69 +14582,6 @@
           <a:chExt cx="0" cy="0"/>
         </a:xfrm>
       </p:grpSpPr>
-      <p:sp>
-        <p:nvSpPr>
-          <p:cNvPr id="2" name="Title 1"/>
-          <p:cNvSpPr>
-            <a:spLocks noGrp="1"/>
-          </p:cNvSpPr>
-          <p:nvPr>
-            <p:ph type="title"/>
-          </p:nvPr>
-        </p:nvSpPr>
-        <p:spPr/>
-        <p:txBody>
-          <a:bodyPr/>
-          <a:lstStyle/>
-          <a:p>
-            <a:endParaRPr lang="en-US" dirty="0"/>
-          </a:p>
-        </p:txBody>
-      </p:sp>
-      <p:sp>
-        <p:nvSpPr>
-          <p:cNvPr id="3" name="Content Placeholder 2"/>
-          <p:cNvSpPr>
-            <a:spLocks noGrp="1"/>
-          </p:cNvSpPr>
-          <p:nvPr>
-            <p:ph idx="1"/>
-          </p:nvPr>
-        </p:nvSpPr>
-        <p:spPr>
-          <a:xfrm>
-            <a:off x="475635" y="1560972"/>
-            <a:ext cx="8229600" cy="4525963"/>
-          </a:xfrm>
-        </p:spPr>
-        <p:txBody>
-          <a:bodyPr>
-            <a:normAutofit/>
-          </a:bodyPr>
-          <a:lstStyle/>
-          <a:p>
-            <a:endParaRPr lang="en-US" dirty="0" smtClean="0"/>
-          </a:p>
-          <a:p>
-            <a:endParaRPr lang="en-US" dirty="0"/>
-          </a:p>
-          <a:p>
-            <a:endParaRPr lang="en-US" dirty="0" smtClean="0"/>
-          </a:p>
-          <a:p>
-            <a:endParaRPr lang="en-US" dirty="0"/>
-          </a:p>
-          <a:p>
-            <a:endParaRPr lang="en-US" dirty="0"/>
-          </a:p>
-          <a:p>
-            <a:endParaRPr lang="en-US" dirty="0" smtClean="0"/>
-          </a:p>
-          <a:p>
-            <a:endParaRPr lang="en-US" dirty="0"/>
-          </a:p>
-        </p:txBody>
-      </p:sp>
       <p:graphicFrame>
         <p:nvGraphicFramePr>
           <p:cNvPr id="5" name="Diagram 4"/>
@@ -15039,10 +15018,10 @@
         </p:nvGrpSpPr>
         <p:grpSpPr>
           <a:xfrm>
-            <a:off x="5827375" y="1538112"/>
-            <a:ext cx="2613645" cy="887898"/>
-            <a:chOff x="5206345" y="2306004"/>
-            <a:chExt cx="2613645" cy="1493537"/>
+            <a:off x="5814307" y="1538112"/>
+            <a:ext cx="2639781" cy="887898"/>
+            <a:chOff x="5193277" y="2306004"/>
+            <a:chExt cx="2639781" cy="1493537"/>
           </a:xfrm>
         </p:grpSpPr>
         <p:sp>
@@ -15053,8 +15032,8 @@
           </p:nvSpPr>
           <p:spPr>
             <a:xfrm>
-              <a:off x="5206345" y="2306004"/>
-              <a:ext cx="2613645" cy="1493537"/>
+              <a:off x="5193277" y="2306004"/>
+              <a:ext cx="2639781" cy="1493537"/>
             </a:xfrm>
             <a:prstGeom prst="rect">
               <a:avLst/>
@@ -15308,6 +15287,428 @@
           </a:p>
         </p:txBody>
       </p:sp>
+      <p:sp>
+        <p:nvSpPr>
+          <p:cNvPr id="23" name="Rectangle 22"/>
+          <p:cNvSpPr/>
+          <p:nvPr/>
+        </p:nvSpPr>
+        <p:spPr>
+          <a:xfrm>
+            <a:off x="3234675" y="1538112"/>
+            <a:ext cx="2613645" cy="2576688"/>
+          </a:xfrm>
+          <a:prstGeom prst="rect">
+            <a:avLst/>
+          </a:prstGeom>
+          <a:gradFill>
+            <a:gsLst>
+              <a:gs pos="0">
+                <a:schemeClr val="accent1">
+                  <a:hueOff val="0"/>
+                  <a:satOff val="0"/>
+                  <a:lumOff val="0"/>
+                  <a:shade val="51000"/>
+                  <a:satMod val="130000"/>
+                </a:schemeClr>
+              </a:gs>
+              <a:gs pos="80000">
+                <a:schemeClr val="accent1">
+                  <a:hueOff val="0"/>
+                  <a:satOff val="0"/>
+                  <a:lumOff val="0"/>
+                  <a:shade val="93000"/>
+                  <a:satMod val="130000"/>
+                </a:schemeClr>
+              </a:gs>
+              <a:gs pos="100000">
+                <a:schemeClr val="accent1">
+                  <a:hueOff val="0"/>
+                  <a:satOff val="0"/>
+                  <a:lumOff val="0"/>
+                  <a:shade val="94000"/>
+                  <a:satMod val="135000"/>
+                </a:schemeClr>
+              </a:gs>
+            </a:gsLst>
+          </a:gradFill>
+        </p:spPr>
+        <p:style>
+          <a:lnRef idx="0">
+            <a:schemeClr val="lt1">
+              <a:hueOff val="0"/>
+              <a:satOff val="0"/>
+              <a:lumOff val="0"/>
+              <a:alphaOff val="0"/>
+            </a:schemeClr>
+          </a:lnRef>
+          <a:fillRef idx="3">
+            <a:schemeClr val="accent1">
+              <a:alpha val="90000"/>
+              <a:hueOff val="0"/>
+              <a:satOff val="0"/>
+              <a:lumOff val="0"/>
+              <a:alphaOff val="-20000"/>
+            </a:schemeClr>
+          </a:fillRef>
+          <a:effectRef idx="3">
+            <a:schemeClr val="accent1">
+              <a:alpha val="90000"/>
+              <a:hueOff val="0"/>
+              <a:satOff val="0"/>
+              <a:lumOff val="0"/>
+              <a:alphaOff val="-20000"/>
+            </a:schemeClr>
+          </a:effectRef>
+          <a:fontRef idx="minor">
+            <a:schemeClr val="lt1"/>
+          </a:fontRef>
+        </p:style>
+      </p:sp>
+      <p:sp>
+        <p:nvSpPr>
+          <p:cNvPr id="29" name="Rectangle 28"/>
+          <p:cNvSpPr/>
+          <p:nvPr/>
+        </p:nvSpPr>
+        <p:spPr>
+          <a:xfrm>
+            <a:off x="5857240" y="1538112"/>
+            <a:ext cx="2613645" cy="2576688"/>
+          </a:xfrm>
+          <a:prstGeom prst="rect">
+            <a:avLst/>
+          </a:prstGeom>
+          <a:gradFill>
+            <a:gsLst>
+              <a:gs pos="0">
+                <a:schemeClr val="accent1">
+                  <a:hueOff val="0"/>
+                  <a:satOff val="0"/>
+                  <a:lumOff val="0"/>
+                  <a:shade val="51000"/>
+                  <a:satMod val="130000"/>
+                </a:schemeClr>
+              </a:gs>
+              <a:gs pos="80000">
+                <a:schemeClr val="accent1">
+                  <a:hueOff val="0"/>
+                  <a:satOff val="0"/>
+                  <a:lumOff val="0"/>
+                  <a:shade val="93000"/>
+                  <a:satMod val="130000"/>
+                </a:schemeClr>
+              </a:gs>
+              <a:gs pos="100000">
+                <a:schemeClr val="accent1">
+                  <a:hueOff val="0"/>
+                  <a:satOff val="0"/>
+                  <a:lumOff val="0"/>
+                  <a:shade val="94000"/>
+                  <a:satMod val="135000"/>
+                </a:schemeClr>
+              </a:gs>
+            </a:gsLst>
+          </a:gradFill>
+        </p:spPr>
+        <p:style>
+          <a:lnRef idx="0">
+            <a:schemeClr val="lt1">
+              <a:hueOff val="0"/>
+              <a:satOff val="0"/>
+              <a:lumOff val="0"/>
+              <a:alphaOff val="0"/>
+            </a:schemeClr>
+          </a:lnRef>
+          <a:fillRef idx="3">
+            <a:schemeClr val="accent1">
+              <a:alpha val="90000"/>
+              <a:hueOff val="0"/>
+              <a:satOff val="0"/>
+              <a:lumOff val="0"/>
+              <a:alphaOff val="-40000"/>
+            </a:schemeClr>
+          </a:fillRef>
+          <a:effectRef idx="3">
+            <a:schemeClr val="accent1">
+              <a:alpha val="90000"/>
+              <a:hueOff val="0"/>
+              <a:satOff val="0"/>
+              <a:lumOff val="0"/>
+              <a:alphaOff val="-40000"/>
+            </a:schemeClr>
+          </a:effectRef>
+          <a:fontRef idx="minor">
+            <a:schemeClr val="lt1"/>
+          </a:fontRef>
+        </p:style>
+      </p:sp>
+      <p:sp>
+        <p:nvSpPr>
+          <p:cNvPr id="30" name="Rectangle 29"/>
+          <p:cNvSpPr/>
+          <p:nvPr/>
+        </p:nvSpPr>
+        <p:spPr>
+          <a:xfrm>
+            <a:off x="5854072" y="1538112"/>
+            <a:ext cx="2613645" cy="2576688"/>
+          </a:xfrm>
+          <a:prstGeom prst="rect">
+            <a:avLst/>
+          </a:prstGeom>
+        </p:spPr>
+        <p:style>
+          <a:lnRef idx="0">
+            <a:scrgbClr r="0" g="0" b="0"/>
+          </a:lnRef>
+          <a:fillRef idx="0">
+            <a:scrgbClr r="0" g="0" b="0"/>
+          </a:fillRef>
+          <a:effectRef idx="0">
+            <a:scrgbClr r="0" g="0" b="0"/>
+          </a:effectRef>
+          <a:fontRef idx="minor">
+            <a:schemeClr val="lt1"/>
+          </a:fontRef>
+        </p:style>
+        <p:txBody>
+          <a:bodyPr spcFirstLastPara="0" vert="horz" wrap="square" lIns="80010" tIns="80010" rIns="80010" bIns="80010" numCol="1" spcCol="1270" anchor="ctr" anchorCtr="0">
+            <a:noAutofit/>
+          </a:bodyPr>
+          <a:lstStyle/>
+          <a:p>
+            <a:pPr lvl="0" algn="ctr" defTabSz="933450">
+              <a:lnSpc>
+                <a:spcPct val="90000"/>
+              </a:lnSpc>
+              <a:spcBef>
+                <a:spcPct val="0"/>
+              </a:spcBef>
+              <a:spcAft>
+                <a:spcPct val="35000"/>
+              </a:spcAft>
+            </a:pPr>
+            <a:endParaRPr lang="en-US" sz="2400" kern="1200" dirty="0"/>
+          </a:p>
+        </p:txBody>
+      </p:sp>
+      <p:sp>
+        <p:nvSpPr>
+          <p:cNvPr id="31" name="Rectangle 30"/>
+          <p:cNvSpPr/>
+          <p:nvPr/>
+        </p:nvSpPr>
+        <p:spPr>
+          <a:xfrm>
+            <a:off x="621030" y="1538112"/>
+            <a:ext cx="2613645" cy="2576688"/>
+          </a:xfrm>
+          <a:prstGeom prst="rect">
+            <a:avLst/>
+          </a:prstGeom>
+          <a:gradFill>
+            <a:gsLst>
+              <a:gs pos="0">
+                <a:schemeClr val="accent1">
+                  <a:hueOff val="0"/>
+                  <a:satOff val="0"/>
+                  <a:lumOff val="0"/>
+                  <a:shade val="51000"/>
+                  <a:satMod val="130000"/>
+                </a:schemeClr>
+              </a:gs>
+              <a:gs pos="80000">
+                <a:schemeClr val="accent1">
+                  <a:hueOff val="0"/>
+                  <a:satOff val="0"/>
+                  <a:lumOff val="0"/>
+                  <a:shade val="93000"/>
+                  <a:satMod val="130000"/>
+                </a:schemeClr>
+              </a:gs>
+              <a:gs pos="100000">
+                <a:schemeClr val="accent1">
+                  <a:hueOff val="0"/>
+                  <a:satOff val="0"/>
+                  <a:lumOff val="0"/>
+                  <a:shade val="94000"/>
+                  <a:satMod val="135000"/>
+                </a:schemeClr>
+              </a:gs>
+            </a:gsLst>
+          </a:gradFill>
+        </p:spPr>
+        <p:style>
+          <a:lnRef idx="0">
+            <a:schemeClr val="lt1">
+              <a:hueOff val="0"/>
+              <a:satOff val="0"/>
+              <a:lumOff val="0"/>
+              <a:alphaOff val="0"/>
+            </a:schemeClr>
+          </a:lnRef>
+          <a:fillRef idx="3">
+            <a:schemeClr val="accent1">
+              <a:alpha val="90000"/>
+              <a:hueOff val="0"/>
+              <a:satOff val="0"/>
+              <a:lumOff val="0"/>
+              <a:alphaOff val="-20000"/>
+            </a:schemeClr>
+          </a:fillRef>
+          <a:effectRef idx="3">
+            <a:schemeClr val="accent1">
+              <a:alpha val="90000"/>
+              <a:hueOff val="0"/>
+              <a:satOff val="0"/>
+              <a:lumOff val="0"/>
+              <a:alphaOff val="-20000"/>
+            </a:schemeClr>
+          </a:effectRef>
+          <a:fontRef idx="minor">
+            <a:schemeClr val="lt1"/>
+          </a:fontRef>
+        </p:style>
+      </p:sp>
+      <p:sp>
+        <p:nvSpPr>
+          <p:cNvPr id="17" name="TextBox 16"/>
+          <p:cNvSpPr txBox="1"/>
+          <p:nvPr/>
+        </p:nvSpPr>
+        <p:spPr>
+          <a:xfrm>
+            <a:off x="944691" y="2029717"/>
+            <a:ext cx="1931939" cy="1446550"/>
+          </a:xfrm>
+          <a:prstGeom prst="rect">
+            <a:avLst/>
+          </a:prstGeom>
+          <a:noFill/>
+        </p:spPr>
+        <p:txBody>
+          <a:bodyPr wrap="none" rtlCol="0">
+            <a:spAutoFit/>
+          </a:bodyPr>
+          <a:lstStyle/>
+          <a:p>
+            <a:r>
+              <a:rPr lang="en-US" sz="8800" b="1" i="1" dirty="0" err="1" smtClean="0">
+                <a:solidFill>
+                  <a:schemeClr val="accent2">
+                    <a:lumMod val="40000"/>
+                    <a:lumOff val="60000"/>
+                  </a:schemeClr>
+                </a:solidFill>
+                <a:latin typeface="Constantia" pitchFamily="18" charset="0"/>
+              </a:rPr>
+              <a:t>lim</a:t>
+            </a:r>
+            <a:endParaRPr lang="en-US" sz="8800" b="1" i="1" dirty="0">
+              <a:solidFill>
+                <a:schemeClr val="accent2">
+                  <a:lumMod val="40000"/>
+                  <a:lumOff val="60000"/>
+                </a:schemeClr>
+              </a:solidFill>
+              <a:latin typeface="Constantia" pitchFamily="18" charset="0"/>
+            </a:endParaRPr>
+          </a:p>
+        </p:txBody>
+      </p:sp>
+      <p:sp>
+        <p:nvSpPr>
+          <p:cNvPr id="35" name="TextBox 34"/>
+          <p:cNvSpPr txBox="1"/>
+          <p:nvPr/>
+        </p:nvSpPr>
+        <p:spPr>
+          <a:xfrm>
+            <a:off x="3474432" y="1968162"/>
+            <a:ext cx="2092239" cy="1569660"/>
+          </a:xfrm>
+          <a:prstGeom prst="rect">
+            <a:avLst/>
+          </a:prstGeom>
+          <a:noFill/>
+        </p:spPr>
+        <p:txBody>
+          <a:bodyPr wrap="none" rtlCol="0">
+            <a:spAutoFit/>
+          </a:bodyPr>
+          <a:lstStyle/>
+          <a:p>
+            <a:r>
+              <a:rPr lang="en-US" sz="9600" b="1" i="1" dirty="0" err="1">
+                <a:solidFill>
+                  <a:schemeClr val="accent2">
+                    <a:lumMod val="40000"/>
+                    <a:lumOff val="60000"/>
+                  </a:schemeClr>
+                </a:solidFill>
+                <a:latin typeface="Constantia" pitchFamily="18" charset="0"/>
+              </a:rPr>
+              <a:t>lim</a:t>
+            </a:r>
+            <a:endParaRPr lang="en-US" sz="9600" b="1" i="1" dirty="0">
+              <a:solidFill>
+                <a:schemeClr val="accent2">
+                  <a:lumMod val="40000"/>
+                  <a:lumOff val="60000"/>
+                </a:schemeClr>
+              </a:solidFill>
+              <a:latin typeface="Constantia" pitchFamily="18" charset="0"/>
+            </a:endParaRPr>
+          </a:p>
+        </p:txBody>
+      </p:sp>
+      <p:sp>
+        <p:nvSpPr>
+          <p:cNvPr id="36" name="TextBox 35"/>
+          <p:cNvSpPr txBox="1"/>
+          <p:nvPr/>
+        </p:nvSpPr>
+        <p:spPr>
+          <a:xfrm>
+            <a:off x="6126205" y="1968162"/>
+            <a:ext cx="2092239" cy="1569660"/>
+          </a:xfrm>
+          <a:prstGeom prst="rect">
+            <a:avLst/>
+          </a:prstGeom>
+          <a:noFill/>
+        </p:spPr>
+        <p:txBody>
+          <a:bodyPr wrap="none" rtlCol="0">
+            <a:spAutoFit/>
+          </a:bodyPr>
+          <a:lstStyle/>
+          <a:p>
+            <a:r>
+              <a:rPr lang="en-US" sz="9600" b="1" i="1" dirty="0" err="1">
+                <a:solidFill>
+                  <a:schemeClr val="accent2">
+                    <a:lumMod val="40000"/>
+                    <a:lumOff val="60000"/>
+                  </a:schemeClr>
+                </a:solidFill>
+                <a:latin typeface="Constantia" pitchFamily="18" charset="0"/>
+              </a:rPr>
+              <a:t>lim</a:t>
+            </a:r>
+            <a:endParaRPr lang="en-US" sz="9600" b="1" i="1" dirty="0">
+              <a:solidFill>
+                <a:schemeClr val="accent2">
+                  <a:lumMod val="40000"/>
+                  <a:lumOff val="60000"/>
+                </a:schemeClr>
+              </a:solidFill>
+              <a:latin typeface="Constantia" pitchFamily="18" charset="0"/>
+            </a:endParaRPr>
+          </a:p>
+        </p:txBody>
+      </p:sp>
     </p:spTree>
     <p:extLst>
       <p:ext uri="{BB962C8B-B14F-4D97-AF65-F5344CB8AC3E}">
@@ -15351,14 +15752,692 @@
                             </p:stCondLst>
                             <p:childTnLst>
                               <p:par>
-                                <p:cTn id="5" presetID="1" presetClass="entr" presetSubtype="0" fill="hold" grpId="0" nodeType="clickEffect">
+                                <p:cTn id="5" presetID="49" presetClass="exit" presetSubtype="0" accel="100000" fill="hold" nodeType="clickEffect">
+                                  <p:stCondLst>
+                                    <p:cond delay="0"/>
+                                  </p:stCondLst>
+                                  <p:childTnLst>
+                                    <p:anim calcmode="lin" valueType="num">
+                                      <p:cBhvr>
+                                        <p:cTn id="6" dur="500"/>
+                                        <p:tgtEl>
+                                          <p:spTgt spid="31"/>
+                                        </p:tgtEl>
+                                        <p:attrNameLst>
+                                          <p:attrName>ppt_w</p:attrName>
+                                        </p:attrNameLst>
+                                      </p:cBhvr>
+                                      <p:tavLst>
+                                        <p:tav tm="0">
+                                          <p:val>
+                                            <p:strVal val="ppt_w"/>
+                                          </p:val>
+                                        </p:tav>
+                                        <p:tav tm="100000">
+                                          <p:val>
+                                            <p:fltVal val="0"/>
+                                          </p:val>
+                                        </p:tav>
+                                      </p:tavLst>
+                                    </p:anim>
+                                    <p:anim calcmode="lin" valueType="num">
+                                      <p:cBhvr>
+                                        <p:cTn id="7" dur="500"/>
+                                        <p:tgtEl>
+                                          <p:spTgt spid="31"/>
+                                        </p:tgtEl>
+                                        <p:attrNameLst>
+                                          <p:attrName>ppt_h</p:attrName>
+                                        </p:attrNameLst>
+                                      </p:cBhvr>
+                                      <p:tavLst>
+                                        <p:tav tm="0">
+                                          <p:val>
+                                            <p:strVal val="ppt_h"/>
+                                          </p:val>
+                                        </p:tav>
+                                        <p:tav tm="100000">
+                                          <p:val>
+                                            <p:fltVal val="0"/>
+                                          </p:val>
+                                        </p:tav>
+                                      </p:tavLst>
+                                    </p:anim>
+                                    <p:anim calcmode="lin" valueType="num">
+                                      <p:cBhvr>
+                                        <p:cTn id="8" dur="500"/>
+                                        <p:tgtEl>
+                                          <p:spTgt spid="31"/>
+                                        </p:tgtEl>
+                                        <p:attrNameLst>
+                                          <p:attrName>style.rotation</p:attrName>
+                                        </p:attrNameLst>
+                                      </p:cBhvr>
+                                      <p:tavLst>
+                                        <p:tav tm="0">
+                                          <p:val>
+                                            <p:fltVal val="0"/>
+                                          </p:val>
+                                        </p:tav>
+                                        <p:tav tm="100000">
+                                          <p:val>
+                                            <p:fltVal val="360"/>
+                                          </p:val>
+                                        </p:tav>
+                                      </p:tavLst>
+                                    </p:anim>
+                                    <p:animEffect transition="out" filter="fade">
+                                      <p:cBhvr>
+                                        <p:cTn id="9" dur="500"/>
+                                        <p:tgtEl>
+                                          <p:spTgt spid="31"/>
+                                        </p:tgtEl>
+                                      </p:cBhvr>
+                                    </p:animEffect>
+                                    <p:set>
+                                      <p:cBhvr>
+                                        <p:cTn id="10" dur="1" fill="hold">
+                                          <p:stCondLst>
+                                            <p:cond delay="499"/>
+                                          </p:stCondLst>
+                                        </p:cTn>
+                                        <p:tgtEl>
+                                          <p:spTgt spid="31"/>
+                                        </p:tgtEl>
+                                        <p:attrNameLst>
+                                          <p:attrName>style.visibility</p:attrName>
+                                        </p:attrNameLst>
+                                      </p:cBhvr>
+                                      <p:to>
+                                        <p:strVal val="hidden"/>
+                                      </p:to>
+                                    </p:set>
+                                  </p:childTnLst>
+                                </p:cTn>
+                              </p:par>
+                              <p:par>
+                                <p:cTn id="11" presetID="49" presetClass="exit" presetSubtype="0" accel="100000" fill="hold" grpId="0" nodeType="withEffect">
+                                  <p:stCondLst>
+                                    <p:cond delay="0"/>
+                                  </p:stCondLst>
+                                  <p:childTnLst>
+                                    <p:anim calcmode="lin" valueType="num">
+                                      <p:cBhvr>
+                                        <p:cTn id="12" dur="500"/>
+                                        <p:tgtEl>
+                                          <p:spTgt spid="17"/>
+                                        </p:tgtEl>
+                                        <p:attrNameLst>
+                                          <p:attrName>ppt_w</p:attrName>
+                                        </p:attrNameLst>
+                                      </p:cBhvr>
+                                      <p:tavLst>
+                                        <p:tav tm="0">
+                                          <p:val>
+                                            <p:strVal val="ppt_w"/>
+                                          </p:val>
+                                        </p:tav>
+                                        <p:tav tm="100000">
+                                          <p:val>
+                                            <p:fltVal val="0"/>
+                                          </p:val>
+                                        </p:tav>
+                                      </p:tavLst>
+                                    </p:anim>
+                                    <p:anim calcmode="lin" valueType="num">
+                                      <p:cBhvr>
+                                        <p:cTn id="13" dur="500"/>
+                                        <p:tgtEl>
+                                          <p:spTgt spid="17"/>
+                                        </p:tgtEl>
+                                        <p:attrNameLst>
+                                          <p:attrName>ppt_h</p:attrName>
+                                        </p:attrNameLst>
+                                      </p:cBhvr>
+                                      <p:tavLst>
+                                        <p:tav tm="0">
+                                          <p:val>
+                                            <p:strVal val="ppt_h"/>
+                                          </p:val>
+                                        </p:tav>
+                                        <p:tav tm="100000">
+                                          <p:val>
+                                            <p:fltVal val="0"/>
+                                          </p:val>
+                                        </p:tav>
+                                      </p:tavLst>
+                                    </p:anim>
+                                    <p:anim calcmode="lin" valueType="num">
+                                      <p:cBhvr>
+                                        <p:cTn id="14" dur="500"/>
+                                        <p:tgtEl>
+                                          <p:spTgt spid="17"/>
+                                        </p:tgtEl>
+                                        <p:attrNameLst>
+                                          <p:attrName>style.rotation</p:attrName>
+                                        </p:attrNameLst>
+                                      </p:cBhvr>
+                                      <p:tavLst>
+                                        <p:tav tm="0">
+                                          <p:val>
+                                            <p:fltVal val="0"/>
+                                          </p:val>
+                                        </p:tav>
+                                        <p:tav tm="100000">
+                                          <p:val>
+                                            <p:fltVal val="360"/>
+                                          </p:val>
+                                        </p:tav>
+                                      </p:tavLst>
+                                    </p:anim>
+                                    <p:animEffect transition="out" filter="fade">
+                                      <p:cBhvr>
+                                        <p:cTn id="15" dur="500"/>
+                                        <p:tgtEl>
+                                          <p:spTgt spid="17"/>
+                                        </p:tgtEl>
+                                      </p:cBhvr>
+                                    </p:animEffect>
+                                    <p:set>
+                                      <p:cBhvr>
+                                        <p:cTn id="16" dur="1" fill="hold">
+                                          <p:stCondLst>
+                                            <p:cond delay="499"/>
+                                          </p:stCondLst>
+                                        </p:cTn>
+                                        <p:tgtEl>
+                                          <p:spTgt spid="17"/>
+                                        </p:tgtEl>
+                                        <p:attrNameLst>
+                                          <p:attrName>style.visibility</p:attrName>
+                                        </p:attrNameLst>
+                                      </p:cBhvr>
+                                      <p:to>
+                                        <p:strVal val="hidden"/>
+                                      </p:to>
+                                    </p:set>
+                                  </p:childTnLst>
+                                </p:cTn>
+                              </p:par>
+                            </p:childTnLst>
+                          </p:cTn>
+                        </p:par>
+                      </p:childTnLst>
+                    </p:cTn>
+                  </p:par>
+                  <p:par>
+                    <p:cTn id="17" fill="hold">
+                      <p:stCondLst>
+                        <p:cond delay="indefinite"/>
+                      </p:stCondLst>
+                      <p:childTnLst>
+                        <p:par>
+                          <p:cTn id="18" fill="hold">
+                            <p:stCondLst>
+                              <p:cond delay="0"/>
+                            </p:stCondLst>
+                            <p:childTnLst>
+                              <p:par>
+                                <p:cTn id="19" presetID="49" presetClass="exit" presetSubtype="0" accel="100000" fill="hold" nodeType="clickEffect">
+                                  <p:stCondLst>
+                                    <p:cond delay="0"/>
+                                  </p:stCondLst>
+                                  <p:childTnLst>
+                                    <p:anim calcmode="lin" valueType="num">
+                                      <p:cBhvr>
+                                        <p:cTn id="20" dur="500"/>
+                                        <p:tgtEl>
+                                          <p:spTgt spid="29"/>
+                                        </p:tgtEl>
+                                        <p:attrNameLst>
+                                          <p:attrName>ppt_w</p:attrName>
+                                        </p:attrNameLst>
+                                      </p:cBhvr>
+                                      <p:tavLst>
+                                        <p:tav tm="0">
+                                          <p:val>
+                                            <p:strVal val="ppt_w"/>
+                                          </p:val>
+                                        </p:tav>
+                                        <p:tav tm="100000">
+                                          <p:val>
+                                            <p:fltVal val="0"/>
+                                          </p:val>
+                                        </p:tav>
+                                      </p:tavLst>
+                                    </p:anim>
+                                    <p:anim calcmode="lin" valueType="num">
+                                      <p:cBhvr>
+                                        <p:cTn id="21" dur="500"/>
+                                        <p:tgtEl>
+                                          <p:spTgt spid="29"/>
+                                        </p:tgtEl>
+                                        <p:attrNameLst>
+                                          <p:attrName>ppt_h</p:attrName>
+                                        </p:attrNameLst>
+                                      </p:cBhvr>
+                                      <p:tavLst>
+                                        <p:tav tm="0">
+                                          <p:val>
+                                            <p:strVal val="ppt_h"/>
+                                          </p:val>
+                                        </p:tav>
+                                        <p:tav tm="100000">
+                                          <p:val>
+                                            <p:fltVal val="0"/>
+                                          </p:val>
+                                        </p:tav>
+                                      </p:tavLst>
+                                    </p:anim>
+                                    <p:anim calcmode="lin" valueType="num">
+                                      <p:cBhvr>
+                                        <p:cTn id="22" dur="500"/>
+                                        <p:tgtEl>
+                                          <p:spTgt spid="29"/>
+                                        </p:tgtEl>
+                                        <p:attrNameLst>
+                                          <p:attrName>style.rotation</p:attrName>
+                                        </p:attrNameLst>
+                                      </p:cBhvr>
+                                      <p:tavLst>
+                                        <p:tav tm="0">
+                                          <p:val>
+                                            <p:fltVal val="0"/>
+                                          </p:val>
+                                        </p:tav>
+                                        <p:tav tm="100000">
+                                          <p:val>
+                                            <p:fltVal val="360"/>
+                                          </p:val>
+                                        </p:tav>
+                                      </p:tavLst>
+                                    </p:anim>
+                                    <p:animEffect transition="out" filter="fade">
+                                      <p:cBhvr>
+                                        <p:cTn id="23" dur="500"/>
+                                        <p:tgtEl>
+                                          <p:spTgt spid="29"/>
+                                        </p:tgtEl>
+                                      </p:cBhvr>
+                                    </p:animEffect>
+                                    <p:set>
+                                      <p:cBhvr>
+                                        <p:cTn id="24" dur="1" fill="hold">
+                                          <p:stCondLst>
+                                            <p:cond delay="499"/>
+                                          </p:stCondLst>
+                                        </p:cTn>
+                                        <p:tgtEl>
+                                          <p:spTgt spid="29"/>
+                                        </p:tgtEl>
+                                        <p:attrNameLst>
+                                          <p:attrName>style.visibility</p:attrName>
+                                        </p:attrNameLst>
+                                      </p:cBhvr>
+                                      <p:to>
+                                        <p:strVal val="hidden"/>
+                                      </p:to>
+                                    </p:set>
+                                  </p:childTnLst>
+                                </p:cTn>
+                              </p:par>
+                              <p:par>
+                                <p:cTn id="25" presetID="49" presetClass="exit" presetSubtype="0" accel="100000" fill="hold" grpId="0" nodeType="withEffect">
+                                  <p:stCondLst>
+                                    <p:cond delay="0"/>
+                                  </p:stCondLst>
+                                  <p:childTnLst>
+                                    <p:anim calcmode="lin" valueType="num">
+                                      <p:cBhvr>
+                                        <p:cTn id="26" dur="500"/>
+                                        <p:tgtEl>
+                                          <p:spTgt spid="36"/>
+                                        </p:tgtEl>
+                                        <p:attrNameLst>
+                                          <p:attrName>ppt_w</p:attrName>
+                                        </p:attrNameLst>
+                                      </p:cBhvr>
+                                      <p:tavLst>
+                                        <p:tav tm="0">
+                                          <p:val>
+                                            <p:strVal val="ppt_w"/>
+                                          </p:val>
+                                        </p:tav>
+                                        <p:tav tm="100000">
+                                          <p:val>
+                                            <p:fltVal val="0"/>
+                                          </p:val>
+                                        </p:tav>
+                                      </p:tavLst>
+                                    </p:anim>
+                                    <p:anim calcmode="lin" valueType="num">
+                                      <p:cBhvr>
+                                        <p:cTn id="27" dur="500"/>
+                                        <p:tgtEl>
+                                          <p:spTgt spid="36"/>
+                                        </p:tgtEl>
+                                        <p:attrNameLst>
+                                          <p:attrName>ppt_h</p:attrName>
+                                        </p:attrNameLst>
+                                      </p:cBhvr>
+                                      <p:tavLst>
+                                        <p:tav tm="0">
+                                          <p:val>
+                                            <p:strVal val="ppt_h"/>
+                                          </p:val>
+                                        </p:tav>
+                                        <p:tav tm="100000">
+                                          <p:val>
+                                            <p:fltVal val="0"/>
+                                          </p:val>
+                                        </p:tav>
+                                      </p:tavLst>
+                                    </p:anim>
+                                    <p:anim calcmode="lin" valueType="num">
+                                      <p:cBhvr>
+                                        <p:cTn id="28" dur="500"/>
+                                        <p:tgtEl>
+                                          <p:spTgt spid="36"/>
+                                        </p:tgtEl>
+                                        <p:attrNameLst>
+                                          <p:attrName>style.rotation</p:attrName>
+                                        </p:attrNameLst>
+                                      </p:cBhvr>
+                                      <p:tavLst>
+                                        <p:tav tm="0">
+                                          <p:val>
+                                            <p:fltVal val="0"/>
+                                          </p:val>
+                                        </p:tav>
+                                        <p:tav tm="100000">
+                                          <p:val>
+                                            <p:fltVal val="360"/>
+                                          </p:val>
+                                        </p:tav>
+                                      </p:tavLst>
+                                    </p:anim>
+                                    <p:animEffect transition="out" filter="fade">
+                                      <p:cBhvr>
+                                        <p:cTn id="29" dur="500"/>
+                                        <p:tgtEl>
+                                          <p:spTgt spid="36"/>
+                                        </p:tgtEl>
+                                      </p:cBhvr>
+                                    </p:animEffect>
+                                    <p:set>
+                                      <p:cBhvr>
+                                        <p:cTn id="30" dur="1" fill="hold">
+                                          <p:stCondLst>
+                                            <p:cond delay="499"/>
+                                          </p:stCondLst>
+                                        </p:cTn>
+                                        <p:tgtEl>
+                                          <p:spTgt spid="36"/>
+                                        </p:tgtEl>
+                                        <p:attrNameLst>
+                                          <p:attrName>style.visibility</p:attrName>
+                                        </p:attrNameLst>
+                                      </p:cBhvr>
+                                      <p:to>
+                                        <p:strVal val="hidden"/>
+                                      </p:to>
+                                    </p:set>
+                                  </p:childTnLst>
+                                </p:cTn>
+                              </p:par>
+                            </p:childTnLst>
+                          </p:cTn>
+                        </p:par>
+                      </p:childTnLst>
+                    </p:cTn>
+                  </p:par>
+                  <p:par>
+                    <p:cTn id="31" fill="hold">
+                      <p:stCondLst>
+                        <p:cond delay="indefinite"/>
+                      </p:stCondLst>
+                      <p:childTnLst>
+                        <p:par>
+                          <p:cTn id="32" fill="hold">
+                            <p:stCondLst>
+                              <p:cond delay="0"/>
+                            </p:stCondLst>
+                            <p:childTnLst>
+                              <p:par>
+                                <p:cTn id="33" presetID="49" presetClass="exit" presetSubtype="0" accel="100000" fill="hold" nodeType="clickEffect">
+                                  <p:stCondLst>
+                                    <p:cond delay="0"/>
+                                  </p:stCondLst>
+                                  <p:childTnLst>
+                                    <p:anim calcmode="lin" valueType="num">
+                                      <p:cBhvr>
+                                        <p:cTn id="34" dur="500"/>
+                                        <p:tgtEl>
+                                          <p:spTgt spid="23"/>
+                                        </p:tgtEl>
+                                        <p:attrNameLst>
+                                          <p:attrName>ppt_w</p:attrName>
+                                        </p:attrNameLst>
+                                      </p:cBhvr>
+                                      <p:tavLst>
+                                        <p:tav tm="0">
+                                          <p:val>
+                                            <p:strVal val="ppt_w"/>
+                                          </p:val>
+                                        </p:tav>
+                                        <p:tav tm="100000">
+                                          <p:val>
+                                            <p:fltVal val="0"/>
+                                          </p:val>
+                                        </p:tav>
+                                      </p:tavLst>
+                                    </p:anim>
+                                    <p:anim calcmode="lin" valueType="num">
+                                      <p:cBhvr>
+                                        <p:cTn id="35" dur="500"/>
+                                        <p:tgtEl>
+                                          <p:spTgt spid="23"/>
+                                        </p:tgtEl>
+                                        <p:attrNameLst>
+                                          <p:attrName>ppt_h</p:attrName>
+                                        </p:attrNameLst>
+                                      </p:cBhvr>
+                                      <p:tavLst>
+                                        <p:tav tm="0">
+                                          <p:val>
+                                            <p:strVal val="ppt_h"/>
+                                          </p:val>
+                                        </p:tav>
+                                        <p:tav tm="100000">
+                                          <p:val>
+                                            <p:fltVal val="0"/>
+                                          </p:val>
+                                        </p:tav>
+                                      </p:tavLst>
+                                    </p:anim>
+                                    <p:anim calcmode="lin" valueType="num">
+                                      <p:cBhvr>
+                                        <p:cTn id="36" dur="500"/>
+                                        <p:tgtEl>
+                                          <p:spTgt spid="23"/>
+                                        </p:tgtEl>
+                                        <p:attrNameLst>
+                                          <p:attrName>style.rotation</p:attrName>
+                                        </p:attrNameLst>
+                                      </p:cBhvr>
+                                      <p:tavLst>
+                                        <p:tav tm="0">
+                                          <p:val>
+                                            <p:fltVal val="0"/>
+                                          </p:val>
+                                        </p:tav>
+                                        <p:tav tm="100000">
+                                          <p:val>
+                                            <p:fltVal val="360"/>
+                                          </p:val>
+                                        </p:tav>
+                                      </p:tavLst>
+                                    </p:anim>
+                                    <p:animEffect transition="out" filter="fade">
+                                      <p:cBhvr>
+                                        <p:cTn id="37" dur="500"/>
+                                        <p:tgtEl>
+                                          <p:spTgt spid="23"/>
+                                        </p:tgtEl>
+                                      </p:cBhvr>
+                                    </p:animEffect>
+                                    <p:set>
+                                      <p:cBhvr>
+                                        <p:cTn id="38" dur="1" fill="hold">
+                                          <p:stCondLst>
+                                            <p:cond delay="499"/>
+                                          </p:stCondLst>
+                                        </p:cTn>
+                                        <p:tgtEl>
+                                          <p:spTgt spid="23"/>
+                                        </p:tgtEl>
+                                        <p:attrNameLst>
+                                          <p:attrName>style.visibility</p:attrName>
+                                        </p:attrNameLst>
+                                      </p:cBhvr>
+                                      <p:to>
+                                        <p:strVal val="hidden"/>
+                                      </p:to>
+                                    </p:set>
+                                  </p:childTnLst>
+                                </p:cTn>
+                              </p:par>
+                              <p:par>
+                                <p:cTn id="39" presetID="49" presetClass="exit" presetSubtype="0" accel="100000" fill="hold" grpId="0" nodeType="withEffect">
+                                  <p:stCondLst>
+                                    <p:cond delay="0"/>
+                                  </p:stCondLst>
+                                  <p:childTnLst>
+                                    <p:anim calcmode="lin" valueType="num">
+                                      <p:cBhvr>
+                                        <p:cTn id="40" dur="500"/>
+                                        <p:tgtEl>
+                                          <p:spTgt spid="35"/>
+                                        </p:tgtEl>
+                                        <p:attrNameLst>
+                                          <p:attrName>ppt_w</p:attrName>
+                                        </p:attrNameLst>
+                                      </p:cBhvr>
+                                      <p:tavLst>
+                                        <p:tav tm="0">
+                                          <p:val>
+                                            <p:strVal val="ppt_w"/>
+                                          </p:val>
+                                        </p:tav>
+                                        <p:tav tm="100000">
+                                          <p:val>
+                                            <p:fltVal val="0"/>
+                                          </p:val>
+                                        </p:tav>
+                                      </p:tavLst>
+                                    </p:anim>
+                                    <p:anim calcmode="lin" valueType="num">
+                                      <p:cBhvr>
+                                        <p:cTn id="41" dur="500"/>
+                                        <p:tgtEl>
+                                          <p:spTgt spid="35"/>
+                                        </p:tgtEl>
+                                        <p:attrNameLst>
+                                          <p:attrName>ppt_h</p:attrName>
+                                        </p:attrNameLst>
+                                      </p:cBhvr>
+                                      <p:tavLst>
+                                        <p:tav tm="0">
+                                          <p:val>
+                                            <p:strVal val="ppt_h"/>
+                                          </p:val>
+                                        </p:tav>
+                                        <p:tav tm="100000">
+                                          <p:val>
+                                            <p:fltVal val="0"/>
+                                          </p:val>
+                                        </p:tav>
+                                      </p:tavLst>
+                                    </p:anim>
+                                    <p:anim calcmode="lin" valueType="num">
+                                      <p:cBhvr>
+                                        <p:cTn id="42" dur="500"/>
+                                        <p:tgtEl>
+                                          <p:spTgt spid="35"/>
+                                        </p:tgtEl>
+                                        <p:attrNameLst>
+                                          <p:attrName>style.rotation</p:attrName>
+                                        </p:attrNameLst>
+                                      </p:cBhvr>
+                                      <p:tavLst>
+                                        <p:tav tm="0">
+                                          <p:val>
+                                            <p:fltVal val="0"/>
+                                          </p:val>
+                                        </p:tav>
+                                        <p:tav tm="100000">
+                                          <p:val>
+                                            <p:fltVal val="360"/>
+                                          </p:val>
+                                        </p:tav>
+                                      </p:tavLst>
+                                    </p:anim>
+                                    <p:animEffect transition="out" filter="fade">
+                                      <p:cBhvr>
+                                        <p:cTn id="43" dur="500"/>
+                                        <p:tgtEl>
+                                          <p:spTgt spid="35"/>
+                                        </p:tgtEl>
+                                      </p:cBhvr>
+                                    </p:animEffect>
+                                    <p:set>
+                                      <p:cBhvr>
+                                        <p:cTn id="44" dur="1" fill="hold">
+                                          <p:stCondLst>
+                                            <p:cond delay="499"/>
+                                          </p:stCondLst>
+                                        </p:cTn>
+                                        <p:tgtEl>
+                                          <p:spTgt spid="35"/>
+                                        </p:tgtEl>
+                                        <p:attrNameLst>
+                                          <p:attrName>style.visibility</p:attrName>
+                                        </p:attrNameLst>
+                                      </p:cBhvr>
+                                      <p:to>
+                                        <p:strVal val="hidden"/>
+                                      </p:to>
+                                    </p:set>
+                                  </p:childTnLst>
+                                </p:cTn>
+                              </p:par>
+                            </p:childTnLst>
+                          </p:cTn>
+                        </p:par>
+                      </p:childTnLst>
+                    </p:cTn>
+                  </p:par>
+                  <p:par>
+                    <p:cTn id="45" fill="hold">
+                      <p:stCondLst>
+                        <p:cond delay="indefinite"/>
+                      </p:stCondLst>
+                      <p:childTnLst>
+                        <p:par>
+                          <p:cTn id="46" fill="hold">
+                            <p:stCondLst>
+                              <p:cond delay="0"/>
+                            </p:stCondLst>
+                            <p:childTnLst>
+                              <p:par>
+                                <p:cTn id="47" presetID="1" presetClass="entr" presetSubtype="0" fill="hold" grpId="0" nodeType="clickEffect">
                                   <p:stCondLst>
                                     <p:cond delay="0"/>
                                   </p:stCondLst>
                                   <p:childTnLst>
                                     <p:set>
                                       <p:cBhvr>
-                                        <p:cTn id="6" dur="1" fill="hold">
+                                        <p:cTn id="48" dur="1" fill="hold">
                                           <p:stCondLst>
                                             <p:cond delay="0"/>
                                           </p:stCondLst>
@@ -15381,20 +16460,20 @@
                           </p:cTn>
                         </p:par>
                         <p:par>
-                          <p:cTn id="7" fill="hold">
+                          <p:cTn id="49" fill="hold">
                             <p:stCondLst>
                               <p:cond delay="0"/>
                             </p:stCondLst>
                             <p:childTnLst>
                               <p:par>
-                                <p:cTn id="8" presetID="53" presetClass="entr" presetSubtype="16" fill="hold" nodeType="afterEffect">
+                                <p:cTn id="50" presetID="53" presetClass="entr" presetSubtype="16" fill="hold" nodeType="afterEffect">
                                   <p:stCondLst>
                                     <p:cond delay="2000"/>
                                   </p:stCondLst>
                                   <p:childTnLst>
                                     <p:set>
                                       <p:cBhvr>
-                                        <p:cTn id="9" dur="1" fill="hold">
+                                        <p:cTn id="51" dur="1" fill="hold">
                                           <p:stCondLst>
                                             <p:cond delay="0"/>
                                           </p:stCondLst>
@@ -15412,7 +16491,7 @@
                                     </p:set>
                                     <p:anim calcmode="lin" valueType="num">
                                       <p:cBhvr>
-                                        <p:cTn id="10" dur="500" fill="hold"/>
+                                        <p:cTn id="52" dur="500" fill="hold"/>
                                         <p:tgtEl>
                                           <p:spTgt spid="1027"/>
                                         </p:tgtEl>
@@ -15435,7 +16514,7 @@
                                     </p:anim>
                                     <p:anim calcmode="lin" valueType="num">
                                       <p:cBhvr>
-                                        <p:cTn id="11" dur="500" fill="hold"/>
+                                        <p:cTn id="53" dur="500" fill="hold"/>
                                         <p:tgtEl>
                                           <p:spTgt spid="1027"/>
                                         </p:tgtEl>
@@ -15458,7 +16537,7 @@
                                     </p:anim>
                                     <p:animEffect transition="in" filter="fade">
                                       <p:cBhvr>
-                                        <p:cTn id="12" dur="500"/>
+                                        <p:cTn id="54" dur="500"/>
                                         <p:tgtEl>
                                           <p:spTgt spid="1027"/>
                                         </p:tgtEl>
@@ -15474,26 +16553,26 @@
                     </p:cTn>
                   </p:par>
                   <p:par>
-                    <p:cTn id="13" fill="hold">
+                    <p:cTn id="55" fill="hold">
                       <p:stCondLst>
                         <p:cond delay="indefinite"/>
                       </p:stCondLst>
                       <p:childTnLst>
                         <p:par>
-                          <p:cTn id="14" fill="hold">
+                          <p:cTn id="56" fill="hold">
                             <p:stCondLst>
                               <p:cond delay="0"/>
                             </p:stCondLst>
                             <p:childTnLst>
                               <p:par>
-                                <p:cTn id="15" presetID="2" presetClass="entr" presetSubtype="4" fill="hold" nodeType="clickEffect">
+                                <p:cTn id="57" presetID="2" presetClass="entr" presetSubtype="4" fill="hold" nodeType="clickEffect">
                                   <p:stCondLst>
                                     <p:cond delay="0"/>
                                   </p:stCondLst>
                                   <p:childTnLst>
                                     <p:set>
                                       <p:cBhvr>
-                                        <p:cTn id="16" dur="1" fill="hold">
+                                        <p:cTn id="58" dur="1" fill="hold">
                                           <p:stCondLst>
                                             <p:cond delay="0"/>
                                           </p:stCondLst>
@@ -15511,7 +16590,7 @@
                                     </p:set>
                                     <p:anim calcmode="lin" valueType="num">
                                       <p:cBhvr additive="base">
-                                        <p:cTn id="17" dur="500" fill="hold"/>
+                                        <p:cTn id="59" dur="500" fill="hold"/>
                                         <p:tgtEl>
                                           <p:spTgt spid="1028"/>
                                         </p:tgtEl>
@@ -15534,7 +16613,7 @@
                                     </p:anim>
                                     <p:anim calcmode="lin" valueType="num">
                                       <p:cBhvr additive="base">
-                                        <p:cTn id="18" dur="500" fill="hold"/>
+                                        <p:cTn id="60" dur="500" fill="hold"/>
                                         <p:tgtEl>
                                           <p:spTgt spid="1028"/>
                                         </p:tgtEl>
@@ -15562,20 +16641,20 @@
                           </p:cTn>
                         </p:par>
                         <p:par>
-                          <p:cTn id="19" fill="hold">
+                          <p:cTn id="61" fill="hold">
                             <p:stCondLst>
                               <p:cond delay="500"/>
                             </p:stCondLst>
                             <p:childTnLst>
                               <p:par>
-                                <p:cTn id="20" presetID="22" presetClass="entr" presetSubtype="8" fill="hold" grpId="0" nodeType="afterEffect">
+                                <p:cTn id="62" presetID="22" presetClass="entr" presetSubtype="8" fill="hold" grpId="0" nodeType="afterEffect">
                                   <p:stCondLst>
                                     <p:cond delay="0"/>
                                   </p:stCondLst>
                                   <p:childTnLst>
                                     <p:set>
                                       <p:cBhvr>
-                                        <p:cTn id="21" dur="1" fill="hold">
+                                        <p:cTn id="63" dur="1" fill="hold">
                                           <p:stCondLst>
                                             <p:cond delay="0"/>
                                           </p:stCondLst>
@@ -15593,7 +16672,7 @@
                                     </p:set>
                                     <p:animEffect transition="in" filter="wipe(left)">
                                       <p:cBhvr>
-                                        <p:cTn id="22" dur="500"/>
+                                        <p:cTn id="64" dur="500"/>
                                         <p:tgtEl>
                                           <p:spTgt spid="6"/>
                                         </p:tgtEl>
@@ -15632,6 +16711,9 @@
     <p:bldLst>
       <p:bldP spid="4" grpId="0"/>
       <p:bldP spid="6" grpId="0" animBg="1"/>
+      <p:bldP spid="17" grpId="0"/>
+      <p:bldP spid="35" grpId="0"/>
+      <p:bldP spid="36" grpId="0"/>
     </p:bldLst>
   </p:timing>
 </p:sld>

--- a/ModelTalk.pptx
+++ b/ModelTalk.pptx
@@ -1740,7 +1740,7 @@
       </dsp:nvSpPr>
       <dsp:spPr>
         <a:xfrm>
-          <a:off x="0" y="3779519"/>
+          <a:off x="0" y="3779520"/>
           <a:ext cx="7848600" cy="284480"/>
         </a:xfrm>
         <a:prstGeom prst="rect">
@@ -3707,7 +3707,7 @@
           <a:p>
             <a:fld id="{C180C10F-8680-4BB3-ADF1-25C4DFA511CD}" type="slidenum">
               <a:rPr lang="en-US" smtClean="0"/>
-              <a:t>13</a:t>
+              <a:t>10</a:t>
             </a:fld>
             <a:endParaRPr lang="en-US"/>
           </a:p>
@@ -3716,7 +3716,7 @@
     </p:spTree>
     <p:extLst>
       <p:ext uri="{BB962C8B-B14F-4D97-AF65-F5344CB8AC3E}">
-        <p14:creationId xmlns:p14="http://schemas.microsoft.com/office/powerpoint/2010/main" val="3736377133"/>
+        <p14:creationId xmlns:p14="http://schemas.microsoft.com/office/powerpoint/2010/main" val="553636895"/>
       </p:ext>
     </p:extLst>
   </p:cSld>
@@ -3770,7 +3770,16 @@
           <a:bodyPr/>
           <a:lstStyle/>
           <a:p>
-            <a:endParaRPr lang="en-US"/>
+            <a:pPr marL="0" lvl="1" defTabSz="966612">
+              <a:defRPr/>
+            </a:pPr>
+            <a:r>
+              <a:rPr lang="en-US" sz="2100" dirty="0"/>
+              <a:t>circumstances led to the Big Bang?</a:t>
+            </a:r>
+          </a:p>
+          <a:p>
+            <a:endParaRPr lang="en-US" dirty="0"/>
           </a:p>
         </p:txBody>
       </p:sp>
@@ -3791,6 +3800,272 @@
           <a:p>
             <a:fld id="{C180C10F-8680-4BB3-ADF1-25C4DFA511CD}" type="slidenum">
               <a:rPr lang="en-US" smtClean="0"/>
+              <a:t>11</a:t>
+            </a:fld>
+            <a:endParaRPr lang="en-US"/>
+          </a:p>
+        </p:txBody>
+      </p:sp>
+    </p:spTree>
+    <p:extLst>
+      <p:ext uri="{BB962C8B-B14F-4D97-AF65-F5344CB8AC3E}">
+        <p14:creationId xmlns:p14="http://schemas.microsoft.com/office/powerpoint/2010/main" val="3681521282"/>
+      </p:ext>
+    </p:extLst>
+  </p:cSld>
+  <p:clrMapOvr>
+    <a:masterClrMapping/>
+  </p:clrMapOvr>
+</p:notes>
+</file>
+
+<file path=ppt/notesSlides/notesSlide12.xml><?xml version="1.0" encoding="utf-8"?>
+<p:notes xmlns:a="http://schemas.openxmlformats.org/drawingml/2006/main" xmlns:r="http://schemas.openxmlformats.org/officeDocument/2006/relationships" xmlns:p="http://schemas.openxmlformats.org/presentationml/2006/main">
+  <p:cSld>
+    <p:spTree>
+      <p:nvGrpSpPr>
+        <p:cNvPr id="1" name=""/>
+        <p:cNvGrpSpPr/>
+        <p:nvPr/>
+      </p:nvGrpSpPr>
+      <p:grpSpPr>
+        <a:xfrm>
+          <a:off x="0" y="0"/>
+          <a:ext cx="0" cy="0"/>
+          <a:chOff x="0" y="0"/>
+          <a:chExt cx="0" cy="0"/>
+        </a:xfrm>
+      </p:grpSpPr>
+      <p:sp>
+        <p:nvSpPr>
+          <p:cNvPr id="2" name="Slide Image Placeholder 1"/>
+          <p:cNvSpPr>
+            <a:spLocks noGrp="1" noRot="1" noChangeAspect="1"/>
+          </p:cNvSpPr>
+          <p:nvPr>
+            <p:ph type="sldImg"/>
+          </p:nvPr>
+        </p:nvSpPr>
+        <p:spPr/>
+      </p:sp>
+      <p:sp>
+        <p:nvSpPr>
+          <p:cNvPr id="3" name="Notes Placeholder 2"/>
+          <p:cNvSpPr>
+            <a:spLocks noGrp="1"/>
+          </p:cNvSpPr>
+          <p:nvPr>
+            <p:ph type="body" idx="1"/>
+          </p:nvPr>
+        </p:nvSpPr>
+        <p:spPr/>
+        <p:txBody>
+          <a:bodyPr/>
+          <a:lstStyle/>
+          <a:p>
+            <a:r>
+              <a:rPr lang="en-US" dirty="0" smtClean="0"/>
+              <a:t>Moving a bit</a:t>
+            </a:r>
+            <a:r>
+              <a:rPr lang="en-US" baseline="0" dirty="0" smtClean="0"/>
+              <a:t> further in time, many of the ancient humans asked the same questions: what do we do when our models—the results of all our work and thinking—fail?</a:t>
+            </a:r>
+          </a:p>
+          <a:p>
+            <a:r>
+              <a:rPr lang="en-US" baseline="0" dirty="0" smtClean="0"/>
+              <a:t>The first answer </a:t>
+            </a:r>
+            <a:endParaRPr lang="en-US" dirty="0"/>
+          </a:p>
+        </p:txBody>
+      </p:sp>
+      <p:sp>
+        <p:nvSpPr>
+          <p:cNvPr id="4" name="Slide Number Placeholder 3"/>
+          <p:cNvSpPr>
+            <a:spLocks noGrp="1"/>
+          </p:cNvSpPr>
+          <p:nvPr>
+            <p:ph type="sldNum" sz="quarter" idx="10"/>
+          </p:nvPr>
+        </p:nvSpPr>
+        <p:spPr/>
+        <p:txBody>
+          <a:bodyPr/>
+          <a:lstStyle/>
+          <a:p>
+            <a:fld id="{C180C10F-8680-4BB3-ADF1-25C4DFA511CD}" type="slidenum">
+              <a:rPr lang="en-US" smtClean="0"/>
+              <a:t>12</a:t>
+            </a:fld>
+            <a:endParaRPr lang="en-US"/>
+          </a:p>
+        </p:txBody>
+      </p:sp>
+    </p:spTree>
+    <p:extLst>
+      <p:ext uri="{BB962C8B-B14F-4D97-AF65-F5344CB8AC3E}">
+        <p14:creationId xmlns:p14="http://schemas.microsoft.com/office/powerpoint/2010/main" val="1230397302"/>
+      </p:ext>
+    </p:extLst>
+  </p:cSld>
+  <p:clrMapOvr>
+    <a:masterClrMapping/>
+  </p:clrMapOvr>
+</p:notes>
+</file>
+
+<file path=ppt/notesSlides/notesSlide13.xml><?xml version="1.0" encoding="utf-8"?>
+<p:notes xmlns:a="http://schemas.openxmlformats.org/drawingml/2006/main" xmlns:r="http://schemas.openxmlformats.org/officeDocument/2006/relationships" xmlns:p="http://schemas.openxmlformats.org/presentationml/2006/main">
+  <p:cSld>
+    <p:spTree>
+      <p:nvGrpSpPr>
+        <p:cNvPr id="1" name=""/>
+        <p:cNvGrpSpPr/>
+        <p:nvPr/>
+      </p:nvGrpSpPr>
+      <p:grpSpPr>
+        <a:xfrm>
+          <a:off x="0" y="0"/>
+          <a:ext cx="0" cy="0"/>
+          <a:chOff x="0" y="0"/>
+          <a:chExt cx="0" cy="0"/>
+        </a:xfrm>
+      </p:grpSpPr>
+      <p:sp>
+        <p:nvSpPr>
+          <p:cNvPr id="2" name="Slide Image Placeholder 1"/>
+          <p:cNvSpPr>
+            <a:spLocks noGrp="1" noRot="1" noChangeAspect="1"/>
+          </p:cNvSpPr>
+          <p:nvPr>
+            <p:ph type="sldImg"/>
+          </p:nvPr>
+        </p:nvSpPr>
+        <p:spPr/>
+      </p:sp>
+      <p:sp>
+        <p:nvSpPr>
+          <p:cNvPr id="3" name="Notes Placeholder 2"/>
+          <p:cNvSpPr>
+            <a:spLocks noGrp="1"/>
+          </p:cNvSpPr>
+          <p:nvPr>
+            <p:ph type="body" idx="1"/>
+          </p:nvPr>
+        </p:nvSpPr>
+        <p:spPr/>
+        <p:txBody>
+          <a:bodyPr/>
+          <a:lstStyle/>
+          <a:p>
+            <a:endParaRPr lang="en-US"/>
+          </a:p>
+        </p:txBody>
+      </p:sp>
+      <p:sp>
+        <p:nvSpPr>
+          <p:cNvPr id="4" name="Slide Number Placeholder 3"/>
+          <p:cNvSpPr>
+            <a:spLocks noGrp="1"/>
+          </p:cNvSpPr>
+          <p:nvPr>
+            <p:ph type="sldNum" sz="quarter" idx="10"/>
+          </p:nvPr>
+        </p:nvSpPr>
+        <p:spPr/>
+        <p:txBody>
+          <a:bodyPr/>
+          <a:lstStyle/>
+          <a:p>
+            <a:fld id="{C180C10F-8680-4BB3-ADF1-25C4DFA511CD}" type="slidenum">
+              <a:rPr lang="en-US" smtClean="0"/>
+              <a:t>13</a:t>
+            </a:fld>
+            <a:endParaRPr lang="en-US"/>
+          </a:p>
+        </p:txBody>
+      </p:sp>
+    </p:spTree>
+    <p:extLst>
+      <p:ext uri="{BB962C8B-B14F-4D97-AF65-F5344CB8AC3E}">
+        <p14:creationId xmlns:p14="http://schemas.microsoft.com/office/powerpoint/2010/main" val="3736377133"/>
+      </p:ext>
+    </p:extLst>
+  </p:cSld>
+  <p:clrMapOvr>
+    <a:masterClrMapping/>
+  </p:clrMapOvr>
+</p:notes>
+</file>
+
+<file path=ppt/notesSlides/notesSlide14.xml><?xml version="1.0" encoding="utf-8"?>
+<p:notes xmlns:a="http://schemas.openxmlformats.org/drawingml/2006/main" xmlns:r="http://schemas.openxmlformats.org/officeDocument/2006/relationships" xmlns:p="http://schemas.openxmlformats.org/presentationml/2006/main">
+  <p:cSld>
+    <p:spTree>
+      <p:nvGrpSpPr>
+        <p:cNvPr id="1" name=""/>
+        <p:cNvGrpSpPr/>
+        <p:nvPr/>
+      </p:nvGrpSpPr>
+      <p:grpSpPr>
+        <a:xfrm>
+          <a:off x="0" y="0"/>
+          <a:ext cx="0" cy="0"/>
+          <a:chOff x="0" y="0"/>
+          <a:chExt cx="0" cy="0"/>
+        </a:xfrm>
+      </p:grpSpPr>
+      <p:sp>
+        <p:nvSpPr>
+          <p:cNvPr id="2" name="Slide Image Placeholder 1"/>
+          <p:cNvSpPr>
+            <a:spLocks noGrp="1" noRot="1" noChangeAspect="1"/>
+          </p:cNvSpPr>
+          <p:nvPr>
+            <p:ph type="sldImg"/>
+          </p:nvPr>
+        </p:nvSpPr>
+        <p:spPr/>
+      </p:sp>
+      <p:sp>
+        <p:nvSpPr>
+          <p:cNvPr id="3" name="Notes Placeholder 2"/>
+          <p:cNvSpPr>
+            <a:spLocks noGrp="1"/>
+          </p:cNvSpPr>
+          <p:nvPr>
+            <p:ph type="body" idx="1"/>
+          </p:nvPr>
+        </p:nvSpPr>
+        <p:spPr/>
+        <p:txBody>
+          <a:bodyPr/>
+          <a:lstStyle/>
+          <a:p>
+            <a:endParaRPr lang="en-US"/>
+          </a:p>
+        </p:txBody>
+      </p:sp>
+      <p:sp>
+        <p:nvSpPr>
+          <p:cNvPr id="4" name="Slide Number Placeholder 3"/>
+          <p:cNvSpPr>
+            <a:spLocks noGrp="1"/>
+          </p:cNvSpPr>
+          <p:nvPr>
+            <p:ph type="sldNum" sz="quarter" idx="10"/>
+          </p:nvPr>
+        </p:nvSpPr>
+        <p:spPr/>
+        <p:txBody>
+          <a:bodyPr/>
+          <a:lstStyle/>
+          <a:p>
+            <a:fld id="{C180C10F-8680-4BB3-ADF1-25C4DFA511CD}" type="slidenum">
+              <a:rPr lang="en-US" smtClean="0"/>
               <a:t>14</a:t>
             </a:fld>
             <a:endParaRPr lang="en-US"/>
@@ -3801,6 +4076,90 @@
     <p:extLst>
       <p:ext uri="{BB962C8B-B14F-4D97-AF65-F5344CB8AC3E}">
         <p14:creationId xmlns:p14="http://schemas.microsoft.com/office/powerpoint/2010/main" val="884669373"/>
+      </p:ext>
+    </p:extLst>
+  </p:cSld>
+  <p:clrMapOvr>
+    <a:masterClrMapping/>
+  </p:clrMapOvr>
+</p:notes>
+</file>
+
+<file path=ppt/notesSlides/notesSlide15.xml><?xml version="1.0" encoding="utf-8"?>
+<p:notes xmlns:a="http://schemas.openxmlformats.org/drawingml/2006/main" xmlns:r="http://schemas.openxmlformats.org/officeDocument/2006/relationships" xmlns:p="http://schemas.openxmlformats.org/presentationml/2006/main">
+  <p:cSld>
+    <p:spTree>
+      <p:nvGrpSpPr>
+        <p:cNvPr id="1" name=""/>
+        <p:cNvGrpSpPr/>
+        <p:nvPr/>
+      </p:nvGrpSpPr>
+      <p:grpSpPr>
+        <a:xfrm>
+          <a:off x="0" y="0"/>
+          <a:ext cx="0" cy="0"/>
+          <a:chOff x="0" y="0"/>
+          <a:chExt cx="0" cy="0"/>
+        </a:xfrm>
+      </p:grpSpPr>
+      <p:sp>
+        <p:nvSpPr>
+          <p:cNvPr id="2" name="Slide Image Placeholder 1"/>
+          <p:cNvSpPr>
+            <a:spLocks noGrp="1" noRot="1" noChangeAspect="1"/>
+          </p:cNvSpPr>
+          <p:nvPr>
+            <p:ph type="sldImg"/>
+          </p:nvPr>
+        </p:nvSpPr>
+        <p:spPr/>
+      </p:sp>
+      <p:sp>
+        <p:nvSpPr>
+          <p:cNvPr id="3" name="Notes Placeholder 2"/>
+          <p:cNvSpPr>
+            <a:spLocks noGrp="1"/>
+          </p:cNvSpPr>
+          <p:nvPr>
+            <p:ph type="body" idx="1"/>
+          </p:nvPr>
+        </p:nvSpPr>
+        <p:spPr/>
+        <p:txBody>
+          <a:bodyPr/>
+          <a:lstStyle/>
+          <a:p>
+            <a:endParaRPr lang="en-US"/>
+          </a:p>
+        </p:txBody>
+      </p:sp>
+      <p:sp>
+        <p:nvSpPr>
+          <p:cNvPr id="4" name="Slide Number Placeholder 3"/>
+          <p:cNvSpPr>
+            <a:spLocks noGrp="1"/>
+          </p:cNvSpPr>
+          <p:nvPr>
+            <p:ph type="sldNum" sz="quarter" idx="10"/>
+          </p:nvPr>
+        </p:nvSpPr>
+        <p:spPr/>
+        <p:txBody>
+          <a:bodyPr/>
+          <a:lstStyle/>
+          <a:p>
+            <a:fld id="{C180C10F-8680-4BB3-ADF1-25C4DFA511CD}" type="slidenum">
+              <a:rPr lang="en-US" smtClean="0"/>
+              <a:t>15</a:t>
+            </a:fld>
+            <a:endParaRPr lang="en-US"/>
+          </a:p>
+        </p:txBody>
+      </p:sp>
+    </p:spTree>
+    <p:extLst>
+      <p:ext uri="{BB962C8B-B14F-4D97-AF65-F5344CB8AC3E}">
+        <p14:creationId xmlns:p14="http://schemas.microsoft.com/office/powerpoint/2010/main" val="2515785959"/>
       </p:ext>
     </p:extLst>
   </p:cSld>
@@ -4236,24 +4595,48 @@
           <a:p>
             <a:r>
               <a:rPr lang="en-US" baseline="0" dirty="0" smtClean="0"/>
-              <a:t>D’s response: Yea, but think about chaotic systems.  A small deviation in initial inputs to a chaotic system, even on the scale of 10^-30, leads to total divergence.  Your models will never be correct.</a:t>
-            </a:r>
-          </a:p>
-          <a:p>
+              <a:t>D’s response: Yea, but think about </a:t>
+            </a:r>
+            <a:r>
+              <a:rPr lang="en-US" b="1" baseline="0" dirty="0" smtClean="0"/>
+              <a:t>chaotic</a:t>
+            </a:r>
             <a:r>
               <a:rPr lang="en-US" baseline="0" dirty="0" smtClean="0"/>
-              <a:t>G’s Stance:  Actually, we can model physical uncertainty with probability and randomness.  </a:t>
+              <a:t> systems.  A small deviation in initial inputs to a chaotic system, even on the scale of 10^-30, leads to total divergence.  Your models will never be correct.</a:t>
+            </a:r>
+          </a:p>
+          <a:p>
+            <a:r>
+              <a:rPr lang="en-US" baseline="0" dirty="0" smtClean="0"/>
+              <a:t>G’s Stance:  Actually, we can model physical uncertainty with </a:t>
+            </a:r>
+            <a:r>
+              <a:rPr lang="en-US" b="1" baseline="0" dirty="0" smtClean="0"/>
+              <a:t>probability</a:t>
+            </a:r>
+            <a:r>
+              <a:rPr lang="en-US" baseline="0" dirty="0" smtClean="0"/>
+              <a:t> and randomness.  </a:t>
+            </a:r>
+            <a:r>
+              <a:rPr lang="en-US" baseline="0" dirty="0" smtClean="0"/>
+              <a:t>By incorporating probability into our models, we can use </a:t>
+            </a:r>
+            <a:r>
+              <a:rPr lang="en-US" b="1" baseline="0" dirty="0" smtClean="0"/>
+              <a:t>machine learning </a:t>
+            </a:r>
+            <a:r>
+              <a:rPr lang="en-US" baseline="0" dirty="0" smtClean="0"/>
+              <a:t>to create models that capture reality with minimal error.</a:t>
             </a:r>
             <a:endParaRPr lang="en-US" baseline="0" dirty="0" smtClean="0"/>
           </a:p>
           <a:p>
             <a:r>
               <a:rPr lang="en-US" baseline="0" dirty="0" smtClean="0"/>
-              <a:t>D’s </a:t>
-            </a:r>
-            <a:r>
-              <a:rPr lang="en-US" baseline="0" dirty="0" smtClean="0"/>
-              <a:t>Response:  You risk </a:t>
+              <a:t>D’s Response:  You risk </a:t>
             </a:r>
             <a:r>
               <a:rPr lang="en-US" baseline="0" dirty="0" err="1" smtClean="0"/>
@@ -4261,33 +4644,51 @@
             </a:r>
             <a:r>
               <a:rPr lang="en-US" baseline="0" dirty="0" smtClean="0"/>
-              <a:t> the data and mistake randomness with supposed order.  You also need HUGE sets of data to have a decent model</a:t>
+              <a:t> the data and mistake randomness with supposed order.  You also need HUGE sets of data to have a decent model.  Think of the </a:t>
+            </a:r>
+            <a:r>
+              <a:rPr lang="en-US" b="1" baseline="0" dirty="0" smtClean="0"/>
+              <a:t>Bayesian error rate</a:t>
             </a:r>
             <a:r>
               <a:rPr lang="en-US" baseline="0" dirty="0" smtClean="0"/>
-              <a:t>.  Think of the Bayesian error rate: you will never achieve an error smaller than the minimum Bayesian Error Rate when engaging in any kind of machine learning.</a:t>
-            </a:r>
-            <a:endParaRPr lang="en-US" baseline="0" dirty="0" smtClean="0"/>
+              <a:t>: you will never achieve an error smaller than the minimum Bayesian Error Rate when engaging in any kind of machine learning.</a:t>
+            </a:r>
           </a:p>
           <a:p>
             <a:r>
               <a:rPr lang="en-US" baseline="0" dirty="0" smtClean="0"/>
-              <a:t>G’s stance: Ok, but you will never be correct either.   Your logical systems will never be complete without risking inconsistency.  And if you desire total consistency, then your system will be incomplete</a:t>
+              <a:t>G’s stance: Ok, but you will never be correct either.   Your logical systems will never be </a:t>
+            </a:r>
+            <a:r>
+              <a:rPr lang="en-US" b="1" baseline="0" dirty="0" smtClean="0"/>
+              <a:t>complete</a:t>
             </a:r>
             <a:r>
               <a:rPr lang="en-US" baseline="0" dirty="0" smtClean="0"/>
-              <a:t>.</a:t>
-            </a:r>
-            <a:endParaRPr lang="en-US" baseline="0" dirty="0" smtClean="0"/>
-          </a:p>
-          <a:p>
+              <a:t> without risking inconsistency.  And if you desire total </a:t>
+            </a:r>
+            <a:r>
+              <a:rPr lang="en-US" b="1" baseline="0" dirty="0" smtClean="0"/>
+              <a:t>consistency</a:t>
+            </a:r>
             <a:r>
               <a:rPr lang="en-US" baseline="0" dirty="0" smtClean="0"/>
-              <a:t>D’s stance:  Well, we’re both fucked</a:t>
-            </a:r>
+              <a:t>, then your system will be incomplete.</a:t>
+            </a:r>
+          </a:p>
+          <a:p>
             <a:r>
               <a:rPr lang="en-US" baseline="0" dirty="0" smtClean="0"/>
-              <a:t>. I can’t ever gain complete and consistent knowledge, and you can’t ever take perfect data observations from  the environment.  And we both cannot make perfect manipulations due to the laws of thermodynamics– no matter how much we try to intervene, we cannot make energy flow from low to high without applying work.  We can’t make perpetual motion machines!</a:t>
+              <a:t>D’s stance:  Well, we’re both fucked. I can’t ever gain complete and consistent knowledge, and you can’t ever take perfect data observations from  the environment.  And we both cannot make perfect manipulations due to the laws of </a:t>
+            </a:r>
+            <a:r>
+              <a:rPr lang="en-US" b="1" baseline="0" dirty="0" smtClean="0"/>
+              <a:t>thermodynamics</a:t>
+            </a:r>
+            <a:r>
+              <a:rPr lang="en-US" baseline="0" dirty="0" smtClean="0"/>
+              <a:t>– no matter how much we try to intervene, we cannot make energy flow from low to high without applying work.  We can’t make perpetual motion machines!</a:t>
             </a:r>
           </a:p>
           <a:p>
@@ -4507,25 +4908,8 @@
             </a:r>
             <a:r>
               <a:rPr lang="en-US" baseline="0" dirty="0" smtClean="0"/>
-              <a:t> explain &amp; intervene given the limits of our models, but with the capabilities we do have, we can deliver the most likely explanations</a:t>
-            </a:r>
-            <a:r>
-              <a:rPr lang="en-US" baseline="0" smtClean="0"/>
-              <a:t>, </a:t>
-            </a:r>
-            <a:r>
-              <a:rPr lang="en-US" baseline="0" smtClean="0"/>
-              <a:t>predictions &amp; </a:t>
-            </a:r>
-            <a:r>
-              <a:rPr lang="en-US" baseline="0" smtClean="0"/>
-              <a:t>interventions</a:t>
-            </a:r>
-            <a:r>
-              <a:rPr lang="en-US" baseline="0" smtClean="0"/>
-              <a:t>.</a:t>
-            </a:r>
-            <a:endParaRPr lang="en-US" baseline="0" dirty="0" smtClean="0"/>
+              <a:t> explain &amp; intervene given the limits of our models, but with the capabilities we do have, we can deliver the most likely explanations, predictions &amp; interventions.</a:t>
+            </a:r>
           </a:p>
           <a:p>
             <a:endParaRPr lang="en-US" dirty="0"/>
@@ -4729,15 +5113,85 @@
           <a:bodyPr/>
           <a:lstStyle/>
           <a:p>
-            <a:pPr marL="0" lvl="1" defTabSz="966612">
-              <a:defRPr/>
-            </a:pPr>
-            <a:r>
-              <a:rPr lang="en-US" sz="2100" dirty="0"/>
-              <a:t>circumstances led to the Big Bang?</a:t>
-            </a:r>
-          </a:p>
-          <a:p>
+            <a:r>
+              <a:rPr lang="en-US" dirty="0" smtClean="0"/>
+              <a:t>So… what should you take away from</a:t>
+            </a:r>
+            <a:r>
+              <a:rPr lang="en-US" baseline="0" dirty="0" smtClean="0"/>
+              <a:t> tonight?  </a:t>
+            </a:r>
+          </a:p>
+          <a:p>
+            <a:r>
+              <a:rPr lang="en-US" baseline="0" dirty="0" smtClean="0"/>
+              <a:t>First, recognize your goals: through what better predictions, explanations and interventions are you trying to change the world?  If you understand your goals and how to improve models to meet them, you will understand what your role in the world.</a:t>
+            </a:r>
+          </a:p>
+          <a:p>
+            <a:r>
+              <a:rPr lang="en-US" baseline="0" dirty="0" smtClean="0"/>
+              <a:t>Second, recognize there are fundamental limits.  BUT DO NOT DESPAIR!  Though we can’t ever hit the limits, we can approach them, and by doing so move humanity to greater place than today.</a:t>
+            </a:r>
+          </a:p>
+          <a:p>
+            <a:r>
+              <a:rPr lang="en-US" baseline="0" dirty="0" smtClean="0"/>
+              <a:t>We move to push the limits, and in doing so we create real progress in the world.  And we do it for those two grand goals:</a:t>
+            </a:r>
+          </a:p>
+          <a:p>
+            <a:r>
+              <a:rPr lang="en-US" baseline="0" dirty="0" smtClean="0"/>
+              <a:t>	to move the world toward our vision, and to take utter joy in the whole process while doing so.</a:t>
+            </a:r>
+          </a:p>
+          <a:p>
+            <a:endParaRPr lang="en-US" baseline="0" dirty="0" smtClean="0"/>
+          </a:p>
+          <a:p>
+            <a:r>
+              <a:rPr lang="en-US" dirty="0" smtClean="0"/>
+              <a:t>We have limits</a:t>
+            </a:r>
+          </a:p>
+          <a:p>
+            <a:r>
+              <a:rPr lang="en-US" dirty="0" smtClean="0"/>
+              <a:t>Can we hit the God Machine?</a:t>
+            </a:r>
+          </a:p>
+          <a:p>
+            <a:r>
+              <a:rPr lang="en-US" dirty="0" smtClean="0"/>
+              <a:t>No we can't</a:t>
+            </a:r>
+          </a:p>
+          <a:p>
+            <a:r>
+              <a:rPr lang="en-US" dirty="0" smtClean="0"/>
+              <a:t>But we can get closer</a:t>
+            </a:r>
+          </a:p>
+          <a:p>
+            <a:r>
+              <a:rPr lang="en-US" dirty="0" smtClean="0"/>
+              <a:t>And make</a:t>
+            </a:r>
+            <a:r>
+              <a:rPr lang="en-US" baseline="0" dirty="0" smtClean="0"/>
+              <a:t> </a:t>
+            </a:r>
+            <a:r>
+              <a:rPr lang="en-US" dirty="0" smtClean="0"/>
+              <a:t>real progress in the world</a:t>
+            </a:r>
+          </a:p>
+          <a:p>
+            <a:r>
+              <a:rPr lang="en-US" dirty="0" smtClean="0"/>
+              <a:t>And this is why we do it</a:t>
+            </a:r>
             <a:endParaRPr lang="en-US" dirty="0"/>
           </a:p>
         </p:txBody>
@@ -4759,7 +5213,7 @@
           <a:p>
             <a:fld id="{C180C10F-8680-4BB3-ADF1-25C4DFA511CD}" type="slidenum">
               <a:rPr lang="en-US" smtClean="0"/>
-              <a:t>11</a:t>
+              <a:t>8</a:t>
             </a:fld>
             <a:endParaRPr lang="en-US"/>
           </a:p>
@@ -4768,7 +5222,7 @@
     </p:spTree>
     <p:extLst>
       <p:ext uri="{BB962C8B-B14F-4D97-AF65-F5344CB8AC3E}">
-        <p14:creationId xmlns:p14="http://schemas.microsoft.com/office/powerpoint/2010/main" val="3681521282"/>
+        <p14:creationId xmlns:p14="http://schemas.microsoft.com/office/powerpoint/2010/main" val="2681226131"/>
       </p:ext>
     </p:extLst>
   </p:cSld>
@@ -4822,21 +5276,7 @@
           <a:bodyPr/>
           <a:lstStyle/>
           <a:p>
-            <a:r>
-              <a:rPr lang="en-US" dirty="0" smtClean="0"/>
-              <a:t>Moving a bit</a:t>
-            </a:r>
-            <a:r>
-              <a:rPr lang="en-US" baseline="0" dirty="0" smtClean="0"/>
-              <a:t> further in time, many of the ancient humans asked the same questions: what do we do when our models—the results of all our work and thinking—fail?</a:t>
-            </a:r>
-          </a:p>
-          <a:p>
-            <a:r>
-              <a:rPr lang="en-US" baseline="0" dirty="0" smtClean="0"/>
-              <a:t>The first answer </a:t>
-            </a:r>
-            <a:endParaRPr lang="en-US" dirty="0"/>
+            <a:endParaRPr lang="en-US"/>
           </a:p>
         </p:txBody>
       </p:sp>
@@ -4857,7 +5297,7 @@
           <a:p>
             <a:fld id="{C180C10F-8680-4BB3-ADF1-25C4DFA511CD}" type="slidenum">
               <a:rPr lang="en-US" smtClean="0"/>
-              <a:t>12</a:t>
+              <a:t>9</a:t>
             </a:fld>
             <a:endParaRPr lang="en-US"/>
           </a:p>
@@ -4866,7 +5306,7 @@
     </p:spTree>
     <p:extLst>
       <p:ext uri="{BB962C8B-B14F-4D97-AF65-F5344CB8AC3E}">
-        <p14:creationId xmlns:p14="http://schemas.microsoft.com/office/powerpoint/2010/main" val="1230397302"/>
+        <p14:creationId xmlns:p14="http://schemas.microsoft.com/office/powerpoint/2010/main" val="756992731"/>
       </p:ext>
     </p:extLst>
   </p:cSld>
@@ -7943,20 +8383,38 @@
           <a:p>
             <a:r>
               <a:rPr lang="en-US" dirty="0" smtClean="0"/>
-              <a:t>Human 	Limits</a:t>
-            </a:r>
-          </a:p>
-          <a:p>
+              <a:t>Human </a:t>
+            </a:r>
             <a:r>
               <a:rPr lang="en-US" dirty="0" smtClean="0"/>
-              <a:t>Ultimate	Limits</a:t>
-            </a:r>
+              <a:t>Limits</a:t>
+            </a:r>
+            <a:endParaRPr lang="en-US" dirty="0" smtClean="0"/>
           </a:p>
           <a:p>
             <a:r>
               <a:rPr lang="en-US" dirty="0" smtClean="0"/>
-              <a:t>Pushing 	Limits</a:t>
-            </a:r>
+              <a:t>Ultimate	</a:t>
+            </a:r>
+            <a:r>
+              <a:rPr lang="en-US" dirty="0"/>
+              <a:t> </a:t>
+            </a:r>
+            <a:r>
+              <a:rPr lang="en-US" dirty="0" smtClean="0"/>
+              <a:t>Limits</a:t>
+            </a:r>
+          </a:p>
+          <a:p>
+            <a:r>
+              <a:rPr lang="en-US" dirty="0" smtClean="0"/>
+              <a:t>Pushing </a:t>
+            </a:r>
+            <a:r>
+              <a:rPr lang="en-US" dirty="0" smtClean="0"/>
+              <a:t>Limits</a:t>
+            </a:r>
+            <a:endParaRPr lang="en-US" dirty="0" smtClean="0"/>
           </a:p>
           <a:p>
             <a:r>
@@ -19118,7 +19576,7 @@
       </p:sp>
       <p:sp>
         <p:nvSpPr>
-          <p:cNvPr id="3" name="Content Placeholder 2"/>
+          <p:cNvPr id="3" name="ontent Placeholder 2"/>
           <p:cNvSpPr>
             <a:spLocks noGrp="1"/>
           </p:cNvSpPr>
@@ -19137,10 +19595,13 @@
           <a:bodyPr anchor="ctr" anchorCtr="0"/>
           <a:lstStyle/>
           <a:p>
-            <a:pPr marL="914400" lvl="1" indent="-514350">
-              <a:buFont typeface="+mj-lt"/>
-              <a:buAutoNum type="arabicParenR"/>
+            <a:pPr marL="400050" lvl="1" indent="0">
+              <a:buNone/>
             </a:pPr>
+            <a:r>
+              <a:rPr lang="en-US" dirty="0" smtClean="0"/>
+              <a:t> </a:t>
+            </a:r>
             <a:endParaRPr lang="en-US" dirty="0" smtClean="0"/>
           </a:p>
         </p:txBody>
@@ -19212,7 +19673,15 @@
             </a:pPr>
             <a:r>
               <a:rPr lang="en-US" sz="3200" dirty="0"/>
-              <a:t>Advance humanity toward your future vision</a:t>
+              <a:t>Advance humanity toward </a:t>
+            </a:r>
+            <a:r>
+              <a:rPr lang="en-US" sz="3200" b="1" i="1" dirty="0">
+                <a:solidFill>
+                  <a:srgbClr val="7030A0"/>
+                </a:solidFill>
+              </a:rPr>
+              <a:t>your future vision</a:t>
             </a:r>
           </a:p>
           <a:p>
@@ -19241,8 +19710,44 @@
             </a:pPr>
             <a:r>
               <a:rPr lang="en-US" sz="3200" dirty="0"/>
-              <a:t>FUN!  Enjoy everything</a:t>
-            </a:r>
+              <a:t> </a:t>
+            </a:r>
+            <a:r>
+              <a:rPr lang="en-US" sz="3200" b="1" cap="small" dirty="0">
+                <a:solidFill>
+                  <a:srgbClr val="7030A0"/>
+                </a:solidFill>
+                <a:latin typeface="Eras Bold ITC" pitchFamily="34" charset="0"/>
+              </a:rPr>
+              <a:t>Fun</a:t>
+            </a:r>
+            <a:r>
+              <a:rPr lang="en-US" sz="3200" b="1" dirty="0" smtClean="0">
+                <a:solidFill>
+                  <a:srgbClr val="7030A0"/>
+                </a:solidFill>
+                <a:latin typeface="Eras Bold ITC" pitchFamily="34" charset="0"/>
+              </a:rPr>
+              <a:t>!</a:t>
+            </a:r>
+            <a:r>
+              <a:rPr lang="en-US" sz="3200" dirty="0" smtClean="0">
+                <a:solidFill>
+                  <a:srgbClr val="7030A0"/>
+                </a:solidFill>
+                <a:latin typeface="Eras Bold ITC" pitchFamily="34" charset="0"/>
+              </a:rPr>
+              <a:t>  </a:t>
+            </a:r>
+            <a:r>
+              <a:rPr lang="en-US" sz="3200" dirty="0"/>
+              <a:t>Enjoy </a:t>
+            </a:r>
+            <a:r>
+              <a:rPr lang="en-US" sz="3200" dirty="0" smtClean="0"/>
+              <a:t>everything…</a:t>
+            </a:r>
+            <a:endParaRPr lang="en-US" sz="3200" dirty="0"/>
           </a:p>
           <a:p>
             <a:pPr marL="857250" lvl="1" indent="-457200">
@@ -19782,8 +20287,16 @@
               <a:buAutoNum type="arabicParenR"/>
             </a:pPr>
             <a:r>
-              <a:rPr lang="en-US" dirty="0" smtClean="0"/>
-              <a:t>Advance humanity toward your future vision</a:t>
+              <a:rPr lang="en-US" dirty="0"/>
+              <a:t>Advance humanity toward </a:t>
+            </a:r>
+            <a:r>
+              <a:rPr lang="en-US" b="1" i="1" dirty="0">
+                <a:solidFill>
+                  <a:srgbClr val="7030A0"/>
+                </a:solidFill>
+              </a:rPr>
+              <a:t>your future vision</a:t>
             </a:r>
           </a:p>
           <a:p>
@@ -19792,25 +20305,16 @@
               <a:buChar char="è"/>
             </a:pPr>
             <a:r>
-              <a:rPr lang="en-US" dirty="0">
+              <a:rPr lang="en-US" sz="3200" dirty="0">
                 <a:solidFill>
                   <a:prstClr val="black"/>
                 </a:solidFill>
                 <a:sym typeface="Wingdings" pitchFamily="2" charset="2"/>
               </a:rPr>
-              <a:t>Your meaning of </a:t>
-            </a:r>
-            <a:r>
-              <a:rPr lang="en-US" dirty="0" smtClean="0">
-                <a:solidFill>
-                  <a:prstClr val="black"/>
-                </a:solidFill>
-                <a:sym typeface="Wingdings" pitchFamily="2" charset="2"/>
-              </a:rPr>
-              <a:t>life</a:t>
-            </a:r>
-            <a:r>
-              <a:rPr lang="en-US" dirty="0" smtClean="0"/>
+              <a:t>Your meaning of life</a:t>
+            </a:r>
+            <a:r>
+              <a:rPr lang="en-US" sz="3200" dirty="0"/>
               <a:t> </a:t>
             </a:r>
           </a:p>
@@ -19820,9 +20324,45 @@
               <a:buAutoNum type="arabicParenR"/>
             </a:pPr>
             <a:r>
+              <a:rPr lang="en-US" dirty="0"/>
+              <a:t> </a:t>
+            </a:r>
+            <a:r>
+              <a:rPr lang="en-US" b="1" cap="small" dirty="0" smtClean="0">
+                <a:solidFill>
+                  <a:srgbClr val="7030A0"/>
+                </a:solidFill>
+                <a:latin typeface="Eras Bold ITC" pitchFamily="34" charset="0"/>
+              </a:rPr>
+              <a:t>Fun</a:t>
+            </a:r>
+            <a:r>
+              <a:rPr lang="en-US" b="1" dirty="0" smtClean="0">
+                <a:solidFill>
+                  <a:srgbClr val="7030A0"/>
+                </a:solidFill>
+                <a:latin typeface="Eras Bold ITC" pitchFamily="34" charset="0"/>
+              </a:rPr>
+              <a:t>!</a:t>
+            </a:r>
+            <a:r>
+              <a:rPr lang="en-US" dirty="0" smtClean="0">
+                <a:solidFill>
+                  <a:srgbClr val="7030A0"/>
+                </a:solidFill>
+                <a:latin typeface="Eras Bold ITC" pitchFamily="34" charset="0"/>
+              </a:rPr>
+              <a:t>  </a:t>
+            </a:r>
+            <a:r>
+              <a:rPr lang="en-US" dirty="0"/>
+              <a:t>Enjoy </a:t>
+            </a:r>
+            <a:r>
               <a:rPr lang="en-US" dirty="0" smtClean="0"/>
-              <a:t>FUN!  Enjoy everything</a:t>
-            </a:r>
+              <a:t>everything…</a:t>
+            </a:r>
+            <a:endParaRPr lang="en-US" dirty="0"/>
           </a:p>
           <a:p>
             <a:pPr marL="857250" lvl="1" indent="-457200">
@@ -19830,7 +20370,7 @@
               <a:buChar char="è"/>
             </a:pPr>
             <a:r>
-              <a:rPr lang="en-US" dirty="0" smtClean="0">
+              <a:rPr lang="en-US" sz="3200" dirty="0">
                 <a:solidFill>
                   <a:prstClr val="black"/>
                 </a:solidFill>
@@ -19838,6 +20378,12 @@
               </a:rPr>
               <a:t>Creation process, outcome, camaraderie</a:t>
             </a:r>
+            <a:endParaRPr lang="en-US" sz="3200" dirty="0">
+              <a:solidFill>
+                <a:prstClr val="black"/>
+              </a:solidFill>
+              <a:sym typeface="Wingdings" pitchFamily="2" charset="2"/>
+            </a:endParaRPr>
           </a:p>
         </p:txBody>
       </p:sp>
@@ -19850,7 +20396,7 @@
           <p:nvPr/>
         </p:nvPicPr>
         <p:blipFill>
-          <a:blip r:embed="rId2">
+          <a:blip r:embed="rId3">
             <a:extLst>
               <a:ext uri="{28A0092B-C50C-407E-A947-70E740481C1C}">
                 <a14:useLocalDpi xmlns:a14="http://schemas.microsoft.com/office/drawing/2010/main" val="0"/>
@@ -19986,8 +20532,8 @@
         </p:nvSpPr>
         <p:spPr>
           <a:xfrm>
-            <a:off x="3276600" y="5240253"/>
-            <a:ext cx="4838091" cy="1077218"/>
+            <a:off x="3048001" y="5323582"/>
+            <a:ext cx="4648199" cy="1077218"/>
           </a:xfrm>
           <a:prstGeom prst="rect">
             <a:avLst/>
@@ -20018,7 +20564,21 @@
                 <a:latin typeface="Copperplate Gothic Bold" pitchFamily="34" charset="0"/>
                 <a:sym typeface="Wingdings" pitchFamily="2" charset="2"/>
               </a:rPr>
-              <a:t>Approach our hard limits and prosper!</a:t>
+              <a:t>Approach our </a:t>
+            </a:r>
+            <a:r>
+              <a:rPr lang="en-US" sz="3200" b="1" dirty="0" smtClean="0">
+                <a:latin typeface="Copperplate Gothic Bold" pitchFamily="34" charset="0"/>
+                <a:sym typeface="Wingdings" pitchFamily="2" charset="2"/>
+              </a:rPr>
+              <a:t>limits </a:t>
+            </a:r>
+            <a:r>
+              <a:rPr lang="en-US" sz="3200" b="1" dirty="0" smtClean="0">
+                <a:latin typeface="Copperplate Gothic Bold" pitchFamily="34" charset="0"/>
+                <a:sym typeface="Wingdings" pitchFamily="2" charset="2"/>
+              </a:rPr>
+              <a:t>and prosper!</a:t>
             </a:r>
             <a:endParaRPr lang="en-US" sz="3200" b="1" dirty="0">
               <a:latin typeface="Copperplate Gothic Bold" pitchFamily="34" charset="0"/>
@@ -20035,7 +20595,7 @@
           <p:nvPr/>
         </p:nvPicPr>
         <p:blipFill>
-          <a:blip r:embed="rId3" cstate="print">
+          <a:blip r:embed="rId4" cstate="print">
             <a:extLst>
               <a:ext uri="{28A0092B-C50C-407E-A947-70E740481C1C}">
                 <a14:useLocalDpi xmlns:a14="http://schemas.microsoft.com/office/drawing/2010/main" val="0"/>
@@ -20049,13 +20609,36 @@
         </p:blipFill>
         <p:spPr bwMode="auto">
           <a:xfrm rot="16200000">
-            <a:off x="7077078" y="3401932"/>
+            <a:off x="7037469" y="3267078"/>
             <a:ext cx="2116053" cy="1560590"/>
           </a:xfrm>
-          <a:prstGeom prst="rect">
+          <a:prstGeom prst="ellipse">
             <a:avLst/>
           </a:prstGeom>
-          <a:noFill/>
+          <a:ln w="63500" cap="rnd">
+            <a:solidFill>
+              <a:srgbClr val="333333"/>
+            </a:solidFill>
+          </a:ln>
+          <a:effectLst>
+            <a:outerShdw blurRad="381000" dist="292100" dir="5400000" sx="-80000" sy="-18000" rotWithShape="0">
+              <a:srgbClr val="000000">
+                <a:alpha val="22000"/>
+              </a:srgbClr>
+            </a:outerShdw>
+          </a:effectLst>
+          <a:scene3d>
+            <a:camera prst="orthographicFront"/>
+            <a:lightRig rig="contrasting" dir="t">
+              <a:rot lat="0" lon="0" rev="3000000"/>
+            </a:lightRig>
+          </a:scene3d>
+          <a:sp3d contourW="7620">
+            <a:bevelT w="95250" h="31750"/>
+            <a:contourClr>
+              <a:srgbClr val="333333"/>
+            </a:contourClr>
+          </a:sp3d>
           <a:extLst>
             <a:ext uri="{909E8E84-426E-40DD-AFC4-6F175D3DCCD1}">
               <a14:hiddenFill xmlns:a14="http://schemas.microsoft.com/office/drawing/2010/main">
@@ -20067,6 +20650,85 @@
           </a:extLst>
         </p:spPr>
       </p:pic>
+      <p:sp>
+        <p:nvSpPr>
+          <p:cNvPr id="2" name="Oval 1"/>
+          <p:cNvSpPr/>
+          <p:nvPr/>
+        </p:nvSpPr>
+        <p:spPr>
+          <a:xfrm>
+            <a:off x="7924800" y="-1676400"/>
+            <a:ext cx="2666287" cy="2819400"/>
+          </a:xfrm>
+          <a:prstGeom prst="ellipse">
+            <a:avLst/>
+          </a:prstGeom>
+          <a:gradFill flip="none" rotWithShape="1">
+            <a:gsLst>
+              <a:gs pos="0">
+                <a:srgbClr val="E6DCAC"/>
+              </a:gs>
+              <a:gs pos="12000">
+                <a:srgbClr val="E6D78A">
+                  <a:alpha val="81000"/>
+                </a:srgbClr>
+              </a:gs>
+              <a:gs pos="30000">
+                <a:srgbClr val="C7AC4C">
+                  <a:alpha val="67000"/>
+                </a:srgbClr>
+              </a:gs>
+              <a:gs pos="45000">
+                <a:srgbClr val="E6D78A">
+                  <a:alpha val="61000"/>
+                </a:srgbClr>
+              </a:gs>
+              <a:gs pos="77000">
+                <a:srgbClr val="C7AC4C">
+                  <a:alpha val="24000"/>
+                </a:srgbClr>
+              </a:gs>
+              <a:gs pos="100000">
+                <a:srgbClr val="F0EACC">
+                  <a:alpha val="80000"/>
+                </a:srgbClr>
+              </a:gs>
+            </a:gsLst>
+            <a:path path="circle">
+              <a:fillToRect l="50000" t="50000" r="50000" b="50000"/>
+            </a:path>
+            <a:tileRect/>
+          </a:gradFill>
+          <a:effectLst>
+            <a:softEdge rad="127000"/>
+          </a:effectLst>
+        </p:spPr>
+        <p:style>
+          <a:lnRef idx="2">
+            <a:schemeClr val="accent1">
+              <a:shade val="50000"/>
+            </a:schemeClr>
+          </a:lnRef>
+          <a:fillRef idx="1">
+            <a:schemeClr val="accent1"/>
+          </a:fillRef>
+          <a:effectRef idx="0">
+            <a:schemeClr val="accent1"/>
+          </a:effectRef>
+          <a:fontRef idx="minor">
+            <a:schemeClr val="lt1"/>
+          </a:fontRef>
+        </p:style>
+        <p:txBody>
+          <a:bodyPr rtlCol="0" anchor="ctr"/>
+          <a:lstStyle/>
+          <a:p>
+            <a:pPr algn="ctr"/>
+            <a:endParaRPr lang="en-US"/>
+          </a:p>
+        </p:txBody>
+      </p:sp>
     </p:spTree>
     <p:extLst>
       <p:ext uri="{BB962C8B-B14F-4D97-AF65-F5344CB8AC3E}">

--- a/ModelTalk.pptx
+++ b/ModelTalk.pptx
@@ -4617,11 +4617,7 @@
             </a:r>
             <a:r>
               <a:rPr lang="en-US" baseline="0" dirty="0" smtClean="0"/>
-              <a:t> and randomness.  </a:t>
-            </a:r>
-            <a:r>
-              <a:rPr lang="en-US" baseline="0" dirty="0" smtClean="0"/>
-              <a:t>By incorporating probability into our models, we can use </a:t>
+              <a:t> and randomness.  By incorporating probability into our models, we can use </a:t>
             </a:r>
             <a:r>
               <a:rPr lang="en-US" b="1" baseline="0" dirty="0" smtClean="0"/>
@@ -4631,7 +4627,6 @@
               <a:rPr lang="en-US" baseline="0" dirty="0" smtClean="0"/>
               <a:t>to create models that capture reality with minimal error.</a:t>
             </a:r>
-            <a:endParaRPr lang="en-US" baseline="0" dirty="0" smtClean="0"/>
           </a:p>
           <a:p>
             <a:r>
@@ -8383,38 +8378,28 @@
           <a:p>
             <a:r>
               <a:rPr lang="en-US" dirty="0" smtClean="0"/>
-              <a:t>Human </a:t>
+              <a:t>Human Limits</a:t>
+            </a:r>
+          </a:p>
+          <a:p>
+            <a:r>
+              <a:rPr lang="en-US" dirty="0" smtClean="0"/>
+              <a:t>Ultimate	</a:t>
+            </a:r>
+            <a:r>
+              <a:rPr lang="en-US" dirty="0"/>
+              <a:t> </a:t>
             </a:r>
             <a:r>
               <a:rPr lang="en-US" dirty="0" smtClean="0"/>
               <a:t>Limits</a:t>
             </a:r>
-            <a:endParaRPr lang="en-US" dirty="0" smtClean="0"/>
           </a:p>
           <a:p>
             <a:r>
               <a:rPr lang="en-US" dirty="0" smtClean="0"/>
-              <a:t>Ultimate	</a:t>
-            </a:r>
-            <a:r>
-              <a:rPr lang="en-US" dirty="0"/>
-              <a:t> </a:t>
-            </a:r>
-            <a:r>
-              <a:rPr lang="en-US" dirty="0" smtClean="0"/>
-              <a:t>Limits</a:t>
-            </a:r>
-          </a:p>
-          <a:p>
-            <a:r>
-              <a:rPr lang="en-US" dirty="0" smtClean="0"/>
-              <a:t>Pushing </a:t>
-            </a:r>
-            <a:r>
-              <a:rPr lang="en-US" dirty="0" smtClean="0"/>
-              <a:t>Limits</a:t>
-            </a:r>
-            <a:endParaRPr lang="en-US" dirty="0" smtClean="0"/>
+              <a:t>Pushing Limits</a:t>
+            </a:r>
           </a:p>
           <a:p>
             <a:r>
@@ -19602,7 +19587,6 @@
               <a:rPr lang="en-US" dirty="0" smtClean="0"/>
               <a:t> </a:t>
             </a:r>
-            <a:endParaRPr lang="en-US" dirty="0" smtClean="0"/>
           </a:p>
         </p:txBody>
       </p:sp>
@@ -20378,12 +20362,6 @@
               </a:rPr>
               <a:t>Creation process, outcome, camaraderie</a:t>
             </a:r>
-            <a:endParaRPr lang="en-US" sz="3200" dirty="0">
-              <a:solidFill>
-                <a:prstClr val="black"/>
-              </a:solidFill>
-              <a:sym typeface="Wingdings" pitchFamily="2" charset="2"/>
-            </a:endParaRPr>
           </a:p>
         </p:txBody>
       </p:sp>
@@ -20564,21 +20542,7 @@
                 <a:latin typeface="Copperplate Gothic Bold" pitchFamily="34" charset="0"/>
                 <a:sym typeface="Wingdings" pitchFamily="2" charset="2"/>
               </a:rPr>
-              <a:t>Approach our </a:t>
-            </a:r>
-            <a:r>
-              <a:rPr lang="en-US" sz="3200" b="1" dirty="0" smtClean="0">
-                <a:latin typeface="Copperplate Gothic Bold" pitchFamily="34" charset="0"/>
-                <a:sym typeface="Wingdings" pitchFamily="2" charset="2"/>
-              </a:rPr>
-              <a:t>limits </a:t>
-            </a:r>
-            <a:r>
-              <a:rPr lang="en-US" sz="3200" b="1" dirty="0" smtClean="0">
-                <a:latin typeface="Copperplate Gothic Bold" pitchFamily="34" charset="0"/>
-                <a:sym typeface="Wingdings" pitchFamily="2" charset="2"/>
-              </a:rPr>
-              <a:t>and prosper!</a:t>
+              <a:t>Approach our limits and prosper!</a:t>
             </a:r>
             <a:endParaRPr lang="en-US" sz="3200" b="1" dirty="0">
               <a:latin typeface="Copperplate Gothic Bold" pitchFamily="34" charset="0"/>
